--- a/Slides/Secure-Coding-Dot-Net.pptx
+++ b/Slides/Secure-Coding-Dot-Net.pptx
@@ -5,19 +5,21 @@
     <p:sldMasterId id="2147483648" r:id="rId4"/>
   </p:sldMasterIdLst>
   <p:notesMasterIdLst>
-    <p:notesMasterId r:id="rId12"/>
+    <p:notesMasterId r:id="rId14"/>
   </p:notesMasterIdLst>
   <p:handoutMasterIdLst>
-    <p:handoutMasterId r:id="rId13"/>
+    <p:handoutMasterId r:id="rId15"/>
   </p:handoutMasterIdLst>
   <p:sldIdLst>
     <p:sldId id="377" r:id="rId5"/>
     <p:sldId id="378" r:id="rId6"/>
     <p:sldId id="379" r:id="rId7"/>
     <p:sldId id="380" r:id="rId8"/>
-    <p:sldId id="382" r:id="rId9"/>
-    <p:sldId id="381" r:id="rId10"/>
-    <p:sldId id="362" r:id="rId11"/>
+    <p:sldId id="383" r:id="rId9"/>
+    <p:sldId id="382" r:id="rId10"/>
+    <p:sldId id="381" r:id="rId11"/>
+    <p:sldId id="384" r:id="rId12"/>
+    <p:sldId id="362" r:id="rId13"/>
   </p:sldIdLst>
   <p:sldSz cx="9144000" cy="5143500" type="screen16x9"/>
   <p:notesSz cx="6858000" cy="9144000"/>
@@ -231,7 +233,7 @@
           <a:p>
             <a:fld id="{D3FDC4BA-F62C-46A2-87C1-2103180CFF88}" type="datetimeFigureOut">
               <a:rPr lang="de-AT" smtClean="0"/>
-              <a:t>19.06.2019</a:t>
+              <a:t>21.06.2019</a:t>
             </a:fld>
             <a:endParaRPr lang="de-AT"/>
           </a:p>
@@ -397,7 +399,7 @@
             <a:fld id="{3612A09C-9A01-4873-9E29-1DA9CA5B5B01}" type="datetimeFigureOut">
               <a:rPr lang="de-DE" smtClean="0"/>
               <a:pPr/>
-              <a:t>19.06.2019</a:t>
+              <a:t>21.06.2019</a:t>
             </a:fld>
             <a:endParaRPr lang="de-AT"/>
           </a:p>
@@ -12709,6 +12711,175 @@
           <p:cNvPr id="2" name="Title 1">
             <a:extLst>
               <a:ext uri="{FF2B5EF4-FFF2-40B4-BE49-F238E27FC236}">
+                <a16:creationId xmlns:a16="http://schemas.microsoft.com/office/drawing/2014/main" id="{FDCA5176-74BF-4D0C-AC1E-AD64ADD2C686}"/>
+              </a:ext>
+            </a:extLst>
+          </p:cNvPr>
+          <p:cNvSpPr>
+            <a:spLocks noGrp="1"/>
+          </p:cNvSpPr>
+          <p:nvPr>
+            <p:ph type="title"/>
+          </p:nvPr>
+        </p:nvSpPr>
+        <p:spPr/>
+        <p:txBody>
+          <a:bodyPr/>
+          <a:lstStyle/>
+          <a:p>
+            <a:r>
+              <a:rPr lang="en-US"/>
+              <a:t>bcrypt.net</a:t>
+            </a:r>
+          </a:p>
+        </p:txBody>
+      </p:sp>
+      <p:sp>
+        <p:nvSpPr>
+          <p:cNvPr id="3" name="Content Placeholder 2">
+            <a:extLst>
+              <a:ext uri="{FF2B5EF4-FFF2-40B4-BE49-F238E27FC236}">
+                <a16:creationId xmlns:a16="http://schemas.microsoft.com/office/drawing/2014/main" id="{C9EC6411-B607-40FF-9D56-8B7F02BAFF0B}"/>
+              </a:ext>
+            </a:extLst>
+          </p:cNvPr>
+          <p:cNvSpPr>
+            <a:spLocks noGrp="1"/>
+          </p:cNvSpPr>
+          <p:nvPr>
+            <p:ph sz="quarter" idx="12"/>
+          </p:nvPr>
+        </p:nvSpPr>
+        <p:spPr/>
+        <p:txBody>
+          <a:bodyPr/>
+          <a:lstStyle/>
+          <a:p>
+            <a:r>
+              <a:rPr lang="en-US">
+                <a:hlinkClick r:id="rId2"/>
+              </a:rPr>
+              <a:t>https://github.com/BcryptNet/bcrypt.net</a:t>
+            </a:r>
+            <a:endParaRPr lang="en-US"/>
+          </a:p>
+          <a:p>
+            <a:pPr lvl="1"/>
+            <a:r>
+              <a:rPr lang="en-US"/>
+              <a:t>NuGet: </a:t>
+            </a:r>
+            <a:r>
+              <a:rPr lang="en-US" i="1"/>
+              <a:t>BCrypt.Net-Next</a:t>
+            </a:r>
+          </a:p>
+          <a:p>
+            <a:r>
+              <a:rPr lang="en-US"/>
+              <a:t>Port of </a:t>
+            </a:r>
+            <a:r>
+              <a:rPr lang="en-US" i="1"/>
+              <a:t>jBCrypt</a:t>
+            </a:r>
+            <a:r>
+              <a:rPr lang="en-US"/>
+              <a:t> to C#</a:t>
+            </a:r>
+          </a:p>
+          <a:p>
+            <a:pPr lvl="1"/>
+            <a:r>
+              <a:rPr lang="en-US"/>
+              <a:t>Used to safely store passwords</a:t>
+            </a:r>
+          </a:p>
+          <a:p>
+            <a:r>
+              <a:rPr lang="en-US"/>
+              <a:t>Hashing of passwords with configurable hash complexity</a:t>
+            </a:r>
+          </a:p>
+          <a:p>
+            <a:pPr lvl="1"/>
+            <a:r>
+              <a:rPr lang="en-US"/>
+              <a:t>Compute power necessary for hashing can be set („work factor“)</a:t>
+            </a:r>
+          </a:p>
+          <a:p>
+            <a:pPr lvl="1"/>
+            <a:r>
+              <a:rPr lang="en-US"/>
+              <a:t>Backward/forward compatible because complexity part of resultant hash</a:t>
+            </a:r>
+          </a:p>
+        </p:txBody>
+      </p:sp>
+      <p:sp>
+        <p:nvSpPr>
+          <p:cNvPr id="4" name="Text Placeholder 3">
+            <a:extLst>
+              <a:ext uri="{FF2B5EF4-FFF2-40B4-BE49-F238E27FC236}">
+                <a16:creationId xmlns:a16="http://schemas.microsoft.com/office/drawing/2014/main" id="{BEB509E2-1834-430D-8807-974A525128EE}"/>
+              </a:ext>
+            </a:extLst>
+          </p:cNvPr>
+          <p:cNvSpPr>
+            <a:spLocks noGrp="1"/>
+          </p:cNvSpPr>
+          <p:nvPr>
+            <p:ph type="body" sz="quarter" idx="23"/>
+          </p:nvPr>
+        </p:nvSpPr>
+        <p:spPr/>
+        <p:txBody>
+          <a:bodyPr/>
+          <a:lstStyle/>
+          <a:p>
+            <a:endParaRPr lang="en-US"/>
+          </a:p>
+        </p:txBody>
+      </p:sp>
+    </p:spTree>
+    <p:extLst>
+      <p:ext uri="{BB962C8B-B14F-4D97-AF65-F5344CB8AC3E}">
+        <p14:creationId xmlns:p14="http://schemas.microsoft.com/office/powerpoint/2010/main" val="789896913"/>
+      </p:ext>
+    </p:extLst>
+  </p:cSld>
+  <p:clrMapOvr>
+    <a:masterClrMapping/>
+  </p:clrMapOvr>
+  <p:transition spd="slow">
+    <p:push/>
+  </p:transition>
+</p:sld>
+</file>
+
+<file path=ppt/slides/slide6.xml><?xml version="1.0" encoding="utf-8"?>
+<p:sld xmlns:a="http://schemas.openxmlformats.org/drawingml/2006/main" xmlns:r="http://schemas.openxmlformats.org/officeDocument/2006/relationships" xmlns:p="http://schemas.openxmlformats.org/presentationml/2006/main">
+  <p:cSld>
+    <p:spTree>
+      <p:nvGrpSpPr>
+        <p:cNvPr id="1" name=""/>
+        <p:cNvGrpSpPr/>
+        <p:nvPr/>
+      </p:nvGrpSpPr>
+      <p:grpSpPr>
+        <a:xfrm>
+          <a:off x="0" y="0"/>
+          <a:ext cx="0" cy="0"/>
+          <a:chOff x="0" y="0"/>
+          <a:chExt cx="0" cy="0"/>
+        </a:xfrm>
+      </p:grpSpPr>
+      <p:sp>
+        <p:nvSpPr>
+          <p:cNvPr id="2" name="Title 1">
+            <a:extLst>
+              <a:ext uri="{FF2B5EF4-FFF2-40B4-BE49-F238E27FC236}">
                 <a16:creationId xmlns:a16="http://schemas.microsoft.com/office/drawing/2014/main" id="{64A1225C-D095-4E0E-815F-A53B73B18B79}"/>
               </a:ext>
             </a:extLst>
@@ -12837,7 +13008,7 @@
 </p:sld>
 </file>
 
-<file path=ppt/slides/slide6.xml><?xml version="1.0" encoding="utf-8"?>
+<file path=ppt/slides/slide7.xml><?xml version="1.0" encoding="utf-8"?>
 <p:sld xmlns:a="http://schemas.openxmlformats.org/drawingml/2006/main" xmlns:r="http://schemas.openxmlformats.org/officeDocument/2006/relationships" xmlns:p="http://schemas.openxmlformats.org/presentationml/2006/main">
   <p:cSld>
     <p:spTree>
@@ -13002,7 +13173,133 @@
 </p:sld>
 </file>
 
-<file path=ppt/slides/slide7.xml><?xml version="1.0" encoding="utf-8"?>
+<file path=ppt/slides/slide8.xml><?xml version="1.0" encoding="utf-8"?>
+<p:sld xmlns:a="http://schemas.openxmlformats.org/drawingml/2006/main" xmlns:r="http://schemas.openxmlformats.org/officeDocument/2006/relationships" xmlns:p="http://schemas.openxmlformats.org/presentationml/2006/main">
+  <p:cSld>
+    <p:spTree>
+      <p:nvGrpSpPr>
+        <p:cNvPr id="1" name=""/>
+        <p:cNvGrpSpPr/>
+        <p:nvPr/>
+      </p:nvGrpSpPr>
+      <p:grpSpPr>
+        <a:xfrm>
+          <a:off x="0" y="0"/>
+          <a:ext cx="0" cy="0"/>
+          <a:chOff x="0" y="0"/>
+          <a:chExt cx="0" cy="0"/>
+        </a:xfrm>
+      </p:grpSpPr>
+      <p:sp>
+        <p:nvSpPr>
+          <p:cNvPr id="2" name="Title 1">
+            <a:extLst>
+              <a:ext uri="{FF2B5EF4-FFF2-40B4-BE49-F238E27FC236}">
+                <a16:creationId xmlns:a16="http://schemas.microsoft.com/office/drawing/2014/main" id="{2572AE16-A283-4B2F-B9A5-A97D08773560}"/>
+              </a:ext>
+            </a:extLst>
+          </p:cNvPr>
+          <p:cNvSpPr>
+            <a:spLocks noGrp="1"/>
+          </p:cNvSpPr>
+          <p:nvPr>
+            <p:ph type="title"/>
+          </p:nvPr>
+        </p:nvSpPr>
+        <p:spPr/>
+        <p:txBody>
+          <a:bodyPr/>
+          <a:lstStyle/>
+          <a:p>
+            <a:r>
+              <a:rPr lang="en-US"/>
+              <a:t>Examples</a:t>
+            </a:r>
+          </a:p>
+        </p:txBody>
+      </p:sp>
+      <p:sp>
+        <p:nvSpPr>
+          <p:cNvPr id="3" name="Content Placeholder 2">
+            <a:extLst>
+              <a:ext uri="{FF2B5EF4-FFF2-40B4-BE49-F238E27FC236}">
+                <a16:creationId xmlns:a16="http://schemas.microsoft.com/office/drawing/2014/main" id="{189993DB-6F02-4D83-9680-D34AEF0E7BB5}"/>
+              </a:ext>
+            </a:extLst>
+          </p:cNvPr>
+          <p:cNvSpPr>
+            <a:spLocks noGrp="1"/>
+          </p:cNvSpPr>
+          <p:nvPr>
+            <p:ph sz="quarter" idx="12"/>
+          </p:nvPr>
+        </p:nvSpPr>
+        <p:spPr/>
+        <p:txBody>
+          <a:bodyPr/>
+          <a:lstStyle/>
+          <a:p>
+            <a:r>
+              <a:rPr lang="en-US" dirty="0"/>
+              <a:t>06-BCrypt</a:t>
+            </a:r>
+          </a:p>
+          <a:p>
+            <a:pPr lvl="1"/>
+            <a:r>
+              <a:rPr lang="en-US" dirty="0"/>
+              <a:t>Hash passwords with </a:t>
+            </a:r>
+            <a:r>
+              <a:rPr lang="en-US" i="1" dirty="0" err="1"/>
+              <a:t>BCrypt</a:t>
+            </a:r>
+            <a:endParaRPr lang="en-US" i="1" dirty="0"/>
+          </a:p>
+        </p:txBody>
+      </p:sp>
+      <p:sp>
+        <p:nvSpPr>
+          <p:cNvPr id="4" name="Text Placeholder 3">
+            <a:extLst>
+              <a:ext uri="{FF2B5EF4-FFF2-40B4-BE49-F238E27FC236}">
+                <a16:creationId xmlns:a16="http://schemas.microsoft.com/office/drawing/2014/main" id="{0B3F959B-5A8B-4040-981A-0EBAC93AE572}"/>
+              </a:ext>
+            </a:extLst>
+          </p:cNvPr>
+          <p:cNvSpPr>
+            <a:spLocks noGrp="1"/>
+          </p:cNvSpPr>
+          <p:nvPr>
+            <p:ph type="body" sz="quarter" idx="23"/>
+          </p:nvPr>
+        </p:nvSpPr>
+        <p:spPr/>
+        <p:txBody>
+          <a:bodyPr/>
+          <a:lstStyle/>
+          <a:p>
+            <a:endParaRPr lang="en-US"/>
+          </a:p>
+        </p:txBody>
+      </p:sp>
+    </p:spTree>
+    <p:extLst>
+      <p:ext uri="{BB962C8B-B14F-4D97-AF65-F5344CB8AC3E}">
+        <p14:creationId xmlns:p14="http://schemas.microsoft.com/office/powerpoint/2010/main" val="1295082866"/>
+      </p:ext>
+    </p:extLst>
+  </p:cSld>
+  <p:clrMapOvr>
+    <a:masterClrMapping/>
+  </p:clrMapOvr>
+  <p:transition spd="slow">
+    <p:push/>
+  </p:transition>
+</p:sld>
+</file>
+
+<file path=ppt/slides/slide9.xml><?xml version="1.0" encoding="utf-8"?>
 <p:sld xmlns:a="http://schemas.openxmlformats.org/drawingml/2006/main" xmlns:r="http://schemas.openxmlformats.org/officeDocument/2006/relationships" xmlns:p="http://schemas.openxmlformats.org/presentationml/2006/main">
   <p:cSld>
     <p:spTree>
@@ -14062,21 +14359,6 @@
 </file>
 
 <file path=customXml/item1.xml><?xml version="1.0" encoding="utf-8"?>
-<p:properties xmlns:p="http://schemas.microsoft.com/office/2006/metadata/properties" xmlns:xsi="http://www.w3.org/2001/XMLSchema-instance">
-  <documentManagement/>
-</p:properties>
-</file>
-
-<file path=customXml/item2.xml><?xml version="1.0" encoding="utf-8"?>
-<?mso-contentType ?>
-<FormTemplates xmlns="http://schemas.microsoft.com/sharepoint/v3/contenttype/forms">
-  <Display>DocumentLibraryForm</Display>
-  <Edit>DocumentLibraryForm</Edit>
-  <New>DocumentLibraryForm</New>
-</FormTemplates>
-</file>
-
-<file path=customXml/item3.xml><?xml version="1.0" encoding="utf-8"?>
 <ct:contentTypeSchema xmlns:ct="http://schemas.microsoft.com/office/2006/metadata/contentType" xmlns:ma="http://schemas.microsoft.com/office/2006/metadata/properties/metaAttributes" ct:_="" ma:_="" ma:contentTypeName="Document" ma:contentTypeID="0x0101006C90029AD581154692170791F90B0BA6" ma:contentTypeVersion="0" ma:contentTypeDescription="Create a new document." ma:contentTypeScope="" ma:versionID="453f2a28f59e13bb333d4563bd7e6ec5">
   <xsd:schema xmlns:xsd="http://www.w3.org/2001/XMLSchema" xmlns:p="http://schemas.microsoft.com/office/2006/metadata/properties" targetNamespace="http://schemas.microsoft.com/office/2006/metadata/properties" ma:root="true" ma:fieldsID="4aeb20c0e3442673af7ee10786458764">
     <xsd:element name="properties">
@@ -14125,16 +14407,32 @@
 </ct:contentTypeSchema>
 </file>
 
+<file path=customXml/item2.xml><?xml version="1.0" encoding="utf-8"?>
+<?mso-contentType ?>
+<FormTemplates xmlns="http://schemas.microsoft.com/sharepoint/v3/contenttype/forms">
+  <Display>DocumentLibraryForm</Display>
+  <Edit>DocumentLibraryForm</Edit>
+  <New>DocumentLibraryForm</New>
+</FormTemplates>
+</file>
+
+<file path=customXml/item3.xml><?xml version="1.0" encoding="utf-8"?>
+<p:properties xmlns:p="http://schemas.microsoft.com/office/2006/metadata/properties" xmlns:xsi="http://www.w3.org/2001/XMLSchema-instance">
+  <documentManagement/>
+</p:properties>
+</file>
+
 <file path=customXml/itemProps1.xml><?xml version="1.0" encoding="utf-8"?>
-<ds:datastoreItem xmlns:ds="http://schemas.openxmlformats.org/officeDocument/2006/customXml" ds:itemID="{03D43D4A-F5F8-47F6-A4EC-521F433C91BF}">
+<ds:datastoreItem xmlns:ds="http://schemas.openxmlformats.org/officeDocument/2006/customXml" ds:itemID="{14A11C81-3A20-458B-AC33-D8C9DB9BBB4A}">
   <ds:schemaRefs>
+    <ds:schemaRef ds:uri="http://schemas.microsoft.com/office/2006/metadata/contentType"/>
+    <ds:schemaRef ds:uri="http://schemas.microsoft.com/office/2006/metadata/properties/metaAttributes"/>
+    <ds:schemaRef ds:uri="http://www.w3.org/2001/XMLSchema"/>
     <ds:schemaRef ds:uri="http://schemas.microsoft.com/office/2006/metadata/properties"/>
+    <ds:schemaRef ds:uri="http://schemas.openxmlformats.org/package/2006/metadata/core-properties"/>
+    <ds:schemaRef ds:uri="http://purl.org/dc/elements/1.1/"/>
     <ds:schemaRef ds:uri="http://purl.org/dc/terms/"/>
-    <ds:schemaRef ds:uri="http://schemas.openxmlformats.org/package/2006/metadata/core-properties"/>
-    <ds:schemaRef ds:uri="http://schemas.microsoft.com/office/2006/documentManagement/types"/>
-    <ds:schemaRef ds:uri="http://purl.org/dc/elements/1.1/"/>
-    <ds:schemaRef ds:uri="http://www.w3.org/XML/1998/namespace"/>
-    <ds:schemaRef ds:uri="http://purl.org/dc/dcmitype/"/>
+    <ds:schemaRef ds:uri="http://schemas.microsoft.com/office/internal/2005/internalDocumentation"/>
   </ds:schemaRefs>
 </ds:datastoreItem>
 </file>
@@ -14148,16 +14446,15 @@
 </file>
 
 <file path=customXml/itemProps3.xml><?xml version="1.0" encoding="utf-8"?>
-<ds:datastoreItem xmlns:ds="http://schemas.openxmlformats.org/officeDocument/2006/customXml" ds:itemID="{14A11C81-3A20-458B-AC33-D8C9DB9BBB4A}">
+<ds:datastoreItem xmlns:ds="http://schemas.openxmlformats.org/officeDocument/2006/customXml" ds:itemID="{03D43D4A-F5F8-47F6-A4EC-521F433C91BF}">
   <ds:schemaRefs>
-    <ds:schemaRef ds:uri="http://schemas.microsoft.com/office/2006/metadata/contentType"/>
-    <ds:schemaRef ds:uri="http://schemas.microsoft.com/office/2006/metadata/properties/metaAttributes"/>
-    <ds:schemaRef ds:uri="http://www.w3.org/2001/XMLSchema"/>
     <ds:schemaRef ds:uri="http://schemas.microsoft.com/office/2006/metadata/properties"/>
+    <ds:schemaRef ds:uri="http://purl.org/dc/terms/"/>
     <ds:schemaRef ds:uri="http://schemas.openxmlformats.org/package/2006/metadata/core-properties"/>
+    <ds:schemaRef ds:uri="http://schemas.microsoft.com/office/2006/documentManagement/types"/>
     <ds:schemaRef ds:uri="http://purl.org/dc/elements/1.1/"/>
-    <ds:schemaRef ds:uri="http://purl.org/dc/terms/"/>
-    <ds:schemaRef ds:uri="http://schemas.microsoft.com/office/internal/2005/internalDocumentation"/>
+    <ds:schemaRef ds:uri="http://www.w3.org/XML/1998/namespace"/>
+    <ds:schemaRef ds:uri="http://purl.org/dc/dcmitype/"/>
   </ds:schemaRefs>
 </ds:datastoreItem>
 </file>
--- a/Slides/Secure-Coding-Dot-Net.pptx
+++ b/Slides/Secure-Coding-Dot-Net.pptx
@@ -5,21 +5,28 @@
     <p:sldMasterId id="2147483648" r:id="rId4"/>
   </p:sldMasterIdLst>
   <p:notesMasterIdLst>
-    <p:notesMasterId r:id="rId14"/>
+    <p:notesMasterId r:id="rId21"/>
   </p:notesMasterIdLst>
   <p:handoutMasterIdLst>
-    <p:handoutMasterId r:id="rId15"/>
+    <p:handoutMasterId r:id="rId22"/>
   </p:handoutMasterIdLst>
   <p:sldIdLst>
     <p:sldId id="377" r:id="rId5"/>
-    <p:sldId id="378" r:id="rId6"/>
-    <p:sldId id="379" r:id="rId7"/>
-    <p:sldId id="380" r:id="rId8"/>
-    <p:sldId id="383" r:id="rId9"/>
-    <p:sldId id="382" r:id="rId10"/>
-    <p:sldId id="381" r:id="rId11"/>
-    <p:sldId id="384" r:id="rId12"/>
-    <p:sldId id="362" r:id="rId13"/>
+    <p:sldId id="390" r:id="rId6"/>
+    <p:sldId id="391" r:id="rId7"/>
+    <p:sldId id="378" r:id="rId8"/>
+    <p:sldId id="379" r:id="rId9"/>
+    <p:sldId id="380" r:id="rId10"/>
+    <p:sldId id="385" r:id="rId11"/>
+    <p:sldId id="383" r:id="rId12"/>
+    <p:sldId id="381" r:id="rId13"/>
+    <p:sldId id="384" r:id="rId14"/>
+    <p:sldId id="386" r:id="rId15"/>
+    <p:sldId id="387" r:id="rId16"/>
+    <p:sldId id="389" r:id="rId17"/>
+    <p:sldId id="392" r:id="rId18"/>
+    <p:sldId id="393" r:id="rId19"/>
+    <p:sldId id="362" r:id="rId20"/>
   </p:sldIdLst>
   <p:sldSz cx="9144000" cy="5143500" type="screen16x9"/>
   <p:notesSz cx="6858000" cy="9144000"/>
@@ -233,7 +240,7 @@
           <a:p>
             <a:fld id="{D3FDC4BA-F62C-46A2-87C1-2103180CFF88}" type="datetimeFigureOut">
               <a:rPr lang="de-AT" smtClean="0"/>
-              <a:t>21.06.2019</a:t>
+              <a:t>24.06.2019</a:t>
             </a:fld>
             <a:endParaRPr lang="de-AT"/>
           </a:p>
@@ -399,7 +406,7 @@
             <a:fld id="{3612A09C-9A01-4873-9E29-1DA9CA5B5B01}" type="datetimeFigureOut">
               <a:rPr lang="de-DE" smtClean="0"/>
               <a:pPr/>
-              <a:t>21.06.2019</a:t>
+              <a:t>24.06.2019</a:t>
             </a:fld>
             <a:endParaRPr lang="de-AT"/>
           </a:p>
@@ -12008,6 +12015,1332 @@
 </p:sld>
 </file>
 
+<file path=ppt/slides/slide10.xml><?xml version="1.0" encoding="utf-8"?>
+<p:sld xmlns:a="http://schemas.openxmlformats.org/drawingml/2006/main" xmlns:r="http://schemas.openxmlformats.org/officeDocument/2006/relationships" xmlns:p="http://schemas.openxmlformats.org/presentationml/2006/main">
+  <p:cSld>
+    <p:spTree>
+      <p:nvGrpSpPr>
+        <p:cNvPr id="1" name=""/>
+        <p:cNvGrpSpPr/>
+        <p:nvPr/>
+      </p:nvGrpSpPr>
+      <p:grpSpPr>
+        <a:xfrm>
+          <a:off x="0" y="0"/>
+          <a:ext cx="0" cy="0"/>
+          <a:chOff x="0" y="0"/>
+          <a:chExt cx="0" cy="0"/>
+        </a:xfrm>
+      </p:grpSpPr>
+      <p:sp>
+        <p:nvSpPr>
+          <p:cNvPr id="2" name="Title 1">
+            <a:extLst>
+              <a:ext uri="{FF2B5EF4-FFF2-40B4-BE49-F238E27FC236}">
+                <a16:creationId xmlns:a16="http://schemas.microsoft.com/office/drawing/2014/main" id="{2572AE16-A283-4B2F-B9A5-A97D08773560}"/>
+              </a:ext>
+            </a:extLst>
+          </p:cNvPr>
+          <p:cNvSpPr>
+            <a:spLocks noGrp="1"/>
+          </p:cNvSpPr>
+          <p:nvPr>
+            <p:ph type="title"/>
+          </p:nvPr>
+        </p:nvSpPr>
+        <p:spPr/>
+        <p:txBody>
+          <a:bodyPr/>
+          <a:lstStyle/>
+          <a:p>
+            <a:r>
+              <a:rPr lang="en-US"/>
+              <a:t>Examples</a:t>
+            </a:r>
+          </a:p>
+        </p:txBody>
+      </p:sp>
+      <p:sp>
+        <p:nvSpPr>
+          <p:cNvPr id="3" name="Content Placeholder 2">
+            <a:extLst>
+              <a:ext uri="{FF2B5EF4-FFF2-40B4-BE49-F238E27FC236}">
+                <a16:creationId xmlns:a16="http://schemas.microsoft.com/office/drawing/2014/main" id="{189993DB-6F02-4D83-9680-D34AEF0E7BB5}"/>
+              </a:ext>
+            </a:extLst>
+          </p:cNvPr>
+          <p:cNvSpPr>
+            <a:spLocks noGrp="1"/>
+          </p:cNvSpPr>
+          <p:nvPr>
+            <p:ph sz="quarter" idx="12"/>
+          </p:nvPr>
+        </p:nvSpPr>
+        <p:spPr/>
+        <p:txBody>
+          <a:bodyPr/>
+          <a:lstStyle/>
+          <a:p>
+            <a:r>
+              <a:rPr lang="en-US" dirty="0"/>
+              <a:t>05-RandomNumbers</a:t>
+            </a:r>
+          </a:p>
+          <a:p>
+            <a:pPr lvl="1"/>
+            <a:r>
+              <a:rPr lang="en-US" dirty="0"/>
+              <a:t>Generating strong random numbers with </a:t>
+            </a:r>
+            <a:r>
+              <a:rPr lang="en-US" i="1" dirty="0" err="1"/>
+              <a:t>RNGCryptoServiceProvider</a:t>
+            </a:r>
+            <a:endParaRPr lang="en-US" i="1" dirty="0"/>
+          </a:p>
+          <a:p>
+            <a:r>
+              <a:rPr lang="en-US" dirty="0"/>
+              <a:t>06-BCrypt</a:t>
+            </a:r>
+          </a:p>
+          <a:p>
+            <a:pPr lvl="1"/>
+            <a:r>
+              <a:rPr lang="en-US" dirty="0"/>
+              <a:t>Hash passwords with </a:t>
+            </a:r>
+            <a:r>
+              <a:rPr lang="en-US" i="1" dirty="0" err="1"/>
+              <a:t>BCrypt</a:t>
+            </a:r>
+            <a:endParaRPr lang="en-US" i="1" dirty="0"/>
+          </a:p>
+        </p:txBody>
+      </p:sp>
+      <p:sp>
+        <p:nvSpPr>
+          <p:cNvPr id="4" name="Text Placeholder 3">
+            <a:extLst>
+              <a:ext uri="{FF2B5EF4-FFF2-40B4-BE49-F238E27FC236}">
+                <a16:creationId xmlns:a16="http://schemas.microsoft.com/office/drawing/2014/main" id="{0B3F959B-5A8B-4040-981A-0EBAC93AE572}"/>
+              </a:ext>
+            </a:extLst>
+          </p:cNvPr>
+          <p:cNvSpPr>
+            <a:spLocks noGrp="1"/>
+          </p:cNvSpPr>
+          <p:nvPr>
+            <p:ph type="body" sz="quarter" idx="23"/>
+          </p:nvPr>
+        </p:nvSpPr>
+        <p:spPr/>
+        <p:txBody>
+          <a:bodyPr/>
+          <a:lstStyle/>
+          <a:p>
+            <a:endParaRPr lang="en-US"/>
+          </a:p>
+        </p:txBody>
+      </p:sp>
+    </p:spTree>
+    <p:extLst>
+      <p:ext uri="{BB962C8B-B14F-4D97-AF65-F5344CB8AC3E}">
+        <p14:creationId xmlns:p14="http://schemas.microsoft.com/office/powerpoint/2010/main" val="1295082866"/>
+      </p:ext>
+    </p:extLst>
+  </p:cSld>
+  <p:clrMapOvr>
+    <a:masterClrMapping/>
+  </p:clrMapOvr>
+  <p:transition spd="slow">
+    <p:push/>
+  </p:transition>
+</p:sld>
+</file>
+
+<file path=ppt/slides/slide11.xml><?xml version="1.0" encoding="utf-8"?>
+<p:sld xmlns:a="http://schemas.openxmlformats.org/drawingml/2006/main" xmlns:r="http://schemas.openxmlformats.org/officeDocument/2006/relationships" xmlns:p="http://schemas.openxmlformats.org/presentationml/2006/main">
+  <p:cSld>
+    <p:spTree>
+      <p:nvGrpSpPr>
+        <p:cNvPr id="1" name=""/>
+        <p:cNvGrpSpPr/>
+        <p:nvPr/>
+      </p:nvGrpSpPr>
+      <p:grpSpPr>
+        <a:xfrm>
+          <a:off x="0" y="0"/>
+          <a:ext cx="0" cy="0"/>
+          <a:chOff x="0" y="0"/>
+          <a:chExt cx="0" cy="0"/>
+        </a:xfrm>
+      </p:grpSpPr>
+      <p:sp>
+        <p:nvSpPr>
+          <p:cNvPr id="2" name="Title 1">
+            <a:extLst>
+              <a:ext uri="{FF2B5EF4-FFF2-40B4-BE49-F238E27FC236}">
+                <a16:creationId xmlns:a16="http://schemas.microsoft.com/office/drawing/2014/main" id="{F8FADD9F-D779-4FB6-A392-8DDB9F3A789C}"/>
+              </a:ext>
+            </a:extLst>
+          </p:cNvPr>
+          <p:cNvSpPr>
+            <a:spLocks noGrp="1"/>
+          </p:cNvSpPr>
+          <p:nvPr>
+            <p:ph type="title"/>
+          </p:nvPr>
+        </p:nvSpPr>
+        <p:spPr/>
+        <p:txBody>
+          <a:bodyPr/>
+          <a:lstStyle/>
+          <a:p>
+            <a:r>
+              <a:rPr lang="de-AT" dirty="0" err="1"/>
+              <a:t>Protecting</a:t>
+            </a:r>
+            <a:r>
+              <a:rPr lang="de-AT" dirty="0"/>
+              <a:t> Secrets</a:t>
+            </a:r>
+          </a:p>
+        </p:txBody>
+      </p:sp>
+      <p:sp>
+        <p:nvSpPr>
+          <p:cNvPr id="3" name="Text Placeholder 2">
+            <a:extLst>
+              <a:ext uri="{FF2B5EF4-FFF2-40B4-BE49-F238E27FC236}">
+                <a16:creationId xmlns:a16="http://schemas.microsoft.com/office/drawing/2014/main" id="{72858DEE-163D-402F-981D-E182F9F8632E}"/>
+              </a:ext>
+            </a:extLst>
+          </p:cNvPr>
+          <p:cNvSpPr>
+            <a:spLocks noGrp="1"/>
+          </p:cNvSpPr>
+          <p:nvPr>
+            <p:ph type="body" sz="quarter" idx="25"/>
+          </p:nvPr>
+        </p:nvSpPr>
+        <p:spPr/>
+        <p:txBody>
+          <a:bodyPr/>
+          <a:lstStyle/>
+          <a:p>
+            <a:r>
+              <a:rPr lang="en-US" dirty="0"/>
+              <a:t>How to protect connection information</a:t>
+            </a:r>
+            <a:endParaRPr lang="de-AT" dirty="0"/>
+          </a:p>
+        </p:txBody>
+      </p:sp>
+    </p:spTree>
+    <p:extLst>
+      <p:ext uri="{BB962C8B-B14F-4D97-AF65-F5344CB8AC3E}">
+        <p14:creationId xmlns:p14="http://schemas.microsoft.com/office/powerpoint/2010/main" val="2423346125"/>
+      </p:ext>
+    </p:extLst>
+  </p:cSld>
+  <p:clrMapOvr>
+    <a:masterClrMapping/>
+  </p:clrMapOvr>
+  <mc:AlternateContent xmlns:mc="http://schemas.openxmlformats.org/markup-compatibility/2006" xmlns:p14="http://schemas.microsoft.com/office/powerpoint/2010/main">
+    <mc:Choice Requires="p14">
+      <p:transition spd="med" p14:dur="700">
+        <p:fade/>
+      </p:transition>
+    </mc:Choice>
+    <mc:Fallback xmlns="">
+      <p:transition spd="med">
+        <p:fade/>
+      </p:transition>
+    </mc:Fallback>
+  </mc:AlternateContent>
+</p:sld>
+</file>
+
+<file path=ppt/slides/slide12.xml><?xml version="1.0" encoding="utf-8"?>
+<p:sld xmlns:a="http://schemas.openxmlformats.org/drawingml/2006/main" xmlns:r="http://schemas.openxmlformats.org/officeDocument/2006/relationships" xmlns:p="http://schemas.openxmlformats.org/presentationml/2006/main">
+  <p:cSld>
+    <p:spTree>
+      <p:nvGrpSpPr>
+        <p:cNvPr id="1" name=""/>
+        <p:cNvGrpSpPr/>
+        <p:nvPr/>
+      </p:nvGrpSpPr>
+      <p:grpSpPr>
+        <a:xfrm>
+          <a:off x="0" y="0"/>
+          <a:ext cx="0" cy="0"/>
+          <a:chOff x="0" y="0"/>
+          <a:chExt cx="0" cy="0"/>
+        </a:xfrm>
+      </p:grpSpPr>
+      <p:sp>
+        <p:nvSpPr>
+          <p:cNvPr id="4" name="Title 3">
+            <a:extLst>
+              <a:ext uri="{FF2B5EF4-FFF2-40B4-BE49-F238E27FC236}">
+                <a16:creationId xmlns:a16="http://schemas.microsoft.com/office/drawing/2014/main" id="{BDD3605E-FD53-466F-BE4A-2E05F5F4F85D}"/>
+              </a:ext>
+            </a:extLst>
+          </p:cNvPr>
+          <p:cNvSpPr>
+            <a:spLocks noGrp="1"/>
+          </p:cNvSpPr>
+          <p:nvPr>
+            <p:ph type="title"/>
+          </p:nvPr>
+        </p:nvSpPr>
+        <p:spPr/>
+        <p:txBody>
+          <a:bodyPr/>
+          <a:lstStyle/>
+          <a:p>
+            <a:r>
+              <a:rPr lang="en-US"/>
+              <a:t>General Guidelines</a:t>
+            </a:r>
+          </a:p>
+        </p:txBody>
+      </p:sp>
+      <p:sp>
+        <p:nvSpPr>
+          <p:cNvPr id="5" name="Content Placeholder 4">
+            <a:extLst>
+              <a:ext uri="{FF2B5EF4-FFF2-40B4-BE49-F238E27FC236}">
+                <a16:creationId xmlns:a16="http://schemas.microsoft.com/office/drawing/2014/main" id="{01F131BF-9B34-48AC-BA46-B6209F9C8653}"/>
+              </a:ext>
+            </a:extLst>
+          </p:cNvPr>
+          <p:cNvSpPr>
+            <a:spLocks noGrp="1"/>
+          </p:cNvSpPr>
+          <p:nvPr>
+            <p:ph sz="quarter" idx="12"/>
+          </p:nvPr>
+        </p:nvSpPr>
+        <p:spPr/>
+        <p:txBody>
+          <a:bodyPr/>
+          <a:lstStyle/>
+          <a:p>
+            <a:r>
+              <a:rPr lang="en-US" dirty="0"/>
+              <a:t>Prefer not storing secrets at all</a:t>
+            </a:r>
+          </a:p>
+          <a:p>
+            <a:pPr lvl="1"/>
+            <a:r>
+              <a:rPr lang="en-US" dirty="0"/>
+              <a:t>Windows Authentication</a:t>
+            </a:r>
+          </a:p>
+          <a:p>
+            <a:pPr lvl="1"/>
+            <a:r>
+              <a:rPr lang="en-US" dirty="0"/>
+              <a:t>Azure: Use AAD authentication with SQL (</a:t>
+            </a:r>
+            <a:r>
+              <a:rPr lang="en-US" dirty="0">
+                <a:hlinkClick r:id="rId2"/>
+              </a:rPr>
+              <a:t>docs</a:t>
+            </a:r>
+            <a:r>
+              <a:rPr lang="en-US" dirty="0"/>
+              <a:t>)</a:t>
+            </a:r>
+          </a:p>
+          <a:p>
+            <a:pPr lvl="1"/>
+            <a:r>
+              <a:rPr lang="en-US" dirty="0"/>
+              <a:t>Azure Managed Identities (</a:t>
+            </a:r>
+            <a:r>
+              <a:rPr lang="en-US" dirty="0">
+                <a:hlinkClick r:id="rId3"/>
+              </a:rPr>
+              <a:t>docs</a:t>
+            </a:r>
+            <a:r>
+              <a:rPr lang="en-US" dirty="0"/>
+              <a:t>)</a:t>
+            </a:r>
+          </a:p>
+          <a:p>
+            <a:r>
+              <a:rPr lang="en-US" dirty="0"/>
+              <a:t>Use </a:t>
+            </a:r>
+            <a:r>
+              <a:rPr lang="en-US" dirty="0">
+                <a:hlinkClick r:id="rId4"/>
+              </a:rPr>
+              <a:t>Connection String Builders</a:t>
+            </a:r>
+            <a:r>
+              <a:rPr lang="en-US" dirty="0"/>
+              <a:t> instead of string </a:t>
+            </a:r>
+            <a:r>
+              <a:rPr lang="en-US" dirty="0" err="1"/>
+              <a:t>concat</a:t>
+            </a:r>
+            <a:endParaRPr lang="en-US" dirty="0"/>
+          </a:p>
+          <a:p>
+            <a:pPr lvl="1"/>
+            <a:r>
+              <a:rPr lang="en-US" dirty="0"/>
+              <a:t>Sample: </a:t>
+            </a:r>
+            <a:r>
+              <a:rPr lang="en-US" i="1" dirty="0"/>
+              <a:t>07-ConnectionStringBuilders</a:t>
+            </a:r>
+            <a:endParaRPr lang="en-US" dirty="0"/>
+          </a:p>
+          <a:p>
+            <a:pPr lvl="1"/>
+            <a:r>
+              <a:rPr lang="en-US" u="sng" dirty="0"/>
+              <a:t>Don’t</a:t>
+            </a:r>
+            <a:r>
+              <a:rPr lang="en-US" dirty="0"/>
+              <a:t> set </a:t>
+            </a:r>
+            <a:r>
+              <a:rPr lang="en-US" i="1" dirty="0"/>
+              <a:t>Persist Security Info=True</a:t>
+            </a:r>
+            <a:r>
+              <a:rPr lang="en-US" dirty="0"/>
+              <a:t> (default is False) to prevent security-sensitive information to be obtained from a connection</a:t>
+            </a:r>
+          </a:p>
+          <a:p>
+            <a:r>
+              <a:rPr lang="en-US" i="1" dirty="0"/>
+              <a:t>private/protected/internal</a:t>
+            </a:r>
+            <a:r>
+              <a:rPr lang="en-US" dirty="0"/>
+              <a:t> is </a:t>
+            </a:r>
+            <a:r>
+              <a:rPr lang="en-US" u="sng" dirty="0"/>
+              <a:t>no</a:t>
+            </a:r>
+            <a:r>
+              <a:rPr lang="en-US" dirty="0"/>
+              <a:t> protection</a:t>
+            </a:r>
+          </a:p>
+          <a:p>
+            <a:pPr lvl="1"/>
+            <a:r>
+              <a:rPr lang="en-US" dirty="0"/>
+              <a:t>See also </a:t>
+            </a:r>
+            <a:r>
+              <a:rPr lang="en-US" i="1" dirty="0" err="1"/>
+              <a:t>BindingFlags.NonPublic</a:t>
+            </a:r>
+            <a:r>
+              <a:rPr lang="en-US" dirty="0"/>
+              <a:t> (</a:t>
+            </a:r>
+            <a:r>
+              <a:rPr lang="en-US" dirty="0">
+                <a:hlinkClick r:id="rId5"/>
+              </a:rPr>
+              <a:t>docs</a:t>
+            </a:r>
+            <a:r>
+              <a:rPr lang="en-US" dirty="0"/>
+              <a:t>)</a:t>
+            </a:r>
+          </a:p>
+        </p:txBody>
+      </p:sp>
+      <p:sp>
+        <p:nvSpPr>
+          <p:cNvPr id="6" name="Text Placeholder 5">
+            <a:extLst>
+              <a:ext uri="{FF2B5EF4-FFF2-40B4-BE49-F238E27FC236}">
+                <a16:creationId xmlns:a16="http://schemas.microsoft.com/office/drawing/2014/main" id="{45CC3CD2-13B7-49F0-BF5F-46A2C11C7A6E}"/>
+              </a:ext>
+            </a:extLst>
+          </p:cNvPr>
+          <p:cNvSpPr>
+            <a:spLocks noGrp="1"/>
+          </p:cNvSpPr>
+          <p:nvPr>
+            <p:ph type="body" sz="quarter" idx="23"/>
+          </p:nvPr>
+        </p:nvSpPr>
+        <p:spPr/>
+        <p:txBody>
+          <a:bodyPr/>
+          <a:lstStyle/>
+          <a:p>
+            <a:r>
+              <a:rPr lang="en-US" dirty="0"/>
+              <a:t>See also </a:t>
+            </a:r>
+            <a:r>
+              <a:rPr lang="en-US" dirty="0">
+                <a:hlinkClick r:id="rId6"/>
+              </a:rPr>
+              <a:t>https://docs.microsoft.com/en-us/dotnet/framework/data/adonet/protecting-connection-information</a:t>
+            </a:r>
+            <a:endParaRPr lang="en-US" dirty="0"/>
+          </a:p>
+        </p:txBody>
+      </p:sp>
+    </p:spTree>
+    <p:extLst>
+      <p:ext uri="{BB962C8B-B14F-4D97-AF65-F5344CB8AC3E}">
+        <p14:creationId xmlns:p14="http://schemas.microsoft.com/office/powerpoint/2010/main" val="287044570"/>
+      </p:ext>
+    </p:extLst>
+  </p:cSld>
+  <p:clrMapOvr>
+    <a:masterClrMapping/>
+  </p:clrMapOvr>
+  <p:transition spd="slow">
+    <p:push/>
+  </p:transition>
+</p:sld>
+</file>
+
+<file path=ppt/slides/slide13.xml><?xml version="1.0" encoding="utf-8"?>
+<p:sld xmlns:a="http://schemas.openxmlformats.org/drawingml/2006/main" xmlns:r="http://schemas.openxmlformats.org/officeDocument/2006/relationships" xmlns:p="http://schemas.openxmlformats.org/presentationml/2006/main">
+  <p:cSld>
+    <p:spTree>
+      <p:nvGrpSpPr>
+        <p:cNvPr id="1" name=""/>
+        <p:cNvGrpSpPr/>
+        <p:nvPr/>
+      </p:nvGrpSpPr>
+      <p:grpSpPr>
+        <a:xfrm>
+          <a:off x="0" y="0"/>
+          <a:ext cx="0" cy="0"/>
+          <a:chOff x="0" y="0"/>
+          <a:chExt cx="0" cy="0"/>
+        </a:xfrm>
+      </p:grpSpPr>
+      <p:sp>
+        <p:nvSpPr>
+          <p:cNvPr id="4" name="Title 3">
+            <a:extLst>
+              <a:ext uri="{FF2B5EF4-FFF2-40B4-BE49-F238E27FC236}">
+                <a16:creationId xmlns:a16="http://schemas.microsoft.com/office/drawing/2014/main" id="{BDD3605E-FD53-466F-BE4A-2E05F5F4F85D}"/>
+              </a:ext>
+            </a:extLst>
+          </p:cNvPr>
+          <p:cNvSpPr>
+            <a:spLocks noGrp="1"/>
+          </p:cNvSpPr>
+          <p:nvPr>
+            <p:ph type="title"/>
+          </p:nvPr>
+        </p:nvSpPr>
+        <p:spPr/>
+        <p:txBody>
+          <a:bodyPr/>
+          <a:lstStyle/>
+          <a:p>
+            <a:r>
+              <a:rPr lang="en-US"/>
+              <a:t>General Guidelines</a:t>
+            </a:r>
+          </a:p>
+        </p:txBody>
+      </p:sp>
+      <p:sp>
+        <p:nvSpPr>
+          <p:cNvPr id="5" name="Content Placeholder 4">
+            <a:extLst>
+              <a:ext uri="{FF2B5EF4-FFF2-40B4-BE49-F238E27FC236}">
+                <a16:creationId xmlns:a16="http://schemas.microsoft.com/office/drawing/2014/main" id="{01F131BF-9B34-48AC-BA46-B6209F9C8653}"/>
+              </a:ext>
+            </a:extLst>
+          </p:cNvPr>
+          <p:cNvSpPr>
+            <a:spLocks noGrp="1"/>
+          </p:cNvSpPr>
+          <p:nvPr>
+            <p:ph sz="quarter" idx="12"/>
+          </p:nvPr>
+        </p:nvSpPr>
+        <p:spPr/>
+        <p:txBody>
+          <a:bodyPr/>
+          <a:lstStyle/>
+          <a:p>
+            <a:r>
+              <a:rPr lang="en-US" dirty="0"/>
+              <a:t>Recap .NET Core config system</a:t>
+            </a:r>
+          </a:p>
+          <a:p>
+            <a:pPr lvl="1"/>
+            <a:r>
+              <a:rPr lang="en-US" i="1" dirty="0"/>
+              <a:t>08-RecapNetCoreConfig</a:t>
+            </a:r>
+          </a:p>
+          <a:p>
+            <a:r>
+              <a:rPr lang="en-US" dirty="0"/>
+              <a:t>Encrypt configuration files</a:t>
+            </a:r>
+          </a:p>
+          <a:p>
+            <a:pPr lvl="1"/>
+            <a:r>
+              <a:rPr lang="en-US" dirty="0"/>
+              <a:t>ASP.NET: Use </a:t>
+            </a:r>
+            <a:r>
+              <a:rPr lang="en-US" i="1" dirty="0" err="1"/>
+              <a:t>aspnet_regiis</a:t>
+            </a:r>
+            <a:r>
+              <a:rPr lang="en-US" dirty="0"/>
+              <a:t> tool (</a:t>
+            </a:r>
+            <a:r>
+              <a:rPr lang="en-US" dirty="0">
+                <a:hlinkClick r:id="rId2"/>
+              </a:rPr>
+              <a:t>docs</a:t>
+            </a:r>
+            <a:r>
+              <a:rPr lang="en-US" dirty="0"/>
+              <a:t>)</a:t>
+            </a:r>
+          </a:p>
+          <a:p>
+            <a:pPr lvl="1"/>
+            <a:r>
+              <a:rPr lang="en-US" dirty="0"/>
+              <a:t>ASP.NET Core: </a:t>
+            </a:r>
+          </a:p>
+        </p:txBody>
+      </p:sp>
+      <p:sp>
+        <p:nvSpPr>
+          <p:cNvPr id="6" name="Text Placeholder 5">
+            <a:extLst>
+              <a:ext uri="{FF2B5EF4-FFF2-40B4-BE49-F238E27FC236}">
+                <a16:creationId xmlns:a16="http://schemas.microsoft.com/office/drawing/2014/main" id="{45CC3CD2-13B7-49F0-BF5F-46A2C11C7A6E}"/>
+              </a:ext>
+            </a:extLst>
+          </p:cNvPr>
+          <p:cNvSpPr>
+            <a:spLocks noGrp="1"/>
+          </p:cNvSpPr>
+          <p:nvPr>
+            <p:ph type="body" sz="quarter" idx="23"/>
+          </p:nvPr>
+        </p:nvSpPr>
+        <p:spPr/>
+        <p:txBody>
+          <a:bodyPr/>
+          <a:lstStyle/>
+          <a:p>
+            <a:r>
+              <a:rPr lang="en-US" dirty="0"/>
+              <a:t>See also </a:t>
+            </a:r>
+            <a:r>
+              <a:rPr lang="en-US" dirty="0">
+                <a:hlinkClick r:id="rId3"/>
+              </a:rPr>
+              <a:t>https://docs.microsoft.com/en-us/dotnet/framework/data/adonet/protecting-connection-information</a:t>
+            </a:r>
+            <a:endParaRPr lang="en-US" dirty="0"/>
+          </a:p>
+        </p:txBody>
+      </p:sp>
+    </p:spTree>
+    <p:extLst>
+      <p:ext uri="{BB962C8B-B14F-4D97-AF65-F5344CB8AC3E}">
+        <p14:creationId xmlns:p14="http://schemas.microsoft.com/office/powerpoint/2010/main" val="2774263431"/>
+      </p:ext>
+    </p:extLst>
+  </p:cSld>
+  <p:clrMapOvr>
+    <a:masterClrMapping/>
+  </p:clrMapOvr>
+  <p:transition spd="slow">
+    <p:push/>
+  </p:transition>
+</p:sld>
+</file>
+
+<file path=ppt/slides/slide14.xml><?xml version="1.0" encoding="utf-8"?>
+<p:sld xmlns:a="http://schemas.openxmlformats.org/drawingml/2006/main" xmlns:r="http://schemas.openxmlformats.org/officeDocument/2006/relationships" xmlns:p="http://schemas.openxmlformats.org/presentationml/2006/main">
+  <p:cSld>
+    <p:spTree>
+      <p:nvGrpSpPr>
+        <p:cNvPr id="1" name=""/>
+        <p:cNvGrpSpPr/>
+        <p:nvPr/>
+      </p:nvGrpSpPr>
+      <p:grpSpPr>
+        <a:xfrm>
+          <a:off x="0" y="0"/>
+          <a:ext cx="0" cy="0"/>
+          <a:chOff x="0" y="0"/>
+          <a:chExt cx="0" cy="0"/>
+        </a:xfrm>
+      </p:grpSpPr>
+      <p:sp>
+        <p:nvSpPr>
+          <p:cNvPr id="2" name="Title 1">
+            <a:extLst>
+              <a:ext uri="{FF2B5EF4-FFF2-40B4-BE49-F238E27FC236}">
+                <a16:creationId xmlns:a16="http://schemas.microsoft.com/office/drawing/2014/main" id="{DE5C6A00-2349-4081-8885-95806CB4E6A1}"/>
+              </a:ext>
+            </a:extLst>
+          </p:cNvPr>
+          <p:cNvSpPr>
+            <a:spLocks noGrp="1"/>
+          </p:cNvSpPr>
+          <p:nvPr>
+            <p:ph type="title"/>
+          </p:nvPr>
+        </p:nvSpPr>
+        <p:spPr/>
+        <p:txBody>
+          <a:bodyPr/>
+          <a:lstStyle/>
+          <a:p>
+            <a:r>
+              <a:rPr lang="en-US"/>
+              <a:t>Azure Managed Identity</a:t>
+            </a:r>
+          </a:p>
+        </p:txBody>
+      </p:sp>
+      <p:sp>
+        <p:nvSpPr>
+          <p:cNvPr id="3" name="Content Placeholder 2">
+            <a:extLst>
+              <a:ext uri="{FF2B5EF4-FFF2-40B4-BE49-F238E27FC236}">
+                <a16:creationId xmlns:a16="http://schemas.microsoft.com/office/drawing/2014/main" id="{A40CBCAC-290F-42CF-AF44-72322D6C858A}"/>
+              </a:ext>
+            </a:extLst>
+          </p:cNvPr>
+          <p:cNvSpPr>
+            <a:spLocks noGrp="1"/>
+          </p:cNvSpPr>
+          <p:nvPr>
+            <p:ph sz="quarter" idx="12"/>
+          </p:nvPr>
+        </p:nvSpPr>
+        <p:spPr/>
+        <p:txBody>
+          <a:bodyPr/>
+          <a:lstStyle/>
+          <a:p>
+            <a:r>
+              <a:rPr lang="en-US" dirty="0"/>
+              <a:t>Automatically managed identities for services in Azure</a:t>
+            </a:r>
+          </a:p>
+          <a:p>
+            <a:pPr lvl="1"/>
+            <a:r>
+              <a:rPr lang="en-US" dirty="0"/>
+              <a:t>Backed by Azure AD</a:t>
+            </a:r>
+          </a:p>
+          <a:p>
+            <a:pPr lvl="1"/>
+            <a:r>
+              <a:rPr lang="en-US" dirty="0"/>
+              <a:t>Goal: No credentials on developer workstations or in source control</a:t>
+            </a:r>
+          </a:p>
+          <a:p>
+            <a:r>
+              <a:rPr lang="en-US" dirty="0"/>
+              <a:t>Two types: System- or user-assigned</a:t>
+            </a:r>
+          </a:p>
+          <a:p>
+            <a:pPr lvl="1"/>
+            <a:r>
+              <a:rPr lang="en-US" dirty="0"/>
+              <a:t>More or less control over service principal creation</a:t>
+            </a:r>
+          </a:p>
+          <a:p>
+            <a:r>
+              <a:rPr lang="en-US" dirty="0"/>
+              <a:t>Supported by more and more Azure PaaS/Serverless services</a:t>
+            </a:r>
+          </a:p>
+          <a:p>
+            <a:pPr lvl="1"/>
+            <a:r>
+              <a:rPr lang="en-US" dirty="0">
+                <a:hlinkClick r:id="rId2"/>
+              </a:rPr>
+              <a:t>Docs</a:t>
+            </a:r>
+            <a:endParaRPr lang="en-US" dirty="0"/>
+          </a:p>
+          <a:p>
+            <a:pPr lvl="1"/>
+            <a:r>
+              <a:rPr lang="en-US" dirty="0"/>
+              <a:t>Here: Focus on </a:t>
+            </a:r>
+            <a:r>
+              <a:rPr lang="en-US" dirty="0">
+                <a:hlinkClick r:id="rId3"/>
+              </a:rPr>
+              <a:t>KeyVault</a:t>
+            </a:r>
+            <a:endParaRPr lang="en-US" dirty="0"/>
+          </a:p>
+        </p:txBody>
+      </p:sp>
+      <p:sp>
+        <p:nvSpPr>
+          <p:cNvPr id="4" name="Text Placeholder 3">
+            <a:extLst>
+              <a:ext uri="{FF2B5EF4-FFF2-40B4-BE49-F238E27FC236}">
+                <a16:creationId xmlns:a16="http://schemas.microsoft.com/office/drawing/2014/main" id="{4756455E-82F7-4F41-9AA2-F214DAA65B12}"/>
+              </a:ext>
+            </a:extLst>
+          </p:cNvPr>
+          <p:cNvSpPr>
+            <a:spLocks noGrp="1"/>
+          </p:cNvSpPr>
+          <p:nvPr>
+            <p:ph type="body" sz="quarter" idx="23"/>
+          </p:nvPr>
+        </p:nvSpPr>
+        <p:spPr/>
+        <p:txBody>
+          <a:bodyPr/>
+          <a:lstStyle/>
+          <a:p>
+            <a:r>
+              <a:rPr lang="en-US"/>
+              <a:t>See also </a:t>
+            </a:r>
+            <a:r>
+              <a:rPr lang="en-US">
+                <a:hlinkClick r:id="rId4"/>
+              </a:rPr>
+              <a:t>https://docs.microsoft.com/en-us/azure/active-directory/managed-identities-azure-resources/overview</a:t>
+            </a:r>
+            <a:endParaRPr lang="en-US"/>
+          </a:p>
+        </p:txBody>
+      </p:sp>
+    </p:spTree>
+    <p:extLst>
+      <p:ext uri="{BB962C8B-B14F-4D97-AF65-F5344CB8AC3E}">
+        <p14:creationId xmlns:p14="http://schemas.microsoft.com/office/powerpoint/2010/main" val="1073376354"/>
+      </p:ext>
+    </p:extLst>
+  </p:cSld>
+  <p:clrMapOvr>
+    <a:masterClrMapping/>
+  </p:clrMapOvr>
+  <p:transition spd="slow">
+    <p:push/>
+  </p:transition>
+</p:sld>
+</file>
+
+<file path=ppt/slides/slide15.xml><?xml version="1.0" encoding="utf-8"?>
+<p:sld xmlns:a="http://schemas.openxmlformats.org/drawingml/2006/main" xmlns:r="http://schemas.openxmlformats.org/officeDocument/2006/relationships" xmlns:p="http://schemas.openxmlformats.org/presentationml/2006/main">
+  <p:cSld>
+    <p:spTree>
+      <p:nvGrpSpPr>
+        <p:cNvPr id="1" name=""/>
+        <p:cNvGrpSpPr/>
+        <p:nvPr/>
+      </p:nvGrpSpPr>
+      <p:grpSpPr>
+        <a:xfrm>
+          <a:off x="0" y="0"/>
+          <a:ext cx="0" cy="0"/>
+          <a:chOff x="0" y="0"/>
+          <a:chExt cx="0" cy="0"/>
+        </a:xfrm>
+      </p:grpSpPr>
+      <p:sp>
+        <p:nvSpPr>
+          <p:cNvPr id="2" name="Title 1">
+            <a:extLst>
+              <a:ext uri="{FF2B5EF4-FFF2-40B4-BE49-F238E27FC236}">
+                <a16:creationId xmlns:a16="http://schemas.microsoft.com/office/drawing/2014/main" id="{DE5C6A00-2349-4081-8885-95806CB4E6A1}"/>
+              </a:ext>
+            </a:extLst>
+          </p:cNvPr>
+          <p:cNvSpPr>
+            <a:spLocks noGrp="1"/>
+          </p:cNvSpPr>
+          <p:nvPr>
+            <p:ph type="title"/>
+          </p:nvPr>
+        </p:nvSpPr>
+        <p:spPr/>
+        <p:txBody>
+          <a:bodyPr/>
+          <a:lstStyle/>
+          <a:p>
+            <a:r>
+              <a:rPr lang="en-US" dirty="0"/>
+              <a:t>KeyVault</a:t>
+            </a:r>
+          </a:p>
+        </p:txBody>
+      </p:sp>
+      <p:sp>
+        <p:nvSpPr>
+          <p:cNvPr id="3" name="Content Placeholder 2">
+            <a:extLst>
+              <a:ext uri="{FF2B5EF4-FFF2-40B4-BE49-F238E27FC236}">
+                <a16:creationId xmlns:a16="http://schemas.microsoft.com/office/drawing/2014/main" id="{A40CBCAC-290F-42CF-AF44-72322D6C858A}"/>
+              </a:ext>
+            </a:extLst>
+          </p:cNvPr>
+          <p:cNvSpPr>
+            <a:spLocks noGrp="1"/>
+          </p:cNvSpPr>
+          <p:nvPr>
+            <p:ph sz="quarter" idx="12"/>
+          </p:nvPr>
+        </p:nvSpPr>
+        <p:spPr/>
+        <p:txBody>
+          <a:bodyPr/>
+          <a:lstStyle/>
+          <a:p>
+            <a:r>
+              <a:rPr lang="en-US" dirty="0"/>
+              <a:t>Keep secrets, encryption keys, and certs in Azure</a:t>
+            </a:r>
+          </a:p>
+          <a:p>
+            <a:pPr lvl="1"/>
+            <a:r>
+              <a:rPr lang="en-US" dirty="0"/>
+              <a:t>Can be protected by certified HSMs</a:t>
+            </a:r>
+          </a:p>
+          <a:p>
+            <a:r>
+              <a:rPr lang="en-US" dirty="0"/>
+              <a:t>Monitor access and use</a:t>
+            </a:r>
+          </a:p>
+          <a:p>
+            <a:r>
+              <a:rPr lang="en-US" dirty="0"/>
+              <a:t>Integrated in various Azure services</a:t>
+            </a:r>
+          </a:p>
+          <a:p>
+            <a:pPr lvl="1"/>
+            <a:r>
+              <a:rPr lang="en-US" dirty="0"/>
+              <a:t>E.g. SSL certs for App Service (</a:t>
+            </a:r>
+            <a:r>
+              <a:rPr lang="en-US" dirty="0">
+                <a:hlinkClick r:id="rId2"/>
+              </a:rPr>
+              <a:t>docs</a:t>
+            </a:r>
+            <a:r>
+              <a:rPr lang="en-US" dirty="0"/>
+              <a:t>)</a:t>
+            </a:r>
+          </a:p>
+          <a:p>
+            <a:pPr lvl="1"/>
+            <a:r>
+              <a:rPr lang="en-US" dirty="0"/>
+              <a:t>E.g. </a:t>
+            </a:r>
+            <a:r>
+              <a:rPr lang="en-US" i="1" dirty="0"/>
+              <a:t>Always Encrypted</a:t>
+            </a:r>
+            <a:r>
+              <a:rPr lang="en-US" dirty="0"/>
+              <a:t> in SQL (</a:t>
+            </a:r>
+            <a:r>
+              <a:rPr lang="en-US" dirty="0">
+                <a:hlinkClick r:id="rId3"/>
+              </a:rPr>
+              <a:t>docs</a:t>
+            </a:r>
+            <a:r>
+              <a:rPr lang="en-US" dirty="0"/>
+              <a:t>)</a:t>
+            </a:r>
+          </a:p>
+          <a:p>
+            <a:r>
+              <a:rPr lang="en-US" dirty="0"/>
+              <a:t>Access to KeyVault can be protected by </a:t>
+            </a:r>
+            <a:r>
+              <a:rPr lang="en-US" i="1" dirty="0"/>
+              <a:t>Managed Identity</a:t>
+            </a:r>
+          </a:p>
+          <a:p>
+            <a:pPr lvl="1"/>
+            <a:r>
+              <a:rPr lang="en-US" dirty="0"/>
+              <a:t>Sample: </a:t>
+            </a:r>
+            <a:r>
+              <a:rPr lang="en-US" i="1" dirty="0"/>
+              <a:t>09.2-KeyVaultManagedIdentity</a:t>
+            </a:r>
+          </a:p>
+        </p:txBody>
+      </p:sp>
+      <p:sp>
+        <p:nvSpPr>
+          <p:cNvPr id="4" name="Text Placeholder 3">
+            <a:extLst>
+              <a:ext uri="{FF2B5EF4-FFF2-40B4-BE49-F238E27FC236}">
+                <a16:creationId xmlns:a16="http://schemas.microsoft.com/office/drawing/2014/main" id="{4756455E-82F7-4F41-9AA2-F214DAA65B12}"/>
+              </a:ext>
+            </a:extLst>
+          </p:cNvPr>
+          <p:cNvSpPr>
+            <a:spLocks noGrp="1"/>
+          </p:cNvSpPr>
+          <p:nvPr>
+            <p:ph type="body" sz="quarter" idx="23"/>
+          </p:nvPr>
+        </p:nvSpPr>
+        <p:spPr/>
+        <p:txBody>
+          <a:bodyPr/>
+          <a:lstStyle/>
+          <a:p>
+            <a:r>
+              <a:rPr lang="en-US" dirty="0"/>
+              <a:t>See also </a:t>
+            </a:r>
+            <a:r>
+              <a:rPr lang="de-AT" dirty="0">
+                <a:hlinkClick r:id="rId4"/>
+              </a:rPr>
+              <a:t>https://docs.microsoft.com/en-us/azure/key-vault/key-vault-overview</a:t>
+            </a:r>
+            <a:endParaRPr lang="en-US" dirty="0"/>
+          </a:p>
+        </p:txBody>
+      </p:sp>
+    </p:spTree>
+    <p:extLst>
+      <p:ext uri="{BB962C8B-B14F-4D97-AF65-F5344CB8AC3E}">
+        <p14:creationId xmlns:p14="http://schemas.microsoft.com/office/powerpoint/2010/main" val="67618888"/>
+      </p:ext>
+    </p:extLst>
+  </p:cSld>
+  <p:clrMapOvr>
+    <a:masterClrMapping/>
+  </p:clrMapOvr>
+  <p:transition spd="slow">
+    <p:push/>
+  </p:transition>
+</p:sld>
+</file>
+
+<file path=ppt/slides/slide16.xml><?xml version="1.0" encoding="utf-8"?>
+<p:sld xmlns:a="http://schemas.openxmlformats.org/drawingml/2006/main" xmlns:r="http://schemas.openxmlformats.org/officeDocument/2006/relationships" xmlns:p="http://schemas.openxmlformats.org/presentationml/2006/main">
+  <p:cSld>
+    <p:spTree>
+      <p:nvGrpSpPr>
+        <p:cNvPr id="1" name=""/>
+        <p:cNvGrpSpPr/>
+        <p:nvPr/>
+      </p:nvGrpSpPr>
+      <p:grpSpPr>
+        <a:xfrm>
+          <a:off x="0" y="0"/>
+          <a:ext cx="0" cy="0"/>
+          <a:chOff x="0" y="0"/>
+          <a:chExt cx="0" cy="0"/>
+        </a:xfrm>
+      </p:grpSpPr>
+      <p:sp>
+        <p:nvSpPr>
+          <p:cNvPr id="9" name="Text Placeholder 8"/>
+          <p:cNvSpPr>
+            <a:spLocks noGrp="1"/>
+          </p:cNvSpPr>
+          <p:nvPr>
+            <p:ph type="body" sz="quarter" idx="24"/>
+          </p:nvPr>
+        </p:nvSpPr>
+        <p:spPr>
+          <a:xfrm>
+            <a:off x="1141413" y="339725"/>
+            <a:ext cx="7751762" cy="685800"/>
+          </a:xfrm>
+        </p:spPr>
+        <p:txBody>
+          <a:bodyPr/>
+          <a:lstStyle/>
+          <a:p>
+            <a:r>
+              <a:rPr lang="en-US" dirty="0"/>
+              <a:t>Workshop</a:t>
+            </a:r>
+          </a:p>
+        </p:txBody>
+      </p:sp>
+      <p:pic>
+        <p:nvPicPr>
+          <p:cNvPr id="24" name="Content Placeholder 23"/>
+          <p:cNvPicPr>
+            <a:picLocks noGrp="1" noChangeAspect="1"/>
+          </p:cNvPicPr>
+          <p:nvPr>
+            <p:ph sz="quarter" idx="20"/>
+          </p:nvPr>
+        </p:nvPicPr>
+        <p:blipFill>
+          <a:blip r:embed="rId2" cstate="print">
+            <a:extLst>
+              <a:ext uri="{28A0092B-C50C-407E-A947-70E740481C1C}">
+                <a14:useLocalDpi xmlns:a14="http://schemas.microsoft.com/office/drawing/2010/main" val="0"/>
+              </a:ext>
+            </a:extLst>
+          </a:blip>
+          <a:stretch>
+            <a:fillRect/>
+          </a:stretch>
+        </p:blipFill>
+        <p:spPr/>
+      </p:pic>
+      <p:sp>
+        <p:nvSpPr>
+          <p:cNvPr id="2" name="Title 1"/>
+          <p:cNvSpPr>
+            <a:spLocks noGrp="1"/>
+          </p:cNvSpPr>
+          <p:nvPr>
+            <p:ph type="title"/>
+          </p:nvPr>
+        </p:nvSpPr>
+        <p:spPr/>
+        <p:txBody>
+          <a:bodyPr/>
+          <a:lstStyle/>
+          <a:p>
+            <a:r>
+              <a:rPr lang="en-US" dirty="0"/>
+              <a:t>Q&amp;A</a:t>
+            </a:r>
+          </a:p>
+        </p:txBody>
+      </p:sp>
+      <p:sp>
+        <p:nvSpPr>
+          <p:cNvPr id="3" name="Text Placeholder 2"/>
+          <p:cNvSpPr>
+            <a:spLocks noGrp="1"/>
+          </p:cNvSpPr>
+          <p:nvPr>
+            <p:ph type="body" sz="quarter" idx="12"/>
+          </p:nvPr>
+        </p:nvSpPr>
+        <p:spPr/>
+        <p:txBody>
+          <a:bodyPr/>
+          <a:lstStyle/>
+          <a:p>
+            <a:r>
+              <a:rPr lang="en-US"/>
+              <a:t>Rainer Stropek</a:t>
+            </a:r>
+          </a:p>
+        </p:txBody>
+      </p:sp>
+      <p:sp>
+        <p:nvSpPr>
+          <p:cNvPr id="4" name="Text Placeholder 3"/>
+          <p:cNvSpPr>
+            <a:spLocks noGrp="1"/>
+          </p:cNvSpPr>
+          <p:nvPr>
+            <p:ph type="body" sz="quarter" idx="13"/>
+          </p:nvPr>
+        </p:nvSpPr>
+        <p:spPr/>
+        <p:txBody>
+          <a:bodyPr/>
+          <a:lstStyle/>
+          <a:p>
+            <a:r>
+              <a:rPr lang="en-US"/>
+              <a:t>software architects gmbh</a:t>
+            </a:r>
+          </a:p>
+        </p:txBody>
+      </p:sp>
+      <p:sp>
+        <p:nvSpPr>
+          <p:cNvPr id="18" name="Text Placeholder 17"/>
+          <p:cNvSpPr>
+            <a:spLocks noGrp="1"/>
+          </p:cNvSpPr>
+          <p:nvPr>
+            <p:ph type="body" sz="quarter" idx="15"/>
+          </p:nvPr>
+        </p:nvSpPr>
+        <p:spPr/>
+        <p:txBody>
+          <a:bodyPr/>
+          <a:lstStyle/>
+          <a:p>
+            <a:r>
+              <a:rPr lang="en-US"/>
+              <a:t>rainer@timecockpit.com</a:t>
+            </a:r>
+            <a:br>
+              <a:rPr lang="en-US"/>
+            </a:br>
+            <a:r>
+              <a:rPr lang="en-US"/>
+              <a:t>http://www.timecockpit.com</a:t>
+            </a:r>
+            <a:br>
+              <a:rPr lang="en-US"/>
+            </a:br>
+            <a:r>
+              <a:rPr lang="en-US"/>
+              <a:t>@rstropek</a:t>
+            </a:r>
+          </a:p>
+        </p:txBody>
+      </p:sp>
+      <p:sp>
+        <p:nvSpPr>
+          <p:cNvPr id="10" name="Text Placeholder 9"/>
+          <p:cNvSpPr>
+            <a:spLocks noGrp="1"/>
+          </p:cNvSpPr>
+          <p:nvPr>
+            <p:ph type="body" sz="quarter" idx="25"/>
+          </p:nvPr>
+        </p:nvSpPr>
+        <p:spPr>
+          <a:xfrm>
+            <a:off x="1144588" y="3135313"/>
+            <a:ext cx="3789362" cy="366712"/>
+          </a:xfrm>
+        </p:spPr>
+        <p:txBody>
+          <a:bodyPr/>
+          <a:lstStyle/>
+          <a:p>
+            <a:r>
+              <a:rPr lang="en-US" dirty="0"/>
+              <a:t>Thank your for coming!</a:t>
+            </a:r>
+          </a:p>
+        </p:txBody>
+      </p:sp>
+      <p:sp>
+        <p:nvSpPr>
+          <p:cNvPr id="22" name="Content Placeholder 21"/>
+          <p:cNvSpPr>
+            <a:spLocks noGrp="1"/>
+          </p:cNvSpPr>
+          <p:nvPr>
+            <p:ph sz="quarter" idx="26"/>
+          </p:nvPr>
+        </p:nvSpPr>
+        <p:spPr>
+          <a:xfrm>
+            <a:off x="5218113" y="2338388"/>
+            <a:ext cx="793750" cy="796925"/>
+          </a:xfrm>
+        </p:spPr>
+        <p:txBody>
+          <a:bodyPr/>
+          <a:lstStyle/>
+          <a:p>
+            <a:r>
+              <a:rPr lang="en-US"/>
+              <a:t>Mail</a:t>
+            </a:r>
+            <a:br>
+              <a:rPr lang="en-US"/>
+            </a:br>
+            <a:r>
+              <a:rPr lang="en-US"/>
+              <a:t>Web</a:t>
+            </a:r>
+            <a:br>
+              <a:rPr lang="en-US"/>
+            </a:br>
+            <a:r>
+              <a:rPr lang="en-US"/>
+              <a:t>Twitter</a:t>
+            </a:r>
+          </a:p>
+        </p:txBody>
+      </p:sp>
+    </p:spTree>
+    <p:extLst>
+      <p:ext uri="{BB962C8B-B14F-4D97-AF65-F5344CB8AC3E}">
+        <p14:creationId xmlns:p14="http://schemas.microsoft.com/office/powerpoint/2010/main" val="4088726371"/>
+      </p:ext>
+    </p:extLst>
+  </p:cSld>
+  <p:clrMapOvr>
+    <a:masterClrMapping/>
+  </p:clrMapOvr>
+  <mc:AlternateContent xmlns:mc="http://schemas.openxmlformats.org/markup-compatibility/2006" xmlns:p14="http://schemas.microsoft.com/office/powerpoint/2010/main">
+    <mc:Choice Requires="p14">
+      <p:transition spd="med" p14:dur="700">
+        <p:fade/>
+      </p:transition>
+    </mc:Choice>
+    <mc:Fallback xmlns="">
+      <p:transition spd="med">
+        <p:fade/>
+      </p:transition>
+    </mc:Fallback>
+  </mc:AlternateContent>
+</p:sld>
+</file>
+
 <file path=ppt/slides/slide2.xml><?xml version="1.0" encoding="utf-8"?>
 <p:sld xmlns:a="http://schemas.openxmlformats.org/drawingml/2006/main" xmlns:r="http://schemas.openxmlformats.org/officeDocument/2006/relationships" xmlns:p="http://schemas.openxmlformats.org/presentationml/2006/main">
   <p:cSld>
@@ -12047,10 +13380,9 @@
           <a:lstStyle/>
           <a:p>
             <a:r>
-              <a:rPr lang="de-AT" dirty="0" err="1"/>
-              <a:t>Cryptography</a:t>
-            </a:r>
-            <a:endParaRPr lang="de-AT" dirty="0"/>
+              <a:rPr lang="de-AT" dirty="0"/>
+              <a:t>General Guidelines</a:t>
+            </a:r>
           </a:p>
         </p:txBody>
       </p:sp>
@@ -12075,14 +13407,14 @@
           <a:bodyPr/>
           <a:lstStyle/>
           <a:p>
-            <a:endParaRPr lang="de-AT"/>
+            <a:endParaRPr lang="de-AT" dirty="0"/>
           </a:p>
         </p:txBody>
       </p:sp>
     </p:spTree>
     <p:extLst>
       <p:ext uri="{BB962C8B-B14F-4D97-AF65-F5344CB8AC3E}">
-        <p14:creationId xmlns:p14="http://schemas.microsoft.com/office/powerpoint/2010/main" val="2148398201"/>
+        <p14:creationId xmlns:p14="http://schemas.microsoft.com/office/powerpoint/2010/main" val="3495780882"/>
       </p:ext>
     </p:extLst>
   </p:cSld>
@@ -12126,6 +13458,210 @@
           <p:cNvPr id="4" name="Title 3">
             <a:extLst>
               <a:ext uri="{FF2B5EF4-FFF2-40B4-BE49-F238E27FC236}">
+                <a16:creationId xmlns:a16="http://schemas.microsoft.com/office/drawing/2014/main" id="{817B7A26-5AA7-47AB-ABCB-4C5B3A34AF31}"/>
+              </a:ext>
+            </a:extLst>
+          </p:cNvPr>
+          <p:cNvSpPr>
+            <a:spLocks noGrp="1"/>
+          </p:cNvSpPr>
+          <p:nvPr>
+            <p:ph type="title"/>
+          </p:nvPr>
+        </p:nvSpPr>
+        <p:spPr/>
+        <p:txBody>
+          <a:bodyPr/>
+          <a:lstStyle/>
+          <a:p>
+            <a:endParaRPr lang="de-AT"/>
+          </a:p>
+        </p:txBody>
+      </p:sp>
+      <p:sp>
+        <p:nvSpPr>
+          <p:cNvPr id="5" name="Content Placeholder 4">
+            <a:extLst>
+              <a:ext uri="{FF2B5EF4-FFF2-40B4-BE49-F238E27FC236}">
+                <a16:creationId xmlns:a16="http://schemas.microsoft.com/office/drawing/2014/main" id="{310E7E37-F318-4E9A-BC42-0FDAF2177929}"/>
+              </a:ext>
+            </a:extLst>
+          </p:cNvPr>
+          <p:cNvSpPr>
+            <a:spLocks noGrp="1"/>
+          </p:cNvSpPr>
+          <p:nvPr>
+            <p:ph sz="quarter" idx="12"/>
+          </p:nvPr>
+        </p:nvSpPr>
+        <p:spPr/>
+        <p:txBody>
+          <a:bodyPr/>
+          <a:lstStyle/>
+          <a:p>
+            <a:endParaRPr lang="de-AT"/>
+          </a:p>
+        </p:txBody>
+      </p:sp>
+      <p:sp>
+        <p:nvSpPr>
+          <p:cNvPr id="6" name="Text Placeholder 5">
+            <a:extLst>
+              <a:ext uri="{FF2B5EF4-FFF2-40B4-BE49-F238E27FC236}">
+                <a16:creationId xmlns:a16="http://schemas.microsoft.com/office/drawing/2014/main" id="{5F85290E-E916-44AA-AA55-F4748D8D074A}"/>
+              </a:ext>
+            </a:extLst>
+          </p:cNvPr>
+          <p:cNvSpPr>
+            <a:spLocks noGrp="1"/>
+          </p:cNvSpPr>
+          <p:nvPr>
+            <p:ph type="body" sz="quarter" idx="23"/>
+          </p:nvPr>
+        </p:nvSpPr>
+        <p:spPr/>
+        <p:txBody>
+          <a:bodyPr/>
+          <a:lstStyle/>
+          <a:p>
+            <a:endParaRPr lang="de-AT"/>
+          </a:p>
+        </p:txBody>
+      </p:sp>
+    </p:spTree>
+    <p:extLst>
+      <p:ext uri="{BB962C8B-B14F-4D97-AF65-F5344CB8AC3E}">
+        <p14:creationId xmlns:p14="http://schemas.microsoft.com/office/powerpoint/2010/main" val="2052058656"/>
+      </p:ext>
+    </p:extLst>
+  </p:cSld>
+  <p:clrMapOvr>
+    <a:masterClrMapping/>
+  </p:clrMapOvr>
+  <p:transition spd="slow">
+    <p:push/>
+  </p:transition>
+</p:sld>
+</file>
+
+<file path=ppt/slides/slide4.xml><?xml version="1.0" encoding="utf-8"?>
+<p:sld xmlns:a="http://schemas.openxmlformats.org/drawingml/2006/main" xmlns:r="http://schemas.openxmlformats.org/officeDocument/2006/relationships" xmlns:p="http://schemas.openxmlformats.org/presentationml/2006/main">
+  <p:cSld>
+    <p:spTree>
+      <p:nvGrpSpPr>
+        <p:cNvPr id="1" name=""/>
+        <p:cNvGrpSpPr/>
+        <p:nvPr/>
+      </p:nvGrpSpPr>
+      <p:grpSpPr>
+        <a:xfrm>
+          <a:off x="0" y="0"/>
+          <a:ext cx="0" cy="0"/>
+          <a:chOff x="0" y="0"/>
+          <a:chExt cx="0" cy="0"/>
+        </a:xfrm>
+      </p:grpSpPr>
+      <p:sp>
+        <p:nvSpPr>
+          <p:cNvPr id="2" name="Title 1">
+            <a:extLst>
+              <a:ext uri="{FF2B5EF4-FFF2-40B4-BE49-F238E27FC236}">
+                <a16:creationId xmlns:a16="http://schemas.microsoft.com/office/drawing/2014/main" id="{F8FADD9F-D779-4FB6-A392-8DDB9F3A789C}"/>
+              </a:ext>
+            </a:extLst>
+          </p:cNvPr>
+          <p:cNvSpPr>
+            <a:spLocks noGrp="1"/>
+          </p:cNvSpPr>
+          <p:nvPr>
+            <p:ph type="title"/>
+          </p:nvPr>
+        </p:nvSpPr>
+        <p:spPr/>
+        <p:txBody>
+          <a:bodyPr/>
+          <a:lstStyle/>
+          <a:p>
+            <a:r>
+              <a:rPr lang="de-AT" dirty="0" err="1"/>
+              <a:t>Cryptography</a:t>
+            </a:r>
+            <a:endParaRPr lang="de-AT" dirty="0"/>
+          </a:p>
+        </p:txBody>
+      </p:sp>
+      <p:sp>
+        <p:nvSpPr>
+          <p:cNvPr id="3" name="Text Placeholder 2">
+            <a:extLst>
+              <a:ext uri="{FF2B5EF4-FFF2-40B4-BE49-F238E27FC236}">
+                <a16:creationId xmlns:a16="http://schemas.microsoft.com/office/drawing/2014/main" id="{72858DEE-163D-402F-981D-E182F9F8632E}"/>
+              </a:ext>
+            </a:extLst>
+          </p:cNvPr>
+          <p:cNvSpPr>
+            <a:spLocks noGrp="1"/>
+          </p:cNvSpPr>
+          <p:nvPr>
+            <p:ph type="body" sz="quarter" idx="25"/>
+          </p:nvPr>
+        </p:nvSpPr>
+        <p:spPr/>
+        <p:txBody>
+          <a:bodyPr/>
+          <a:lstStyle/>
+          <a:p>
+            <a:endParaRPr lang="de-AT"/>
+          </a:p>
+        </p:txBody>
+      </p:sp>
+    </p:spTree>
+    <p:extLst>
+      <p:ext uri="{BB962C8B-B14F-4D97-AF65-F5344CB8AC3E}">
+        <p14:creationId xmlns:p14="http://schemas.microsoft.com/office/powerpoint/2010/main" val="2148398201"/>
+      </p:ext>
+    </p:extLst>
+  </p:cSld>
+  <p:clrMapOvr>
+    <a:masterClrMapping/>
+  </p:clrMapOvr>
+  <mc:AlternateContent xmlns:mc="http://schemas.openxmlformats.org/markup-compatibility/2006" xmlns:p14="http://schemas.microsoft.com/office/powerpoint/2010/main">
+    <mc:Choice Requires="p14">
+      <p:transition spd="med" p14:dur="700">
+        <p:fade/>
+      </p:transition>
+    </mc:Choice>
+    <mc:Fallback xmlns="">
+      <p:transition spd="med">
+        <p:fade/>
+      </p:transition>
+    </mc:Fallback>
+  </mc:AlternateContent>
+</p:sld>
+</file>
+
+<file path=ppt/slides/slide5.xml><?xml version="1.0" encoding="utf-8"?>
+<p:sld xmlns:a="http://schemas.openxmlformats.org/drawingml/2006/main" xmlns:r="http://schemas.openxmlformats.org/officeDocument/2006/relationships" xmlns:p="http://schemas.openxmlformats.org/presentationml/2006/main">
+  <p:cSld>
+    <p:spTree>
+      <p:nvGrpSpPr>
+        <p:cNvPr id="1" name=""/>
+        <p:cNvGrpSpPr/>
+        <p:nvPr/>
+      </p:nvGrpSpPr>
+      <p:grpSpPr>
+        <a:xfrm>
+          <a:off x="0" y="0"/>
+          <a:ext cx="0" cy="0"/>
+          <a:chOff x="0" y="0"/>
+          <a:chExt cx="0" cy="0"/>
+        </a:xfrm>
+      </p:grpSpPr>
+      <p:sp>
+        <p:nvSpPr>
+          <p:cNvPr id="4" name="Title 3">
+            <a:extLst>
+              <a:ext uri="{FF2B5EF4-FFF2-40B4-BE49-F238E27FC236}">
                 <a16:creationId xmlns:a16="http://schemas.microsoft.com/office/drawing/2014/main" id="{F7D06A31-CAA6-4A1D-95CF-6E7BDF91F333}"/>
               </a:ext>
             </a:extLst>
@@ -12518,7 +14054,47 @@
           <a:bodyPr/>
           <a:lstStyle/>
           <a:p>
-            <a:endParaRPr lang="en-US"/>
+            <a:r>
+              <a:rPr lang="en-US" dirty="0"/>
+              <a:t>See also </a:t>
+            </a:r>
+            <a:r>
+              <a:rPr lang="de-AT" dirty="0">
+                <a:hlinkClick r:id="rId12"/>
+              </a:rPr>
+              <a:t>Recommended </a:t>
+            </a:r>
+            <a:r>
+              <a:rPr lang="de-AT" dirty="0" err="1">
+                <a:hlinkClick r:id="rId12"/>
+              </a:rPr>
+              <a:t>algorithms</a:t>
+            </a:r>
+            <a:r>
+              <a:rPr lang="de-AT" dirty="0">
+                <a:hlinkClick r:id="rId12"/>
+              </a:rPr>
+              <a:t> </a:t>
+            </a:r>
+            <a:r>
+              <a:rPr lang="de-AT" dirty="0" err="1">
+                <a:hlinkClick r:id="rId12"/>
+              </a:rPr>
+              <a:t>by</a:t>
+            </a:r>
+            <a:r>
+              <a:rPr lang="de-AT" dirty="0">
+                <a:hlinkClick r:id="rId12"/>
+              </a:rPr>
+              <a:t> </a:t>
+            </a:r>
+            <a:r>
+              <a:rPr lang="de-AT" dirty="0" err="1">
+                <a:hlinkClick r:id="rId12"/>
+              </a:rPr>
+              <a:t>application</a:t>
+            </a:r>
+            <a:endParaRPr lang="en-US" dirty="0"/>
           </a:p>
         </p:txBody>
       </p:sp>
@@ -12538,7 +14114,7 @@
 </p:sld>
 </file>
 
-<file path=ppt/slides/slide4.xml><?xml version="1.0" encoding="utf-8"?>
+<file path=ppt/slides/slide6.xml><?xml version="1.0" encoding="utf-8"?>
 <p:sld xmlns:a="http://schemas.openxmlformats.org/drawingml/2006/main" xmlns:r="http://schemas.openxmlformats.org/officeDocument/2006/relationships" xmlns:p="http://schemas.openxmlformats.org/presentationml/2006/main">
   <p:cSld>
     <p:spTree>
@@ -12689,7 +14265,158 @@
 </p:sld>
 </file>
 
-<file path=ppt/slides/slide5.xml><?xml version="1.0" encoding="utf-8"?>
+<file path=ppt/slides/slide7.xml><?xml version="1.0" encoding="utf-8"?>
+<p:sld xmlns:a="http://schemas.openxmlformats.org/drawingml/2006/main" xmlns:r="http://schemas.openxmlformats.org/officeDocument/2006/relationships" xmlns:p="http://schemas.openxmlformats.org/presentationml/2006/main">
+  <p:cSld>
+    <p:spTree>
+      <p:nvGrpSpPr>
+        <p:cNvPr id="1" name=""/>
+        <p:cNvGrpSpPr/>
+        <p:nvPr/>
+      </p:nvGrpSpPr>
+      <p:grpSpPr>
+        <a:xfrm>
+          <a:off x="0" y="0"/>
+          <a:ext cx="0" cy="0"/>
+          <a:chOff x="0" y="0"/>
+          <a:chExt cx="0" cy="0"/>
+        </a:xfrm>
+      </p:grpSpPr>
+      <p:sp>
+        <p:nvSpPr>
+          <p:cNvPr id="2" name="Title 1">
+            <a:extLst>
+              <a:ext uri="{FF2B5EF4-FFF2-40B4-BE49-F238E27FC236}">
+                <a16:creationId xmlns:a16="http://schemas.microsoft.com/office/drawing/2014/main" id="{420B3033-DFBD-48DA-B34E-75003EC3BCE6}"/>
+              </a:ext>
+            </a:extLst>
+          </p:cNvPr>
+          <p:cNvSpPr>
+            <a:spLocks noGrp="1"/>
+          </p:cNvSpPr>
+          <p:nvPr>
+            <p:ph type="title"/>
+          </p:nvPr>
+        </p:nvSpPr>
+        <p:spPr/>
+        <p:txBody>
+          <a:bodyPr/>
+          <a:lstStyle/>
+          <a:p>
+            <a:r>
+              <a:rPr lang="en-US"/>
+              <a:t>Random Numbers</a:t>
+            </a:r>
+          </a:p>
+        </p:txBody>
+      </p:sp>
+      <p:sp>
+        <p:nvSpPr>
+          <p:cNvPr id="3" name="Content Placeholder 2">
+            <a:extLst>
+              <a:ext uri="{FF2B5EF4-FFF2-40B4-BE49-F238E27FC236}">
+                <a16:creationId xmlns:a16="http://schemas.microsoft.com/office/drawing/2014/main" id="{612B6AA0-7262-4D3E-836C-09EBD0B56B93}"/>
+              </a:ext>
+            </a:extLst>
+          </p:cNvPr>
+          <p:cNvSpPr>
+            <a:spLocks noGrp="1"/>
+          </p:cNvSpPr>
+          <p:nvPr>
+            <p:ph sz="quarter" idx="12"/>
+          </p:nvPr>
+        </p:nvSpPr>
+        <p:spPr/>
+        <p:txBody>
+          <a:bodyPr/>
+          <a:lstStyle/>
+          <a:p>
+            <a:r>
+              <a:rPr lang="en-US"/>
+              <a:t>Pseudo-random numbers</a:t>
+            </a:r>
+          </a:p>
+          <a:p>
+            <a:pPr lvl="1"/>
+            <a:r>
+              <a:rPr lang="en-US" i="1"/>
+              <a:t>System.Random</a:t>
+            </a:r>
+          </a:p>
+          <a:p>
+            <a:pPr lvl="1"/>
+            <a:r>
+              <a:rPr lang="en-US"/>
+              <a:t>Predictable</a:t>
+            </a:r>
+          </a:p>
+          <a:p>
+            <a:r>
+              <a:rPr lang="en-US"/>
+              <a:t>Secure random numbers</a:t>
+            </a:r>
+          </a:p>
+          <a:p>
+            <a:pPr lvl="1"/>
+            <a:r>
+              <a:rPr lang="en-US" i="1"/>
+              <a:t>RNGCryptoServiceProvider</a:t>
+            </a:r>
+          </a:p>
+        </p:txBody>
+      </p:sp>
+      <p:sp>
+        <p:nvSpPr>
+          <p:cNvPr id="4" name="Text Placeholder 3">
+            <a:extLst>
+              <a:ext uri="{FF2B5EF4-FFF2-40B4-BE49-F238E27FC236}">
+                <a16:creationId xmlns:a16="http://schemas.microsoft.com/office/drawing/2014/main" id="{2F55BBF1-8FB8-4863-8B14-CE0BEFFAF2D6}"/>
+              </a:ext>
+            </a:extLst>
+          </p:cNvPr>
+          <p:cNvSpPr>
+            <a:spLocks noGrp="1"/>
+          </p:cNvSpPr>
+          <p:nvPr>
+            <p:ph type="body" sz="quarter" idx="23"/>
+          </p:nvPr>
+        </p:nvSpPr>
+        <p:spPr/>
+        <p:txBody>
+          <a:bodyPr/>
+          <a:lstStyle/>
+          <a:p>
+            <a:r>
+              <a:rPr lang="en-US"/>
+              <a:t>See also </a:t>
+            </a:r>
+            <a:r>
+              <a:rPr lang="en-US">
+                <a:hlinkClick r:id="rId2"/>
+              </a:rPr>
+              <a:t>https://lowleveldesign.org/2018/08/15/randomness-in-net/</a:t>
+            </a:r>
+            <a:endParaRPr lang="en-US"/>
+          </a:p>
+        </p:txBody>
+      </p:sp>
+    </p:spTree>
+    <p:extLst>
+      <p:ext uri="{BB962C8B-B14F-4D97-AF65-F5344CB8AC3E}">
+        <p14:creationId xmlns:p14="http://schemas.microsoft.com/office/powerpoint/2010/main" val="2383227100"/>
+      </p:ext>
+    </p:extLst>
+  </p:cSld>
+  <p:clrMapOvr>
+    <a:masterClrMapping/>
+  </p:clrMapOvr>
+  <p:transition spd="slow">
+    <p:push/>
+  </p:transition>
+</p:sld>
+</file>
+
+<file path=ppt/slides/slide8.xml><?xml version="1.0" encoding="utf-8"?>
 <p:sld xmlns:a="http://schemas.openxmlformats.org/drawingml/2006/main" xmlns:r="http://schemas.openxmlformats.org/officeDocument/2006/relationships" xmlns:p="http://schemas.openxmlformats.org/presentationml/2006/main">
   <p:cSld>
     <p:spTree>
@@ -12858,157 +14585,7 @@
 </p:sld>
 </file>
 
-<file path=ppt/slides/slide6.xml><?xml version="1.0" encoding="utf-8"?>
-<p:sld xmlns:a="http://schemas.openxmlformats.org/drawingml/2006/main" xmlns:r="http://schemas.openxmlformats.org/officeDocument/2006/relationships" xmlns:p="http://schemas.openxmlformats.org/presentationml/2006/main">
-  <p:cSld>
-    <p:spTree>
-      <p:nvGrpSpPr>
-        <p:cNvPr id="1" name=""/>
-        <p:cNvGrpSpPr/>
-        <p:nvPr/>
-      </p:nvGrpSpPr>
-      <p:grpSpPr>
-        <a:xfrm>
-          <a:off x="0" y="0"/>
-          <a:ext cx="0" cy="0"/>
-          <a:chOff x="0" y="0"/>
-          <a:chExt cx="0" cy="0"/>
-        </a:xfrm>
-      </p:grpSpPr>
-      <p:sp>
-        <p:nvSpPr>
-          <p:cNvPr id="2" name="Title 1">
-            <a:extLst>
-              <a:ext uri="{FF2B5EF4-FFF2-40B4-BE49-F238E27FC236}">
-                <a16:creationId xmlns:a16="http://schemas.microsoft.com/office/drawing/2014/main" id="{64A1225C-D095-4E0E-815F-A53B73B18B79}"/>
-              </a:ext>
-            </a:extLst>
-          </p:cNvPr>
-          <p:cNvSpPr>
-            <a:spLocks noGrp="1"/>
-          </p:cNvSpPr>
-          <p:nvPr>
-            <p:ph type="title"/>
-          </p:nvPr>
-        </p:nvSpPr>
-        <p:spPr/>
-        <p:txBody>
-          <a:bodyPr/>
-          <a:lstStyle/>
-          <a:p>
-            <a:r>
-              <a:rPr lang="de-AT" dirty="0"/>
-              <a:t>Resources</a:t>
-            </a:r>
-          </a:p>
-        </p:txBody>
-      </p:sp>
-      <p:sp>
-        <p:nvSpPr>
-          <p:cNvPr id="3" name="Content Placeholder 2">
-            <a:extLst>
-              <a:ext uri="{FF2B5EF4-FFF2-40B4-BE49-F238E27FC236}">
-                <a16:creationId xmlns:a16="http://schemas.microsoft.com/office/drawing/2014/main" id="{19A24615-69F1-484F-9A39-5EFF850252AC}"/>
-              </a:ext>
-            </a:extLst>
-          </p:cNvPr>
-          <p:cNvSpPr>
-            <a:spLocks noGrp="1"/>
-          </p:cNvSpPr>
-          <p:nvPr>
-            <p:ph sz="quarter" idx="12"/>
-          </p:nvPr>
-        </p:nvSpPr>
-        <p:spPr/>
-        <p:txBody>
-          <a:bodyPr/>
-          <a:lstStyle/>
-          <a:p>
-            <a:r>
-              <a:rPr lang="de-AT" dirty="0">
-                <a:hlinkClick r:id="rId2"/>
-              </a:rPr>
-              <a:t>Recommended </a:t>
-            </a:r>
-            <a:r>
-              <a:rPr lang="de-AT" dirty="0" err="1">
-                <a:hlinkClick r:id="rId2"/>
-              </a:rPr>
-              <a:t>algorithms</a:t>
-            </a:r>
-            <a:r>
-              <a:rPr lang="de-AT" dirty="0">
-                <a:hlinkClick r:id="rId2"/>
-              </a:rPr>
-              <a:t> </a:t>
-            </a:r>
-            <a:r>
-              <a:rPr lang="de-AT" dirty="0" err="1">
-                <a:hlinkClick r:id="rId2"/>
-              </a:rPr>
-              <a:t>by</a:t>
-            </a:r>
-            <a:r>
-              <a:rPr lang="de-AT" dirty="0">
-                <a:hlinkClick r:id="rId2"/>
-              </a:rPr>
-              <a:t> </a:t>
-            </a:r>
-            <a:r>
-              <a:rPr lang="de-AT" dirty="0" err="1">
-                <a:hlinkClick r:id="rId2"/>
-              </a:rPr>
-              <a:t>application</a:t>
-            </a:r>
-            <a:endParaRPr lang="de-AT" dirty="0"/>
-          </a:p>
-          <a:p>
-            <a:endParaRPr lang="de-AT" dirty="0"/>
-          </a:p>
-        </p:txBody>
-      </p:sp>
-      <p:sp>
-        <p:nvSpPr>
-          <p:cNvPr id="4" name="Text Placeholder 3">
-            <a:extLst>
-              <a:ext uri="{FF2B5EF4-FFF2-40B4-BE49-F238E27FC236}">
-                <a16:creationId xmlns:a16="http://schemas.microsoft.com/office/drawing/2014/main" id="{5B424404-0443-42C3-AAB2-0F5FB72C6F64}"/>
-              </a:ext>
-            </a:extLst>
-          </p:cNvPr>
-          <p:cNvSpPr>
-            <a:spLocks noGrp="1"/>
-          </p:cNvSpPr>
-          <p:nvPr>
-            <p:ph type="body" sz="quarter" idx="23"/>
-          </p:nvPr>
-        </p:nvSpPr>
-        <p:spPr/>
-        <p:txBody>
-          <a:bodyPr/>
-          <a:lstStyle/>
-          <a:p>
-            <a:endParaRPr lang="de-AT"/>
-          </a:p>
-        </p:txBody>
-      </p:sp>
-    </p:spTree>
-    <p:extLst>
-      <p:ext uri="{BB962C8B-B14F-4D97-AF65-F5344CB8AC3E}">
-        <p14:creationId xmlns:p14="http://schemas.microsoft.com/office/powerpoint/2010/main" val="3548897450"/>
-      </p:ext>
-    </p:extLst>
-  </p:cSld>
-  <p:clrMapOvr>
-    <a:masterClrMapping/>
-  </p:clrMapOvr>
-  <p:transition spd="slow">
-    <p:push/>
-  </p:transition>
-</p:sld>
-</file>
-
-<file path=ppt/slides/slide7.xml><?xml version="1.0" encoding="utf-8"?>
+<file path=ppt/slides/slide9.xml><?xml version="1.0" encoding="utf-8"?>
 <p:sld xmlns:a="http://schemas.openxmlformats.org/drawingml/2006/main" xmlns:r="http://schemas.openxmlformats.org/officeDocument/2006/relationships" xmlns:p="http://schemas.openxmlformats.org/presentationml/2006/main">
   <p:cSld>
     <p:spTree>
@@ -13170,395 +14747,6 @@
   <p:transition spd="slow">
     <p:push/>
   </p:transition>
-</p:sld>
-</file>
-
-<file path=ppt/slides/slide8.xml><?xml version="1.0" encoding="utf-8"?>
-<p:sld xmlns:a="http://schemas.openxmlformats.org/drawingml/2006/main" xmlns:r="http://schemas.openxmlformats.org/officeDocument/2006/relationships" xmlns:p="http://schemas.openxmlformats.org/presentationml/2006/main">
-  <p:cSld>
-    <p:spTree>
-      <p:nvGrpSpPr>
-        <p:cNvPr id="1" name=""/>
-        <p:cNvGrpSpPr/>
-        <p:nvPr/>
-      </p:nvGrpSpPr>
-      <p:grpSpPr>
-        <a:xfrm>
-          <a:off x="0" y="0"/>
-          <a:ext cx="0" cy="0"/>
-          <a:chOff x="0" y="0"/>
-          <a:chExt cx="0" cy="0"/>
-        </a:xfrm>
-      </p:grpSpPr>
-      <p:sp>
-        <p:nvSpPr>
-          <p:cNvPr id="2" name="Title 1">
-            <a:extLst>
-              <a:ext uri="{FF2B5EF4-FFF2-40B4-BE49-F238E27FC236}">
-                <a16:creationId xmlns:a16="http://schemas.microsoft.com/office/drawing/2014/main" id="{2572AE16-A283-4B2F-B9A5-A97D08773560}"/>
-              </a:ext>
-            </a:extLst>
-          </p:cNvPr>
-          <p:cNvSpPr>
-            <a:spLocks noGrp="1"/>
-          </p:cNvSpPr>
-          <p:nvPr>
-            <p:ph type="title"/>
-          </p:nvPr>
-        </p:nvSpPr>
-        <p:spPr/>
-        <p:txBody>
-          <a:bodyPr/>
-          <a:lstStyle/>
-          <a:p>
-            <a:r>
-              <a:rPr lang="en-US"/>
-              <a:t>Examples</a:t>
-            </a:r>
-          </a:p>
-        </p:txBody>
-      </p:sp>
-      <p:sp>
-        <p:nvSpPr>
-          <p:cNvPr id="3" name="Content Placeholder 2">
-            <a:extLst>
-              <a:ext uri="{FF2B5EF4-FFF2-40B4-BE49-F238E27FC236}">
-                <a16:creationId xmlns:a16="http://schemas.microsoft.com/office/drawing/2014/main" id="{189993DB-6F02-4D83-9680-D34AEF0E7BB5}"/>
-              </a:ext>
-            </a:extLst>
-          </p:cNvPr>
-          <p:cNvSpPr>
-            <a:spLocks noGrp="1"/>
-          </p:cNvSpPr>
-          <p:nvPr>
-            <p:ph sz="quarter" idx="12"/>
-          </p:nvPr>
-        </p:nvSpPr>
-        <p:spPr/>
-        <p:txBody>
-          <a:bodyPr/>
-          <a:lstStyle/>
-          <a:p>
-            <a:r>
-              <a:rPr lang="en-US" dirty="0"/>
-              <a:t>06-BCrypt</a:t>
-            </a:r>
-          </a:p>
-          <a:p>
-            <a:pPr lvl="1"/>
-            <a:r>
-              <a:rPr lang="en-US" dirty="0"/>
-              <a:t>Hash passwords with </a:t>
-            </a:r>
-            <a:r>
-              <a:rPr lang="en-US" i="1" dirty="0" err="1"/>
-              <a:t>BCrypt</a:t>
-            </a:r>
-            <a:endParaRPr lang="en-US" i="1" dirty="0"/>
-          </a:p>
-        </p:txBody>
-      </p:sp>
-      <p:sp>
-        <p:nvSpPr>
-          <p:cNvPr id="4" name="Text Placeholder 3">
-            <a:extLst>
-              <a:ext uri="{FF2B5EF4-FFF2-40B4-BE49-F238E27FC236}">
-                <a16:creationId xmlns:a16="http://schemas.microsoft.com/office/drawing/2014/main" id="{0B3F959B-5A8B-4040-981A-0EBAC93AE572}"/>
-              </a:ext>
-            </a:extLst>
-          </p:cNvPr>
-          <p:cNvSpPr>
-            <a:spLocks noGrp="1"/>
-          </p:cNvSpPr>
-          <p:nvPr>
-            <p:ph type="body" sz="quarter" idx="23"/>
-          </p:nvPr>
-        </p:nvSpPr>
-        <p:spPr/>
-        <p:txBody>
-          <a:bodyPr/>
-          <a:lstStyle/>
-          <a:p>
-            <a:endParaRPr lang="en-US"/>
-          </a:p>
-        </p:txBody>
-      </p:sp>
-    </p:spTree>
-    <p:extLst>
-      <p:ext uri="{BB962C8B-B14F-4D97-AF65-F5344CB8AC3E}">
-        <p14:creationId xmlns:p14="http://schemas.microsoft.com/office/powerpoint/2010/main" val="1295082866"/>
-      </p:ext>
-    </p:extLst>
-  </p:cSld>
-  <p:clrMapOvr>
-    <a:masterClrMapping/>
-  </p:clrMapOvr>
-  <p:transition spd="slow">
-    <p:push/>
-  </p:transition>
-</p:sld>
-</file>
-
-<file path=ppt/slides/slide9.xml><?xml version="1.0" encoding="utf-8"?>
-<p:sld xmlns:a="http://schemas.openxmlformats.org/drawingml/2006/main" xmlns:r="http://schemas.openxmlformats.org/officeDocument/2006/relationships" xmlns:p="http://schemas.openxmlformats.org/presentationml/2006/main">
-  <p:cSld>
-    <p:spTree>
-      <p:nvGrpSpPr>
-        <p:cNvPr id="1" name=""/>
-        <p:cNvGrpSpPr/>
-        <p:nvPr/>
-      </p:nvGrpSpPr>
-      <p:grpSpPr>
-        <a:xfrm>
-          <a:off x="0" y="0"/>
-          <a:ext cx="0" cy="0"/>
-          <a:chOff x="0" y="0"/>
-          <a:chExt cx="0" cy="0"/>
-        </a:xfrm>
-      </p:grpSpPr>
-      <p:sp>
-        <p:nvSpPr>
-          <p:cNvPr id="9" name="Text Placeholder 8"/>
-          <p:cNvSpPr>
-            <a:spLocks noGrp="1"/>
-          </p:cNvSpPr>
-          <p:nvPr>
-            <p:ph type="body" sz="quarter" idx="24"/>
-          </p:nvPr>
-        </p:nvSpPr>
-        <p:spPr>
-          <a:xfrm>
-            <a:off x="1141413" y="339725"/>
-            <a:ext cx="7751762" cy="685800"/>
-          </a:xfrm>
-        </p:spPr>
-        <p:txBody>
-          <a:bodyPr/>
-          <a:lstStyle/>
-          <a:p>
-            <a:r>
-              <a:rPr lang="en-US" dirty="0"/>
-              <a:t>Workshop</a:t>
-            </a:r>
-          </a:p>
-        </p:txBody>
-      </p:sp>
-      <p:pic>
-        <p:nvPicPr>
-          <p:cNvPr id="24" name="Content Placeholder 23"/>
-          <p:cNvPicPr>
-            <a:picLocks noGrp="1" noChangeAspect="1"/>
-          </p:cNvPicPr>
-          <p:nvPr>
-            <p:ph sz="quarter" idx="20"/>
-          </p:nvPr>
-        </p:nvPicPr>
-        <p:blipFill>
-          <a:blip r:embed="rId2" cstate="print">
-            <a:extLst>
-              <a:ext uri="{28A0092B-C50C-407E-A947-70E740481C1C}">
-                <a14:useLocalDpi xmlns:a14="http://schemas.microsoft.com/office/drawing/2010/main" val="0"/>
-              </a:ext>
-            </a:extLst>
-          </a:blip>
-          <a:stretch>
-            <a:fillRect/>
-          </a:stretch>
-        </p:blipFill>
-        <p:spPr/>
-      </p:pic>
-      <p:sp>
-        <p:nvSpPr>
-          <p:cNvPr id="2" name="Title 1"/>
-          <p:cNvSpPr>
-            <a:spLocks noGrp="1"/>
-          </p:cNvSpPr>
-          <p:nvPr>
-            <p:ph type="title"/>
-          </p:nvPr>
-        </p:nvSpPr>
-        <p:spPr/>
-        <p:txBody>
-          <a:bodyPr/>
-          <a:lstStyle/>
-          <a:p>
-            <a:r>
-              <a:rPr lang="en-US" dirty="0"/>
-              <a:t>Q&amp;A</a:t>
-            </a:r>
-          </a:p>
-        </p:txBody>
-      </p:sp>
-      <p:sp>
-        <p:nvSpPr>
-          <p:cNvPr id="3" name="Text Placeholder 2"/>
-          <p:cNvSpPr>
-            <a:spLocks noGrp="1"/>
-          </p:cNvSpPr>
-          <p:nvPr>
-            <p:ph type="body" sz="quarter" idx="12"/>
-          </p:nvPr>
-        </p:nvSpPr>
-        <p:spPr/>
-        <p:txBody>
-          <a:bodyPr/>
-          <a:lstStyle/>
-          <a:p>
-            <a:r>
-              <a:rPr lang="en-US"/>
-              <a:t>Rainer Stropek</a:t>
-            </a:r>
-          </a:p>
-        </p:txBody>
-      </p:sp>
-      <p:sp>
-        <p:nvSpPr>
-          <p:cNvPr id="4" name="Text Placeholder 3"/>
-          <p:cNvSpPr>
-            <a:spLocks noGrp="1"/>
-          </p:cNvSpPr>
-          <p:nvPr>
-            <p:ph type="body" sz="quarter" idx="13"/>
-          </p:nvPr>
-        </p:nvSpPr>
-        <p:spPr/>
-        <p:txBody>
-          <a:bodyPr/>
-          <a:lstStyle/>
-          <a:p>
-            <a:r>
-              <a:rPr lang="en-US"/>
-              <a:t>software architects gmbh</a:t>
-            </a:r>
-          </a:p>
-        </p:txBody>
-      </p:sp>
-      <p:sp>
-        <p:nvSpPr>
-          <p:cNvPr id="18" name="Text Placeholder 17"/>
-          <p:cNvSpPr>
-            <a:spLocks noGrp="1"/>
-          </p:cNvSpPr>
-          <p:nvPr>
-            <p:ph type="body" sz="quarter" idx="15"/>
-          </p:nvPr>
-        </p:nvSpPr>
-        <p:spPr/>
-        <p:txBody>
-          <a:bodyPr/>
-          <a:lstStyle/>
-          <a:p>
-            <a:r>
-              <a:rPr lang="en-US"/>
-              <a:t>rainer@timecockpit.com</a:t>
-            </a:r>
-            <a:br>
-              <a:rPr lang="en-US"/>
-            </a:br>
-            <a:r>
-              <a:rPr lang="en-US"/>
-              <a:t>http://www.timecockpit.com</a:t>
-            </a:r>
-            <a:br>
-              <a:rPr lang="en-US"/>
-            </a:br>
-            <a:r>
-              <a:rPr lang="en-US"/>
-              <a:t>@rstropek</a:t>
-            </a:r>
-          </a:p>
-        </p:txBody>
-      </p:sp>
-      <p:sp>
-        <p:nvSpPr>
-          <p:cNvPr id="10" name="Text Placeholder 9"/>
-          <p:cNvSpPr>
-            <a:spLocks noGrp="1"/>
-          </p:cNvSpPr>
-          <p:nvPr>
-            <p:ph type="body" sz="quarter" idx="25"/>
-          </p:nvPr>
-        </p:nvSpPr>
-        <p:spPr>
-          <a:xfrm>
-            <a:off x="1144588" y="3135313"/>
-            <a:ext cx="3789362" cy="366712"/>
-          </a:xfrm>
-        </p:spPr>
-        <p:txBody>
-          <a:bodyPr/>
-          <a:lstStyle/>
-          <a:p>
-            <a:r>
-              <a:rPr lang="en-US" dirty="0"/>
-              <a:t>Thank your for coming!</a:t>
-            </a:r>
-          </a:p>
-        </p:txBody>
-      </p:sp>
-      <p:sp>
-        <p:nvSpPr>
-          <p:cNvPr id="22" name="Content Placeholder 21"/>
-          <p:cNvSpPr>
-            <a:spLocks noGrp="1"/>
-          </p:cNvSpPr>
-          <p:nvPr>
-            <p:ph sz="quarter" idx="26"/>
-          </p:nvPr>
-        </p:nvSpPr>
-        <p:spPr>
-          <a:xfrm>
-            <a:off x="5218113" y="2338388"/>
-            <a:ext cx="793750" cy="796925"/>
-          </a:xfrm>
-        </p:spPr>
-        <p:txBody>
-          <a:bodyPr/>
-          <a:lstStyle/>
-          <a:p>
-            <a:r>
-              <a:rPr lang="en-US"/>
-              <a:t>Mail</a:t>
-            </a:r>
-            <a:br>
-              <a:rPr lang="en-US"/>
-            </a:br>
-            <a:r>
-              <a:rPr lang="en-US"/>
-              <a:t>Web</a:t>
-            </a:r>
-            <a:br>
-              <a:rPr lang="en-US"/>
-            </a:br>
-            <a:r>
-              <a:rPr lang="en-US"/>
-              <a:t>Twitter</a:t>
-            </a:r>
-          </a:p>
-        </p:txBody>
-      </p:sp>
-    </p:spTree>
-    <p:extLst>
-      <p:ext uri="{BB962C8B-B14F-4D97-AF65-F5344CB8AC3E}">
-        <p14:creationId xmlns:p14="http://schemas.microsoft.com/office/powerpoint/2010/main" val="4088726371"/>
-      </p:ext>
-    </p:extLst>
-  </p:cSld>
-  <p:clrMapOvr>
-    <a:masterClrMapping/>
-  </p:clrMapOvr>
-  <mc:AlternateContent xmlns:mc="http://schemas.openxmlformats.org/markup-compatibility/2006" xmlns:p14="http://schemas.microsoft.com/office/powerpoint/2010/main">
-    <mc:Choice Requires="p14">
-      <p:transition spd="med" p14:dur="700">
-        <p:fade/>
-      </p:transition>
-    </mc:Choice>
-    <mc:Fallback xmlns="">
-      <p:transition spd="med">
-        <p:fade/>
-      </p:transition>
-    </mc:Fallback>
-  </mc:AlternateContent>
 </p:sld>
 </file>
 

--- a/Slides/Secure-Coding-Dot-Net.pptx
+++ b/Slides/Secure-Coding-Dot-Net.pptx
@@ -5,28 +5,50 @@
     <p:sldMasterId id="2147483648" r:id="rId4"/>
   </p:sldMasterIdLst>
   <p:notesMasterIdLst>
-    <p:notesMasterId r:id="rId21"/>
+    <p:notesMasterId r:id="rId43"/>
   </p:notesMasterIdLst>
   <p:handoutMasterIdLst>
-    <p:handoutMasterId r:id="rId22"/>
+    <p:handoutMasterId r:id="rId44"/>
   </p:handoutMasterIdLst>
   <p:sldIdLst>
     <p:sldId id="377" r:id="rId5"/>
     <p:sldId id="390" r:id="rId6"/>
-    <p:sldId id="391" r:id="rId7"/>
-    <p:sldId id="378" r:id="rId8"/>
-    <p:sldId id="379" r:id="rId9"/>
-    <p:sldId id="380" r:id="rId10"/>
-    <p:sldId id="385" r:id="rId11"/>
-    <p:sldId id="383" r:id="rId12"/>
-    <p:sldId id="381" r:id="rId13"/>
-    <p:sldId id="384" r:id="rId14"/>
-    <p:sldId id="386" r:id="rId15"/>
-    <p:sldId id="387" r:id="rId16"/>
-    <p:sldId id="389" r:id="rId17"/>
-    <p:sldId id="392" r:id="rId18"/>
-    <p:sldId id="393" r:id="rId19"/>
-    <p:sldId id="362" r:id="rId20"/>
+    <p:sldId id="395" r:id="rId7"/>
+    <p:sldId id="391" r:id="rId8"/>
+    <p:sldId id="396" r:id="rId9"/>
+    <p:sldId id="397" r:id="rId10"/>
+    <p:sldId id="378" r:id="rId11"/>
+    <p:sldId id="379" r:id="rId12"/>
+    <p:sldId id="380" r:id="rId13"/>
+    <p:sldId id="385" r:id="rId14"/>
+    <p:sldId id="383" r:id="rId15"/>
+    <p:sldId id="381" r:id="rId16"/>
+    <p:sldId id="384" r:id="rId17"/>
+    <p:sldId id="386" r:id="rId18"/>
+    <p:sldId id="387" r:id="rId19"/>
+    <p:sldId id="389" r:id="rId20"/>
+    <p:sldId id="394" r:id="rId21"/>
+    <p:sldId id="392" r:id="rId22"/>
+    <p:sldId id="393" r:id="rId23"/>
+    <p:sldId id="400" r:id="rId24"/>
+    <p:sldId id="398" r:id="rId25"/>
+    <p:sldId id="399" r:id="rId26"/>
+    <p:sldId id="401" r:id="rId27"/>
+    <p:sldId id="402" r:id="rId28"/>
+    <p:sldId id="403" r:id="rId29"/>
+    <p:sldId id="404" r:id="rId30"/>
+    <p:sldId id="405" r:id="rId31"/>
+    <p:sldId id="406" r:id="rId32"/>
+    <p:sldId id="407" r:id="rId33"/>
+    <p:sldId id="408" r:id="rId34"/>
+    <p:sldId id="409" r:id="rId35"/>
+    <p:sldId id="410" r:id="rId36"/>
+    <p:sldId id="411" r:id="rId37"/>
+    <p:sldId id="412" r:id="rId38"/>
+    <p:sldId id="413" r:id="rId39"/>
+    <p:sldId id="414" r:id="rId40"/>
+    <p:sldId id="415" r:id="rId41"/>
+    <p:sldId id="362" r:id="rId42"/>
   </p:sldIdLst>
   <p:sldSz cx="9144000" cy="5143500" type="screen16x9"/>
   <p:notesSz cx="6858000" cy="9144000"/>
@@ -12000,13 +12022,13 @@
   <p:clrMapOvr>
     <a:masterClrMapping/>
   </p:clrMapOvr>
-  <mc:AlternateContent xmlns:mc="http://schemas.openxmlformats.org/markup-compatibility/2006" xmlns:p14="http://schemas.microsoft.com/office/powerpoint/2010/main">
-    <mc:Choice Requires="p14">
+  <mc:AlternateContent xmlns:mc="http://schemas.openxmlformats.org/markup-compatibility/2006">
+    <mc:Choice xmlns:p14="http://schemas.microsoft.com/office/powerpoint/2010/main" Requires="p14">
       <p:transition spd="med" p14:dur="700">
         <p:fade/>
       </p:transition>
     </mc:Choice>
-    <mc:Fallback xmlns="">
+    <mc:Fallback>
       <p:transition spd="med">
         <p:fade/>
       </p:transition>
@@ -12037,7 +12059,7 @@
           <p:cNvPr id="2" name="Title 1">
             <a:extLst>
               <a:ext uri="{FF2B5EF4-FFF2-40B4-BE49-F238E27FC236}">
-                <a16:creationId xmlns:a16="http://schemas.microsoft.com/office/drawing/2014/main" id="{2572AE16-A283-4B2F-B9A5-A97D08773560}"/>
+                <a16:creationId xmlns:a16="http://schemas.microsoft.com/office/drawing/2014/main" id="{420B3033-DFBD-48DA-B34E-75003EC3BCE6}"/>
               </a:ext>
             </a:extLst>
           </p:cNvPr>
@@ -12055,7 +12077,7 @@
           <a:p>
             <a:r>
               <a:rPr lang="en-US"/>
-              <a:t>Examples</a:t>
+              <a:t>Random Numbers</a:t>
             </a:r>
           </a:p>
         </p:txBody>
@@ -12065,7 +12087,7 @@
           <p:cNvPr id="3" name="Content Placeholder 2">
             <a:extLst>
               <a:ext uri="{FF2B5EF4-FFF2-40B4-BE49-F238E27FC236}">
-                <a16:creationId xmlns:a16="http://schemas.microsoft.com/office/drawing/2014/main" id="{189993DB-6F02-4D83-9680-D34AEF0E7BB5}"/>
+                <a16:creationId xmlns:a16="http://schemas.microsoft.com/office/drawing/2014/main" id="{612B6AA0-7262-4D3E-836C-09EBD0B56B93}"/>
               </a:ext>
             </a:extLst>
           </p:cNvPr>
@@ -12082,39 +12104,36 @@
           <a:lstStyle/>
           <a:p>
             <a:r>
-              <a:rPr lang="en-US" dirty="0"/>
-              <a:t>05-RandomNumbers</a:t>
+              <a:rPr lang="en-US"/>
+              <a:t>Pseudo-random numbers</a:t>
             </a:r>
           </a:p>
           <a:p>
             <a:pPr lvl="1"/>
             <a:r>
-              <a:rPr lang="en-US" dirty="0"/>
-              <a:t>Generating strong random numbers with </a:t>
-            </a:r>
-            <a:r>
-              <a:rPr lang="en-US" i="1" dirty="0" err="1"/>
+              <a:rPr lang="en-US" i="1"/>
+              <a:t>System.Random</a:t>
+            </a:r>
+          </a:p>
+          <a:p>
+            <a:pPr lvl="1"/>
+            <a:r>
+              <a:rPr lang="en-US"/>
+              <a:t>Predictable</a:t>
+            </a:r>
+          </a:p>
+          <a:p>
+            <a:r>
+              <a:rPr lang="en-US"/>
+              <a:t>Secure random numbers</a:t>
+            </a:r>
+          </a:p>
+          <a:p>
+            <a:pPr lvl="1"/>
+            <a:r>
+              <a:rPr lang="en-US" i="1"/>
               <a:t>RNGCryptoServiceProvider</a:t>
             </a:r>
-            <a:endParaRPr lang="en-US" i="1" dirty="0"/>
-          </a:p>
-          <a:p>
-            <a:r>
-              <a:rPr lang="en-US" dirty="0"/>
-              <a:t>06-BCrypt</a:t>
-            </a:r>
-          </a:p>
-          <a:p>
-            <a:pPr lvl="1"/>
-            <a:r>
-              <a:rPr lang="en-US" dirty="0"/>
-              <a:t>Hash passwords with </a:t>
-            </a:r>
-            <a:r>
-              <a:rPr lang="en-US" i="1" dirty="0" err="1"/>
-              <a:t>BCrypt</a:t>
-            </a:r>
-            <a:endParaRPr lang="en-US" i="1" dirty="0"/>
           </a:p>
         </p:txBody>
       </p:sp>
@@ -12123,7 +12142,7 @@
           <p:cNvPr id="4" name="Text Placeholder 3">
             <a:extLst>
               <a:ext uri="{FF2B5EF4-FFF2-40B4-BE49-F238E27FC236}">
-                <a16:creationId xmlns:a16="http://schemas.microsoft.com/office/drawing/2014/main" id="{0B3F959B-5A8B-4040-981A-0EBAC93AE572}"/>
+                <a16:creationId xmlns:a16="http://schemas.microsoft.com/office/drawing/2014/main" id="{2F55BBF1-8FB8-4863-8B14-CE0BEFFAF2D6}"/>
               </a:ext>
             </a:extLst>
           </p:cNvPr>
@@ -12139,6 +12158,16 @@
           <a:bodyPr/>
           <a:lstStyle/>
           <a:p>
+            <a:r>
+              <a:rPr lang="en-US"/>
+              <a:t>See also </a:t>
+            </a:r>
+            <a:r>
+              <a:rPr lang="en-US">
+                <a:hlinkClick r:id="rId2"/>
+              </a:rPr>
+              <a:t>https://lowleveldesign.org/2018/08/15/randomness-in-net/</a:t>
+            </a:r>
             <a:endParaRPr lang="en-US"/>
           </a:p>
         </p:txBody>
@@ -12146,16 +12175,25 @@
     </p:spTree>
     <p:extLst>
       <p:ext uri="{BB962C8B-B14F-4D97-AF65-F5344CB8AC3E}">
-        <p14:creationId xmlns:p14="http://schemas.microsoft.com/office/powerpoint/2010/main" val="1295082866"/>
+        <p14:creationId xmlns:p14="http://schemas.microsoft.com/office/powerpoint/2010/main" val="2383227100"/>
       </p:ext>
     </p:extLst>
   </p:cSld>
   <p:clrMapOvr>
     <a:masterClrMapping/>
   </p:clrMapOvr>
-  <p:transition spd="slow">
-    <p:push/>
-  </p:transition>
+  <mc:AlternateContent xmlns:mc="http://schemas.openxmlformats.org/markup-compatibility/2006">
+    <mc:Choice xmlns:p14="http://schemas.microsoft.com/office/powerpoint/2010/main" Requires="p14">
+      <p:transition spd="med" p14:dur="700">
+        <p:fade/>
+      </p:transition>
+    </mc:Choice>
+    <mc:Fallback>
+      <p:transition spd="med">
+        <p:fade/>
+      </p:transition>
+    </mc:Fallback>
+  </mc:AlternateContent>
 </p:sld>
 </file>
 
@@ -12181,7 +12219,7 @@
           <p:cNvPr id="2" name="Title 1">
             <a:extLst>
               <a:ext uri="{FF2B5EF4-FFF2-40B4-BE49-F238E27FC236}">
-                <a16:creationId xmlns:a16="http://schemas.microsoft.com/office/drawing/2014/main" id="{F8FADD9F-D779-4FB6-A392-8DDB9F3A789C}"/>
+                <a16:creationId xmlns:a16="http://schemas.microsoft.com/office/drawing/2014/main" id="{FDCA5176-74BF-4D0C-AC1E-AD64ADD2C686}"/>
               </a:ext>
             </a:extLst>
           </p:cNvPr>
@@ -12198,22 +12236,18 @@
           <a:lstStyle/>
           <a:p>
             <a:r>
-              <a:rPr lang="de-AT" dirty="0" err="1"/>
-              <a:t>Protecting</a:t>
-            </a:r>
-            <a:r>
-              <a:rPr lang="de-AT" dirty="0"/>
-              <a:t> Secrets</a:t>
-            </a:r>
-          </a:p>
-        </p:txBody>
-      </p:sp>
-      <p:sp>
-        <p:nvSpPr>
-          <p:cNvPr id="3" name="Text Placeholder 2">
+              <a:rPr lang="en-US"/>
+              <a:t>bcrypt.net</a:t>
+            </a:r>
+          </a:p>
+        </p:txBody>
+      </p:sp>
+      <p:sp>
+        <p:nvSpPr>
+          <p:cNvPr id="3" name="Content Placeholder 2">
             <a:extLst>
               <a:ext uri="{FF2B5EF4-FFF2-40B4-BE49-F238E27FC236}">
-                <a16:creationId xmlns:a16="http://schemas.microsoft.com/office/drawing/2014/main" id="{72858DEE-163D-402F-981D-E182F9F8632E}"/>
+                <a16:creationId xmlns:a16="http://schemas.microsoft.com/office/drawing/2014/main" id="{C9EC6411-B607-40FF-9D56-8B7F02BAFF0B}"/>
               </a:ext>
             </a:extLst>
           </p:cNvPr>
@@ -12221,7 +12255,7 @@
             <a:spLocks noGrp="1"/>
           </p:cNvSpPr>
           <p:nvPr>
-            <p:ph type="body" sz="quarter" idx="25"/>
+            <p:ph sz="quarter" idx="12"/>
           </p:nvPr>
         </p:nvSpPr>
         <p:spPr/>
@@ -12230,30 +12264,109 @@
           <a:lstStyle/>
           <a:p>
             <a:r>
-              <a:rPr lang="en-US" dirty="0"/>
-              <a:t>How to protect connection information</a:t>
-            </a:r>
-            <a:endParaRPr lang="de-AT" dirty="0"/>
+              <a:rPr lang="en-US">
+                <a:hlinkClick r:id="rId2"/>
+              </a:rPr>
+              <a:t>https://github.com/BcryptNet/bcrypt.net</a:t>
+            </a:r>
+            <a:endParaRPr lang="en-US"/>
+          </a:p>
+          <a:p>
+            <a:pPr lvl="1"/>
+            <a:r>
+              <a:rPr lang="en-US"/>
+              <a:t>NuGet: </a:t>
+            </a:r>
+            <a:r>
+              <a:rPr lang="en-US" i="1"/>
+              <a:t>BCrypt.Net-Next</a:t>
+            </a:r>
+          </a:p>
+          <a:p>
+            <a:r>
+              <a:rPr lang="en-US"/>
+              <a:t>Port of </a:t>
+            </a:r>
+            <a:r>
+              <a:rPr lang="en-US" i="1"/>
+              <a:t>jBCrypt</a:t>
+            </a:r>
+            <a:r>
+              <a:rPr lang="en-US"/>
+              <a:t> to C#</a:t>
+            </a:r>
+          </a:p>
+          <a:p>
+            <a:pPr lvl="1"/>
+            <a:r>
+              <a:rPr lang="en-US"/>
+              <a:t>Used to safely store passwords</a:t>
+            </a:r>
+          </a:p>
+          <a:p>
+            <a:r>
+              <a:rPr lang="en-US"/>
+              <a:t>Hashing of passwords with configurable hash complexity</a:t>
+            </a:r>
+          </a:p>
+          <a:p>
+            <a:pPr lvl="1"/>
+            <a:r>
+              <a:rPr lang="en-US"/>
+              <a:t>Compute power necessary for hashing can be set („work factor“)</a:t>
+            </a:r>
+          </a:p>
+          <a:p>
+            <a:pPr lvl="1"/>
+            <a:r>
+              <a:rPr lang="en-US"/>
+              <a:t>Backward/forward compatible because complexity part of resultant hash</a:t>
+            </a:r>
+          </a:p>
+        </p:txBody>
+      </p:sp>
+      <p:sp>
+        <p:nvSpPr>
+          <p:cNvPr id="4" name="Text Placeholder 3">
+            <a:extLst>
+              <a:ext uri="{FF2B5EF4-FFF2-40B4-BE49-F238E27FC236}">
+                <a16:creationId xmlns:a16="http://schemas.microsoft.com/office/drawing/2014/main" id="{BEB509E2-1834-430D-8807-974A525128EE}"/>
+              </a:ext>
+            </a:extLst>
+          </p:cNvPr>
+          <p:cNvSpPr>
+            <a:spLocks noGrp="1"/>
+          </p:cNvSpPr>
+          <p:nvPr>
+            <p:ph type="body" sz="quarter" idx="23"/>
+          </p:nvPr>
+        </p:nvSpPr>
+        <p:spPr/>
+        <p:txBody>
+          <a:bodyPr/>
+          <a:lstStyle/>
+          <a:p>
+            <a:endParaRPr lang="en-US"/>
           </a:p>
         </p:txBody>
       </p:sp>
     </p:spTree>
     <p:extLst>
       <p:ext uri="{BB962C8B-B14F-4D97-AF65-F5344CB8AC3E}">
-        <p14:creationId xmlns:p14="http://schemas.microsoft.com/office/powerpoint/2010/main" val="2423346125"/>
+        <p14:creationId xmlns:p14="http://schemas.microsoft.com/office/powerpoint/2010/main" val="789896913"/>
       </p:ext>
     </p:extLst>
   </p:cSld>
   <p:clrMapOvr>
     <a:masterClrMapping/>
   </p:clrMapOvr>
-  <mc:AlternateContent xmlns:mc="http://schemas.openxmlformats.org/markup-compatibility/2006" xmlns:p14="http://schemas.microsoft.com/office/powerpoint/2010/main">
-    <mc:Choice Requires="p14">
+  <mc:AlternateContent xmlns:mc="http://schemas.openxmlformats.org/markup-compatibility/2006">
+    <mc:Choice xmlns:p14="http://schemas.microsoft.com/office/powerpoint/2010/main" Requires="p14">
       <p:transition spd="med" p14:dur="700">
         <p:fade/>
       </p:transition>
     </mc:Choice>
-    <mc:Fallback xmlns="">
+    <mc:Fallback>
       <p:transition spd="med">
         <p:fade/>
       </p:transition>
@@ -12281,10 +12394,10 @@
       </p:grpSpPr>
       <p:sp>
         <p:nvSpPr>
-          <p:cNvPr id="4" name="Title 3">
+          <p:cNvPr id="2" name="Title 1">
             <a:extLst>
               <a:ext uri="{FF2B5EF4-FFF2-40B4-BE49-F238E27FC236}">
-                <a16:creationId xmlns:a16="http://schemas.microsoft.com/office/drawing/2014/main" id="{BDD3605E-FD53-466F-BE4A-2E05F5F4F85D}"/>
+                <a16:creationId xmlns:a16="http://schemas.microsoft.com/office/drawing/2014/main" id="{2572AE16-A283-4B2F-B9A5-A97D08773560}"/>
               </a:ext>
             </a:extLst>
           </p:cNvPr>
@@ -12302,17 +12415,17 @@
           <a:p>
             <a:r>
               <a:rPr lang="en-US"/>
-              <a:t>General Guidelines</a:t>
-            </a:r>
-          </a:p>
-        </p:txBody>
-      </p:sp>
-      <p:sp>
-        <p:nvSpPr>
-          <p:cNvPr id="5" name="Content Placeholder 4">
+              <a:t>Examples</a:t>
+            </a:r>
+          </a:p>
+        </p:txBody>
+      </p:sp>
+      <p:sp>
+        <p:nvSpPr>
+          <p:cNvPr id="3" name="Content Placeholder 2">
             <a:extLst>
               <a:ext uri="{FF2B5EF4-FFF2-40B4-BE49-F238E27FC236}">
-                <a16:creationId xmlns:a16="http://schemas.microsoft.com/office/drawing/2014/main" id="{01F131BF-9B34-48AC-BA46-B6209F9C8653}"/>
+                <a16:creationId xmlns:a16="http://schemas.microsoft.com/office/drawing/2014/main" id="{189993DB-6F02-4D83-9680-D34AEF0E7BB5}"/>
               </a:ext>
             </a:extLst>
           </p:cNvPr>
@@ -12330,153 +12443,68 @@
           <a:p>
             <a:r>
               <a:rPr lang="en-US" dirty="0"/>
-              <a:t>Prefer not storing secrets at all</a:t>
+              <a:t>01-Symmetric-Encryption</a:t>
             </a:r>
           </a:p>
           <a:p>
             <a:pPr lvl="1"/>
             <a:r>
               <a:rPr lang="en-US" dirty="0"/>
-              <a:t>Windows Authentication</a:t>
+              <a:t>Encrypt/decrypt data using AES</a:t>
+            </a:r>
+          </a:p>
+          <a:p>
+            <a:r>
+              <a:rPr lang="en-US" dirty="0"/>
+              <a:t>02-Asymmetric-Encryption</a:t>
             </a:r>
           </a:p>
           <a:p>
             <a:pPr lvl="1"/>
             <a:r>
               <a:rPr lang="en-US" dirty="0"/>
-              <a:t>Azure: Use AAD authentication with SQL (</a:t>
-            </a:r>
-            <a:r>
-              <a:rPr lang="en-US" dirty="0">
-                <a:hlinkClick r:id="rId2"/>
-              </a:rPr>
-              <a:t>docs</a:t>
-            </a:r>
-            <a:r>
-              <a:rPr lang="en-US" dirty="0"/>
-              <a:t>)</a:t>
+              <a:t>Transfer secret message using RSA and AES</a:t>
+            </a:r>
+          </a:p>
+          <a:p>
+            <a:r>
+              <a:rPr lang="en-US" dirty="0"/>
+              <a:t>03-Hashing</a:t>
             </a:r>
           </a:p>
           <a:p>
             <a:pPr lvl="1"/>
             <a:r>
               <a:rPr lang="en-US" dirty="0"/>
-              <a:t>Azure Managed Identities (</a:t>
-            </a:r>
-            <a:r>
-              <a:rPr lang="en-US" dirty="0">
-                <a:hlinkClick r:id="rId3"/>
-              </a:rPr>
-              <a:t>docs</a:t>
-            </a:r>
-            <a:r>
-              <a:rPr lang="en-US" dirty="0"/>
-              <a:t>)</a:t>
-            </a:r>
-          </a:p>
-          <a:p>
-            <a:r>
-              <a:rPr lang="en-US" dirty="0"/>
-              <a:t>Use </a:t>
-            </a:r>
-            <a:r>
-              <a:rPr lang="en-US" dirty="0">
-                <a:hlinkClick r:id="rId4"/>
-              </a:rPr>
-              <a:t>Connection String Builders</a:t>
-            </a:r>
-            <a:r>
-              <a:rPr lang="en-US" dirty="0"/>
-              <a:t> instead of string </a:t>
-            </a:r>
-            <a:r>
-              <a:rPr lang="en-US" dirty="0" err="1"/>
-              <a:t>concat</a:t>
+              <a:t>Compare two files using their SHA512 hash values</a:t>
+            </a:r>
+          </a:p>
+          <a:p>
+            <a:r>
+              <a:rPr lang="en-US" dirty="0"/>
+              <a:t>04-Signing</a:t>
+            </a:r>
+          </a:p>
+          <a:p>
+            <a:pPr lvl="1"/>
+            <a:r>
+              <a:rPr lang="en-US" dirty="0"/>
+              <a:t>Create a signed hash value </a:t>
+            </a:r>
+            <a:r>
+              <a:rPr lang="en-US"/>
+              <a:t>and verify it</a:t>
             </a:r>
             <a:endParaRPr lang="en-US" dirty="0"/>
           </a:p>
-          <a:p>
-            <a:pPr lvl="1"/>
-            <a:r>
-              <a:rPr lang="en-US" dirty="0"/>
-              <a:t>Sample: </a:t>
-            </a:r>
-            <a:r>
-              <a:rPr lang="en-US" i="1" dirty="0"/>
-              <a:t>07-ConnectionStringBuilders</a:t>
-            </a:r>
-            <a:endParaRPr lang="en-US" dirty="0"/>
-          </a:p>
-          <a:p>
-            <a:pPr lvl="1"/>
-            <a:r>
-              <a:rPr lang="en-US" u="sng" dirty="0"/>
-              <a:t>Don’t</a:t>
-            </a:r>
-            <a:r>
-              <a:rPr lang="en-US" dirty="0"/>
-              <a:t> set </a:t>
-            </a:r>
-            <a:r>
-              <a:rPr lang="en-US" i="1" dirty="0"/>
-              <a:t>Persist Security Info=True</a:t>
-            </a:r>
-            <a:r>
-              <a:rPr lang="en-US" dirty="0"/>
-              <a:t> (default is False) to prevent security-sensitive information to be obtained from a connection</a:t>
-            </a:r>
-          </a:p>
-          <a:p>
-            <a:r>
-              <a:rPr lang="en-US" i="1" dirty="0"/>
-              <a:t>private/protected/internal</a:t>
-            </a:r>
-            <a:r>
-              <a:rPr lang="en-US" dirty="0"/>
-              <a:t> is </a:t>
-            </a:r>
-            <a:r>
-              <a:rPr lang="en-US" u="sng" dirty="0"/>
-              <a:t>no</a:t>
-            </a:r>
-            <a:r>
-              <a:rPr lang="en-US" dirty="0"/>
-              <a:t> protection</a:t>
-            </a:r>
-          </a:p>
-          <a:p>
-            <a:pPr lvl="1"/>
-            <a:r>
-              <a:rPr lang="en-US" dirty="0"/>
-              <a:t>See also </a:t>
-            </a:r>
-            <a:r>
-              <a:rPr lang="en-US" i="1" dirty="0" err="1"/>
-              <a:t>BindingFlags.NonPublic</a:t>
-            </a:r>
-            <a:r>
-              <a:rPr lang="en-US" dirty="0"/>
-              <a:t> (</a:t>
-            </a:r>
-            <a:r>
-              <a:rPr lang="en-US" dirty="0">
-                <a:hlinkClick r:id="rId5"/>
-              </a:rPr>
-              <a:t>docs</a:t>
-            </a:r>
-            <a:r>
-              <a:rPr lang="en-US" dirty="0"/>
-              <a:t>)</a:t>
-            </a:r>
-          </a:p>
-        </p:txBody>
-      </p:sp>
-      <p:sp>
-        <p:nvSpPr>
-          <p:cNvPr id="6" name="Text Placeholder 5">
+        </p:txBody>
+      </p:sp>
+      <p:sp>
+        <p:nvSpPr>
+          <p:cNvPr id="4" name="Text Placeholder 3">
             <a:extLst>
               <a:ext uri="{FF2B5EF4-FFF2-40B4-BE49-F238E27FC236}">
-                <a16:creationId xmlns:a16="http://schemas.microsoft.com/office/drawing/2014/main" id="{45CC3CD2-13B7-49F0-BF5F-46A2C11C7A6E}"/>
+                <a16:creationId xmlns:a16="http://schemas.microsoft.com/office/drawing/2014/main" id="{0B3F959B-5A8B-4040-981A-0EBAC93AE572}"/>
               </a:ext>
             </a:extLst>
           </p:cNvPr>
@@ -12492,33 +12520,32 @@
           <a:bodyPr/>
           <a:lstStyle/>
           <a:p>
-            <a:r>
-              <a:rPr lang="en-US" dirty="0"/>
-              <a:t>See also </a:t>
-            </a:r>
-            <a:r>
-              <a:rPr lang="en-US" dirty="0">
-                <a:hlinkClick r:id="rId6"/>
-              </a:rPr>
-              <a:t>https://docs.microsoft.com/en-us/dotnet/framework/data/adonet/protecting-connection-information</a:t>
-            </a:r>
-            <a:endParaRPr lang="en-US" dirty="0"/>
+            <a:endParaRPr lang="en-US"/>
           </a:p>
         </p:txBody>
       </p:sp>
     </p:spTree>
     <p:extLst>
       <p:ext uri="{BB962C8B-B14F-4D97-AF65-F5344CB8AC3E}">
-        <p14:creationId xmlns:p14="http://schemas.microsoft.com/office/powerpoint/2010/main" val="287044570"/>
+        <p14:creationId xmlns:p14="http://schemas.microsoft.com/office/powerpoint/2010/main" val="1911820321"/>
       </p:ext>
     </p:extLst>
   </p:cSld>
   <p:clrMapOvr>
     <a:masterClrMapping/>
   </p:clrMapOvr>
-  <p:transition spd="slow">
-    <p:push/>
-  </p:transition>
+  <mc:AlternateContent xmlns:mc="http://schemas.openxmlformats.org/markup-compatibility/2006">
+    <mc:Choice xmlns:p14="http://schemas.microsoft.com/office/powerpoint/2010/main" Requires="p14">
+      <p:transition spd="med" p14:dur="700">
+        <p:fade/>
+      </p:transition>
+    </mc:Choice>
+    <mc:Fallback>
+      <p:transition spd="med">
+        <p:fade/>
+      </p:transition>
+    </mc:Fallback>
+  </mc:AlternateContent>
 </p:sld>
 </file>
 
@@ -12541,10 +12568,10 @@
       </p:grpSpPr>
       <p:sp>
         <p:nvSpPr>
-          <p:cNvPr id="4" name="Title 3">
+          <p:cNvPr id="2" name="Title 1">
             <a:extLst>
               <a:ext uri="{FF2B5EF4-FFF2-40B4-BE49-F238E27FC236}">
-                <a16:creationId xmlns:a16="http://schemas.microsoft.com/office/drawing/2014/main" id="{BDD3605E-FD53-466F-BE4A-2E05F5F4F85D}"/>
+                <a16:creationId xmlns:a16="http://schemas.microsoft.com/office/drawing/2014/main" id="{2572AE16-A283-4B2F-B9A5-A97D08773560}"/>
               </a:ext>
             </a:extLst>
           </p:cNvPr>
@@ -12562,17 +12589,17 @@
           <a:p>
             <a:r>
               <a:rPr lang="en-US"/>
-              <a:t>General Guidelines</a:t>
-            </a:r>
-          </a:p>
-        </p:txBody>
-      </p:sp>
-      <p:sp>
-        <p:nvSpPr>
-          <p:cNvPr id="5" name="Content Placeholder 4">
+              <a:t>Examples</a:t>
+            </a:r>
+          </a:p>
+        </p:txBody>
+      </p:sp>
+      <p:sp>
+        <p:nvSpPr>
+          <p:cNvPr id="3" name="Content Placeholder 2">
             <a:extLst>
               <a:ext uri="{FF2B5EF4-FFF2-40B4-BE49-F238E27FC236}">
-                <a16:creationId xmlns:a16="http://schemas.microsoft.com/office/drawing/2014/main" id="{01F131BF-9B34-48AC-BA46-B6209F9C8653}"/>
+                <a16:creationId xmlns:a16="http://schemas.microsoft.com/office/drawing/2014/main" id="{189993DB-6F02-4D83-9680-D34AEF0E7BB5}"/>
               </a:ext>
             </a:extLst>
           </p:cNvPr>
@@ -12590,62 +12617,47 @@
           <a:p>
             <a:r>
               <a:rPr lang="en-US" dirty="0"/>
-              <a:t>Recap .NET Core config system</a:t>
+              <a:t>05-RandomNumbers</a:t>
             </a:r>
           </a:p>
           <a:p>
             <a:pPr lvl="1"/>
             <a:r>
-              <a:rPr lang="en-US" i="1" dirty="0"/>
-              <a:t>08-RecapNetCoreConfig</a:t>
-            </a:r>
-          </a:p>
-          <a:p>
-            <a:r>
-              <a:rPr lang="en-US" dirty="0"/>
-              <a:t>Encrypt configuration files</a:t>
+              <a:rPr lang="en-US" dirty="0"/>
+              <a:t>Generating strong random numbers with </a:t>
+            </a:r>
+            <a:r>
+              <a:rPr lang="en-US" i="1" dirty="0" err="1"/>
+              <a:t>RNGCryptoServiceProvider</a:t>
+            </a:r>
+            <a:endParaRPr lang="en-US" i="1" dirty="0"/>
+          </a:p>
+          <a:p>
+            <a:r>
+              <a:rPr lang="en-US" dirty="0"/>
+              <a:t>06-BCrypt</a:t>
             </a:r>
           </a:p>
           <a:p>
             <a:pPr lvl="1"/>
             <a:r>
               <a:rPr lang="en-US" dirty="0"/>
-              <a:t>ASP.NET: Use </a:t>
+              <a:t>Hash passwords with </a:t>
             </a:r>
             <a:r>
               <a:rPr lang="en-US" i="1" dirty="0" err="1"/>
-              <a:t>aspnet_regiis</a:t>
-            </a:r>
-            <a:r>
-              <a:rPr lang="en-US" dirty="0"/>
-              <a:t> tool (</a:t>
-            </a:r>
-            <a:r>
-              <a:rPr lang="en-US" dirty="0">
-                <a:hlinkClick r:id="rId2"/>
-              </a:rPr>
-              <a:t>docs</a:t>
-            </a:r>
-            <a:r>
-              <a:rPr lang="en-US" dirty="0"/>
-              <a:t>)</a:t>
-            </a:r>
-          </a:p>
-          <a:p>
-            <a:pPr lvl="1"/>
-            <a:r>
-              <a:rPr lang="en-US" dirty="0"/>
-              <a:t>ASP.NET Core: </a:t>
-            </a:r>
-          </a:p>
-        </p:txBody>
-      </p:sp>
-      <p:sp>
-        <p:nvSpPr>
-          <p:cNvPr id="6" name="Text Placeholder 5">
+              <a:t>BCrypt</a:t>
+            </a:r>
+            <a:endParaRPr lang="en-US" i="1" dirty="0"/>
+          </a:p>
+        </p:txBody>
+      </p:sp>
+      <p:sp>
+        <p:nvSpPr>
+          <p:cNvPr id="4" name="Text Placeholder 3">
             <a:extLst>
               <a:ext uri="{FF2B5EF4-FFF2-40B4-BE49-F238E27FC236}">
-                <a16:creationId xmlns:a16="http://schemas.microsoft.com/office/drawing/2014/main" id="{45CC3CD2-13B7-49F0-BF5F-46A2C11C7A6E}"/>
+                <a16:creationId xmlns:a16="http://schemas.microsoft.com/office/drawing/2014/main" id="{0B3F959B-5A8B-4040-981A-0EBAC93AE572}"/>
               </a:ext>
             </a:extLst>
           </p:cNvPr>
@@ -12661,33 +12673,32 @@
           <a:bodyPr/>
           <a:lstStyle/>
           <a:p>
-            <a:r>
-              <a:rPr lang="en-US" dirty="0"/>
-              <a:t>See also </a:t>
-            </a:r>
-            <a:r>
-              <a:rPr lang="en-US" dirty="0">
-                <a:hlinkClick r:id="rId3"/>
-              </a:rPr>
-              <a:t>https://docs.microsoft.com/en-us/dotnet/framework/data/adonet/protecting-connection-information</a:t>
-            </a:r>
-            <a:endParaRPr lang="en-US" dirty="0"/>
+            <a:endParaRPr lang="en-US"/>
           </a:p>
         </p:txBody>
       </p:sp>
     </p:spTree>
     <p:extLst>
       <p:ext uri="{BB962C8B-B14F-4D97-AF65-F5344CB8AC3E}">
-        <p14:creationId xmlns:p14="http://schemas.microsoft.com/office/powerpoint/2010/main" val="2774263431"/>
+        <p14:creationId xmlns:p14="http://schemas.microsoft.com/office/powerpoint/2010/main" val="1295082866"/>
       </p:ext>
     </p:extLst>
   </p:cSld>
   <p:clrMapOvr>
     <a:masterClrMapping/>
   </p:clrMapOvr>
-  <p:transition spd="slow">
-    <p:push/>
-  </p:transition>
+  <mc:AlternateContent xmlns:mc="http://schemas.openxmlformats.org/markup-compatibility/2006">
+    <mc:Choice xmlns:p14="http://schemas.microsoft.com/office/powerpoint/2010/main" Requires="p14">
+      <p:transition spd="med" p14:dur="700">
+        <p:fade/>
+      </p:transition>
+    </mc:Choice>
+    <mc:Fallback>
+      <p:transition spd="med">
+        <p:fade/>
+      </p:transition>
+    </mc:Fallback>
+  </mc:AlternateContent>
 </p:sld>
 </file>
 
@@ -12713,7 +12724,7 @@
           <p:cNvPr id="2" name="Title 1">
             <a:extLst>
               <a:ext uri="{FF2B5EF4-FFF2-40B4-BE49-F238E27FC236}">
-                <a16:creationId xmlns:a16="http://schemas.microsoft.com/office/drawing/2014/main" id="{DE5C6A00-2349-4081-8885-95806CB4E6A1}"/>
+                <a16:creationId xmlns:a16="http://schemas.microsoft.com/office/drawing/2014/main" id="{F8FADD9F-D779-4FB6-A392-8DDB9F3A789C}"/>
               </a:ext>
             </a:extLst>
           </p:cNvPr>
@@ -12730,18 +12741,22 @@
           <a:lstStyle/>
           <a:p>
             <a:r>
-              <a:rPr lang="en-US"/>
-              <a:t>Azure Managed Identity</a:t>
-            </a:r>
-          </a:p>
-        </p:txBody>
-      </p:sp>
-      <p:sp>
-        <p:nvSpPr>
-          <p:cNvPr id="3" name="Content Placeholder 2">
+              <a:rPr lang="de-AT" dirty="0" err="1"/>
+              <a:t>Protecting</a:t>
+            </a:r>
+            <a:r>
+              <a:rPr lang="de-AT" dirty="0"/>
+              <a:t> Secrets</a:t>
+            </a:r>
+          </a:p>
+        </p:txBody>
+      </p:sp>
+      <p:sp>
+        <p:nvSpPr>
+          <p:cNvPr id="3" name="Text Placeholder 2">
             <a:extLst>
               <a:ext uri="{FF2B5EF4-FFF2-40B4-BE49-F238E27FC236}">
-                <a16:creationId xmlns:a16="http://schemas.microsoft.com/office/drawing/2014/main" id="{A40CBCAC-290F-42CF-AF44-72322D6C858A}"/>
+                <a16:creationId xmlns:a16="http://schemas.microsoft.com/office/drawing/2014/main" id="{72858DEE-163D-402F-981D-E182F9F8632E}"/>
               </a:ext>
             </a:extLst>
           </p:cNvPr>
@@ -12749,7 +12764,7 @@
             <a:spLocks noGrp="1"/>
           </p:cNvSpPr>
           <p:nvPr>
-            <p:ph sz="quarter" idx="12"/>
+            <p:ph type="body" sz="quarter" idx="25"/>
           </p:nvPr>
         </p:nvSpPr>
         <p:spPr/>
@@ -12759,116 +12774,34 @@
           <a:p>
             <a:r>
               <a:rPr lang="en-US" dirty="0"/>
-              <a:t>Automatically managed identities for services in Azure</a:t>
-            </a:r>
-          </a:p>
-          <a:p>
-            <a:pPr lvl="1"/>
-            <a:r>
-              <a:rPr lang="en-US" dirty="0"/>
-              <a:t>Backed by Azure AD</a:t>
-            </a:r>
-          </a:p>
-          <a:p>
-            <a:pPr lvl="1"/>
-            <a:r>
-              <a:rPr lang="en-US" dirty="0"/>
-              <a:t>Goal: No credentials on developer workstations or in source control</a:t>
-            </a:r>
-          </a:p>
-          <a:p>
-            <a:r>
-              <a:rPr lang="en-US" dirty="0"/>
-              <a:t>Two types: System- or user-assigned</a:t>
-            </a:r>
-          </a:p>
-          <a:p>
-            <a:pPr lvl="1"/>
-            <a:r>
-              <a:rPr lang="en-US" dirty="0"/>
-              <a:t>More or less control over service principal creation</a:t>
-            </a:r>
-          </a:p>
-          <a:p>
-            <a:r>
-              <a:rPr lang="en-US" dirty="0"/>
-              <a:t>Supported by more and more Azure PaaS/Serverless services</a:t>
-            </a:r>
-          </a:p>
-          <a:p>
-            <a:pPr lvl="1"/>
-            <a:r>
-              <a:rPr lang="en-US" dirty="0">
-                <a:hlinkClick r:id="rId2"/>
-              </a:rPr>
-              <a:t>Docs</a:t>
-            </a:r>
-            <a:endParaRPr lang="en-US" dirty="0"/>
-          </a:p>
-          <a:p>
-            <a:pPr lvl="1"/>
-            <a:r>
-              <a:rPr lang="en-US" dirty="0"/>
-              <a:t>Here: Focus on </a:t>
-            </a:r>
-            <a:r>
-              <a:rPr lang="en-US" dirty="0">
-                <a:hlinkClick r:id="rId3"/>
-              </a:rPr>
-              <a:t>KeyVault</a:t>
-            </a:r>
-            <a:endParaRPr lang="en-US" dirty="0"/>
-          </a:p>
-        </p:txBody>
-      </p:sp>
-      <p:sp>
-        <p:nvSpPr>
-          <p:cNvPr id="4" name="Text Placeholder 3">
-            <a:extLst>
-              <a:ext uri="{FF2B5EF4-FFF2-40B4-BE49-F238E27FC236}">
-                <a16:creationId xmlns:a16="http://schemas.microsoft.com/office/drawing/2014/main" id="{4756455E-82F7-4F41-9AA2-F214DAA65B12}"/>
-              </a:ext>
-            </a:extLst>
-          </p:cNvPr>
-          <p:cNvSpPr>
-            <a:spLocks noGrp="1"/>
-          </p:cNvSpPr>
-          <p:nvPr>
-            <p:ph type="body" sz="quarter" idx="23"/>
-          </p:nvPr>
-        </p:nvSpPr>
-        <p:spPr/>
-        <p:txBody>
-          <a:bodyPr/>
-          <a:lstStyle/>
-          <a:p>
-            <a:r>
-              <a:rPr lang="en-US"/>
-              <a:t>See also </a:t>
-            </a:r>
-            <a:r>
-              <a:rPr lang="en-US">
-                <a:hlinkClick r:id="rId4"/>
-              </a:rPr>
-              <a:t>https://docs.microsoft.com/en-us/azure/active-directory/managed-identities-azure-resources/overview</a:t>
-            </a:r>
-            <a:endParaRPr lang="en-US"/>
+              <a:t>How to protect connection information</a:t>
+            </a:r>
+            <a:endParaRPr lang="de-AT" dirty="0"/>
           </a:p>
         </p:txBody>
       </p:sp>
     </p:spTree>
     <p:extLst>
       <p:ext uri="{BB962C8B-B14F-4D97-AF65-F5344CB8AC3E}">
-        <p14:creationId xmlns:p14="http://schemas.microsoft.com/office/powerpoint/2010/main" val="1073376354"/>
+        <p14:creationId xmlns:p14="http://schemas.microsoft.com/office/powerpoint/2010/main" val="2423346125"/>
       </p:ext>
     </p:extLst>
   </p:cSld>
   <p:clrMapOvr>
     <a:masterClrMapping/>
   </p:clrMapOvr>
-  <p:transition spd="slow">
-    <p:push/>
-  </p:transition>
+  <mc:AlternateContent xmlns:mc="http://schemas.openxmlformats.org/markup-compatibility/2006">
+    <mc:Choice xmlns:p14="http://schemas.microsoft.com/office/powerpoint/2010/main" Requires="p14">
+      <p:transition spd="med" p14:dur="700">
+        <p:fade/>
+      </p:transition>
+    </mc:Choice>
+    <mc:Fallback>
+      <p:transition spd="med">
+        <p:fade/>
+      </p:transition>
+    </mc:Fallback>
+  </mc:AlternateContent>
 </p:sld>
 </file>
 
@@ -12891,10 +12824,10 @@
       </p:grpSpPr>
       <p:sp>
         <p:nvSpPr>
-          <p:cNvPr id="2" name="Title 1">
+          <p:cNvPr id="4" name="Title 3">
             <a:extLst>
               <a:ext uri="{FF2B5EF4-FFF2-40B4-BE49-F238E27FC236}">
-                <a16:creationId xmlns:a16="http://schemas.microsoft.com/office/drawing/2014/main" id="{DE5C6A00-2349-4081-8885-95806CB4E6A1}"/>
+                <a16:creationId xmlns:a16="http://schemas.microsoft.com/office/drawing/2014/main" id="{BDD3605E-FD53-466F-BE4A-2E05F5F4F85D}"/>
               </a:ext>
             </a:extLst>
           </p:cNvPr>
@@ -12911,18 +12844,18 @@
           <a:lstStyle/>
           <a:p>
             <a:r>
-              <a:rPr lang="en-US" dirty="0"/>
-              <a:t>KeyVault</a:t>
-            </a:r>
-          </a:p>
-        </p:txBody>
-      </p:sp>
-      <p:sp>
-        <p:nvSpPr>
-          <p:cNvPr id="3" name="Content Placeholder 2">
+              <a:rPr lang="en-US"/>
+              <a:t>General Guidelines</a:t>
+            </a:r>
+          </a:p>
+        </p:txBody>
+      </p:sp>
+      <p:sp>
+        <p:nvSpPr>
+          <p:cNvPr id="5" name="Content Placeholder 4">
             <a:extLst>
               <a:ext uri="{FF2B5EF4-FFF2-40B4-BE49-F238E27FC236}">
-                <a16:creationId xmlns:a16="http://schemas.microsoft.com/office/drawing/2014/main" id="{A40CBCAC-290F-42CF-AF44-72322D6C858A}"/>
+                <a16:creationId xmlns:a16="http://schemas.microsoft.com/office/drawing/2014/main" id="{01F131BF-9B34-48AC-BA46-B6209F9C8653}"/>
               </a:ext>
             </a:extLst>
           </p:cNvPr>
@@ -12940,33 +12873,21 @@
           <a:p>
             <a:r>
               <a:rPr lang="en-US" dirty="0"/>
-              <a:t>Keep secrets, encryption keys, and certs in Azure</a:t>
+              <a:t>Prefer not storing secrets at all</a:t>
             </a:r>
           </a:p>
           <a:p>
             <a:pPr lvl="1"/>
             <a:r>
               <a:rPr lang="en-US" dirty="0"/>
-              <a:t>Can be protected by certified HSMs</a:t>
-            </a:r>
-          </a:p>
-          <a:p>
-            <a:r>
-              <a:rPr lang="en-US" dirty="0"/>
-              <a:t>Monitor access and use</a:t>
-            </a:r>
-          </a:p>
-          <a:p>
-            <a:r>
-              <a:rPr lang="en-US" dirty="0"/>
-              <a:t>Integrated in various Azure services</a:t>
+              <a:t>Windows Authentication</a:t>
             </a:r>
           </a:p>
           <a:p>
             <a:pPr lvl="1"/>
             <a:r>
               <a:rPr lang="en-US" dirty="0"/>
-              <a:t>E.g. SSL certs for App Service (</a:t>
+              <a:t>Azure: Use AAD authentication with SQL (</a:t>
             </a:r>
             <a:r>
               <a:rPr lang="en-US" dirty="0">
@@ -12983,15 +12904,7 @@
             <a:pPr lvl="1"/>
             <a:r>
               <a:rPr lang="en-US" dirty="0"/>
-              <a:t>E.g. </a:t>
-            </a:r>
-            <a:r>
-              <a:rPr lang="en-US" i="1" dirty="0"/>
-              <a:t>Always Encrypted</a:t>
-            </a:r>
-            <a:r>
-              <a:rPr lang="en-US" dirty="0"/>
-              <a:t> in SQL (</a:t>
+              <a:t>Azure Managed Identities (</a:t>
             </a:r>
             <a:r>
               <a:rPr lang="en-US" dirty="0">
@@ -13007,32 +12920,106 @@
           <a:p>
             <a:r>
               <a:rPr lang="en-US" dirty="0"/>
-              <a:t>Access to KeyVault can be protected by </a:t>
+              <a:t>Use </a:t>
+            </a:r>
+            <a:r>
+              <a:rPr lang="en-US" dirty="0">
+                <a:hlinkClick r:id="rId4"/>
+              </a:rPr>
+              <a:t>Connection String Builders</a:t>
+            </a:r>
+            <a:r>
+              <a:rPr lang="en-US" dirty="0"/>
+              <a:t> instead of string </a:t>
+            </a:r>
+            <a:r>
+              <a:rPr lang="en-US" dirty="0" err="1"/>
+              <a:t>concat</a:t>
+            </a:r>
+            <a:endParaRPr lang="en-US" dirty="0"/>
+          </a:p>
+          <a:p>
+            <a:pPr lvl="1"/>
+            <a:r>
+              <a:rPr lang="en-US" dirty="0"/>
+              <a:t>Sample: </a:t>
             </a:r>
             <a:r>
               <a:rPr lang="en-US" i="1" dirty="0"/>
-              <a:t>Managed Identity</a:t>
-            </a:r>
+              <a:t>07-ConnectionStringBuilders</a:t>
+            </a:r>
+            <a:endParaRPr lang="en-US" dirty="0"/>
           </a:p>
           <a:p>
             <a:pPr lvl="1"/>
             <a:r>
-              <a:rPr lang="en-US" dirty="0"/>
-              <a:t>Sample: </a:t>
+              <a:rPr lang="en-US" u="sng" dirty="0"/>
+              <a:t>Don’t</a:t>
+            </a:r>
+            <a:r>
+              <a:rPr lang="en-US" dirty="0"/>
+              <a:t> set </a:t>
             </a:r>
             <a:r>
               <a:rPr lang="en-US" i="1" dirty="0"/>
-              <a:t>09.2-KeyVaultManagedIdentity</a:t>
-            </a:r>
-          </a:p>
-        </p:txBody>
-      </p:sp>
-      <p:sp>
-        <p:nvSpPr>
-          <p:cNvPr id="4" name="Text Placeholder 3">
+              <a:t>Persist Security Info=True</a:t>
+            </a:r>
+            <a:r>
+              <a:rPr lang="en-US" dirty="0"/>
+              <a:t> (default is False) to prevent security-sensitive information to be obtained from a connection</a:t>
+            </a:r>
+          </a:p>
+          <a:p>
+            <a:r>
+              <a:rPr lang="en-US" i="1" dirty="0"/>
+              <a:t>private/protected/internal</a:t>
+            </a:r>
+            <a:r>
+              <a:rPr lang="en-US" dirty="0"/>
+              <a:t> is </a:t>
+            </a:r>
+            <a:r>
+              <a:rPr lang="en-US" u="sng" dirty="0"/>
+              <a:t>no</a:t>
+            </a:r>
+            <a:r>
+              <a:rPr lang="en-US" dirty="0"/>
+              <a:t> protection</a:t>
+            </a:r>
+          </a:p>
+          <a:p>
+            <a:pPr lvl="1"/>
+            <a:r>
+              <a:rPr lang="en-US" dirty="0"/>
+              <a:t>See also </a:t>
+            </a:r>
+            <a:r>
+              <a:rPr lang="en-US" i="1" dirty="0" err="1"/>
+              <a:t>BindingFlags.NonPublic</a:t>
+            </a:r>
+            <a:r>
+              <a:rPr lang="en-US" dirty="0"/>
+              <a:t> (</a:t>
+            </a:r>
+            <a:r>
+              <a:rPr lang="en-US" dirty="0">
+                <a:hlinkClick r:id="rId5"/>
+              </a:rPr>
+              <a:t>docs</a:t>
+            </a:r>
+            <a:r>
+              <a:rPr lang="en-US" dirty="0"/>
+              <a:t>)</a:t>
+            </a:r>
+          </a:p>
+        </p:txBody>
+      </p:sp>
+      <p:sp>
+        <p:nvSpPr>
+          <p:cNvPr id="6" name="Text Placeholder 5">
             <a:extLst>
               <a:ext uri="{FF2B5EF4-FFF2-40B4-BE49-F238E27FC236}">
-                <a16:creationId xmlns:a16="http://schemas.microsoft.com/office/drawing/2014/main" id="{4756455E-82F7-4F41-9AA2-F214DAA65B12}"/>
+                <a16:creationId xmlns:a16="http://schemas.microsoft.com/office/drawing/2014/main" id="{45CC3CD2-13B7-49F0-BF5F-46A2C11C7A6E}"/>
               </a:ext>
             </a:extLst>
           </p:cNvPr>
@@ -13053,10 +13040,10 @@
               <a:t>See also </a:t>
             </a:r>
             <a:r>
-              <a:rPr lang="de-AT" dirty="0">
-                <a:hlinkClick r:id="rId4"/>
+              <a:rPr lang="en-US" dirty="0">
+                <a:hlinkClick r:id="rId6"/>
               </a:rPr>
-              <a:t>https://docs.microsoft.com/en-us/azure/key-vault/key-vault-overview</a:t>
+              <a:t>https://docs.microsoft.com/en-us/dotnet/framework/data/adonet/protecting-connection-information</a:t>
             </a:r>
             <a:endParaRPr lang="en-US" dirty="0"/>
           </a:p>
@@ -13065,16 +13052,25 @@
     </p:spTree>
     <p:extLst>
       <p:ext uri="{BB962C8B-B14F-4D97-AF65-F5344CB8AC3E}">
-        <p14:creationId xmlns:p14="http://schemas.microsoft.com/office/powerpoint/2010/main" val="67618888"/>
+        <p14:creationId xmlns:p14="http://schemas.microsoft.com/office/powerpoint/2010/main" val="287044570"/>
       </p:ext>
     </p:extLst>
   </p:cSld>
   <p:clrMapOvr>
     <a:masterClrMapping/>
   </p:clrMapOvr>
-  <p:transition spd="slow">
-    <p:push/>
-  </p:transition>
+  <mc:AlternateContent xmlns:mc="http://schemas.openxmlformats.org/markup-compatibility/2006">
+    <mc:Choice xmlns:p14="http://schemas.microsoft.com/office/powerpoint/2010/main" Requires="p14">
+      <p:transition spd="med" p14:dur="700">
+        <p:fade/>
+      </p:transition>
+    </mc:Choice>
+    <mc:Fallback>
+      <p:transition spd="med">
+        <p:fade/>
+      </p:transition>
+    </mc:Fallback>
+  </mc:AlternateContent>
 </p:sld>
 </file>
 
@@ -13097,58 +13093,13 @@
       </p:grpSpPr>
       <p:sp>
         <p:nvSpPr>
-          <p:cNvPr id="9" name="Text Placeholder 8"/>
-          <p:cNvSpPr>
-            <a:spLocks noGrp="1"/>
-          </p:cNvSpPr>
-          <p:nvPr>
-            <p:ph type="body" sz="quarter" idx="24"/>
-          </p:nvPr>
-        </p:nvSpPr>
-        <p:spPr>
-          <a:xfrm>
-            <a:off x="1141413" y="339725"/>
-            <a:ext cx="7751762" cy="685800"/>
-          </a:xfrm>
-        </p:spPr>
-        <p:txBody>
-          <a:bodyPr/>
-          <a:lstStyle/>
-          <a:p>
-            <a:r>
-              <a:rPr lang="en-US" dirty="0"/>
-              <a:t>Workshop</a:t>
-            </a:r>
-          </a:p>
-        </p:txBody>
-      </p:sp>
-      <p:pic>
-        <p:nvPicPr>
-          <p:cNvPr id="24" name="Content Placeholder 23"/>
-          <p:cNvPicPr>
-            <a:picLocks noGrp="1" noChangeAspect="1"/>
-          </p:cNvPicPr>
-          <p:nvPr>
-            <p:ph sz="quarter" idx="20"/>
-          </p:nvPr>
-        </p:nvPicPr>
-        <p:blipFill>
-          <a:blip r:embed="rId2" cstate="print">
+          <p:cNvPr id="4" name="Title 3">
             <a:extLst>
-              <a:ext uri="{28A0092B-C50C-407E-A947-70E740481C1C}">
-                <a14:useLocalDpi xmlns:a14="http://schemas.microsoft.com/office/drawing/2010/main" val="0"/>
+              <a:ext uri="{FF2B5EF4-FFF2-40B4-BE49-F238E27FC236}">
+                <a16:creationId xmlns:a16="http://schemas.microsoft.com/office/drawing/2014/main" id="{BDD3605E-FD53-466F-BE4A-2E05F5F4F85D}"/>
               </a:ext>
             </a:extLst>
-          </a:blip>
-          <a:stretch>
-            <a:fillRect/>
-          </a:stretch>
-        </p:blipFill>
-        <p:spPr/>
-      </p:pic>
-      <p:sp>
-        <p:nvSpPr>
-          <p:cNvPr id="2" name="Title 1"/>
+          </p:cNvPr>
           <p:cNvSpPr>
             <a:spLocks noGrp="1"/>
           </p:cNvSpPr>
@@ -13162,20 +13113,26 @@
           <a:lstStyle/>
           <a:p>
             <a:r>
-              <a:rPr lang="en-US" dirty="0"/>
-              <a:t>Q&amp;A</a:t>
-            </a:r>
-          </a:p>
-        </p:txBody>
-      </p:sp>
-      <p:sp>
-        <p:nvSpPr>
-          <p:cNvPr id="3" name="Text Placeholder 2"/>
+              <a:rPr lang="en-US"/>
+              <a:t>General Guidelines</a:t>
+            </a:r>
+          </a:p>
+        </p:txBody>
+      </p:sp>
+      <p:sp>
+        <p:nvSpPr>
+          <p:cNvPr id="5" name="Content Placeholder 4">
+            <a:extLst>
+              <a:ext uri="{FF2B5EF4-FFF2-40B4-BE49-F238E27FC236}">
+                <a16:creationId xmlns:a16="http://schemas.microsoft.com/office/drawing/2014/main" id="{01F131BF-9B34-48AC-BA46-B6209F9C8653}"/>
+              </a:ext>
+            </a:extLst>
+          </p:cNvPr>
           <p:cNvSpPr>
             <a:spLocks noGrp="1"/>
           </p:cNvSpPr>
           <p:nvPr>
-            <p:ph type="body" sz="quarter" idx="12"/>
+            <p:ph sz="quarter" idx="12"/>
           </p:nvPr>
         </p:nvSpPr>
         <p:spPr/>
@@ -13184,20 +13141,182 @@
           <a:lstStyle/>
           <a:p>
             <a:r>
-              <a:rPr lang="en-US"/>
-              <a:t>Rainer Stropek</a:t>
-            </a:r>
-          </a:p>
-        </p:txBody>
-      </p:sp>
-      <p:sp>
-        <p:nvSpPr>
-          <p:cNvPr id="4" name="Text Placeholder 3"/>
+              <a:rPr lang="en-US" dirty="0"/>
+              <a:t>Recap .NET Core config system</a:t>
+            </a:r>
+          </a:p>
+          <a:p>
+            <a:pPr lvl="1"/>
+            <a:r>
+              <a:rPr lang="en-US" i="1" dirty="0"/>
+              <a:t>08-RecapNetCoreConfig</a:t>
+            </a:r>
+          </a:p>
+          <a:p>
+            <a:r>
+              <a:rPr lang="en-US" dirty="0"/>
+              <a:t>Encrypt configuration files</a:t>
+            </a:r>
+          </a:p>
+          <a:p>
+            <a:pPr lvl="1"/>
+            <a:r>
+              <a:rPr lang="en-US" dirty="0"/>
+              <a:t>ASP.NET: Use </a:t>
+            </a:r>
+            <a:r>
+              <a:rPr lang="en-US" i="1" dirty="0" err="1"/>
+              <a:t>aspnet_regiis</a:t>
+            </a:r>
+            <a:r>
+              <a:rPr lang="en-US" dirty="0"/>
+              <a:t> tool (</a:t>
+            </a:r>
+            <a:r>
+              <a:rPr lang="en-US" dirty="0">
+                <a:hlinkClick r:id="rId2"/>
+              </a:rPr>
+              <a:t>docs</a:t>
+            </a:r>
+            <a:r>
+              <a:rPr lang="en-US" dirty="0"/>
+              <a:t>)</a:t>
+            </a:r>
+          </a:p>
+          <a:p>
+            <a:r>
+              <a:rPr lang="en-US" dirty="0"/>
+              <a:t>ASP.NET Core </a:t>
+            </a:r>
+            <a:r>
+              <a:rPr lang="en-US" i="1" dirty="0"/>
+              <a:t>Secret Manager</a:t>
+            </a:r>
+            <a:r>
+              <a:rPr lang="en-US" dirty="0"/>
+              <a:t> tool (</a:t>
+            </a:r>
+            <a:r>
+              <a:rPr lang="en-US" dirty="0">
+                <a:hlinkClick r:id="rId3"/>
+              </a:rPr>
+              <a:t>docs</a:t>
+            </a:r>
+            <a:r>
+              <a:rPr lang="en-US" dirty="0"/>
+              <a:t>)</a:t>
+            </a:r>
+          </a:p>
+          <a:p>
+            <a:pPr lvl="1"/>
+            <a:r>
+              <a:rPr lang="en-US" dirty="0"/>
+              <a:t>Stores secrets separated from application code</a:t>
+            </a:r>
+          </a:p>
+          <a:p>
+            <a:pPr lvl="1"/>
+            <a:r>
+              <a:rPr lang="en-US" dirty="0"/>
+              <a:t>ASP.NET Core: </a:t>
+            </a:r>
+            <a:r>
+              <a:rPr lang="en-US" i="1" dirty="0"/>
+              <a:t>09.1-SecretManager</a:t>
+            </a:r>
+          </a:p>
+          <a:p>
+            <a:pPr lvl="1"/>
+            <a:r>
+              <a:rPr lang="de-AT" i="1" dirty="0" err="1"/>
+              <a:t>dotnet</a:t>
+            </a:r>
+            <a:r>
+              <a:rPr lang="de-AT" i="1" dirty="0"/>
+              <a:t> user-</a:t>
+            </a:r>
+            <a:r>
+              <a:rPr lang="de-AT" i="1" dirty="0" err="1"/>
+              <a:t>secrets</a:t>
+            </a:r>
+            <a:r>
+              <a:rPr lang="de-AT" i="1" dirty="0"/>
+              <a:t> </a:t>
+            </a:r>
+            <a:r>
+              <a:rPr lang="de-AT" i="1" dirty="0" err="1"/>
+              <a:t>set</a:t>
+            </a:r>
+            <a:r>
+              <a:rPr lang="de-AT" i="1" dirty="0"/>
+              <a:t> "ping" "</a:t>
+            </a:r>
+            <a:r>
+              <a:rPr lang="de-AT" i="1" dirty="0" err="1"/>
+              <a:t>pong</a:t>
+            </a:r>
+            <a:r>
+              <a:rPr lang="de-AT" i="1" dirty="0"/>
+              <a:t>"</a:t>
+            </a:r>
+            <a:br>
+              <a:rPr lang="de-AT" dirty="0"/>
+            </a:br>
+            <a:r>
+              <a:rPr lang="de-AT" dirty="0"/>
+              <a:t>   </a:t>
+            </a:r>
+            <a:r>
+              <a:rPr lang="de-AT" dirty="0">
+                <a:sym typeface="Wingdings" panose="05000000000000000000" pitchFamily="2" charset="2"/>
+              </a:rPr>
+              <a:t> Show </a:t>
+            </a:r>
+            <a:r>
+              <a:rPr lang="de-AT" dirty="0" err="1">
+                <a:sym typeface="Wingdings" panose="05000000000000000000" pitchFamily="2" charset="2"/>
+              </a:rPr>
+              <a:t>secrets</a:t>
+            </a:r>
+            <a:r>
+              <a:rPr lang="de-AT" dirty="0">
+                <a:sym typeface="Wingdings" panose="05000000000000000000" pitchFamily="2" charset="2"/>
+              </a:rPr>
+              <a:t> in </a:t>
+            </a:r>
+            <a:r>
+              <a:rPr lang="en-US" i="1" dirty="0"/>
+              <a:t>%APPDATA%\Microsoft\</a:t>
+            </a:r>
+            <a:r>
+              <a:rPr lang="en-US" i="1" dirty="0" err="1"/>
+              <a:t>UserSecrets</a:t>
+            </a:r>
+            <a:r>
+              <a:rPr lang="en-US" i="1" dirty="0"/>
+              <a:t>\...</a:t>
+            </a:r>
+          </a:p>
+          <a:p>
+            <a:pPr lvl="1"/>
+            <a:endParaRPr lang="en-US" dirty="0"/>
+          </a:p>
+        </p:txBody>
+      </p:sp>
+      <p:sp>
+        <p:nvSpPr>
+          <p:cNvPr id="6" name="Text Placeholder 5">
+            <a:extLst>
+              <a:ext uri="{FF2B5EF4-FFF2-40B4-BE49-F238E27FC236}">
+                <a16:creationId xmlns:a16="http://schemas.microsoft.com/office/drawing/2014/main" id="{45CC3CD2-13B7-49F0-BF5F-46A2C11C7A6E}"/>
+              </a:ext>
+            </a:extLst>
+          </p:cNvPr>
           <p:cNvSpPr>
             <a:spLocks noGrp="1"/>
           </p:cNvSpPr>
           <p:nvPr>
-            <p:ph type="body" sz="quarter" idx="13"/>
+            <p:ph type="body" sz="quarter" idx="23"/>
           </p:nvPr>
         </p:nvSpPr>
         <p:spPr/>
@@ -13206,133 +13325,964 @@
           <a:lstStyle/>
           <a:p>
             <a:r>
-              <a:rPr lang="en-US"/>
-              <a:t>software architects gmbh</a:t>
-            </a:r>
-          </a:p>
-        </p:txBody>
-      </p:sp>
-      <p:sp>
-        <p:nvSpPr>
-          <p:cNvPr id="18" name="Text Placeholder 17"/>
-          <p:cNvSpPr>
-            <a:spLocks noGrp="1"/>
-          </p:cNvSpPr>
-          <p:nvPr>
-            <p:ph type="body" sz="quarter" idx="15"/>
-          </p:nvPr>
-        </p:nvSpPr>
-        <p:spPr/>
-        <p:txBody>
-          <a:bodyPr/>
-          <a:lstStyle/>
-          <a:p>
-            <a:r>
-              <a:rPr lang="en-US"/>
-              <a:t>rainer@timecockpit.com</a:t>
-            </a:r>
-            <a:br>
-              <a:rPr lang="en-US"/>
-            </a:br>
-            <a:r>
-              <a:rPr lang="en-US"/>
-              <a:t>http://www.timecockpit.com</a:t>
-            </a:r>
-            <a:br>
-              <a:rPr lang="en-US"/>
-            </a:br>
-            <a:r>
-              <a:rPr lang="en-US"/>
-              <a:t>@rstropek</a:t>
-            </a:r>
-          </a:p>
-        </p:txBody>
-      </p:sp>
-      <p:sp>
-        <p:nvSpPr>
-          <p:cNvPr id="10" name="Text Placeholder 9"/>
-          <p:cNvSpPr>
-            <a:spLocks noGrp="1"/>
-          </p:cNvSpPr>
-          <p:nvPr>
-            <p:ph type="body" sz="quarter" idx="25"/>
-          </p:nvPr>
-        </p:nvSpPr>
-        <p:spPr>
-          <a:xfrm>
-            <a:off x="1144588" y="3135313"/>
-            <a:ext cx="3789362" cy="366712"/>
-          </a:xfrm>
-        </p:spPr>
-        <p:txBody>
-          <a:bodyPr/>
-          <a:lstStyle/>
-          <a:p>
-            <a:r>
-              <a:rPr lang="en-US" dirty="0"/>
-              <a:t>Thank your for coming!</a:t>
-            </a:r>
-          </a:p>
-        </p:txBody>
-      </p:sp>
-      <p:sp>
-        <p:nvSpPr>
-          <p:cNvPr id="22" name="Content Placeholder 21"/>
-          <p:cNvSpPr>
-            <a:spLocks noGrp="1"/>
-          </p:cNvSpPr>
-          <p:nvPr>
-            <p:ph sz="quarter" idx="26"/>
-          </p:nvPr>
-        </p:nvSpPr>
-        <p:spPr>
-          <a:xfrm>
-            <a:off x="5218113" y="2338388"/>
-            <a:ext cx="793750" cy="796925"/>
-          </a:xfrm>
-        </p:spPr>
-        <p:txBody>
-          <a:bodyPr/>
-          <a:lstStyle/>
-          <a:p>
-            <a:r>
-              <a:rPr lang="en-US"/>
-              <a:t>Mail</a:t>
-            </a:r>
-            <a:br>
-              <a:rPr lang="en-US"/>
-            </a:br>
-            <a:r>
-              <a:rPr lang="en-US"/>
-              <a:t>Web</a:t>
-            </a:r>
-            <a:br>
-              <a:rPr lang="en-US"/>
-            </a:br>
-            <a:r>
-              <a:rPr lang="en-US"/>
-              <a:t>Twitter</a:t>
-            </a:r>
+              <a:rPr lang="en-US" dirty="0"/>
+              <a:t>See also </a:t>
+            </a:r>
+            <a:r>
+              <a:rPr lang="en-US" dirty="0">
+                <a:hlinkClick r:id="rId4"/>
+              </a:rPr>
+              <a:t>https://docs.microsoft.com/en-us/dotnet/framework/data/adonet/protecting-connection-information</a:t>
+            </a:r>
+            <a:endParaRPr lang="en-US" dirty="0"/>
           </a:p>
         </p:txBody>
       </p:sp>
     </p:spTree>
     <p:extLst>
       <p:ext uri="{BB962C8B-B14F-4D97-AF65-F5344CB8AC3E}">
-        <p14:creationId xmlns:p14="http://schemas.microsoft.com/office/powerpoint/2010/main" val="4088726371"/>
+        <p14:creationId xmlns:p14="http://schemas.microsoft.com/office/powerpoint/2010/main" val="2774263431"/>
       </p:ext>
     </p:extLst>
   </p:cSld>
   <p:clrMapOvr>
     <a:masterClrMapping/>
   </p:clrMapOvr>
-  <mc:AlternateContent xmlns:mc="http://schemas.openxmlformats.org/markup-compatibility/2006" xmlns:p14="http://schemas.microsoft.com/office/powerpoint/2010/main">
-    <mc:Choice Requires="p14">
+  <mc:AlternateContent xmlns:mc="http://schemas.openxmlformats.org/markup-compatibility/2006">
+    <mc:Choice xmlns:p14="http://schemas.microsoft.com/office/powerpoint/2010/main" Requires="p14">
       <p:transition spd="med" p14:dur="700">
         <p:fade/>
       </p:transition>
     </mc:Choice>
-    <mc:Fallback xmlns="">
+    <mc:Fallback>
+      <p:transition spd="med">
+        <p:fade/>
+      </p:transition>
+    </mc:Fallback>
+  </mc:AlternateContent>
+</p:sld>
+</file>
+
+<file path=ppt/slides/slide17.xml><?xml version="1.0" encoding="utf-8"?>
+<p:sld xmlns:a="http://schemas.openxmlformats.org/drawingml/2006/main" xmlns:r="http://schemas.openxmlformats.org/officeDocument/2006/relationships" xmlns:p="http://schemas.openxmlformats.org/presentationml/2006/main">
+  <p:cSld>
+    <p:spTree>
+      <p:nvGrpSpPr>
+        <p:cNvPr id="1" name=""/>
+        <p:cNvGrpSpPr/>
+        <p:nvPr/>
+      </p:nvGrpSpPr>
+      <p:grpSpPr>
+        <a:xfrm>
+          <a:off x="0" y="0"/>
+          <a:ext cx="0" cy="0"/>
+          <a:chOff x="0" y="0"/>
+          <a:chExt cx="0" cy="0"/>
+        </a:xfrm>
+      </p:grpSpPr>
+      <p:sp>
+        <p:nvSpPr>
+          <p:cNvPr id="2" name="Title 1">
+            <a:extLst>
+              <a:ext uri="{FF2B5EF4-FFF2-40B4-BE49-F238E27FC236}">
+                <a16:creationId xmlns:a16="http://schemas.microsoft.com/office/drawing/2014/main" id="{70775652-A8EC-4FAC-A38B-CDC92D034423}"/>
+              </a:ext>
+            </a:extLst>
+          </p:cNvPr>
+          <p:cNvSpPr>
+            <a:spLocks noGrp="1"/>
+          </p:cNvSpPr>
+          <p:nvPr>
+            <p:ph type="title"/>
+          </p:nvPr>
+        </p:nvSpPr>
+        <p:spPr/>
+        <p:txBody>
+          <a:bodyPr/>
+          <a:lstStyle/>
+          <a:p>
+            <a:r>
+              <a:rPr lang="de-AT" dirty="0"/>
+              <a:t>Environment Variables</a:t>
+            </a:r>
+          </a:p>
+        </p:txBody>
+      </p:sp>
+      <p:sp>
+        <p:nvSpPr>
+          <p:cNvPr id="3" name="Content Placeholder 2">
+            <a:extLst>
+              <a:ext uri="{FF2B5EF4-FFF2-40B4-BE49-F238E27FC236}">
+                <a16:creationId xmlns:a16="http://schemas.microsoft.com/office/drawing/2014/main" id="{E0CF94F3-E172-411D-801A-CF40C7B1E837}"/>
+              </a:ext>
+            </a:extLst>
+          </p:cNvPr>
+          <p:cNvSpPr>
+            <a:spLocks noGrp="1"/>
+          </p:cNvSpPr>
+          <p:nvPr>
+            <p:ph sz="quarter" idx="12"/>
+          </p:nvPr>
+        </p:nvSpPr>
+        <p:spPr/>
+        <p:txBody>
+          <a:bodyPr/>
+          <a:lstStyle/>
+          <a:p>
+            <a:r>
+              <a:rPr lang="de-AT" dirty="0"/>
+              <a:t>Add non-</a:t>
+            </a:r>
+            <a:r>
+              <a:rPr lang="de-AT" dirty="0" err="1"/>
+              <a:t>critical</a:t>
+            </a:r>
+            <a:r>
+              <a:rPr lang="de-AT" dirty="0"/>
+              <a:t> </a:t>
+            </a:r>
+            <a:r>
+              <a:rPr lang="de-AT" dirty="0" err="1"/>
+              <a:t>defaults</a:t>
+            </a:r>
+            <a:r>
+              <a:rPr lang="de-AT" dirty="0"/>
+              <a:t> </a:t>
+            </a:r>
+            <a:r>
+              <a:rPr lang="de-AT" dirty="0" err="1"/>
+              <a:t>to</a:t>
+            </a:r>
+            <a:r>
+              <a:rPr lang="de-AT" dirty="0"/>
+              <a:t> </a:t>
+            </a:r>
+            <a:r>
+              <a:rPr lang="de-AT" dirty="0" err="1"/>
+              <a:t>config</a:t>
+            </a:r>
+            <a:r>
+              <a:rPr lang="de-AT" dirty="0"/>
+              <a:t> </a:t>
+            </a:r>
+            <a:r>
+              <a:rPr lang="de-AT" dirty="0" err="1"/>
+              <a:t>files</a:t>
+            </a:r>
+            <a:r>
+              <a:rPr lang="de-AT" dirty="0"/>
+              <a:t> (e.g. </a:t>
+            </a:r>
+            <a:r>
+              <a:rPr lang="de-AT" i="1" dirty="0" err="1"/>
+              <a:t>appsettings.json</a:t>
+            </a:r>
+            <a:r>
+              <a:rPr lang="de-AT" dirty="0"/>
+              <a:t>)</a:t>
+            </a:r>
+          </a:p>
+          <a:p>
+            <a:pPr lvl="1"/>
+            <a:r>
+              <a:rPr lang="de-AT" dirty="0"/>
+              <a:t>E.g. Connection </a:t>
+            </a:r>
+            <a:r>
+              <a:rPr lang="de-AT" dirty="0" err="1"/>
+              <a:t>string</a:t>
+            </a:r>
+            <a:r>
+              <a:rPr lang="de-AT" dirty="0"/>
+              <a:t> </a:t>
+            </a:r>
+            <a:r>
+              <a:rPr lang="de-AT" dirty="0" err="1"/>
+              <a:t>pointing</a:t>
+            </a:r>
+            <a:r>
+              <a:rPr lang="de-AT" dirty="0"/>
+              <a:t> </a:t>
+            </a:r>
+            <a:r>
+              <a:rPr lang="de-AT" dirty="0" err="1"/>
+              <a:t>to</a:t>
+            </a:r>
+            <a:r>
+              <a:rPr lang="de-AT" dirty="0"/>
+              <a:t> </a:t>
+            </a:r>
+            <a:r>
+              <a:rPr lang="de-AT" i="1" dirty="0" err="1"/>
+              <a:t>LocalDB</a:t>
+            </a:r>
+            <a:r>
+              <a:rPr lang="de-AT" dirty="0"/>
+              <a:t> </a:t>
+            </a:r>
+            <a:r>
+              <a:rPr lang="de-AT" dirty="0" err="1"/>
+              <a:t>with</a:t>
+            </a:r>
+            <a:r>
+              <a:rPr lang="de-AT" dirty="0"/>
+              <a:t> </a:t>
+            </a:r>
+            <a:r>
+              <a:rPr lang="de-AT" dirty="0" err="1"/>
+              <a:t>integrated</a:t>
+            </a:r>
+            <a:r>
+              <a:rPr lang="de-AT" dirty="0"/>
+              <a:t> </a:t>
+            </a:r>
+            <a:r>
+              <a:rPr lang="de-AT" dirty="0" err="1"/>
+              <a:t>security</a:t>
+            </a:r>
+            <a:endParaRPr lang="de-AT" dirty="0"/>
+          </a:p>
+          <a:p>
+            <a:r>
+              <a:rPr lang="de-AT" dirty="0" err="1"/>
+              <a:t>Override</a:t>
+            </a:r>
+            <a:r>
+              <a:rPr lang="de-AT" dirty="0"/>
+              <a:t> </a:t>
+            </a:r>
+            <a:r>
+              <a:rPr lang="de-AT" dirty="0" err="1"/>
+              <a:t>settings</a:t>
+            </a:r>
+            <a:r>
+              <a:rPr lang="de-AT" dirty="0"/>
+              <a:t> in </a:t>
+            </a:r>
+            <a:r>
+              <a:rPr lang="de-AT" dirty="0" err="1"/>
+              <a:t>production</a:t>
+            </a:r>
+            <a:r>
+              <a:rPr lang="de-AT" dirty="0"/>
+              <a:t> </a:t>
+            </a:r>
+            <a:r>
+              <a:rPr lang="de-AT" dirty="0" err="1"/>
+              <a:t>using</a:t>
+            </a:r>
+            <a:r>
+              <a:rPr lang="de-AT" dirty="0"/>
+              <a:t> </a:t>
+            </a:r>
+            <a:r>
+              <a:rPr lang="de-AT" dirty="0" err="1"/>
+              <a:t>environment</a:t>
+            </a:r>
+            <a:r>
+              <a:rPr lang="de-AT" dirty="0"/>
+              <a:t> variables</a:t>
+            </a:r>
+          </a:p>
+          <a:p>
+            <a:pPr lvl="1"/>
+            <a:r>
+              <a:rPr lang="de-AT" dirty="0"/>
+              <a:t>Works on Azure</a:t>
+            </a:r>
+          </a:p>
+          <a:p>
+            <a:pPr lvl="1"/>
+            <a:r>
+              <a:rPr lang="de-AT" dirty="0"/>
+              <a:t>Works in </a:t>
+            </a:r>
+            <a:r>
+              <a:rPr lang="de-AT" dirty="0" err="1"/>
+              <a:t>containers</a:t>
+            </a:r>
+            <a:r>
+              <a:rPr lang="de-AT" dirty="0"/>
+              <a:t> (e.g. </a:t>
+            </a:r>
+            <a:r>
+              <a:rPr lang="de-AT" i="1" dirty="0" err="1">
+                <a:hlinkClick r:id="rId2"/>
+              </a:rPr>
+              <a:t>docker</a:t>
+            </a:r>
+            <a:r>
+              <a:rPr lang="de-AT" i="1" dirty="0">
+                <a:hlinkClick r:id="rId2"/>
+              </a:rPr>
+              <a:t> </a:t>
+            </a:r>
+            <a:r>
+              <a:rPr lang="de-AT" i="1" dirty="0" err="1">
+                <a:hlinkClick r:id="rId2"/>
+              </a:rPr>
+              <a:t>run</a:t>
+            </a:r>
+            <a:r>
+              <a:rPr lang="de-AT" i="1" dirty="0">
+                <a:hlinkClick r:id="rId2"/>
+              </a:rPr>
+              <a:t> -e</a:t>
+            </a:r>
+            <a:r>
+              <a:rPr lang="de-AT" dirty="0"/>
+              <a:t>)</a:t>
+            </a:r>
+          </a:p>
+          <a:p>
+            <a:r>
+              <a:rPr lang="de-AT" dirty="0"/>
+              <a:t>Problem: Environment variables </a:t>
+            </a:r>
+            <a:r>
+              <a:rPr lang="de-AT" dirty="0" err="1"/>
+              <a:t>are</a:t>
+            </a:r>
+            <a:r>
+              <a:rPr lang="de-AT" dirty="0"/>
+              <a:t> not </a:t>
+            </a:r>
+            <a:r>
+              <a:rPr lang="de-AT" dirty="0" err="1"/>
+              <a:t>encrypted</a:t>
+            </a:r>
+            <a:endParaRPr lang="de-AT" dirty="0"/>
+          </a:p>
+          <a:p>
+            <a:pPr lvl="1"/>
+            <a:r>
+              <a:rPr lang="de-AT" dirty="0" err="1"/>
+              <a:t>If</a:t>
+            </a:r>
+            <a:r>
+              <a:rPr lang="de-AT" dirty="0"/>
+              <a:t> </a:t>
+            </a:r>
+            <a:r>
+              <a:rPr lang="de-AT" dirty="0" err="1"/>
+              <a:t>machine</a:t>
+            </a:r>
+            <a:r>
+              <a:rPr lang="de-AT" dirty="0"/>
+              <a:t> </a:t>
+            </a:r>
+            <a:r>
+              <a:rPr lang="de-AT" dirty="0" err="1"/>
+              <a:t>is</a:t>
+            </a:r>
+            <a:r>
+              <a:rPr lang="de-AT" dirty="0"/>
+              <a:t> </a:t>
+            </a:r>
+            <a:r>
+              <a:rPr lang="de-AT" dirty="0" err="1"/>
+              <a:t>compromised</a:t>
+            </a:r>
+            <a:r>
+              <a:rPr lang="de-AT" dirty="0"/>
+              <a:t>, </a:t>
+            </a:r>
+            <a:r>
+              <a:rPr lang="de-AT" dirty="0" err="1"/>
+              <a:t>environment</a:t>
+            </a:r>
+            <a:r>
+              <a:rPr lang="de-AT" dirty="0"/>
+              <a:t> variables </a:t>
+            </a:r>
+            <a:r>
+              <a:rPr lang="de-AT" dirty="0" err="1"/>
+              <a:t>can</a:t>
+            </a:r>
+            <a:r>
+              <a:rPr lang="de-AT" dirty="0"/>
+              <a:t> </a:t>
+            </a:r>
+            <a:r>
+              <a:rPr lang="de-AT" dirty="0" err="1"/>
+              <a:t>be</a:t>
+            </a:r>
+            <a:r>
+              <a:rPr lang="de-AT" dirty="0"/>
+              <a:t> </a:t>
+            </a:r>
+            <a:r>
+              <a:rPr lang="de-AT" dirty="0" err="1"/>
+              <a:t>accessed</a:t>
+            </a:r>
+            <a:endParaRPr lang="de-AT" dirty="0"/>
+          </a:p>
+          <a:p>
+            <a:r>
+              <a:rPr lang="de-AT" dirty="0"/>
+              <a:t>Solution: Store </a:t>
+            </a:r>
+            <a:r>
+              <a:rPr lang="de-AT" dirty="0" err="1"/>
+              <a:t>secrets</a:t>
+            </a:r>
+            <a:r>
+              <a:rPr lang="de-AT" dirty="0"/>
+              <a:t> in </a:t>
+            </a:r>
+            <a:r>
+              <a:rPr lang="de-AT" dirty="0" err="1"/>
+              <a:t>vaults</a:t>
+            </a:r>
+            <a:r>
+              <a:rPr lang="de-AT" dirty="0"/>
+              <a:t> like </a:t>
+            </a:r>
+            <a:r>
+              <a:rPr lang="de-AT" i="1" dirty="0"/>
+              <a:t>KeyVault</a:t>
+            </a:r>
+          </a:p>
+          <a:p>
+            <a:pPr lvl="1"/>
+            <a:r>
+              <a:rPr lang="de-AT" dirty="0"/>
+              <a:t>Settings = </a:t>
+            </a:r>
+            <a:r>
+              <a:rPr lang="de-AT" dirty="0" err="1"/>
+              <a:t>environment</a:t>
+            </a:r>
+            <a:r>
+              <a:rPr lang="de-AT" dirty="0"/>
+              <a:t> variables </a:t>
+            </a:r>
+            <a:r>
+              <a:rPr lang="de-AT" dirty="0" err="1"/>
+              <a:t>only</a:t>
+            </a:r>
+            <a:r>
+              <a:rPr lang="de-AT" dirty="0"/>
+              <a:t> </a:t>
+            </a:r>
+            <a:r>
+              <a:rPr lang="de-AT" dirty="0" err="1"/>
+              <a:t>point</a:t>
+            </a:r>
+            <a:r>
+              <a:rPr lang="de-AT" dirty="0"/>
+              <a:t> </a:t>
+            </a:r>
+            <a:r>
+              <a:rPr lang="de-AT" dirty="0" err="1"/>
+              <a:t>to</a:t>
+            </a:r>
+            <a:r>
+              <a:rPr lang="de-AT" dirty="0"/>
+              <a:t> </a:t>
+            </a:r>
+            <a:r>
+              <a:rPr lang="de-AT" dirty="0" err="1"/>
+              <a:t>vault</a:t>
+            </a:r>
+            <a:endParaRPr lang="de-AT" dirty="0"/>
+          </a:p>
+          <a:p>
+            <a:pPr lvl="1"/>
+            <a:r>
+              <a:rPr lang="de-AT" dirty="0"/>
+              <a:t>Use </a:t>
+            </a:r>
+            <a:r>
+              <a:rPr lang="de-AT" dirty="0" err="1"/>
+              <a:t>integrated</a:t>
+            </a:r>
+            <a:r>
+              <a:rPr lang="de-AT" dirty="0"/>
+              <a:t> </a:t>
+            </a:r>
+            <a:r>
+              <a:rPr lang="de-AT" dirty="0" err="1"/>
+              <a:t>security</a:t>
+            </a:r>
+            <a:r>
+              <a:rPr lang="de-AT" dirty="0"/>
+              <a:t> </a:t>
+            </a:r>
+            <a:r>
+              <a:rPr lang="de-AT" dirty="0" err="1"/>
+              <a:t>of</a:t>
+            </a:r>
+            <a:r>
+              <a:rPr lang="de-AT" dirty="0"/>
+              <a:t> </a:t>
+            </a:r>
+            <a:r>
+              <a:rPr lang="de-AT" dirty="0" err="1"/>
+              <a:t>platform</a:t>
+            </a:r>
+            <a:r>
+              <a:rPr lang="de-AT" dirty="0"/>
+              <a:t> (e.g. Windows, Azure </a:t>
+            </a:r>
+            <a:r>
+              <a:rPr lang="de-AT" dirty="0" err="1"/>
+              <a:t>Managed</a:t>
+            </a:r>
+            <a:r>
+              <a:rPr lang="de-AT" dirty="0"/>
+              <a:t> Identity)</a:t>
+            </a:r>
+          </a:p>
+        </p:txBody>
+      </p:sp>
+      <p:sp>
+        <p:nvSpPr>
+          <p:cNvPr id="4" name="Text Placeholder 3">
+            <a:extLst>
+              <a:ext uri="{FF2B5EF4-FFF2-40B4-BE49-F238E27FC236}">
+                <a16:creationId xmlns:a16="http://schemas.microsoft.com/office/drawing/2014/main" id="{3FEA31CA-FD17-4CAE-88C4-4917D5E88B28}"/>
+              </a:ext>
+            </a:extLst>
+          </p:cNvPr>
+          <p:cNvSpPr>
+            <a:spLocks noGrp="1"/>
+          </p:cNvSpPr>
+          <p:nvPr>
+            <p:ph type="body" sz="quarter" idx="23"/>
+          </p:nvPr>
+        </p:nvSpPr>
+        <p:spPr/>
+        <p:txBody>
+          <a:bodyPr/>
+          <a:lstStyle/>
+          <a:p>
+            <a:endParaRPr lang="de-AT"/>
+          </a:p>
+        </p:txBody>
+      </p:sp>
+    </p:spTree>
+    <p:extLst>
+      <p:ext uri="{BB962C8B-B14F-4D97-AF65-F5344CB8AC3E}">
+        <p14:creationId xmlns:p14="http://schemas.microsoft.com/office/powerpoint/2010/main" val="3344891485"/>
+      </p:ext>
+    </p:extLst>
+  </p:cSld>
+  <p:clrMapOvr>
+    <a:masterClrMapping/>
+  </p:clrMapOvr>
+  <mc:AlternateContent xmlns:mc="http://schemas.openxmlformats.org/markup-compatibility/2006">
+    <mc:Choice xmlns:p14="http://schemas.microsoft.com/office/powerpoint/2010/main" Requires="p14">
+      <p:transition spd="med" p14:dur="700">
+        <p:fade/>
+      </p:transition>
+    </mc:Choice>
+    <mc:Fallback>
+      <p:transition spd="med">
+        <p:fade/>
+      </p:transition>
+    </mc:Fallback>
+  </mc:AlternateContent>
+</p:sld>
+</file>
+
+<file path=ppt/slides/slide18.xml><?xml version="1.0" encoding="utf-8"?>
+<p:sld xmlns:a="http://schemas.openxmlformats.org/drawingml/2006/main" xmlns:r="http://schemas.openxmlformats.org/officeDocument/2006/relationships" xmlns:p="http://schemas.openxmlformats.org/presentationml/2006/main">
+  <p:cSld>
+    <p:spTree>
+      <p:nvGrpSpPr>
+        <p:cNvPr id="1" name=""/>
+        <p:cNvGrpSpPr/>
+        <p:nvPr/>
+      </p:nvGrpSpPr>
+      <p:grpSpPr>
+        <a:xfrm>
+          <a:off x="0" y="0"/>
+          <a:ext cx="0" cy="0"/>
+          <a:chOff x="0" y="0"/>
+          <a:chExt cx="0" cy="0"/>
+        </a:xfrm>
+      </p:grpSpPr>
+      <p:sp>
+        <p:nvSpPr>
+          <p:cNvPr id="2" name="Title 1">
+            <a:extLst>
+              <a:ext uri="{FF2B5EF4-FFF2-40B4-BE49-F238E27FC236}">
+                <a16:creationId xmlns:a16="http://schemas.microsoft.com/office/drawing/2014/main" id="{DE5C6A00-2349-4081-8885-95806CB4E6A1}"/>
+              </a:ext>
+            </a:extLst>
+          </p:cNvPr>
+          <p:cNvSpPr>
+            <a:spLocks noGrp="1"/>
+          </p:cNvSpPr>
+          <p:nvPr>
+            <p:ph type="title"/>
+          </p:nvPr>
+        </p:nvSpPr>
+        <p:spPr/>
+        <p:txBody>
+          <a:bodyPr/>
+          <a:lstStyle/>
+          <a:p>
+            <a:r>
+              <a:rPr lang="en-US"/>
+              <a:t>Azure Managed Identity</a:t>
+            </a:r>
+          </a:p>
+        </p:txBody>
+      </p:sp>
+      <p:sp>
+        <p:nvSpPr>
+          <p:cNvPr id="3" name="Content Placeholder 2">
+            <a:extLst>
+              <a:ext uri="{FF2B5EF4-FFF2-40B4-BE49-F238E27FC236}">
+                <a16:creationId xmlns:a16="http://schemas.microsoft.com/office/drawing/2014/main" id="{A40CBCAC-290F-42CF-AF44-72322D6C858A}"/>
+              </a:ext>
+            </a:extLst>
+          </p:cNvPr>
+          <p:cNvSpPr>
+            <a:spLocks noGrp="1"/>
+          </p:cNvSpPr>
+          <p:nvPr>
+            <p:ph sz="quarter" idx="12"/>
+          </p:nvPr>
+        </p:nvSpPr>
+        <p:spPr/>
+        <p:txBody>
+          <a:bodyPr/>
+          <a:lstStyle/>
+          <a:p>
+            <a:r>
+              <a:rPr lang="en-US" dirty="0"/>
+              <a:t>Automatically managed identities for services in Azure</a:t>
+            </a:r>
+          </a:p>
+          <a:p>
+            <a:pPr lvl="1"/>
+            <a:r>
+              <a:rPr lang="en-US" dirty="0"/>
+              <a:t>Backed by Azure AD</a:t>
+            </a:r>
+          </a:p>
+          <a:p>
+            <a:pPr lvl="1"/>
+            <a:r>
+              <a:rPr lang="en-US" dirty="0"/>
+              <a:t>Goal: No credentials on developer workstations or in source control</a:t>
+            </a:r>
+          </a:p>
+          <a:p>
+            <a:r>
+              <a:rPr lang="en-US" dirty="0"/>
+              <a:t>Two types: System- or user-assigned</a:t>
+            </a:r>
+          </a:p>
+          <a:p>
+            <a:pPr lvl="1"/>
+            <a:r>
+              <a:rPr lang="en-US" dirty="0"/>
+              <a:t>More or less control over service principal creation</a:t>
+            </a:r>
+          </a:p>
+          <a:p>
+            <a:r>
+              <a:rPr lang="en-US" dirty="0"/>
+              <a:t>Supported by more and more Azure PaaS/Serverless services</a:t>
+            </a:r>
+          </a:p>
+          <a:p>
+            <a:pPr lvl="1"/>
+            <a:r>
+              <a:rPr lang="en-US" dirty="0">
+                <a:hlinkClick r:id="rId2"/>
+              </a:rPr>
+              <a:t>Docs</a:t>
+            </a:r>
+            <a:endParaRPr lang="en-US" dirty="0"/>
+          </a:p>
+          <a:p>
+            <a:pPr lvl="1"/>
+            <a:r>
+              <a:rPr lang="en-US" dirty="0"/>
+              <a:t>Here: Focus on </a:t>
+            </a:r>
+            <a:r>
+              <a:rPr lang="en-US" dirty="0">
+                <a:hlinkClick r:id="rId3"/>
+              </a:rPr>
+              <a:t>KeyVault</a:t>
+            </a:r>
+            <a:endParaRPr lang="en-US" dirty="0"/>
+          </a:p>
+        </p:txBody>
+      </p:sp>
+      <p:sp>
+        <p:nvSpPr>
+          <p:cNvPr id="4" name="Text Placeholder 3">
+            <a:extLst>
+              <a:ext uri="{FF2B5EF4-FFF2-40B4-BE49-F238E27FC236}">
+                <a16:creationId xmlns:a16="http://schemas.microsoft.com/office/drawing/2014/main" id="{4756455E-82F7-4F41-9AA2-F214DAA65B12}"/>
+              </a:ext>
+            </a:extLst>
+          </p:cNvPr>
+          <p:cNvSpPr>
+            <a:spLocks noGrp="1"/>
+          </p:cNvSpPr>
+          <p:nvPr>
+            <p:ph type="body" sz="quarter" idx="23"/>
+          </p:nvPr>
+        </p:nvSpPr>
+        <p:spPr/>
+        <p:txBody>
+          <a:bodyPr/>
+          <a:lstStyle/>
+          <a:p>
+            <a:r>
+              <a:rPr lang="en-US"/>
+              <a:t>See also </a:t>
+            </a:r>
+            <a:r>
+              <a:rPr lang="en-US">
+                <a:hlinkClick r:id="rId4"/>
+              </a:rPr>
+              <a:t>https://docs.microsoft.com/en-us/azure/active-directory/managed-identities-azure-resources/overview</a:t>
+            </a:r>
+            <a:endParaRPr lang="en-US"/>
+          </a:p>
+        </p:txBody>
+      </p:sp>
+    </p:spTree>
+    <p:extLst>
+      <p:ext uri="{BB962C8B-B14F-4D97-AF65-F5344CB8AC3E}">
+        <p14:creationId xmlns:p14="http://schemas.microsoft.com/office/powerpoint/2010/main" val="1073376354"/>
+      </p:ext>
+    </p:extLst>
+  </p:cSld>
+  <p:clrMapOvr>
+    <a:masterClrMapping/>
+  </p:clrMapOvr>
+  <mc:AlternateContent xmlns:mc="http://schemas.openxmlformats.org/markup-compatibility/2006">
+    <mc:Choice xmlns:p14="http://schemas.microsoft.com/office/powerpoint/2010/main" Requires="p14">
+      <p:transition spd="med" p14:dur="700">
+        <p:fade/>
+      </p:transition>
+    </mc:Choice>
+    <mc:Fallback>
+      <p:transition spd="med">
+        <p:fade/>
+      </p:transition>
+    </mc:Fallback>
+  </mc:AlternateContent>
+</p:sld>
+</file>
+
+<file path=ppt/slides/slide19.xml><?xml version="1.0" encoding="utf-8"?>
+<p:sld xmlns:a="http://schemas.openxmlformats.org/drawingml/2006/main" xmlns:r="http://schemas.openxmlformats.org/officeDocument/2006/relationships" xmlns:p="http://schemas.openxmlformats.org/presentationml/2006/main">
+  <p:cSld>
+    <p:spTree>
+      <p:nvGrpSpPr>
+        <p:cNvPr id="1" name=""/>
+        <p:cNvGrpSpPr/>
+        <p:nvPr/>
+      </p:nvGrpSpPr>
+      <p:grpSpPr>
+        <a:xfrm>
+          <a:off x="0" y="0"/>
+          <a:ext cx="0" cy="0"/>
+          <a:chOff x="0" y="0"/>
+          <a:chExt cx="0" cy="0"/>
+        </a:xfrm>
+      </p:grpSpPr>
+      <p:sp>
+        <p:nvSpPr>
+          <p:cNvPr id="2" name="Title 1">
+            <a:extLst>
+              <a:ext uri="{FF2B5EF4-FFF2-40B4-BE49-F238E27FC236}">
+                <a16:creationId xmlns:a16="http://schemas.microsoft.com/office/drawing/2014/main" id="{DE5C6A00-2349-4081-8885-95806CB4E6A1}"/>
+              </a:ext>
+            </a:extLst>
+          </p:cNvPr>
+          <p:cNvSpPr>
+            <a:spLocks noGrp="1"/>
+          </p:cNvSpPr>
+          <p:nvPr>
+            <p:ph type="title"/>
+          </p:nvPr>
+        </p:nvSpPr>
+        <p:spPr/>
+        <p:txBody>
+          <a:bodyPr/>
+          <a:lstStyle/>
+          <a:p>
+            <a:r>
+              <a:rPr lang="en-US" dirty="0"/>
+              <a:t>KeyVault</a:t>
+            </a:r>
+          </a:p>
+        </p:txBody>
+      </p:sp>
+      <p:sp>
+        <p:nvSpPr>
+          <p:cNvPr id="3" name="Content Placeholder 2">
+            <a:extLst>
+              <a:ext uri="{FF2B5EF4-FFF2-40B4-BE49-F238E27FC236}">
+                <a16:creationId xmlns:a16="http://schemas.microsoft.com/office/drawing/2014/main" id="{A40CBCAC-290F-42CF-AF44-72322D6C858A}"/>
+              </a:ext>
+            </a:extLst>
+          </p:cNvPr>
+          <p:cNvSpPr>
+            <a:spLocks noGrp="1"/>
+          </p:cNvSpPr>
+          <p:nvPr>
+            <p:ph sz="quarter" idx="12"/>
+          </p:nvPr>
+        </p:nvSpPr>
+        <p:spPr/>
+        <p:txBody>
+          <a:bodyPr/>
+          <a:lstStyle/>
+          <a:p>
+            <a:r>
+              <a:rPr lang="en-US" dirty="0"/>
+              <a:t>Keep secrets, encryption keys, and certs in Azure</a:t>
+            </a:r>
+          </a:p>
+          <a:p>
+            <a:pPr lvl="1"/>
+            <a:r>
+              <a:rPr lang="en-US" dirty="0"/>
+              <a:t>Can be protected by certified HSMs</a:t>
+            </a:r>
+          </a:p>
+          <a:p>
+            <a:r>
+              <a:rPr lang="en-US" dirty="0"/>
+              <a:t>Monitor access and use</a:t>
+            </a:r>
+          </a:p>
+          <a:p>
+            <a:r>
+              <a:rPr lang="en-US" dirty="0"/>
+              <a:t>Integrated in various Azure services</a:t>
+            </a:r>
+          </a:p>
+          <a:p>
+            <a:pPr lvl="1"/>
+            <a:r>
+              <a:rPr lang="en-US" dirty="0"/>
+              <a:t>E.g. SSL certs for App Service (</a:t>
+            </a:r>
+            <a:r>
+              <a:rPr lang="en-US" dirty="0">
+                <a:hlinkClick r:id="rId2"/>
+              </a:rPr>
+              <a:t>docs</a:t>
+            </a:r>
+            <a:r>
+              <a:rPr lang="en-US" dirty="0"/>
+              <a:t>)</a:t>
+            </a:r>
+          </a:p>
+          <a:p>
+            <a:pPr lvl="1"/>
+            <a:r>
+              <a:rPr lang="en-US" dirty="0"/>
+              <a:t>E.g. </a:t>
+            </a:r>
+            <a:r>
+              <a:rPr lang="en-US" i="1" dirty="0"/>
+              <a:t>Always Encrypted</a:t>
+            </a:r>
+            <a:r>
+              <a:rPr lang="en-US" dirty="0"/>
+              <a:t> in SQL (</a:t>
+            </a:r>
+            <a:r>
+              <a:rPr lang="en-US" dirty="0">
+                <a:hlinkClick r:id="rId3"/>
+              </a:rPr>
+              <a:t>docs</a:t>
+            </a:r>
+            <a:r>
+              <a:rPr lang="en-US" dirty="0"/>
+              <a:t>)</a:t>
+            </a:r>
+          </a:p>
+          <a:p>
+            <a:r>
+              <a:rPr lang="en-US" dirty="0"/>
+              <a:t>Access to KeyVault can be protected by </a:t>
+            </a:r>
+            <a:r>
+              <a:rPr lang="en-US" i="1" dirty="0"/>
+              <a:t>Managed Identity</a:t>
+            </a:r>
+          </a:p>
+          <a:p>
+            <a:pPr lvl="1"/>
+            <a:r>
+              <a:rPr lang="en-US" dirty="0"/>
+              <a:t>Sample: </a:t>
+            </a:r>
+            <a:r>
+              <a:rPr lang="en-US" i="1" dirty="0"/>
+              <a:t>09.2-KeyVaultManagedIdentity</a:t>
+            </a:r>
+          </a:p>
+        </p:txBody>
+      </p:sp>
+      <p:sp>
+        <p:nvSpPr>
+          <p:cNvPr id="4" name="Text Placeholder 3">
+            <a:extLst>
+              <a:ext uri="{FF2B5EF4-FFF2-40B4-BE49-F238E27FC236}">
+                <a16:creationId xmlns:a16="http://schemas.microsoft.com/office/drawing/2014/main" id="{4756455E-82F7-4F41-9AA2-F214DAA65B12}"/>
+              </a:ext>
+            </a:extLst>
+          </p:cNvPr>
+          <p:cNvSpPr>
+            <a:spLocks noGrp="1"/>
+          </p:cNvSpPr>
+          <p:nvPr>
+            <p:ph type="body" sz="quarter" idx="23"/>
+          </p:nvPr>
+        </p:nvSpPr>
+        <p:spPr/>
+        <p:txBody>
+          <a:bodyPr/>
+          <a:lstStyle/>
+          <a:p>
+            <a:r>
+              <a:rPr lang="en-US" dirty="0"/>
+              <a:t>See also </a:t>
+            </a:r>
+            <a:r>
+              <a:rPr lang="de-AT" dirty="0">
+                <a:hlinkClick r:id="rId4"/>
+              </a:rPr>
+              <a:t>https://docs.microsoft.com/en-us/azure/key-vault/key-vault-overview</a:t>
+            </a:r>
+            <a:endParaRPr lang="en-US" dirty="0"/>
+          </a:p>
+        </p:txBody>
+      </p:sp>
+    </p:spTree>
+    <p:extLst>
+      <p:ext uri="{BB962C8B-B14F-4D97-AF65-F5344CB8AC3E}">
+        <p14:creationId xmlns:p14="http://schemas.microsoft.com/office/powerpoint/2010/main" val="67618888"/>
+      </p:ext>
+    </p:extLst>
+  </p:cSld>
+  <p:clrMapOvr>
+    <a:masterClrMapping/>
+  </p:clrMapOvr>
+  <mc:AlternateContent xmlns:mc="http://schemas.openxmlformats.org/markup-compatibility/2006">
+    <mc:Choice xmlns:p14="http://schemas.microsoft.com/office/powerpoint/2010/main" Requires="p14">
+      <p:transition spd="med" p14:dur="700">
+        <p:fade/>
+      </p:transition>
+    </mc:Choice>
+    <mc:Fallback>
       <p:transition spd="med">
         <p:fade/>
       </p:transition>
@@ -13421,13 +14371,1759 @@
   <p:clrMapOvr>
     <a:masterClrMapping/>
   </p:clrMapOvr>
-  <mc:AlternateContent xmlns:mc="http://schemas.openxmlformats.org/markup-compatibility/2006" xmlns:p14="http://schemas.microsoft.com/office/powerpoint/2010/main">
-    <mc:Choice Requires="p14">
+  <mc:AlternateContent xmlns:mc="http://schemas.openxmlformats.org/markup-compatibility/2006">
+    <mc:Choice xmlns:p14="http://schemas.microsoft.com/office/powerpoint/2010/main" Requires="p14">
       <p:transition spd="med" p14:dur="700">
         <p:fade/>
       </p:transition>
     </mc:Choice>
-    <mc:Fallback xmlns="">
+    <mc:Fallback>
+      <p:transition spd="med">
+        <p:fade/>
+      </p:transition>
+    </mc:Fallback>
+  </mc:AlternateContent>
+</p:sld>
+</file>
+
+<file path=ppt/slides/slide20.xml><?xml version="1.0" encoding="utf-8"?>
+<p:sld xmlns:a="http://schemas.openxmlformats.org/drawingml/2006/main" xmlns:r="http://schemas.openxmlformats.org/officeDocument/2006/relationships" xmlns:p="http://schemas.openxmlformats.org/presentationml/2006/main">
+  <p:cSld>
+    <p:spTree>
+      <p:nvGrpSpPr>
+        <p:cNvPr id="1" name=""/>
+        <p:cNvGrpSpPr/>
+        <p:nvPr/>
+      </p:nvGrpSpPr>
+      <p:grpSpPr>
+        <a:xfrm>
+          <a:off x="0" y="0"/>
+          <a:ext cx="0" cy="0"/>
+          <a:chOff x="0" y="0"/>
+          <a:chExt cx="0" cy="0"/>
+        </a:xfrm>
+      </p:grpSpPr>
+      <p:sp>
+        <p:nvSpPr>
+          <p:cNvPr id="2" name="Title 1">
+            <a:extLst>
+              <a:ext uri="{FF2B5EF4-FFF2-40B4-BE49-F238E27FC236}">
+                <a16:creationId xmlns:a16="http://schemas.microsoft.com/office/drawing/2014/main" id="{DE5C6A00-2349-4081-8885-95806CB4E6A1}"/>
+              </a:ext>
+            </a:extLst>
+          </p:cNvPr>
+          <p:cNvSpPr>
+            <a:spLocks noGrp="1"/>
+          </p:cNvSpPr>
+          <p:nvPr>
+            <p:ph type="title"/>
+          </p:nvPr>
+        </p:nvSpPr>
+        <p:spPr/>
+        <p:txBody>
+          <a:bodyPr/>
+          <a:lstStyle/>
+          <a:p>
+            <a:r>
+              <a:rPr lang="en-US" dirty="0"/>
+              <a:t>KeyVault</a:t>
+            </a:r>
+          </a:p>
+        </p:txBody>
+      </p:sp>
+      <p:sp>
+        <p:nvSpPr>
+          <p:cNvPr id="3" name="Content Placeholder 2">
+            <a:extLst>
+              <a:ext uri="{FF2B5EF4-FFF2-40B4-BE49-F238E27FC236}">
+                <a16:creationId xmlns:a16="http://schemas.microsoft.com/office/drawing/2014/main" id="{A40CBCAC-290F-42CF-AF44-72322D6C858A}"/>
+              </a:ext>
+            </a:extLst>
+          </p:cNvPr>
+          <p:cNvSpPr>
+            <a:spLocks noGrp="1"/>
+          </p:cNvSpPr>
+          <p:nvPr>
+            <p:ph sz="quarter" idx="12"/>
+          </p:nvPr>
+        </p:nvSpPr>
+        <p:spPr/>
+        <p:txBody>
+          <a:bodyPr/>
+          <a:lstStyle/>
+          <a:p>
+            <a:r>
+              <a:rPr lang="en-US" dirty="0"/>
+              <a:t>KeyVault configuration provider</a:t>
+            </a:r>
+          </a:p>
+          <a:p>
+            <a:pPr lvl="1"/>
+            <a:r>
+              <a:rPr lang="en-US" dirty="0"/>
+              <a:t>Merge secrets from KeyVault to configuration settings</a:t>
+            </a:r>
+          </a:p>
+          <a:p>
+            <a:r>
+              <a:rPr lang="en-US" dirty="0"/>
+              <a:t>Sample: </a:t>
+            </a:r>
+            <a:r>
+              <a:rPr lang="en-US" i="1" dirty="0"/>
+              <a:t>09.3-KeyVaultConfigurationProvider</a:t>
+            </a:r>
+          </a:p>
+          <a:p>
+            <a:pPr lvl="1"/>
+            <a:r>
+              <a:rPr lang="en-US" dirty="0"/>
+              <a:t>Adjust KeyVault name in </a:t>
+            </a:r>
+            <a:r>
+              <a:rPr lang="en-US" i="1" dirty="0" err="1"/>
+              <a:t>appsettings.json</a:t>
+            </a:r>
+            <a:r>
+              <a:rPr lang="en-US" dirty="0"/>
+              <a:t> if necessary</a:t>
+            </a:r>
+          </a:p>
+        </p:txBody>
+      </p:sp>
+      <p:sp>
+        <p:nvSpPr>
+          <p:cNvPr id="4" name="Text Placeholder 3">
+            <a:extLst>
+              <a:ext uri="{FF2B5EF4-FFF2-40B4-BE49-F238E27FC236}">
+                <a16:creationId xmlns:a16="http://schemas.microsoft.com/office/drawing/2014/main" id="{4756455E-82F7-4F41-9AA2-F214DAA65B12}"/>
+              </a:ext>
+            </a:extLst>
+          </p:cNvPr>
+          <p:cNvSpPr>
+            <a:spLocks noGrp="1"/>
+          </p:cNvSpPr>
+          <p:nvPr>
+            <p:ph type="body" sz="quarter" idx="23"/>
+          </p:nvPr>
+        </p:nvSpPr>
+        <p:spPr/>
+        <p:txBody>
+          <a:bodyPr/>
+          <a:lstStyle/>
+          <a:p>
+            <a:r>
+              <a:rPr lang="de-AT" dirty="0"/>
+              <a:t>See also </a:t>
+            </a:r>
+            <a:r>
+              <a:rPr lang="de-AT" dirty="0">
+                <a:hlinkClick r:id="rId2"/>
+              </a:rPr>
+              <a:t>https://docs.microsoft.com/en-us/aspnet/core/security/key-vault-configuration?view=aspnetcore-2.2</a:t>
+            </a:r>
+            <a:endParaRPr lang="en-US" dirty="0"/>
+          </a:p>
+        </p:txBody>
+      </p:sp>
+    </p:spTree>
+    <p:extLst>
+      <p:ext uri="{BB962C8B-B14F-4D97-AF65-F5344CB8AC3E}">
+        <p14:creationId xmlns:p14="http://schemas.microsoft.com/office/powerpoint/2010/main" val="4024738936"/>
+      </p:ext>
+    </p:extLst>
+  </p:cSld>
+  <p:clrMapOvr>
+    <a:masterClrMapping/>
+  </p:clrMapOvr>
+  <mc:AlternateContent xmlns:mc="http://schemas.openxmlformats.org/markup-compatibility/2006">
+    <mc:Choice xmlns:p14="http://schemas.microsoft.com/office/powerpoint/2010/main" Requires="p14">
+      <p:transition spd="med" p14:dur="700">
+        <p:fade/>
+      </p:transition>
+    </mc:Choice>
+    <mc:Fallback>
+      <p:transition spd="med">
+        <p:fade/>
+      </p:transition>
+    </mc:Fallback>
+  </mc:AlternateContent>
+</p:sld>
+</file>
+
+<file path=ppt/slides/slide21.xml><?xml version="1.0" encoding="utf-8"?>
+<p:sld xmlns:a="http://schemas.openxmlformats.org/drawingml/2006/main" xmlns:r="http://schemas.openxmlformats.org/officeDocument/2006/relationships" xmlns:p="http://schemas.openxmlformats.org/presentationml/2006/main">
+  <p:cSld>
+    <p:spTree>
+      <p:nvGrpSpPr>
+        <p:cNvPr id="1" name=""/>
+        <p:cNvGrpSpPr/>
+        <p:nvPr/>
+      </p:nvGrpSpPr>
+      <p:grpSpPr>
+        <a:xfrm>
+          <a:off x="0" y="0"/>
+          <a:ext cx="0" cy="0"/>
+          <a:chOff x="0" y="0"/>
+          <a:chExt cx="0" cy="0"/>
+        </a:xfrm>
+      </p:grpSpPr>
+      <p:sp>
+        <p:nvSpPr>
+          <p:cNvPr id="5" name="Title 4">
+            <a:extLst>
+              <a:ext uri="{FF2B5EF4-FFF2-40B4-BE49-F238E27FC236}">
+                <a16:creationId xmlns:a16="http://schemas.microsoft.com/office/drawing/2014/main" id="{E6CB8BBB-36C6-4D3D-A80F-A442C41A249A}"/>
+              </a:ext>
+            </a:extLst>
+          </p:cNvPr>
+          <p:cNvSpPr>
+            <a:spLocks noGrp="1"/>
+          </p:cNvSpPr>
+          <p:nvPr>
+            <p:ph type="title"/>
+          </p:nvPr>
+        </p:nvSpPr>
+        <p:spPr/>
+        <p:txBody>
+          <a:bodyPr/>
+          <a:lstStyle/>
+          <a:p>
+            <a:r>
+              <a:rPr lang="de-AT" sz="4800" dirty="0"/>
+              <a:t>Data </a:t>
+            </a:r>
+            <a:r>
+              <a:rPr lang="de-AT" sz="4800" dirty="0" err="1"/>
+              <a:t>Protection</a:t>
+            </a:r>
+            <a:r>
+              <a:rPr lang="de-AT" sz="4800" dirty="0"/>
+              <a:t> API</a:t>
+            </a:r>
+          </a:p>
+        </p:txBody>
+      </p:sp>
+      <p:sp>
+        <p:nvSpPr>
+          <p:cNvPr id="6" name="Text Placeholder 5">
+            <a:extLst>
+              <a:ext uri="{FF2B5EF4-FFF2-40B4-BE49-F238E27FC236}">
+                <a16:creationId xmlns:a16="http://schemas.microsoft.com/office/drawing/2014/main" id="{C16EAF77-8FDB-40B2-8D34-7D443ACF1E07}"/>
+              </a:ext>
+            </a:extLst>
+          </p:cNvPr>
+          <p:cNvSpPr>
+            <a:spLocks noGrp="1"/>
+          </p:cNvSpPr>
+          <p:nvPr>
+            <p:ph type="body" sz="quarter" idx="25"/>
+          </p:nvPr>
+        </p:nvSpPr>
+        <p:spPr/>
+        <p:txBody>
+          <a:bodyPr/>
+          <a:lstStyle/>
+          <a:p>
+            <a:r>
+              <a:rPr lang="de-AT" dirty="0" err="1"/>
+              <a:t>of</a:t>
+            </a:r>
+            <a:r>
+              <a:rPr lang="de-AT" dirty="0"/>
+              <a:t> ASP.NET Core</a:t>
+            </a:r>
+          </a:p>
+        </p:txBody>
+      </p:sp>
+    </p:spTree>
+    <p:extLst>
+      <p:ext uri="{BB962C8B-B14F-4D97-AF65-F5344CB8AC3E}">
+        <p14:creationId xmlns:p14="http://schemas.microsoft.com/office/powerpoint/2010/main" val="774912320"/>
+      </p:ext>
+    </p:extLst>
+  </p:cSld>
+  <p:clrMapOvr>
+    <a:masterClrMapping/>
+  </p:clrMapOvr>
+  <mc:AlternateContent xmlns:mc="http://schemas.openxmlformats.org/markup-compatibility/2006">
+    <mc:Choice xmlns:p14="http://schemas.microsoft.com/office/powerpoint/2010/main" Requires="p14">
+      <p:transition spd="med" p14:dur="700">
+        <p:fade/>
+      </p:transition>
+    </mc:Choice>
+    <mc:Fallback>
+      <p:transition spd="med">
+        <p:fade/>
+      </p:transition>
+    </mc:Fallback>
+  </mc:AlternateContent>
+</p:sld>
+</file>
+
+<file path=ppt/slides/slide22.xml><?xml version="1.0" encoding="utf-8"?>
+<p:sld xmlns:a="http://schemas.openxmlformats.org/drawingml/2006/main" xmlns:r="http://schemas.openxmlformats.org/officeDocument/2006/relationships" xmlns:p="http://schemas.openxmlformats.org/presentationml/2006/main">
+  <p:cSld>
+    <p:spTree>
+      <p:nvGrpSpPr>
+        <p:cNvPr id="1" name=""/>
+        <p:cNvGrpSpPr/>
+        <p:nvPr/>
+      </p:nvGrpSpPr>
+      <p:grpSpPr>
+        <a:xfrm>
+          <a:off x="0" y="0"/>
+          <a:ext cx="0" cy="0"/>
+          <a:chOff x="0" y="0"/>
+          <a:chExt cx="0" cy="0"/>
+        </a:xfrm>
+      </p:grpSpPr>
+      <p:sp>
+        <p:nvSpPr>
+          <p:cNvPr id="4" name="Title 3">
+            <a:extLst>
+              <a:ext uri="{FF2B5EF4-FFF2-40B4-BE49-F238E27FC236}">
+                <a16:creationId xmlns:a16="http://schemas.microsoft.com/office/drawing/2014/main" id="{E45A17F4-BBC8-4417-9454-F9651D1F3B58}"/>
+              </a:ext>
+            </a:extLst>
+          </p:cNvPr>
+          <p:cNvSpPr>
+            <a:spLocks noGrp="1"/>
+          </p:cNvSpPr>
+          <p:nvPr>
+            <p:ph type="title"/>
+          </p:nvPr>
+        </p:nvSpPr>
+        <p:spPr/>
+        <p:txBody>
+          <a:bodyPr/>
+          <a:lstStyle/>
+          <a:p>
+            <a:r>
+              <a:rPr lang="en-US" dirty="0"/>
+              <a:t>Overview</a:t>
+            </a:r>
+          </a:p>
+        </p:txBody>
+      </p:sp>
+      <p:sp>
+        <p:nvSpPr>
+          <p:cNvPr id="5" name="Content Placeholder 4">
+            <a:extLst>
+              <a:ext uri="{FF2B5EF4-FFF2-40B4-BE49-F238E27FC236}">
+                <a16:creationId xmlns:a16="http://schemas.microsoft.com/office/drawing/2014/main" id="{AB8B7F4E-C9EB-44E9-871C-02E427822FFA}"/>
+              </a:ext>
+            </a:extLst>
+          </p:cNvPr>
+          <p:cNvSpPr>
+            <a:spLocks noGrp="1"/>
+          </p:cNvSpPr>
+          <p:nvPr>
+            <p:ph sz="quarter" idx="12"/>
+          </p:nvPr>
+        </p:nvSpPr>
+        <p:spPr/>
+        <p:txBody>
+          <a:bodyPr/>
+          <a:lstStyle/>
+          <a:p>
+            <a:r>
+              <a:rPr lang="en-US" dirty="0"/>
+              <a:t>How to round-trip trusted state via an untrusted client?</a:t>
+            </a:r>
+          </a:p>
+          <a:p>
+            <a:pPr lvl="1"/>
+            <a:r>
+              <a:rPr lang="en-US" dirty="0"/>
+              <a:t>E.g. Tokens</a:t>
+            </a:r>
+          </a:p>
+          <a:p>
+            <a:r>
+              <a:rPr lang="en-US" dirty="0"/>
+              <a:t>ASP.NET Core: </a:t>
+            </a:r>
+            <a:r>
+              <a:rPr lang="en-US" i="1" dirty="0"/>
+              <a:t>Data Protection API</a:t>
+            </a:r>
+          </a:p>
+          <a:p>
+            <a:pPr lvl="1"/>
+            <a:r>
+              <a:rPr lang="en-US" dirty="0"/>
+              <a:t>Symmetric encryption</a:t>
+            </a:r>
+          </a:p>
+          <a:p>
+            <a:pPr lvl="1"/>
+            <a:r>
+              <a:rPr lang="en-US" dirty="0"/>
+              <a:t>In ASP.NET 4.x: </a:t>
+            </a:r>
+            <a:r>
+              <a:rPr lang="en-US" i="1" dirty="0" err="1"/>
+              <a:t>machineKey</a:t>
+            </a:r>
+            <a:r>
+              <a:rPr lang="en-US" i="1" dirty="0"/>
+              <a:t> </a:t>
+            </a:r>
+            <a:r>
+              <a:rPr lang="en-US" dirty="0"/>
+              <a:t>Element in </a:t>
+            </a:r>
+            <a:r>
+              <a:rPr lang="en-US" i="1" dirty="0" err="1"/>
+              <a:t>web.config</a:t>
+            </a:r>
+            <a:r>
+              <a:rPr lang="en-US" dirty="0"/>
+              <a:t> (</a:t>
+            </a:r>
+            <a:r>
+              <a:rPr lang="en-US" dirty="0">
+                <a:hlinkClick r:id="rId2"/>
+              </a:rPr>
+              <a:t>docs</a:t>
+            </a:r>
+            <a:r>
+              <a:rPr lang="en-US" dirty="0"/>
+              <a:t>)</a:t>
+            </a:r>
+          </a:p>
+          <a:p>
+            <a:pPr lvl="1"/>
+            <a:r>
+              <a:rPr lang="en-US" dirty="0"/>
+              <a:t>Can also be used as a replacement for </a:t>
+            </a:r>
+            <a:r>
+              <a:rPr lang="en-US" i="1" dirty="0" err="1"/>
+              <a:t>machineKey</a:t>
+            </a:r>
+            <a:r>
+              <a:rPr lang="en-US" dirty="0"/>
+              <a:t> (</a:t>
+            </a:r>
+            <a:r>
+              <a:rPr lang="en-US" dirty="0">
+                <a:hlinkClick r:id="rId3"/>
+              </a:rPr>
+              <a:t>docs</a:t>
+            </a:r>
+            <a:r>
+              <a:rPr lang="en-US" dirty="0"/>
+              <a:t>)</a:t>
+            </a:r>
+          </a:p>
+          <a:p>
+            <a:r>
+              <a:rPr lang="en-US" dirty="0"/>
+              <a:t>Functionality</a:t>
+            </a:r>
+          </a:p>
+          <a:p>
+            <a:pPr lvl="1"/>
+            <a:r>
+              <a:rPr lang="en-US" dirty="0"/>
+              <a:t>Protect/unprotect strings (e.g. secrets)</a:t>
+            </a:r>
+          </a:p>
+          <a:p>
+            <a:pPr lvl="1"/>
+            <a:r>
+              <a:rPr lang="en-US" dirty="0"/>
+              <a:t>Hash passwords (consider using </a:t>
+            </a:r>
+            <a:r>
+              <a:rPr lang="en-US" i="1" dirty="0" err="1"/>
+              <a:t>BCrypt</a:t>
+            </a:r>
+            <a:r>
+              <a:rPr lang="en-US" dirty="0"/>
+              <a:t> instead)</a:t>
+            </a:r>
+          </a:p>
+          <a:p>
+            <a:pPr lvl="1"/>
+            <a:r>
+              <a:rPr lang="en-US" dirty="0"/>
+              <a:t>Algorithms and key management can be configured to specific needs</a:t>
+            </a:r>
+          </a:p>
+        </p:txBody>
+      </p:sp>
+      <p:sp>
+        <p:nvSpPr>
+          <p:cNvPr id="6" name="Text Placeholder 5">
+            <a:extLst>
+              <a:ext uri="{FF2B5EF4-FFF2-40B4-BE49-F238E27FC236}">
+                <a16:creationId xmlns:a16="http://schemas.microsoft.com/office/drawing/2014/main" id="{E38A10DE-3489-492F-8FD6-552FCAE61FF1}"/>
+              </a:ext>
+            </a:extLst>
+          </p:cNvPr>
+          <p:cNvSpPr>
+            <a:spLocks noGrp="1"/>
+          </p:cNvSpPr>
+          <p:nvPr>
+            <p:ph type="body" sz="quarter" idx="23"/>
+          </p:nvPr>
+        </p:nvSpPr>
+        <p:spPr/>
+        <p:txBody>
+          <a:bodyPr/>
+          <a:lstStyle/>
+          <a:p>
+            <a:r>
+              <a:rPr lang="en-US" dirty="0"/>
+              <a:t>See also </a:t>
+            </a:r>
+            <a:r>
+              <a:rPr lang="de-AT" dirty="0">
+                <a:hlinkClick r:id="rId4"/>
+              </a:rPr>
+              <a:t>https://docs.microsoft.com/en-us/aspnet/core/security/data-protection/introduction?view=aspnetcore-2.2</a:t>
+            </a:r>
+            <a:endParaRPr lang="en-US" dirty="0"/>
+          </a:p>
+        </p:txBody>
+      </p:sp>
+    </p:spTree>
+    <p:extLst>
+      <p:ext uri="{BB962C8B-B14F-4D97-AF65-F5344CB8AC3E}">
+        <p14:creationId xmlns:p14="http://schemas.microsoft.com/office/powerpoint/2010/main" val="253990076"/>
+      </p:ext>
+    </p:extLst>
+  </p:cSld>
+  <p:clrMapOvr>
+    <a:masterClrMapping/>
+  </p:clrMapOvr>
+  <mc:AlternateContent xmlns:mc="http://schemas.openxmlformats.org/markup-compatibility/2006">
+    <mc:Choice xmlns:p14="http://schemas.microsoft.com/office/powerpoint/2010/main" Requires="p14">
+      <p:transition spd="med" p14:dur="700">
+        <p:fade/>
+      </p:transition>
+    </mc:Choice>
+    <mc:Fallback>
+      <p:transition spd="med">
+        <p:fade/>
+      </p:transition>
+    </mc:Fallback>
+  </mc:AlternateContent>
+</p:sld>
+</file>
+
+<file path=ppt/slides/slide23.xml><?xml version="1.0" encoding="utf-8"?>
+<p:sld xmlns:a="http://schemas.openxmlformats.org/drawingml/2006/main" xmlns:r="http://schemas.openxmlformats.org/officeDocument/2006/relationships" xmlns:p="http://schemas.openxmlformats.org/presentationml/2006/main">
+  <p:cSld>
+    <p:spTree>
+      <p:nvGrpSpPr>
+        <p:cNvPr id="1" name=""/>
+        <p:cNvGrpSpPr/>
+        <p:nvPr/>
+      </p:nvGrpSpPr>
+      <p:grpSpPr>
+        <a:xfrm>
+          <a:off x="0" y="0"/>
+          <a:ext cx="0" cy="0"/>
+          <a:chOff x="0" y="0"/>
+          <a:chExt cx="0" cy="0"/>
+        </a:xfrm>
+      </p:grpSpPr>
+      <p:sp>
+        <p:nvSpPr>
+          <p:cNvPr id="2" name="Title 1">
+            <a:extLst>
+              <a:ext uri="{FF2B5EF4-FFF2-40B4-BE49-F238E27FC236}">
+                <a16:creationId xmlns:a16="http://schemas.microsoft.com/office/drawing/2014/main" id="{DC43BE43-AA5F-4AB3-804D-D138339C1537}"/>
+              </a:ext>
+            </a:extLst>
+          </p:cNvPr>
+          <p:cNvSpPr>
+            <a:spLocks noGrp="1"/>
+          </p:cNvSpPr>
+          <p:nvPr>
+            <p:ph type="title"/>
+          </p:nvPr>
+        </p:nvSpPr>
+        <p:spPr/>
+        <p:txBody>
+          <a:bodyPr/>
+          <a:lstStyle/>
+          <a:p>
+            <a:r>
+              <a:rPr lang="en-US"/>
+              <a:t>Examples</a:t>
+            </a:r>
+          </a:p>
+        </p:txBody>
+      </p:sp>
+      <p:sp>
+        <p:nvSpPr>
+          <p:cNvPr id="3" name="Content Placeholder 2">
+            <a:extLst>
+              <a:ext uri="{FF2B5EF4-FFF2-40B4-BE49-F238E27FC236}">
+                <a16:creationId xmlns:a16="http://schemas.microsoft.com/office/drawing/2014/main" id="{3BA7ADBB-1149-4BD6-B023-D5CB1B702CFB}"/>
+              </a:ext>
+            </a:extLst>
+          </p:cNvPr>
+          <p:cNvSpPr>
+            <a:spLocks noGrp="1"/>
+          </p:cNvSpPr>
+          <p:nvPr>
+            <p:ph sz="quarter" idx="12"/>
+          </p:nvPr>
+        </p:nvSpPr>
+        <p:spPr/>
+        <p:txBody>
+          <a:bodyPr/>
+          <a:lstStyle/>
+          <a:p>
+            <a:r>
+              <a:rPr lang="en-US"/>
+              <a:t>10-NetCoreDataProtection</a:t>
+            </a:r>
+          </a:p>
+          <a:p>
+            <a:pPr lvl="1"/>
+            <a:r>
+              <a:rPr lang="en-US"/>
+              <a:t>Use ASP.NET Core Data Protection API to protect/unprotect strings</a:t>
+            </a:r>
+            <a:endParaRPr lang="en-US" i="1"/>
+          </a:p>
+          <a:p>
+            <a:r>
+              <a:rPr lang="en-US"/>
+              <a:t>11-DataProtectionPasswordHash</a:t>
+            </a:r>
+          </a:p>
+          <a:p>
+            <a:pPr lvl="1"/>
+            <a:r>
+              <a:rPr lang="en-US"/>
+              <a:t>Calculate password hashes with ASP.NET Core Data Protection API</a:t>
+            </a:r>
+            <a:endParaRPr lang="en-US" i="1"/>
+          </a:p>
+          <a:p>
+            <a:endParaRPr lang="en-US"/>
+          </a:p>
+        </p:txBody>
+      </p:sp>
+      <p:sp>
+        <p:nvSpPr>
+          <p:cNvPr id="4" name="Text Placeholder 3">
+            <a:extLst>
+              <a:ext uri="{FF2B5EF4-FFF2-40B4-BE49-F238E27FC236}">
+                <a16:creationId xmlns:a16="http://schemas.microsoft.com/office/drawing/2014/main" id="{1708EE3C-A981-42FC-9D4B-689B0EECE617}"/>
+              </a:ext>
+            </a:extLst>
+          </p:cNvPr>
+          <p:cNvSpPr>
+            <a:spLocks noGrp="1"/>
+          </p:cNvSpPr>
+          <p:nvPr>
+            <p:ph type="body" sz="quarter" idx="23"/>
+          </p:nvPr>
+        </p:nvSpPr>
+        <p:spPr/>
+        <p:txBody>
+          <a:bodyPr/>
+          <a:lstStyle/>
+          <a:p>
+            <a:endParaRPr lang="en-US"/>
+          </a:p>
+        </p:txBody>
+      </p:sp>
+    </p:spTree>
+    <p:extLst>
+      <p:ext uri="{BB962C8B-B14F-4D97-AF65-F5344CB8AC3E}">
+        <p14:creationId xmlns:p14="http://schemas.microsoft.com/office/powerpoint/2010/main" val="3908887177"/>
+      </p:ext>
+    </p:extLst>
+  </p:cSld>
+  <p:clrMapOvr>
+    <a:masterClrMapping/>
+  </p:clrMapOvr>
+  <mc:AlternateContent xmlns:mc="http://schemas.openxmlformats.org/markup-compatibility/2006">
+    <mc:Choice xmlns:p14="http://schemas.microsoft.com/office/powerpoint/2010/main" Requires="p14">
+      <p:transition spd="med" p14:dur="700">
+        <p:fade/>
+      </p:transition>
+    </mc:Choice>
+    <mc:Fallback>
+      <p:transition spd="med">
+        <p:fade/>
+      </p:transition>
+    </mc:Fallback>
+  </mc:AlternateContent>
+</p:sld>
+</file>
+
+<file path=ppt/slides/slide24.xml><?xml version="1.0" encoding="utf-8"?>
+<p:sld xmlns:a="http://schemas.openxmlformats.org/drawingml/2006/main" xmlns:r="http://schemas.openxmlformats.org/officeDocument/2006/relationships" xmlns:p="http://schemas.openxmlformats.org/presentationml/2006/main">
+  <p:cSld>
+    <p:spTree>
+      <p:nvGrpSpPr>
+        <p:cNvPr id="1" name=""/>
+        <p:cNvGrpSpPr/>
+        <p:nvPr/>
+      </p:nvGrpSpPr>
+      <p:grpSpPr>
+        <a:xfrm>
+          <a:off x="0" y="0"/>
+          <a:ext cx="0" cy="0"/>
+          <a:chOff x="0" y="0"/>
+          <a:chExt cx="0" cy="0"/>
+        </a:xfrm>
+      </p:grpSpPr>
+      <p:sp>
+        <p:nvSpPr>
+          <p:cNvPr id="2" name="Title 1">
+            <a:extLst>
+              <a:ext uri="{FF2B5EF4-FFF2-40B4-BE49-F238E27FC236}">
+                <a16:creationId xmlns:a16="http://schemas.microsoft.com/office/drawing/2014/main" id="{4838ACCF-AD64-4CE8-B017-73CA040F8804}"/>
+              </a:ext>
+            </a:extLst>
+          </p:cNvPr>
+          <p:cNvSpPr>
+            <a:spLocks noGrp="1"/>
+          </p:cNvSpPr>
+          <p:nvPr>
+            <p:ph type="title"/>
+          </p:nvPr>
+        </p:nvSpPr>
+        <p:spPr/>
+        <p:txBody>
+          <a:bodyPr/>
+          <a:lstStyle/>
+          <a:p>
+            <a:r>
+              <a:rPr lang="en-US"/>
+              <a:t>Configuration</a:t>
+            </a:r>
+          </a:p>
+        </p:txBody>
+      </p:sp>
+      <p:sp>
+        <p:nvSpPr>
+          <p:cNvPr id="3" name="Content Placeholder 2">
+            <a:extLst>
+              <a:ext uri="{FF2B5EF4-FFF2-40B4-BE49-F238E27FC236}">
+                <a16:creationId xmlns:a16="http://schemas.microsoft.com/office/drawing/2014/main" id="{584E68A9-1DD8-4C10-B0AB-75AE53067472}"/>
+              </a:ext>
+            </a:extLst>
+          </p:cNvPr>
+          <p:cNvSpPr>
+            <a:spLocks noGrp="1"/>
+          </p:cNvSpPr>
+          <p:nvPr>
+            <p:ph sz="quarter" idx="12"/>
+          </p:nvPr>
+        </p:nvSpPr>
+        <p:spPr/>
+        <p:txBody>
+          <a:bodyPr/>
+          <a:lstStyle/>
+          <a:p>
+            <a:r>
+              <a:rPr lang="en-US"/>
+              <a:t>Meaningful defaults for single-server deployments</a:t>
+            </a:r>
+          </a:p>
+          <a:p>
+            <a:r>
+              <a:rPr lang="en-US"/>
+              <a:t>Key persistance</a:t>
+            </a:r>
+          </a:p>
+          <a:p>
+            <a:pPr lvl="1"/>
+            <a:r>
+              <a:rPr lang="en-US"/>
+              <a:t>Azure Blob Storage</a:t>
+            </a:r>
+          </a:p>
+          <a:p>
+            <a:pPr lvl="1"/>
+            <a:r>
+              <a:rPr lang="en-US"/>
+              <a:t>Manual settings for file system (e.g. UNC path, </a:t>
+            </a:r>
+            <a:r>
+              <a:rPr lang="en-US" i="1"/>
+              <a:t>Azure Files</a:t>
+            </a:r>
+            <a:r>
+              <a:rPr lang="en-US"/>
+              <a:t>)</a:t>
+            </a:r>
+          </a:p>
+          <a:p>
+            <a:r>
+              <a:rPr lang="en-US"/>
+              <a:t>Key protection</a:t>
+            </a:r>
+          </a:p>
+          <a:p>
+            <a:pPr lvl="1"/>
+            <a:r>
+              <a:rPr lang="en-US"/>
+              <a:t>Protect using KeyVault keys</a:t>
+            </a:r>
+          </a:p>
+          <a:p>
+            <a:pPr lvl="1"/>
+            <a:r>
+              <a:rPr lang="en-US"/>
+              <a:t>Certificate</a:t>
+            </a:r>
+          </a:p>
+          <a:p>
+            <a:endParaRPr lang="en-US"/>
+          </a:p>
+        </p:txBody>
+      </p:sp>
+      <p:sp>
+        <p:nvSpPr>
+          <p:cNvPr id="4" name="Text Placeholder 3">
+            <a:extLst>
+              <a:ext uri="{FF2B5EF4-FFF2-40B4-BE49-F238E27FC236}">
+                <a16:creationId xmlns:a16="http://schemas.microsoft.com/office/drawing/2014/main" id="{53CC38FD-3B37-4216-89FF-7FE2FF02E320}"/>
+              </a:ext>
+            </a:extLst>
+          </p:cNvPr>
+          <p:cNvSpPr>
+            <a:spLocks noGrp="1"/>
+          </p:cNvSpPr>
+          <p:nvPr>
+            <p:ph type="body" sz="quarter" idx="23"/>
+          </p:nvPr>
+        </p:nvSpPr>
+        <p:spPr/>
+        <p:txBody>
+          <a:bodyPr/>
+          <a:lstStyle/>
+          <a:p>
+            <a:r>
+              <a:rPr lang="en-US" dirty="0"/>
+              <a:t>For details see </a:t>
+            </a:r>
+            <a:r>
+              <a:rPr lang="de-AT" dirty="0">
+                <a:hlinkClick r:id="rId2"/>
+              </a:rPr>
+              <a:t>https://docs.microsoft.com/en-us/aspnet/core/security/data-protection/configuration/overview?view=aspnetcore-2.2</a:t>
+            </a:r>
+            <a:endParaRPr lang="en-US" dirty="0"/>
+          </a:p>
+        </p:txBody>
+      </p:sp>
+    </p:spTree>
+    <p:extLst>
+      <p:ext uri="{BB962C8B-B14F-4D97-AF65-F5344CB8AC3E}">
+        <p14:creationId xmlns:p14="http://schemas.microsoft.com/office/powerpoint/2010/main" val="3120191146"/>
+      </p:ext>
+    </p:extLst>
+  </p:cSld>
+  <p:clrMapOvr>
+    <a:masterClrMapping/>
+  </p:clrMapOvr>
+  <mc:AlternateContent xmlns:mc="http://schemas.openxmlformats.org/markup-compatibility/2006">
+    <mc:Choice xmlns:p14="http://schemas.microsoft.com/office/powerpoint/2010/main" Requires="p14">
+      <p:transition spd="med" p14:dur="700">
+        <p:fade/>
+      </p:transition>
+    </mc:Choice>
+    <mc:Fallback>
+      <p:transition spd="med">
+        <p:fade/>
+      </p:transition>
+    </mc:Fallback>
+  </mc:AlternateContent>
+</p:sld>
+</file>
+
+<file path=ppt/slides/slide25.xml><?xml version="1.0" encoding="utf-8"?>
+<p:sld xmlns:a="http://schemas.openxmlformats.org/drawingml/2006/main" xmlns:r="http://schemas.openxmlformats.org/officeDocument/2006/relationships" xmlns:p="http://schemas.openxmlformats.org/presentationml/2006/main">
+  <p:cSld>
+    <p:spTree>
+      <p:nvGrpSpPr>
+        <p:cNvPr id="1" name=""/>
+        <p:cNvGrpSpPr/>
+        <p:nvPr/>
+      </p:nvGrpSpPr>
+      <p:grpSpPr>
+        <a:xfrm>
+          <a:off x="0" y="0"/>
+          <a:ext cx="0" cy="0"/>
+          <a:chOff x="0" y="0"/>
+          <a:chExt cx="0" cy="0"/>
+        </a:xfrm>
+      </p:grpSpPr>
+      <p:sp>
+        <p:nvSpPr>
+          <p:cNvPr id="5" name="Title 4">
+            <a:extLst>
+              <a:ext uri="{FF2B5EF4-FFF2-40B4-BE49-F238E27FC236}">
+                <a16:creationId xmlns:a16="http://schemas.microsoft.com/office/drawing/2014/main" id="{E6CB8BBB-36C6-4D3D-A80F-A442C41A249A}"/>
+              </a:ext>
+            </a:extLst>
+          </p:cNvPr>
+          <p:cNvSpPr>
+            <a:spLocks noGrp="1"/>
+          </p:cNvSpPr>
+          <p:nvPr>
+            <p:ph type="title"/>
+          </p:nvPr>
+        </p:nvSpPr>
+        <p:spPr/>
+        <p:txBody>
+          <a:bodyPr/>
+          <a:lstStyle/>
+          <a:p>
+            <a:r>
+              <a:rPr lang="de-AT" sz="4800" dirty="0" err="1"/>
+              <a:t>Exceptions</a:t>
+            </a:r>
+            <a:r>
+              <a:rPr lang="de-AT" sz="4800" dirty="0"/>
+              <a:t> and </a:t>
+            </a:r>
+            <a:r>
+              <a:rPr lang="de-AT" sz="4800" dirty="0" err="1"/>
+              <a:t>Logging</a:t>
+            </a:r>
+            <a:endParaRPr lang="de-AT" sz="4800" dirty="0"/>
+          </a:p>
+        </p:txBody>
+      </p:sp>
+      <p:sp>
+        <p:nvSpPr>
+          <p:cNvPr id="6" name="Text Placeholder 5">
+            <a:extLst>
+              <a:ext uri="{FF2B5EF4-FFF2-40B4-BE49-F238E27FC236}">
+                <a16:creationId xmlns:a16="http://schemas.microsoft.com/office/drawing/2014/main" id="{C16EAF77-8FDB-40B2-8D34-7D443ACF1E07}"/>
+              </a:ext>
+            </a:extLst>
+          </p:cNvPr>
+          <p:cNvSpPr>
+            <a:spLocks noGrp="1"/>
+          </p:cNvSpPr>
+          <p:nvPr>
+            <p:ph type="body" sz="quarter" idx="25"/>
+          </p:nvPr>
+        </p:nvSpPr>
+        <p:spPr/>
+        <p:txBody>
+          <a:bodyPr/>
+          <a:lstStyle/>
+          <a:p>
+            <a:endParaRPr lang="de-AT" dirty="0"/>
+          </a:p>
+        </p:txBody>
+      </p:sp>
+    </p:spTree>
+    <p:extLst>
+      <p:ext uri="{BB962C8B-B14F-4D97-AF65-F5344CB8AC3E}">
+        <p14:creationId xmlns:p14="http://schemas.microsoft.com/office/powerpoint/2010/main" val="194262547"/>
+      </p:ext>
+    </p:extLst>
+  </p:cSld>
+  <p:clrMapOvr>
+    <a:masterClrMapping/>
+  </p:clrMapOvr>
+  <mc:AlternateContent xmlns:mc="http://schemas.openxmlformats.org/markup-compatibility/2006">
+    <mc:Choice xmlns:p14="http://schemas.microsoft.com/office/powerpoint/2010/main" Requires="p14">
+      <p:transition spd="med" p14:dur="700">
+        <p:fade/>
+      </p:transition>
+    </mc:Choice>
+    <mc:Fallback>
+      <p:transition spd="med">
+        <p:fade/>
+      </p:transition>
+    </mc:Fallback>
+  </mc:AlternateContent>
+</p:sld>
+</file>
+
+<file path=ppt/slides/slide26.xml><?xml version="1.0" encoding="utf-8"?>
+<p:sld xmlns:a="http://schemas.openxmlformats.org/drawingml/2006/main" xmlns:r="http://schemas.openxmlformats.org/officeDocument/2006/relationships" xmlns:p="http://schemas.openxmlformats.org/presentationml/2006/main">
+  <p:cSld>
+    <p:spTree>
+      <p:nvGrpSpPr>
+        <p:cNvPr id="1" name=""/>
+        <p:cNvGrpSpPr/>
+        <p:nvPr/>
+      </p:nvGrpSpPr>
+      <p:grpSpPr>
+        <a:xfrm>
+          <a:off x="0" y="0"/>
+          <a:ext cx="0" cy="0"/>
+          <a:chOff x="0" y="0"/>
+          <a:chExt cx="0" cy="0"/>
+        </a:xfrm>
+      </p:grpSpPr>
+      <p:sp>
+        <p:nvSpPr>
+          <p:cNvPr id="4" name="Title 3">
+            <a:extLst>
+              <a:ext uri="{FF2B5EF4-FFF2-40B4-BE49-F238E27FC236}">
+                <a16:creationId xmlns:a16="http://schemas.microsoft.com/office/drawing/2014/main" id="{CC30764E-7D30-405A-B151-8180C0A19DA0}"/>
+              </a:ext>
+            </a:extLst>
+          </p:cNvPr>
+          <p:cNvSpPr>
+            <a:spLocks noGrp="1"/>
+          </p:cNvSpPr>
+          <p:nvPr>
+            <p:ph type="title"/>
+          </p:nvPr>
+        </p:nvSpPr>
+        <p:spPr/>
+        <p:txBody>
+          <a:bodyPr/>
+          <a:lstStyle/>
+          <a:p>
+            <a:r>
+              <a:rPr lang="en-US"/>
+              <a:t>Exceptions</a:t>
+            </a:r>
+          </a:p>
+        </p:txBody>
+      </p:sp>
+      <p:sp>
+        <p:nvSpPr>
+          <p:cNvPr id="5" name="Content Placeholder 4">
+            <a:extLst>
+              <a:ext uri="{FF2B5EF4-FFF2-40B4-BE49-F238E27FC236}">
+                <a16:creationId xmlns:a16="http://schemas.microsoft.com/office/drawing/2014/main" id="{60A4ECF4-5E93-4A6B-97ED-5950F2CD244D}"/>
+              </a:ext>
+            </a:extLst>
+          </p:cNvPr>
+          <p:cNvSpPr>
+            <a:spLocks noGrp="1"/>
+          </p:cNvSpPr>
+          <p:nvPr>
+            <p:ph sz="quarter" idx="12"/>
+          </p:nvPr>
+        </p:nvSpPr>
+        <p:spPr/>
+        <p:txBody>
+          <a:bodyPr/>
+          <a:lstStyle/>
+          <a:p>
+            <a:r>
+              <a:rPr lang="en-US" dirty="0"/>
+              <a:t>New in C# 6: </a:t>
+            </a:r>
+            <a:r>
+              <a:rPr lang="en-US" i="1" dirty="0"/>
+              <a:t>Exception filtering</a:t>
+            </a:r>
+          </a:p>
+          <a:p>
+            <a:pPr lvl="1"/>
+            <a:r>
+              <a:rPr lang="en-US" dirty="0"/>
+              <a:t>Note: Filter runs before </a:t>
+            </a:r>
+            <a:r>
+              <a:rPr lang="en-US" i="1" dirty="0"/>
+              <a:t>finally</a:t>
+            </a:r>
+          </a:p>
+          <a:p>
+            <a:r>
+              <a:rPr lang="en-US" dirty="0"/>
+              <a:t>Example: </a:t>
+            </a:r>
+            <a:r>
+              <a:rPr lang="en-US" i="1" dirty="0"/>
+              <a:t>12-ExceptionFilters</a:t>
+            </a:r>
+          </a:p>
+          <a:p>
+            <a:pPr lvl="1"/>
+            <a:r>
+              <a:rPr lang="en-US" dirty="0"/>
+              <a:t>Demonstrates order of execution in exceptions with filters</a:t>
+            </a:r>
+          </a:p>
+          <a:p>
+            <a:r>
+              <a:rPr lang="en-US" dirty="0"/>
+              <a:t>Recap: </a:t>
+            </a:r>
+            <a:r>
+              <a:rPr lang="en-US" i="1" dirty="0" err="1"/>
+              <a:t>IDisposable</a:t>
+            </a:r>
+            <a:r>
+              <a:rPr lang="en-US" dirty="0"/>
+              <a:t>, </a:t>
+            </a:r>
+            <a:r>
+              <a:rPr lang="en-US" i="1" dirty="0"/>
+              <a:t>using</a:t>
+            </a:r>
+            <a:r>
+              <a:rPr lang="en-US" dirty="0"/>
+              <a:t> statement</a:t>
+            </a:r>
+          </a:p>
+          <a:p>
+            <a:pPr lvl="1"/>
+            <a:r>
+              <a:rPr lang="en-US" dirty="0"/>
+              <a:t>Necessary?</a:t>
+            </a:r>
+          </a:p>
+          <a:p>
+            <a:pPr lvl="1"/>
+            <a:r>
+              <a:rPr lang="en-US" dirty="0">
+                <a:hlinkClick r:id="rId2"/>
+              </a:rPr>
+              <a:t>Docs</a:t>
+            </a:r>
+            <a:endParaRPr lang="en-US" dirty="0"/>
+          </a:p>
+        </p:txBody>
+      </p:sp>
+      <p:sp>
+        <p:nvSpPr>
+          <p:cNvPr id="6" name="Text Placeholder 5">
+            <a:extLst>
+              <a:ext uri="{FF2B5EF4-FFF2-40B4-BE49-F238E27FC236}">
+                <a16:creationId xmlns:a16="http://schemas.microsoft.com/office/drawing/2014/main" id="{08110289-67C9-4EF7-8ECA-3704B7FE1CDA}"/>
+              </a:ext>
+            </a:extLst>
+          </p:cNvPr>
+          <p:cNvSpPr>
+            <a:spLocks noGrp="1"/>
+          </p:cNvSpPr>
+          <p:nvPr>
+            <p:ph type="body" sz="quarter" idx="23"/>
+          </p:nvPr>
+        </p:nvSpPr>
+        <p:spPr/>
+        <p:txBody>
+          <a:bodyPr/>
+          <a:lstStyle/>
+          <a:p>
+            <a:r>
+              <a:rPr lang="en-US"/>
+              <a:t>See also </a:t>
+            </a:r>
+            <a:r>
+              <a:rPr lang="en-US">
+                <a:hlinkClick r:id="rId3"/>
+              </a:rPr>
+              <a:t>https://docs.microsoft.com/en-us/dotnet/csharp/language-reference/keywords/try-catch</a:t>
+            </a:r>
+            <a:endParaRPr lang="en-US"/>
+          </a:p>
+        </p:txBody>
+      </p:sp>
+    </p:spTree>
+    <p:extLst>
+      <p:ext uri="{BB962C8B-B14F-4D97-AF65-F5344CB8AC3E}">
+        <p14:creationId xmlns:p14="http://schemas.microsoft.com/office/powerpoint/2010/main" val="2931813448"/>
+      </p:ext>
+    </p:extLst>
+  </p:cSld>
+  <p:clrMapOvr>
+    <a:masterClrMapping/>
+  </p:clrMapOvr>
+  <mc:AlternateContent xmlns:mc="http://schemas.openxmlformats.org/markup-compatibility/2006">
+    <mc:Choice xmlns:p14="http://schemas.microsoft.com/office/powerpoint/2010/main" Requires="p14">
+      <p:transition spd="med" p14:dur="700">
+        <p:fade/>
+      </p:transition>
+    </mc:Choice>
+    <mc:Fallback>
+      <p:transition spd="med">
+        <p:fade/>
+      </p:transition>
+    </mc:Fallback>
+  </mc:AlternateContent>
+</p:sld>
+</file>
+
+<file path=ppt/slides/slide27.xml><?xml version="1.0" encoding="utf-8"?>
+<p:sld xmlns:a="http://schemas.openxmlformats.org/drawingml/2006/main" xmlns:r="http://schemas.openxmlformats.org/officeDocument/2006/relationships" xmlns:p="http://schemas.openxmlformats.org/presentationml/2006/main">
+  <p:cSld>
+    <p:spTree>
+      <p:nvGrpSpPr>
+        <p:cNvPr id="1" name=""/>
+        <p:cNvGrpSpPr/>
+        <p:nvPr/>
+      </p:nvGrpSpPr>
+      <p:grpSpPr>
+        <a:xfrm>
+          <a:off x="0" y="0"/>
+          <a:ext cx="0" cy="0"/>
+          <a:chOff x="0" y="0"/>
+          <a:chExt cx="0" cy="0"/>
+        </a:xfrm>
+      </p:grpSpPr>
+      <p:sp>
+        <p:nvSpPr>
+          <p:cNvPr id="2" name="Title 1">
+            <a:extLst>
+              <a:ext uri="{FF2B5EF4-FFF2-40B4-BE49-F238E27FC236}">
+                <a16:creationId xmlns:a16="http://schemas.microsoft.com/office/drawing/2014/main" id="{60F6B274-4738-4A69-8AC9-AA6B9AA1F3DA}"/>
+              </a:ext>
+            </a:extLst>
+          </p:cNvPr>
+          <p:cNvSpPr>
+            <a:spLocks noGrp="1"/>
+          </p:cNvSpPr>
+          <p:nvPr>
+            <p:ph type="title"/>
+          </p:nvPr>
+        </p:nvSpPr>
+        <p:spPr/>
+        <p:txBody>
+          <a:bodyPr/>
+          <a:lstStyle/>
+          <a:p>
+            <a:r>
+              <a:rPr lang="en-US"/>
+              <a:t>Logging – What?</a:t>
+            </a:r>
+          </a:p>
+        </p:txBody>
+      </p:sp>
+      <p:sp>
+        <p:nvSpPr>
+          <p:cNvPr id="3" name="Content Placeholder 2">
+            <a:extLst>
+              <a:ext uri="{FF2B5EF4-FFF2-40B4-BE49-F238E27FC236}">
+                <a16:creationId xmlns:a16="http://schemas.microsoft.com/office/drawing/2014/main" id="{316FA64F-ED5E-4091-82EA-4EEF5681D449}"/>
+              </a:ext>
+            </a:extLst>
+          </p:cNvPr>
+          <p:cNvSpPr>
+            <a:spLocks noGrp="1"/>
+          </p:cNvSpPr>
+          <p:nvPr>
+            <p:ph sz="quarter" idx="12"/>
+          </p:nvPr>
+        </p:nvSpPr>
+        <p:spPr/>
+        <p:txBody>
+          <a:bodyPr/>
+          <a:lstStyle/>
+          <a:p>
+            <a:r>
+              <a:rPr lang="en-US" dirty="0"/>
+              <a:t>Client requests and server responses</a:t>
+            </a:r>
+          </a:p>
+          <a:p>
+            <a:pPr lvl="1"/>
+            <a:r>
+              <a:rPr lang="en-US" dirty="0"/>
+              <a:t>Helpful in reconstructing sequences of events</a:t>
+            </a:r>
+          </a:p>
+          <a:p>
+            <a:r>
+              <a:rPr lang="en-US" dirty="0"/>
+              <a:t>Account information</a:t>
+            </a:r>
+          </a:p>
+          <a:p>
+            <a:pPr lvl="1"/>
+            <a:r>
+              <a:rPr lang="en-US" dirty="0"/>
+              <a:t>E.g. successful and failed authentication attempts, account changes, use of privileges</a:t>
+            </a:r>
+          </a:p>
+          <a:p>
+            <a:r>
+              <a:rPr lang="en-US" dirty="0"/>
+              <a:t>Usage information</a:t>
+            </a:r>
+          </a:p>
+          <a:p>
+            <a:pPr lvl="1"/>
+            <a:r>
+              <a:rPr lang="en-US" dirty="0"/>
+              <a:t>E.g. number of transactions occurring in a certain period, size of transactions</a:t>
+            </a:r>
+          </a:p>
+          <a:p>
+            <a:r>
+              <a:rPr lang="en-US" dirty="0"/>
+              <a:t>Significant operational actions</a:t>
+            </a:r>
+          </a:p>
+          <a:p>
+            <a:pPr lvl="1"/>
+            <a:r>
+              <a:rPr lang="en-US" dirty="0"/>
+              <a:t>E.g. application startup and shutdown, application failures (exceptions), major application configuration changes</a:t>
+            </a:r>
+          </a:p>
+        </p:txBody>
+      </p:sp>
+      <p:sp>
+        <p:nvSpPr>
+          <p:cNvPr id="4" name="Text Placeholder 3">
+            <a:extLst>
+              <a:ext uri="{FF2B5EF4-FFF2-40B4-BE49-F238E27FC236}">
+                <a16:creationId xmlns:a16="http://schemas.microsoft.com/office/drawing/2014/main" id="{C94B54A6-3A3E-4808-95B1-41CCB0992B95}"/>
+              </a:ext>
+            </a:extLst>
+          </p:cNvPr>
+          <p:cNvSpPr>
+            <a:spLocks noGrp="1"/>
+          </p:cNvSpPr>
+          <p:nvPr>
+            <p:ph type="body" sz="quarter" idx="23"/>
+          </p:nvPr>
+        </p:nvSpPr>
+        <p:spPr/>
+        <p:txBody>
+          <a:bodyPr/>
+          <a:lstStyle/>
+          <a:p>
+            <a:r>
+              <a:rPr lang="en-US" dirty="0"/>
+              <a:t>See also </a:t>
+            </a:r>
+            <a:r>
+              <a:rPr lang="de-AT" dirty="0">
+                <a:hlinkClick r:id="rId2"/>
+              </a:rPr>
+              <a:t>https://nvlpubs.nist.gov/nistpubs/Legacy/SP/nistspecialpublication800-92.pdf</a:t>
+            </a:r>
+            <a:endParaRPr lang="en-US" dirty="0"/>
+          </a:p>
+        </p:txBody>
+      </p:sp>
+    </p:spTree>
+    <p:extLst>
+      <p:ext uri="{BB962C8B-B14F-4D97-AF65-F5344CB8AC3E}">
+        <p14:creationId xmlns:p14="http://schemas.microsoft.com/office/powerpoint/2010/main" val="3782848410"/>
+      </p:ext>
+    </p:extLst>
+  </p:cSld>
+  <p:clrMapOvr>
+    <a:masterClrMapping/>
+  </p:clrMapOvr>
+  <mc:AlternateContent xmlns:mc="http://schemas.openxmlformats.org/markup-compatibility/2006">
+    <mc:Choice xmlns:p14="http://schemas.microsoft.com/office/powerpoint/2010/main" Requires="p14">
+      <p:transition spd="med" p14:dur="700">
+        <p:fade/>
+      </p:transition>
+    </mc:Choice>
+    <mc:Fallback>
+      <p:transition spd="med">
+        <p:fade/>
+      </p:transition>
+    </mc:Fallback>
+  </mc:AlternateContent>
+</p:sld>
+</file>
+
+<file path=ppt/slides/slide28.xml><?xml version="1.0" encoding="utf-8"?>
+<p:sld xmlns:a="http://schemas.openxmlformats.org/drawingml/2006/main" xmlns:r="http://schemas.openxmlformats.org/officeDocument/2006/relationships" xmlns:p="http://schemas.openxmlformats.org/presentationml/2006/main">
+  <p:cSld>
+    <p:spTree>
+      <p:nvGrpSpPr>
+        <p:cNvPr id="1" name=""/>
+        <p:cNvGrpSpPr/>
+        <p:nvPr/>
+      </p:nvGrpSpPr>
+      <p:grpSpPr>
+        <a:xfrm>
+          <a:off x="0" y="0"/>
+          <a:ext cx="0" cy="0"/>
+          <a:chOff x="0" y="0"/>
+          <a:chExt cx="0" cy="0"/>
+        </a:xfrm>
+      </p:grpSpPr>
+      <p:sp>
+        <p:nvSpPr>
+          <p:cNvPr id="2" name="Title 1">
+            <a:extLst>
+              <a:ext uri="{FF2B5EF4-FFF2-40B4-BE49-F238E27FC236}">
+                <a16:creationId xmlns:a16="http://schemas.microsoft.com/office/drawing/2014/main" id="{B5ADFC63-E7F6-435C-ABD1-115C66C6EF52}"/>
+              </a:ext>
+            </a:extLst>
+          </p:cNvPr>
+          <p:cNvSpPr>
+            <a:spLocks noGrp="1"/>
+          </p:cNvSpPr>
+          <p:nvPr>
+            <p:ph type="title"/>
+          </p:nvPr>
+        </p:nvSpPr>
+        <p:spPr/>
+        <p:txBody>
+          <a:bodyPr/>
+          <a:lstStyle/>
+          <a:p>
+            <a:r>
+              <a:rPr lang="en-US"/>
+              <a:t>Logging Options</a:t>
+            </a:r>
+          </a:p>
+        </p:txBody>
+      </p:sp>
+      <p:sp>
+        <p:nvSpPr>
+          <p:cNvPr id="3" name="Content Placeholder 2">
+            <a:extLst>
+              <a:ext uri="{FF2B5EF4-FFF2-40B4-BE49-F238E27FC236}">
+                <a16:creationId xmlns:a16="http://schemas.microsoft.com/office/drawing/2014/main" id="{22F4F2F5-549F-4CE9-B12B-F34132D20354}"/>
+              </a:ext>
+            </a:extLst>
+          </p:cNvPr>
+          <p:cNvSpPr>
+            <a:spLocks noGrp="1"/>
+          </p:cNvSpPr>
+          <p:nvPr>
+            <p:ph sz="quarter" idx="12"/>
+          </p:nvPr>
+        </p:nvSpPr>
+        <p:spPr/>
+        <p:txBody>
+          <a:bodyPr/>
+          <a:lstStyle/>
+          <a:p>
+            <a:r>
+              <a:rPr lang="en-US"/>
+              <a:t>ASP.NET Core built-in logging</a:t>
+            </a:r>
+          </a:p>
+          <a:p>
+            <a:pPr lvl="1"/>
+            <a:r>
+              <a:rPr lang="en-US">
+                <a:hlinkClick r:id="rId2"/>
+              </a:rPr>
+              <a:t>Docs</a:t>
+            </a:r>
+            <a:endParaRPr lang="en-US"/>
+          </a:p>
+          <a:p>
+            <a:r>
+              <a:rPr lang="en-US"/>
+              <a:t>Log libraries</a:t>
+            </a:r>
+          </a:p>
+          <a:p>
+            <a:pPr lvl="1"/>
+            <a:r>
+              <a:rPr lang="en-US"/>
+              <a:t>Here: </a:t>
+            </a:r>
+            <a:r>
+              <a:rPr lang="en-US">
+                <a:hlinkClick r:id="rId3"/>
+              </a:rPr>
+              <a:t>Serilog</a:t>
+            </a:r>
+            <a:endParaRPr lang="en-US"/>
+          </a:p>
+          <a:p>
+            <a:pPr lvl="1"/>
+            <a:r>
+              <a:rPr lang="en-US"/>
+              <a:t>Many sinks available (</a:t>
+            </a:r>
+            <a:r>
+              <a:rPr lang="en-US">
+                <a:hlinkClick r:id="rId4"/>
+              </a:rPr>
+              <a:t>list</a:t>
+            </a:r>
+            <a:r>
+              <a:rPr lang="en-US"/>
+              <a:t>)</a:t>
+            </a:r>
+          </a:p>
+          <a:p>
+            <a:r>
+              <a:rPr lang="en-US"/>
+              <a:t>In Azure</a:t>
+            </a:r>
+          </a:p>
+          <a:p>
+            <a:pPr lvl="1"/>
+            <a:r>
+              <a:rPr lang="en-US">
+                <a:hlinkClick r:id="rId5"/>
+              </a:rPr>
+              <a:t>Azure Monitor</a:t>
+            </a:r>
+            <a:endParaRPr lang="en-US"/>
+          </a:p>
+          <a:p>
+            <a:pPr lvl="1"/>
+            <a:r>
+              <a:rPr lang="en-US">
+                <a:hlinkClick r:id="rId6"/>
+              </a:rPr>
+              <a:t>Azure Application Insights</a:t>
+            </a:r>
+            <a:endParaRPr lang="en-US"/>
+          </a:p>
+        </p:txBody>
+      </p:sp>
+      <p:sp>
+        <p:nvSpPr>
+          <p:cNvPr id="4" name="Text Placeholder 3">
+            <a:extLst>
+              <a:ext uri="{FF2B5EF4-FFF2-40B4-BE49-F238E27FC236}">
+                <a16:creationId xmlns:a16="http://schemas.microsoft.com/office/drawing/2014/main" id="{17160320-4368-407B-A633-BCFC6B4E7BF2}"/>
+              </a:ext>
+            </a:extLst>
+          </p:cNvPr>
+          <p:cNvSpPr>
+            <a:spLocks noGrp="1"/>
+          </p:cNvSpPr>
+          <p:nvPr>
+            <p:ph type="body" sz="quarter" idx="23"/>
+          </p:nvPr>
+        </p:nvSpPr>
+        <p:spPr/>
+        <p:txBody>
+          <a:bodyPr/>
+          <a:lstStyle/>
+          <a:p>
+            <a:endParaRPr lang="en-US"/>
+          </a:p>
+        </p:txBody>
+      </p:sp>
+      <p:pic>
+        <p:nvPicPr>
+          <p:cNvPr id="1026" name="Picture 2" descr="C:\Users\R22F9~1.STR\AppData\Local\Temp\SNAGHTML18b1e54.PNG">
+            <a:extLst>
+              <a:ext uri="{FF2B5EF4-FFF2-40B4-BE49-F238E27FC236}">
+                <a16:creationId xmlns:a16="http://schemas.microsoft.com/office/drawing/2014/main" id="{F0310486-7424-4E65-9249-53DE073C4EBB}"/>
+              </a:ext>
+            </a:extLst>
+          </p:cNvPr>
+          <p:cNvPicPr>
+            <a:picLocks noChangeAspect="1" noChangeArrowheads="1"/>
+          </p:cNvPicPr>
+          <p:nvPr/>
+        </p:nvPicPr>
+        <p:blipFill>
+          <a:blip r:embed="rId7">
+            <a:extLst>
+              <a:ext uri="{28A0092B-C50C-407E-A947-70E740481C1C}">
+                <a14:useLocalDpi xmlns:a14="http://schemas.microsoft.com/office/drawing/2010/main" val="0"/>
+              </a:ext>
+            </a:extLst>
+          </a:blip>
+          <a:srcRect/>
+          <a:stretch>
+            <a:fillRect/>
+          </a:stretch>
+        </p:blipFill>
+        <p:spPr bwMode="auto">
+          <a:xfrm>
+            <a:off x="3347864" y="2129970"/>
+            <a:ext cx="5580112" cy="1649815"/>
+          </a:xfrm>
+          <a:prstGeom prst="rect">
+            <a:avLst/>
+          </a:prstGeom>
+          <a:noFill/>
+          <a:extLst>
+            <a:ext uri="{909E8E84-426E-40DD-AFC4-6F175D3DCCD1}">
+              <a14:hiddenFill xmlns:a14="http://schemas.microsoft.com/office/drawing/2010/main">
+                <a:solidFill>
+                  <a:srgbClr val="FFFFFF"/>
+                </a:solidFill>
+              </a14:hiddenFill>
+            </a:ext>
+          </a:extLst>
+        </p:spPr>
+      </p:pic>
+    </p:spTree>
+    <p:extLst>
+      <p:ext uri="{BB962C8B-B14F-4D97-AF65-F5344CB8AC3E}">
+        <p14:creationId xmlns:p14="http://schemas.microsoft.com/office/powerpoint/2010/main" val="1261900351"/>
+      </p:ext>
+    </p:extLst>
+  </p:cSld>
+  <p:clrMapOvr>
+    <a:masterClrMapping/>
+  </p:clrMapOvr>
+  <mc:AlternateContent xmlns:mc="http://schemas.openxmlformats.org/markup-compatibility/2006">
+    <mc:Choice xmlns:p14="http://schemas.microsoft.com/office/powerpoint/2010/main" Requires="p14">
+      <p:transition spd="med" p14:dur="700">
+        <p:fade/>
+      </p:transition>
+    </mc:Choice>
+    <mc:Fallback>
+      <p:transition spd="med">
+        <p:fade/>
+      </p:transition>
+    </mc:Fallback>
+  </mc:AlternateContent>
+</p:sld>
+</file>
+
+<file path=ppt/slides/slide29.xml><?xml version="1.0" encoding="utf-8"?>
+<p:sld xmlns:a="http://schemas.openxmlformats.org/drawingml/2006/main" xmlns:r="http://schemas.openxmlformats.org/officeDocument/2006/relationships" xmlns:p="http://schemas.openxmlformats.org/presentationml/2006/main">
+  <p:cSld>
+    <p:spTree>
+      <p:nvGrpSpPr>
+        <p:cNvPr id="1" name=""/>
+        <p:cNvGrpSpPr/>
+        <p:nvPr/>
+      </p:nvGrpSpPr>
+      <p:grpSpPr>
+        <a:xfrm>
+          <a:off x="0" y="0"/>
+          <a:ext cx="0" cy="0"/>
+          <a:chOff x="0" y="0"/>
+          <a:chExt cx="0" cy="0"/>
+        </a:xfrm>
+      </p:grpSpPr>
+      <p:sp>
+        <p:nvSpPr>
+          <p:cNvPr id="2" name="Title 1">
+            <a:extLst>
+              <a:ext uri="{FF2B5EF4-FFF2-40B4-BE49-F238E27FC236}">
+                <a16:creationId xmlns:a16="http://schemas.microsoft.com/office/drawing/2014/main" id="{DC43BE43-AA5F-4AB3-804D-D138339C1537}"/>
+              </a:ext>
+            </a:extLst>
+          </p:cNvPr>
+          <p:cNvSpPr>
+            <a:spLocks noGrp="1"/>
+          </p:cNvSpPr>
+          <p:nvPr>
+            <p:ph type="title"/>
+          </p:nvPr>
+        </p:nvSpPr>
+        <p:spPr/>
+        <p:txBody>
+          <a:bodyPr/>
+          <a:lstStyle/>
+          <a:p>
+            <a:r>
+              <a:rPr lang="en-US" dirty="0"/>
+              <a:t>Example</a:t>
+            </a:r>
+          </a:p>
+        </p:txBody>
+      </p:sp>
+      <p:sp>
+        <p:nvSpPr>
+          <p:cNvPr id="3" name="Content Placeholder 2">
+            <a:extLst>
+              <a:ext uri="{FF2B5EF4-FFF2-40B4-BE49-F238E27FC236}">
+                <a16:creationId xmlns:a16="http://schemas.microsoft.com/office/drawing/2014/main" id="{3BA7ADBB-1149-4BD6-B023-D5CB1B702CFB}"/>
+              </a:ext>
+            </a:extLst>
+          </p:cNvPr>
+          <p:cNvSpPr>
+            <a:spLocks noGrp="1"/>
+          </p:cNvSpPr>
+          <p:nvPr>
+            <p:ph sz="quarter" idx="12"/>
+          </p:nvPr>
+        </p:nvSpPr>
+        <p:spPr/>
+        <p:txBody>
+          <a:bodyPr/>
+          <a:lstStyle/>
+          <a:p>
+            <a:r>
+              <a:rPr lang="en-US" dirty="0"/>
+              <a:t>13-LoggingSerilog</a:t>
+            </a:r>
+          </a:p>
+          <a:p>
+            <a:pPr lvl="1"/>
+            <a:r>
+              <a:rPr lang="en-US" dirty="0"/>
+              <a:t>Add logging with </a:t>
+            </a:r>
+            <a:r>
+              <a:rPr lang="en-US" i="1" dirty="0" err="1"/>
+              <a:t>Serilog</a:t>
+            </a:r>
+            <a:r>
+              <a:rPr lang="en-US" dirty="0"/>
+              <a:t> to ASP.NET Core app</a:t>
+            </a:r>
+          </a:p>
+          <a:p>
+            <a:pPr lvl="1"/>
+            <a:r>
+              <a:rPr lang="en-US" dirty="0"/>
+              <a:t>Includes log viewing with </a:t>
+            </a:r>
+            <a:r>
+              <a:rPr lang="en-US" i="1" dirty="0">
+                <a:hlinkClick r:id="rId2"/>
+              </a:rPr>
+              <a:t>Seq</a:t>
+            </a:r>
+            <a:endParaRPr lang="en-US" i="1" dirty="0"/>
+          </a:p>
+          <a:p>
+            <a:endParaRPr lang="en-US" dirty="0"/>
+          </a:p>
+        </p:txBody>
+      </p:sp>
+      <p:sp>
+        <p:nvSpPr>
+          <p:cNvPr id="4" name="Text Placeholder 3">
+            <a:extLst>
+              <a:ext uri="{FF2B5EF4-FFF2-40B4-BE49-F238E27FC236}">
+                <a16:creationId xmlns:a16="http://schemas.microsoft.com/office/drawing/2014/main" id="{1708EE3C-A981-42FC-9D4B-689B0EECE617}"/>
+              </a:ext>
+            </a:extLst>
+          </p:cNvPr>
+          <p:cNvSpPr>
+            <a:spLocks noGrp="1"/>
+          </p:cNvSpPr>
+          <p:nvPr>
+            <p:ph type="body" sz="quarter" idx="23"/>
+          </p:nvPr>
+        </p:nvSpPr>
+        <p:spPr/>
+        <p:txBody>
+          <a:bodyPr/>
+          <a:lstStyle/>
+          <a:p>
+            <a:endParaRPr lang="en-US"/>
+          </a:p>
+        </p:txBody>
+      </p:sp>
+    </p:spTree>
+    <p:extLst>
+      <p:ext uri="{BB962C8B-B14F-4D97-AF65-F5344CB8AC3E}">
+        <p14:creationId xmlns:p14="http://schemas.microsoft.com/office/powerpoint/2010/main" val="330773997"/>
+      </p:ext>
+    </p:extLst>
+  </p:cSld>
+  <p:clrMapOvr>
+    <a:masterClrMapping/>
+  </p:clrMapOvr>
+  <mc:AlternateContent xmlns:mc="http://schemas.openxmlformats.org/markup-compatibility/2006">
+    <mc:Choice xmlns:p14="http://schemas.microsoft.com/office/powerpoint/2010/main" Requires="p14">
+      <p:transition spd="med" p14:dur="700">
+        <p:fade/>
+      </p:transition>
+    </mc:Choice>
+    <mc:Fallback>
       <p:transition spd="med">
         <p:fade/>
       </p:transition>
@@ -13474,7 +16170,10 @@
           <a:bodyPr/>
           <a:lstStyle/>
           <a:p>
-            <a:endParaRPr lang="de-AT"/>
+            <a:r>
+              <a:rPr lang="en-US"/>
+              <a:t>How to Write Secure .NET Code</a:t>
+            </a:r>
           </a:p>
         </p:txBody>
       </p:sp>
@@ -13499,7 +16198,110 @@
           <a:bodyPr/>
           <a:lstStyle/>
           <a:p>
-            <a:endParaRPr lang="de-AT"/>
+            <a:r>
+              <a:rPr lang="en-US" i="1" dirty="0"/>
+              <a:t>Don’t</a:t>
+            </a:r>
+            <a:r>
+              <a:rPr lang="en-US" dirty="0"/>
+              <a:t> be lazy. Think!</a:t>
+            </a:r>
+          </a:p>
+          <a:p>
+            <a:pPr lvl="1"/>
+            <a:r>
+              <a:rPr lang="en-US" i="1" dirty="0"/>
+              <a:t>Avoid </a:t>
+            </a:r>
+            <a:r>
+              <a:rPr lang="en-US" dirty="0"/>
+              <a:t>making stupid mistakes</a:t>
+            </a:r>
+          </a:p>
+          <a:p>
+            <a:r>
+              <a:rPr lang="en-US" i="1" dirty="0"/>
+              <a:t>Do</a:t>
+            </a:r>
+            <a:r>
+              <a:rPr lang="en-US" dirty="0"/>
+              <a:t> take responsibility</a:t>
+            </a:r>
+          </a:p>
+          <a:p>
+            <a:pPr lvl="1"/>
+            <a:r>
+              <a:rPr lang="en-US" i="1" dirty="0"/>
+              <a:t>Avoid</a:t>
+            </a:r>
+            <a:r>
+              <a:rPr lang="en-US" dirty="0"/>
+              <a:t> delegating security measures to others (</a:t>
+            </a:r>
+            <a:r>
+              <a:rPr lang="en-US" i="1" dirty="0" err="1"/>
+              <a:t>DevSecOps</a:t>
+            </a:r>
+            <a:r>
+              <a:rPr lang="en-US" dirty="0"/>
+              <a:t>, infrastructure is code)</a:t>
+            </a:r>
+          </a:p>
+          <a:p>
+            <a:r>
+              <a:rPr lang="en-US" i="1" dirty="0"/>
+              <a:t>Don’t</a:t>
+            </a:r>
+            <a:r>
+              <a:rPr lang="en-US" dirty="0"/>
+              <a:t> miss the big picture</a:t>
+            </a:r>
+          </a:p>
+          <a:p>
+            <a:pPr lvl="1"/>
+            <a:r>
+              <a:rPr lang="en-US" i="1" dirty="0"/>
+              <a:t>Avoid</a:t>
+            </a:r>
+            <a:r>
+              <a:rPr lang="en-US" dirty="0"/>
+              <a:t> restrictive policies that lead to an overall lower level of security</a:t>
+            </a:r>
+          </a:p>
+          <a:p>
+            <a:pPr lvl="1"/>
+            <a:r>
+              <a:rPr lang="en-US" dirty="0"/>
+              <a:t>E.g. security policies that force developers to run VS as administrators</a:t>
+            </a:r>
+          </a:p>
+          <a:p>
+            <a:pPr lvl="1"/>
+            <a:r>
+              <a:rPr lang="en-US" dirty="0"/>
+              <a:t>E.g. proxies that lead to plain-text passwords in text files</a:t>
+            </a:r>
+          </a:p>
+          <a:p>
+            <a:r>
+              <a:rPr lang="en-US" i="1" dirty="0"/>
+              <a:t>Do</a:t>
+            </a:r>
+            <a:r>
+              <a:rPr lang="en-US" dirty="0"/>
+              <a:t> handle PII with special care</a:t>
+            </a:r>
+          </a:p>
+          <a:p>
+            <a:pPr lvl="1"/>
+            <a:r>
+              <a:rPr lang="en-US" i="1" dirty="0"/>
+              <a:t>Consider</a:t>
+            </a:r>
+            <a:r>
+              <a:rPr lang="en-US" dirty="0"/>
+              <a:t> encryption whenever you store PII</a:t>
+            </a:r>
           </a:p>
         </p:txBody>
       </p:sp>
@@ -13524,23 +16326,1565 @@
           <a:bodyPr/>
           <a:lstStyle/>
           <a:p>
-            <a:endParaRPr lang="de-AT"/>
+            <a:endParaRPr lang="en-US"/>
           </a:p>
         </p:txBody>
       </p:sp>
     </p:spTree>
     <p:extLst>
       <p:ext uri="{BB962C8B-B14F-4D97-AF65-F5344CB8AC3E}">
-        <p14:creationId xmlns:p14="http://schemas.microsoft.com/office/powerpoint/2010/main" val="2052058656"/>
+        <p14:creationId xmlns:p14="http://schemas.microsoft.com/office/powerpoint/2010/main" val="4110098816"/>
       </p:ext>
     </p:extLst>
   </p:cSld>
   <p:clrMapOvr>
     <a:masterClrMapping/>
   </p:clrMapOvr>
-  <p:transition spd="slow">
-    <p:push/>
-  </p:transition>
+  <mc:AlternateContent xmlns:mc="http://schemas.openxmlformats.org/markup-compatibility/2006">
+    <mc:Choice xmlns:p14="http://schemas.microsoft.com/office/powerpoint/2010/main" Requires="p14">
+      <p:transition spd="med" p14:dur="700">
+        <p:fade/>
+      </p:transition>
+    </mc:Choice>
+    <mc:Fallback>
+      <p:transition spd="med">
+        <p:fade/>
+      </p:transition>
+    </mc:Fallback>
+  </mc:AlternateContent>
+</p:sld>
+</file>
+
+<file path=ppt/slides/slide30.xml><?xml version="1.0" encoding="utf-8"?>
+<p:sld xmlns:a="http://schemas.openxmlformats.org/drawingml/2006/main" xmlns:r="http://schemas.openxmlformats.org/officeDocument/2006/relationships" xmlns:p="http://schemas.openxmlformats.org/presentationml/2006/main">
+  <p:cSld>
+    <p:spTree>
+      <p:nvGrpSpPr>
+        <p:cNvPr id="1" name=""/>
+        <p:cNvGrpSpPr/>
+        <p:nvPr/>
+      </p:nvGrpSpPr>
+      <p:grpSpPr>
+        <a:xfrm>
+          <a:off x="0" y="0"/>
+          <a:ext cx="0" cy="0"/>
+          <a:chOff x="0" y="0"/>
+          <a:chExt cx="0" cy="0"/>
+        </a:xfrm>
+      </p:grpSpPr>
+      <p:sp>
+        <p:nvSpPr>
+          <p:cNvPr id="5" name="Title 4">
+            <a:extLst>
+              <a:ext uri="{FF2B5EF4-FFF2-40B4-BE49-F238E27FC236}">
+                <a16:creationId xmlns:a16="http://schemas.microsoft.com/office/drawing/2014/main" id="{E6CB8BBB-36C6-4D3D-A80F-A442C41A249A}"/>
+              </a:ext>
+            </a:extLst>
+          </p:cNvPr>
+          <p:cNvSpPr>
+            <a:spLocks noGrp="1"/>
+          </p:cNvSpPr>
+          <p:nvPr>
+            <p:ph type="title"/>
+          </p:nvPr>
+        </p:nvSpPr>
+        <p:spPr/>
+        <p:txBody>
+          <a:bodyPr/>
+          <a:lstStyle/>
+          <a:p>
+            <a:r>
+              <a:rPr lang="de-AT" sz="4800" dirty="0"/>
+              <a:t>Database Security</a:t>
+            </a:r>
+          </a:p>
+        </p:txBody>
+      </p:sp>
+      <p:sp>
+        <p:nvSpPr>
+          <p:cNvPr id="6" name="Text Placeholder 5">
+            <a:extLst>
+              <a:ext uri="{FF2B5EF4-FFF2-40B4-BE49-F238E27FC236}">
+                <a16:creationId xmlns:a16="http://schemas.microsoft.com/office/drawing/2014/main" id="{C16EAF77-8FDB-40B2-8D34-7D443ACF1E07}"/>
+              </a:ext>
+            </a:extLst>
+          </p:cNvPr>
+          <p:cNvSpPr>
+            <a:spLocks noGrp="1"/>
+          </p:cNvSpPr>
+          <p:nvPr>
+            <p:ph type="body" sz="quarter" idx="25"/>
+          </p:nvPr>
+        </p:nvSpPr>
+        <p:spPr/>
+        <p:txBody>
+          <a:bodyPr/>
+          <a:lstStyle/>
+          <a:p>
+            <a:r>
+              <a:rPr lang="de-AT" dirty="0" err="1">
+                <a:solidFill>
+                  <a:srgbClr val="FF0000"/>
+                </a:solidFill>
+              </a:rPr>
+              <a:t>Beware</a:t>
+            </a:r>
+            <a:r>
+              <a:rPr lang="de-AT" dirty="0">
+                <a:solidFill>
+                  <a:srgbClr val="FF0000"/>
+                </a:solidFill>
+              </a:rPr>
+              <a:t> </a:t>
+            </a:r>
+            <a:r>
+              <a:rPr lang="de-AT" dirty="0" err="1">
+                <a:solidFill>
+                  <a:srgbClr val="FF0000"/>
+                </a:solidFill>
+              </a:rPr>
+              <a:t>of</a:t>
+            </a:r>
+            <a:r>
+              <a:rPr lang="de-AT" dirty="0">
+                <a:solidFill>
+                  <a:srgbClr val="FF0000"/>
+                </a:solidFill>
+              </a:rPr>
+              <a:t> SQL </a:t>
+            </a:r>
+            <a:r>
+              <a:rPr lang="de-AT" dirty="0" err="1">
+                <a:solidFill>
+                  <a:srgbClr val="FF0000"/>
+                </a:solidFill>
+              </a:rPr>
+              <a:t>Injections</a:t>
+            </a:r>
+            <a:endParaRPr lang="de-AT" dirty="0">
+              <a:solidFill>
+                <a:srgbClr val="FF0000"/>
+              </a:solidFill>
+            </a:endParaRPr>
+          </a:p>
+        </p:txBody>
+      </p:sp>
+    </p:spTree>
+    <p:extLst>
+      <p:ext uri="{BB962C8B-B14F-4D97-AF65-F5344CB8AC3E}">
+        <p14:creationId xmlns:p14="http://schemas.microsoft.com/office/powerpoint/2010/main" val="2417253432"/>
+      </p:ext>
+    </p:extLst>
+  </p:cSld>
+  <p:clrMapOvr>
+    <a:masterClrMapping/>
+  </p:clrMapOvr>
+  <mc:AlternateContent xmlns:mc="http://schemas.openxmlformats.org/markup-compatibility/2006">
+    <mc:Choice xmlns:p14="http://schemas.microsoft.com/office/powerpoint/2010/main" Requires="p14">
+      <p:transition spd="med" p14:dur="700">
+        <p:fade/>
+      </p:transition>
+    </mc:Choice>
+    <mc:Fallback>
+      <p:transition spd="med">
+        <p:fade/>
+      </p:transition>
+    </mc:Fallback>
+  </mc:AlternateContent>
+</p:sld>
+</file>
+
+<file path=ppt/slides/slide31.xml><?xml version="1.0" encoding="utf-8"?>
+<p:sld xmlns:a="http://schemas.openxmlformats.org/drawingml/2006/main" xmlns:r="http://schemas.openxmlformats.org/officeDocument/2006/relationships" xmlns:p="http://schemas.openxmlformats.org/presentationml/2006/main">
+  <p:cSld>
+    <p:spTree>
+      <p:nvGrpSpPr>
+        <p:cNvPr id="1" name=""/>
+        <p:cNvGrpSpPr/>
+        <p:nvPr/>
+      </p:nvGrpSpPr>
+      <p:grpSpPr>
+        <a:xfrm>
+          <a:off x="0" y="0"/>
+          <a:ext cx="0" cy="0"/>
+          <a:chOff x="0" y="0"/>
+          <a:chExt cx="0" cy="0"/>
+        </a:xfrm>
+      </p:grpSpPr>
+      <p:sp>
+        <p:nvSpPr>
+          <p:cNvPr id="4" name="Title 3">
+            <a:extLst>
+              <a:ext uri="{FF2B5EF4-FFF2-40B4-BE49-F238E27FC236}">
+                <a16:creationId xmlns:a16="http://schemas.microsoft.com/office/drawing/2014/main" id="{EF56800B-51DD-48AC-A016-2AA4D9D06BDC}"/>
+              </a:ext>
+            </a:extLst>
+          </p:cNvPr>
+          <p:cNvSpPr>
+            <a:spLocks noGrp="1"/>
+          </p:cNvSpPr>
+          <p:nvPr>
+            <p:ph type="title"/>
+          </p:nvPr>
+        </p:nvSpPr>
+        <p:spPr/>
+        <p:txBody>
+          <a:bodyPr/>
+          <a:lstStyle/>
+          <a:p>
+            <a:r>
+              <a:rPr lang="en-US"/>
+              <a:t>Guidelines</a:t>
+            </a:r>
+          </a:p>
+        </p:txBody>
+      </p:sp>
+      <p:sp>
+        <p:nvSpPr>
+          <p:cNvPr id="5" name="Content Placeholder 4">
+            <a:extLst>
+              <a:ext uri="{FF2B5EF4-FFF2-40B4-BE49-F238E27FC236}">
+                <a16:creationId xmlns:a16="http://schemas.microsoft.com/office/drawing/2014/main" id="{8CB97ECF-548D-4CD9-868A-B4ADD0990CE0}"/>
+              </a:ext>
+            </a:extLst>
+          </p:cNvPr>
+          <p:cNvSpPr>
+            <a:spLocks noGrp="1"/>
+          </p:cNvSpPr>
+          <p:nvPr>
+            <p:ph sz="quarter" idx="12"/>
+          </p:nvPr>
+        </p:nvSpPr>
+        <p:spPr/>
+        <p:txBody>
+          <a:bodyPr/>
+          <a:lstStyle/>
+          <a:p>
+            <a:r>
+              <a:rPr lang="en-US" i="1" dirty="0"/>
+              <a:t>Do</a:t>
+            </a:r>
+            <a:r>
+              <a:rPr lang="en-US" dirty="0"/>
+              <a:t> use parameterized SQL commands</a:t>
+            </a:r>
+          </a:p>
+          <a:p>
+            <a:pPr lvl="1"/>
+            <a:r>
+              <a:rPr lang="en-US" dirty="0"/>
+              <a:t>Sample: </a:t>
+            </a:r>
+            <a:r>
+              <a:rPr lang="en-US" i="1" dirty="0"/>
+              <a:t>09.2-KeyVaultManagedIdentity</a:t>
+            </a:r>
+          </a:p>
+          <a:p>
+            <a:r>
+              <a:rPr lang="en-US" i="1" dirty="0"/>
+              <a:t>Avoid</a:t>
+            </a:r>
+            <a:r>
+              <a:rPr lang="en-US" dirty="0"/>
+              <a:t> concatenating SQL strings with user inputs</a:t>
+            </a:r>
+          </a:p>
+          <a:p>
+            <a:r>
+              <a:rPr lang="en-US" i="1" dirty="0"/>
+              <a:t>Do</a:t>
+            </a:r>
+            <a:r>
+              <a:rPr lang="en-US" dirty="0"/>
+              <a:t> check user input</a:t>
+            </a:r>
+          </a:p>
+          <a:p>
+            <a:pPr lvl="1"/>
+            <a:r>
+              <a:rPr lang="en-US" dirty="0"/>
+              <a:t>E.g. regular expressions</a:t>
+            </a:r>
+          </a:p>
+          <a:p>
+            <a:r>
+              <a:rPr lang="en-US" i="1" dirty="0"/>
+              <a:t>Do</a:t>
+            </a:r>
+            <a:r>
+              <a:rPr lang="en-US" dirty="0"/>
+              <a:t> apply the </a:t>
+            </a:r>
+            <a:r>
+              <a:rPr lang="en-US" i="1" dirty="0">
+                <a:hlinkClick r:id="rId2"/>
+              </a:rPr>
+              <a:t>principle of least privilege</a:t>
+            </a:r>
+            <a:r>
+              <a:rPr lang="en-US" dirty="0"/>
+              <a:t> (</a:t>
+            </a:r>
+            <a:r>
+              <a:rPr lang="en-US" i="1" dirty="0" err="1"/>
+              <a:t>PoLP</a:t>
+            </a:r>
+            <a:r>
+              <a:rPr lang="en-US" dirty="0"/>
+              <a:t>)</a:t>
+            </a:r>
+          </a:p>
+          <a:p>
+            <a:r>
+              <a:rPr lang="en-US" i="1" dirty="0"/>
+              <a:t>Consider </a:t>
+            </a:r>
+            <a:r>
+              <a:rPr lang="en-US" dirty="0"/>
+              <a:t>using an OR-Mapper like </a:t>
+            </a:r>
+            <a:r>
+              <a:rPr lang="en-US" i="1" dirty="0"/>
+              <a:t>Entity Framework</a:t>
+            </a:r>
+          </a:p>
+          <a:p>
+            <a:pPr lvl="1"/>
+            <a:r>
+              <a:rPr lang="en-US" dirty="0"/>
+              <a:t>Sample: </a:t>
+            </a:r>
+            <a:r>
+              <a:rPr lang="en-US" i="1" dirty="0"/>
+              <a:t>14-EntityFramework</a:t>
+            </a:r>
+          </a:p>
+        </p:txBody>
+      </p:sp>
+      <p:sp>
+        <p:nvSpPr>
+          <p:cNvPr id="6" name="Text Placeholder 5">
+            <a:extLst>
+              <a:ext uri="{FF2B5EF4-FFF2-40B4-BE49-F238E27FC236}">
+                <a16:creationId xmlns:a16="http://schemas.microsoft.com/office/drawing/2014/main" id="{BDBA1D12-E1DF-4135-8585-A9C2F902D608}"/>
+              </a:ext>
+            </a:extLst>
+          </p:cNvPr>
+          <p:cNvSpPr>
+            <a:spLocks noGrp="1"/>
+          </p:cNvSpPr>
+          <p:nvPr>
+            <p:ph type="body" sz="quarter" idx="23"/>
+          </p:nvPr>
+        </p:nvSpPr>
+        <p:spPr/>
+        <p:txBody>
+          <a:bodyPr/>
+          <a:lstStyle/>
+          <a:p>
+            <a:endParaRPr lang="en-US"/>
+          </a:p>
+        </p:txBody>
+      </p:sp>
+    </p:spTree>
+    <p:extLst>
+      <p:ext uri="{BB962C8B-B14F-4D97-AF65-F5344CB8AC3E}">
+        <p14:creationId xmlns:p14="http://schemas.microsoft.com/office/powerpoint/2010/main" val="2668544537"/>
+      </p:ext>
+    </p:extLst>
+  </p:cSld>
+  <p:clrMapOvr>
+    <a:masterClrMapping/>
+  </p:clrMapOvr>
+  <mc:AlternateContent xmlns:mc="http://schemas.openxmlformats.org/markup-compatibility/2006">
+    <mc:Choice xmlns:p14="http://schemas.microsoft.com/office/powerpoint/2010/main" Requires="p14">
+      <p:transition spd="med" p14:dur="700">
+        <p:fade/>
+      </p:transition>
+    </mc:Choice>
+    <mc:Fallback>
+      <p:transition spd="med">
+        <p:fade/>
+      </p:transition>
+    </mc:Fallback>
+  </mc:AlternateContent>
+</p:sld>
+</file>
+
+<file path=ppt/slides/slide32.xml><?xml version="1.0" encoding="utf-8"?>
+<p:sld xmlns:a="http://schemas.openxmlformats.org/drawingml/2006/main" xmlns:r="http://schemas.openxmlformats.org/officeDocument/2006/relationships" xmlns:p="http://schemas.openxmlformats.org/presentationml/2006/main">
+  <p:cSld>
+    <p:spTree>
+      <p:nvGrpSpPr>
+        <p:cNvPr id="1" name=""/>
+        <p:cNvGrpSpPr/>
+        <p:nvPr/>
+      </p:nvGrpSpPr>
+      <p:grpSpPr>
+        <a:xfrm>
+          <a:off x="0" y="0"/>
+          <a:ext cx="0" cy="0"/>
+          <a:chOff x="0" y="0"/>
+          <a:chExt cx="0" cy="0"/>
+        </a:xfrm>
+      </p:grpSpPr>
+      <p:sp>
+        <p:nvSpPr>
+          <p:cNvPr id="2" name="Title 1">
+            <a:extLst>
+              <a:ext uri="{FF2B5EF4-FFF2-40B4-BE49-F238E27FC236}">
+                <a16:creationId xmlns:a16="http://schemas.microsoft.com/office/drawing/2014/main" id="{16D341AC-0941-46BE-9AA6-3E3DEDD88F8D}"/>
+              </a:ext>
+            </a:extLst>
+          </p:cNvPr>
+          <p:cNvSpPr>
+            <a:spLocks noGrp="1"/>
+          </p:cNvSpPr>
+          <p:nvPr>
+            <p:ph type="title"/>
+          </p:nvPr>
+        </p:nvSpPr>
+        <p:spPr/>
+        <p:txBody>
+          <a:bodyPr/>
+          <a:lstStyle/>
+          <a:p>
+            <a:r>
+              <a:rPr lang="en-US"/>
+              <a:t>Database Encryption</a:t>
+            </a:r>
+          </a:p>
+        </p:txBody>
+      </p:sp>
+      <p:sp>
+        <p:nvSpPr>
+          <p:cNvPr id="3" name="Content Placeholder 2">
+            <a:extLst>
+              <a:ext uri="{FF2B5EF4-FFF2-40B4-BE49-F238E27FC236}">
+                <a16:creationId xmlns:a16="http://schemas.microsoft.com/office/drawing/2014/main" id="{60515366-00CC-4822-B3EE-6E10D1062B95}"/>
+              </a:ext>
+            </a:extLst>
+          </p:cNvPr>
+          <p:cNvSpPr>
+            <a:spLocks noGrp="1"/>
+          </p:cNvSpPr>
+          <p:nvPr>
+            <p:ph sz="quarter" idx="12"/>
+          </p:nvPr>
+        </p:nvSpPr>
+        <p:spPr/>
+        <p:txBody>
+          <a:bodyPr/>
+          <a:lstStyle/>
+          <a:p>
+            <a:r>
+              <a:rPr lang="en-US"/>
+              <a:t>Always Encrypted (</a:t>
+            </a:r>
+            <a:r>
+              <a:rPr lang="en-US">
+                <a:hlinkClick r:id="rId2"/>
+              </a:rPr>
+              <a:t>docs</a:t>
+            </a:r>
+            <a:r>
+              <a:rPr lang="en-US"/>
+              <a:t>)</a:t>
+            </a:r>
+          </a:p>
+          <a:p>
+            <a:pPr lvl="1"/>
+            <a:r>
+              <a:rPr lang="en-US"/>
+              <a:t>Client encrypts sensitive data inside client applications</a:t>
+            </a:r>
+          </a:p>
+          <a:p>
+            <a:pPr lvl="1"/>
+            <a:r>
+              <a:rPr lang="en-US"/>
+              <a:t>Never reveals the encryption keys to the DB</a:t>
+            </a:r>
+          </a:p>
+          <a:p>
+            <a:r>
+              <a:rPr lang="en-US"/>
+              <a:t>Transparent Data Encryption (</a:t>
+            </a:r>
+            <a:r>
+              <a:rPr lang="en-US">
+                <a:hlinkClick r:id="rId3"/>
+              </a:rPr>
+              <a:t>docs</a:t>
+            </a:r>
+            <a:r>
+              <a:rPr lang="en-US"/>
+              <a:t>)</a:t>
+            </a:r>
+          </a:p>
+          <a:p>
+            <a:pPr lvl="1"/>
+            <a:r>
+              <a:rPr lang="en-US"/>
+              <a:t>Real-time I/O encryption and decryption of the data and log files</a:t>
+            </a:r>
+          </a:p>
+          <a:p>
+            <a:pPr lvl="1"/>
+            <a:r>
+              <a:rPr lang="en-US"/>
+              <a:t>Make stolen physical storage media useless</a:t>
+            </a:r>
+          </a:p>
+          <a:p>
+            <a:r>
+              <a:rPr lang="en-US"/>
+              <a:t>Encrypted DB Connections (</a:t>
+            </a:r>
+            <a:r>
+              <a:rPr lang="en-US">
+                <a:hlinkClick r:id="rId4"/>
+              </a:rPr>
+              <a:t>docs</a:t>
+            </a:r>
+            <a:r>
+              <a:rPr lang="en-US"/>
+              <a:t>)</a:t>
+            </a:r>
+          </a:p>
+          <a:p>
+            <a:pPr lvl="1"/>
+            <a:r>
+              <a:rPr lang="en-US"/>
+              <a:t>Use certificate to encrypt DB connections</a:t>
+            </a:r>
+          </a:p>
+          <a:p>
+            <a:pPr lvl="1"/>
+            <a:r>
+              <a:rPr lang="en-US"/>
+              <a:t>Automatically done in </a:t>
+            </a:r>
+            <a:r>
+              <a:rPr lang="en-US" i="1"/>
+              <a:t>Azure SQL Database</a:t>
+            </a:r>
+          </a:p>
+        </p:txBody>
+      </p:sp>
+      <p:sp>
+        <p:nvSpPr>
+          <p:cNvPr id="4" name="Text Placeholder 3">
+            <a:extLst>
+              <a:ext uri="{FF2B5EF4-FFF2-40B4-BE49-F238E27FC236}">
+                <a16:creationId xmlns:a16="http://schemas.microsoft.com/office/drawing/2014/main" id="{7E99AB00-234F-4B13-9FA0-B922B3AE5706}"/>
+              </a:ext>
+            </a:extLst>
+          </p:cNvPr>
+          <p:cNvSpPr>
+            <a:spLocks noGrp="1"/>
+          </p:cNvSpPr>
+          <p:nvPr>
+            <p:ph type="body" sz="quarter" idx="23"/>
+          </p:nvPr>
+        </p:nvSpPr>
+        <p:spPr/>
+        <p:txBody>
+          <a:bodyPr/>
+          <a:lstStyle/>
+          <a:p>
+            <a:endParaRPr lang="en-US"/>
+          </a:p>
+        </p:txBody>
+      </p:sp>
+    </p:spTree>
+    <p:extLst>
+      <p:ext uri="{BB962C8B-B14F-4D97-AF65-F5344CB8AC3E}">
+        <p14:creationId xmlns:p14="http://schemas.microsoft.com/office/powerpoint/2010/main" val="3088701966"/>
+      </p:ext>
+    </p:extLst>
+  </p:cSld>
+  <p:clrMapOvr>
+    <a:masterClrMapping/>
+  </p:clrMapOvr>
+  <mc:AlternateContent xmlns:mc="http://schemas.openxmlformats.org/markup-compatibility/2006">
+    <mc:Choice xmlns:p14="http://schemas.microsoft.com/office/powerpoint/2010/main" Requires="p14">
+      <p:transition spd="med" p14:dur="700">
+        <p:fade/>
+      </p:transition>
+    </mc:Choice>
+    <mc:Fallback>
+      <p:transition spd="med">
+        <p:fade/>
+      </p:transition>
+    </mc:Fallback>
+  </mc:AlternateContent>
+</p:sld>
+</file>
+
+<file path=ppt/slides/slide33.xml><?xml version="1.0" encoding="utf-8"?>
+<p:sld xmlns:a="http://schemas.openxmlformats.org/drawingml/2006/main" xmlns:r="http://schemas.openxmlformats.org/officeDocument/2006/relationships" xmlns:p="http://schemas.openxmlformats.org/presentationml/2006/main">
+  <p:cSld>
+    <p:spTree>
+      <p:nvGrpSpPr>
+        <p:cNvPr id="1" name=""/>
+        <p:cNvGrpSpPr/>
+        <p:nvPr/>
+      </p:nvGrpSpPr>
+      <p:grpSpPr>
+        <a:xfrm>
+          <a:off x="0" y="0"/>
+          <a:ext cx="0" cy="0"/>
+          <a:chOff x="0" y="0"/>
+          <a:chExt cx="0" cy="0"/>
+        </a:xfrm>
+      </p:grpSpPr>
+      <p:sp>
+        <p:nvSpPr>
+          <p:cNvPr id="2" name="Title 1">
+            <a:extLst>
+              <a:ext uri="{FF2B5EF4-FFF2-40B4-BE49-F238E27FC236}">
+                <a16:creationId xmlns:a16="http://schemas.microsoft.com/office/drawing/2014/main" id="{16D341AC-0941-46BE-9AA6-3E3DEDD88F8D}"/>
+              </a:ext>
+            </a:extLst>
+          </p:cNvPr>
+          <p:cNvSpPr>
+            <a:spLocks noGrp="1"/>
+          </p:cNvSpPr>
+          <p:nvPr>
+            <p:ph type="title"/>
+          </p:nvPr>
+        </p:nvSpPr>
+        <p:spPr/>
+        <p:txBody>
+          <a:bodyPr/>
+          <a:lstStyle/>
+          <a:p>
+            <a:r>
+              <a:rPr lang="en-US"/>
+              <a:t>Data Protection</a:t>
+            </a:r>
+          </a:p>
+        </p:txBody>
+      </p:sp>
+      <p:sp>
+        <p:nvSpPr>
+          <p:cNvPr id="3" name="Content Placeholder 2">
+            <a:extLst>
+              <a:ext uri="{FF2B5EF4-FFF2-40B4-BE49-F238E27FC236}">
+                <a16:creationId xmlns:a16="http://schemas.microsoft.com/office/drawing/2014/main" id="{60515366-00CC-4822-B3EE-6E10D1062B95}"/>
+              </a:ext>
+            </a:extLst>
+          </p:cNvPr>
+          <p:cNvSpPr>
+            <a:spLocks noGrp="1"/>
+          </p:cNvSpPr>
+          <p:nvPr>
+            <p:ph sz="quarter" idx="12"/>
+          </p:nvPr>
+        </p:nvSpPr>
+        <p:spPr/>
+        <p:txBody>
+          <a:bodyPr/>
+          <a:lstStyle/>
+          <a:p>
+            <a:r>
+              <a:rPr lang="en-US"/>
+              <a:t>Dynamic Data Masking (</a:t>
+            </a:r>
+            <a:r>
+              <a:rPr lang="en-US">
+                <a:hlinkClick r:id="rId2"/>
+              </a:rPr>
+              <a:t>docs</a:t>
+            </a:r>
+            <a:r>
+              <a:rPr lang="en-US"/>
+              <a:t>)</a:t>
+            </a:r>
+          </a:p>
+          <a:p>
+            <a:pPr lvl="1"/>
+            <a:r>
+              <a:rPr lang="en-US"/>
+              <a:t>Limits sensitive data exposure by masking it to non-privileged users</a:t>
+            </a:r>
+          </a:p>
+        </p:txBody>
+      </p:sp>
+      <p:sp>
+        <p:nvSpPr>
+          <p:cNvPr id="4" name="Text Placeholder 3">
+            <a:extLst>
+              <a:ext uri="{FF2B5EF4-FFF2-40B4-BE49-F238E27FC236}">
+                <a16:creationId xmlns:a16="http://schemas.microsoft.com/office/drawing/2014/main" id="{7E99AB00-234F-4B13-9FA0-B922B3AE5706}"/>
+              </a:ext>
+            </a:extLst>
+          </p:cNvPr>
+          <p:cNvSpPr>
+            <a:spLocks noGrp="1"/>
+          </p:cNvSpPr>
+          <p:nvPr>
+            <p:ph type="body" sz="quarter" idx="23"/>
+          </p:nvPr>
+        </p:nvSpPr>
+        <p:spPr/>
+        <p:txBody>
+          <a:bodyPr/>
+          <a:lstStyle/>
+          <a:p>
+            <a:endParaRPr lang="en-US"/>
+          </a:p>
+        </p:txBody>
+      </p:sp>
+    </p:spTree>
+    <p:extLst>
+      <p:ext uri="{BB962C8B-B14F-4D97-AF65-F5344CB8AC3E}">
+        <p14:creationId xmlns:p14="http://schemas.microsoft.com/office/powerpoint/2010/main" val="4259697926"/>
+      </p:ext>
+    </p:extLst>
+  </p:cSld>
+  <p:clrMapOvr>
+    <a:masterClrMapping/>
+  </p:clrMapOvr>
+  <mc:AlternateContent xmlns:mc="http://schemas.openxmlformats.org/markup-compatibility/2006">
+    <mc:Choice xmlns:p14="http://schemas.microsoft.com/office/powerpoint/2010/main" Requires="p14">
+      <p:transition spd="med" p14:dur="700">
+        <p:fade/>
+      </p:transition>
+    </mc:Choice>
+    <mc:Fallback>
+      <p:transition spd="med">
+        <p:fade/>
+      </p:transition>
+    </mc:Fallback>
+  </mc:AlternateContent>
+</p:sld>
+</file>
+
+<file path=ppt/slides/slide34.xml><?xml version="1.0" encoding="utf-8"?>
+<p:sld xmlns:a="http://schemas.openxmlformats.org/drawingml/2006/main" xmlns:r="http://schemas.openxmlformats.org/officeDocument/2006/relationships" xmlns:p="http://schemas.openxmlformats.org/presentationml/2006/main">
+  <p:cSld>
+    <p:spTree>
+      <p:nvGrpSpPr>
+        <p:cNvPr id="1" name=""/>
+        <p:cNvGrpSpPr/>
+        <p:nvPr/>
+      </p:nvGrpSpPr>
+      <p:grpSpPr>
+        <a:xfrm>
+          <a:off x="0" y="0"/>
+          <a:ext cx="0" cy="0"/>
+          <a:chOff x="0" y="0"/>
+          <a:chExt cx="0" cy="0"/>
+        </a:xfrm>
+      </p:grpSpPr>
+      <p:sp>
+        <p:nvSpPr>
+          <p:cNvPr id="5" name="Title 4">
+            <a:extLst>
+              <a:ext uri="{FF2B5EF4-FFF2-40B4-BE49-F238E27FC236}">
+                <a16:creationId xmlns:a16="http://schemas.microsoft.com/office/drawing/2014/main" id="{A46A5341-2F4F-4102-A453-96D7D4E0CB23}"/>
+              </a:ext>
+            </a:extLst>
+          </p:cNvPr>
+          <p:cNvSpPr>
+            <a:spLocks noGrp="1"/>
+          </p:cNvSpPr>
+          <p:nvPr>
+            <p:ph type="title"/>
+          </p:nvPr>
+        </p:nvSpPr>
+        <p:spPr/>
+        <p:txBody>
+          <a:bodyPr/>
+          <a:lstStyle/>
+          <a:p>
+            <a:r>
+              <a:rPr lang="de-AT" dirty="0"/>
+              <a:t>Roslyn Code Analyzer</a:t>
+            </a:r>
+          </a:p>
+        </p:txBody>
+      </p:sp>
+      <p:sp>
+        <p:nvSpPr>
+          <p:cNvPr id="6" name="Text Placeholder 5">
+            <a:extLst>
+              <a:ext uri="{FF2B5EF4-FFF2-40B4-BE49-F238E27FC236}">
+                <a16:creationId xmlns:a16="http://schemas.microsoft.com/office/drawing/2014/main" id="{E4A7D14D-CE81-4A68-9E06-09B8060DDD62}"/>
+              </a:ext>
+            </a:extLst>
+          </p:cNvPr>
+          <p:cNvSpPr>
+            <a:spLocks noGrp="1"/>
+          </p:cNvSpPr>
+          <p:nvPr>
+            <p:ph type="body" sz="quarter" idx="25"/>
+          </p:nvPr>
+        </p:nvSpPr>
+        <p:spPr/>
+        <p:txBody>
+          <a:bodyPr/>
+          <a:lstStyle/>
+          <a:p>
+            <a:endParaRPr lang="de-AT"/>
+          </a:p>
+        </p:txBody>
+      </p:sp>
+    </p:spTree>
+    <p:extLst>
+      <p:ext uri="{BB962C8B-B14F-4D97-AF65-F5344CB8AC3E}">
+        <p14:creationId xmlns:p14="http://schemas.microsoft.com/office/powerpoint/2010/main" val="2396592579"/>
+      </p:ext>
+    </p:extLst>
+  </p:cSld>
+  <p:clrMapOvr>
+    <a:masterClrMapping/>
+  </p:clrMapOvr>
+  <mc:AlternateContent xmlns:mc="http://schemas.openxmlformats.org/markup-compatibility/2006">
+    <mc:Choice xmlns:p14="http://schemas.microsoft.com/office/powerpoint/2010/main" Requires="p14">
+      <p:transition spd="med" p14:dur="700">
+        <p:fade/>
+      </p:transition>
+    </mc:Choice>
+    <mc:Fallback>
+      <p:transition spd="med">
+        <p:fade/>
+      </p:transition>
+    </mc:Fallback>
+  </mc:AlternateContent>
+</p:sld>
+</file>
+
+<file path=ppt/slides/slide35.xml><?xml version="1.0" encoding="utf-8"?>
+<p:sld xmlns:a="http://schemas.openxmlformats.org/drawingml/2006/main" xmlns:r="http://schemas.openxmlformats.org/officeDocument/2006/relationships" xmlns:p="http://schemas.openxmlformats.org/presentationml/2006/main">
+  <p:cSld>
+    <p:spTree>
+      <p:nvGrpSpPr>
+        <p:cNvPr id="1" name=""/>
+        <p:cNvGrpSpPr/>
+        <p:nvPr/>
+      </p:nvGrpSpPr>
+      <p:grpSpPr>
+        <a:xfrm>
+          <a:off x="0" y="0"/>
+          <a:ext cx="0" cy="0"/>
+          <a:chOff x="0" y="0"/>
+          <a:chExt cx="0" cy="0"/>
+        </a:xfrm>
+      </p:grpSpPr>
+      <p:sp>
+        <p:nvSpPr>
+          <p:cNvPr id="4" name="Title 3">
+            <a:extLst>
+              <a:ext uri="{FF2B5EF4-FFF2-40B4-BE49-F238E27FC236}">
+                <a16:creationId xmlns:a16="http://schemas.microsoft.com/office/drawing/2014/main" id="{6DB64B3B-AC0B-432E-A2CF-CA03B406A2C2}"/>
+              </a:ext>
+            </a:extLst>
+          </p:cNvPr>
+          <p:cNvSpPr>
+            <a:spLocks noGrp="1"/>
+          </p:cNvSpPr>
+          <p:nvPr>
+            <p:ph type="title"/>
+          </p:nvPr>
+        </p:nvSpPr>
+        <p:spPr/>
+        <p:txBody>
+          <a:bodyPr/>
+          <a:lstStyle/>
+          <a:p>
+            <a:r>
+              <a:rPr lang="en-US"/>
+              <a:t>Overview</a:t>
+            </a:r>
+          </a:p>
+        </p:txBody>
+      </p:sp>
+      <p:sp>
+        <p:nvSpPr>
+          <p:cNvPr id="5" name="Content Placeholder 4">
+            <a:extLst>
+              <a:ext uri="{FF2B5EF4-FFF2-40B4-BE49-F238E27FC236}">
+                <a16:creationId xmlns:a16="http://schemas.microsoft.com/office/drawing/2014/main" id="{5AC28F26-75E2-4F77-8515-3ED5976E9289}"/>
+              </a:ext>
+            </a:extLst>
+          </p:cNvPr>
+          <p:cNvSpPr>
+            <a:spLocks noGrp="1"/>
+          </p:cNvSpPr>
+          <p:nvPr>
+            <p:ph sz="quarter" idx="12"/>
+          </p:nvPr>
+        </p:nvSpPr>
+        <p:spPr/>
+        <p:txBody>
+          <a:bodyPr/>
+          <a:lstStyle/>
+          <a:p>
+            <a:r>
+              <a:rPr lang="en-US" dirty="0"/>
+              <a:t>Analyzes code for style, quality and maintainability, design, and other issues</a:t>
+            </a:r>
+          </a:p>
+          <a:p>
+            <a:r>
+              <a:rPr lang="en-US" dirty="0"/>
+              <a:t>Built-in analyzers in VS</a:t>
+            </a:r>
+          </a:p>
+          <a:p>
+            <a:pPr lvl="1"/>
+            <a:r>
+              <a:rPr lang="en-US" dirty="0"/>
+              <a:t>Configure in options and </a:t>
+            </a:r>
+            <a:r>
+              <a:rPr lang="en-US" i="1" dirty="0"/>
+              <a:t>.</a:t>
+            </a:r>
+            <a:r>
+              <a:rPr lang="en-US" i="1" dirty="0" err="1"/>
+              <a:t>editorconfig</a:t>
+            </a:r>
+            <a:endParaRPr lang="en-US" dirty="0"/>
+          </a:p>
+          <a:p>
+            <a:r>
+              <a:rPr lang="en-US" dirty="0"/>
+              <a:t>Install additional analyzers with NuGet</a:t>
+            </a:r>
+          </a:p>
+          <a:p>
+            <a:pPr lvl="1"/>
+            <a:r>
+              <a:rPr lang="en-US" dirty="0"/>
+              <a:t>E.g. </a:t>
+            </a:r>
+            <a:r>
+              <a:rPr lang="en-US" i="1" dirty="0" err="1"/>
+              <a:t>FxCopAnalyzers</a:t>
+            </a:r>
+            <a:r>
+              <a:rPr lang="en-US" dirty="0"/>
+              <a:t> (</a:t>
+            </a:r>
+            <a:r>
+              <a:rPr lang="en-US" dirty="0">
+                <a:hlinkClick r:id="rId2"/>
+              </a:rPr>
+              <a:t>docs</a:t>
+            </a:r>
+            <a:r>
+              <a:rPr lang="en-US" dirty="0"/>
+              <a:t>)</a:t>
+            </a:r>
+          </a:p>
+          <a:p>
+            <a:r>
+              <a:rPr lang="en-US" dirty="0"/>
+              <a:t>Sample: </a:t>
+            </a:r>
+            <a:r>
+              <a:rPr lang="en-US" i="1" dirty="0"/>
+              <a:t>15-StaticCodeAnalysis</a:t>
+            </a:r>
+          </a:p>
+          <a:p>
+            <a:pPr lvl="1"/>
+            <a:r>
+              <a:rPr lang="en-US" dirty="0"/>
+              <a:t>Detection of SQL Injection with code analysis</a:t>
+            </a:r>
+          </a:p>
+          <a:p>
+            <a:pPr lvl="1"/>
+            <a:r>
+              <a:rPr lang="en-US" dirty="0"/>
+              <a:t>Suppression management</a:t>
+            </a:r>
+          </a:p>
+        </p:txBody>
+      </p:sp>
+      <p:sp>
+        <p:nvSpPr>
+          <p:cNvPr id="6" name="Text Placeholder 5">
+            <a:extLst>
+              <a:ext uri="{FF2B5EF4-FFF2-40B4-BE49-F238E27FC236}">
+                <a16:creationId xmlns:a16="http://schemas.microsoft.com/office/drawing/2014/main" id="{D87EE51F-9B6C-44B5-9421-F390D31DB605}"/>
+              </a:ext>
+            </a:extLst>
+          </p:cNvPr>
+          <p:cNvSpPr>
+            <a:spLocks noGrp="1"/>
+          </p:cNvSpPr>
+          <p:nvPr>
+            <p:ph type="body" sz="quarter" idx="23"/>
+          </p:nvPr>
+        </p:nvSpPr>
+        <p:spPr/>
+        <p:txBody>
+          <a:bodyPr/>
+          <a:lstStyle/>
+          <a:p>
+            <a:r>
+              <a:rPr lang="en-US"/>
+              <a:t>See also </a:t>
+            </a:r>
+            <a:r>
+              <a:rPr lang="en-US">
+                <a:hlinkClick r:id="rId3"/>
+              </a:rPr>
+              <a:t>https://docs.microsoft.com/en-us/visualstudio/code-quality/roslyn-analyzers-overview?view=vs-2019</a:t>
+            </a:r>
+            <a:endParaRPr lang="en-US"/>
+          </a:p>
+        </p:txBody>
+      </p:sp>
+    </p:spTree>
+    <p:extLst>
+      <p:ext uri="{BB962C8B-B14F-4D97-AF65-F5344CB8AC3E}">
+        <p14:creationId xmlns:p14="http://schemas.microsoft.com/office/powerpoint/2010/main" val="1125906263"/>
+      </p:ext>
+    </p:extLst>
+  </p:cSld>
+  <p:clrMapOvr>
+    <a:masterClrMapping/>
+  </p:clrMapOvr>
+  <mc:AlternateContent xmlns:mc="http://schemas.openxmlformats.org/markup-compatibility/2006">
+    <mc:Choice xmlns:p14="http://schemas.microsoft.com/office/powerpoint/2010/main" Requires="p14">
+      <p:transition spd="med" p14:dur="700">
+        <p:fade/>
+      </p:transition>
+    </mc:Choice>
+    <mc:Fallback>
+      <p:transition spd="med">
+        <p:fade/>
+      </p:transition>
+    </mc:Fallback>
+  </mc:AlternateContent>
+</p:sld>
+</file>
+
+<file path=ppt/slides/slide36.xml><?xml version="1.0" encoding="utf-8"?>
+<p:sld xmlns:a="http://schemas.openxmlformats.org/drawingml/2006/main" xmlns:r="http://schemas.openxmlformats.org/officeDocument/2006/relationships" xmlns:p="http://schemas.openxmlformats.org/presentationml/2006/main">
+  <p:cSld>
+    <p:spTree>
+      <p:nvGrpSpPr>
+        <p:cNvPr id="1" name=""/>
+        <p:cNvGrpSpPr/>
+        <p:nvPr/>
+      </p:nvGrpSpPr>
+      <p:grpSpPr>
+        <a:xfrm>
+          <a:off x="0" y="0"/>
+          <a:ext cx="0" cy="0"/>
+          <a:chOff x="0" y="0"/>
+          <a:chExt cx="0" cy="0"/>
+        </a:xfrm>
+      </p:grpSpPr>
+      <p:sp>
+        <p:nvSpPr>
+          <p:cNvPr id="5" name="Title 4">
+            <a:extLst>
+              <a:ext uri="{FF2B5EF4-FFF2-40B4-BE49-F238E27FC236}">
+                <a16:creationId xmlns:a16="http://schemas.microsoft.com/office/drawing/2014/main" id="{5B0E2B9B-3CEE-45D9-93FD-B5E4487641C2}"/>
+              </a:ext>
+            </a:extLst>
+          </p:cNvPr>
+          <p:cNvSpPr>
+            <a:spLocks noGrp="1"/>
+          </p:cNvSpPr>
+          <p:nvPr>
+            <p:ph type="title"/>
+          </p:nvPr>
+        </p:nvSpPr>
+        <p:spPr/>
+        <p:txBody>
+          <a:bodyPr/>
+          <a:lstStyle/>
+          <a:p>
+            <a:r>
+              <a:rPr lang="de-AT" dirty="0"/>
+              <a:t>Further Readings</a:t>
+            </a:r>
+          </a:p>
+        </p:txBody>
+      </p:sp>
+      <p:sp>
+        <p:nvSpPr>
+          <p:cNvPr id="6" name="Text Placeholder 5">
+            <a:extLst>
+              <a:ext uri="{FF2B5EF4-FFF2-40B4-BE49-F238E27FC236}">
+                <a16:creationId xmlns:a16="http://schemas.microsoft.com/office/drawing/2014/main" id="{B42D75CD-039E-445E-B809-510DD083C142}"/>
+              </a:ext>
+            </a:extLst>
+          </p:cNvPr>
+          <p:cNvSpPr>
+            <a:spLocks noGrp="1"/>
+          </p:cNvSpPr>
+          <p:nvPr>
+            <p:ph type="body" sz="quarter" idx="25"/>
+          </p:nvPr>
+        </p:nvSpPr>
+        <p:spPr/>
+        <p:txBody>
+          <a:bodyPr/>
+          <a:lstStyle/>
+          <a:p>
+            <a:endParaRPr lang="de-AT"/>
+          </a:p>
+        </p:txBody>
+      </p:sp>
+    </p:spTree>
+    <p:extLst>
+      <p:ext uri="{BB962C8B-B14F-4D97-AF65-F5344CB8AC3E}">
+        <p14:creationId xmlns:p14="http://schemas.microsoft.com/office/powerpoint/2010/main" val="1596752289"/>
+      </p:ext>
+    </p:extLst>
+  </p:cSld>
+  <p:clrMapOvr>
+    <a:masterClrMapping/>
+  </p:clrMapOvr>
+  <mc:AlternateContent xmlns:mc="http://schemas.openxmlformats.org/markup-compatibility/2006">
+    <mc:Choice xmlns:p14="http://schemas.microsoft.com/office/powerpoint/2010/main" Requires="p14">
+      <p:transition spd="med" p14:dur="700">
+        <p:fade/>
+      </p:transition>
+    </mc:Choice>
+    <mc:Fallback>
+      <p:transition spd="med">
+        <p:fade/>
+      </p:transition>
+    </mc:Fallback>
+  </mc:AlternateContent>
+</p:sld>
+</file>
+
+<file path=ppt/slides/slide37.xml><?xml version="1.0" encoding="utf-8"?>
+<p:sld xmlns:a="http://schemas.openxmlformats.org/drawingml/2006/main" xmlns:r="http://schemas.openxmlformats.org/officeDocument/2006/relationships" xmlns:p="http://schemas.openxmlformats.org/presentationml/2006/main">
+  <p:cSld>
+    <p:spTree>
+      <p:nvGrpSpPr>
+        <p:cNvPr id="1" name=""/>
+        <p:cNvGrpSpPr/>
+        <p:nvPr/>
+      </p:nvGrpSpPr>
+      <p:grpSpPr>
+        <a:xfrm>
+          <a:off x="0" y="0"/>
+          <a:ext cx="0" cy="0"/>
+          <a:chOff x="0" y="0"/>
+          <a:chExt cx="0" cy="0"/>
+        </a:xfrm>
+      </p:grpSpPr>
+      <p:sp>
+        <p:nvSpPr>
+          <p:cNvPr id="4" name="Title 3">
+            <a:extLst>
+              <a:ext uri="{FF2B5EF4-FFF2-40B4-BE49-F238E27FC236}">
+                <a16:creationId xmlns:a16="http://schemas.microsoft.com/office/drawing/2014/main" id="{10B47517-2349-48AD-942A-4E9A9FDF1D1C}"/>
+              </a:ext>
+            </a:extLst>
+          </p:cNvPr>
+          <p:cNvSpPr>
+            <a:spLocks noGrp="1"/>
+          </p:cNvSpPr>
+          <p:nvPr>
+            <p:ph type="title"/>
+          </p:nvPr>
+        </p:nvSpPr>
+        <p:spPr/>
+        <p:txBody>
+          <a:bodyPr/>
+          <a:lstStyle/>
+          <a:p>
+            <a:r>
+              <a:rPr lang="de-AT" dirty="0"/>
+              <a:t>Further Readings</a:t>
+            </a:r>
+          </a:p>
+        </p:txBody>
+      </p:sp>
+      <p:sp>
+        <p:nvSpPr>
+          <p:cNvPr id="5" name="Content Placeholder 4">
+            <a:extLst>
+              <a:ext uri="{FF2B5EF4-FFF2-40B4-BE49-F238E27FC236}">
+                <a16:creationId xmlns:a16="http://schemas.microsoft.com/office/drawing/2014/main" id="{B629D99D-AA5E-4F68-BDBD-D56090F410FF}"/>
+              </a:ext>
+            </a:extLst>
+          </p:cNvPr>
+          <p:cNvSpPr>
+            <a:spLocks noGrp="1"/>
+          </p:cNvSpPr>
+          <p:nvPr>
+            <p:ph sz="quarter" idx="12"/>
+          </p:nvPr>
+        </p:nvSpPr>
+        <p:spPr/>
+        <p:txBody>
+          <a:bodyPr/>
+          <a:lstStyle/>
+          <a:p>
+            <a:r>
+              <a:rPr lang="en-US" dirty="0">
+                <a:hlinkClick r:id="rId2"/>
+              </a:rPr>
+              <a:t>.NET Secure Coding Guidelines</a:t>
+            </a:r>
+            <a:endParaRPr lang="en-US" dirty="0"/>
+          </a:p>
+          <a:p>
+            <a:r>
+              <a:rPr lang="en-US" dirty="0">
+                <a:hlinkClick r:id="rId3"/>
+              </a:rPr>
+              <a:t>.NET Security Announcements</a:t>
+            </a:r>
+            <a:endParaRPr lang="en-US" dirty="0"/>
+          </a:p>
+          <a:p>
+            <a:r>
+              <a:rPr lang="en-US" dirty="0">
+                <a:hlinkClick r:id="rId4"/>
+              </a:rPr>
+              <a:t>ASP.NET Security Announcements</a:t>
+            </a:r>
+            <a:endParaRPr lang="en-US" dirty="0"/>
+          </a:p>
+          <a:p>
+            <a:r>
+              <a:rPr lang="en-US" dirty="0">
+                <a:hlinkClick r:id="rId5"/>
+              </a:rPr>
+              <a:t>OWASP Security Cheat Sheet for .NET</a:t>
+            </a:r>
+            <a:endParaRPr lang="en-US" dirty="0"/>
+          </a:p>
+          <a:p>
+            <a:r>
+              <a:rPr lang="en-US" dirty="0">
+                <a:hlinkClick r:id="rId6"/>
+              </a:rPr>
+              <a:t>SQL Server Security Guidelines</a:t>
+            </a:r>
+            <a:endParaRPr lang="de-AT" dirty="0"/>
+          </a:p>
+        </p:txBody>
+      </p:sp>
+      <p:sp>
+        <p:nvSpPr>
+          <p:cNvPr id="6" name="Text Placeholder 5">
+            <a:extLst>
+              <a:ext uri="{FF2B5EF4-FFF2-40B4-BE49-F238E27FC236}">
+                <a16:creationId xmlns:a16="http://schemas.microsoft.com/office/drawing/2014/main" id="{A9B4F753-70EE-4C1D-ABE0-0E1E23898BD2}"/>
+              </a:ext>
+            </a:extLst>
+          </p:cNvPr>
+          <p:cNvSpPr>
+            <a:spLocks noGrp="1"/>
+          </p:cNvSpPr>
+          <p:nvPr>
+            <p:ph type="body" sz="quarter" idx="23"/>
+          </p:nvPr>
+        </p:nvSpPr>
+        <p:spPr/>
+        <p:txBody>
+          <a:bodyPr/>
+          <a:lstStyle/>
+          <a:p>
+            <a:endParaRPr lang="de-AT"/>
+          </a:p>
+        </p:txBody>
+      </p:sp>
+    </p:spTree>
+    <p:extLst>
+      <p:ext uri="{BB962C8B-B14F-4D97-AF65-F5344CB8AC3E}">
+        <p14:creationId xmlns:p14="http://schemas.microsoft.com/office/powerpoint/2010/main" val="2857937245"/>
+      </p:ext>
+    </p:extLst>
+  </p:cSld>
+  <p:clrMapOvr>
+    <a:masterClrMapping/>
+  </p:clrMapOvr>
+  <mc:AlternateContent xmlns:mc="http://schemas.openxmlformats.org/markup-compatibility/2006">
+    <mc:Choice xmlns:p14="http://schemas.microsoft.com/office/powerpoint/2010/main" Requires="p14">
+      <p:transition spd="med" p14:dur="700">
+        <p:fade/>
+      </p:transition>
+    </mc:Choice>
+    <mc:Fallback>
+      <p:transition spd="med">
+        <p:fade/>
+      </p:transition>
+    </mc:Fallback>
+  </mc:AlternateContent>
+</p:sld>
+</file>
+
+<file path=ppt/slides/slide38.xml><?xml version="1.0" encoding="utf-8"?>
+<p:sld xmlns:a="http://schemas.openxmlformats.org/drawingml/2006/main" xmlns:r="http://schemas.openxmlformats.org/officeDocument/2006/relationships" xmlns:p="http://schemas.openxmlformats.org/presentationml/2006/main">
+  <p:cSld>
+    <p:spTree>
+      <p:nvGrpSpPr>
+        <p:cNvPr id="1" name=""/>
+        <p:cNvGrpSpPr/>
+        <p:nvPr/>
+      </p:nvGrpSpPr>
+      <p:grpSpPr>
+        <a:xfrm>
+          <a:off x="0" y="0"/>
+          <a:ext cx="0" cy="0"/>
+          <a:chOff x="0" y="0"/>
+          <a:chExt cx="0" cy="0"/>
+        </a:xfrm>
+      </p:grpSpPr>
+      <p:sp>
+        <p:nvSpPr>
+          <p:cNvPr id="9" name="Text Placeholder 8"/>
+          <p:cNvSpPr>
+            <a:spLocks noGrp="1"/>
+          </p:cNvSpPr>
+          <p:nvPr>
+            <p:ph type="body" sz="quarter" idx="24"/>
+          </p:nvPr>
+        </p:nvSpPr>
+        <p:spPr>
+          <a:xfrm>
+            <a:off x="1141413" y="339725"/>
+            <a:ext cx="7751762" cy="685800"/>
+          </a:xfrm>
+        </p:spPr>
+        <p:txBody>
+          <a:bodyPr/>
+          <a:lstStyle/>
+          <a:p>
+            <a:r>
+              <a:rPr lang="en-US" dirty="0"/>
+              <a:t>Workshop</a:t>
+            </a:r>
+          </a:p>
+        </p:txBody>
+      </p:sp>
+      <p:pic>
+        <p:nvPicPr>
+          <p:cNvPr id="24" name="Content Placeholder 23"/>
+          <p:cNvPicPr>
+            <a:picLocks noGrp="1" noChangeAspect="1"/>
+          </p:cNvPicPr>
+          <p:nvPr>
+            <p:ph sz="quarter" idx="20"/>
+          </p:nvPr>
+        </p:nvPicPr>
+        <p:blipFill>
+          <a:blip r:embed="rId2" cstate="print">
+            <a:extLst>
+              <a:ext uri="{28A0092B-C50C-407E-A947-70E740481C1C}">
+                <a14:useLocalDpi xmlns:a14="http://schemas.microsoft.com/office/drawing/2010/main" val="0"/>
+              </a:ext>
+            </a:extLst>
+          </a:blip>
+          <a:stretch>
+            <a:fillRect/>
+          </a:stretch>
+        </p:blipFill>
+        <p:spPr/>
+      </p:pic>
+      <p:sp>
+        <p:nvSpPr>
+          <p:cNvPr id="2" name="Title 1"/>
+          <p:cNvSpPr>
+            <a:spLocks noGrp="1"/>
+          </p:cNvSpPr>
+          <p:nvPr>
+            <p:ph type="title"/>
+          </p:nvPr>
+        </p:nvSpPr>
+        <p:spPr/>
+        <p:txBody>
+          <a:bodyPr/>
+          <a:lstStyle/>
+          <a:p>
+            <a:r>
+              <a:rPr lang="en-US" dirty="0"/>
+              <a:t>Q&amp;A</a:t>
+            </a:r>
+          </a:p>
+        </p:txBody>
+      </p:sp>
+      <p:sp>
+        <p:nvSpPr>
+          <p:cNvPr id="3" name="Text Placeholder 2"/>
+          <p:cNvSpPr>
+            <a:spLocks noGrp="1"/>
+          </p:cNvSpPr>
+          <p:nvPr>
+            <p:ph type="body" sz="quarter" idx="12"/>
+          </p:nvPr>
+        </p:nvSpPr>
+        <p:spPr/>
+        <p:txBody>
+          <a:bodyPr/>
+          <a:lstStyle/>
+          <a:p>
+            <a:r>
+              <a:rPr lang="en-US"/>
+              <a:t>Rainer Stropek</a:t>
+            </a:r>
+          </a:p>
+        </p:txBody>
+      </p:sp>
+      <p:sp>
+        <p:nvSpPr>
+          <p:cNvPr id="4" name="Text Placeholder 3"/>
+          <p:cNvSpPr>
+            <a:spLocks noGrp="1"/>
+          </p:cNvSpPr>
+          <p:nvPr>
+            <p:ph type="body" sz="quarter" idx="13"/>
+          </p:nvPr>
+        </p:nvSpPr>
+        <p:spPr/>
+        <p:txBody>
+          <a:bodyPr/>
+          <a:lstStyle/>
+          <a:p>
+            <a:r>
+              <a:rPr lang="en-US"/>
+              <a:t>software architects gmbh</a:t>
+            </a:r>
+          </a:p>
+        </p:txBody>
+      </p:sp>
+      <p:sp>
+        <p:nvSpPr>
+          <p:cNvPr id="18" name="Text Placeholder 17"/>
+          <p:cNvSpPr>
+            <a:spLocks noGrp="1"/>
+          </p:cNvSpPr>
+          <p:nvPr>
+            <p:ph type="body" sz="quarter" idx="15"/>
+          </p:nvPr>
+        </p:nvSpPr>
+        <p:spPr/>
+        <p:txBody>
+          <a:bodyPr/>
+          <a:lstStyle/>
+          <a:p>
+            <a:r>
+              <a:rPr lang="en-US"/>
+              <a:t>rainer@timecockpit.com</a:t>
+            </a:r>
+            <a:br>
+              <a:rPr lang="en-US"/>
+            </a:br>
+            <a:r>
+              <a:rPr lang="en-US"/>
+              <a:t>http://www.timecockpit.com</a:t>
+            </a:r>
+            <a:br>
+              <a:rPr lang="en-US"/>
+            </a:br>
+            <a:r>
+              <a:rPr lang="en-US"/>
+              <a:t>@rstropek</a:t>
+            </a:r>
+          </a:p>
+        </p:txBody>
+      </p:sp>
+      <p:sp>
+        <p:nvSpPr>
+          <p:cNvPr id="10" name="Text Placeholder 9"/>
+          <p:cNvSpPr>
+            <a:spLocks noGrp="1"/>
+          </p:cNvSpPr>
+          <p:nvPr>
+            <p:ph type="body" sz="quarter" idx="25"/>
+          </p:nvPr>
+        </p:nvSpPr>
+        <p:spPr>
+          <a:xfrm>
+            <a:off x="1144588" y="3135313"/>
+            <a:ext cx="3789362" cy="366712"/>
+          </a:xfrm>
+        </p:spPr>
+        <p:txBody>
+          <a:bodyPr/>
+          <a:lstStyle/>
+          <a:p>
+            <a:r>
+              <a:rPr lang="en-US" dirty="0"/>
+              <a:t>Thank your for coming!</a:t>
+            </a:r>
+          </a:p>
+        </p:txBody>
+      </p:sp>
+      <p:sp>
+        <p:nvSpPr>
+          <p:cNvPr id="22" name="Content Placeholder 21"/>
+          <p:cNvSpPr>
+            <a:spLocks noGrp="1"/>
+          </p:cNvSpPr>
+          <p:nvPr>
+            <p:ph sz="quarter" idx="26"/>
+          </p:nvPr>
+        </p:nvSpPr>
+        <p:spPr>
+          <a:xfrm>
+            <a:off x="5218113" y="2338388"/>
+            <a:ext cx="793750" cy="796925"/>
+          </a:xfrm>
+        </p:spPr>
+        <p:txBody>
+          <a:bodyPr/>
+          <a:lstStyle/>
+          <a:p>
+            <a:r>
+              <a:rPr lang="en-US"/>
+              <a:t>Mail</a:t>
+            </a:r>
+            <a:br>
+              <a:rPr lang="en-US"/>
+            </a:br>
+            <a:r>
+              <a:rPr lang="en-US"/>
+              <a:t>Web</a:t>
+            </a:r>
+            <a:br>
+              <a:rPr lang="en-US"/>
+            </a:br>
+            <a:r>
+              <a:rPr lang="en-US"/>
+              <a:t>Twitter</a:t>
+            </a:r>
+          </a:p>
+        </p:txBody>
+      </p:sp>
+    </p:spTree>
+    <p:extLst>
+      <p:ext uri="{BB962C8B-B14F-4D97-AF65-F5344CB8AC3E}">
+        <p14:creationId xmlns:p14="http://schemas.microsoft.com/office/powerpoint/2010/main" val="4088726371"/>
+      </p:ext>
+    </p:extLst>
+  </p:cSld>
+  <p:clrMapOvr>
+    <a:masterClrMapping/>
+  </p:clrMapOvr>
+  <mc:AlternateContent xmlns:mc="http://schemas.openxmlformats.org/markup-compatibility/2006">
+    <mc:Choice xmlns:p14="http://schemas.microsoft.com/office/powerpoint/2010/main" Requires="p14">
+      <p:transition spd="med" p14:dur="700">
+        <p:fade/>
+      </p:transition>
+    </mc:Choice>
+    <mc:Fallback>
+      <p:transition spd="med">
+        <p:fade/>
+      </p:transition>
+    </mc:Fallback>
+  </mc:AlternateContent>
 </p:sld>
 </file>
 
@@ -13563,10 +17907,10 @@
       </p:grpSpPr>
       <p:sp>
         <p:nvSpPr>
-          <p:cNvPr id="2" name="Title 1">
+          <p:cNvPr id="4" name="Title 3">
             <a:extLst>
               <a:ext uri="{FF2B5EF4-FFF2-40B4-BE49-F238E27FC236}">
-                <a16:creationId xmlns:a16="http://schemas.microsoft.com/office/drawing/2014/main" id="{F8FADD9F-D779-4FB6-A392-8DDB9F3A789C}"/>
+                <a16:creationId xmlns:a16="http://schemas.microsoft.com/office/drawing/2014/main" id="{817B7A26-5AA7-47AB-ABCB-4C5B3A34AF31}"/>
               </a:ext>
             </a:extLst>
           </p:cNvPr>
@@ -13583,19 +17927,18 @@
           <a:lstStyle/>
           <a:p>
             <a:r>
-              <a:rPr lang="de-AT" dirty="0" err="1"/>
-              <a:t>Cryptography</a:t>
-            </a:r>
-            <a:endParaRPr lang="de-AT" dirty="0"/>
-          </a:p>
-        </p:txBody>
-      </p:sp>
-      <p:sp>
-        <p:nvSpPr>
-          <p:cNvPr id="3" name="Text Placeholder 2">
+              <a:rPr lang="en-US"/>
+              <a:t>How to Write Secure .NET Code</a:t>
+            </a:r>
+          </a:p>
+        </p:txBody>
+      </p:sp>
+      <p:sp>
+        <p:nvSpPr>
+          <p:cNvPr id="5" name="Content Placeholder 4">
             <a:extLst>
               <a:ext uri="{FF2B5EF4-FFF2-40B4-BE49-F238E27FC236}">
-                <a16:creationId xmlns:a16="http://schemas.microsoft.com/office/drawing/2014/main" id="{72858DEE-163D-402F-981D-E182F9F8632E}"/>
+                <a16:creationId xmlns:a16="http://schemas.microsoft.com/office/drawing/2014/main" id="{310E7E37-F318-4E9A-BC42-0FDAF2177929}"/>
               </a:ext>
             </a:extLst>
           </p:cNvPr>
@@ -13603,7 +17946,7 @@
             <a:spLocks noGrp="1"/>
           </p:cNvSpPr>
           <p:nvPr>
-            <p:ph type="body" sz="quarter" idx="25"/>
+            <p:ph sz="quarter" idx="12"/>
           </p:nvPr>
         </p:nvSpPr>
         <p:spPr/>
@@ -13611,27 +17954,129 @@
           <a:bodyPr/>
           <a:lstStyle/>
           <a:p>
-            <a:endParaRPr lang="de-AT"/>
+            <a:r>
+              <a:rPr lang="en-US" i="1" dirty="0"/>
+              <a:t>Don’t</a:t>
+            </a:r>
+            <a:r>
+              <a:rPr lang="en-US" dirty="0"/>
+              <a:t> build executable code using string </a:t>
+            </a:r>
+            <a:r>
+              <a:rPr lang="en-US" dirty="0" err="1"/>
+              <a:t>concatination</a:t>
+            </a:r>
+            <a:endParaRPr lang="en-US" dirty="0"/>
+          </a:p>
+          <a:p>
+            <a:pPr lvl="1"/>
+            <a:r>
+              <a:rPr lang="en-US" dirty="0"/>
+              <a:t>HTML, JavaScript, SQL, etc.</a:t>
+            </a:r>
+          </a:p>
+          <a:p>
+            <a:r>
+              <a:rPr lang="en-US" i="1" dirty="0"/>
+              <a:t>Don’t</a:t>
+            </a:r>
+            <a:r>
+              <a:rPr lang="en-US" dirty="0"/>
+              <a:t> put secrets in unencrypted text files</a:t>
+            </a:r>
+          </a:p>
+          <a:p>
+            <a:pPr lvl="1"/>
+            <a:r>
+              <a:rPr lang="en-US" dirty="0"/>
+              <a:t>Always use password keepers (for humans and apps)</a:t>
+            </a:r>
+          </a:p>
+          <a:p>
+            <a:r>
+              <a:rPr lang="en-US" i="1" dirty="0"/>
+              <a:t>Do</a:t>
+            </a:r>
+            <a:r>
+              <a:rPr lang="en-US" dirty="0"/>
+              <a:t> setup CI/CD</a:t>
+            </a:r>
+          </a:p>
+          <a:p>
+            <a:pPr lvl="1"/>
+            <a:r>
+              <a:rPr lang="en-US" dirty="0"/>
+              <a:t>Make sure CI/CD servers can be trusted</a:t>
+            </a:r>
+          </a:p>
+          <a:p>
+            <a:pPr lvl="1"/>
+            <a:r>
+              <a:rPr lang="en-US" dirty="0"/>
+              <a:t>Containers: Automate rebuilding when base images change</a:t>
+            </a:r>
+          </a:p>
+          <a:p>
+            <a:r>
+              <a:rPr lang="en-US" i="1" dirty="0"/>
+              <a:t>Do</a:t>
+            </a:r>
+            <a:r>
+              <a:rPr lang="en-US" dirty="0"/>
+              <a:t> write automated tests</a:t>
+            </a:r>
+          </a:p>
+          <a:p>
+            <a:pPr lvl="1"/>
+            <a:r>
+              <a:rPr lang="en-US" dirty="0"/>
+              <a:t>Enables quick deployment of new versions and security patches</a:t>
+            </a:r>
+          </a:p>
+        </p:txBody>
+      </p:sp>
+      <p:sp>
+        <p:nvSpPr>
+          <p:cNvPr id="6" name="Text Placeholder 5">
+            <a:extLst>
+              <a:ext uri="{FF2B5EF4-FFF2-40B4-BE49-F238E27FC236}">
+                <a16:creationId xmlns:a16="http://schemas.microsoft.com/office/drawing/2014/main" id="{5F85290E-E916-44AA-AA55-F4748D8D074A}"/>
+              </a:ext>
+            </a:extLst>
+          </p:cNvPr>
+          <p:cNvSpPr>
+            <a:spLocks noGrp="1"/>
+          </p:cNvSpPr>
+          <p:nvPr>
+            <p:ph type="body" sz="quarter" idx="23"/>
+          </p:nvPr>
+        </p:nvSpPr>
+        <p:spPr/>
+        <p:txBody>
+          <a:bodyPr/>
+          <a:lstStyle/>
+          <a:p>
+            <a:endParaRPr lang="en-US"/>
           </a:p>
         </p:txBody>
       </p:sp>
     </p:spTree>
     <p:extLst>
       <p:ext uri="{BB962C8B-B14F-4D97-AF65-F5344CB8AC3E}">
-        <p14:creationId xmlns:p14="http://schemas.microsoft.com/office/powerpoint/2010/main" val="2148398201"/>
+        <p14:creationId xmlns:p14="http://schemas.microsoft.com/office/powerpoint/2010/main" val="2052058656"/>
       </p:ext>
     </p:extLst>
   </p:cSld>
   <p:clrMapOvr>
     <a:masterClrMapping/>
   </p:clrMapOvr>
-  <mc:AlternateContent xmlns:mc="http://schemas.openxmlformats.org/markup-compatibility/2006" xmlns:p14="http://schemas.microsoft.com/office/powerpoint/2010/main">
-    <mc:Choice Requires="p14">
+  <mc:AlternateContent xmlns:mc="http://schemas.openxmlformats.org/markup-compatibility/2006">
+    <mc:Choice xmlns:p14="http://schemas.microsoft.com/office/powerpoint/2010/main" Requires="p14">
       <p:transition spd="med" p14:dur="700">
         <p:fade/>
       </p:transition>
     </mc:Choice>
-    <mc:Fallback xmlns="">
+    <mc:Fallback>
       <p:transition spd="med">
         <p:fade/>
       </p:transition>
@@ -13662,7 +18107,7 @@
           <p:cNvPr id="4" name="Title 3">
             <a:extLst>
               <a:ext uri="{FF2B5EF4-FFF2-40B4-BE49-F238E27FC236}">
-                <a16:creationId xmlns:a16="http://schemas.microsoft.com/office/drawing/2014/main" id="{F7D06A31-CAA6-4A1D-95CF-6E7BDF91F333}"/>
+                <a16:creationId xmlns:a16="http://schemas.microsoft.com/office/drawing/2014/main" id="{817B7A26-5AA7-47AB-ABCB-4C5B3A34AF31}"/>
               </a:ext>
             </a:extLst>
           </p:cNvPr>
@@ -13680,7 +18125,7 @@
           <a:p>
             <a:r>
               <a:rPr lang="en-US"/>
-              <a:t>.NET Cryptography Model</a:t>
+              <a:t>How to Write Secure .NET Code</a:t>
             </a:r>
           </a:p>
         </p:txBody>
@@ -13690,7 +18135,7 @@
           <p:cNvPr id="5" name="Content Placeholder 4">
             <a:extLst>
               <a:ext uri="{FF2B5EF4-FFF2-40B4-BE49-F238E27FC236}">
-                <a16:creationId xmlns:a16="http://schemas.microsoft.com/office/drawing/2014/main" id="{54011BA5-17BD-489D-A00A-F2E3C59A411B}"/>
+                <a16:creationId xmlns:a16="http://schemas.microsoft.com/office/drawing/2014/main" id="{310E7E37-F318-4E9A-BC42-0FDAF2177929}"/>
               </a:ext>
             </a:extLst>
           </p:cNvPr>
@@ -13707,329 +18152,79 @@
           <a:lstStyle/>
           <a:p>
             <a:r>
-              <a:rPr lang="en-US" dirty="0"/>
-              <a:t>Derived class hierarchy</a:t>
+              <a:rPr lang="en-US" i="1" dirty="0"/>
+              <a:t>Prefer</a:t>
+            </a:r>
+            <a:r>
+              <a:rPr lang="en-US" dirty="0"/>
+              <a:t> PaaS and/or Serverless</a:t>
             </a:r>
           </a:p>
           <a:p>
             <a:pPr lvl="1"/>
             <a:r>
-              <a:rPr lang="en-US" dirty="0"/>
-              <a:t>Basic </a:t>
-            </a:r>
-            <a:r>
-              <a:rPr lang="en-US" dirty="0">
-                <a:solidFill>
-                  <a:schemeClr val="accent2"/>
-                </a:solidFill>
-              </a:rPr>
-              <a:t>algorithm types</a:t>
-            </a:r>
-            <a:r>
-              <a:rPr lang="en-US" dirty="0"/>
-              <a:t> (e.g. </a:t>
-            </a:r>
-            <a:r>
-              <a:rPr lang="en-US" dirty="0" err="1">
-                <a:hlinkClick r:id="rId2"/>
-              </a:rPr>
-              <a:t>SymmetricAlgorithm</a:t>
-            </a:r>
-            <a:r>
-              <a:rPr lang="en-US" dirty="0"/>
-              <a:t>, </a:t>
-            </a:r>
-            <a:r>
-              <a:rPr lang="en-US" dirty="0" err="1">
-                <a:hlinkClick r:id="rId3"/>
-              </a:rPr>
-              <a:t>AsymmetricAlgorithm</a:t>
-            </a:r>
-            <a:r>
-              <a:rPr lang="en-US" dirty="0"/>
-              <a:t>, </a:t>
-            </a:r>
-            <a:r>
-              <a:rPr lang="en-US" dirty="0" err="1">
-                <a:hlinkClick r:id="rId4"/>
-              </a:rPr>
-              <a:t>HashAlgorithm</a:t>
-            </a:r>
-            <a:r>
-              <a:rPr lang="en-US" dirty="0"/>
-              <a:t>)</a:t>
-            </a:r>
-            <a:endParaRPr lang="en-US" u="sng" dirty="0"/>
+              <a:rPr lang="en-US" i="1" dirty="0"/>
+              <a:t>Avoid</a:t>
+            </a:r>
+            <a:r>
+              <a:rPr lang="en-US" dirty="0"/>
+              <a:t> IaaS</a:t>
+            </a:r>
           </a:p>
           <a:p>
             <a:pPr lvl="1"/>
             <a:r>
-              <a:rPr lang="en-US" dirty="0">
-                <a:solidFill>
-                  <a:schemeClr val="accent2"/>
-                </a:solidFill>
-              </a:rPr>
-              <a:t>Algorithm</a:t>
-            </a:r>
-            <a:r>
-              <a:rPr lang="en-US" dirty="0"/>
-              <a:t> classes (e.g.  </a:t>
-            </a:r>
-            <a:r>
-              <a:rPr lang="en-US" dirty="0" err="1">
-                <a:hlinkClick r:id="rId5"/>
-              </a:rPr>
-              <a:t>Aes</a:t>
-            </a:r>
-            <a:r>
-              <a:rPr lang="en-US" dirty="0"/>
-              <a:t>, </a:t>
-            </a:r>
-            <a:r>
-              <a:rPr lang="en-US" dirty="0">
-                <a:hlinkClick r:id="rId6"/>
-              </a:rPr>
-              <a:t>RC2</a:t>
-            </a:r>
-            <a:r>
-              <a:rPr lang="en-US" dirty="0"/>
-              <a:t>, </a:t>
-            </a:r>
-            <a:r>
-              <a:rPr lang="en-US" dirty="0" err="1">
-                <a:hlinkClick r:id="rId7"/>
-              </a:rPr>
-              <a:t>ECDiffieHellman</a:t>
-            </a:r>
-            <a:r>
-              <a:rPr lang="en-US" dirty="0"/>
-              <a:t>)</a:t>
+              <a:rPr lang="en-US" dirty="0"/>
+              <a:t>If IaaS cannot be avoided: Keep your system up to date (immutable infrastructure)</a:t>
+            </a:r>
+          </a:p>
+          <a:p>
+            <a:r>
+              <a:rPr lang="en-US" i="1" dirty="0"/>
+              <a:t>Don’t</a:t>
+            </a:r>
+            <a:r>
+              <a:rPr lang="en-US" dirty="0"/>
+              <a:t> invent your own encryption algorithms</a:t>
             </a:r>
           </a:p>
           <a:p>
             <a:pPr lvl="1"/>
             <a:r>
               <a:rPr lang="en-US" dirty="0"/>
-              <a:t>Algorithm </a:t>
-            </a:r>
-            <a:r>
-              <a:rPr lang="en-US" dirty="0">
-                <a:solidFill>
-                  <a:schemeClr val="accent2"/>
-                </a:solidFill>
-              </a:rPr>
-              <a:t>implementations</a:t>
-            </a:r>
-            <a:r>
-              <a:rPr lang="en-US" dirty="0"/>
-              <a:t> (e.g.  </a:t>
-            </a:r>
-            <a:r>
-              <a:rPr lang="en-US" dirty="0" err="1">
-                <a:hlinkClick r:id="rId8"/>
-              </a:rPr>
-              <a:t>AesManaged</a:t>
-            </a:r>
-            <a:r>
-              <a:rPr lang="en-US" dirty="0"/>
-              <a:t>, </a:t>
-            </a:r>
-            <a:r>
-              <a:rPr lang="en-US" dirty="0">
-                <a:hlinkClick r:id="rId9"/>
-              </a:rPr>
-              <a:t>RC2CryptoServiceProvider</a:t>
-            </a:r>
-            <a:r>
-              <a:rPr lang="en-US" dirty="0"/>
-              <a:t>)</a:t>
-            </a:r>
-          </a:p>
-          <a:p>
-            <a:r>
-              <a:rPr lang="en-US" dirty="0"/>
-              <a:t>Different implementations</a:t>
+              <a:t>or write your own implementation of an existing one</a:t>
             </a:r>
           </a:p>
           <a:p>
             <a:pPr lvl="1"/>
             <a:r>
               <a:rPr lang="en-US" dirty="0"/>
-              <a:t>E.g. </a:t>
-            </a:r>
-            <a:r>
-              <a:rPr lang="en-US" dirty="0" err="1">
-                <a:hlinkClick r:id="rId5"/>
-              </a:rPr>
-              <a:t>Aes</a:t>
-            </a:r>
-            <a:r>
-              <a:rPr lang="en-US" dirty="0"/>
-              <a:t> </a:t>
-            </a:r>
-            <a:r>
-              <a:rPr lang="en-US" dirty="0">
-                <a:sym typeface="Wingdings" panose="05000000000000000000" pitchFamily="2" charset="2"/>
-              </a:rPr>
-              <a:t> </a:t>
-            </a:r>
-            <a:r>
-              <a:rPr lang="en-US" dirty="0" err="1">
-                <a:sym typeface="Wingdings" panose="05000000000000000000" pitchFamily="2" charset="2"/>
-                <a:hlinkClick r:id="rId10"/>
-              </a:rPr>
-              <a:t>AesCng</a:t>
-            </a:r>
-            <a:r>
-              <a:rPr lang="en-US" dirty="0">
-                <a:sym typeface="Wingdings" panose="05000000000000000000" pitchFamily="2" charset="2"/>
-              </a:rPr>
-              <a:t>, </a:t>
-            </a:r>
-            <a:r>
-              <a:rPr lang="en-US" dirty="0" err="1">
-                <a:hlinkClick r:id="rId11"/>
-              </a:rPr>
-              <a:t>AesCryptoServiceProvider</a:t>
-            </a:r>
-            <a:r>
-              <a:rPr lang="en-US" dirty="0"/>
-              <a:t>, </a:t>
-            </a:r>
-            <a:r>
-              <a:rPr lang="en-US" dirty="0" err="1">
-                <a:hlinkClick r:id="rId8"/>
-              </a:rPr>
-              <a:t>AesManaged</a:t>
-            </a:r>
-            <a:endParaRPr lang="en-US" dirty="0"/>
+              <a:t>…unless it is your specific expertise</a:t>
+            </a:r>
+          </a:p>
+          <a:p>
+            <a:r>
+              <a:rPr lang="en-US" i="1" dirty="0"/>
+              <a:t>Don’t</a:t>
+            </a:r>
+            <a:r>
+              <a:rPr lang="en-US" dirty="0"/>
+              <a:t> invent your own security protocols</a:t>
+            </a:r>
           </a:p>
           <a:p>
             <a:pPr lvl="1"/>
             <a:r>
-              <a:rPr lang="en-US" i="1" dirty="0" err="1"/>
-              <a:t>CryptoServiceProvider</a:t>
-            </a:r>
-            <a:r>
-              <a:rPr lang="en-US" dirty="0"/>
-              <a:t> </a:t>
-            </a:r>
-            <a:r>
-              <a:rPr lang="en-US" dirty="0">
-                <a:sym typeface="Wingdings" panose="05000000000000000000" pitchFamily="2" charset="2"/>
-              </a:rPr>
-              <a:t> wrapper around </a:t>
-            </a:r>
-            <a:r>
-              <a:rPr lang="en-US" i="1" dirty="0">
-                <a:sym typeface="Wingdings" panose="05000000000000000000" pitchFamily="2" charset="2"/>
-              </a:rPr>
-              <a:t>Windows Crypto API</a:t>
-            </a:r>
-            <a:r>
-              <a:rPr lang="en-US" dirty="0">
-                <a:sym typeface="Wingdings" panose="05000000000000000000" pitchFamily="2" charset="2"/>
-              </a:rPr>
-              <a:t> (</a:t>
-            </a:r>
-            <a:r>
-              <a:rPr lang="en-US" i="1" dirty="0">
-                <a:sym typeface="Wingdings" panose="05000000000000000000" pitchFamily="2" charset="2"/>
-              </a:rPr>
-              <a:t>CAPI</a:t>
-            </a:r>
-            <a:r>
-              <a:rPr lang="en-US" dirty="0">
-                <a:sym typeface="Wingdings" panose="05000000000000000000" pitchFamily="2" charset="2"/>
-              </a:rPr>
-              <a:t>); </a:t>
-            </a:r>
-            <a:r>
-              <a:rPr lang="en-US" dirty="0">
-                <a:solidFill>
-                  <a:schemeClr val="accent2"/>
-                </a:solidFill>
-                <a:sym typeface="Wingdings" panose="05000000000000000000" pitchFamily="2" charset="2"/>
-              </a:rPr>
-              <a:t>legacy</a:t>
+              <a:rPr lang="en-US" dirty="0"/>
+              <a:t>or write your own implementation of an existing one</a:t>
             </a:r>
           </a:p>
           <a:p>
             <a:pPr lvl="1"/>
             <a:r>
-              <a:rPr lang="en-US" i="1" dirty="0">
-                <a:sym typeface="Wingdings" panose="05000000000000000000" pitchFamily="2" charset="2"/>
-              </a:rPr>
-              <a:t>Managed</a:t>
-            </a:r>
-            <a:r>
-              <a:rPr lang="en-US" dirty="0">
-                <a:sym typeface="Wingdings" panose="05000000000000000000" pitchFamily="2" charset="2"/>
-              </a:rPr>
-              <a:t>  written entirely in managed Code; </a:t>
-            </a:r>
-            <a:r>
-              <a:rPr lang="en-US" dirty="0">
-                <a:solidFill>
-                  <a:schemeClr val="accent2"/>
-                </a:solidFill>
-                <a:sym typeface="Wingdings" panose="05000000000000000000" pitchFamily="2" charset="2"/>
-              </a:rPr>
-              <a:t>x-plat, slower, not certified</a:t>
-            </a:r>
-          </a:p>
-          <a:p>
-            <a:pPr lvl="1"/>
-            <a:r>
-              <a:rPr lang="en-US" i="1" dirty="0" err="1">
-                <a:sym typeface="Wingdings" panose="05000000000000000000" pitchFamily="2" charset="2"/>
-              </a:rPr>
-              <a:t>Cng</a:t>
-            </a:r>
-            <a:r>
-              <a:rPr lang="en-US" dirty="0">
-                <a:sym typeface="Wingdings" panose="05000000000000000000" pitchFamily="2" charset="2"/>
-              </a:rPr>
-              <a:t>  </a:t>
-            </a:r>
-            <a:r>
-              <a:rPr lang="en-US" i="1" dirty="0">
-                <a:sym typeface="Wingdings" panose="05000000000000000000" pitchFamily="2" charset="2"/>
-              </a:rPr>
-              <a:t>Cryptography Next Generation</a:t>
-            </a:r>
-            <a:r>
-              <a:rPr lang="en-US" dirty="0">
-                <a:sym typeface="Wingdings" panose="05000000000000000000" pitchFamily="2" charset="2"/>
-              </a:rPr>
-              <a:t> (</a:t>
-            </a:r>
-            <a:r>
-              <a:rPr lang="en-US" i="1" dirty="0">
-                <a:sym typeface="Wingdings" panose="05000000000000000000" pitchFamily="2" charset="2"/>
-              </a:rPr>
-              <a:t>CNG</a:t>
-            </a:r>
-            <a:r>
-              <a:rPr lang="en-US" dirty="0">
-                <a:sym typeface="Wingdings" panose="05000000000000000000" pitchFamily="2" charset="2"/>
-              </a:rPr>
-              <a:t>), Windows &gt;= Vista, </a:t>
-            </a:r>
-            <a:r>
-              <a:rPr lang="en-US" dirty="0">
-                <a:solidFill>
-                  <a:schemeClr val="accent2"/>
-                </a:solidFill>
-                <a:sym typeface="Wingdings" panose="05000000000000000000" pitchFamily="2" charset="2"/>
-              </a:rPr>
-              <a:t>actively developed</a:t>
-            </a:r>
-            <a:endParaRPr lang="en-US" dirty="0">
-              <a:solidFill>
-                <a:schemeClr val="accent2"/>
-              </a:solidFill>
-            </a:endParaRPr>
+              <a:rPr lang="en-US" dirty="0"/>
+              <a:t>…unless it is your specific expertise</a:t>
+            </a:r>
           </a:p>
         </p:txBody>
       </p:sp>
@@ -14038,7 +18233,7 @@
           <p:cNvPr id="6" name="Text Placeholder 5">
             <a:extLst>
               <a:ext uri="{FF2B5EF4-FFF2-40B4-BE49-F238E27FC236}">
-                <a16:creationId xmlns:a16="http://schemas.microsoft.com/office/drawing/2014/main" id="{C661C493-16AA-46FE-A46C-0721D75073F2}"/>
+                <a16:creationId xmlns:a16="http://schemas.microsoft.com/office/drawing/2014/main" id="{5F85290E-E916-44AA-AA55-F4748D8D074A}"/>
               </a:ext>
             </a:extLst>
           </p:cNvPr>
@@ -14054,63 +18249,32 @@
           <a:bodyPr/>
           <a:lstStyle/>
           <a:p>
-            <a:r>
-              <a:rPr lang="en-US" dirty="0"/>
-              <a:t>See also </a:t>
-            </a:r>
-            <a:r>
-              <a:rPr lang="de-AT" dirty="0">
-                <a:hlinkClick r:id="rId12"/>
-              </a:rPr>
-              <a:t>Recommended </a:t>
-            </a:r>
-            <a:r>
-              <a:rPr lang="de-AT" dirty="0" err="1">
-                <a:hlinkClick r:id="rId12"/>
-              </a:rPr>
-              <a:t>algorithms</a:t>
-            </a:r>
-            <a:r>
-              <a:rPr lang="de-AT" dirty="0">
-                <a:hlinkClick r:id="rId12"/>
-              </a:rPr>
-              <a:t> </a:t>
-            </a:r>
-            <a:r>
-              <a:rPr lang="de-AT" dirty="0" err="1">
-                <a:hlinkClick r:id="rId12"/>
-              </a:rPr>
-              <a:t>by</a:t>
-            </a:r>
-            <a:r>
-              <a:rPr lang="de-AT" dirty="0">
-                <a:hlinkClick r:id="rId12"/>
-              </a:rPr>
-              <a:t> </a:t>
-            </a:r>
-            <a:r>
-              <a:rPr lang="de-AT" dirty="0" err="1">
-                <a:hlinkClick r:id="rId12"/>
-              </a:rPr>
-              <a:t>application</a:t>
-            </a:r>
-            <a:endParaRPr lang="en-US" dirty="0"/>
+            <a:endParaRPr lang="en-US"/>
           </a:p>
         </p:txBody>
       </p:sp>
     </p:spTree>
     <p:extLst>
       <p:ext uri="{BB962C8B-B14F-4D97-AF65-F5344CB8AC3E}">
-        <p14:creationId xmlns:p14="http://schemas.microsoft.com/office/powerpoint/2010/main" val="2971256026"/>
+        <p14:creationId xmlns:p14="http://schemas.microsoft.com/office/powerpoint/2010/main" val="853072540"/>
       </p:ext>
     </p:extLst>
   </p:cSld>
   <p:clrMapOvr>
     <a:masterClrMapping/>
   </p:clrMapOvr>
-  <p:transition spd="slow">
-    <p:push/>
-  </p:transition>
+  <mc:AlternateContent xmlns:mc="http://schemas.openxmlformats.org/markup-compatibility/2006">
+    <mc:Choice xmlns:p14="http://schemas.microsoft.com/office/powerpoint/2010/main" Requires="p14">
+      <p:transition spd="med" p14:dur="700">
+        <p:fade/>
+      </p:transition>
+    </mc:Choice>
+    <mc:Fallback>
+      <p:transition spd="med">
+        <p:fade/>
+      </p:transition>
+    </mc:Fallback>
+  </mc:AlternateContent>
 </p:sld>
 </file>
 
@@ -14133,10 +18297,10 @@
       </p:grpSpPr>
       <p:sp>
         <p:nvSpPr>
-          <p:cNvPr id="2" name="Title 1">
+          <p:cNvPr id="4" name="Title 3">
             <a:extLst>
               <a:ext uri="{FF2B5EF4-FFF2-40B4-BE49-F238E27FC236}">
-                <a16:creationId xmlns:a16="http://schemas.microsoft.com/office/drawing/2014/main" id="{044ED3A1-BB93-4D64-8C76-672C48B10F1A}"/>
+                <a16:creationId xmlns:a16="http://schemas.microsoft.com/office/drawing/2014/main" id="{817B7A26-5AA7-47AB-ABCB-4C5B3A34AF31}"/>
               </a:ext>
             </a:extLst>
           </p:cNvPr>
@@ -14154,17 +18318,17 @@
           <a:p>
             <a:r>
               <a:rPr lang="en-US"/>
-              <a:t>Stream Design</a:t>
-            </a:r>
-          </a:p>
-        </p:txBody>
-      </p:sp>
-      <p:sp>
-        <p:nvSpPr>
-          <p:cNvPr id="3" name="Content Placeholder 2">
+              <a:t>How to Write Secure .NET Code</a:t>
+            </a:r>
+          </a:p>
+        </p:txBody>
+      </p:sp>
+      <p:sp>
+        <p:nvSpPr>
+          <p:cNvPr id="5" name="Content Placeholder 4">
             <a:extLst>
               <a:ext uri="{FF2B5EF4-FFF2-40B4-BE49-F238E27FC236}">
-                <a16:creationId xmlns:a16="http://schemas.microsoft.com/office/drawing/2014/main" id="{AA0B7DB4-CD49-418C-A2CE-62711F6BF3BA}"/>
+                <a16:creationId xmlns:a16="http://schemas.microsoft.com/office/drawing/2014/main" id="{310E7E37-F318-4E9A-BC42-0FDAF2177929}"/>
               </a:ext>
             </a:extLst>
           </p:cNvPr>
@@ -14181,55 +18345,80 @@
           <a:lstStyle/>
           <a:p>
             <a:r>
-              <a:rPr lang="en-US" dirty="0"/>
-              <a:t>For symmetric and hash algorithms</a:t>
-            </a:r>
-            <a:endParaRPr lang="en-US" u="sng" dirty="0">
-              <a:hlinkClick r:id="rId2"/>
-            </a:endParaRPr>
-          </a:p>
-          <a:p>
-            <a:r>
-              <a:rPr lang="en-US" dirty="0" err="1">
-                <a:hlinkClick r:id="rId2"/>
-              </a:rPr>
-              <a:t>CryptoStream</a:t>
-            </a:r>
+              <a:rPr lang="en-US" i="1" dirty="0"/>
+              <a:t>Do</a:t>
+            </a:r>
+            <a:r>
+              <a:rPr lang="en-US" dirty="0"/>
+              <a:t> add logging and telemetry collection</a:t>
+            </a:r>
+          </a:p>
+          <a:p>
+            <a:pPr lvl="1"/>
+            <a:r>
+              <a:rPr lang="en-US" i="1" dirty="0"/>
+              <a:t>Consider</a:t>
+            </a:r>
+            <a:r>
+              <a:rPr lang="en-US" dirty="0"/>
+              <a:t> using machine learning to detect suspicious user activities</a:t>
+            </a:r>
+          </a:p>
+          <a:p>
+            <a:pPr lvl="1"/>
+            <a:r>
+              <a:rPr lang="en-US" dirty="0"/>
+              <a:t>Be careful when adding PII to logs/telemetry (GDPR)</a:t>
+            </a:r>
+          </a:p>
+          <a:p>
+            <a:pPr lvl="1"/>
+            <a:r>
+              <a:rPr lang="en-US" i="1" dirty="0"/>
+              <a:t>Avoid</a:t>
+            </a:r>
+            <a:r>
+              <a:rPr lang="en-US" dirty="0"/>
+              <a:t> writing secrets to logs/telemetry</a:t>
+            </a:r>
+          </a:p>
+          <a:p>
+            <a:r>
+              <a:rPr lang="en-US" i="1" dirty="0"/>
+              <a:t>Do</a:t>
+            </a:r>
+            <a:r>
+              <a:rPr lang="en-US" dirty="0"/>
+              <a:t> validate user input</a:t>
+            </a:r>
+          </a:p>
+          <a:p>
+            <a:pPr lvl="1"/>
+            <a:r>
+              <a:rPr lang="en-US" dirty="0"/>
+              <a:t>Client </a:t>
+            </a:r>
+            <a:r>
+              <a:rPr lang="en-US" i="1" dirty="0"/>
+              <a:t>and</a:t>
+            </a:r>
+            <a:r>
+              <a:rPr lang="en-US" dirty="0"/>
+              <a:t> server</a:t>
+            </a:r>
+          </a:p>
+          <a:p>
+            <a:pPr lvl="1"/>
             <a:endParaRPr lang="en-US" dirty="0"/>
           </a:p>
-          <a:p>
-            <a:pPr lvl="1"/>
-            <a:r>
-              <a:rPr lang="en-US" dirty="0"/>
-              <a:t>Derived from </a:t>
-            </a:r>
-            <a:r>
-              <a:rPr lang="en-US" i="1" dirty="0" err="1"/>
-              <a:t>System.IO.Stream</a:t>
-            </a:r>
-            <a:endParaRPr lang="en-US" i="1" dirty="0"/>
-          </a:p>
-          <a:p>
-            <a:r>
-              <a:rPr lang="en-US" dirty="0"/>
-              <a:t>Can be chained</a:t>
-            </a:r>
-          </a:p>
-          <a:p>
-            <a:pPr lvl="1"/>
-            <a:r>
-              <a:rPr lang="en-US" dirty="0"/>
-              <a:t>E.g. hash, followed by encryption</a:t>
-            </a:r>
-          </a:p>
-        </p:txBody>
-      </p:sp>
-      <p:sp>
-        <p:nvSpPr>
-          <p:cNvPr id="4" name="Text Placeholder 3">
+        </p:txBody>
+      </p:sp>
+      <p:sp>
+        <p:nvSpPr>
+          <p:cNvPr id="6" name="Text Placeholder 5">
             <a:extLst>
               <a:ext uri="{FF2B5EF4-FFF2-40B4-BE49-F238E27FC236}">
-                <a16:creationId xmlns:a16="http://schemas.microsoft.com/office/drawing/2014/main" id="{9319D972-6E9C-437E-880A-1A8D365AEBC0}"/>
+                <a16:creationId xmlns:a16="http://schemas.microsoft.com/office/drawing/2014/main" id="{5F85290E-E916-44AA-AA55-F4748D8D074A}"/>
               </a:ext>
             </a:extLst>
           </p:cNvPr>
@@ -14252,16 +18441,25 @@
     </p:spTree>
     <p:extLst>
       <p:ext uri="{BB962C8B-B14F-4D97-AF65-F5344CB8AC3E}">
-        <p14:creationId xmlns:p14="http://schemas.microsoft.com/office/powerpoint/2010/main" val="3353125863"/>
+        <p14:creationId xmlns:p14="http://schemas.microsoft.com/office/powerpoint/2010/main" val="3901794154"/>
       </p:ext>
     </p:extLst>
   </p:cSld>
   <p:clrMapOvr>
     <a:masterClrMapping/>
   </p:clrMapOvr>
-  <p:transition spd="slow">
-    <p:push/>
-  </p:transition>
+  <mc:AlternateContent xmlns:mc="http://schemas.openxmlformats.org/markup-compatibility/2006">
+    <mc:Choice xmlns:p14="http://schemas.microsoft.com/office/powerpoint/2010/main" Requires="p14">
+      <p:transition spd="med" p14:dur="700">
+        <p:fade/>
+      </p:transition>
+    </mc:Choice>
+    <mc:Fallback>
+      <p:transition spd="med">
+        <p:fade/>
+      </p:transition>
+    </mc:Fallback>
+  </mc:AlternateContent>
 </p:sld>
 </file>
 
@@ -14287,7 +18485,7 @@
           <p:cNvPr id="2" name="Title 1">
             <a:extLst>
               <a:ext uri="{FF2B5EF4-FFF2-40B4-BE49-F238E27FC236}">
-                <a16:creationId xmlns:a16="http://schemas.microsoft.com/office/drawing/2014/main" id="{420B3033-DFBD-48DA-B34E-75003EC3BCE6}"/>
+                <a16:creationId xmlns:a16="http://schemas.microsoft.com/office/drawing/2014/main" id="{F8FADD9F-D779-4FB6-A392-8DDB9F3A789C}"/>
               </a:ext>
             </a:extLst>
           </p:cNvPr>
@@ -14304,18 +18502,19 @@
           <a:lstStyle/>
           <a:p>
             <a:r>
-              <a:rPr lang="en-US"/>
-              <a:t>Random Numbers</a:t>
-            </a:r>
-          </a:p>
-        </p:txBody>
-      </p:sp>
-      <p:sp>
-        <p:nvSpPr>
-          <p:cNvPr id="3" name="Content Placeholder 2">
+              <a:rPr lang="de-AT" dirty="0" err="1"/>
+              <a:t>Cryptography</a:t>
+            </a:r>
+            <a:endParaRPr lang="de-AT" dirty="0"/>
+          </a:p>
+        </p:txBody>
+      </p:sp>
+      <p:sp>
+        <p:nvSpPr>
+          <p:cNvPr id="3" name="Text Placeholder 2">
             <a:extLst>
               <a:ext uri="{FF2B5EF4-FFF2-40B4-BE49-F238E27FC236}">
-                <a16:creationId xmlns:a16="http://schemas.microsoft.com/office/drawing/2014/main" id="{612B6AA0-7262-4D3E-836C-09EBD0B56B93}"/>
+                <a16:creationId xmlns:a16="http://schemas.microsoft.com/office/drawing/2014/main" id="{72858DEE-163D-402F-981D-E182F9F8632E}"/>
               </a:ext>
             </a:extLst>
           </p:cNvPr>
@@ -14323,7 +18522,7 @@
             <a:spLocks noGrp="1"/>
           </p:cNvSpPr>
           <p:nvPr>
-            <p:ph sz="quarter" idx="12"/>
+            <p:ph type="body" sz="quarter" idx="25"/>
           </p:nvPr>
         </p:nvSpPr>
         <p:spPr/>
@@ -14331,88 +18530,32 @@
           <a:bodyPr/>
           <a:lstStyle/>
           <a:p>
-            <a:r>
-              <a:rPr lang="en-US"/>
-              <a:t>Pseudo-random numbers</a:t>
-            </a:r>
-          </a:p>
-          <a:p>
-            <a:pPr lvl="1"/>
-            <a:r>
-              <a:rPr lang="en-US" i="1"/>
-              <a:t>System.Random</a:t>
-            </a:r>
-          </a:p>
-          <a:p>
-            <a:pPr lvl="1"/>
-            <a:r>
-              <a:rPr lang="en-US"/>
-              <a:t>Predictable</a:t>
-            </a:r>
-          </a:p>
-          <a:p>
-            <a:r>
-              <a:rPr lang="en-US"/>
-              <a:t>Secure random numbers</a:t>
-            </a:r>
-          </a:p>
-          <a:p>
-            <a:pPr lvl="1"/>
-            <a:r>
-              <a:rPr lang="en-US" i="1"/>
-              <a:t>RNGCryptoServiceProvider</a:t>
-            </a:r>
-          </a:p>
-        </p:txBody>
-      </p:sp>
-      <p:sp>
-        <p:nvSpPr>
-          <p:cNvPr id="4" name="Text Placeholder 3">
-            <a:extLst>
-              <a:ext uri="{FF2B5EF4-FFF2-40B4-BE49-F238E27FC236}">
-                <a16:creationId xmlns:a16="http://schemas.microsoft.com/office/drawing/2014/main" id="{2F55BBF1-8FB8-4863-8B14-CE0BEFFAF2D6}"/>
-              </a:ext>
-            </a:extLst>
-          </p:cNvPr>
-          <p:cNvSpPr>
-            <a:spLocks noGrp="1"/>
-          </p:cNvSpPr>
-          <p:nvPr>
-            <p:ph type="body" sz="quarter" idx="23"/>
-          </p:nvPr>
-        </p:nvSpPr>
-        <p:spPr/>
-        <p:txBody>
-          <a:bodyPr/>
-          <a:lstStyle/>
-          <a:p>
-            <a:r>
-              <a:rPr lang="en-US"/>
-              <a:t>See also </a:t>
-            </a:r>
-            <a:r>
-              <a:rPr lang="en-US">
-                <a:hlinkClick r:id="rId2"/>
-              </a:rPr>
-              <a:t>https://lowleveldesign.org/2018/08/15/randomness-in-net/</a:t>
-            </a:r>
-            <a:endParaRPr lang="en-US"/>
+            <a:endParaRPr lang="de-AT"/>
           </a:p>
         </p:txBody>
       </p:sp>
     </p:spTree>
     <p:extLst>
       <p:ext uri="{BB962C8B-B14F-4D97-AF65-F5344CB8AC3E}">
-        <p14:creationId xmlns:p14="http://schemas.microsoft.com/office/powerpoint/2010/main" val="2383227100"/>
+        <p14:creationId xmlns:p14="http://schemas.microsoft.com/office/powerpoint/2010/main" val="2148398201"/>
       </p:ext>
     </p:extLst>
   </p:cSld>
   <p:clrMapOvr>
     <a:masterClrMapping/>
   </p:clrMapOvr>
-  <p:transition spd="slow">
-    <p:push/>
-  </p:transition>
+  <mc:AlternateContent xmlns:mc="http://schemas.openxmlformats.org/markup-compatibility/2006">
+    <mc:Choice xmlns:p14="http://schemas.microsoft.com/office/powerpoint/2010/main" Requires="p14">
+      <p:transition spd="med" p14:dur="700">
+        <p:fade/>
+      </p:transition>
+    </mc:Choice>
+    <mc:Fallback>
+      <p:transition spd="med">
+        <p:fade/>
+      </p:transition>
+    </mc:Fallback>
+  </mc:AlternateContent>
 </p:sld>
 </file>
 
@@ -14435,10 +18578,10 @@
       </p:grpSpPr>
       <p:sp>
         <p:nvSpPr>
-          <p:cNvPr id="2" name="Title 1">
+          <p:cNvPr id="4" name="Title 3">
             <a:extLst>
               <a:ext uri="{FF2B5EF4-FFF2-40B4-BE49-F238E27FC236}">
-                <a16:creationId xmlns:a16="http://schemas.microsoft.com/office/drawing/2014/main" id="{FDCA5176-74BF-4D0C-AC1E-AD64ADD2C686}"/>
+                <a16:creationId xmlns:a16="http://schemas.microsoft.com/office/drawing/2014/main" id="{F7D06A31-CAA6-4A1D-95CF-6E7BDF91F333}"/>
               </a:ext>
             </a:extLst>
           </p:cNvPr>
@@ -14456,17 +18599,17 @@
           <a:p>
             <a:r>
               <a:rPr lang="en-US"/>
-              <a:t>bcrypt.net</a:t>
-            </a:r>
-          </a:p>
-        </p:txBody>
-      </p:sp>
-      <p:sp>
-        <p:nvSpPr>
-          <p:cNvPr id="3" name="Content Placeholder 2">
+              <a:t>.NET Cryptography Model</a:t>
+            </a:r>
+          </a:p>
+        </p:txBody>
+      </p:sp>
+      <p:sp>
+        <p:nvSpPr>
+          <p:cNvPr id="5" name="Content Placeholder 4">
             <a:extLst>
               <a:ext uri="{FF2B5EF4-FFF2-40B4-BE49-F238E27FC236}">
-                <a16:creationId xmlns:a16="http://schemas.microsoft.com/office/drawing/2014/main" id="{C9EC6411-B607-40FF-9D56-8B7F02BAFF0B}"/>
+                <a16:creationId xmlns:a16="http://schemas.microsoft.com/office/drawing/2014/main" id="{54011BA5-17BD-489D-A00A-F2E3C59A411B}"/>
               </a:ext>
             </a:extLst>
           </p:cNvPr>
@@ -14483,73 +18626,338 @@
           <a:lstStyle/>
           <a:p>
             <a:r>
-              <a:rPr lang="en-US">
+              <a:rPr lang="en-US" dirty="0"/>
+              <a:t>Derived class hierarchy</a:t>
+            </a:r>
+          </a:p>
+          <a:p>
+            <a:pPr lvl="1"/>
+            <a:r>
+              <a:rPr lang="en-US" dirty="0"/>
+              <a:t>Basic </a:t>
+            </a:r>
+            <a:r>
+              <a:rPr lang="en-US" dirty="0">
+                <a:solidFill>
+                  <a:schemeClr val="accent2"/>
+                </a:solidFill>
+              </a:rPr>
+              <a:t>algorithm types</a:t>
+            </a:r>
+            <a:r>
+              <a:rPr lang="en-US" dirty="0"/>
+              <a:t> (e.g. </a:t>
+            </a:r>
+            <a:r>
+              <a:rPr lang="en-US" dirty="0" err="1">
                 <a:hlinkClick r:id="rId2"/>
               </a:rPr>
-              <a:t>https://github.com/BcryptNet/bcrypt.net</a:t>
-            </a:r>
-            <a:endParaRPr lang="en-US"/>
+              <a:t>SymmetricAlgorithm</a:t>
+            </a:r>
+            <a:r>
+              <a:rPr lang="en-US" dirty="0"/>
+              <a:t>, </a:t>
+            </a:r>
+            <a:r>
+              <a:rPr lang="en-US" dirty="0" err="1">
+                <a:hlinkClick r:id="rId3"/>
+              </a:rPr>
+              <a:t>AsymmetricAlgorithm</a:t>
+            </a:r>
+            <a:r>
+              <a:rPr lang="en-US" dirty="0"/>
+              <a:t>, </a:t>
+            </a:r>
+            <a:r>
+              <a:rPr lang="en-US" dirty="0" err="1">
+                <a:hlinkClick r:id="rId4"/>
+              </a:rPr>
+              <a:t>HashAlgorithm</a:t>
+            </a:r>
+            <a:r>
+              <a:rPr lang="en-US" dirty="0"/>
+              <a:t>)</a:t>
+            </a:r>
+            <a:endParaRPr lang="en-US" u="sng" dirty="0"/>
           </a:p>
           <a:p>
             <a:pPr lvl="1"/>
             <a:r>
-              <a:rPr lang="en-US"/>
-              <a:t>NuGet: </a:t>
-            </a:r>
-            <a:r>
-              <a:rPr lang="en-US" i="1"/>
-              <a:t>BCrypt.Net-Next</a:t>
-            </a:r>
-          </a:p>
-          <a:p>
-            <a:r>
-              <a:rPr lang="en-US"/>
-              <a:t>Port of </a:t>
-            </a:r>
-            <a:r>
-              <a:rPr lang="en-US" i="1"/>
-              <a:t>jBCrypt</a:t>
-            </a:r>
-            <a:r>
-              <a:rPr lang="en-US"/>
-              <a:t> to C#</a:t>
+              <a:rPr lang="en-US" dirty="0">
+                <a:solidFill>
+                  <a:schemeClr val="accent2"/>
+                </a:solidFill>
+              </a:rPr>
+              <a:t>Algorithm</a:t>
+            </a:r>
+            <a:r>
+              <a:rPr lang="en-US" dirty="0"/>
+              <a:t> classes (e.g.  </a:t>
+            </a:r>
+            <a:r>
+              <a:rPr lang="en-US" dirty="0" err="1">
+                <a:hlinkClick r:id="rId5"/>
+              </a:rPr>
+              <a:t>Aes</a:t>
+            </a:r>
+            <a:r>
+              <a:rPr lang="en-US" dirty="0"/>
+              <a:t>, </a:t>
+            </a:r>
+            <a:r>
+              <a:rPr lang="en-US" dirty="0">
+                <a:hlinkClick r:id="rId6"/>
+              </a:rPr>
+              <a:t>RC2</a:t>
+            </a:r>
+            <a:r>
+              <a:rPr lang="en-US" dirty="0"/>
+              <a:t>, </a:t>
+            </a:r>
+            <a:r>
+              <a:rPr lang="en-US" dirty="0" err="1">
+                <a:hlinkClick r:id="rId7"/>
+              </a:rPr>
+              <a:t>ECDiffieHellman</a:t>
+            </a:r>
+            <a:r>
+              <a:rPr lang="en-US" dirty="0"/>
+              <a:t>)</a:t>
             </a:r>
           </a:p>
           <a:p>
             <a:pPr lvl="1"/>
             <a:r>
-              <a:rPr lang="en-US"/>
-              <a:t>Used to safely store passwords</a:t>
-            </a:r>
-          </a:p>
-          <a:p>
-            <a:r>
-              <a:rPr lang="en-US"/>
-              <a:t>Hashing of passwords with configurable hash complexity</a:t>
+              <a:rPr lang="en-US" dirty="0"/>
+              <a:t>Algorithm </a:t>
+            </a:r>
+            <a:r>
+              <a:rPr lang="en-US" dirty="0">
+                <a:solidFill>
+                  <a:schemeClr val="accent2"/>
+                </a:solidFill>
+              </a:rPr>
+              <a:t>implementations</a:t>
+            </a:r>
+            <a:r>
+              <a:rPr lang="en-US" dirty="0"/>
+              <a:t> (e.g.  </a:t>
+            </a:r>
+            <a:r>
+              <a:rPr lang="en-US" dirty="0" err="1">
+                <a:hlinkClick r:id="rId8"/>
+              </a:rPr>
+              <a:t>AesManaged</a:t>
+            </a:r>
+            <a:r>
+              <a:rPr lang="en-US" dirty="0"/>
+              <a:t>, </a:t>
+            </a:r>
+            <a:r>
+              <a:rPr lang="en-US" dirty="0">
+                <a:hlinkClick r:id="rId9"/>
+              </a:rPr>
+              <a:t>RC2CryptoServiceProvider</a:t>
+            </a:r>
+            <a:r>
+              <a:rPr lang="en-US" dirty="0"/>
+              <a:t>)</a:t>
+            </a:r>
+          </a:p>
+          <a:p>
+            <a:r>
+              <a:rPr lang="en-US" dirty="0"/>
+              <a:t>Different implementations</a:t>
             </a:r>
           </a:p>
           <a:p>
             <a:pPr lvl="1"/>
             <a:r>
-              <a:rPr lang="en-US"/>
-              <a:t>Compute power necessary for hashing can be set („work factor“)</a:t>
-            </a:r>
+              <a:rPr lang="en-US" dirty="0"/>
+              <a:t>E.g. </a:t>
+            </a:r>
+            <a:r>
+              <a:rPr lang="en-US" dirty="0" err="1">
+                <a:hlinkClick r:id="rId5"/>
+              </a:rPr>
+              <a:t>Aes</a:t>
+            </a:r>
+            <a:r>
+              <a:rPr lang="en-US" dirty="0"/>
+              <a:t> </a:t>
+            </a:r>
+            <a:r>
+              <a:rPr lang="en-US" dirty="0">
+                <a:sym typeface="Wingdings" panose="05000000000000000000" pitchFamily="2" charset="2"/>
+              </a:rPr>
+              <a:t> </a:t>
+            </a:r>
+            <a:r>
+              <a:rPr lang="en-US" dirty="0" err="1">
+                <a:sym typeface="Wingdings" panose="05000000000000000000" pitchFamily="2" charset="2"/>
+                <a:hlinkClick r:id="rId10"/>
+              </a:rPr>
+              <a:t>AesCng</a:t>
+            </a:r>
+            <a:r>
+              <a:rPr lang="en-US" dirty="0">
+                <a:sym typeface="Wingdings" panose="05000000000000000000" pitchFamily="2" charset="2"/>
+              </a:rPr>
+              <a:t>, </a:t>
+            </a:r>
+            <a:r>
+              <a:rPr lang="en-US" dirty="0" err="1">
+                <a:hlinkClick r:id="rId11"/>
+              </a:rPr>
+              <a:t>AesCryptoServiceProvider</a:t>
+            </a:r>
+            <a:r>
+              <a:rPr lang="en-US" dirty="0"/>
+              <a:t>, </a:t>
+            </a:r>
+            <a:r>
+              <a:rPr lang="en-US" dirty="0" err="1">
+                <a:hlinkClick r:id="rId8"/>
+              </a:rPr>
+              <a:t>AesManaged</a:t>
+            </a:r>
+            <a:endParaRPr lang="en-US" dirty="0"/>
           </a:p>
           <a:p>
             <a:pPr lvl="1"/>
             <a:r>
-              <a:rPr lang="en-US"/>
-              <a:t>Backward/forward compatible because complexity part of resultant hash</a:t>
-            </a:r>
-          </a:p>
-        </p:txBody>
-      </p:sp>
-      <p:sp>
-        <p:nvSpPr>
-          <p:cNvPr id="4" name="Text Placeholder 3">
+              <a:rPr lang="en-US" i="1" dirty="0" err="1"/>
+              <a:t>CryptoServiceProvider</a:t>
+            </a:r>
+            <a:r>
+              <a:rPr lang="en-US" dirty="0"/>
+              <a:t> </a:t>
+            </a:r>
+            <a:r>
+              <a:rPr lang="en-US" dirty="0">
+                <a:sym typeface="Wingdings" panose="05000000000000000000" pitchFamily="2" charset="2"/>
+              </a:rPr>
+              <a:t> wrapper around </a:t>
+            </a:r>
+            <a:r>
+              <a:rPr lang="en-US" i="1" dirty="0">
+                <a:sym typeface="Wingdings" panose="05000000000000000000" pitchFamily="2" charset="2"/>
+              </a:rPr>
+              <a:t>Windows Crypto API</a:t>
+            </a:r>
+            <a:r>
+              <a:rPr lang="en-US" dirty="0">
+                <a:sym typeface="Wingdings" panose="05000000000000000000" pitchFamily="2" charset="2"/>
+              </a:rPr>
+              <a:t> (</a:t>
+            </a:r>
+            <a:r>
+              <a:rPr lang="en-US" i="1" dirty="0">
+                <a:sym typeface="Wingdings" panose="05000000000000000000" pitchFamily="2" charset="2"/>
+              </a:rPr>
+              <a:t>CAPI</a:t>
+            </a:r>
+            <a:r>
+              <a:rPr lang="en-US" dirty="0">
+                <a:sym typeface="Wingdings" panose="05000000000000000000" pitchFamily="2" charset="2"/>
+              </a:rPr>
+              <a:t>); </a:t>
+            </a:r>
+            <a:r>
+              <a:rPr lang="en-US" dirty="0">
+                <a:solidFill>
+                  <a:schemeClr val="accent2"/>
+                </a:solidFill>
+                <a:sym typeface="Wingdings" panose="05000000000000000000" pitchFamily="2" charset="2"/>
+              </a:rPr>
+              <a:t>legacy</a:t>
+            </a:r>
+          </a:p>
+          <a:p>
+            <a:pPr lvl="1"/>
+            <a:r>
+              <a:rPr lang="en-US" i="1" dirty="0">
+                <a:sym typeface="Wingdings" panose="05000000000000000000" pitchFamily="2" charset="2"/>
+              </a:rPr>
+              <a:t>Managed</a:t>
+            </a:r>
+            <a:r>
+              <a:rPr lang="en-US" dirty="0">
+                <a:sym typeface="Wingdings" panose="05000000000000000000" pitchFamily="2" charset="2"/>
+              </a:rPr>
+              <a:t>  written entirely in managed Code; </a:t>
+            </a:r>
+            <a:r>
+              <a:rPr lang="en-US" dirty="0">
+                <a:solidFill>
+                  <a:schemeClr val="accent2"/>
+                </a:solidFill>
+                <a:sym typeface="Wingdings" panose="05000000000000000000" pitchFamily="2" charset="2"/>
+              </a:rPr>
+              <a:t>x-plat, slower, not certified</a:t>
+            </a:r>
+          </a:p>
+          <a:p>
+            <a:pPr lvl="1"/>
+            <a:r>
+              <a:rPr lang="en-US" i="1" dirty="0" err="1">
+                <a:sym typeface="Wingdings" panose="05000000000000000000" pitchFamily="2" charset="2"/>
+              </a:rPr>
+              <a:t>Cng</a:t>
+            </a:r>
+            <a:r>
+              <a:rPr lang="en-US" dirty="0">
+                <a:sym typeface="Wingdings" panose="05000000000000000000" pitchFamily="2" charset="2"/>
+              </a:rPr>
+              <a:t>  </a:t>
+            </a:r>
+            <a:r>
+              <a:rPr lang="en-US" i="1" dirty="0">
+                <a:sym typeface="Wingdings" panose="05000000000000000000" pitchFamily="2" charset="2"/>
+              </a:rPr>
+              <a:t>Cryptography Next Generation</a:t>
+            </a:r>
+            <a:r>
+              <a:rPr lang="en-US" dirty="0">
+                <a:sym typeface="Wingdings" panose="05000000000000000000" pitchFamily="2" charset="2"/>
+              </a:rPr>
+              <a:t> (</a:t>
+            </a:r>
+            <a:r>
+              <a:rPr lang="en-US" i="1" dirty="0">
+                <a:sym typeface="Wingdings" panose="05000000000000000000" pitchFamily="2" charset="2"/>
+              </a:rPr>
+              <a:t>CNG</a:t>
+            </a:r>
+            <a:r>
+              <a:rPr lang="en-US" dirty="0">
+                <a:sym typeface="Wingdings" panose="05000000000000000000" pitchFamily="2" charset="2"/>
+              </a:rPr>
+              <a:t>), Windows &gt;= Vista, </a:t>
+            </a:r>
+            <a:r>
+              <a:rPr lang="en-US" dirty="0">
+                <a:solidFill>
+                  <a:schemeClr val="accent2"/>
+                </a:solidFill>
+                <a:sym typeface="Wingdings" panose="05000000000000000000" pitchFamily="2" charset="2"/>
+              </a:rPr>
+              <a:t>actively developed</a:t>
+            </a:r>
+            <a:endParaRPr lang="en-US" dirty="0">
+              <a:solidFill>
+                <a:schemeClr val="accent2"/>
+              </a:solidFill>
+            </a:endParaRPr>
+          </a:p>
+        </p:txBody>
+      </p:sp>
+      <p:sp>
+        <p:nvSpPr>
+          <p:cNvPr id="6" name="Text Placeholder 5">
             <a:extLst>
               <a:ext uri="{FF2B5EF4-FFF2-40B4-BE49-F238E27FC236}">
-                <a16:creationId xmlns:a16="http://schemas.microsoft.com/office/drawing/2014/main" id="{BEB509E2-1834-430D-8807-974A525128EE}"/>
+                <a16:creationId xmlns:a16="http://schemas.microsoft.com/office/drawing/2014/main" id="{C661C493-16AA-46FE-A46C-0721D75073F2}"/>
               </a:ext>
             </a:extLst>
           </p:cNvPr>
@@ -14565,23 +18973,72 @@
           <a:bodyPr/>
           <a:lstStyle/>
           <a:p>
-            <a:endParaRPr lang="en-US"/>
+            <a:r>
+              <a:rPr lang="en-US" dirty="0"/>
+              <a:t>See also </a:t>
+            </a:r>
+            <a:r>
+              <a:rPr lang="de-AT" dirty="0">
+                <a:hlinkClick r:id="rId12"/>
+              </a:rPr>
+              <a:t>Recommended </a:t>
+            </a:r>
+            <a:r>
+              <a:rPr lang="de-AT" dirty="0" err="1">
+                <a:hlinkClick r:id="rId12"/>
+              </a:rPr>
+              <a:t>algorithms</a:t>
+            </a:r>
+            <a:r>
+              <a:rPr lang="de-AT" dirty="0">
+                <a:hlinkClick r:id="rId12"/>
+              </a:rPr>
+              <a:t> </a:t>
+            </a:r>
+            <a:r>
+              <a:rPr lang="de-AT" dirty="0" err="1">
+                <a:hlinkClick r:id="rId12"/>
+              </a:rPr>
+              <a:t>by</a:t>
+            </a:r>
+            <a:r>
+              <a:rPr lang="de-AT" dirty="0">
+                <a:hlinkClick r:id="rId12"/>
+              </a:rPr>
+              <a:t> </a:t>
+            </a:r>
+            <a:r>
+              <a:rPr lang="de-AT" dirty="0" err="1">
+                <a:hlinkClick r:id="rId12"/>
+              </a:rPr>
+              <a:t>application</a:t>
+            </a:r>
+            <a:endParaRPr lang="en-US" dirty="0"/>
           </a:p>
         </p:txBody>
       </p:sp>
     </p:spTree>
     <p:extLst>
       <p:ext uri="{BB962C8B-B14F-4D97-AF65-F5344CB8AC3E}">
-        <p14:creationId xmlns:p14="http://schemas.microsoft.com/office/powerpoint/2010/main" val="789896913"/>
+        <p14:creationId xmlns:p14="http://schemas.microsoft.com/office/powerpoint/2010/main" val="2971256026"/>
       </p:ext>
     </p:extLst>
   </p:cSld>
   <p:clrMapOvr>
     <a:masterClrMapping/>
   </p:clrMapOvr>
-  <p:transition spd="slow">
-    <p:push/>
-  </p:transition>
+  <mc:AlternateContent xmlns:mc="http://schemas.openxmlformats.org/markup-compatibility/2006">
+    <mc:Choice xmlns:p14="http://schemas.microsoft.com/office/powerpoint/2010/main" Requires="p14">
+      <p:transition spd="med" p14:dur="700">
+        <p:fade/>
+      </p:transition>
+    </mc:Choice>
+    <mc:Fallback>
+      <p:transition spd="med">
+        <p:fade/>
+      </p:transition>
+    </mc:Fallback>
+  </mc:AlternateContent>
 </p:sld>
 </file>
 
@@ -14607,7 +19064,7 @@
           <p:cNvPr id="2" name="Title 1">
             <a:extLst>
               <a:ext uri="{FF2B5EF4-FFF2-40B4-BE49-F238E27FC236}">
-                <a16:creationId xmlns:a16="http://schemas.microsoft.com/office/drawing/2014/main" id="{2572AE16-A283-4B2F-B9A5-A97D08773560}"/>
+                <a16:creationId xmlns:a16="http://schemas.microsoft.com/office/drawing/2014/main" id="{044ED3A1-BB93-4D64-8C76-672C48B10F1A}"/>
               </a:ext>
             </a:extLst>
           </p:cNvPr>
@@ -14625,7 +19082,7 @@
           <a:p>
             <a:r>
               <a:rPr lang="en-US"/>
-              <a:t>Examples</a:t>
+              <a:t>Stream Design</a:t>
             </a:r>
           </a:p>
         </p:txBody>
@@ -14635,7 +19092,7 @@
           <p:cNvPr id="3" name="Content Placeholder 2">
             <a:extLst>
               <a:ext uri="{FF2B5EF4-FFF2-40B4-BE49-F238E27FC236}">
-                <a16:creationId xmlns:a16="http://schemas.microsoft.com/office/drawing/2014/main" id="{189993DB-6F02-4D83-9680-D34AEF0E7BB5}"/>
+                <a16:creationId xmlns:a16="http://schemas.microsoft.com/office/drawing/2014/main" id="{AA0B7DB4-CD49-418C-A2CE-62711F6BF3BA}"/>
               </a:ext>
             </a:extLst>
           </p:cNvPr>
@@ -14653,59 +19110,45 @@
           <a:p>
             <a:r>
               <a:rPr lang="en-US" dirty="0"/>
-              <a:t>01-Symmetric-Encryption</a:t>
-            </a:r>
+              <a:t>For symmetric and hash algorithms</a:t>
+            </a:r>
+            <a:endParaRPr lang="en-US" u="sng" dirty="0">
+              <a:hlinkClick r:id="rId2"/>
+            </a:endParaRPr>
+          </a:p>
+          <a:p>
+            <a:r>
+              <a:rPr lang="en-US" dirty="0" err="1">
+                <a:hlinkClick r:id="rId2"/>
+              </a:rPr>
+              <a:t>CryptoStream</a:t>
+            </a:r>
+            <a:endParaRPr lang="en-US" dirty="0"/>
           </a:p>
           <a:p>
             <a:pPr lvl="1"/>
             <a:r>
               <a:rPr lang="en-US" dirty="0"/>
-              <a:t>Encrypt/decrypt data using AES</a:t>
-            </a:r>
-          </a:p>
-          <a:p>
-            <a:r>
-              <a:rPr lang="en-US" dirty="0"/>
-              <a:t>02-Asymmetric-Encryption</a:t>
+              <a:t>Derived from </a:t>
+            </a:r>
+            <a:r>
+              <a:rPr lang="en-US" i="1" dirty="0" err="1"/>
+              <a:t>System.IO.Stream</a:t>
+            </a:r>
+            <a:endParaRPr lang="en-US" i="1" dirty="0"/>
+          </a:p>
+          <a:p>
+            <a:r>
+              <a:rPr lang="en-US" dirty="0"/>
+              <a:t>Can be chained</a:t>
             </a:r>
           </a:p>
           <a:p>
             <a:pPr lvl="1"/>
             <a:r>
               <a:rPr lang="en-US" dirty="0"/>
-              <a:t>Transfer secret message using RSA and AES</a:t>
-            </a:r>
-          </a:p>
-          <a:p>
-            <a:r>
-              <a:rPr lang="en-US" dirty="0"/>
-              <a:t>03-Hashing</a:t>
-            </a:r>
-          </a:p>
-          <a:p>
-            <a:pPr lvl="1"/>
-            <a:r>
-              <a:rPr lang="en-US" dirty="0"/>
-              <a:t>Compare two files using their SHA512 hash values</a:t>
-            </a:r>
-          </a:p>
-          <a:p>
-            <a:r>
-              <a:rPr lang="en-US" dirty="0"/>
-              <a:t>04-Signing</a:t>
-            </a:r>
-          </a:p>
-          <a:p>
-            <a:pPr lvl="1"/>
-            <a:r>
-              <a:rPr lang="en-US" dirty="0"/>
-              <a:t>Create a signed hash value </a:t>
-            </a:r>
-            <a:r>
-              <a:rPr lang="en-US"/>
-              <a:t>and verify it</a:t>
-            </a:r>
-            <a:endParaRPr lang="en-US" dirty="0"/>
+              <a:t>E.g. hash, followed by encryption</a:t>
+            </a:r>
           </a:p>
         </p:txBody>
       </p:sp>
@@ -14714,7 +19157,7 @@
           <p:cNvPr id="4" name="Text Placeholder 3">
             <a:extLst>
               <a:ext uri="{FF2B5EF4-FFF2-40B4-BE49-F238E27FC236}">
-                <a16:creationId xmlns:a16="http://schemas.microsoft.com/office/drawing/2014/main" id="{0B3F959B-5A8B-4040-981A-0EBAC93AE572}"/>
+                <a16:creationId xmlns:a16="http://schemas.microsoft.com/office/drawing/2014/main" id="{9319D972-6E9C-437E-880A-1A8D365AEBC0}"/>
               </a:ext>
             </a:extLst>
           </p:cNvPr>
@@ -14737,16 +19180,25 @@
     </p:spTree>
     <p:extLst>
       <p:ext uri="{BB962C8B-B14F-4D97-AF65-F5344CB8AC3E}">
-        <p14:creationId xmlns:p14="http://schemas.microsoft.com/office/powerpoint/2010/main" val="1911820321"/>
+        <p14:creationId xmlns:p14="http://schemas.microsoft.com/office/powerpoint/2010/main" val="3353125863"/>
       </p:ext>
     </p:extLst>
   </p:cSld>
   <p:clrMapOvr>
     <a:masterClrMapping/>
   </p:clrMapOvr>
-  <p:transition spd="slow">
-    <p:push/>
-  </p:transition>
+  <mc:AlternateContent xmlns:mc="http://schemas.openxmlformats.org/markup-compatibility/2006">
+    <mc:Choice xmlns:p14="http://schemas.microsoft.com/office/powerpoint/2010/main" Requires="p14">
+      <p:transition spd="med" p14:dur="700">
+        <p:fade/>
+      </p:transition>
+    </mc:Choice>
+    <mc:Fallback>
+      <p:transition spd="med">
+        <p:fade/>
+      </p:transition>
+    </mc:Fallback>
+  </mc:AlternateContent>
 </p:sld>
 </file>
 
@@ -15547,6 +19999,21 @@
 </file>
 
 <file path=customXml/item1.xml><?xml version="1.0" encoding="utf-8"?>
+<p:properties xmlns:p="http://schemas.microsoft.com/office/2006/metadata/properties" xmlns:xsi="http://www.w3.org/2001/XMLSchema-instance">
+  <documentManagement/>
+</p:properties>
+</file>
+
+<file path=customXml/item2.xml><?xml version="1.0" encoding="utf-8"?>
+<?mso-contentType ?>
+<FormTemplates xmlns="http://schemas.microsoft.com/sharepoint/v3/contenttype/forms">
+  <Display>DocumentLibraryForm</Display>
+  <Edit>DocumentLibraryForm</Edit>
+  <New>DocumentLibraryForm</New>
+</FormTemplates>
+</file>
+
+<file path=customXml/item3.xml><?xml version="1.0" encoding="utf-8"?>
 <ct:contentTypeSchema xmlns:ct="http://schemas.microsoft.com/office/2006/metadata/contentType" xmlns:ma="http://schemas.microsoft.com/office/2006/metadata/properties/metaAttributes" ct:_="" ma:_="" ma:contentTypeName="Document" ma:contentTypeID="0x0101006C90029AD581154692170791F90B0BA6" ma:contentTypeVersion="0" ma:contentTypeDescription="Create a new document." ma:contentTypeScope="" ma:versionID="453f2a28f59e13bb333d4563bd7e6ec5">
   <xsd:schema xmlns:xsd="http://www.w3.org/2001/XMLSchema" xmlns:p="http://schemas.microsoft.com/office/2006/metadata/properties" targetNamespace="http://schemas.microsoft.com/office/2006/metadata/properties" ma:root="true" ma:fieldsID="4aeb20c0e3442673af7ee10786458764">
     <xsd:element name="properties">
@@ -15595,32 +20062,16 @@
 </ct:contentTypeSchema>
 </file>
 
-<file path=customXml/item2.xml><?xml version="1.0" encoding="utf-8"?>
-<?mso-contentType ?>
-<FormTemplates xmlns="http://schemas.microsoft.com/sharepoint/v3/contenttype/forms">
-  <Display>DocumentLibraryForm</Display>
-  <Edit>DocumentLibraryForm</Edit>
-  <New>DocumentLibraryForm</New>
-</FormTemplates>
-</file>
-
-<file path=customXml/item3.xml><?xml version="1.0" encoding="utf-8"?>
-<p:properties xmlns:p="http://schemas.microsoft.com/office/2006/metadata/properties" xmlns:xsi="http://www.w3.org/2001/XMLSchema-instance">
-  <documentManagement/>
-</p:properties>
-</file>
-
 <file path=customXml/itemProps1.xml><?xml version="1.0" encoding="utf-8"?>
-<ds:datastoreItem xmlns:ds="http://schemas.openxmlformats.org/officeDocument/2006/customXml" ds:itemID="{14A11C81-3A20-458B-AC33-D8C9DB9BBB4A}">
+<ds:datastoreItem xmlns:ds="http://schemas.openxmlformats.org/officeDocument/2006/customXml" ds:itemID="{03D43D4A-F5F8-47F6-A4EC-521F433C91BF}">
   <ds:schemaRefs>
-    <ds:schemaRef ds:uri="http://schemas.microsoft.com/office/2006/metadata/contentType"/>
-    <ds:schemaRef ds:uri="http://schemas.microsoft.com/office/2006/metadata/properties/metaAttributes"/>
-    <ds:schemaRef ds:uri="http://www.w3.org/2001/XMLSchema"/>
     <ds:schemaRef ds:uri="http://schemas.microsoft.com/office/2006/metadata/properties"/>
+    <ds:schemaRef ds:uri="http://purl.org/dc/terms/"/>
     <ds:schemaRef ds:uri="http://schemas.openxmlformats.org/package/2006/metadata/core-properties"/>
+    <ds:schemaRef ds:uri="http://schemas.microsoft.com/office/2006/documentManagement/types"/>
     <ds:schemaRef ds:uri="http://purl.org/dc/elements/1.1/"/>
-    <ds:schemaRef ds:uri="http://purl.org/dc/terms/"/>
-    <ds:schemaRef ds:uri="http://schemas.microsoft.com/office/internal/2005/internalDocumentation"/>
+    <ds:schemaRef ds:uri="http://www.w3.org/XML/1998/namespace"/>
+    <ds:schemaRef ds:uri="http://purl.org/dc/dcmitype/"/>
   </ds:schemaRefs>
 </ds:datastoreItem>
 </file>
@@ -15634,15 +20085,16 @@
 </file>
 
 <file path=customXml/itemProps3.xml><?xml version="1.0" encoding="utf-8"?>
-<ds:datastoreItem xmlns:ds="http://schemas.openxmlformats.org/officeDocument/2006/customXml" ds:itemID="{03D43D4A-F5F8-47F6-A4EC-521F433C91BF}">
+<ds:datastoreItem xmlns:ds="http://schemas.openxmlformats.org/officeDocument/2006/customXml" ds:itemID="{14A11C81-3A20-458B-AC33-D8C9DB9BBB4A}">
   <ds:schemaRefs>
+    <ds:schemaRef ds:uri="http://schemas.microsoft.com/office/2006/metadata/contentType"/>
+    <ds:schemaRef ds:uri="http://schemas.microsoft.com/office/2006/metadata/properties/metaAttributes"/>
+    <ds:schemaRef ds:uri="http://www.w3.org/2001/XMLSchema"/>
     <ds:schemaRef ds:uri="http://schemas.microsoft.com/office/2006/metadata/properties"/>
+    <ds:schemaRef ds:uri="http://schemas.openxmlformats.org/package/2006/metadata/core-properties"/>
+    <ds:schemaRef ds:uri="http://purl.org/dc/elements/1.1/"/>
     <ds:schemaRef ds:uri="http://purl.org/dc/terms/"/>
-    <ds:schemaRef ds:uri="http://schemas.openxmlformats.org/package/2006/metadata/core-properties"/>
-    <ds:schemaRef ds:uri="http://schemas.microsoft.com/office/2006/documentManagement/types"/>
-    <ds:schemaRef ds:uri="http://purl.org/dc/elements/1.1/"/>
-    <ds:schemaRef ds:uri="http://www.w3.org/XML/1998/namespace"/>
-    <ds:schemaRef ds:uri="http://purl.org/dc/dcmitype/"/>
+    <ds:schemaRef ds:uri="http://schemas.microsoft.com/office/internal/2005/internalDocumentation"/>
   </ds:schemaRefs>
 </ds:datastoreItem>
 </file>
--- a/Slides/Secure-Coding-Dot-Net.pptx
+++ b/Slides/Secure-Coding-Dot-Net.pptx
@@ -5,50 +5,52 @@
     <p:sldMasterId id="2147483648" r:id="rId4"/>
   </p:sldMasterIdLst>
   <p:notesMasterIdLst>
-    <p:notesMasterId r:id="rId43"/>
+    <p:notesMasterId r:id="rId45"/>
   </p:notesMasterIdLst>
   <p:handoutMasterIdLst>
-    <p:handoutMasterId r:id="rId44"/>
+    <p:handoutMasterId r:id="rId46"/>
   </p:handoutMasterIdLst>
   <p:sldIdLst>
     <p:sldId id="377" r:id="rId5"/>
-    <p:sldId id="390" r:id="rId6"/>
-    <p:sldId id="395" r:id="rId7"/>
-    <p:sldId id="391" r:id="rId8"/>
-    <p:sldId id="396" r:id="rId9"/>
-    <p:sldId id="397" r:id="rId10"/>
-    <p:sldId id="378" r:id="rId11"/>
-    <p:sldId id="379" r:id="rId12"/>
-    <p:sldId id="380" r:id="rId13"/>
-    <p:sldId id="385" r:id="rId14"/>
-    <p:sldId id="383" r:id="rId15"/>
-    <p:sldId id="381" r:id="rId16"/>
-    <p:sldId id="384" r:id="rId17"/>
-    <p:sldId id="386" r:id="rId18"/>
-    <p:sldId id="387" r:id="rId19"/>
-    <p:sldId id="389" r:id="rId20"/>
-    <p:sldId id="394" r:id="rId21"/>
-    <p:sldId id="392" r:id="rId22"/>
-    <p:sldId id="393" r:id="rId23"/>
-    <p:sldId id="400" r:id="rId24"/>
-    <p:sldId id="398" r:id="rId25"/>
-    <p:sldId id="399" r:id="rId26"/>
-    <p:sldId id="401" r:id="rId27"/>
-    <p:sldId id="402" r:id="rId28"/>
-    <p:sldId id="403" r:id="rId29"/>
-    <p:sldId id="404" r:id="rId30"/>
-    <p:sldId id="405" r:id="rId31"/>
-    <p:sldId id="406" r:id="rId32"/>
-    <p:sldId id="407" r:id="rId33"/>
-    <p:sldId id="408" r:id="rId34"/>
-    <p:sldId id="409" r:id="rId35"/>
-    <p:sldId id="410" r:id="rId36"/>
-    <p:sldId id="411" r:id="rId37"/>
-    <p:sldId id="412" r:id="rId38"/>
-    <p:sldId id="413" r:id="rId39"/>
-    <p:sldId id="414" r:id="rId40"/>
-    <p:sldId id="415" r:id="rId41"/>
-    <p:sldId id="362" r:id="rId42"/>
+    <p:sldId id="266" r:id="rId6"/>
+    <p:sldId id="416" r:id="rId7"/>
+    <p:sldId id="390" r:id="rId8"/>
+    <p:sldId id="395" r:id="rId9"/>
+    <p:sldId id="391" r:id="rId10"/>
+    <p:sldId id="396" r:id="rId11"/>
+    <p:sldId id="397" r:id="rId12"/>
+    <p:sldId id="378" r:id="rId13"/>
+    <p:sldId id="379" r:id="rId14"/>
+    <p:sldId id="380" r:id="rId15"/>
+    <p:sldId id="385" r:id="rId16"/>
+    <p:sldId id="383" r:id="rId17"/>
+    <p:sldId id="381" r:id="rId18"/>
+    <p:sldId id="384" r:id="rId19"/>
+    <p:sldId id="386" r:id="rId20"/>
+    <p:sldId id="387" r:id="rId21"/>
+    <p:sldId id="389" r:id="rId22"/>
+    <p:sldId id="394" r:id="rId23"/>
+    <p:sldId id="392" r:id="rId24"/>
+    <p:sldId id="393" r:id="rId25"/>
+    <p:sldId id="400" r:id="rId26"/>
+    <p:sldId id="398" r:id="rId27"/>
+    <p:sldId id="399" r:id="rId28"/>
+    <p:sldId id="401" r:id="rId29"/>
+    <p:sldId id="402" r:id="rId30"/>
+    <p:sldId id="403" r:id="rId31"/>
+    <p:sldId id="404" r:id="rId32"/>
+    <p:sldId id="405" r:id="rId33"/>
+    <p:sldId id="406" r:id="rId34"/>
+    <p:sldId id="407" r:id="rId35"/>
+    <p:sldId id="408" r:id="rId36"/>
+    <p:sldId id="409" r:id="rId37"/>
+    <p:sldId id="410" r:id="rId38"/>
+    <p:sldId id="411" r:id="rId39"/>
+    <p:sldId id="412" r:id="rId40"/>
+    <p:sldId id="413" r:id="rId41"/>
+    <p:sldId id="414" r:id="rId42"/>
+    <p:sldId id="415" r:id="rId43"/>
+    <p:sldId id="362" r:id="rId44"/>
   </p:sldIdLst>
   <p:sldSz cx="9144000" cy="5143500" type="screen16x9"/>
   <p:notesSz cx="6858000" cy="9144000"/>
@@ -262,7 +264,7 @@
           <a:p>
             <a:fld id="{D3FDC4BA-F62C-46A2-87C1-2103180CFF88}" type="datetimeFigureOut">
               <a:rPr lang="de-AT" smtClean="0"/>
-              <a:t>24.06.2019</a:t>
+              <a:t>25.06.2019</a:t>
             </a:fld>
             <a:endParaRPr lang="de-AT"/>
           </a:p>
@@ -428,7 +430,7 @@
             <a:fld id="{3612A09C-9A01-4873-9E29-1DA9CA5B5B01}" type="datetimeFigureOut">
               <a:rPr lang="de-DE" smtClean="0"/>
               <a:pPr/>
-              <a:t>24.06.2019</a:t>
+              <a:t>25.06.2019</a:t>
             </a:fld>
             <a:endParaRPr lang="de-AT"/>
           </a:p>
@@ -12022,13 +12024,13 @@
   <p:clrMapOvr>
     <a:masterClrMapping/>
   </p:clrMapOvr>
-  <mc:AlternateContent xmlns:mc="http://schemas.openxmlformats.org/markup-compatibility/2006">
-    <mc:Choice xmlns:p14="http://schemas.microsoft.com/office/powerpoint/2010/main" Requires="p14">
+  <mc:AlternateContent xmlns:mc="http://schemas.openxmlformats.org/markup-compatibility/2006" xmlns:p14="http://schemas.microsoft.com/office/powerpoint/2010/main">
+    <mc:Choice Requires="p14">
       <p:transition spd="med" p14:dur="700">
         <p:fade/>
       </p:transition>
     </mc:Choice>
-    <mc:Fallback>
+    <mc:Fallback xmlns="">
       <p:transition spd="med">
         <p:fade/>
       </p:transition>
@@ -12056,10 +12058,10 @@
       </p:grpSpPr>
       <p:sp>
         <p:nvSpPr>
-          <p:cNvPr id="2" name="Title 1">
+          <p:cNvPr id="4" name="Title 3">
             <a:extLst>
               <a:ext uri="{FF2B5EF4-FFF2-40B4-BE49-F238E27FC236}">
-                <a16:creationId xmlns:a16="http://schemas.microsoft.com/office/drawing/2014/main" id="{420B3033-DFBD-48DA-B34E-75003EC3BCE6}"/>
+                <a16:creationId xmlns:a16="http://schemas.microsoft.com/office/drawing/2014/main" id="{F7D06A31-CAA6-4A1D-95CF-6E7BDF91F333}"/>
               </a:ext>
             </a:extLst>
           </p:cNvPr>
@@ -12077,17 +12079,17 @@
           <a:p>
             <a:r>
               <a:rPr lang="en-US"/>
-              <a:t>Random Numbers</a:t>
-            </a:r>
-          </a:p>
-        </p:txBody>
-      </p:sp>
-      <p:sp>
-        <p:nvSpPr>
-          <p:cNvPr id="3" name="Content Placeholder 2">
+              <a:t>.NET Cryptography Model</a:t>
+            </a:r>
+          </a:p>
+        </p:txBody>
+      </p:sp>
+      <p:sp>
+        <p:nvSpPr>
+          <p:cNvPr id="5" name="Content Placeholder 4">
             <a:extLst>
               <a:ext uri="{FF2B5EF4-FFF2-40B4-BE49-F238E27FC236}">
-                <a16:creationId xmlns:a16="http://schemas.microsoft.com/office/drawing/2014/main" id="{612B6AA0-7262-4D3E-836C-09EBD0B56B93}"/>
+                <a16:creationId xmlns:a16="http://schemas.microsoft.com/office/drawing/2014/main" id="{54011BA5-17BD-489D-A00A-F2E3C59A411B}"/>
               </a:ext>
             </a:extLst>
           </p:cNvPr>
@@ -12104,45 +12106,338 @@
           <a:lstStyle/>
           <a:p>
             <a:r>
-              <a:rPr lang="en-US"/>
-              <a:t>Pseudo-random numbers</a:t>
+              <a:rPr lang="en-US" dirty="0"/>
+              <a:t>Derived class hierarchy</a:t>
             </a:r>
           </a:p>
           <a:p>
             <a:pPr lvl="1"/>
             <a:r>
-              <a:rPr lang="en-US" i="1"/>
-              <a:t>System.Random</a:t>
-            </a:r>
+              <a:rPr lang="en-US" dirty="0"/>
+              <a:t>Basic </a:t>
+            </a:r>
+            <a:r>
+              <a:rPr lang="en-US" dirty="0">
+                <a:solidFill>
+                  <a:schemeClr val="accent2"/>
+                </a:solidFill>
+              </a:rPr>
+              <a:t>algorithm types</a:t>
+            </a:r>
+            <a:r>
+              <a:rPr lang="en-US" dirty="0"/>
+              <a:t> (e.g. </a:t>
+            </a:r>
+            <a:r>
+              <a:rPr lang="en-US" dirty="0" err="1">
+                <a:hlinkClick r:id="rId2"/>
+              </a:rPr>
+              <a:t>SymmetricAlgorithm</a:t>
+            </a:r>
+            <a:r>
+              <a:rPr lang="en-US" dirty="0"/>
+              <a:t>, </a:t>
+            </a:r>
+            <a:r>
+              <a:rPr lang="en-US" dirty="0" err="1">
+                <a:hlinkClick r:id="rId3"/>
+              </a:rPr>
+              <a:t>AsymmetricAlgorithm</a:t>
+            </a:r>
+            <a:r>
+              <a:rPr lang="en-US" dirty="0"/>
+              <a:t>, </a:t>
+            </a:r>
+            <a:r>
+              <a:rPr lang="en-US" dirty="0" err="1">
+                <a:hlinkClick r:id="rId4"/>
+              </a:rPr>
+              <a:t>HashAlgorithm</a:t>
+            </a:r>
+            <a:r>
+              <a:rPr lang="en-US" dirty="0"/>
+              <a:t>)</a:t>
+            </a:r>
+            <a:endParaRPr lang="en-US" u="sng" dirty="0"/>
           </a:p>
           <a:p>
             <a:pPr lvl="1"/>
             <a:r>
-              <a:rPr lang="en-US"/>
-              <a:t>Predictable</a:t>
-            </a:r>
-          </a:p>
-          <a:p>
-            <a:r>
-              <a:rPr lang="en-US"/>
-              <a:t>Secure random numbers</a:t>
+              <a:rPr lang="en-US" dirty="0">
+                <a:solidFill>
+                  <a:schemeClr val="accent2"/>
+                </a:solidFill>
+              </a:rPr>
+              <a:t>Algorithm</a:t>
+            </a:r>
+            <a:r>
+              <a:rPr lang="en-US" dirty="0"/>
+              <a:t> classes (e.g.  </a:t>
+            </a:r>
+            <a:r>
+              <a:rPr lang="en-US" dirty="0" err="1">
+                <a:hlinkClick r:id="rId5"/>
+              </a:rPr>
+              <a:t>Aes</a:t>
+            </a:r>
+            <a:r>
+              <a:rPr lang="en-US" dirty="0"/>
+              <a:t>, </a:t>
+            </a:r>
+            <a:r>
+              <a:rPr lang="en-US" dirty="0">
+                <a:hlinkClick r:id="rId6"/>
+              </a:rPr>
+              <a:t>RC2</a:t>
+            </a:r>
+            <a:r>
+              <a:rPr lang="en-US" dirty="0"/>
+              <a:t>, </a:t>
+            </a:r>
+            <a:r>
+              <a:rPr lang="en-US" dirty="0" err="1">
+                <a:hlinkClick r:id="rId7"/>
+              </a:rPr>
+              <a:t>ECDiffieHellman</a:t>
+            </a:r>
+            <a:r>
+              <a:rPr lang="en-US" dirty="0"/>
+              <a:t>)</a:t>
             </a:r>
           </a:p>
           <a:p>
             <a:pPr lvl="1"/>
             <a:r>
-              <a:rPr lang="en-US" i="1"/>
-              <a:t>RNGCryptoServiceProvider</a:t>
-            </a:r>
-          </a:p>
-        </p:txBody>
-      </p:sp>
-      <p:sp>
-        <p:nvSpPr>
-          <p:cNvPr id="4" name="Text Placeholder 3">
+              <a:rPr lang="en-US" dirty="0"/>
+              <a:t>Algorithm </a:t>
+            </a:r>
+            <a:r>
+              <a:rPr lang="en-US" dirty="0">
+                <a:solidFill>
+                  <a:schemeClr val="accent2"/>
+                </a:solidFill>
+              </a:rPr>
+              <a:t>implementations</a:t>
+            </a:r>
+            <a:r>
+              <a:rPr lang="en-US" dirty="0"/>
+              <a:t> (e.g.  </a:t>
+            </a:r>
+            <a:r>
+              <a:rPr lang="en-US" dirty="0" err="1">
+                <a:hlinkClick r:id="rId8"/>
+              </a:rPr>
+              <a:t>AesManaged</a:t>
+            </a:r>
+            <a:r>
+              <a:rPr lang="en-US" dirty="0"/>
+              <a:t>, </a:t>
+            </a:r>
+            <a:r>
+              <a:rPr lang="en-US" dirty="0">
+                <a:hlinkClick r:id="rId9"/>
+              </a:rPr>
+              <a:t>RC2CryptoServiceProvider</a:t>
+            </a:r>
+            <a:r>
+              <a:rPr lang="en-US" dirty="0"/>
+              <a:t>)</a:t>
+            </a:r>
+          </a:p>
+          <a:p>
+            <a:r>
+              <a:rPr lang="en-US" dirty="0"/>
+              <a:t>Different implementations</a:t>
+            </a:r>
+          </a:p>
+          <a:p>
+            <a:pPr lvl="1"/>
+            <a:r>
+              <a:rPr lang="en-US" dirty="0"/>
+              <a:t>E.g. </a:t>
+            </a:r>
+            <a:r>
+              <a:rPr lang="en-US" dirty="0" err="1">
+                <a:hlinkClick r:id="rId5"/>
+              </a:rPr>
+              <a:t>Aes</a:t>
+            </a:r>
+            <a:r>
+              <a:rPr lang="en-US" dirty="0"/>
+              <a:t> </a:t>
+            </a:r>
+            <a:r>
+              <a:rPr lang="en-US" dirty="0">
+                <a:sym typeface="Wingdings" panose="05000000000000000000" pitchFamily="2" charset="2"/>
+              </a:rPr>
+              <a:t> </a:t>
+            </a:r>
+            <a:r>
+              <a:rPr lang="en-US" dirty="0" err="1">
+                <a:sym typeface="Wingdings" panose="05000000000000000000" pitchFamily="2" charset="2"/>
+                <a:hlinkClick r:id="rId10"/>
+              </a:rPr>
+              <a:t>AesCng</a:t>
+            </a:r>
+            <a:r>
+              <a:rPr lang="en-US" dirty="0">
+                <a:sym typeface="Wingdings" panose="05000000000000000000" pitchFamily="2" charset="2"/>
+              </a:rPr>
+              <a:t>, </a:t>
+            </a:r>
+            <a:r>
+              <a:rPr lang="en-US" dirty="0" err="1">
+                <a:hlinkClick r:id="rId11"/>
+              </a:rPr>
+              <a:t>AesCryptoServiceProvider</a:t>
+            </a:r>
+            <a:r>
+              <a:rPr lang="en-US" dirty="0"/>
+              <a:t>, </a:t>
+            </a:r>
+            <a:r>
+              <a:rPr lang="en-US" dirty="0" err="1">
+                <a:hlinkClick r:id="rId8"/>
+              </a:rPr>
+              <a:t>AesManaged</a:t>
+            </a:r>
+            <a:endParaRPr lang="en-US" dirty="0"/>
+          </a:p>
+          <a:p>
+            <a:pPr lvl="1"/>
+            <a:r>
+              <a:rPr lang="en-US" i="1" dirty="0" err="1"/>
+              <a:t>CryptoServiceProvider</a:t>
+            </a:r>
+            <a:r>
+              <a:rPr lang="en-US" dirty="0"/>
+              <a:t> </a:t>
+            </a:r>
+            <a:r>
+              <a:rPr lang="en-US" dirty="0">
+                <a:sym typeface="Wingdings" panose="05000000000000000000" pitchFamily="2" charset="2"/>
+              </a:rPr>
+              <a:t> wrapper around </a:t>
+            </a:r>
+            <a:r>
+              <a:rPr lang="en-US" i="1" dirty="0">
+                <a:sym typeface="Wingdings" panose="05000000000000000000" pitchFamily="2" charset="2"/>
+              </a:rPr>
+              <a:t>Windows Crypto API</a:t>
+            </a:r>
+            <a:r>
+              <a:rPr lang="en-US" dirty="0">
+                <a:sym typeface="Wingdings" panose="05000000000000000000" pitchFamily="2" charset="2"/>
+              </a:rPr>
+              <a:t> (</a:t>
+            </a:r>
+            <a:r>
+              <a:rPr lang="en-US" i="1" dirty="0">
+                <a:sym typeface="Wingdings" panose="05000000000000000000" pitchFamily="2" charset="2"/>
+              </a:rPr>
+              <a:t>CAPI</a:t>
+            </a:r>
+            <a:r>
+              <a:rPr lang="en-US" dirty="0">
+                <a:sym typeface="Wingdings" panose="05000000000000000000" pitchFamily="2" charset="2"/>
+              </a:rPr>
+              <a:t>); </a:t>
+            </a:r>
+            <a:r>
+              <a:rPr lang="en-US" dirty="0">
+                <a:solidFill>
+                  <a:schemeClr val="accent2"/>
+                </a:solidFill>
+                <a:sym typeface="Wingdings" panose="05000000000000000000" pitchFamily="2" charset="2"/>
+              </a:rPr>
+              <a:t>legacy</a:t>
+            </a:r>
+          </a:p>
+          <a:p>
+            <a:pPr lvl="1"/>
+            <a:r>
+              <a:rPr lang="en-US" i="1" dirty="0">
+                <a:sym typeface="Wingdings" panose="05000000000000000000" pitchFamily="2" charset="2"/>
+              </a:rPr>
+              <a:t>Managed</a:t>
+            </a:r>
+            <a:r>
+              <a:rPr lang="en-US" dirty="0">
+                <a:sym typeface="Wingdings" panose="05000000000000000000" pitchFamily="2" charset="2"/>
+              </a:rPr>
+              <a:t>  written entirely in managed Code; </a:t>
+            </a:r>
+            <a:r>
+              <a:rPr lang="en-US" dirty="0">
+                <a:solidFill>
+                  <a:schemeClr val="accent2"/>
+                </a:solidFill>
+                <a:sym typeface="Wingdings" panose="05000000000000000000" pitchFamily="2" charset="2"/>
+              </a:rPr>
+              <a:t>x-plat, slower, not certified</a:t>
+            </a:r>
+          </a:p>
+          <a:p>
+            <a:pPr lvl="1"/>
+            <a:r>
+              <a:rPr lang="en-US" i="1" dirty="0" err="1">
+                <a:sym typeface="Wingdings" panose="05000000000000000000" pitchFamily="2" charset="2"/>
+              </a:rPr>
+              <a:t>Cng</a:t>
+            </a:r>
+            <a:r>
+              <a:rPr lang="en-US" dirty="0">
+                <a:sym typeface="Wingdings" panose="05000000000000000000" pitchFamily="2" charset="2"/>
+              </a:rPr>
+              <a:t>  </a:t>
+            </a:r>
+            <a:r>
+              <a:rPr lang="en-US" i="1" dirty="0">
+                <a:sym typeface="Wingdings" panose="05000000000000000000" pitchFamily="2" charset="2"/>
+              </a:rPr>
+              <a:t>Cryptography Next Generation</a:t>
+            </a:r>
+            <a:r>
+              <a:rPr lang="en-US" dirty="0">
+                <a:sym typeface="Wingdings" panose="05000000000000000000" pitchFamily="2" charset="2"/>
+              </a:rPr>
+              <a:t> (</a:t>
+            </a:r>
+            <a:r>
+              <a:rPr lang="en-US" i="1" dirty="0">
+                <a:sym typeface="Wingdings" panose="05000000000000000000" pitchFamily="2" charset="2"/>
+              </a:rPr>
+              <a:t>CNG</a:t>
+            </a:r>
+            <a:r>
+              <a:rPr lang="en-US" dirty="0">
+                <a:sym typeface="Wingdings" panose="05000000000000000000" pitchFamily="2" charset="2"/>
+              </a:rPr>
+              <a:t>), Windows &gt;= Vista, </a:t>
+            </a:r>
+            <a:r>
+              <a:rPr lang="en-US" dirty="0">
+                <a:solidFill>
+                  <a:schemeClr val="accent2"/>
+                </a:solidFill>
+                <a:sym typeface="Wingdings" panose="05000000000000000000" pitchFamily="2" charset="2"/>
+              </a:rPr>
+              <a:t>actively developed</a:t>
+            </a:r>
+            <a:endParaRPr lang="en-US" dirty="0">
+              <a:solidFill>
+                <a:schemeClr val="accent2"/>
+              </a:solidFill>
+            </a:endParaRPr>
+          </a:p>
+        </p:txBody>
+      </p:sp>
+      <p:sp>
+        <p:nvSpPr>
+          <p:cNvPr id="6" name="Text Placeholder 5">
             <a:extLst>
               <a:ext uri="{FF2B5EF4-FFF2-40B4-BE49-F238E27FC236}">
-                <a16:creationId xmlns:a16="http://schemas.microsoft.com/office/drawing/2014/main" id="{2F55BBF1-8FB8-4863-8B14-CE0BEFFAF2D6}"/>
+                <a16:creationId xmlns:a16="http://schemas.microsoft.com/office/drawing/2014/main" id="{C661C493-16AA-46FE-A46C-0721D75073F2}"/>
               </a:ext>
             </a:extLst>
           </p:cNvPr>
@@ -12159,36 +12454,66 @@
           <a:lstStyle/>
           <a:p>
             <a:r>
-              <a:rPr lang="en-US"/>
+              <a:rPr lang="en-US" dirty="0"/>
               <a:t>See also </a:t>
             </a:r>
             <a:r>
-              <a:rPr lang="en-US">
-                <a:hlinkClick r:id="rId2"/>
+              <a:rPr lang="de-AT" dirty="0">
+                <a:hlinkClick r:id="rId12"/>
               </a:rPr>
-              <a:t>https://lowleveldesign.org/2018/08/15/randomness-in-net/</a:t>
-            </a:r>
-            <a:endParaRPr lang="en-US"/>
+              <a:t>Recommended </a:t>
+            </a:r>
+            <a:r>
+              <a:rPr lang="de-AT" dirty="0" err="1">
+                <a:hlinkClick r:id="rId12"/>
+              </a:rPr>
+              <a:t>algorithms</a:t>
+            </a:r>
+            <a:r>
+              <a:rPr lang="de-AT" dirty="0">
+                <a:hlinkClick r:id="rId12"/>
+              </a:rPr>
+              <a:t> </a:t>
+            </a:r>
+            <a:r>
+              <a:rPr lang="de-AT" dirty="0" err="1">
+                <a:hlinkClick r:id="rId12"/>
+              </a:rPr>
+              <a:t>by</a:t>
+            </a:r>
+            <a:r>
+              <a:rPr lang="de-AT" dirty="0">
+                <a:hlinkClick r:id="rId12"/>
+              </a:rPr>
+              <a:t> </a:t>
+            </a:r>
+            <a:r>
+              <a:rPr lang="de-AT" dirty="0" err="1">
+                <a:hlinkClick r:id="rId12"/>
+              </a:rPr>
+              <a:t>application</a:t>
+            </a:r>
+            <a:endParaRPr lang="en-US" dirty="0"/>
           </a:p>
         </p:txBody>
       </p:sp>
     </p:spTree>
     <p:extLst>
       <p:ext uri="{BB962C8B-B14F-4D97-AF65-F5344CB8AC3E}">
-        <p14:creationId xmlns:p14="http://schemas.microsoft.com/office/powerpoint/2010/main" val="2383227100"/>
+        <p14:creationId xmlns:p14="http://schemas.microsoft.com/office/powerpoint/2010/main" val="2971256026"/>
       </p:ext>
     </p:extLst>
   </p:cSld>
   <p:clrMapOvr>
     <a:masterClrMapping/>
   </p:clrMapOvr>
-  <mc:AlternateContent xmlns:mc="http://schemas.openxmlformats.org/markup-compatibility/2006">
-    <mc:Choice xmlns:p14="http://schemas.microsoft.com/office/powerpoint/2010/main" Requires="p14">
+  <mc:AlternateContent xmlns:mc="http://schemas.openxmlformats.org/markup-compatibility/2006" xmlns:p14="http://schemas.microsoft.com/office/powerpoint/2010/main">
+    <mc:Choice Requires="p14">
       <p:transition spd="med" p14:dur="700">
         <p:fade/>
       </p:transition>
     </mc:Choice>
-    <mc:Fallback>
+    <mc:Fallback xmlns="">
       <p:transition spd="med">
         <p:fade/>
       </p:transition>
@@ -12219,7 +12544,7 @@
           <p:cNvPr id="2" name="Title 1">
             <a:extLst>
               <a:ext uri="{FF2B5EF4-FFF2-40B4-BE49-F238E27FC236}">
-                <a16:creationId xmlns:a16="http://schemas.microsoft.com/office/drawing/2014/main" id="{FDCA5176-74BF-4D0C-AC1E-AD64ADD2C686}"/>
+                <a16:creationId xmlns:a16="http://schemas.microsoft.com/office/drawing/2014/main" id="{044ED3A1-BB93-4D64-8C76-672C48B10F1A}"/>
               </a:ext>
             </a:extLst>
           </p:cNvPr>
@@ -12237,7 +12562,7 @@
           <a:p>
             <a:r>
               <a:rPr lang="en-US"/>
-              <a:t>bcrypt.net</a:t>
+              <a:t>Stream Design</a:t>
             </a:r>
           </a:p>
         </p:txBody>
@@ -12247,7 +12572,7 @@
           <p:cNvPr id="3" name="Content Placeholder 2">
             <a:extLst>
               <a:ext uri="{FF2B5EF4-FFF2-40B4-BE49-F238E27FC236}">
-                <a16:creationId xmlns:a16="http://schemas.microsoft.com/office/drawing/2014/main" id="{C9EC6411-B607-40FF-9D56-8B7F02BAFF0B}"/>
+                <a16:creationId xmlns:a16="http://schemas.microsoft.com/office/drawing/2014/main" id="{AA0B7DB4-CD49-418C-A2CE-62711F6BF3BA}"/>
               </a:ext>
             </a:extLst>
           </p:cNvPr>
@@ -12264,63 +12589,45 @@
           <a:lstStyle/>
           <a:p>
             <a:r>
-              <a:rPr lang="en-US">
+              <a:rPr lang="en-US" dirty="0"/>
+              <a:t>For symmetric and hash algorithms</a:t>
+            </a:r>
+            <a:endParaRPr lang="en-US" u="sng" dirty="0">
+              <a:hlinkClick r:id="rId2"/>
+            </a:endParaRPr>
+          </a:p>
+          <a:p>
+            <a:r>
+              <a:rPr lang="en-US" dirty="0" err="1">
                 <a:hlinkClick r:id="rId2"/>
               </a:rPr>
-              <a:t>https://github.com/BcryptNet/bcrypt.net</a:t>
-            </a:r>
-            <a:endParaRPr lang="en-US"/>
+              <a:t>CryptoStream</a:t>
+            </a:r>
+            <a:endParaRPr lang="en-US" dirty="0"/>
           </a:p>
           <a:p>
             <a:pPr lvl="1"/>
             <a:r>
-              <a:rPr lang="en-US"/>
-              <a:t>NuGet: </a:t>
-            </a:r>
-            <a:r>
-              <a:rPr lang="en-US" i="1"/>
-              <a:t>BCrypt.Net-Next</a:t>
-            </a:r>
-          </a:p>
-          <a:p>
-            <a:r>
-              <a:rPr lang="en-US"/>
-              <a:t>Port of </a:t>
-            </a:r>
-            <a:r>
-              <a:rPr lang="en-US" i="1"/>
-              <a:t>jBCrypt</a:t>
-            </a:r>
-            <a:r>
-              <a:rPr lang="en-US"/>
-              <a:t> to C#</a:t>
+              <a:rPr lang="en-US" dirty="0"/>
+              <a:t>Derived from </a:t>
+            </a:r>
+            <a:r>
+              <a:rPr lang="en-US" i="1" dirty="0" err="1"/>
+              <a:t>System.IO.Stream</a:t>
+            </a:r>
+            <a:endParaRPr lang="en-US" i="1" dirty="0"/>
+          </a:p>
+          <a:p>
+            <a:r>
+              <a:rPr lang="en-US" dirty="0"/>
+              <a:t>Can be chained</a:t>
             </a:r>
           </a:p>
           <a:p>
             <a:pPr lvl="1"/>
             <a:r>
-              <a:rPr lang="en-US"/>
-              <a:t>Used to safely store passwords</a:t>
-            </a:r>
-          </a:p>
-          <a:p>
-            <a:r>
-              <a:rPr lang="en-US"/>
-              <a:t>Hashing of passwords with configurable hash complexity</a:t>
-            </a:r>
-          </a:p>
-          <a:p>
-            <a:pPr lvl="1"/>
-            <a:r>
-              <a:rPr lang="en-US"/>
-              <a:t>Compute power necessary for hashing can be set („work factor“)</a:t>
-            </a:r>
-          </a:p>
-          <a:p>
-            <a:pPr lvl="1"/>
-            <a:r>
-              <a:rPr lang="en-US"/>
-              <a:t>Backward/forward compatible because complexity part of resultant hash</a:t>
+              <a:rPr lang="en-US" dirty="0"/>
+              <a:t>E.g. hash, followed by encryption</a:t>
             </a:r>
           </a:p>
         </p:txBody>
@@ -12330,7 +12637,7 @@
           <p:cNvPr id="4" name="Text Placeholder 3">
             <a:extLst>
               <a:ext uri="{FF2B5EF4-FFF2-40B4-BE49-F238E27FC236}">
-                <a16:creationId xmlns:a16="http://schemas.microsoft.com/office/drawing/2014/main" id="{BEB509E2-1834-430D-8807-974A525128EE}"/>
+                <a16:creationId xmlns:a16="http://schemas.microsoft.com/office/drawing/2014/main" id="{9319D972-6E9C-437E-880A-1A8D365AEBC0}"/>
               </a:ext>
             </a:extLst>
           </p:cNvPr>
@@ -12353,20 +12660,20 @@
     </p:spTree>
     <p:extLst>
       <p:ext uri="{BB962C8B-B14F-4D97-AF65-F5344CB8AC3E}">
-        <p14:creationId xmlns:p14="http://schemas.microsoft.com/office/powerpoint/2010/main" val="789896913"/>
+        <p14:creationId xmlns:p14="http://schemas.microsoft.com/office/powerpoint/2010/main" val="3353125863"/>
       </p:ext>
     </p:extLst>
   </p:cSld>
   <p:clrMapOvr>
     <a:masterClrMapping/>
   </p:clrMapOvr>
-  <mc:AlternateContent xmlns:mc="http://schemas.openxmlformats.org/markup-compatibility/2006">
-    <mc:Choice xmlns:p14="http://schemas.microsoft.com/office/powerpoint/2010/main" Requires="p14">
+  <mc:AlternateContent xmlns:mc="http://schemas.openxmlformats.org/markup-compatibility/2006" xmlns:p14="http://schemas.microsoft.com/office/powerpoint/2010/main">
+    <mc:Choice Requires="p14">
       <p:transition spd="med" p14:dur="700">
         <p:fade/>
       </p:transition>
     </mc:Choice>
-    <mc:Fallback>
+    <mc:Fallback xmlns="">
       <p:transition spd="med">
         <p:fade/>
       </p:transition>
@@ -12397,7 +12704,7 @@
           <p:cNvPr id="2" name="Title 1">
             <a:extLst>
               <a:ext uri="{FF2B5EF4-FFF2-40B4-BE49-F238E27FC236}">
-                <a16:creationId xmlns:a16="http://schemas.microsoft.com/office/drawing/2014/main" id="{2572AE16-A283-4B2F-B9A5-A97D08773560}"/>
+                <a16:creationId xmlns:a16="http://schemas.microsoft.com/office/drawing/2014/main" id="{420B3033-DFBD-48DA-B34E-75003EC3BCE6}"/>
               </a:ext>
             </a:extLst>
           </p:cNvPr>
@@ -12415,7 +12722,7 @@
           <a:p>
             <a:r>
               <a:rPr lang="en-US"/>
-              <a:t>Examples</a:t>
+              <a:t>Random Numbers</a:t>
             </a:r>
           </a:p>
         </p:txBody>
@@ -12425,7 +12732,7 @@
           <p:cNvPr id="3" name="Content Placeholder 2">
             <a:extLst>
               <a:ext uri="{FF2B5EF4-FFF2-40B4-BE49-F238E27FC236}">
-                <a16:creationId xmlns:a16="http://schemas.microsoft.com/office/drawing/2014/main" id="{189993DB-6F02-4D83-9680-D34AEF0E7BB5}"/>
+                <a16:creationId xmlns:a16="http://schemas.microsoft.com/office/drawing/2014/main" id="{612B6AA0-7262-4D3E-836C-09EBD0B56B93}"/>
               </a:ext>
             </a:extLst>
           </p:cNvPr>
@@ -12442,60 +12749,36 @@
           <a:lstStyle/>
           <a:p>
             <a:r>
-              <a:rPr lang="en-US" dirty="0"/>
-              <a:t>01-Symmetric-Encryption</a:t>
+              <a:rPr lang="en-US"/>
+              <a:t>Pseudo-random numbers</a:t>
             </a:r>
           </a:p>
           <a:p>
             <a:pPr lvl="1"/>
             <a:r>
-              <a:rPr lang="en-US" dirty="0"/>
-              <a:t>Encrypt/decrypt data using AES</a:t>
-            </a:r>
-          </a:p>
-          <a:p>
-            <a:r>
-              <a:rPr lang="en-US" dirty="0"/>
-              <a:t>02-Asymmetric-Encryption</a:t>
+              <a:rPr lang="en-US" i="1"/>
+              <a:t>System.Random</a:t>
             </a:r>
           </a:p>
           <a:p>
             <a:pPr lvl="1"/>
             <a:r>
-              <a:rPr lang="en-US" dirty="0"/>
-              <a:t>Transfer secret message using RSA and AES</a:t>
-            </a:r>
-          </a:p>
-          <a:p>
-            <a:r>
-              <a:rPr lang="en-US" dirty="0"/>
-              <a:t>03-Hashing</a:t>
+              <a:rPr lang="en-US"/>
+              <a:t>Predictable</a:t>
+            </a:r>
+          </a:p>
+          <a:p>
+            <a:r>
+              <a:rPr lang="en-US"/>
+              <a:t>Secure random numbers</a:t>
             </a:r>
           </a:p>
           <a:p>
             <a:pPr lvl="1"/>
             <a:r>
-              <a:rPr lang="en-US" dirty="0"/>
-              <a:t>Compare two files using their SHA512 hash values</a:t>
-            </a:r>
-          </a:p>
-          <a:p>
-            <a:r>
-              <a:rPr lang="en-US" dirty="0"/>
-              <a:t>04-Signing</a:t>
-            </a:r>
-          </a:p>
-          <a:p>
-            <a:pPr lvl="1"/>
-            <a:r>
-              <a:rPr lang="en-US" dirty="0"/>
-              <a:t>Create a signed hash value </a:t>
-            </a:r>
-            <a:r>
-              <a:rPr lang="en-US"/>
-              <a:t>and verify it</a:t>
-            </a:r>
-            <a:endParaRPr lang="en-US" dirty="0"/>
+              <a:rPr lang="en-US" i="1"/>
+              <a:t>RNGCryptoServiceProvider</a:t>
+            </a:r>
           </a:p>
         </p:txBody>
       </p:sp>
@@ -12504,7 +12787,7 @@
           <p:cNvPr id="4" name="Text Placeholder 3">
             <a:extLst>
               <a:ext uri="{FF2B5EF4-FFF2-40B4-BE49-F238E27FC236}">
-                <a16:creationId xmlns:a16="http://schemas.microsoft.com/office/drawing/2014/main" id="{0B3F959B-5A8B-4040-981A-0EBAC93AE572}"/>
+                <a16:creationId xmlns:a16="http://schemas.microsoft.com/office/drawing/2014/main" id="{2F55BBF1-8FB8-4863-8B14-CE0BEFFAF2D6}"/>
               </a:ext>
             </a:extLst>
           </p:cNvPr>
@@ -12520,6 +12803,16 @@
           <a:bodyPr/>
           <a:lstStyle/>
           <a:p>
+            <a:r>
+              <a:rPr lang="en-US"/>
+              <a:t>See also </a:t>
+            </a:r>
+            <a:r>
+              <a:rPr lang="en-US">
+                <a:hlinkClick r:id="rId2"/>
+              </a:rPr>
+              <a:t>https://lowleveldesign.org/2018/08/15/randomness-in-net/</a:t>
+            </a:r>
             <a:endParaRPr lang="en-US"/>
           </a:p>
         </p:txBody>
@@ -12527,20 +12820,20 @@
     </p:spTree>
     <p:extLst>
       <p:ext uri="{BB962C8B-B14F-4D97-AF65-F5344CB8AC3E}">
-        <p14:creationId xmlns:p14="http://schemas.microsoft.com/office/powerpoint/2010/main" val="1911820321"/>
+        <p14:creationId xmlns:p14="http://schemas.microsoft.com/office/powerpoint/2010/main" val="2383227100"/>
       </p:ext>
     </p:extLst>
   </p:cSld>
   <p:clrMapOvr>
     <a:masterClrMapping/>
   </p:clrMapOvr>
-  <mc:AlternateContent xmlns:mc="http://schemas.openxmlformats.org/markup-compatibility/2006">
-    <mc:Choice xmlns:p14="http://schemas.microsoft.com/office/powerpoint/2010/main" Requires="p14">
+  <mc:AlternateContent xmlns:mc="http://schemas.openxmlformats.org/markup-compatibility/2006" xmlns:p14="http://schemas.microsoft.com/office/powerpoint/2010/main">
+    <mc:Choice Requires="p14">
       <p:transition spd="med" p14:dur="700">
         <p:fade/>
       </p:transition>
     </mc:Choice>
-    <mc:Fallback>
+    <mc:Fallback xmlns="">
       <p:transition spd="med">
         <p:fade/>
       </p:transition>
@@ -12571,7 +12864,7 @@
           <p:cNvPr id="2" name="Title 1">
             <a:extLst>
               <a:ext uri="{FF2B5EF4-FFF2-40B4-BE49-F238E27FC236}">
-                <a16:creationId xmlns:a16="http://schemas.microsoft.com/office/drawing/2014/main" id="{2572AE16-A283-4B2F-B9A5-A97D08773560}"/>
+                <a16:creationId xmlns:a16="http://schemas.microsoft.com/office/drawing/2014/main" id="{FDCA5176-74BF-4D0C-AC1E-AD64ADD2C686}"/>
               </a:ext>
             </a:extLst>
           </p:cNvPr>
@@ -12589,7 +12882,7 @@
           <a:p>
             <a:r>
               <a:rPr lang="en-US"/>
-              <a:t>Examples</a:t>
+              <a:t>bcrypt.net</a:t>
             </a:r>
           </a:p>
         </p:txBody>
@@ -12599,7 +12892,7 @@
           <p:cNvPr id="3" name="Content Placeholder 2">
             <a:extLst>
               <a:ext uri="{FF2B5EF4-FFF2-40B4-BE49-F238E27FC236}">
-                <a16:creationId xmlns:a16="http://schemas.microsoft.com/office/drawing/2014/main" id="{189993DB-6F02-4D83-9680-D34AEF0E7BB5}"/>
+                <a16:creationId xmlns:a16="http://schemas.microsoft.com/office/drawing/2014/main" id="{C9EC6411-B607-40FF-9D56-8B7F02BAFF0B}"/>
               </a:ext>
             </a:extLst>
           </p:cNvPr>
@@ -12616,39 +12909,64 @@
           <a:lstStyle/>
           <a:p>
             <a:r>
-              <a:rPr lang="en-US" dirty="0"/>
-              <a:t>05-RandomNumbers</a:t>
-            </a:r>
+              <a:rPr lang="en-US">
+                <a:hlinkClick r:id="rId2"/>
+              </a:rPr>
+              <a:t>https://github.com/BcryptNet/bcrypt.net</a:t>
+            </a:r>
+            <a:endParaRPr lang="en-US"/>
           </a:p>
           <a:p>
             <a:pPr lvl="1"/>
             <a:r>
-              <a:rPr lang="en-US" dirty="0"/>
-              <a:t>Generating strong random numbers with </a:t>
-            </a:r>
-            <a:r>
-              <a:rPr lang="en-US" i="1" dirty="0" err="1"/>
-              <a:t>RNGCryptoServiceProvider</a:t>
-            </a:r>
-            <a:endParaRPr lang="en-US" i="1" dirty="0"/>
-          </a:p>
-          <a:p>
-            <a:r>
-              <a:rPr lang="en-US" dirty="0"/>
-              <a:t>06-BCrypt</a:t>
+              <a:rPr lang="en-US"/>
+              <a:t>NuGet: </a:t>
+            </a:r>
+            <a:r>
+              <a:rPr lang="en-US" i="1"/>
+              <a:t>BCrypt.Net-Next</a:t>
+            </a:r>
+          </a:p>
+          <a:p>
+            <a:r>
+              <a:rPr lang="en-US"/>
+              <a:t>Port of </a:t>
+            </a:r>
+            <a:r>
+              <a:rPr lang="en-US" i="1"/>
+              <a:t>jBCrypt</a:t>
+            </a:r>
+            <a:r>
+              <a:rPr lang="en-US"/>
+              <a:t> to C#</a:t>
             </a:r>
           </a:p>
           <a:p>
             <a:pPr lvl="1"/>
             <a:r>
-              <a:rPr lang="en-US" dirty="0"/>
-              <a:t>Hash passwords with </a:t>
-            </a:r>
-            <a:r>
-              <a:rPr lang="en-US" i="1" dirty="0" err="1"/>
-              <a:t>BCrypt</a:t>
-            </a:r>
-            <a:endParaRPr lang="en-US" i="1" dirty="0"/>
+              <a:rPr lang="en-US"/>
+              <a:t>Used to safely store passwords</a:t>
+            </a:r>
+          </a:p>
+          <a:p>
+            <a:r>
+              <a:rPr lang="en-US"/>
+              <a:t>Hashing of passwords with configurable hash complexity</a:t>
+            </a:r>
+          </a:p>
+          <a:p>
+            <a:pPr lvl="1"/>
+            <a:r>
+              <a:rPr lang="en-US"/>
+              <a:t>Compute power necessary for hashing can be set („work factor“)</a:t>
+            </a:r>
+          </a:p>
+          <a:p>
+            <a:pPr lvl="1"/>
+            <a:r>
+              <a:rPr lang="en-US"/>
+              <a:t>Backward/forward compatible because complexity part of resultant hash</a:t>
+            </a:r>
           </a:p>
         </p:txBody>
       </p:sp>
@@ -12657,7 +12975,7 @@
           <p:cNvPr id="4" name="Text Placeholder 3">
             <a:extLst>
               <a:ext uri="{FF2B5EF4-FFF2-40B4-BE49-F238E27FC236}">
-                <a16:creationId xmlns:a16="http://schemas.microsoft.com/office/drawing/2014/main" id="{0B3F959B-5A8B-4040-981A-0EBAC93AE572}"/>
+                <a16:creationId xmlns:a16="http://schemas.microsoft.com/office/drawing/2014/main" id="{BEB509E2-1834-430D-8807-974A525128EE}"/>
               </a:ext>
             </a:extLst>
           </p:cNvPr>
@@ -12680,20 +12998,20 @@
     </p:spTree>
     <p:extLst>
       <p:ext uri="{BB962C8B-B14F-4D97-AF65-F5344CB8AC3E}">
-        <p14:creationId xmlns:p14="http://schemas.microsoft.com/office/powerpoint/2010/main" val="1295082866"/>
+        <p14:creationId xmlns:p14="http://schemas.microsoft.com/office/powerpoint/2010/main" val="789896913"/>
       </p:ext>
     </p:extLst>
   </p:cSld>
   <p:clrMapOvr>
     <a:masterClrMapping/>
   </p:clrMapOvr>
-  <mc:AlternateContent xmlns:mc="http://schemas.openxmlformats.org/markup-compatibility/2006">
-    <mc:Choice xmlns:p14="http://schemas.microsoft.com/office/powerpoint/2010/main" Requires="p14">
+  <mc:AlternateContent xmlns:mc="http://schemas.openxmlformats.org/markup-compatibility/2006" xmlns:p14="http://schemas.microsoft.com/office/powerpoint/2010/main">
+    <mc:Choice Requires="p14">
       <p:transition spd="med" p14:dur="700">
         <p:fade/>
       </p:transition>
     </mc:Choice>
-    <mc:Fallback>
+    <mc:Fallback xmlns="">
       <p:transition spd="med">
         <p:fade/>
       </p:transition>
@@ -12724,7 +13042,7 @@
           <p:cNvPr id="2" name="Title 1">
             <a:extLst>
               <a:ext uri="{FF2B5EF4-FFF2-40B4-BE49-F238E27FC236}">
-                <a16:creationId xmlns:a16="http://schemas.microsoft.com/office/drawing/2014/main" id="{F8FADD9F-D779-4FB6-A392-8DDB9F3A789C}"/>
+                <a16:creationId xmlns:a16="http://schemas.microsoft.com/office/drawing/2014/main" id="{2572AE16-A283-4B2F-B9A5-A97D08773560}"/>
               </a:ext>
             </a:extLst>
           </p:cNvPr>
@@ -12741,22 +13059,18 @@
           <a:lstStyle/>
           <a:p>
             <a:r>
-              <a:rPr lang="de-AT" dirty="0" err="1"/>
-              <a:t>Protecting</a:t>
-            </a:r>
-            <a:r>
-              <a:rPr lang="de-AT" dirty="0"/>
-              <a:t> Secrets</a:t>
-            </a:r>
-          </a:p>
-        </p:txBody>
-      </p:sp>
-      <p:sp>
-        <p:nvSpPr>
-          <p:cNvPr id="3" name="Text Placeholder 2">
+              <a:rPr lang="en-US"/>
+              <a:t>Examples</a:t>
+            </a:r>
+          </a:p>
+        </p:txBody>
+      </p:sp>
+      <p:sp>
+        <p:nvSpPr>
+          <p:cNvPr id="3" name="Content Placeholder 2">
             <a:extLst>
               <a:ext uri="{FF2B5EF4-FFF2-40B4-BE49-F238E27FC236}">
-                <a16:creationId xmlns:a16="http://schemas.microsoft.com/office/drawing/2014/main" id="{72858DEE-163D-402F-981D-E182F9F8632E}"/>
+                <a16:creationId xmlns:a16="http://schemas.microsoft.com/office/drawing/2014/main" id="{189993DB-6F02-4D83-9680-D34AEF0E7BB5}"/>
               </a:ext>
             </a:extLst>
           </p:cNvPr>
@@ -12764,7 +13078,7 @@
             <a:spLocks noGrp="1"/>
           </p:cNvSpPr>
           <p:nvPr>
-            <p:ph type="body" sz="quarter" idx="25"/>
+            <p:ph sz="quarter" idx="12"/>
           </p:nvPr>
         </p:nvSpPr>
         <p:spPr/>
@@ -12774,29 +13088,104 @@
           <a:p>
             <a:r>
               <a:rPr lang="en-US" dirty="0"/>
-              <a:t>How to protect connection information</a:t>
-            </a:r>
-            <a:endParaRPr lang="de-AT" dirty="0"/>
+              <a:t>01-Symmetric-Encryption</a:t>
+            </a:r>
+          </a:p>
+          <a:p>
+            <a:pPr lvl="1"/>
+            <a:r>
+              <a:rPr lang="en-US" dirty="0"/>
+              <a:t>Encrypt/decrypt data using AES</a:t>
+            </a:r>
+          </a:p>
+          <a:p>
+            <a:r>
+              <a:rPr lang="en-US" dirty="0"/>
+              <a:t>02-Asymmetric-Encryption</a:t>
+            </a:r>
+          </a:p>
+          <a:p>
+            <a:pPr lvl="1"/>
+            <a:r>
+              <a:rPr lang="en-US" dirty="0"/>
+              <a:t>Transfer secret message using RSA and AES</a:t>
+            </a:r>
+          </a:p>
+          <a:p>
+            <a:r>
+              <a:rPr lang="en-US" dirty="0"/>
+              <a:t>03-Hashing</a:t>
+            </a:r>
+          </a:p>
+          <a:p>
+            <a:pPr lvl="1"/>
+            <a:r>
+              <a:rPr lang="en-US" dirty="0"/>
+              <a:t>Compare two files using their SHA512 hash values</a:t>
+            </a:r>
+          </a:p>
+          <a:p>
+            <a:r>
+              <a:rPr lang="en-US" dirty="0"/>
+              <a:t>04-Signing</a:t>
+            </a:r>
+          </a:p>
+          <a:p>
+            <a:pPr lvl="1"/>
+            <a:r>
+              <a:rPr lang="en-US" dirty="0"/>
+              <a:t>Create a signed hash value </a:t>
+            </a:r>
+            <a:r>
+              <a:rPr lang="en-US"/>
+              <a:t>and verify it</a:t>
+            </a:r>
+            <a:endParaRPr lang="en-US" dirty="0"/>
+          </a:p>
+        </p:txBody>
+      </p:sp>
+      <p:sp>
+        <p:nvSpPr>
+          <p:cNvPr id="4" name="Text Placeholder 3">
+            <a:extLst>
+              <a:ext uri="{FF2B5EF4-FFF2-40B4-BE49-F238E27FC236}">
+                <a16:creationId xmlns:a16="http://schemas.microsoft.com/office/drawing/2014/main" id="{0B3F959B-5A8B-4040-981A-0EBAC93AE572}"/>
+              </a:ext>
+            </a:extLst>
+          </p:cNvPr>
+          <p:cNvSpPr>
+            <a:spLocks noGrp="1"/>
+          </p:cNvSpPr>
+          <p:nvPr>
+            <p:ph type="body" sz="quarter" idx="23"/>
+          </p:nvPr>
+        </p:nvSpPr>
+        <p:spPr/>
+        <p:txBody>
+          <a:bodyPr/>
+          <a:lstStyle/>
+          <a:p>
+            <a:endParaRPr lang="en-US"/>
           </a:p>
         </p:txBody>
       </p:sp>
     </p:spTree>
     <p:extLst>
       <p:ext uri="{BB962C8B-B14F-4D97-AF65-F5344CB8AC3E}">
-        <p14:creationId xmlns:p14="http://schemas.microsoft.com/office/powerpoint/2010/main" val="2423346125"/>
+        <p14:creationId xmlns:p14="http://schemas.microsoft.com/office/powerpoint/2010/main" val="1911820321"/>
       </p:ext>
     </p:extLst>
   </p:cSld>
   <p:clrMapOvr>
     <a:masterClrMapping/>
   </p:clrMapOvr>
-  <mc:AlternateContent xmlns:mc="http://schemas.openxmlformats.org/markup-compatibility/2006">
-    <mc:Choice xmlns:p14="http://schemas.microsoft.com/office/powerpoint/2010/main" Requires="p14">
+  <mc:AlternateContent xmlns:mc="http://schemas.openxmlformats.org/markup-compatibility/2006" xmlns:p14="http://schemas.microsoft.com/office/powerpoint/2010/main">
+    <mc:Choice Requires="p14">
       <p:transition spd="med" p14:dur="700">
         <p:fade/>
       </p:transition>
     </mc:Choice>
-    <mc:Fallback>
+    <mc:Fallback xmlns="">
       <p:transition spd="med">
         <p:fade/>
       </p:transition>
@@ -12824,10 +13213,10 @@
       </p:grpSpPr>
       <p:sp>
         <p:nvSpPr>
-          <p:cNvPr id="4" name="Title 3">
+          <p:cNvPr id="2" name="Title 1">
             <a:extLst>
               <a:ext uri="{FF2B5EF4-FFF2-40B4-BE49-F238E27FC236}">
-                <a16:creationId xmlns:a16="http://schemas.microsoft.com/office/drawing/2014/main" id="{BDD3605E-FD53-466F-BE4A-2E05F5F4F85D}"/>
+                <a16:creationId xmlns:a16="http://schemas.microsoft.com/office/drawing/2014/main" id="{2572AE16-A283-4B2F-B9A5-A97D08773560}"/>
               </a:ext>
             </a:extLst>
           </p:cNvPr>
@@ -12845,17 +13234,17 @@
           <a:p>
             <a:r>
               <a:rPr lang="en-US"/>
-              <a:t>General Guidelines</a:t>
-            </a:r>
-          </a:p>
-        </p:txBody>
-      </p:sp>
-      <p:sp>
-        <p:nvSpPr>
-          <p:cNvPr id="5" name="Content Placeholder 4">
+              <a:t>Examples</a:t>
+            </a:r>
+          </a:p>
+        </p:txBody>
+      </p:sp>
+      <p:sp>
+        <p:nvSpPr>
+          <p:cNvPr id="3" name="Content Placeholder 2">
             <a:extLst>
               <a:ext uri="{FF2B5EF4-FFF2-40B4-BE49-F238E27FC236}">
-                <a16:creationId xmlns:a16="http://schemas.microsoft.com/office/drawing/2014/main" id="{01F131BF-9B34-48AC-BA46-B6209F9C8653}"/>
+                <a16:creationId xmlns:a16="http://schemas.microsoft.com/office/drawing/2014/main" id="{189993DB-6F02-4D83-9680-D34AEF0E7BB5}"/>
               </a:ext>
             </a:extLst>
           </p:cNvPr>
@@ -12873,153 +13262,47 @@
           <a:p>
             <a:r>
               <a:rPr lang="en-US" dirty="0"/>
-              <a:t>Prefer not storing secrets at all</a:t>
+              <a:t>05-RandomNumbers</a:t>
             </a:r>
           </a:p>
           <a:p>
             <a:pPr lvl="1"/>
             <a:r>
               <a:rPr lang="en-US" dirty="0"/>
-              <a:t>Windows Authentication</a:t>
+              <a:t>Generating strong random numbers with </a:t>
+            </a:r>
+            <a:r>
+              <a:rPr lang="en-US" i="1" dirty="0" err="1"/>
+              <a:t>RNGCryptoServiceProvider</a:t>
+            </a:r>
+            <a:endParaRPr lang="en-US" i="1" dirty="0"/>
+          </a:p>
+          <a:p>
+            <a:r>
+              <a:rPr lang="en-US" dirty="0"/>
+              <a:t>06-BCrypt</a:t>
             </a:r>
           </a:p>
           <a:p>
             <a:pPr lvl="1"/>
             <a:r>
               <a:rPr lang="en-US" dirty="0"/>
-              <a:t>Azure: Use AAD authentication with SQL (</a:t>
-            </a:r>
-            <a:r>
-              <a:rPr lang="en-US" dirty="0">
-                <a:hlinkClick r:id="rId2"/>
-              </a:rPr>
-              <a:t>docs</a:t>
-            </a:r>
-            <a:r>
-              <a:rPr lang="en-US" dirty="0"/>
-              <a:t>)</a:t>
-            </a:r>
-          </a:p>
-          <a:p>
-            <a:pPr lvl="1"/>
-            <a:r>
-              <a:rPr lang="en-US" dirty="0"/>
-              <a:t>Azure Managed Identities (</a:t>
-            </a:r>
-            <a:r>
-              <a:rPr lang="en-US" dirty="0">
-                <a:hlinkClick r:id="rId3"/>
-              </a:rPr>
-              <a:t>docs</a:t>
-            </a:r>
-            <a:r>
-              <a:rPr lang="en-US" dirty="0"/>
-              <a:t>)</a:t>
-            </a:r>
-          </a:p>
-          <a:p>
-            <a:r>
-              <a:rPr lang="en-US" dirty="0"/>
-              <a:t>Use </a:t>
-            </a:r>
-            <a:r>
-              <a:rPr lang="en-US" dirty="0">
-                <a:hlinkClick r:id="rId4"/>
-              </a:rPr>
-              <a:t>Connection String Builders</a:t>
-            </a:r>
-            <a:r>
-              <a:rPr lang="en-US" dirty="0"/>
-              <a:t> instead of string </a:t>
-            </a:r>
-            <a:r>
-              <a:rPr lang="en-US" dirty="0" err="1"/>
-              <a:t>concat</a:t>
-            </a:r>
-            <a:endParaRPr lang="en-US" dirty="0"/>
-          </a:p>
-          <a:p>
-            <a:pPr lvl="1"/>
-            <a:r>
-              <a:rPr lang="en-US" dirty="0"/>
-              <a:t>Sample: </a:t>
-            </a:r>
-            <a:r>
-              <a:rPr lang="en-US" i="1" dirty="0"/>
-              <a:t>07-ConnectionStringBuilders</a:t>
-            </a:r>
-            <a:endParaRPr lang="en-US" dirty="0"/>
-          </a:p>
-          <a:p>
-            <a:pPr lvl="1"/>
-            <a:r>
-              <a:rPr lang="en-US" u="sng" dirty="0"/>
-              <a:t>Don’t</a:t>
-            </a:r>
-            <a:r>
-              <a:rPr lang="en-US" dirty="0"/>
-              <a:t> set </a:t>
-            </a:r>
-            <a:r>
-              <a:rPr lang="en-US" i="1" dirty="0"/>
-              <a:t>Persist Security Info=True</a:t>
-            </a:r>
-            <a:r>
-              <a:rPr lang="en-US" dirty="0"/>
-              <a:t> (default is False) to prevent security-sensitive information to be obtained from a connection</a:t>
-            </a:r>
-          </a:p>
-          <a:p>
-            <a:r>
-              <a:rPr lang="en-US" i="1" dirty="0"/>
-              <a:t>private/protected/internal</a:t>
-            </a:r>
-            <a:r>
-              <a:rPr lang="en-US" dirty="0"/>
-              <a:t> is </a:t>
-            </a:r>
-            <a:r>
-              <a:rPr lang="en-US" u="sng" dirty="0"/>
-              <a:t>no</a:t>
-            </a:r>
-            <a:r>
-              <a:rPr lang="en-US" dirty="0"/>
-              <a:t> protection</a:t>
-            </a:r>
-          </a:p>
-          <a:p>
-            <a:pPr lvl="1"/>
-            <a:r>
-              <a:rPr lang="en-US" dirty="0"/>
-              <a:t>See also </a:t>
+              <a:t>Hash passwords with </a:t>
             </a:r>
             <a:r>
               <a:rPr lang="en-US" i="1" dirty="0" err="1"/>
-              <a:t>BindingFlags.NonPublic</a:t>
-            </a:r>
-            <a:r>
-              <a:rPr lang="en-US" dirty="0"/>
-              <a:t> (</a:t>
-            </a:r>
-            <a:r>
-              <a:rPr lang="en-US" dirty="0">
-                <a:hlinkClick r:id="rId5"/>
-              </a:rPr>
-              <a:t>docs</a:t>
-            </a:r>
-            <a:r>
-              <a:rPr lang="en-US" dirty="0"/>
-              <a:t>)</a:t>
-            </a:r>
-          </a:p>
-        </p:txBody>
-      </p:sp>
-      <p:sp>
-        <p:nvSpPr>
-          <p:cNvPr id="6" name="Text Placeholder 5">
+              <a:t>BCrypt</a:t>
+            </a:r>
+            <a:endParaRPr lang="en-US" i="1" dirty="0"/>
+          </a:p>
+        </p:txBody>
+      </p:sp>
+      <p:sp>
+        <p:nvSpPr>
+          <p:cNvPr id="4" name="Text Placeholder 3">
             <a:extLst>
               <a:ext uri="{FF2B5EF4-FFF2-40B4-BE49-F238E27FC236}">
-                <a16:creationId xmlns:a16="http://schemas.microsoft.com/office/drawing/2014/main" id="{45CC3CD2-13B7-49F0-BF5F-46A2C11C7A6E}"/>
+                <a16:creationId xmlns:a16="http://schemas.microsoft.com/office/drawing/2014/main" id="{0B3F959B-5A8B-4040-981A-0EBAC93AE572}"/>
               </a:ext>
             </a:extLst>
           </p:cNvPr>
@@ -13035,37 +13318,27 @@
           <a:bodyPr/>
           <a:lstStyle/>
           <a:p>
-            <a:r>
-              <a:rPr lang="en-US" dirty="0"/>
-              <a:t>See also </a:t>
-            </a:r>
-            <a:r>
-              <a:rPr lang="en-US" dirty="0">
-                <a:hlinkClick r:id="rId6"/>
-              </a:rPr>
-              <a:t>https://docs.microsoft.com/en-us/dotnet/framework/data/adonet/protecting-connection-information</a:t>
-            </a:r>
-            <a:endParaRPr lang="en-US" dirty="0"/>
+            <a:endParaRPr lang="en-US"/>
           </a:p>
         </p:txBody>
       </p:sp>
     </p:spTree>
     <p:extLst>
       <p:ext uri="{BB962C8B-B14F-4D97-AF65-F5344CB8AC3E}">
-        <p14:creationId xmlns:p14="http://schemas.microsoft.com/office/powerpoint/2010/main" val="287044570"/>
+        <p14:creationId xmlns:p14="http://schemas.microsoft.com/office/powerpoint/2010/main" val="1295082866"/>
       </p:ext>
     </p:extLst>
   </p:cSld>
   <p:clrMapOvr>
     <a:masterClrMapping/>
   </p:clrMapOvr>
-  <mc:AlternateContent xmlns:mc="http://schemas.openxmlformats.org/markup-compatibility/2006">
-    <mc:Choice xmlns:p14="http://schemas.microsoft.com/office/powerpoint/2010/main" Requires="p14">
+  <mc:AlternateContent xmlns:mc="http://schemas.openxmlformats.org/markup-compatibility/2006" xmlns:p14="http://schemas.microsoft.com/office/powerpoint/2010/main">
+    <mc:Choice Requires="p14">
       <p:transition spd="med" p14:dur="700">
         <p:fade/>
       </p:transition>
     </mc:Choice>
-    <mc:Fallback>
+    <mc:Fallback xmlns="">
       <p:transition spd="med">
         <p:fade/>
       </p:transition>
@@ -13093,10 +13366,10 @@
       </p:grpSpPr>
       <p:sp>
         <p:nvSpPr>
-          <p:cNvPr id="4" name="Title 3">
+          <p:cNvPr id="2" name="Title 1">
             <a:extLst>
               <a:ext uri="{FF2B5EF4-FFF2-40B4-BE49-F238E27FC236}">
-                <a16:creationId xmlns:a16="http://schemas.microsoft.com/office/drawing/2014/main" id="{BDD3605E-FD53-466F-BE4A-2E05F5F4F85D}"/>
+                <a16:creationId xmlns:a16="http://schemas.microsoft.com/office/drawing/2014/main" id="{F8FADD9F-D779-4FB6-A392-8DDB9F3A789C}"/>
               </a:ext>
             </a:extLst>
           </p:cNvPr>
@@ -13113,18 +13386,22 @@
           <a:lstStyle/>
           <a:p>
             <a:r>
-              <a:rPr lang="en-US"/>
-              <a:t>General Guidelines</a:t>
-            </a:r>
-          </a:p>
-        </p:txBody>
-      </p:sp>
-      <p:sp>
-        <p:nvSpPr>
-          <p:cNvPr id="5" name="Content Placeholder 4">
+              <a:rPr lang="de-AT" dirty="0" err="1"/>
+              <a:t>Protecting</a:t>
+            </a:r>
+            <a:r>
+              <a:rPr lang="de-AT" dirty="0"/>
+              <a:t> Secrets</a:t>
+            </a:r>
+          </a:p>
+        </p:txBody>
+      </p:sp>
+      <p:sp>
+        <p:nvSpPr>
+          <p:cNvPr id="3" name="Text Placeholder 2">
             <a:extLst>
               <a:ext uri="{FF2B5EF4-FFF2-40B4-BE49-F238E27FC236}">
-                <a16:creationId xmlns:a16="http://schemas.microsoft.com/office/drawing/2014/main" id="{01F131BF-9B34-48AC-BA46-B6209F9C8653}"/>
+                <a16:creationId xmlns:a16="http://schemas.microsoft.com/office/drawing/2014/main" id="{72858DEE-163D-402F-981D-E182F9F8632E}"/>
               </a:ext>
             </a:extLst>
           </p:cNvPr>
@@ -13132,7 +13409,7 @@
             <a:spLocks noGrp="1"/>
           </p:cNvSpPr>
           <p:nvPr>
-            <p:ph sz="quarter" idx="12"/>
+            <p:ph type="body" sz="quarter" idx="25"/>
           </p:nvPr>
         </p:nvSpPr>
         <p:spPr/>
@@ -13142,219 +13419,29 @@
           <a:p>
             <a:r>
               <a:rPr lang="en-US" dirty="0"/>
-              <a:t>Recap .NET Core config system</a:t>
-            </a:r>
-          </a:p>
-          <a:p>
-            <a:pPr lvl="1"/>
-            <a:r>
-              <a:rPr lang="en-US" i="1" dirty="0"/>
-              <a:t>08-RecapNetCoreConfig</a:t>
-            </a:r>
-          </a:p>
-          <a:p>
-            <a:r>
-              <a:rPr lang="en-US" dirty="0"/>
-              <a:t>Encrypt configuration files</a:t>
-            </a:r>
-          </a:p>
-          <a:p>
-            <a:pPr lvl="1"/>
-            <a:r>
-              <a:rPr lang="en-US" dirty="0"/>
-              <a:t>ASP.NET: Use </a:t>
-            </a:r>
-            <a:r>
-              <a:rPr lang="en-US" i="1" dirty="0" err="1"/>
-              <a:t>aspnet_regiis</a:t>
-            </a:r>
-            <a:r>
-              <a:rPr lang="en-US" dirty="0"/>
-              <a:t> tool (</a:t>
-            </a:r>
-            <a:r>
-              <a:rPr lang="en-US" dirty="0">
-                <a:hlinkClick r:id="rId2"/>
-              </a:rPr>
-              <a:t>docs</a:t>
-            </a:r>
-            <a:r>
-              <a:rPr lang="en-US" dirty="0"/>
-              <a:t>)</a:t>
-            </a:r>
-          </a:p>
-          <a:p>
-            <a:r>
-              <a:rPr lang="en-US" dirty="0"/>
-              <a:t>ASP.NET Core </a:t>
-            </a:r>
-            <a:r>
-              <a:rPr lang="en-US" i="1" dirty="0"/>
-              <a:t>Secret Manager</a:t>
-            </a:r>
-            <a:r>
-              <a:rPr lang="en-US" dirty="0"/>
-              <a:t> tool (</a:t>
-            </a:r>
-            <a:r>
-              <a:rPr lang="en-US" dirty="0">
-                <a:hlinkClick r:id="rId3"/>
-              </a:rPr>
-              <a:t>docs</a:t>
-            </a:r>
-            <a:r>
-              <a:rPr lang="en-US" dirty="0"/>
-              <a:t>)</a:t>
-            </a:r>
-          </a:p>
-          <a:p>
-            <a:pPr lvl="1"/>
-            <a:r>
-              <a:rPr lang="en-US" dirty="0"/>
-              <a:t>Stores secrets separated from application code</a:t>
-            </a:r>
-          </a:p>
-          <a:p>
-            <a:pPr lvl="1"/>
-            <a:r>
-              <a:rPr lang="en-US" dirty="0"/>
-              <a:t>ASP.NET Core: </a:t>
-            </a:r>
-            <a:r>
-              <a:rPr lang="en-US" i="1" dirty="0"/>
-              <a:t>09.1-SecretManager</a:t>
-            </a:r>
-          </a:p>
-          <a:p>
-            <a:pPr lvl="1"/>
-            <a:r>
-              <a:rPr lang="de-AT" i="1" dirty="0" err="1"/>
-              <a:t>dotnet</a:t>
-            </a:r>
-            <a:r>
-              <a:rPr lang="de-AT" i="1" dirty="0"/>
-              <a:t> user-</a:t>
-            </a:r>
-            <a:r>
-              <a:rPr lang="de-AT" i="1" dirty="0" err="1"/>
-              <a:t>secrets</a:t>
-            </a:r>
-            <a:r>
-              <a:rPr lang="de-AT" i="1" dirty="0"/>
-              <a:t> </a:t>
-            </a:r>
-            <a:r>
-              <a:rPr lang="de-AT" i="1" dirty="0" err="1"/>
-              <a:t>set</a:t>
-            </a:r>
-            <a:r>
-              <a:rPr lang="de-AT" i="1" dirty="0"/>
-              <a:t> "ping" "</a:t>
-            </a:r>
-            <a:r>
-              <a:rPr lang="de-AT" i="1" dirty="0" err="1"/>
-              <a:t>pong</a:t>
-            </a:r>
-            <a:r>
-              <a:rPr lang="de-AT" i="1" dirty="0"/>
-              <a:t>"</a:t>
-            </a:r>
-            <a:br>
-              <a:rPr lang="de-AT" dirty="0"/>
-            </a:br>
-            <a:r>
-              <a:rPr lang="de-AT" dirty="0"/>
-              <a:t>   </a:t>
-            </a:r>
-            <a:r>
-              <a:rPr lang="de-AT" dirty="0">
-                <a:sym typeface="Wingdings" panose="05000000000000000000" pitchFamily="2" charset="2"/>
-              </a:rPr>
-              <a:t> Show </a:t>
-            </a:r>
-            <a:r>
-              <a:rPr lang="de-AT" dirty="0" err="1">
-                <a:sym typeface="Wingdings" panose="05000000000000000000" pitchFamily="2" charset="2"/>
-              </a:rPr>
-              <a:t>secrets</a:t>
-            </a:r>
-            <a:r>
-              <a:rPr lang="de-AT" dirty="0">
-                <a:sym typeface="Wingdings" panose="05000000000000000000" pitchFamily="2" charset="2"/>
-              </a:rPr>
-              <a:t> in </a:t>
-            </a:r>
-            <a:r>
-              <a:rPr lang="en-US" i="1" dirty="0"/>
-              <a:t>%APPDATA%\Microsoft\</a:t>
-            </a:r>
-            <a:r>
-              <a:rPr lang="en-US" i="1" dirty="0" err="1"/>
-              <a:t>UserSecrets</a:t>
-            </a:r>
-            <a:r>
-              <a:rPr lang="en-US" i="1" dirty="0"/>
-              <a:t>\...</a:t>
-            </a:r>
-          </a:p>
-          <a:p>
-            <a:pPr lvl="1"/>
-            <a:endParaRPr lang="en-US" dirty="0"/>
-          </a:p>
-        </p:txBody>
-      </p:sp>
-      <p:sp>
-        <p:nvSpPr>
-          <p:cNvPr id="6" name="Text Placeholder 5">
-            <a:extLst>
-              <a:ext uri="{FF2B5EF4-FFF2-40B4-BE49-F238E27FC236}">
-                <a16:creationId xmlns:a16="http://schemas.microsoft.com/office/drawing/2014/main" id="{45CC3CD2-13B7-49F0-BF5F-46A2C11C7A6E}"/>
-              </a:ext>
-            </a:extLst>
-          </p:cNvPr>
-          <p:cNvSpPr>
-            <a:spLocks noGrp="1"/>
-          </p:cNvSpPr>
-          <p:nvPr>
-            <p:ph type="body" sz="quarter" idx="23"/>
-          </p:nvPr>
-        </p:nvSpPr>
-        <p:spPr/>
-        <p:txBody>
-          <a:bodyPr/>
-          <a:lstStyle/>
-          <a:p>
-            <a:r>
-              <a:rPr lang="en-US" dirty="0"/>
-              <a:t>See also </a:t>
-            </a:r>
-            <a:r>
-              <a:rPr lang="en-US" dirty="0">
-                <a:hlinkClick r:id="rId4"/>
-              </a:rPr>
-              <a:t>https://docs.microsoft.com/en-us/dotnet/framework/data/adonet/protecting-connection-information</a:t>
-            </a:r>
-            <a:endParaRPr lang="en-US" dirty="0"/>
+              <a:t>How to protect connection information</a:t>
+            </a:r>
+            <a:endParaRPr lang="de-AT" dirty="0"/>
           </a:p>
         </p:txBody>
       </p:sp>
     </p:spTree>
     <p:extLst>
       <p:ext uri="{BB962C8B-B14F-4D97-AF65-F5344CB8AC3E}">
-        <p14:creationId xmlns:p14="http://schemas.microsoft.com/office/powerpoint/2010/main" val="2774263431"/>
+        <p14:creationId xmlns:p14="http://schemas.microsoft.com/office/powerpoint/2010/main" val="2423346125"/>
       </p:ext>
     </p:extLst>
   </p:cSld>
   <p:clrMapOvr>
     <a:masterClrMapping/>
   </p:clrMapOvr>
-  <mc:AlternateContent xmlns:mc="http://schemas.openxmlformats.org/markup-compatibility/2006">
-    <mc:Choice xmlns:p14="http://schemas.microsoft.com/office/powerpoint/2010/main" Requires="p14">
+  <mc:AlternateContent xmlns:mc="http://schemas.openxmlformats.org/markup-compatibility/2006" xmlns:p14="http://schemas.microsoft.com/office/powerpoint/2010/main">
+    <mc:Choice Requires="p14">
       <p:transition spd="med" p14:dur="700">
         <p:fade/>
       </p:transition>
     </mc:Choice>
-    <mc:Fallback>
+    <mc:Fallback xmlns="">
       <p:transition spd="med">
         <p:fade/>
       </p:transition>
@@ -13382,10 +13469,10 @@
       </p:grpSpPr>
       <p:sp>
         <p:nvSpPr>
-          <p:cNvPr id="2" name="Title 1">
+          <p:cNvPr id="4" name="Title 3">
             <a:extLst>
               <a:ext uri="{FF2B5EF4-FFF2-40B4-BE49-F238E27FC236}">
-                <a16:creationId xmlns:a16="http://schemas.microsoft.com/office/drawing/2014/main" id="{70775652-A8EC-4FAC-A38B-CDC92D034423}"/>
+                <a16:creationId xmlns:a16="http://schemas.microsoft.com/office/drawing/2014/main" id="{BDD3605E-FD53-466F-BE4A-2E05F5F4F85D}"/>
               </a:ext>
             </a:extLst>
           </p:cNvPr>
@@ -13402,18 +13489,18 @@
           <a:lstStyle/>
           <a:p>
             <a:r>
-              <a:rPr lang="de-AT" dirty="0"/>
-              <a:t>Environment Variables</a:t>
-            </a:r>
-          </a:p>
-        </p:txBody>
-      </p:sp>
-      <p:sp>
-        <p:nvSpPr>
-          <p:cNvPr id="3" name="Content Placeholder 2">
+              <a:rPr lang="en-US"/>
+              <a:t>General Guidelines</a:t>
+            </a:r>
+          </a:p>
+        </p:txBody>
+      </p:sp>
+      <p:sp>
+        <p:nvSpPr>
+          <p:cNvPr id="5" name="Content Placeholder 4">
             <a:extLst>
               <a:ext uri="{FF2B5EF4-FFF2-40B4-BE49-F238E27FC236}">
-                <a16:creationId xmlns:a16="http://schemas.microsoft.com/office/drawing/2014/main" id="{E0CF94F3-E172-411D-801A-CF40C7B1E837}"/>
+                <a16:creationId xmlns:a16="http://schemas.microsoft.com/office/drawing/2014/main" id="{01F131BF-9B34-48AC-BA46-B6209F9C8653}"/>
               </a:ext>
             </a:extLst>
           </p:cNvPr>
@@ -13430,418 +13517,154 @@
           <a:lstStyle/>
           <a:p>
             <a:r>
-              <a:rPr lang="de-AT" dirty="0"/>
-              <a:t>Add non-</a:t>
-            </a:r>
-            <a:r>
-              <a:rPr lang="de-AT" dirty="0" err="1"/>
-              <a:t>critical</a:t>
-            </a:r>
-            <a:r>
-              <a:rPr lang="de-AT" dirty="0"/>
-              <a:t> </a:t>
-            </a:r>
-            <a:r>
-              <a:rPr lang="de-AT" dirty="0" err="1"/>
-              <a:t>defaults</a:t>
-            </a:r>
-            <a:r>
-              <a:rPr lang="de-AT" dirty="0"/>
-              <a:t> </a:t>
-            </a:r>
-            <a:r>
-              <a:rPr lang="de-AT" dirty="0" err="1"/>
-              <a:t>to</a:t>
-            </a:r>
-            <a:r>
-              <a:rPr lang="de-AT" dirty="0"/>
-              <a:t> </a:t>
-            </a:r>
-            <a:r>
-              <a:rPr lang="de-AT" dirty="0" err="1"/>
-              <a:t>config</a:t>
-            </a:r>
-            <a:r>
-              <a:rPr lang="de-AT" dirty="0"/>
-              <a:t> </a:t>
-            </a:r>
-            <a:r>
-              <a:rPr lang="de-AT" dirty="0" err="1"/>
-              <a:t>files</a:t>
-            </a:r>
-            <a:r>
-              <a:rPr lang="de-AT" dirty="0"/>
-              <a:t> (e.g. </a:t>
-            </a:r>
-            <a:r>
-              <a:rPr lang="de-AT" i="1" dirty="0" err="1"/>
-              <a:t>appsettings.json</a:t>
-            </a:r>
-            <a:r>
-              <a:rPr lang="de-AT" dirty="0"/>
-              <a:t>)</a:t>
+              <a:rPr lang="en-US" dirty="0"/>
+              <a:t>Prefer not storing secrets at all</a:t>
             </a:r>
           </a:p>
           <a:p>
             <a:pPr lvl="1"/>
             <a:r>
-              <a:rPr lang="de-AT" dirty="0"/>
-              <a:t>E.g. Connection </a:t>
-            </a:r>
-            <a:r>
-              <a:rPr lang="de-AT" dirty="0" err="1"/>
-              <a:t>string</a:t>
-            </a:r>
-            <a:r>
-              <a:rPr lang="de-AT" dirty="0"/>
-              <a:t> </a:t>
-            </a:r>
-            <a:r>
-              <a:rPr lang="de-AT" dirty="0" err="1"/>
-              <a:t>pointing</a:t>
-            </a:r>
-            <a:r>
-              <a:rPr lang="de-AT" dirty="0"/>
-              <a:t> </a:t>
-            </a:r>
-            <a:r>
-              <a:rPr lang="de-AT" dirty="0" err="1"/>
-              <a:t>to</a:t>
-            </a:r>
-            <a:r>
-              <a:rPr lang="de-AT" dirty="0"/>
-              <a:t> </a:t>
-            </a:r>
-            <a:r>
-              <a:rPr lang="de-AT" i="1" dirty="0" err="1"/>
-              <a:t>LocalDB</a:t>
-            </a:r>
-            <a:r>
-              <a:rPr lang="de-AT" dirty="0"/>
-              <a:t> </a:t>
-            </a:r>
-            <a:r>
-              <a:rPr lang="de-AT" dirty="0" err="1"/>
-              <a:t>with</a:t>
-            </a:r>
-            <a:r>
-              <a:rPr lang="de-AT" dirty="0"/>
-              <a:t> </a:t>
-            </a:r>
-            <a:r>
-              <a:rPr lang="de-AT" dirty="0" err="1"/>
-              <a:t>integrated</a:t>
-            </a:r>
-            <a:r>
-              <a:rPr lang="de-AT" dirty="0"/>
-              <a:t> </a:t>
-            </a:r>
-            <a:r>
-              <a:rPr lang="de-AT" dirty="0" err="1"/>
-              <a:t>security</a:t>
-            </a:r>
-            <a:endParaRPr lang="de-AT" dirty="0"/>
-          </a:p>
-          <a:p>
-            <a:r>
-              <a:rPr lang="de-AT" dirty="0" err="1"/>
-              <a:t>Override</a:t>
-            </a:r>
-            <a:r>
-              <a:rPr lang="de-AT" dirty="0"/>
-              <a:t> </a:t>
-            </a:r>
-            <a:r>
-              <a:rPr lang="de-AT" dirty="0" err="1"/>
-              <a:t>settings</a:t>
-            </a:r>
-            <a:r>
-              <a:rPr lang="de-AT" dirty="0"/>
-              <a:t> in </a:t>
-            </a:r>
-            <a:r>
-              <a:rPr lang="de-AT" dirty="0" err="1"/>
-              <a:t>production</a:t>
-            </a:r>
-            <a:r>
-              <a:rPr lang="de-AT" dirty="0"/>
-              <a:t> </a:t>
-            </a:r>
-            <a:r>
-              <a:rPr lang="de-AT" dirty="0" err="1"/>
-              <a:t>using</a:t>
-            </a:r>
-            <a:r>
-              <a:rPr lang="de-AT" dirty="0"/>
-              <a:t> </a:t>
-            </a:r>
-            <a:r>
-              <a:rPr lang="de-AT" dirty="0" err="1"/>
-              <a:t>environment</a:t>
-            </a:r>
-            <a:r>
-              <a:rPr lang="de-AT" dirty="0"/>
-              <a:t> variables</a:t>
+              <a:rPr lang="en-US" dirty="0"/>
+              <a:t>Windows Authentication</a:t>
             </a:r>
           </a:p>
           <a:p>
             <a:pPr lvl="1"/>
             <a:r>
-              <a:rPr lang="de-AT" dirty="0"/>
-              <a:t>Works on Azure</a:t>
-            </a:r>
-          </a:p>
-          <a:p>
-            <a:pPr lvl="1"/>
-            <a:r>
-              <a:rPr lang="de-AT" dirty="0"/>
-              <a:t>Works in </a:t>
-            </a:r>
-            <a:r>
-              <a:rPr lang="de-AT" dirty="0" err="1"/>
-              <a:t>containers</a:t>
-            </a:r>
-            <a:r>
-              <a:rPr lang="de-AT" dirty="0"/>
-              <a:t> (e.g. </a:t>
-            </a:r>
-            <a:r>
-              <a:rPr lang="de-AT" i="1" dirty="0" err="1">
+              <a:rPr lang="en-US" dirty="0"/>
+              <a:t>Azure: Use AAD authentication with SQL (</a:t>
+            </a:r>
+            <a:r>
+              <a:rPr lang="en-US" dirty="0">
                 <a:hlinkClick r:id="rId2"/>
               </a:rPr>
-              <a:t>docker</a:t>
-            </a:r>
-            <a:r>
-              <a:rPr lang="de-AT" i="1" dirty="0">
-                <a:hlinkClick r:id="rId2"/>
+              <a:t>docs</a:t>
+            </a:r>
+            <a:r>
+              <a:rPr lang="en-US" dirty="0"/>
+              <a:t>)</a:t>
+            </a:r>
+          </a:p>
+          <a:p>
+            <a:pPr lvl="1"/>
+            <a:r>
+              <a:rPr lang="en-US" dirty="0"/>
+              <a:t>Azure Managed Identities (</a:t>
+            </a:r>
+            <a:r>
+              <a:rPr lang="en-US" dirty="0">
+                <a:hlinkClick r:id="rId3"/>
               </a:rPr>
-              <a:t> </a:t>
-            </a:r>
-            <a:r>
-              <a:rPr lang="de-AT" i="1" dirty="0" err="1">
-                <a:hlinkClick r:id="rId2"/>
+              <a:t>docs</a:t>
+            </a:r>
+            <a:r>
+              <a:rPr lang="en-US" dirty="0"/>
+              <a:t>)</a:t>
+            </a:r>
+          </a:p>
+          <a:p>
+            <a:r>
+              <a:rPr lang="en-US" dirty="0"/>
+              <a:t>Use </a:t>
+            </a:r>
+            <a:r>
+              <a:rPr lang="en-US" dirty="0">
+                <a:hlinkClick r:id="rId4"/>
               </a:rPr>
-              <a:t>run</a:t>
-            </a:r>
-            <a:r>
-              <a:rPr lang="de-AT" i="1" dirty="0">
-                <a:hlinkClick r:id="rId2"/>
+              <a:t>Connection String Builders</a:t>
+            </a:r>
+            <a:r>
+              <a:rPr lang="en-US" dirty="0"/>
+              <a:t> instead of string </a:t>
+            </a:r>
+            <a:r>
+              <a:rPr lang="en-US" dirty="0" err="1"/>
+              <a:t>concat</a:t>
+            </a:r>
+            <a:endParaRPr lang="en-US" dirty="0"/>
+          </a:p>
+          <a:p>
+            <a:pPr lvl="1"/>
+            <a:r>
+              <a:rPr lang="en-US" dirty="0"/>
+              <a:t>Sample: </a:t>
+            </a:r>
+            <a:r>
+              <a:rPr lang="en-US" i="1" dirty="0"/>
+              <a:t>07-ConnectionStringBuilders</a:t>
+            </a:r>
+            <a:endParaRPr lang="en-US" dirty="0"/>
+          </a:p>
+          <a:p>
+            <a:pPr lvl="1"/>
+            <a:r>
+              <a:rPr lang="en-US" u="sng" dirty="0"/>
+              <a:t>Don’t</a:t>
+            </a:r>
+            <a:r>
+              <a:rPr lang="en-US" dirty="0"/>
+              <a:t> set </a:t>
+            </a:r>
+            <a:r>
+              <a:rPr lang="en-US" i="1" dirty="0"/>
+              <a:t>Persist Security Info=True</a:t>
+            </a:r>
+            <a:r>
+              <a:rPr lang="en-US" dirty="0"/>
+              <a:t> (default is False) to prevent security-sensitive information to be obtained from a connection</a:t>
+            </a:r>
+          </a:p>
+          <a:p>
+            <a:r>
+              <a:rPr lang="en-US" i="1" dirty="0"/>
+              <a:t>private/protected/internal</a:t>
+            </a:r>
+            <a:r>
+              <a:rPr lang="en-US" dirty="0"/>
+              <a:t> is </a:t>
+            </a:r>
+            <a:r>
+              <a:rPr lang="en-US" u="sng" dirty="0"/>
+              <a:t>no</a:t>
+            </a:r>
+            <a:r>
+              <a:rPr lang="en-US" dirty="0"/>
+              <a:t> protection</a:t>
+            </a:r>
+          </a:p>
+          <a:p>
+            <a:pPr lvl="1"/>
+            <a:r>
+              <a:rPr lang="en-US" dirty="0"/>
+              <a:t>See also </a:t>
+            </a:r>
+            <a:r>
+              <a:rPr lang="en-US" i="1" dirty="0" err="1"/>
+              <a:t>BindingFlags.NonPublic</a:t>
+            </a:r>
+            <a:r>
+              <a:rPr lang="en-US" dirty="0"/>
+              <a:t> (</a:t>
+            </a:r>
+            <a:r>
+              <a:rPr lang="en-US" dirty="0">
+                <a:hlinkClick r:id="rId5"/>
               </a:rPr>
-              <a:t> -e</a:t>
-            </a:r>
-            <a:r>
-              <a:rPr lang="de-AT" dirty="0"/>
+              <a:t>docs</a:t>
+            </a:r>
+            <a:r>
+              <a:rPr lang="en-US" dirty="0"/>
               <a:t>)</a:t>
             </a:r>
           </a:p>
-          <a:p>
-            <a:r>
-              <a:rPr lang="de-AT" dirty="0"/>
-              <a:t>Problem: Environment variables </a:t>
-            </a:r>
-            <a:r>
-              <a:rPr lang="de-AT" dirty="0" err="1"/>
-              <a:t>are</a:t>
-            </a:r>
-            <a:r>
-              <a:rPr lang="de-AT" dirty="0"/>
-              <a:t> not </a:t>
-            </a:r>
-            <a:r>
-              <a:rPr lang="de-AT" dirty="0" err="1"/>
-              <a:t>encrypted</a:t>
-            </a:r>
-            <a:endParaRPr lang="de-AT" dirty="0"/>
-          </a:p>
-          <a:p>
-            <a:pPr lvl="1"/>
-            <a:r>
-              <a:rPr lang="de-AT" dirty="0" err="1"/>
-              <a:t>If</a:t>
-            </a:r>
-            <a:r>
-              <a:rPr lang="de-AT" dirty="0"/>
-              <a:t> </a:t>
-            </a:r>
-            <a:r>
-              <a:rPr lang="de-AT" dirty="0" err="1"/>
-              <a:t>machine</a:t>
-            </a:r>
-            <a:r>
-              <a:rPr lang="de-AT" dirty="0"/>
-              <a:t> </a:t>
-            </a:r>
-            <a:r>
-              <a:rPr lang="de-AT" dirty="0" err="1"/>
-              <a:t>is</a:t>
-            </a:r>
-            <a:r>
-              <a:rPr lang="de-AT" dirty="0"/>
-              <a:t> </a:t>
-            </a:r>
-            <a:r>
-              <a:rPr lang="de-AT" dirty="0" err="1"/>
-              <a:t>compromised</a:t>
-            </a:r>
-            <a:r>
-              <a:rPr lang="de-AT" dirty="0"/>
-              <a:t>, </a:t>
-            </a:r>
-            <a:r>
-              <a:rPr lang="de-AT" dirty="0" err="1"/>
-              <a:t>environment</a:t>
-            </a:r>
-            <a:r>
-              <a:rPr lang="de-AT" dirty="0"/>
-              <a:t> variables </a:t>
-            </a:r>
-            <a:r>
-              <a:rPr lang="de-AT" dirty="0" err="1"/>
-              <a:t>can</a:t>
-            </a:r>
-            <a:r>
-              <a:rPr lang="de-AT" dirty="0"/>
-              <a:t> </a:t>
-            </a:r>
-            <a:r>
-              <a:rPr lang="de-AT" dirty="0" err="1"/>
-              <a:t>be</a:t>
-            </a:r>
-            <a:r>
-              <a:rPr lang="de-AT" dirty="0"/>
-              <a:t> </a:t>
-            </a:r>
-            <a:r>
-              <a:rPr lang="de-AT" dirty="0" err="1"/>
-              <a:t>accessed</a:t>
-            </a:r>
-            <a:endParaRPr lang="de-AT" dirty="0"/>
-          </a:p>
-          <a:p>
-            <a:r>
-              <a:rPr lang="de-AT" dirty="0"/>
-              <a:t>Solution: Store </a:t>
-            </a:r>
-            <a:r>
-              <a:rPr lang="de-AT" dirty="0" err="1"/>
-              <a:t>secrets</a:t>
-            </a:r>
-            <a:r>
-              <a:rPr lang="de-AT" dirty="0"/>
-              <a:t> in </a:t>
-            </a:r>
-            <a:r>
-              <a:rPr lang="de-AT" dirty="0" err="1"/>
-              <a:t>vaults</a:t>
-            </a:r>
-            <a:r>
-              <a:rPr lang="de-AT" dirty="0"/>
-              <a:t> like </a:t>
-            </a:r>
-            <a:r>
-              <a:rPr lang="de-AT" i="1" dirty="0"/>
-              <a:t>KeyVault</a:t>
-            </a:r>
-          </a:p>
-          <a:p>
-            <a:pPr lvl="1"/>
-            <a:r>
-              <a:rPr lang="de-AT" dirty="0"/>
-              <a:t>Settings = </a:t>
-            </a:r>
-            <a:r>
-              <a:rPr lang="de-AT" dirty="0" err="1"/>
-              <a:t>environment</a:t>
-            </a:r>
-            <a:r>
-              <a:rPr lang="de-AT" dirty="0"/>
-              <a:t> variables </a:t>
-            </a:r>
-            <a:r>
-              <a:rPr lang="de-AT" dirty="0" err="1"/>
-              <a:t>only</a:t>
-            </a:r>
-            <a:r>
-              <a:rPr lang="de-AT" dirty="0"/>
-              <a:t> </a:t>
-            </a:r>
-            <a:r>
-              <a:rPr lang="de-AT" dirty="0" err="1"/>
-              <a:t>point</a:t>
-            </a:r>
-            <a:r>
-              <a:rPr lang="de-AT" dirty="0"/>
-              <a:t> </a:t>
-            </a:r>
-            <a:r>
-              <a:rPr lang="de-AT" dirty="0" err="1"/>
-              <a:t>to</a:t>
-            </a:r>
-            <a:r>
-              <a:rPr lang="de-AT" dirty="0"/>
-              <a:t> </a:t>
-            </a:r>
-            <a:r>
-              <a:rPr lang="de-AT" dirty="0" err="1"/>
-              <a:t>vault</a:t>
-            </a:r>
-            <a:endParaRPr lang="de-AT" dirty="0"/>
-          </a:p>
-          <a:p>
-            <a:pPr lvl="1"/>
-            <a:r>
-              <a:rPr lang="de-AT" dirty="0"/>
-              <a:t>Use </a:t>
-            </a:r>
-            <a:r>
-              <a:rPr lang="de-AT" dirty="0" err="1"/>
-              <a:t>integrated</a:t>
-            </a:r>
-            <a:r>
-              <a:rPr lang="de-AT" dirty="0"/>
-              <a:t> </a:t>
-            </a:r>
-            <a:r>
-              <a:rPr lang="de-AT" dirty="0" err="1"/>
-              <a:t>security</a:t>
-            </a:r>
-            <a:r>
-              <a:rPr lang="de-AT" dirty="0"/>
-              <a:t> </a:t>
-            </a:r>
-            <a:r>
-              <a:rPr lang="de-AT" dirty="0" err="1"/>
-              <a:t>of</a:t>
-            </a:r>
-            <a:r>
-              <a:rPr lang="de-AT" dirty="0"/>
-              <a:t> </a:t>
-            </a:r>
-            <a:r>
-              <a:rPr lang="de-AT" dirty="0" err="1"/>
-              <a:t>platform</a:t>
-            </a:r>
-            <a:r>
-              <a:rPr lang="de-AT" dirty="0"/>
-              <a:t> (e.g. Windows, Azure </a:t>
-            </a:r>
-            <a:r>
-              <a:rPr lang="de-AT" dirty="0" err="1"/>
-              <a:t>Managed</a:t>
-            </a:r>
-            <a:r>
-              <a:rPr lang="de-AT" dirty="0"/>
-              <a:t> Identity)</a:t>
-            </a:r>
-          </a:p>
-        </p:txBody>
-      </p:sp>
-      <p:sp>
-        <p:nvSpPr>
-          <p:cNvPr id="4" name="Text Placeholder 3">
+        </p:txBody>
+      </p:sp>
+      <p:sp>
+        <p:nvSpPr>
+          <p:cNvPr id="6" name="Text Placeholder 5">
             <a:extLst>
               <a:ext uri="{FF2B5EF4-FFF2-40B4-BE49-F238E27FC236}">
-                <a16:creationId xmlns:a16="http://schemas.microsoft.com/office/drawing/2014/main" id="{3FEA31CA-FD17-4CAE-88C4-4917D5E88B28}"/>
+                <a16:creationId xmlns:a16="http://schemas.microsoft.com/office/drawing/2014/main" id="{45CC3CD2-13B7-49F0-BF5F-46A2C11C7A6E}"/>
               </a:ext>
             </a:extLst>
           </p:cNvPr>
@@ -13857,27 +13680,37 @@
           <a:bodyPr/>
           <a:lstStyle/>
           <a:p>
-            <a:endParaRPr lang="de-AT"/>
+            <a:r>
+              <a:rPr lang="en-US" dirty="0"/>
+              <a:t>See also </a:t>
+            </a:r>
+            <a:r>
+              <a:rPr lang="en-US" dirty="0">
+                <a:hlinkClick r:id="rId6"/>
+              </a:rPr>
+              <a:t>https://docs.microsoft.com/en-us/dotnet/framework/data/adonet/protecting-connection-information</a:t>
+            </a:r>
+            <a:endParaRPr lang="en-US" dirty="0"/>
           </a:p>
         </p:txBody>
       </p:sp>
     </p:spTree>
     <p:extLst>
       <p:ext uri="{BB962C8B-B14F-4D97-AF65-F5344CB8AC3E}">
-        <p14:creationId xmlns:p14="http://schemas.microsoft.com/office/powerpoint/2010/main" val="3344891485"/>
+        <p14:creationId xmlns:p14="http://schemas.microsoft.com/office/powerpoint/2010/main" val="287044570"/>
       </p:ext>
     </p:extLst>
   </p:cSld>
   <p:clrMapOvr>
     <a:masterClrMapping/>
   </p:clrMapOvr>
-  <mc:AlternateContent xmlns:mc="http://schemas.openxmlformats.org/markup-compatibility/2006">
-    <mc:Choice xmlns:p14="http://schemas.microsoft.com/office/powerpoint/2010/main" Requires="p14">
+  <mc:AlternateContent xmlns:mc="http://schemas.openxmlformats.org/markup-compatibility/2006" xmlns:p14="http://schemas.microsoft.com/office/powerpoint/2010/main">
+    <mc:Choice Requires="p14">
       <p:transition spd="med" p14:dur="700">
         <p:fade/>
       </p:transition>
     </mc:Choice>
-    <mc:Fallback>
+    <mc:Fallback xmlns="">
       <p:transition spd="med">
         <p:fade/>
       </p:transition>
@@ -13905,10 +13738,10 @@
       </p:grpSpPr>
       <p:sp>
         <p:nvSpPr>
-          <p:cNvPr id="2" name="Title 1">
+          <p:cNvPr id="4" name="Title 3">
             <a:extLst>
               <a:ext uri="{FF2B5EF4-FFF2-40B4-BE49-F238E27FC236}">
-                <a16:creationId xmlns:a16="http://schemas.microsoft.com/office/drawing/2014/main" id="{DE5C6A00-2349-4081-8885-95806CB4E6A1}"/>
+                <a16:creationId xmlns:a16="http://schemas.microsoft.com/office/drawing/2014/main" id="{BDD3605E-FD53-466F-BE4A-2E05F5F4F85D}"/>
               </a:ext>
             </a:extLst>
           </p:cNvPr>
@@ -13926,17 +13759,17 @@
           <a:p>
             <a:r>
               <a:rPr lang="en-US"/>
-              <a:t>Azure Managed Identity</a:t>
-            </a:r>
-          </a:p>
-        </p:txBody>
-      </p:sp>
-      <p:sp>
-        <p:nvSpPr>
-          <p:cNvPr id="3" name="Content Placeholder 2">
+              <a:t>General Guidelines</a:t>
+            </a:r>
+          </a:p>
+        </p:txBody>
+      </p:sp>
+      <p:sp>
+        <p:nvSpPr>
+          <p:cNvPr id="5" name="Content Placeholder 4">
             <a:extLst>
               <a:ext uri="{FF2B5EF4-FFF2-40B4-BE49-F238E27FC236}">
-                <a16:creationId xmlns:a16="http://schemas.microsoft.com/office/drawing/2014/main" id="{A40CBCAC-290F-42CF-AF44-72322D6C858A}"/>
+                <a16:creationId xmlns:a16="http://schemas.microsoft.com/office/drawing/2014/main" id="{01F131BF-9B34-48AC-BA46-B6209F9C8653}"/>
               </a:ext>
             </a:extLst>
           </p:cNvPr>
@@ -13954,74 +13787,173 @@
           <a:p>
             <a:r>
               <a:rPr lang="en-US" dirty="0"/>
-              <a:t>Automatically managed identities for services in Azure</a:t>
+              <a:t>Recap .NET Core config system</a:t>
             </a:r>
           </a:p>
           <a:p>
             <a:pPr lvl="1"/>
             <a:r>
-              <a:rPr lang="en-US" dirty="0"/>
-              <a:t>Backed by Azure AD</a:t>
+              <a:rPr lang="en-US" i="1" dirty="0"/>
+              <a:t>08-RecapNetCoreConfig</a:t>
+            </a:r>
+          </a:p>
+          <a:p>
+            <a:r>
+              <a:rPr lang="en-US" dirty="0"/>
+              <a:t>Encrypt configuration files</a:t>
             </a:r>
           </a:p>
           <a:p>
             <a:pPr lvl="1"/>
             <a:r>
               <a:rPr lang="en-US" dirty="0"/>
-              <a:t>Goal: No credentials on developer workstations or in source control</a:t>
-            </a:r>
-          </a:p>
-          <a:p>
-            <a:r>
-              <a:rPr lang="en-US" dirty="0"/>
-              <a:t>Two types: System- or user-assigned</a:t>
-            </a:r>
-          </a:p>
-          <a:p>
-            <a:pPr lvl="1"/>
-            <a:r>
-              <a:rPr lang="en-US" dirty="0"/>
-              <a:t>More or less control over service principal creation</a:t>
-            </a:r>
-          </a:p>
-          <a:p>
-            <a:r>
-              <a:rPr lang="en-US" dirty="0"/>
-              <a:t>Supported by more and more Azure PaaS/Serverless services</a:t>
-            </a:r>
-          </a:p>
-          <a:p>
-            <a:pPr lvl="1"/>
+              <a:t>ASP.NET: Use </a:t>
+            </a:r>
+            <a:r>
+              <a:rPr lang="en-US" i="1" dirty="0" err="1"/>
+              <a:t>aspnet_regiis</a:t>
+            </a:r>
+            <a:r>
+              <a:rPr lang="en-US" dirty="0"/>
+              <a:t> tool (</a:t>
+            </a:r>
             <a:r>
               <a:rPr lang="en-US" dirty="0">
                 <a:hlinkClick r:id="rId2"/>
               </a:rPr>
-              <a:t>Docs</a:t>
-            </a:r>
-            <a:endParaRPr lang="en-US" dirty="0"/>
-          </a:p>
-          <a:p>
-            <a:pPr lvl="1"/>
-            <a:r>
-              <a:rPr lang="en-US" dirty="0"/>
-              <a:t>Here: Focus on </a:t>
+              <a:t>docs</a:t>
+            </a:r>
+            <a:r>
+              <a:rPr lang="en-US" dirty="0"/>
+              <a:t>)</a:t>
+            </a:r>
+          </a:p>
+          <a:p>
+            <a:r>
+              <a:rPr lang="en-US" dirty="0"/>
+              <a:t>ASP.NET Core </a:t>
+            </a:r>
+            <a:r>
+              <a:rPr lang="en-US" i="1" dirty="0"/>
+              <a:t>Secret Manager</a:t>
+            </a:r>
+            <a:r>
+              <a:rPr lang="en-US" dirty="0"/>
+              <a:t> tool (</a:t>
             </a:r>
             <a:r>
               <a:rPr lang="en-US" dirty="0">
                 <a:hlinkClick r:id="rId3"/>
               </a:rPr>
-              <a:t>KeyVault</a:t>
-            </a:r>
+              <a:t>docs</a:t>
+            </a:r>
+            <a:r>
+              <a:rPr lang="en-US" dirty="0"/>
+              <a:t>)</a:t>
+            </a:r>
+          </a:p>
+          <a:p>
+            <a:pPr lvl="1"/>
+            <a:r>
+              <a:rPr lang="en-US" dirty="0"/>
+              <a:t>Stores secrets separated from application code</a:t>
+            </a:r>
+          </a:p>
+          <a:p>
+            <a:pPr lvl="1"/>
+            <a:r>
+              <a:rPr lang="en-US" dirty="0"/>
+              <a:t>ASP.NET Core: </a:t>
+            </a:r>
+            <a:r>
+              <a:rPr lang="en-US" i="1" dirty="0"/>
+              <a:t>09.1-SecretManager</a:t>
+            </a:r>
+          </a:p>
+          <a:p>
+            <a:pPr lvl="1"/>
+            <a:r>
+              <a:rPr lang="de-AT" i="1" dirty="0" err="1"/>
+              <a:t>dotnet</a:t>
+            </a:r>
+            <a:r>
+              <a:rPr lang="de-AT" i="1" dirty="0"/>
+              <a:t> user-</a:t>
+            </a:r>
+            <a:r>
+              <a:rPr lang="de-AT" i="1" dirty="0" err="1"/>
+              <a:t>secrets</a:t>
+            </a:r>
+            <a:r>
+              <a:rPr lang="de-AT" i="1" dirty="0"/>
+              <a:t> </a:t>
+            </a:r>
+            <a:r>
+              <a:rPr lang="de-AT" i="1" dirty="0" err="1"/>
+              <a:t>set</a:t>
+            </a:r>
+            <a:r>
+              <a:rPr lang="de-AT" i="1" dirty="0"/>
+              <a:t> "ping" "</a:t>
+            </a:r>
+            <a:r>
+              <a:rPr lang="de-AT" i="1" dirty="0" err="1"/>
+              <a:t>pong</a:t>
+            </a:r>
+            <a:r>
+              <a:rPr lang="de-AT" i="1" dirty="0"/>
+              <a:t>"</a:t>
+            </a:r>
+            <a:br>
+              <a:rPr lang="de-AT" dirty="0"/>
+            </a:br>
+            <a:r>
+              <a:rPr lang="de-AT" dirty="0"/>
+              <a:t>   </a:t>
+            </a:r>
+            <a:r>
+              <a:rPr lang="de-AT" dirty="0">
+                <a:sym typeface="Wingdings" panose="05000000000000000000" pitchFamily="2" charset="2"/>
+              </a:rPr>
+              <a:t> Show </a:t>
+            </a:r>
+            <a:r>
+              <a:rPr lang="de-AT" dirty="0" err="1">
+                <a:sym typeface="Wingdings" panose="05000000000000000000" pitchFamily="2" charset="2"/>
+              </a:rPr>
+              <a:t>secrets</a:t>
+            </a:r>
+            <a:r>
+              <a:rPr lang="de-AT" dirty="0">
+                <a:sym typeface="Wingdings" panose="05000000000000000000" pitchFamily="2" charset="2"/>
+              </a:rPr>
+              <a:t> in </a:t>
+            </a:r>
+            <a:r>
+              <a:rPr lang="en-US" i="1" dirty="0"/>
+              <a:t>%APPDATA%\Microsoft\</a:t>
+            </a:r>
+            <a:r>
+              <a:rPr lang="en-US" i="1" dirty="0" err="1"/>
+              <a:t>UserSecrets</a:t>
+            </a:r>
+            <a:r>
+              <a:rPr lang="en-US" i="1" dirty="0"/>
+              <a:t>\...</a:t>
+            </a:r>
+          </a:p>
+          <a:p>
+            <a:pPr lvl="1"/>
             <a:endParaRPr lang="en-US" dirty="0"/>
           </a:p>
         </p:txBody>
       </p:sp>
       <p:sp>
         <p:nvSpPr>
-          <p:cNvPr id="4" name="Text Placeholder 3">
+          <p:cNvPr id="6" name="Text Placeholder 5">
             <a:extLst>
               <a:ext uri="{FF2B5EF4-FFF2-40B4-BE49-F238E27FC236}">
-                <a16:creationId xmlns:a16="http://schemas.microsoft.com/office/drawing/2014/main" id="{4756455E-82F7-4F41-9AA2-F214DAA65B12}"/>
+                <a16:creationId xmlns:a16="http://schemas.microsoft.com/office/drawing/2014/main" id="{45CC3CD2-13B7-49F0-BF5F-46A2C11C7A6E}"/>
               </a:ext>
             </a:extLst>
           </p:cNvPr>
@@ -14038,36 +13970,36 @@
           <a:lstStyle/>
           <a:p>
             <a:r>
-              <a:rPr lang="en-US"/>
+              <a:rPr lang="en-US" dirty="0"/>
               <a:t>See also </a:t>
             </a:r>
             <a:r>
-              <a:rPr lang="en-US">
+              <a:rPr lang="en-US" dirty="0">
                 <a:hlinkClick r:id="rId4"/>
               </a:rPr>
-              <a:t>https://docs.microsoft.com/en-us/azure/active-directory/managed-identities-azure-resources/overview</a:t>
-            </a:r>
-            <a:endParaRPr lang="en-US"/>
+              <a:t>https://docs.microsoft.com/en-us/dotnet/framework/data/adonet/protecting-connection-information</a:t>
+            </a:r>
+            <a:endParaRPr lang="en-US" dirty="0"/>
           </a:p>
         </p:txBody>
       </p:sp>
     </p:spTree>
     <p:extLst>
       <p:ext uri="{BB962C8B-B14F-4D97-AF65-F5344CB8AC3E}">
-        <p14:creationId xmlns:p14="http://schemas.microsoft.com/office/powerpoint/2010/main" val="1073376354"/>
+        <p14:creationId xmlns:p14="http://schemas.microsoft.com/office/powerpoint/2010/main" val="2774263431"/>
       </p:ext>
     </p:extLst>
   </p:cSld>
   <p:clrMapOvr>
     <a:masterClrMapping/>
   </p:clrMapOvr>
-  <mc:AlternateContent xmlns:mc="http://schemas.openxmlformats.org/markup-compatibility/2006">
-    <mc:Choice xmlns:p14="http://schemas.microsoft.com/office/powerpoint/2010/main" Requires="p14">
+  <mc:AlternateContent xmlns:mc="http://schemas.openxmlformats.org/markup-compatibility/2006" xmlns:p14="http://schemas.microsoft.com/office/powerpoint/2010/main">
+    <mc:Choice Requires="p14">
       <p:transition spd="med" p14:dur="700">
         <p:fade/>
       </p:transition>
     </mc:Choice>
-    <mc:Fallback>
+    <mc:Fallback xmlns="">
       <p:transition spd="med">
         <p:fade/>
       </p:transition>
@@ -14098,7 +14030,7 @@
           <p:cNvPr id="2" name="Title 1">
             <a:extLst>
               <a:ext uri="{FF2B5EF4-FFF2-40B4-BE49-F238E27FC236}">
-                <a16:creationId xmlns:a16="http://schemas.microsoft.com/office/drawing/2014/main" id="{DE5C6A00-2349-4081-8885-95806CB4E6A1}"/>
+                <a16:creationId xmlns:a16="http://schemas.microsoft.com/office/drawing/2014/main" id="{70775652-A8EC-4FAC-A38B-CDC92D034423}"/>
               </a:ext>
             </a:extLst>
           </p:cNvPr>
@@ -14115,8 +14047,8 @@
           <a:lstStyle/>
           <a:p>
             <a:r>
-              <a:rPr lang="en-US" dirty="0"/>
-              <a:t>KeyVault</a:t>
+              <a:rPr lang="de-AT" dirty="0"/>
+              <a:t>Environment Variables</a:t>
             </a:r>
           </a:p>
         </p:txBody>
@@ -14126,7 +14058,7 @@
           <p:cNvPr id="3" name="Content Placeholder 2">
             <a:extLst>
               <a:ext uri="{FF2B5EF4-FFF2-40B4-BE49-F238E27FC236}">
-                <a16:creationId xmlns:a16="http://schemas.microsoft.com/office/drawing/2014/main" id="{A40CBCAC-290F-42CF-AF44-72322D6C858A}"/>
+                <a16:creationId xmlns:a16="http://schemas.microsoft.com/office/drawing/2014/main" id="{E0CF94F3-E172-411D-801A-CF40C7B1E837}"/>
               </a:ext>
             </a:extLst>
           </p:cNvPr>
@@ -14143,90 +14075,408 @@
           <a:lstStyle/>
           <a:p>
             <a:r>
-              <a:rPr lang="en-US" dirty="0"/>
-              <a:t>Keep secrets, encryption keys, and certs in Azure</a:t>
+              <a:rPr lang="de-AT" dirty="0"/>
+              <a:t>Add non-</a:t>
+            </a:r>
+            <a:r>
+              <a:rPr lang="de-AT" dirty="0" err="1"/>
+              <a:t>critical</a:t>
+            </a:r>
+            <a:r>
+              <a:rPr lang="de-AT" dirty="0"/>
+              <a:t> </a:t>
+            </a:r>
+            <a:r>
+              <a:rPr lang="de-AT" dirty="0" err="1"/>
+              <a:t>defaults</a:t>
+            </a:r>
+            <a:r>
+              <a:rPr lang="de-AT" dirty="0"/>
+              <a:t> </a:t>
+            </a:r>
+            <a:r>
+              <a:rPr lang="de-AT" dirty="0" err="1"/>
+              <a:t>to</a:t>
+            </a:r>
+            <a:r>
+              <a:rPr lang="de-AT" dirty="0"/>
+              <a:t> </a:t>
+            </a:r>
+            <a:r>
+              <a:rPr lang="de-AT" dirty="0" err="1"/>
+              <a:t>config</a:t>
+            </a:r>
+            <a:r>
+              <a:rPr lang="de-AT" dirty="0"/>
+              <a:t> </a:t>
+            </a:r>
+            <a:r>
+              <a:rPr lang="de-AT" dirty="0" err="1"/>
+              <a:t>files</a:t>
+            </a:r>
+            <a:r>
+              <a:rPr lang="de-AT" dirty="0"/>
+              <a:t> (e.g. </a:t>
+            </a:r>
+            <a:r>
+              <a:rPr lang="de-AT" i="1" dirty="0" err="1"/>
+              <a:t>appsettings.json</a:t>
+            </a:r>
+            <a:r>
+              <a:rPr lang="de-AT" dirty="0"/>
+              <a:t>)</a:t>
             </a:r>
           </a:p>
           <a:p>
             <a:pPr lvl="1"/>
             <a:r>
-              <a:rPr lang="en-US" dirty="0"/>
-              <a:t>Can be protected by certified HSMs</a:t>
-            </a:r>
-          </a:p>
-          <a:p>
-            <a:r>
-              <a:rPr lang="en-US" dirty="0"/>
-              <a:t>Monitor access and use</a:t>
-            </a:r>
-          </a:p>
-          <a:p>
-            <a:r>
-              <a:rPr lang="en-US" dirty="0"/>
-              <a:t>Integrated in various Azure services</a:t>
+              <a:rPr lang="de-AT" dirty="0"/>
+              <a:t>E.g. Connection </a:t>
+            </a:r>
+            <a:r>
+              <a:rPr lang="de-AT" dirty="0" err="1"/>
+              <a:t>string</a:t>
+            </a:r>
+            <a:r>
+              <a:rPr lang="de-AT" dirty="0"/>
+              <a:t> </a:t>
+            </a:r>
+            <a:r>
+              <a:rPr lang="de-AT" dirty="0" err="1"/>
+              <a:t>pointing</a:t>
+            </a:r>
+            <a:r>
+              <a:rPr lang="de-AT" dirty="0"/>
+              <a:t> </a:t>
+            </a:r>
+            <a:r>
+              <a:rPr lang="de-AT" dirty="0" err="1"/>
+              <a:t>to</a:t>
+            </a:r>
+            <a:r>
+              <a:rPr lang="de-AT" dirty="0"/>
+              <a:t> </a:t>
+            </a:r>
+            <a:r>
+              <a:rPr lang="de-AT" i="1" dirty="0" err="1"/>
+              <a:t>LocalDB</a:t>
+            </a:r>
+            <a:r>
+              <a:rPr lang="de-AT" dirty="0"/>
+              <a:t> </a:t>
+            </a:r>
+            <a:r>
+              <a:rPr lang="de-AT" dirty="0" err="1"/>
+              <a:t>with</a:t>
+            </a:r>
+            <a:r>
+              <a:rPr lang="de-AT" dirty="0"/>
+              <a:t> </a:t>
+            </a:r>
+            <a:r>
+              <a:rPr lang="de-AT" dirty="0" err="1"/>
+              <a:t>integrated</a:t>
+            </a:r>
+            <a:r>
+              <a:rPr lang="de-AT" dirty="0"/>
+              <a:t> </a:t>
+            </a:r>
+            <a:r>
+              <a:rPr lang="de-AT" dirty="0" err="1"/>
+              <a:t>security</a:t>
+            </a:r>
+            <a:endParaRPr lang="de-AT" dirty="0"/>
+          </a:p>
+          <a:p>
+            <a:r>
+              <a:rPr lang="de-AT" dirty="0" err="1"/>
+              <a:t>Override</a:t>
+            </a:r>
+            <a:r>
+              <a:rPr lang="de-AT" dirty="0"/>
+              <a:t> </a:t>
+            </a:r>
+            <a:r>
+              <a:rPr lang="de-AT" dirty="0" err="1"/>
+              <a:t>settings</a:t>
+            </a:r>
+            <a:r>
+              <a:rPr lang="de-AT" dirty="0"/>
+              <a:t> in </a:t>
+            </a:r>
+            <a:r>
+              <a:rPr lang="de-AT" dirty="0" err="1"/>
+              <a:t>production</a:t>
+            </a:r>
+            <a:r>
+              <a:rPr lang="de-AT" dirty="0"/>
+              <a:t> </a:t>
+            </a:r>
+            <a:r>
+              <a:rPr lang="de-AT" dirty="0" err="1"/>
+              <a:t>using</a:t>
+            </a:r>
+            <a:r>
+              <a:rPr lang="de-AT" dirty="0"/>
+              <a:t> </a:t>
+            </a:r>
+            <a:r>
+              <a:rPr lang="de-AT" dirty="0" err="1"/>
+              <a:t>environment</a:t>
+            </a:r>
+            <a:r>
+              <a:rPr lang="de-AT" dirty="0"/>
+              <a:t> variables</a:t>
             </a:r>
           </a:p>
           <a:p>
             <a:pPr lvl="1"/>
             <a:r>
-              <a:rPr lang="en-US" dirty="0"/>
-              <a:t>E.g. SSL certs for App Service (</a:t>
-            </a:r>
-            <a:r>
-              <a:rPr lang="en-US" dirty="0">
+              <a:rPr lang="de-AT" dirty="0"/>
+              <a:t>Works on Azure</a:t>
+            </a:r>
+          </a:p>
+          <a:p>
+            <a:pPr lvl="1"/>
+            <a:r>
+              <a:rPr lang="de-AT" dirty="0"/>
+              <a:t>Works in </a:t>
+            </a:r>
+            <a:r>
+              <a:rPr lang="de-AT" dirty="0" err="1"/>
+              <a:t>containers</a:t>
+            </a:r>
+            <a:r>
+              <a:rPr lang="de-AT" dirty="0"/>
+              <a:t> (e.g. </a:t>
+            </a:r>
+            <a:r>
+              <a:rPr lang="de-AT" i="1" dirty="0" err="1">
                 <a:hlinkClick r:id="rId2"/>
               </a:rPr>
-              <a:t>docs</a:t>
-            </a:r>
-            <a:r>
-              <a:rPr lang="en-US" dirty="0"/>
+              <a:t>docker</a:t>
+            </a:r>
+            <a:r>
+              <a:rPr lang="de-AT" i="1" dirty="0">
+                <a:hlinkClick r:id="rId2"/>
+              </a:rPr>
+              <a:t> </a:t>
+            </a:r>
+            <a:r>
+              <a:rPr lang="de-AT" i="1" dirty="0" err="1">
+                <a:hlinkClick r:id="rId2"/>
+              </a:rPr>
+              <a:t>run</a:t>
+            </a:r>
+            <a:r>
+              <a:rPr lang="de-AT" i="1" dirty="0">
+                <a:hlinkClick r:id="rId2"/>
+              </a:rPr>
+              <a:t> -e</a:t>
+            </a:r>
+            <a:r>
+              <a:rPr lang="de-AT" dirty="0"/>
               <a:t>)</a:t>
             </a:r>
           </a:p>
           <a:p>
+            <a:r>
+              <a:rPr lang="de-AT" dirty="0"/>
+              <a:t>Problem: Environment variables </a:t>
+            </a:r>
+            <a:r>
+              <a:rPr lang="de-AT" dirty="0" err="1"/>
+              <a:t>are</a:t>
+            </a:r>
+            <a:r>
+              <a:rPr lang="de-AT" dirty="0"/>
+              <a:t> not </a:t>
+            </a:r>
+            <a:r>
+              <a:rPr lang="de-AT" dirty="0" err="1"/>
+              <a:t>encrypted</a:t>
+            </a:r>
+            <a:endParaRPr lang="de-AT" dirty="0"/>
+          </a:p>
+          <a:p>
             <a:pPr lvl="1"/>
             <a:r>
-              <a:rPr lang="en-US" dirty="0"/>
-              <a:t>E.g. </a:t>
-            </a:r>
-            <a:r>
-              <a:rPr lang="en-US" i="1" dirty="0"/>
-              <a:t>Always Encrypted</a:t>
-            </a:r>
-            <a:r>
-              <a:rPr lang="en-US" dirty="0"/>
-              <a:t> in SQL (</a:t>
-            </a:r>
-            <a:r>
-              <a:rPr lang="en-US" dirty="0">
-                <a:hlinkClick r:id="rId3"/>
-              </a:rPr>
-              <a:t>docs</a:t>
-            </a:r>
-            <a:r>
-              <a:rPr lang="en-US" dirty="0"/>
-              <a:t>)</a:t>
-            </a:r>
-          </a:p>
-          <a:p>
-            <a:r>
-              <a:rPr lang="en-US" dirty="0"/>
-              <a:t>Access to KeyVault can be protected by </a:t>
-            </a:r>
-            <a:r>
-              <a:rPr lang="en-US" i="1" dirty="0"/>
-              <a:t>Managed Identity</a:t>
+              <a:rPr lang="de-AT" dirty="0" err="1"/>
+              <a:t>If</a:t>
+            </a:r>
+            <a:r>
+              <a:rPr lang="de-AT" dirty="0"/>
+              <a:t> </a:t>
+            </a:r>
+            <a:r>
+              <a:rPr lang="de-AT" dirty="0" err="1"/>
+              <a:t>machine</a:t>
+            </a:r>
+            <a:r>
+              <a:rPr lang="de-AT" dirty="0"/>
+              <a:t> </a:t>
+            </a:r>
+            <a:r>
+              <a:rPr lang="de-AT" dirty="0" err="1"/>
+              <a:t>is</a:t>
+            </a:r>
+            <a:r>
+              <a:rPr lang="de-AT" dirty="0"/>
+              <a:t> </a:t>
+            </a:r>
+            <a:r>
+              <a:rPr lang="de-AT" dirty="0" err="1"/>
+              <a:t>compromised</a:t>
+            </a:r>
+            <a:r>
+              <a:rPr lang="de-AT" dirty="0"/>
+              <a:t>, </a:t>
+            </a:r>
+            <a:r>
+              <a:rPr lang="de-AT" dirty="0" err="1"/>
+              <a:t>environment</a:t>
+            </a:r>
+            <a:r>
+              <a:rPr lang="de-AT" dirty="0"/>
+              <a:t> variables </a:t>
+            </a:r>
+            <a:r>
+              <a:rPr lang="de-AT" dirty="0" err="1"/>
+              <a:t>can</a:t>
+            </a:r>
+            <a:r>
+              <a:rPr lang="de-AT" dirty="0"/>
+              <a:t> </a:t>
+            </a:r>
+            <a:r>
+              <a:rPr lang="de-AT" dirty="0" err="1"/>
+              <a:t>be</a:t>
+            </a:r>
+            <a:r>
+              <a:rPr lang="de-AT" dirty="0"/>
+              <a:t> </a:t>
+            </a:r>
+            <a:r>
+              <a:rPr lang="de-AT" dirty="0" err="1"/>
+              <a:t>accessed</a:t>
+            </a:r>
+            <a:endParaRPr lang="de-AT" dirty="0"/>
+          </a:p>
+          <a:p>
+            <a:r>
+              <a:rPr lang="de-AT" dirty="0"/>
+              <a:t>Solution: Store </a:t>
+            </a:r>
+            <a:r>
+              <a:rPr lang="de-AT" dirty="0" err="1"/>
+              <a:t>secrets</a:t>
+            </a:r>
+            <a:r>
+              <a:rPr lang="de-AT" dirty="0"/>
+              <a:t> in </a:t>
+            </a:r>
+            <a:r>
+              <a:rPr lang="de-AT" dirty="0" err="1"/>
+              <a:t>vaults</a:t>
+            </a:r>
+            <a:r>
+              <a:rPr lang="de-AT" dirty="0"/>
+              <a:t> like </a:t>
+            </a:r>
+            <a:r>
+              <a:rPr lang="de-AT" i="1" dirty="0"/>
+              <a:t>KeyVault</a:t>
             </a:r>
           </a:p>
           <a:p>
             <a:pPr lvl="1"/>
             <a:r>
-              <a:rPr lang="en-US" dirty="0"/>
-              <a:t>Sample: </a:t>
-            </a:r>
-            <a:r>
-              <a:rPr lang="en-US" i="1" dirty="0"/>
-              <a:t>09.2-KeyVaultManagedIdentity</a:t>
+              <a:rPr lang="de-AT" dirty="0"/>
+              <a:t>Settings = </a:t>
+            </a:r>
+            <a:r>
+              <a:rPr lang="de-AT" dirty="0" err="1"/>
+              <a:t>environment</a:t>
+            </a:r>
+            <a:r>
+              <a:rPr lang="de-AT" dirty="0"/>
+              <a:t> variables </a:t>
+            </a:r>
+            <a:r>
+              <a:rPr lang="de-AT" dirty="0" err="1"/>
+              <a:t>only</a:t>
+            </a:r>
+            <a:r>
+              <a:rPr lang="de-AT" dirty="0"/>
+              <a:t> </a:t>
+            </a:r>
+            <a:r>
+              <a:rPr lang="de-AT" dirty="0" err="1"/>
+              <a:t>point</a:t>
+            </a:r>
+            <a:r>
+              <a:rPr lang="de-AT" dirty="0"/>
+              <a:t> </a:t>
+            </a:r>
+            <a:r>
+              <a:rPr lang="de-AT" dirty="0" err="1"/>
+              <a:t>to</a:t>
+            </a:r>
+            <a:r>
+              <a:rPr lang="de-AT" dirty="0"/>
+              <a:t> </a:t>
+            </a:r>
+            <a:r>
+              <a:rPr lang="de-AT" dirty="0" err="1"/>
+              <a:t>vault</a:t>
+            </a:r>
+            <a:endParaRPr lang="de-AT" dirty="0"/>
+          </a:p>
+          <a:p>
+            <a:pPr lvl="1"/>
+            <a:r>
+              <a:rPr lang="de-AT" dirty="0"/>
+              <a:t>Use </a:t>
+            </a:r>
+            <a:r>
+              <a:rPr lang="de-AT" dirty="0" err="1"/>
+              <a:t>integrated</a:t>
+            </a:r>
+            <a:r>
+              <a:rPr lang="de-AT" dirty="0"/>
+              <a:t> </a:t>
+            </a:r>
+            <a:r>
+              <a:rPr lang="de-AT" dirty="0" err="1"/>
+              <a:t>security</a:t>
+            </a:r>
+            <a:r>
+              <a:rPr lang="de-AT" dirty="0"/>
+              <a:t> </a:t>
+            </a:r>
+            <a:r>
+              <a:rPr lang="de-AT" dirty="0" err="1"/>
+              <a:t>of</a:t>
+            </a:r>
+            <a:r>
+              <a:rPr lang="de-AT" dirty="0"/>
+              <a:t> </a:t>
+            </a:r>
+            <a:r>
+              <a:rPr lang="de-AT" dirty="0" err="1"/>
+              <a:t>platform</a:t>
+            </a:r>
+            <a:r>
+              <a:rPr lang="de-AT" dirty="0"/>
+              <a:t> (e.g. Windows, Azure </a:t>
+            </a:r>
+            <a:r>
+              <a:rPr lang="de-AT" dirty="0" err="1"/>
+              <a:t>Managed</a:t>
+            </a:r>
+            <a:r>
+              <a:rPr lang="de-AT" dirty="0"/>
+              <a:t> Identity)</a:t>
             </a:r>
           </a:p>
         </p:txBody>
@@ -14236,7 +14486,7 @@
           <p:cNvPr id="4" name="Text Placeholder 3">
             <a:extLst>
               <a:ext uri="{FF2B5EF4-FFF2-40B4-BE49-F238E27FC236}">
-                <a16:creationId xmlns:a16="http://schemas.microsoft.com/office/drawing/2014/main" id="{4756455E-82F7-4F41-9AA2-F214DAA65B12}"/>
+                <a16:creationId xmlns:a16="http://schemas.microsoft.com/office/drawing/2014/main" id="{3FEA31CA-FD17-4CAE-88C4-4917D5E88B28}"/>
               </a:ext>
             </a:extLst>
           </p:cNvPr>
@@ -14252,37 +14502,27 @@
           <a:bodyPr/>
           <a:lstStyle/>
           <a:p>
-            <a:r>
-              <a:rPr lang="en-US" dirty="0"/>
-              <a:t>See also </a:t>
-            </a:r>
-            <a:r>
-              <a:rPr lang="de-AT" dirty="0">
-                <a:hlinkClick r:id="rId4"/>
-              </a:rPr>
-              <a:t>https://docs.microsoft.com/en-us/azure/key-vault/key-vault-overview</a:t>
-            </a:r>
-            <a:endParaRPr lang="en-US" dirty="0"/>
+            <a:endParaRPr lang="de-AT"/>
           </a:p>
         </p:txBody>
       </p:sp>
     </p:spTree>
     <p:extLst>
       <p:ext uri="{BB962C8B-B14F-4D97-AF65-F5344CB8AC3E}">
-        <p14:creationId xmlns:p14="http://schemas.microsoft.com/office/powerpoint/2010/main" val="67618888"/>
+        <p14:creationId xmlns:p14="http://schemas.microsoft.com/office/powerpoint/2010/main" val="3344891485"/>
       </p:ext>
     </p:extLst>
   </p:cSld>
   <p:clrMapOvr>
     <a:masterClrMapping/>
   </p:clrMapOvr>
-  <mc:AlternateContent xmlns:mc="http://schemas.openxmlformats.org/markup-compatibility/2006">
-    <mc:Choice xmlns:p14="http://schemas.microsoft.com/office/powerpoint/2010/main" Requires="p14">
+  <mc:AlternateContent xmlns:mc="http://schemas.openxmlformats.org/markup-compatibility/2006" xmlns:p14="http://schemas.microsoft.com/office/powerpoint/2010/main">
+    <mc:Choice Requires="p14">
       <p:transition spd="med" p14:dur="700">
         <p:fade/>
       </p:transition>
     </mc:Choice>
-    <mc:Fallback>
+    <mc:Fallback xmlns="">
       <p:transition spd="med">
         <p:fade/>
       </p:transition>
@@ -14292,7 +14532,7 @@
 </file>
 
 <file path=ppt/slides/slide2.xml><?xml version="1.0" encoding="utf-8"?>
-<p:sld xmlns:a="http://schemas.openxmlformats.org/drawingml/2006/main" xmlns:r="http://schemas.openxmlformats.org/officeDocument/2006/relationships" xmlns:p="http://schemas.openxmlformats.org/presentationml/2006/main">
+<p:sld xmlns:a="http://schemas.openxmlformats.org/drawingml/2006/main" xmlns:r="http://schemas.openxmlformats.org/officeDocument/2006/relationships" xmlns:p="http://schemas.openxmlformats.org/presentationml/2006/main" showMasterPhAnim="0">
   <p:cSld>
     <p:spTree>
       <p:nvGrpSpPr>
@@ -14310,13 +14550,7 @@
       </p:grpSpPr>
       <p:sp>
         <p:nvSpPr>
-          <p:cNvPr id="2" name="Title 1">
-            <a:extLst>
-              <a:ext uri="{FF2B5EF4-FFF2-40B4-BE49-F238E27FC236}">
-                <a16:creationId xmlns:a16="http://schemas.microsoft.com/office/drawing/2014/main" id="{F8FADD9F-D779-4FB6-A392-8DDB9F3A789C}"/>
-              </a:ext>
-            </a:extLst>
-          </p:cNvPr>
+          <p:cNvPr id="2" name="Titel 1"/>
           <p:cNvSpPr>
             <a:spLocks noGrp="1"/>
           </p:cNvSpPr>
@@ -14330,26 +14564,20 @@
           <a:lstStyle/>
           <a:p>
             <a:r>
-              <a:rPr lang="de-AT" dirty="0"/>
-              <a:t>General Guidelines</a:t>
-            </a:r>
-          </a:p>
-        </p:txBody>
-      </p:sp>
-      <p:sp>
-        <p:nvSpPr>
-          <p:cNvPr id="3" name="Text Placeholder 2">
-            <a:extLst>
-              <a:ext uri="{FF2B5EF4-FFF2-40B4-BE49-F238E27FC236}">
-                <a16:creationId xmlns:a16="http://schemas.microsoft.com/office/drawing/2014/main" id="{72858DEE-163D-402F-981D-E182F9F8632E}"/>
-              </a:ext>
-            </a:extLst>
-          </p:cNvPr>
+              <a:rPr lang="en-US" dirty="0"/>
+              <a:t>Your Host</a:t>
+            </a:r>
+          </a:p>
+        </p:txBody>
+      </p:sp>
+      <p:sp>
+        <p:nvSpPr>
+          <p:cNvPr id="3" name="Inhaltsplatzhalter 2"/>
           <p:cNvSpPr>
             <a:spLocks noGrp="1"/>
           </p:cNvSpPr>
           <p:nvPr>
-            <p:ph type="body" sz="quarter" idx="25"/>
+            <p:ph sz="quarter" idx="12"/>
           </p:nvPr>
         </p:nvSpPr>
         <p:spPr/>
@@ -14357,27 +14585,166 @@
           <a:bodyPr/>
           <a:lstStyle/>
           <a:p>
-            <a:endParaRPr lang="de-AT" dirty="0"/>
+            <a:r>
+              <a:rPr lang="en-US" dirty="0"/>
+              <a:t>Rainer Stropek</a:t>
+            </a:r>
+          </a:p>
+          <a:p>
+            <a:pPr lvl="1"/>
+            <a:r>
+              <a:rPr lang="en-US" dirty="0"/>
+              <a:t>Developer, Entrepreneur</a:t>
+            </a:r>
+          </a:p>
+          <a:p>
+            <a:pPr lvl="1"/>
+            <a:r>
+              <a:rPr lang="en-US" dirty="0"/>
+              <a:t>Azure MVP, MS Regional Director</a:t>
+            </a:r>
+          </a:p>
+          <a:p>
+            <a:pPr lvl="1"/>
+            <a:r>
+              <a:rPr lang="en-US" dirty="0"/>
+              <a:t>IT-Visions</a:t>
+            </a:r>
+          </a:p>
+          <a:p>
+            <a:r>
+              <a:rPr lang="en-US" dirty="0"/>
+              <a:t>Contact</a:t>
+            </a:r>
+          </a:p>
+          <a:p>
+            <a:pPr lvl="1"/>
+            <a:r>
+              <a:rPr lang="en-US" dirty="0"/>
+              <a:t>software architects </a:t>
+            </a:r>
+            <a:r>
+              <a:rPr lang="en-US" dirty="0" err="1"/>
+              <a:t>gmbh</a:t>
+            </a:r>
+            <a:br>
+              <a:rPr lang="en-US" dirty="0"/>
+            </a:br>
+            <a:r>
+              <a:rPr lang="en-US" dirty="0">
+                <a:hlinkClick r:id="rId2"/>
+              </a:rPr>
+              <a:t>rainer@timecockpit.com</a:t>
+            </a:r>
+            <a:br>
+              <a:rPr lang="en-US" dirty="0"/>
+            </a:br>
+            <a:r>
+              <a:rPr lang="en-US" dirty="0">
+                <a:hlinkClick r:id="rId3"/>
+              </a:rPr>
+              <a:t>https://rainerstropek.me</a:t>
+            </a:r>
+            <a:endParaRPr lang="en-US" dirty="0"/>
+          </a:p>
+          <a:p>
+            <a:pPr lvl="1"/>
+            <a:r>
+              <a:rPr lang="en-US" dirty="0"/>
+              <a:t>Twitter: @</a:t>
+            </a:r>
+            <a:r>
+              <a:rPr lang="en-US" dirty="0" err="1"/>
+              <a:t>rstropek</a:t>
+            </a:r>
+            <a:endParaRPr lang="en-US" dirty="0"/>
+          </a:p>
+        </p:txBody>
+      </p:sp>
+      <p:pic>
+        <p:nvPicPr>
+          <p:cNvPr id="16" name="Inhaltsplatzhalter 15"/>
+          <p:cNvPicPr>
+            <a:picLocks noGrp="1" noChangeAspect="1"/>
+          </p:cNvPicPr>
+          <p:nvPr>
+            <p:ph sz="quarter" idx="13"/>
+          </p:nvPr>
+        </p:nvPicPr>
+        <p:blipFill>
+          <a:blip r:embed="rId4" cstate="email">
+            <a:extLst>
+              <a:ext uri="{28A0092B-C50C-407E-A947-70E740481C1C}">
+                <a14:useLocalDpi xmlns:a14="http://schemas.microsoft.com/office/drawing/2010/main" val="0"/>
+              </a:ext>
+            </a:extLst>
+          </a:blip>
+          <a:stretch>
+            <a:fillRect/>
+          </a:stretch>
+        </p:blipFill>
+        <p:spPr>
+          <a:xfrm>
+            <a:off x="5076131" y="1275607"/>
+            <a:ext cx="3240285" cy="2160190"/>
+          </a:xfrm>
+        </p:spPr>
+      </p:pic>
+      <p:sp>
+        <p:nvSpPr>
+          <p:cNvPr id="20" name="Textplatzhalter 19"/>
+          <p:cNvSpPr>
+            <a:spLocks noGrp="1"/>
+          </p:cNvSpPr>
+          <p:nvPr>
+            <p:ph type="body" sz="quarter" idx="23"/>
+          </p:nvPr>
+        </p:nvSpPr>
+        <p:spPr/>
+        <p:txBody>
+          <a:bodyPr/>
+          <a:lstStyle/>
+          <a:p>
+            <a:endParaRPr lang="en-US"/>
+          </a:p>
+        </p:txBody>
+      </p:sp>
+      <p:sp>
+        <p:nvSpPr>
+          <p:cNvPr id="21" name="Textplatzhalter 20"/>
+          <p:cNvSpPr>
+            <a:spLocks noGrp="1"/>
+          </p:cNvSpPr>
+          <p:nvPr>
+            <p:ph type="body" sz="quarter" idx="24"/>
+          </p:nvPr>
+        </p:nvSpPr>
+        <p:spPr/>
+        <p:txBody>
+          <a:bodyPr/>
+          <a:lstStyle/>
+          <a:p>
+            <a:endParaRPr lang="en-US"/>
           </a:p>
         </p:txBody>
       </p:sp>
     </p:spTree>
     <p:extLst>
       <p:ext uri="{BB962C8B-B14F-4D97-AF65-F5344CB8AC3E}">
-        <p14:creationId xmlns:p14="http://schemas.microsoft.com/office/powerpoint/2010/main" val="3495780882"/>
+        <p14:creationId xmlns:p14="http://schemas.microsoft.com/office/powerpoint/2010/main" val="3721104785"/>
       </p:ext>
     </p:extLst>
   </p:cSld>
   <p:clrMapOvr>
     <a:masterClrMapping/>
   </p:clrMapOvr>
-  <mc:AlternateContent xmlns:mc="http://schemas.openxmlformats.org/markup-compatibility/2006">
-    <mc:Choice xmlns:p14="http://schemas.microsoft.com/office/powerpoint/2010/main" Requires="p14">
+  <mc:AlternateContent xmlns:mc="http://schemas.openxmlformats.org/markup-compatibility/2006" xmlns:p14="http://schemas.microsoft.com/office/powerpoint/2010/main">
+    <mc:Choice Requires="p14">
       <p:transition spd="med" p14:dur="700">
         <p:fade/>
       </p:transition>
     </mc:Choice>
-    <mc:Fallback>
+    <mc:Fallback xmlns="">
       <p:transition spd="med">
         <p:fade/>
       </p:transition>
@@ -14425,8 +14792,8 @@
           <a:lstStyle/>
           <a:p>
             <a:r>
-              <a:rPr lang="en-US" dirty="0"/>
-              <a:t>KeyVault</a:t>
+              <a:rPr lang="en-US"/>
+              <a:t>Azure Managed Identity</a:t>
             </a:r>
           </a:p>
         </p:txBody>
@@ -14454,40 +14821,65 @@
           <a:p>
             <a:r>
               <a:rPr lang="en-US" dirty="0"/>
-              <a:t>KeyVault configuration provider</a:t>
+              <a:t>Automatically managed identities for services in Azure</a:t>
             </a:r>
           </a:p>
           <a:p>
             <a:pPr lvl="1"/>
             <a:r>
               <a:rPr lang="en-US" dirty="0"/>
-              <a:t>Merge secrets from KeyVault to configuration settings</a:t>
-            </a:r>
-          </a:p>
-          <a:p>
-            <a:r>
-              <a:rPr lang="en-US" dirty="0"/>
-              <a:t>Sample: </a:t>
-            </a:r>
-            <a:r>
-              <a:rPr lang="en-US" i="1" dirty="0"/>
-              <a:t>09.3-KeyVaultConfigurationProvider</a:t>
+              <a:t>Backed by Azure AD</a:t>
             </a:r>
           </a:p>
           <a:p>
             <a:pPr lvl="1"/>
             <a:r>
               <a:rPr lang="en-US" dirty="0"/>
-              <a:t>Adjust KeyVault name in </a:t>
-            </a:r>
-            <a:r>
-              <a:rPr lang="en-US" i="1" dirty="0" err="1"/>
-              <a:t>appsettings.json</a:t>
-            </a:r>
-            <a:r>
-              <a:rPr lang="en-US" dirty="0"/>
-              <a:t> if necessary</a:t>
-            </a:r>
+              <a:t>Goal: No credentials on developer workstations or in source control</a:t>
+            </a:r>
+          </a:p>
+          <a:p>
+            <a:r>
+              <a:rPr lang="en-US" dirty="0"/>
+              <a:t>Two types: System- or user-assigned</a:t>
+            </a:r>
+          </a:p>
+          <a:p>
+            <a:pPr lvl="1"/>
+            <a:r>
+              <a:rPr lang="en-US" dirty="0"/>
+              <a:t>More or less control over service principal creation</a:t>
+            </a:r>
+          </a:p>
+          <a:p>
+            <a:r>
+              <a:rPr lang="en-US" dirty="0"/>
+              <a:t>Supported by more and more Azure PaaS/Serverless services</a:t>
+            </a:r>
+          </a:p>
+          <a:p>
+            <a:pPr lvl="1"/>
+            <a:r>
+              <a:rPr lang="en-US" dirty="0">
+                <a:hlinkClick r:id="rId2"/>
+              </a:rPr>
+              <a:t>Docs</a:t>
+            </a:r>
+            <a:endParaRPr lang="en-US" dirty="0"/>
+          </a:p>
+          <a:p>
+            <a:pPr lvl="1"/>
+            <a:r>
+              <a:rPr lang="en-US" dirty="0"/>
+              <a:t>Here: Focus on </a:t>
+            </a:r>
+            <a:r>
+              <a:rPr lang="en-US" dirty="0">
+                <a:hlinkClick r:id="rId3"/>
+              </a:rPr>
+              <a:t>KeyVault</a:t>
+            </a:r>
+            <a:endParaRPr lang="en-US" dirty="0"/>
           </a:p>
         </p:txBody>
       </p:sp>
@@ -14513,36 +14905,36 @@
           <a:lstStyle/>
           <a:p>
             <a:r>
-              <a:rPr lang="de-AT" dirty="0"/>
+              <a:rPr lang="en-US"/>
               <a:t>See also </a:t>
             </a:r>
             <a:r>
-              <a:rPr lang="de-AT" dirty="0">
-                <a:hlinkClick r:id="rId2"/>
+              <a:rPr lang="en-US">
+                <a:hlinkClick r:id="rId4"/>
               </a:rPr>
-              <a:t>https://docs.microsoft.com/en-us/aspnet/core/security/key-vault-configuration?view=aspnetcore-2.2</a:t>
-            </a:r>
-            <a:endParaRPr lang="en-US" dirty="0"/>
+              <a:t>https://docs.microsoft.com/en-us/azure/active-directory/managed-identities-azure-resources/overview</a:t>
+            </a:r>
+            <a:endParaRPr lang="en-US"/>
           </a:p>
         </p:txBody>
       </p:sp>
     </p:spTree>
     <p:extLst>
       <p:ext uri="{BB962C8B-B14F-4D97-AF65-F5344CB8AC3E}">
-        <p14:creationId xmlns:p14="http://schemas.microsoft.com/office/powerpoint/2010/main" val="4024738936"/>
+        <p14:creationId xmlns:p14="http://schemas.microsoft.com/office/powerpoint/2010/main" val="1073376354"/>
       </p:ext>
     </p:extLst>
   </p:cSld>
   <p:clrMapOvr>
     <a:masterClrMapping/>
   </p:clrMapOvr>
-  <mc:AlternateContent xmlns:mc="http://schemas.openxmlformats.org/markup-compatibility/2006">
-    <mc:Choice xmlns:p14="http://schemas.microsoft.com/office/powerpoint/2010/main" Requires="p14">
+  <mc:AlternateContent xmlns:mc="http://schemas.openxmlformats.org/markup-compatibility/2006" xmlns:p14="http://schemas.microsoft.com/office/powerpoint/2010/main">
+    <mc:Choice Requires="p14">
       <p:transition spd="med" p14:dur="700">
         <p:fade/>
       </p:transition>
     </mc:Choice>
-    <mc:Fallback>
+    <mc:Fallback xmlns="">
       <p:transition spd="med">
         <p:fade/>
       </p:transition>
@@ -14570,10 +14962,10 @@
       </p:grpSpPr>
       <p:sp>
         <p:nvSpPr>
-          <p:cNvPr id="5" name="Title 4">
+          <p:cNvPr id="2" name="Title 1">
             <a:extLst>
               <a:ext uri="{FF2B5EF4-FFF2-40B4-BE49-F238E27FC236}">
-                <a16:creationId xmlns:a16="http://schemas.microsoft.com/office/drawing/2014/main" id="{E6CB8BBB-36C6-4D3D-A80F-A442C41A249A}"/>
+                <a16:creationId xmlns:a16="http://schemas.microsoft.com/office/drawing/2014/main" id="{DE5C6A00-2349-4081-8885-95806CB4E6A1}"/>
               </a:ext>
             </a:extLst>
           </p:cNvPr>
@@ -14590,26 +14982,18 @@
           <a:lstStyle/>
           <a:p>
             <a:r>
-              <a:rPr lang="de-AT" sz="4800" dirty="0"/>
-              <a:t>Data </a:t>
-            </a:r>
-            <a:r>
-              <a:rPr lang="de-AT" sz="4800" dirty="0" err="1"/>
-              <a:t>Protection</a:t>
-            </a:r>
-            <a:r>
-              <a:rPr lang="de-AT" sz="4800" dirty="0"/>
-              <a:t> API</a:t>
-            </a:r>
-          </a:p>
-        </p:txBody>
-      </p:sp>
-      <p:sp>
-        <p:nvSpPr>
-          <p:cNvPr id="6" name="Text Placeholder 5">
+              <a:rPr lang="en-US" dirty="0"/>
+              <a:t>KeyVault</a:t>
+            </a:r>
+          </a:p>
+        </p:txBody>
+      </p:sp>
+      <p:sp>
+        <p:nvSpPr>
+          <p:cNvPr id="3" name="Content Placeholder 2">
             <a:extLst>
               <a:ext uri="{FF2B5EF4-FFF2-40B4-BE49-F238E27FC236}">
-                <a16:creationId xmlns:a16="http://schemas.microsoft.com/office/drawing/2014/main" id="{C16EAF77-8FDB-40B2-8D34-7D443ACF1E07}"/>
+                <a16:creationId xmlns:a16="http://schemas.microsoft.com/office/drawing/2014/main" id="{A40CBCAC-290F-42CF-AF44-72322D6C858A}"/>
               </a:ext>
             </a:extLst>
           </p:cNvPr>
@@ -14617,7 +15001,7 @@
             <a:spLocks noGrp="1"/>
           </p:cNvSpPr>
           <p:nvPr>
-            <p:ph type="body" sz="quarter" idx="25"/>
+            <p:ph sz="quarter" idx="12"/>
           </p:nvPr>
         </p:nvSpPr>
         <p:spPr/>
@@ -14626,33 +15010,146 @@
           <a:lstStyle/>
           <a:p>
             <a:r>
-              <a:rPr lang="de-AT" dirty="0" err="1"/>
-              <a:t>of</a:t>
-            </a:r>
-            <a:r>
-              <a:rPr lang="de-AT" dirty="0"/>
-              <a:t> ASP.NET Core</a:t>
-            </a:r>
+              <a:rPr lang="en-US" dirty="0"/>
+              <a:t>Keep secrets, encryption keys, and certs in Azure</a:t>
+            </a:r>
+          </a:p>
+          <a:p>
+            <a:pPr lvl="1"/>
+            <a:r>
+              <a:rPr lang="en-US" dirty="0"/>
+              <a:t>Can be protected by certified HSMs</a:t>
+            </a:r>
+          </a:p>
+          <a:p>
+            <a:r>
+              <a:rPr lang="en-US" dirty="0"/>
+              <a:t>Monitor access and use</a:t>
+            </a:r>
+          </a:p>
+          <a:p>
+            <a:r>
+              <a:rPr lang="en-US" dirty="0"/>
+              <a:t>Integrated in various Azure services</a:t>
+            </a:r>
+          </a:p>
+          <a:p>
+            <a:pPr lvl="1"/>
+            <a:r>
+              <a:rPr lang="en-US" dirty="0"/>
+              <a:t>E.g. SSL certs for App Service (</a:t>
+            </a:r>
+            <a:r>
+              <a:rPr lang="en-US" dirty="0">
+                <a:hlinkClick r:id="rId2"/>
+              </a:rPr>
+              <a:t>docs</a:t>
+            </a:r>
+            <a:r>
+              <a:rPr lang="en-US" dirty="0"/>
+              <a:t>)</a:t>
+            </a:r>
+          </a:p>
+          <a:p>
+            <a:pPr lvl="1"/>
+            <a:r>
+              <a:rPr lang="en-US" dirty="0"/>
+              <a:t>E.g. </a:t>
+            </a:r>
+            <a:r>
+              <a:rPr lang="en-US" i="1" dirty="0"/>
+              <a:t>Always Encrypted</a:t>
+            </a:r>
+            <a:r>
+              <a:rPr lang="en-US" dirty="0"/>
+              <a:t> in SQL (</a:t>
+            </a:r>
+            <a:r>
+              <a:rPr lang="en-US" dirty="0">
+                <a:hlinkClick r:id="rId3"/>
+              </a:rPr>
+              <a:t>docs</a:t>
+            </a:r>
+            <a:r>
+              <a:rPr lang="en-US" dirty="0"/>
+              <a:t>)</a:t>
+            </a:r>
+          </a:p>
+          <a:p>
+            <a:r>
+              <a:rPr lang="en-US" dirty="0"/>
+              <a:t>Access to KeyVault can be protected by </a:t>
+            </a:r>
+            <a:r>
+              <a:rPr lang="en-US" i="1" dirty="0"/>
+              <a:t>Managed Identity</a:t>
+            </a:r>
+          </a:p>
+          <a:p>
+            <a:pPr lvl="1"/>
+            <a:r>
+              <a:rPr lang="en-US" dirty="0"/>
+              <a:t>Sample: </a:t>
+            </a:r>
+            <a:r>
+              <a:rPr lang="en-US" i="1" dirty="0"/>
+              <a:t>09.2-KeyVaultManagedIdentity</a:t>
+            </a:r>
+          </a:p>
+        </p:txBody>
+      </p:sp>
+      <p:sp>
+        <p:nvSpPr>
+          <p:cNvPr id="4" name="Text Placeholder 3">
+            <a:extLst>
+              <a:ext uri="{FF2B5EF4-FFF2-40B4-BE49-F238E27FC236}">
+                <a16:creationId xmlns:a16="http://schemas.microsoft.com/office/drawing/2014/main" id="{4756455E-82F7-4F41-9AA2-F214DAA65B12}"/>
+              </a:ext>
+            </a:extLst>
+          </p:cNvPr>
+          <p:cNvSpPr>
+            <a:spLocks noGrp="1"/>
+          </p:cNvSpPr>
+          <p:nvPr>
+            <p:ph type="body" sz="quarter" idx="23"/>
+          </p:nvPr>
+        </p:nvSpPr>
+        <p:spPr/>
+        <p:txBody>
+          <a:bodyPr/>
+          <a:lstStyle/>
+          <a:p>
+            <a:r>
+              <a:rPr lang="en-US" dirty="0"/>
+              <a:t>See also </a:t>
+            </a:r>
+            <a:r>
+              <a:rPr lang="de-AT" dirty="0">
+                <a:hlinkClick r:id="rId4"/>
+              </a:rPr>
+              <a:t>https://docs.microsoft.com/en-us/azure/key-vault/key-vault-overview</a:t>
+            </a:r>
+            <a:endParaRPr lang="en-US" dirty="0"/>
           </a:p>
         </p:txBody>
       </p:sp>
     </p:spTree>
     <p:extLst>
       <p:ext uri="{BB962C8B-B14F-4D97-AF65-F5344CB8AC3E}">
-        <p14:creationId xmlns:p14="http://schemas.microsoft.com/office/powerpoint/2010/main" val="774912320"/>
+        <p14:creationId xmlns:p14="http://schemas.microsoft.com/office/powerpoint/2010/main" val="67618888"/>
       </p:ext>
     </p:extLst>
   </p:cSld>
   <p:clrMapOvr>
     <a:masterClrMapping/>
   </p:clrMapOvr>
-  <mc:AlternateContent xmlns:mc="http://schemas.openxmlformats.org/markup-compatibility/2006">
-    <mc:Choice xmlns:p14="http://schemas.microsoft.com/office/powerpoint/2010/main" Requires="p14">
+  <mc:AlternateContent xmlns:mc="http://schemas.openxmlformats.org/markup-compatibility/2006" xmlns:p14="http://schemas.microsoft.com/office/powerpoint/2010/main">
+    <mc:Choice Requires="p14">
       <p:transition spd="med" p14:dur="700">
         <p:fade/>
       </p:transition>
     </mc:Choice>
-    <mc:Fallback>
+    <mc:Fallback xmlns="">
       <p:transition spd="med">
         <p:fade/>
       </p:transition>
@@ -14680,10 +15177,10 @@
       </p:grpSpPr>
       <p:sp>
         <p:nvSpPr>
-          <p:cNvPr id="4" name="Title 3">
+          <p:cNvPr id="2" name="Title 1">
             <a:extLst>
               <a:ext uri="{FF2B5EF4-FFF2-40B4-BE49-F238E27FC236}">
-                <a16:creationId xmlns:a16="http://schemas.microsoft.com/office/drawing/2014/main" id="{E45A17F4-BBC8-4417-9454-F9651D1F3B58}"/>
+                <a16:creationId xmlns:a16="http://schemas.microsoft.com/office/drawing/2014/main" id="{DE5C6A00-2349-4081-8885-95806CB4E6A1}"/>
               </a:ext>
             </a:extLst>
           </p:cNvPr>
@@ -14701,17 +15198,17 @@
           <a:p>
             <a:r>
               <a:rPr lang="en-US" dirty="0"/>
-              <a:t>Overview</a:t>
-            </a:r>
-          </a:p>
-        </p:txBody>
-      </p:sp>
-      <p:sp>
-        <p:nvSpPr>
-          <p:cNvPr id="5" name="Content Placeholder 4">
+              <a:t>KeyVault</a:t>
+            </a:r>
+          </a:p>
+        </p:txBody>
+      </p:sp>
+      <p:sp>
+        <p:nvSpPr>
+          <p:cNvPr id="3" name="Content Placeholder 2">
             <a:extLst>
               <a:ext uri="{FF2B5EF4-FFF2-40B4-BE49-F238E27FC236}">
-                <a16:creationId xmlns:a16="http://schemas.microsoft.com/office/drawing/2014/main" id="{AB8B7F4E-C9EB-44E9-871C-02E427822FFA}"/>
+                <a16:creationId xmlns:a16="http://schemas.microsoft.com/office/drawing/2014/main" id="{A40CBCAC-290F-42CF-AF44-72322D6C858A}"/>
               </a:ext>
             </a:extLst>
           </p:cNvPr>
@@ -14729,138 +15226,49 @@
           <a:p>
             <a:r>
               <a:rPr lang="en-US" dirty="0"/>
-              <a:t>How to round-trip trusted state via an untrusted client?</a:t>
+              <a:t>KeyVault configuration provider</a:t>
             </a:r>
           </a:p>
           <a:p>
             <a:pPr lvl="1"/>
             <a:r>
               <a:rPr lang="en-US" dirty="0"/>
-              <a:t>E.g. Tokens</a:t>
-            </a:r>
-          </a:p>
-          <a:p>
-            <a:r>
-              <a:rPr lang="en-US" dirty="0"/>
-              <a:t>ASP.NET Core: </a:t>
+              <a:t>Merge secrets from KeyVault to configuration settings</a:t>
+            </a:r>
+          </a:p>
+          <a:p>
+            <a:r>
+              <a:rPr lang="en-US" dirty="0"/>
+              <a:t>Sample: </a:t>
             </a:r>
             <a:r>
               <a:rPr lang="en-US" i="1" dirty="0"/>
-              <a:t>Data Protection API</a:t>
+              <a:t>09.3-KeyVaultConfigurationProvider</a:t>
             </a:r>
           </a:p>
           <a:p>
             <a:pPr lvl="1"/>
             <a:r>
               <a:rPr lang="en-US" dirty="0"/>
-              <a:t>Symmetric encryption</a:t>
-            </a:r>
-          </a:p>
-          <a:p>
-            <a:pPr lvl="1"/>
-            <a:r>
-              <a:rPr lang="en-US" dirty="0"/>
-              <a:t>In ASP.NET 4.x: </a:t>
+              <a:t>Adjust KeyVault name in </a:t>
             </a:r>
             <a:r>
               <a:rPr lang="en-US" i="1" dirty="0" err="1"/>
-              <a:t>machineKey</a:t>
-            </a:r>
-            <a:r>
-              <a:rPr lang="en-US" i="1" dirty="0"/>
-              <a:t> </a:t>
-            </a:r>
-            <a:r>
-              <a:rPr lang="en-US" dirty="0"/>
-              <a:t>Element in </a:t>
-            </a:r>
-            <a:r>
-              <a:rPr lang="en-US" i="1" dirty="0" err="1"/>
-              <a:t>web.config</a:t>
-            </a:r>
-            <a:r>
-              <a:rPr lang="en-US" dirty="0"/>
-              <a:t> (</a:t>
-            </a:r>
-            <a:r>
-              <a:rPr lang="en-US" dirty="0">
-                <a:hlinkClick r:id="rId2"/>
-              </a:rPr>
-              <a:t>docs</a:t>
-            </a:r>
-            <a:r>
-              <a:rPr lang="en-US" dirty="0"/>
-              <a:t>)</a:t>
-            </a:r>
-          </a:p>
-          <a:p>
-            <a:pPr lvl="1"/>
-            <a:r>
-              <a:rPr lang="en-US" dirty="0"/>
-              <a:t>Can also be used as a replacement for </a:t>
-            </a:r>
-            <a:r>
-              <a:rPr lang="en-US" i="1" dirty="0" err="1"/>
-              <a:t>machineKey</a:t>
-            </a:r>
-            <a:r>
-              <a:rPr lang="en-US" dirty="0"/>
-              <a:t> (</a:t>
-            </a:r>
-            <a:r>
-              <a:rPr lang="en-US" dirty="0">
-                <a:hlinkClick r:id="rId3"/>
-              </a:rPr>
-              <a:t>docs</a:t>
-            </a:r>
-            <a:r>
-              <a:rPr lang="en-US" dirty="0"/>
-              <a:t>)</a:t>
-            </a:r>
-          </a:p>
-          <a:p>
-            <a:r>
-              <a:rPr lang="en-US" dirty="0"/>
-              <a:t>Functionality</a:t>
-            </a:r>
-          </a:p>
-          <a:p>
-            <a:pPr lvl="1"/>
-            <a:r>
-              <a:rPr lang="en-US" dirty="0"/>
-              <a:t>Protect/unprotect strings (e.g. secrets)</a:t>
-            </a:r>
-          </a:p>
-          <a:p>
-            <a:pPr lvl="1"/>
-            <a:r>
-              <a:rPr lang="en-US" dirty="0"/>
-              <a:t>Hash passwords (consider using </a:t>
-            </a:r>
-            <a:r>
-              <a:rPr lang="en-US" i="1" dirty="0" err="1"/>
-              <a:t>BCrypt</a:t>
-            </a:r>
-            <a:r>
-              <a:rPr lang="en-US" dirty="0"/>
-              <a:t> instead)</a:t>
-            </a:r>
-          </a:p>
-          <a:p>
-            <a:pPr lvl="1"/>
-            <a:r>
-              <a:rPr lang="en-US" dirty="0"/>
-              <a:t>Algorithms and key management can be configured to specific needs</a:t>
-            </a:r>
-          </a:p>
-        </p:txBody>
-      </p:sp>
-      <p:sp>
-        <p:nvSpPr>
-          <p:cNvPr id="6" name="Text Placeholder 5">
+              <a:t>appsettings.json</a:t>
+            </a:r>
+            <a:r>
+              <a:rPr lang="en-US" dirty="0"/>
+              <a:t> if necessary</a:t>
+            </a:r>
+          </a:p>
+        </p:txBody>
+      </p:sp>
+      <p:sp>
+        <p:nvSpPr>
+          <p:cNvPr id="4" name="Text Placeholder 3">
             <a:extLst>
               <a:ext uri="{FF2B5EF4-FFF2-40B4-BE49-F238E27FC236}">
-                <a16:creationId xmlns:a16="http://schemas.microsoft.com/office/drawing/2014/main" id="{E38A10DE-3489-492F-8FD6-552FCAE61FF1}"/>
+                <a16:creationId xmlns:a16="http://schemas.microsoft.com/office/drawing/2014/main" id="{4756455E-82F7-4F41-9AA2-F214DAA65B12}"/>
               </a:ext>
             </a:extLst>
           </p:cNvPr>
@@ -14877,14 +15285,14 @@
           <a:lstStyle/>
           <a:p>
             <a:r>
-              <a:rPr lang="en-US" dirty="0"/>
+              <a:rPr lang="de-AT" dirty="0"/>
               <a:t>See also </a:t>
             </a:r>
             <a:r>
               <a:rPr lang="de-AT" dirty="0">
-                <a:hlinkClick r:id="rId4"/>
+                <a:hlinkClick r:id="rId2"/>
               </a:rPr>
-              <a:t>https://docs.microsoft.com/en-us/aspnet/core/security/data-protection/introduction?view=aspnetcore-2.2</a:t>
+              <a:t>https://docs.microsoft.com/en-us/aspnet/core/security/key-vault-configuration?view=aspnetcore-2.2</a:t>
             </a:r>
             <a:endParaRPr lang="en-US" dirty="0"/>
           </a:p>
@@ -14893,20 +15301,20 @@
     </p:spTree>
     <p:extLst>
       <p:ext uri="{BB962C8B-B14F-4D97-AF65-F5344CB8AC3E}">
-        <p14:creationId xmlns:p14="http://schemas.microsoft.com/office/powerpoint/2010/main" val="253990076"/>
+        <p14:creationId xmlns:p14="http://schemas.microsoft.com/office/powerpoint/2010/main" val="4024738936"/>
       </p:ext>
     </p:extLst>
   </p:cSld>
   <p:clrMapOvr>
     <a:masterClrMapping/>
   </p:clrMapOvr>
-  <mc:AlternateContent xmlns:mc="http://schemas.openxmlformats.org/markup-compatibility/2006">
-    <mc:Choice xmlns:p14="http://schemas.microsoft.com/office/powerpoint/2010/main" Requires="p14">
+  <mc:AlternateContent xmlns:mc="http://schemas.openxmlformats.org/markup-compatibility/2006" xmlns:p14="http://schemas.microsoft.com/office/powerpoint/2010/main">
+    <mc:Choice Requires="p14">
       <p:transition spd="med" p14:dur="700">
         <p:fade/>
       </p:transition>
     </mc:Choice>
-    <mc:Fallback>
+    <mc:Fallback xmlns="">
       <p:transition spd="med">
         <p:fade/>
       </p:transition>
@@ -14934,10 +15342,10 @@
       </p:grpSpPr>
       <p:sp>
         <p:nvSpPr>
-          <p:cNvPr id="2" name="Title 1">
+          <p:cNvPr id="5" name="Title 4">
             <a:extLst>
               <a:ext uri="{FF2B5EF4-FFF2-40B4-BE49-F238E27FC236}">
-                <a16:creationId xmlns:a16="http://schemas.microsoft.com/office/drawing/2014/main" id="{DC43BE43-AA5F-4AB3-804D-D138339C1537}"/>
+                <a16:creationId xmlns:a16="http://schemas.microsoft.com/office/drawing/2014/main" id="{E6CB8BBB-36C6-4D3D-A80F-A442C41A249A}"/>
               </a:ext>
             </a:extLst>
           </p:cNvPr>
@@ -14954,18 +15362,26 @@
           <a:lstStyle/>
           <a:p>
             <a:r>
-              <a:rPr lang="en-US"/>
-              <a:t>Examples</a:t>
-            </a:r>
-          </a:p>
-        </p:txBody>
-      </p:sp>
-      <p:sp>
-        <p:nvSpPr>
-          <p:cNvPr id="3" name="Content Placeholder 2">
+              <a:rPr lang="de-AT" sz="4800" dirty="0"/>
+              <a:t>Data </a:t>
+            </a:r>
+            <a:r>
+              <a:rPr lang="de-AT" sz="4800" dirty="0" err="1"/>
+              <a:t>Protection</a:t>
+            </a:r>
+            <a:r>
+              <a:rPr lang="de-AT" sz="4800" dirty="0"/>
+              <a:t> API</a:t>
+            </a:r>
+          </a:p>
+        </p:txBody>
+      </p:sp>
+      <p:sp>
+        <p:nvSpPr>
+          <p:cNvPr id="6" name="Text Placeholder 5">
             <a:extLst>
               <a:ext uri="{FF2B5EF4-FFF2-40B4-BE49-F238E27FC236}">
-                <a16:creationId xmlns:a16="http://schemas.microsoft.com/office/drawing/2014/main" id="{3BA7ADBB-1149-4BD6-B023-D5CB1B702CFB}"/>
+                <a16:creationId xmlns:a16="http://schemas.microsoft.com/office/drawing/2014/main" id="{C16EAF77-8FDB-40B2-8D34-7D443ACF1E07}"/>
               </a:ext>
             </a:extLst>
           </p:cNvPr>
@@ -14973,7 +15389,7 @@
             <a:spLocks noGrp="1"/>
           </p:cNvSpPr>
           <p:nvPr>
-            <p:ph sz="quarter" idx="12"/>
+            <p:ph type="body" sz="quarter" idx="25"/>
           </p:nvPr>
         </p:nvSpPr>
         <p:spPr/>
@@ -14982,79 +15398,33 @@
           <a:lstStyle/>
           <a:p>
             <a:r>
-              <a:rPr lang="en-US"/>
-              <a:t>10-NetCoreDataProtection</a:t>
-            </a:r>
-          </a:p>
-          <a:p>
-            <a:pPr lvl="1"/>
-            <a:r>
-              <a:rPr lang="en-US"/>
-              <a:t>Use ASP.NET Core Data Protection API to protect/unprotect strings</a:t>
-            </a:r>
-            <a:endParaRPr lang="en-US" i="1"/>
-          </a:p>
-          <a:p>
-            <a:r>
-              <a:rPr lang="en-US"/>
-              <a:t>11-DataProtectionPasswordHash</a:t>
-            </a:r>
-          </a:p>
-          <a:p>
-            <a:pPr lvl="1"/>
-            <a:r>
-              <a:rPr lang="en-US"/>
-              <a:t>Calculate password hashes with ASP.NET Core Data Protection API</a:t>
-            </a:r>
-            <a:endParaRPr lang="en-US" i="1"/>
-          </a:p>
-          <a:p>
-            <a:endParaRPr lang="en-US"/>
-          </a:p>
-        </p:txBody>
-      </p:sp>
-      <p:sp>
-        <p:nvSpPr>
-          <p:cNvPr id="4" name="Text Placeholder 3">
-            <a:extLst>
-              <a:ext uri="{FF2B5EF4-FFF2-40B4-BE49-F238E27FC236}">
-                <a16:creationId xmlns:a16="http://schemas.microsoft.com/office/drawing/2014/main" id="{1708EE3C-A981-42FC-9D4B-689B0EECE617}"/>
-              </a:ext>
-            </a:extLst>
-          </p:cNvPr>
-          <p:cNvSpPr>
-            <a:spLocks noGrp="1"/>
-          </p:cNvSpPr>
-          <p:nvPr>
-            <p:ph type="body" sz="quarter" idx="23"/>
-          </p:nvPr>
-        </p:nvSpPr>
-        <p:spPr/>
-        <p:txBody>
-          <a:bodyPr/>
-          <a:lstStyle/>
-          <a:p>
-            <a:endParaRPr lang="en-US"/>
+              <a:rPr lang="de-AT" dirty="0" err="1"/>
+              <a:t>of</a:t>
+            </a:r>
+            <a:r>
+              <a:rPr lang="de-AT" dirty="0"/>
+              <a:t> ASP.NET Core</a:t>
+            </a:r>
           </a:p>
         </p:txBody>
       </p:sp>
     </p:spTree>
     <p:extLst>
       <p:ext uri="{BB962C8B-B14F-4D97-AF65-F5344CB8AC3E}">
-        <p14:creationId xmlns:p14="http://schemas.microsoft.com/office/powerpoint/2010/main" val="3908887177"/>
+        <p14:creationId xmlns:p14="http://schemas.microsoft.com/office/powerpoint/2010/main" val="774912320"/>
       </p:ext>
     </p:extLst>
   </p:cSld>
   <p:clrMapOvr>
     <a:masterClrMapping/>
   </p:clrMapOvr>
-  <mc:AlternateContent xmlns:mc="http://schemas.openxmlformats.org/markup-compatibility/2006">
-    <mc:Choice xmlns:p14="http://schemas.microsoft.com/office/powerpoint/2010/main" Requires="p14">
+  <mc:AlternateContent xmlns:mc="http://schemas.openxmlformats.org/markup-compatibility/2006" xmlns:p14="http://schemas.microsoft.com/office/powerpoint/2010/main">
+    <mc:Choice Requires="p14">
       <p:transition spd="med" p14:dur="700">
         <p:fade/>
       </p:transition>
     </mc:Choice>
-    <mc:Fallback>
+    <mc:Fallback xmlns="">
       <p:transition spd="med">
         <p:fade/>
       </p:transition>
@@ -15082,10 +15452,10 @@
       </p:grpSpPr>
       <p:sp>
         <p:nvSpPr>
-          <p:cNvPr id="2" name="Title 1">
+          <p:cNvPr id="4" name="Title 3">
             <a:extLst>
               <a:ext uri="{FF2B5EF4-FFF2-40B4-BE49-F238E27FC236}">
-                <a16:creationId xmlns:a16="http://schemas.microsoft.com/office/drawing/2014/main" id="{4838ACCF-AD64-4CE8-B017-73CA040F8804}"/>
+                <a16:creationId xmlns:a16="http://schemas.microsoft.com/office/drawing/2014/main" id="{E45A17F4-BBC8-4417-9454-F9651D1F3B58}"/>
               </a:ext>
             </a:extLst>
           </p:cNvPr>
@@ -15102,18 +15472,18 @@
           <a:lstStyle/>
           <a:p>
             <a:r>
-              <a:rPr lang="en-US"/>
-              <a:t>Configuration</a:t>
-            </a:r>
-          </a:p>
-        </p:txBody>
-      </p:sp>
-      <p:sp>
-        <p:nvSpPr>
-          <p:cNvPr id="3" name="Content Placeholder 2">
+              <a:rPr lang="en-US" dirty="0"/>
+              <a:t>Overview</a:t>
+            </a:r>
+          </a:p>
+        </p:txBody>
+      </p:sp>
+      <p:sp>
+        <p:nvSpPr>
+          <p:cNvPr id="5" name="Content Placeholder 4">
             <a:extLst>
               <a:ext uri="{FF2B5EF4-FFF2-40B4-BE49-F238E27FC236}">
-                <a16:creationId xmlns:a16="http://schemas.microsoft.com/office/drawing/2014/main" id="{584E68A9-1DD8-4C10-B0AB-75AE53067472}"/>
+                <a16:creationId xmlns:a16="http://schemas.microsoft.com/office/drawing/2014/main" id="{AB8B7F4E-C9EB-44E9-871C-02E427822FFA}"/>
               </a:ext>
             </a:extLst>
           </p:cNvPr>
@@ -15130,69 +15500,139 @@
           <a:lstStyle/>
           <a:p>
             <a:r>
-              <a:rPr lang="en-US"/>
-              <a:t>Meaningful defaults for single-server deployments</a:t>
-            </a:r>
-          </a:p>
-          <a:p>
-            <a:r>
-              <a:rPr lang="en-US"/>
-              <a:t>Key persistance</a:t>
+              <a:rPr lang="en-US" dirty="0"/>
+              <a:t>How to round-trip trusted state via an untrusted client?</a:t>
             </a:r>
           </a:p>
           <a:p>
             <a:pPr lvl="1"/>
             <a:r>
-              <a:rPr lang="en-US"/>
-              <a:t>Azure Blob Storage</a:t>
+              <a:rPr lang="en-US" dirty="0"/>
+              <a:t>E.g. Tokens</a:t>
+            </a:r>
+          </a:p>
+          <a:p>
+            <a:r>
+              <a:rPr lang="en-US" dirty="0"/>
+              <a:t>ASP.NET Core: </a:t>
+            </a:r>
+            <a:r>
+              <a:rPr lang="en-US" i="1" dirty="0"/>
+              <a:t>Data Protection API</a:t>
             </a:r>
           </a:p>
           <a:p>
             <a:pPr lvl="1"/>
             <a:r>
-              <a:rPr lang="en-US"/>
-              <a:t>Manual settings for file system (e.g. UNC path, </a:t>
-            </a:r>
-            <a:r>
-              <a:rPr lang="en-US" i="1"/>
-              <a:t>Azure Files</a:t>
-            </a:r>
-            <a:r>
-              <a:rPr lang="en-US"/>
+              <a:rPr lang="en-US" dirty="0"/>
+              <a:t>Symmetric encryption</a:t>
+            </a:r>
+          </a:p>
+          <a:p>
+            <a:pPr lvl="1"/>
+            <a:r>
+              <a:rPr lang="en-US" dirty="0"/>
+              <a:t>In ASP.NET 4.x: </a:t>
+            </a:r>
+            <a:r>
+              <a:rPr lang="en-US" i="1" dirty="0" err="1"/>
+              <a:t>machineKey</a:t>
+            </a:r>
+            <a:r>
+              <a:rPr lang="en-US" i="1" dirty="0"/>
+              <a:t> </a:t>
+            </a:r>
+            <a:r>
+              <a:rPr lang="en-US" dirty="0"/>
+              <a:t>Element in </a:t>
+            </a:r>
+            <a:r>
+              <a:rPr lang="en-US" i="1" dirty="0" err="1"/>
+              <a:t>web.config</a:t>
+            </a:r>
+            <a:r>
+              <a:rPr lang="en-US" dirty="0"/>
+              <a:t> (</a:t>
+            </a:r>
+            <a:r>
+              <a:rPr lang="en-US" dirty="0">
+                <a:hlinkClick r:id="rId2"/>
+              </a:rPr>
+              <a:t>docs</a:t>
+            </a:r>
+            <a:r>
+              <a:rPr lang="en-US" dirty="0"/>
               <a:t>)</a:t>
             </a:r>
           </a:p>
           <a:p>
-            <a:r>
-              <a:rPr lang="en-US"/>
-              <a:t>Key protection</a:t>
-            </a:r>
-          </a:p>
-          <a:p>
             <a:pPr lvl="1"/>
             <a:r>
-              <a:rPr lang="en-US"/>
-              <a:t>Protect using KeyVault keys</a:t>
+              <a:rPr lang="en-US" dirty="0"/>
+              <a:t>Can also be used as a replacement for </a:t>
+            </a:r>
+            <a:r>
+              <a:rPr lang="en-US" i="1" dirty="0" err="1"/>
+              <a:t>machineKey</a:t>
+            </a:r>
+            <a:r>
+              <a:rPr lang="en-US" dirty="0"/>
+              <a:t> (</a:t>
+            </a:r>
+            <a:r>
+              <a:rPr lang="en-US" dirty="0">
+                <a:hlinkClick r:id="rId3"/>
+              </a:rPr>
+              <a:t>docs</a:t>
+            </a:r>
+            <a:r>
+              <a:rPr lang="en-US" dirty="0"/>
+              <a:t>)</a:t>
+            </a:r>
+          </a:p>
+          <a:p>
+            <a:r>
+              <a:rPr lang="en-US" dirty="0"/>
+              <a:t>Functionality</a:t>
             </a:r>
           </a:p>
           <a:p>
             <a:pPr lvl="1"/>
             <a:r>
-              <a:rPr lang="en-US"/>
-              <a:t>Certificate</a:t>
-            </a:r>
-          </a:p>
-          <a:p>
-            <a:endParaRPr lang="en-US"/>
-          </a:p>
-        </p:txBody>
-      </p:sp>
-      <p:sp>
-        <p:nvSpPr>
-          <p:cNvPr id="4" name="Text Placeholder 3">
+              <a:rPr lang="en-US" dirty="0"/>
+              <a:t>Protect/unprotect strings (e.g. secrets)</a:t>
+            </a:r>
+          </a:p>
+          <a:p>
+            <a:pPr lvl="1"/>
+            <a:r>
+              <a:rPr lang="en-US" dirty="0"/>
+              <a:t>Hash passwords (consider using </a:t>
+            </a:r>
+            <a:r>
+              <a:rPr lang="en-US" i="1" dirty="0" err="1"/>
+              <a:t>BCrypt</a:t>
+            </a:r>
+            <a:r>
+              <a:rPr lang="en-US" dirty="0"/>
+              <a:t> instead)</a:t>
+            </a:r>
+          </a:p>
+          <a:p>
+            <a:pPr lvl="1"/>
+            <a:r>
+              <a:rPr lang="en-US" dirty="0"/>
+              <a:t>Algorithms and key management can be configured to specific needs</a:t>
+            </a:r>
+          </a:p>
+        </p:txBody>
+      </p:sp>
+      <p:sp>
+        <p:nvSpPr>
+          <p:cNvPr id="6" name="Text Placeholder 5">
             <a:extLst>
               <a:ext uri="{FF2B5EF4-FFF2-40B4-BE49-F238E27FC236}">
-                <a16:creationId xmlns:a16="http://schemas.microsoft.com/office/drawing/2014/main" id="{53CC38FD-3B37-4216-89FF-7FE2FF02E320}"/>
+                <a16:creationId xmlns:a16="http://schemas.microsoft.com/office/drawing/2014/main" id="{E38A10DE-3489-492F-8FD6-552FCAE61FF1}"/>
               </a:ext>
             </a:extLst>
           </p:cNvPr>
@@ -15210,13 +15650,13 @@
           <a:p>
             <a:r>
               <a:rPr lang="en-US" dirty="0"/>
-              <a:t>For details see </a:t>
+              <a:t>See also </a:t>
             </a:r>
             <a:r>
               <a:rPr lang="de-AT" dirty="0">
-                <a:hlinkClick r:id="rId2"/>
+                <a:hlinkClick r:id="rId4"/>
               </a:rPr>
-              <a:t>https://docs.microsoft.com/en-us/aspnet/core/security/data-protection/configuration/overview?view=aspnetcore-2.2</a:t>
+              <a:t>https://docs.microsoft.com/en-us/aspnet/core/security/data-protection/introduction?view=aspnetcore-2.2</a:t>
             </a:r>
             <a:endParaRPr lang="en-US" dirty="0"/>
           </a:p>
@@ -15225,20 +15665,20 @@
     </p:spTree>
     <p:extLst>
       <p:ext uri="{BB962C8B-B14F-4D97-AF65-F5344CB8AC3E}">
-        <p14:creationId xmlns:p14="http://schemas.microsoft.com/office/powerpoint/2010/main" val="3120191146"/>
+        <p14:creationId xmlns:p14="http://schemas.microsoft.com/office/powerpoint/2010/main" val="253990076"/>
       </p:ext>
     </p:extLst>
   </p:cSld>
   <p:clrMapOvr>
     <a:masterClrMapping/>
   </p:clrMapOvr>
-  <mc:AlternateContent xmlns:mc="http://schemas.openxmlformats.org/markup-compatibility/2006">
-    <mc:Choice xmlns:p14="http://schemas.microsoft.com/office/powerpoint/2010/main" Requires="p14">
+  <mc:AlternateContent xmlns:mc="http://schemas.openxmlformats.org/markup-compatibility/2006" xmlns:p14="http://schemas.microsoft.com/office/powerpoint/2010/main">
+    <mc:Choice Requires="p14">
       <p:transition spd="med" p14:dur="700">
         <p:fade/>
       </p:transition>
     </mc:Choice>
-    <mc:Fallback>
+    <mc:Fallback xmlns="">
       <p:transition spd="med">
         <p:fade/>
       </p:transition>
@@ -15266,10 +15706,10 @@
       </p:grpSpPr>
       <p:sp>
         <p:nvSpPr>
-          <p:cNvPr id="5" name="Title 4">
+          <p:cNvPr id="2" name="Title 1">
             <a:extLst>
               <a:ext uri="{FF2B5EF4-FFF2-40B4-BE49-F238E27FC236}">
-                <a16:creationId xmlns:a16="http://schemas.microsoft.com/office/drawing/2014/main" id="{E6CB8BBB-36C6-4D3D-A80F-A442C41A249A}"/>
+                <a16:creationId xmlns:a16="http://schemas.microsoft.com/office/drawing/2014/main" id="{DC43BE43-AA5F-4AB3-804D-D138339C1537}"/>
               </a:ext>
             </a:extLst>
           </p:cNvPr>
@@ -15286,27 +15726,18 @@
           <a:lstStyle/>
           <a:p>
             <a:r>
-              <a:rPr lang="de-AT" sz="4800" dirty="0" err="1"/>
-              <a:t>Exceptions</a:t>
-            </a:r>
-            <a:r>
-              <a:rPr lang="de-AT" sz="4800" dirty="0"/>
-              <a:t> and </a:t>
-            </a:r>
-            <a:r>
-              <a:rPr lang="de-AT" sz="4800" dirty="0" err="1"/>
-              <a:t>Logging</a:t>
-            </a:r>
-            <a:endParaRPr lang="de-AT" sz="4800" dirty="0"/>
-          </a:p>
-        </p:txBody>
-      </p:sp>
-      <p:sp>
-        <p:nvSpPr>
-          <p:cNvPr id="6" name="Text Placeholder 5">
+              <a:rPr lang="en-US"/>
+              <a:t>Examples</a:t>
+            </a:r>
+          </a:p>
+        </p:txBody>
+      </p:sp>
+      <p:sp>
+        <p:nvSpPr>
+          <p:cNvPr id="3" name="Content Placeholder 2">
             <a:extLst>
               <a:ext uri="{FF2B5EF4-FFF2-40B4-BE49-F238E27FC236}">
-                <a16:creationId xmlns:a16="http://schemas.microsoft.com/office/drawing/2014/main" id="{C16EAF77-8FDB-40B2-8D34-7D443ACF1E07}"/>
+                <a16:creationId xmlns:a16="http://schemas.microsoft.com/office/drawing/2014/main" id="{3BA7ADBB-1149-4BD6-B023-D5CB1B702CFB}"/>
               </a:ext>
             </a:extLst>
           </p:cNvPr>
@@ -15314,7 +15745,7 @@
             <a:spLocks noGrp="1"/>
           </p:cNvSpPr>
           <p:nvPr>
-            <p:ph type="body" sz="quarter" idx="25"/>
+            <p:ph sz="quarter" idx="12"/>
           </p:nvPr>
         </p:nvSpPr>
         <p:spPr/>
@@ -15322,27 +15753,80 @@
           <a:bodyPr/>
           <a:lstStyle/>
           <a:p>
-            <a:endParaRPr lang="de-AT" dirty="0"/>
+            <a:r>
+              <a:rPr lang="en-US"/>
+              <a:t>10-NetCoreDataProtection</a:t>
+            </a:r>
+          </a:p>
+          <a:p>
+            <a:pPr lvl="1"/>
+            <a:r>
+              <a:rPr lang="en-US"/>
+              <a:t>Use ASP.NET Core Data Protection API to protect/unprotect strings</a:t>
+            </a:r>
+            <a:endParaRPr lang="en-US" i="1"/>
+          </a:p>
+          <a:p>
+            <a:r>
+              <a:rPr lang="en-US"/>
+              <a:t>11-DataProtectionPasswordHash</a:t>
+            </a:r>
+          </a:p>
+          <a:p>
+            <a:pPr lvl="1"/>
+            <a:r>
+              <a:rPr lang="en-US"/>
+              <a:t>Calculate password hashes with ASP.NET Core Data Protection API</a:t>
+            </a:r>
+            <a:endParaRPr lang="en-US" i="1"/>
+          </a:p>
+          <a:p>
+            <a:endParaRPr lang="en-US"/>
+          </a:p>
+        </p:txBody>
+      </p:sp>
+      <p:sp>
+        <p:nvSpPr>
+          <p:cNvPr id="4" name="Text Placeholder 3">
+            <a:extLst>
+              <a:ext uri="{FF2B5EF4-FFF2-40B4-BE49-F238E27FC236}">
+                <a16:creationId xmlns:a16="http://schemas.microsoft.com/office/drawing/2014/main" id="{1708EE3C-A981-42FC-9D4B-689B0EECE617}"/>
+              </a:ext>
+            </a:extLst>
+          </p:cNvPr>
+          <p:cNvSpPr>
+            <a:spLocks noGrp="1"/>
+          </p:cNvSpPr>
+          <p:nvPr>
+            <p:ph type="body" sz="quarter" idx="23"/>
+          </p:nvPr>
+        </p:nvSpPr>
+        <p:spPr/>
+        <p:txBody>
+          <a:bodyPr/>
+          <a:lstStyle/>
+          <a:p>
+            <a:endParaRPr lang="en-US"/>
           </a:p>
         </p:txBody>
       </p:sp>
     </p:spTree>
     <p:extLst>
       <p:ext uri="{BB962C8B-B14F-4D97-AF65-F5344CB8AC3E}">
-        <p14:creationId xmlns:p14="http://schemas.microsoft.com/office/powerpoint/2010/main" val="194262547"/>
+        <p14:creationId xmlns:p14="http://schemas.microsoft.com/office/powerpoint/2010/main" val="3908887177"/>
       </p:ext>
     </p:extLst>
   </p:cSld>
   <p:clrMapOvr>
     <a:masterClrMapping/>
   </p:clrMapOvr>
-  <mc:AlternateContent xmlns:mc="http://schemas.openxmlformats.org/markup-compatibility/2006">
-    <mc:Choice xmlns:p14="http://schemas.microsoft.com/office/powerpoint/2010/main" Requires="p14">
+  <mc:AlternateContent xmlns:mc="http://schemas.openxmlformats.org/markup-compatibility/2006" xmlns:p14="http://schemas.microsoft.com/office/powerpoint/2010/main">
+    <mc:Choice Requires="p14">
       <p:transition spd="med" p14:dur="700">
         <p:fade/>
       </p:transition>
     </mc:Choice>
-    <mc:Fallback>
+    <mc:Fallback xmlns="">
       <p:transition spd="med">
         <p:fade/>
       </p:transition>
@@ -15370,10 +15854,10 @@
       </p:grpSpPr>
       <p:sp>
         <p:nvSpPr>
-          <p:cNvPr id="4" name="Title 3">
+          <p:cNvPr id="2" name="Title 1">
             <a:extLst>
               <a:ext uri="{FF2B5EF4-FFF2-40B4-BE49-F238E27FC236}">
-                <a16:creationId xmlns:a16="http://schemas.microsoft.com/office/drawing/2014/main" id="{CC30764E-7D30-405A-B151-8180C0A19DA0}"/>
+                <a16:creationId xmlns:a16="http://schemas.microsoft.com/office/drawing/2014/main" id="{4838ACCF-AD64-4CE8-B017-73CA040F8804}"/>
               </a:ext>
             </a:extLst>
           </p:cNvPr>
@@ -15391,17 +15875,17 @@
           <a:p>
             <a:r>
               <a:rPr lang="en-US"/>
-              <a:t>Exceptions</a:t>
-            </a:r>
-          </a:p>
-        </p:txBody>
-      </p:sp>
-      <p:sp>
-        <p:nvSpPr>
-          <p:cNvPr id="5" name="Content Placeholder 4">
+              <a:t>Configuration</a:t>
+            </a:r>
+          </a:p>
+        </p:txBody>
+      </p:sp>
+      <p:sp>
+        <p:nvSpPr>
+          <p:cNvPr id="3" name="Content Placeholder 2">
             <a:extLst>
               <a:ext uri="{FF2B5EF4-FFF2-40B4-BE49-F238E27FC236}">
-                <a16:creationId xmlns:a16="http://schemas.microsoft.com/office/drawing/2014/main" id="{60A4ECF4-5E93-4A6B-97ED-5950F2CD244D}"/>
+                <a16:creationId xmlns:a16="http://schemas.microsoft.com/office/drawing/2014/main" id="{584E68A9-1DD8-4C10-B0AB-75AE53067472}"/>
               </a:ext>
             </a:extLst>
           </p:cNvPr>
@@ -15418,89 +15902,69 @@
           <a:lstStyle/>
           <a:p>
             <a:r>
-              <a:rPr lang="en-US" dirty="0"/>
-              <a:t>New in C# 6: </a:t>
-            </a:r>
-            <a:r>
-              <a:rPr lang="en-US" i="1" dirty="0"/>
-              <a:t>Exception filtering</a:t>
+              <a:rPr lang="en-US"/>
+              <a:t>Meaningful defaults for single-server deployments</a:t>
+            </a:r>
+          </a:p>
+          <a:p>
+            <a:r>
+              <a:rPr lang="en-US"/>
+              <a:t>Key persistance</a:t>
             </a:r>
           </a:p>
           <a:p>
             <a:pPr lvl="1"/>
             <a:r>
-              <a:rPr lang="en-US" dirty="0"/>
-              <a:t>Note: Filter runs before </a:t>
-            </a:r>
-            <a:r>
-              <a:rPr lang="en-US" i="1" dirty="0"/>
-              <a:t>finally</a:t>
-            </a:r>
-          </a:p>
-          <a:p>
-            <a:r>
-              <a:rPr lang="en-US" dirty="0"/>
-              <a:t>Example: </a:t>
-            </a:r>
-            <a:r>
-              <a:rPr lang="en-US" i="1" dirty="0"/>
-              <a:t>12-ExceptionFilters</a:t>
+              <a:rPr lang="en-US"/>
+              <a:t>Azure Blob Storage</a:t>
             </a:r>
           </a:p>
           <a:p>
             <a:pPr lvl="1"/>
             <a:r>
-              <a:rPr lang="en-US" dirty="0"/>
-              <a:t>Demonstrates order of execution in exceptions with filters</a:t>
-            </a:r>
-          </a:p>
-          <a:p>
-            <a:r>
-              <a:rPr lang="en-US" dirty="0"/>
-              <a:t>Recap: </a:t>
-            </a:r>
-            <a:r>
-              <a:rPr lang="en-US" i="1" dirty="0" err="1"/>
-              <a:t>IDisposable</a:t>
-            </a:r>
-            <a:r>
-              <a:rPr lang="en-US" dirty="0"/>
-              <a:t>, </a:t>
-            </a:r>
-            <a:r>
-              <a:rPr lang="en-US" i="1" dirty="0"/>
-              <a:t>using</a:t>
-            </a:r>
-            <a:r>
-              <a:rPr lang="en-US" dirty="0"/>
-              <a:t> statement</a:t>
+              <a:rPr lang="en-US"/>
+              <a:t>Manual settings for file system (e.g. UNC path, </a:t>
+            </a:r>
+            <a:r>
+              <a:rPr lang="en-US" i="1"/>
+              <a:t>Azure Files</a:t>
+            </a:r>
+            <a:r>
+              <a:rPr lang="en-US"/>
+              <a:t>)</a:t>
+            </a:r>
+          </a:p>
+          <a:p>
+            <a:r>
+              <a:rPr lang="en-US"/>
+              <a:t>Key protection</a:t>
             </a:r>
           </a:p>
           <a:p>
             <a:pPr lvl="1"/>
             <a:r>
-              <a:rPr lang="en-US" dirty="0"/>
-              <a:t>Necessary?</a:t>
+              <a:rPr lang="en-US"/>
+              <a:t>Protect using KeyVault keys</a:t>
             </a:r>
           </a:p>
           <a:p>
             <a:pPr lvl="1"/>
             <a:r>
-              <a:rPr lang="en-US" dirty="0">
-                <a:hlinkClick r:id="rId2"/>
-              </a:rPr>
-              <a:t>Docs</a:t>
-            </a:r>
-            <a:endParaRPr lang="en-US" dirty="0"/>
-          </a:p>
-        </p:txBody>
-      </p:sp>
-      <p:sp>
-        <p:nvSpPr>
-          <p:cNvPr id="6" name="Text Placeholder 5">
+              <a:rPr lang="en-US"/>
+              <a:t>Certificate</a:t>
+            </a:r>
+          </a:p>
+          <a:p>
+            <a:endParaRPr lang="en-US"/>
+          </a:p>
+        </p:txBody>
+      </p:sp>
+      <p:sp>
+        <p:nvSpPr>
+          <p:cNvPr id="4" name="Text Placeholder 3">
             <a:extLst>
               <a:ext uri="{FF2B5EF4-FFF2-40B4-BE49-F238E27FC236}">
-                <a16:creationId xmlns:a16="http://schemas.microsoft.com/office/drawing/2014/main" id="{08110289-67C9-4EF7-8ECA-3704B7FE1CDA}"/>
+                <a16:creationId xmlns:a16="http://schemas.microsoft.com/office/drawing/2014/main" id="{53CC38FD-3B37-4216-89FF-7FE2FF02E320}"/>
               </a:ext>
             </a:extLst>
           </p:cNvPr>
@@ -15517,36 +15981,36 @@
           <a:lstStyle/>
           <a:p>
             <a:r>
-              <a:rPr lang="en-US"/>
-              <a:t>See also </a:t>
-            </a:r>
-            <a:r>
-              <a:rPr lang="en-US">
-                <a:hlinkClick r:id="rId3"/>
+              <a:rPr lang="en-US" dirty="0"/>
+              <a:t>For details see </a:t>
+            </a:r>
+            <a:r>
+              <a:rPr lang="de-AT" dirty="0">
+                <a:hlinkClick r:id="rId2"/>
               </a:rPr>
-              <a:t>https://docs.microsoft.com/en-us/dotnet/csharp/language-reference/keywords/try-catch</a:t>
-            </a:r>
-            <a:endParaRPr lang="en-US"/>
+              <a:t>https://docs.microsoft.com/en-us/aspnet/core/security/data-protection/configuration/overview?view=aspnetcore-2.2</a:t>
+            </a:r>
+            <a:endParaRPr lang="en-US" dirty="0"/>
           </a:p>
         </p:txBody>
       </p:sp>
     </p:spTree>
     <p:extLst>
       <p:ext uri="{BB962C8B-B14F-4D97-AF65-F5344CB8AC3E}">
-        <p14:creationId xmlns:p14="http://schemas.microsoft.com/office/powerpoint/2010/main" val="2931813448"/>
+        <p14:creationId xmlns:p14="http://schemas.microsoft.com/office/powerpoint/2010/main" val="3120191146"/>
       </p:ext>
     </p:extLst>
   </p:cSld>
   <p:clrMapOvr>
     <a:masterClrMapping/>
   </p:clrMapOvr>
-  <mc:AlternateContent xmlns:mc="http://schemas.openxmlformats.org/markup-compatibility/2006">
-    <mc:Choice xmlns:p14="http://schemas.microsoft.com/office/powerpoint/2010/main" Requires="p14">
+  <mc:AlternateContent xmlns:mc="http://schemas.openxmlformats.org/markup-compatibility/2006" xmlns:p14="http://schemas.microsoft.com/office/powerpoint/2010/main">
+    <mc:Choice Requires="p14">
       <p:transition spd="med" p14:dur="700">
         <p:fade/>
       </p:transition>
     </mc:Choice>
-    <mc:Fallback>
+    <mc:Fallback xmlns="">
       <p:transition spd="med">
         <p:fade/>
       </p:transition>
@@ -15574,6 +16038,314 @@
       </p:grpSpPr>
       <p:sp>
         <p:nvSpPr>
+          <p:cNvPr id="5" name="Title 4">
+            <a:extLst>
+              <a:ext uri="{FF2B5EF4-FFF2-40B4-BE49-F238E27FC236}">
+                <a16:creationId xmlns:a16="http://schemas.microsoft.com/office/drawing/2014/main" id="{E6CB8BBB-36C6-4D3D-A80F-A442C41A249A}"/>
+              </a:ext>
+            </a:extLst>
+          </p:cNvPr>
+          <p:cNvSpPr>
+            <a:spLocks noGrp="1"/>
+          </p:cNvSpPr>
+          <p:nvPr>
+            <p:ph type="title"/>
+          </p:nvPr>
+        </p:nvSpPr>
+        <p:spPr/>
+        <p:txBody>
+          <a:bodyPr/>
+          <a:lstStyle/>
+          <a:p>
+            <a:r>
+              <a:rPr lang="de-AT" sz="4800" dirty="0" err="1"/>
+              <a:t>Exceptions</a:t>
+            </a:r>
+            <a:r>
+              <a:rPr lang="de-AT" sz="4800" dirty="0"/>
+              <a:t> and </a:t>
+            </a:r>
+            <a:r>
+              <a:rPr lang="de-AT" sz="4800" dirty="0" err="1"/>
+              <a:t>Logging</a:t>
+            </a:r>
+            <a:endParaRPr lang="de-AT" sz="4800" dirty="0"/>
+          </a:p>
+        </p:txBody>
+      </p:sp>
+      <p:sp>
+        <p:nvSpPr>
+          <p:cNvPr id="6" name="Text Placeholder 5">
+            <a:extLst>
+              <a:ext uri="{FF2B5EF4-FFF2-40B4-BE49-F238E27FC236}">
+                <a16:creationId xmlns:a16="http://schemas.microsoft.com/office/drawing/2014/main" id="{C16EAF77-8FDB-40B2-8D34-7D443ACF1E07}"/>
+              </a:ext>
+            </a:extLst>
+          </p:cNvPr>
+          <p:cNvSpPr>
+            <a:spLocks noGrp="1"/>
+          </p:cNvSpPr>
+          <p:nvPr>
+            <p:ph type="body" sz="quarter" idx="25"/>
+          </p:nvPr>
+        </p:nvSpPr>
+        <p:spPr/>
+        <p:txBody>
+          <a:bodyPr/>
+          <a:lstStyle/>
+          <a:p>
+            <a:endParaRPr lang="de-AT" dirty="0"/>
+          </a:p>
+        </p:txBody>
+      </p:sp>
+    </p:spTree>
+    <p:extLst>
+      <p:ext uri="{BB962C8B-B14F-4D97-AF65-F5344CB8AC3E}">
+        <p14:creationId xmlns:p14="http://schemas.microsoft.com/office/powerpoint/2010/main" val="194262547"/>
+      </p:ext>
+    </p:extLst>
+  </p:cSld>
+  <p:clrMapOvr>
+    <a:masterClrMapping/>
+  </p:clrMapOvr>
+  <mc:AlternateContent xmlns:mc="http://schemas.openxmlformats.org/markup-compatibility/2006" xmlns:p14="http://schemas.microsoft.com/office/powerpoint/2010/main">
+    <mc:Choice Requires="p14">
+      <p:transition spd="med" p14:dur="700">
+        <p:fade/>
+      </p:transition>
+    </mc:Choice>
+    <mc:Fallback xmlns="">
+      <p:transition spd="med">
+        <p:fade/>
+      </p:transition>
+    </mc:Fallback>
+  </mc:AlternateContent>
+</p:sld>
+</file>
+
+<file path=ppt/slides/slide28.xml><?xml version="1.0" encoding="utf-8"?>
+<p:sld xmlns:a="http://schemas.openxmlformats.org/drawingml/2006/main" xmlns:r="http://schemas.openxmlformats.org/officeDocument/2006/relationships" xmlns:p="http://schemas.openxmlformats.org/presentationml/2006/main">
+  <p:cSld>
+    <p:spTree>
+      <p:nvGrpSpPr>
+        <p:cNvPr id="1" name=""/>
+        <p:cNvGrpSpPr/>
+        <p:nvPr/>
+      </p:nvGrpSpPr>
+      <p:grpSpPr>
+        <a:xfrm>
+          <a:off x="0" y="0"/>
+          <a:ext cx="0" cy="0"/>
+          <a:chOff x="0" y="0"/>
+          <a:chExt cx="0" cy="0"/>
+        </a:xfrm>
+      </p:grpSpPr>
+      <p:sp>
+        <p:nvSpPr>
+          <p:cNvPr id="4" name="Title 3">
+            <a:extLst>
+              <a:ext uri="{FF2B5EF4-FFF2-40B4-BE49-F238E27FC236}">
+                <a16:creationId xmlns:a16="http://schemas.microsoft.com/office/drawing/2014/main" id="{CC30764E-7D30-405A-B151-8180C0A19DA0}"/>
+              </a:ext>
+            </a:extLst>
+          </p:cNvPr>
+          <p:cNvSpPr>
+            <a:spLocks noGrp="1"/>
+          </p:cNvSpPr>
+          <p:nvPr>
+            <p:ph type="title"/>
+          </p:nvPr>
+        </p:nvSpPr>
+        <p:spPr/>
+        <p:txBody>
+          <a:bodyPr/>
+          <a:lstStyle/>
+          <a:p>
+            <a:r>
+              <a:rPr lang="en-US"/>
+              <a:t>Exceptions</a:t>
+            </a:r>
+          </a:p>
+        </p:txBody>
+      </p:sp>
+      <p:sp>
+        <p:nvSpPr>
+          <p:cNvPr id="5" name="Content Placeholder 4">
+            <a:extLst>
+              <a:ext uri="{FF2B5EF4-FFF2-40B4-BE49-F238E27FC236}">
+                <a16:creationId xmlns:a16="http://schemas.microsoft.com/office/drawing/2014/main" id="{60A4ECF4-5E93-4A6B-97ED-5950F2CD244D}"/>
+              </a:ext>
+            </a:extLst>
+          </p:cNvPr>
+          <p:cNvSpPr>
+            <a:spLocks noGrp="1"/>
+          </p:cNvSpPr>
+          <p:nvPr>
+            <p:ph sz="quarter" idx="12"/>
+          </p:nvPr>
+        </p:nvSpPr>
+        <p:spPr/>
+        <p:txBody>
+          <a:bodyPr/>
+          <a:lstStyle/>
+          <a:p>
+            <a:r>
+              <a:rPr lang="en-US" dirty="0"/>
+              <a:t>New in C# 6: </a:t>
+            </a:r>
+            <a:r>
+              <a:rPr lang="en-US" i="1" dirty="0"/>
+              <a:t>Exception filtering</a:t>
+            </a:r>
+          </a:p>
+          <a:p>
+            <a:pPr lvl="1"/>
+            <a:r>
+              <a:rPr lang="en-US" dirty="0"/>
+              <a:t>Note: Filter runs before </a:t>
+            </a:r>
+            <a:r>
+              <a:rPr lang="en-US" i="1" dirty="0"/>
+              <a:t>finally</a:t>
+            </a:r>
+          </a:p>
+          <a:p>
+            <a:r>
+              <a:rPr lang="en-US" dirty="0"/>
+              <a:t>Example: </a:t>
+            </a:r>
+            <a:r>
+              <a:rPr lang="en-US" i="1" dirty="0"/>
+              <a:t>12-ExceptionFilters</a:t>
+            </a:r>
+          </a:p>
+          <a:p>
+            <a:pPr lvl="1"/>
+            <a:r>
+              <a:rPr lang="en-US" dirty="0"/>
+              <a:t>Demonstrates order of execution in exceptions with filters</a:t>
+            </a:r>
+          </a:p>
+          <a:p>
+            <a:r>
+              <a:rPr lang="en-US" dirty="0"/>
+              <a:t>Recap: </a:t>
+            </a:r>
+            <a:r>
+              <a:rPr lang="en-US" i="1" dirty="0" err="1"/>
+              <a:t>IDisposable</a:t>
+            </a:r>
+            <a:r>
+              <a:rPr lang="en-US" dirty="0"/>
+              <a:t>, </a:t>
+            </a:r>
+            <a:r>
+              <a:rPr lang="en-US" i="1" dirty="0"/>
+              <a:t>using</a:t>
+            </a:r>
+            <a:r>
+              <a:rPr lang="en-US" dirty="0"/>
+              <a:t> statement</a:t>
+            </a:r>
+          </a:p>
+          <a:p>
+            <a:pPr lvl="1"/>
+            <a:r>
+              <a:rPr lang="en-US" dirty="0"/>
+              <a:t>Necessary?</a:t>
+            </a:r>
+          </a:p>
+          <a:p>
+            <a:pPr lvl="1"/>
+            <a:r>
+              <a:rPr lang="en-US" dirty="0">
+                <a:hlinkClick r:id="rId2"/>
+              </a:rPr>
+              <a:t>Docs</a:t>
+            </a:r>
+            <a:endParaRPr lang="en-US" dirty="0"/>
+          </a:p>
+        </p:txBody>
+      </p:sp>
+      <p:sp>
+        <p:nvSpPr>
+          <p:cNvPr id="6" name="Text Placeholder 5">
+            <a:extLst>
+              <a:ext uri="{FF2B5EF4-FFF2-40B4-BE49-F238E27FC236}">
+                <a16:creationId xmlns:a16="http://schemas.microsoft.com/office/drawing/2014/main" id="{08110289-67C9-4EF7-8ECA-3704B7FE1CDA}"/>
+              </a:ext>
+            </a:extLst>
+          </p:cNvPr>
+          <p:cNvSpPr>
+            <a:spLocks noGrp="1"/>
+          </p:cNvSpPr>
+          <p:nvPr>
+            <p:ph type="body" sz="quarter" idx="23"/>
+          </p:nvPr>
+        </p:nvSpPr>
+        <p:spPr/>
+        <p:txBody>
+          <a:bodyPr/>
+          <a:lstStyle/>
+          <a:p>
+            <a:r>
+              <a:rPr lang="en-US"/>
+              <a:t>See also </a:t>
+            </a:r>
+            <a:r>
+              <a:rPr lang="en-US">
+                <a:hlinkClick r:id="rId3"/>
+              </a:rPr>
+              <a:t>https://docs.microsoft.com/en-us/dotnet/csharp/language-reference/keywords/try-catch</a:t>
+            </a:r>
+            <a:endParaRPr lang="en-US"/>
+          </a:p>
+        </p:txBody>
+      </p:sp>
+    </p:spTree>
+    <p:extLst>
+      <p:ext uri="{BB962C8B-B14F-4D97-AF65-F5344CB8AC3E}">
+        <p14:creationId xmlns:p14="http://schemas.microsoft.com/office/powerpoint/2010/main" val="2931813448"/>
+      </p:ext>
+    </p:extLst>
+  </p:cSld>
+  <p:clrMapOvr>
+    <a:masterClrMapping/>
+  </p:clrMapOvr>
+  <mc:AlternateContent xmlns:mc="http://schemas.openxmlformats.org/markup-compatibility/2006" xmlns:p14="http://schemas.microsoft.com/office/powerpoint/2010/main">
+    <mc:Choice Requires="p14">
+      <p:transition spd="med" p14:dur="700">
+        <p:fade/>
+      </p:transition>
+    </mc:Choice>
+    <mc:Fallback xmlns="">
+      <p:transition spd="med">
+        <p:fade/>
+      </p:transition>
+    </mc:Fallback>
+  </mc:AlternateContent>
+</p:sld>
+</file>
+
+<file path=ppt/slides/slide29.xml><?xml version="1.0" encoding="utf-8"?>
+<p:sld xmlns:a="http://schemas.openxmlformats.org/drawingml/2006/main" xmlns:r="http://schemas.openxmlformats.org/officeDocument/2006/relationships" xmlns:p="http://schemas.openxmlformats.org/presentationml/2006/main">
+  <p:cSld>
+    <p:spTree>
+      <p:nvGrpSpPr>
+        <p:cNvPr id="1" name=""/>
+        <p:cNvGrpSpPr/>
+        <p:nvPr/>
+      </p:nvGrpSpPr>
+      <p:grpSpPr>
+        <a:xfrm>
+          <a:off x="0" y="0"/>
+          <a:ext cx="0" cy="0"/>
+          <a:chOff x="0" y="0"/>
+          <a:chExt cx="0" cy="0"/>
+        </a:xfrm>
+      </p:grpSpPr>
+      <p:sp>
+        <p:nvSpPr>
           <p:cNvPr id="2" name="Title 1">
             <a:extLst>
               <a:ext uri="{FF2B5EF4-FFF2-40B4-BE49-F238E27FC236}">
@@ -15719,13 +16491,13 @@
   <p:clrMapOvr>
     <a:masterClrMapping/>
   </p:clrMapOvr>
-  <mc:AlternateContent xmlns:mc="http://schemas.openxmlformats.org/markup-compatibility/2006">
-    <mc:Choice xmlns:p14="http://schemas.microsoft.com/office/powerpoint/2010/main" Requires="p14">
+  <mc:AlternateContent xmlns:mc="http://schemas.openxmlformats.org/markup-compatibility/2006" xmlns:p14="http://schemas.microsoft.com/office/powerpoint/2010/main">
+    <mc:Choice Requires="p14">
       <p:transition spd="med" p14:dur="700">
         <p:fade/>
       </p:transition>
     </mc:Choice>
-    <mc:Fallback>
+    <mc:Fallback xmlns="">
       <p:transition spd="med">
         <p:fade/>
       </p:transition>
@@ -15734,7 +16506,197 @@
 </p:sld>
 </file>
 
-<file path=ppt/slides/slide28.xml><?xml version="1.0" encoding="utf-8"?>
+<file path=ppt/slides/slide3.xml><?xml version="1.0" encoding="utf-8"?>
+<p:sld xmlns:a="http://schemas.openxmlformats.org/drawingml/2006/main" xmlns:r="http://schemas.openxmlformats.org/officeDocument/2006/relationships" xmlns:p="http://schemas.openxmlformats.org/presentationml/2006/main">
+  <p:cSld>
+    <p:spTree>
+      <p:nvGrpSpPr>
+        <p:cNvPr id="1" name=""/>
+        <p:cNvGrpSpPr/>
+        <p:nvPr/>
+      </p:nvGrpSpPr>
+      <p:grpSpPr>
+        <a:xfrm>
+          <a:off x="0" y="0"/>
+          <a:ext cx="0" cy="0"/>
+          <a:chOff x="0" y="0"/>
+          <a:chExt cx="0" cy="0"/>
+        </a:xfrm>
+      </p:grpSpPr>
+      <p:sp>
+        <p:nvSpPr>
+          <p:cNvPr id="7" name="Title 6">
+            <a:extLst>
+              <a:ext uri="{FF2B5EF4-FFF2-40B4-BE49-F238E27FC236}">
+                <a16:creationId xmlns:a16="http://schemas.microsoft.com/office/drawing/2014/main" id="{03759B9D-4968-4104-9A97-AF7D6FC0D6A9}"/>
+              </a:ext>
+            </a:extLst>
+          </p:cNvPr>
+          <p:cNvSpPr>
+            <a:spLocks noGrp="1"/>
+          </p:cNvSpPr>
+          <p:nvPr>
+            <p:ph type="title"/>
+          </p:nvPr>
+        </p:nvSpPr>
+        <p:spPr/>
+        <p:txBody>
+          <a:bodyPr/>
+          <a:lstStyle/>
+          <a:p>
+            <a:r>
+              <a:rPr lang="en-US"/>
+              <a:t>Organization</a:t>
+            </a:r>
+          </a:p>
+        </p:txBody>
+      </p:sp>
+      <p:sp>
+        <p:nvSpPr>
+          <p:cNvPr id="8" name="Content Placeholder 7">
+            <a:extLst>
+              <a:ext uri="{FF2B5EF4-FFF2-40B4-BE49-F238E27FC236}">
+                <a16:creationId xmlns:a16="http://schemas.microsoft.com/office/drawing/2014/main" id="{5B1AD6CF-7464-4428-AC14-7B94DF5A53CF}"/>
+              </a:ext>
+            </a:extLst>
+          </p:cNvPr>
+          <p:cNvSpPr>
+            <a:spLocks noGrp="1"/>
+          </p:cNvSpPr>
+          <p:nvPr>
+            <p:ph sz="quarter" idx="12"/>
+          </p:nvPr>
+        </p:nvSpPr>
+        <p:spPr/>
+        <p:txBody>
+          <a:bodyPr/>
+          <a:lstStyle/>
+          <a:p>
+            <a:r>
+              <a:rPr lang="en-US" dirty="0"/>
+              <a:t>Material: </a:t>
+            </a:r>
+            <a:r>
+              <a:rPr lang="en-US" dirty="0">
+                <a:hlinkClick r:id="rId2"/>
+              </a:rPr>
+              <a:t>https://github.com/rstropek/SecureCodingDotNet</a:t>
+            </a:r>
+            <a:endParaRPr lang="en-US" dirty="0"/>
+          </a:p>
+          <a:p>
+            <a:r>
+              <a:rPr lang="en-US" dirty="0"/>
+              <a:t>Time Schedule</a:t>
+            </a:r>
+          </a:p>
+          <a:p>
+            <a:pPr lvl="1"/>
+            <a:r>
+              <a:rPr lang="en-US" dirty="0">
+                <a:latin typeface="Lucida Sans Typewriter" panose="020B0509030504030204" pitchFamily="49" charset="0"/>
+              </a:rPr>
+              <a:t>09:00-10:30</a:t>
+            </a:r>
+          </a:p>
+          <a:p>
+            <a:pPr lvl="1"/>
+            <a:r>
+              <a:rPr lang="en-US" dirty="0">
+                <a:latin typeface="Lucida Sans Typewriter" panose="020B0509030504030204" pitchFamily="49" charset="0"/>
+              </a:rPr>
+              <a:t>10:30-11:00 – Morning Break</a:t>
+            </a:r>
+          </a:p>
+          <a:p>
+            <a:pPr lvl="1"/>
+            <a:r>
+              <a:rPr lang="en-US" dirty="0">
+                <a:latin typeface="Lucida Sans Typewriter" panose="020B0509030504030204" pitchFamily="49" charset="0"/>
+              </a:rPr>
+              <a:t>11:00-12:30</a:t>
+            </a:r>
+          </a:p>
+          <a:p>
+            <a:pPr lvl="1"/>
+            <a:r>
+              <a:rPr lang="en-US" dirty="0">
+                <a:latin typeface="Lucida Sans Typewriter" panose="020B0509030504030204" pitchFamily="49" charset="0"/>
+              </a:rPr>
+              <a:t>12:30-13:15 – Lunch Break</a:t>
+            </a:r>
+          </a:p>
+          <a:p>
+            <a:pPr lvl="1"/>
+            <a:r>
+              <a:rPr lang="en-US" dirty="0">
+                <a:latin typeface="Lucida Sans Typewriter" panose="020B0509030504030204" pitchFamily="49" charset="0"/>
+              </a:rPr>
+              <a:t>13:15-14:45</a:t>
+            </a:r>
+          </a:p>
+          <a:p>
+            <a:pPr lvl="1"/>
+            <a:r>
+              <a:rPr lang="en-US" dirty="0">
+                <a:latin typeface="Lucida Sans Typewriter" panose="020B0509030504030204" pitchFamily="49" charset="0"/>
+              </a:rPr>
+              <a:t>14:45-15:15 – Afternoon Break</a:t>
+            </a:r>
+          </a:p>
+          <a:p>
+            <a:pPr lvl="1"/>
+            <a:r>
+              <a:rPr lang="en-US" dirty="0">
+                <a:latin typeface="Lucida Sans Typewriter" panose="020B0509030504030204" pitchFamily="49" charset="0"/>
+              </a:rPr>
+              <a:t>15:15-16:45</a:t>
+            </a:r>
+          </a:p>
+        </p:txBody>
+      </p:sp>
+      <p:sp>
+        <p:nvSpPr>
+          <p:cNvPr id="9" name="Text Placeholder 8">
+            <a:extLst>
+              <a:ext uri="{FF2B5EF4-FFF2-40B4-BE49-F238E27FC236}">
+                <a16:creationId xmlns:a16="http://schemas.microsoft.com/office/drawing/2014/main" id="{040EA4F7-FB29-46CC-A536-FD678C87105C}"/>
+              </a:ext>
+            </a:extLst>
+          </p:cNvPr>
+          <p:cNvSpPr>
+            <a:spLocks noGrp="1"/>
+          </p:cNvSpPr>
+          <p:nvPr>
+            <p:ph type="body" sz="quarter" idx="23"/>
+          </p:nvPr>
+        </p:nvSpPr>
+        <p:spPr/>
+        <p:txBody>
+          <a:bodyPr/>
+          <a:lstStyle/>
+          <a:p>
+            <a:endParaRPr lang="en-US"/>
+          </a:p>
+        </p:txBody>
+      </p:sp>
+    </p:spTree>
+    <p:extLst>
+      <p:ext uri="{BB962C8B-B14F-4D97-AF65-F5344CB8AC3E}">
+        <p14:creationId xmlns:p14="http://schemas.microsoft.com/office/powerpoint/2010/main" val="331189941"/>
+      </p:ext>
+    </p:extLst>
+  </p:cSld>
+  <p:clrMapOvr>
+    <a:masterClrMapping/>
+  </p:clrMapOvr>
+  <p:transition spd="slow">
+    <p:push/>
+  </p:transition>
+</p:sld>
+</file>
+
+<file path=ppt/slides/slide30.xml><?xml version="1.0" encoding="utf-8"?>
 <p:sld xmlns:a="http://schemas.openxmlformats.org/drawingml/2006/main" xmlns:r="http://schemas.openxmlformats.org/officeDocument/2006/relationships" xmlns:p="http://schemas.openxmlformats.org/presentationml/2006/main">
   <p:cSld>
     <p:spTree>
@@ -15962,530 +16924,13 @@
   <p:clrMapOvr>
     <a:masterClrMapping/>
   </p:clrMapOvr>
-  <mc:AlternateContent xmlns:mc="http://schemas.openxmlformats.org/markup-compatibility/2006">
-    <mc:Choice xmlns:p14="http://schemas.microsoft.com/office/powerpoint/2010/main" Requires="p14">
+  <mc:AlternateContent xmlns:mc="http://schemas.openxmlformats.org/markup-compatibility/2006" xmlns:p14="http://schemas.microsoft.com/office/powerpoint/2010/main">
+    <mc:Choice Requires="p14">
       <p:transition spd="med" p14:dur="700">
         <p:fade/>
       </p:transition>
     </mc:Choice>
-    <mc:Fallback>
-      <p:transition spd="med">
-        <p:fade/>
-      </p:transition>
-    </mc:Fallback>
-  </mc:AlternateContent>
-</p:sld>
-</file>
-
-<file path=ppt/slides/slide29.xml><?xml version="1.0" encoding="utf-8"?>
-<p:sld xmlns:a="http://schemas.openxmlformats.org/drawingml/2006/main" xmlns:r="http://schemas.openxmlformats.org/officeDocument/2006/relationships" xmlns:p="http://schemas.openxmlformats.org/presentationml/2006/main">
-  <p:cSld>
-    <p:spTree>
-      <p:nvGrpSpPr>
-        <p:cNvPr id="1" name=""/>
-        <p:cNvGrpSpPr/>
-        <p:nvPr/>
-      </p:nvGrpSpPr>
-      <p:grpSpPr>
-        <a:xfrm>
-          <a:off x="0" y="0"/>
-          <a:ext cx="0" cy="0"/>
-          <a:chOff x="0" y="0"/>
-          <a:chExt cx="0" cy="0"/>
-        </a:xfrm>
-      </p:grpSpPr>
-      <p:sp>
-        <p:nvSpPr>
-          <p:cNvPr id="2" name="Title 1">
-            <a:extLst>
-              <a:ext uri="{FF2B5EF4-FFF2-40B4-BE49-F238E27FC236}">
-                <a16:creationId xmlns:a16="http://schemas.microsoft.com/office/drawing/2014/main" id="{DC43BE43-AA5F-4AB3-804D-D138339C1537}"/>
-              </a:ext>
-            </a:extLst>
-          </p:cNvPr>
-          <p:cNvSpPr>
-            <a:spLocks noGrp="1"/>
-          </p:cNvSpPr>
-          <p:nvPr>
-            <p:ph type="title"/>
-          </p:nvPr>
-        </p:nvSpPr>
-        <p:spPr/>
-        <p:txBody>
-          <a:bodyPr/>
-          <a:lstStyle/>
-          <a:p>
-            <a:r>
-              <a:rPr lang="en-US" dirty="0"/>
-              <a:t>Example</a:t>
-            </a:r>
-          </a:p>
-        </p:txBody>
-      </p:sp>
-      <p:sp>
-        <p:nvSpPr>
-          <p:cNvPr id="3" name="Content Placeholder 2">
-            <a:extLst>
-              <a:ext uri="{FF2B5EF4-FFF2-40B4-BE49-F238E27FC236}">
-                <a16:creationId xmlns:a16="http://schemas.microsoft.com/office/drawing/2014/main" id="{3BA7ADBB-1149-4BD6-B023-D5CB1B702CFB}"/>
-              </a:ext>
-            </a:extLst>
-          </p:cNvPr>
-          <p:cNvSpPr>
-            <a:spLocks noGrp="1"/>
-          </p:cNvSpPr>
-          <p:nvPr>
-            <p:ph sz="quarter" idx="12"/>
-          </p:nvPr>
-        </p:nvSpPr>
-        <p:spPr/>
-        <p:txBody>
-          <a:bodyPr/>
-          <a:lstStyle/>
-          <a:p>
-            <a:r>
-              <a:rPr lang="en-US" dirty="0"/>
-              <a:t>13-LoggingSerilog</a:t>
-            </a:r>
-          </a:p>
-          <a:p>
-            <a:pPr lvl="1"/>
-            <a:r>
-              <a:rPr lang="en-US" dirty="0"/>
-              <a:t>Add logging with </a:t>
-            </a:r>
-            <a:r>
-              <a:rPr lang="en-US" i="1" dirty="0" err="1"/>
-              <a:t>Serilog</a:t>
-            </a:r>
-            <a:r>
-              <a:rPr lang="en-US" dirty="0"/>
-              <a:t> to ASP.NET Core app</a:t>
-            </a:r>
-          </a:p>
-          <a:p>
-            <a:pPr lvl="1"/>
-            <a:r>
-              <a:rPr lang="en-US" dirty="0"/>
-              <a:t>Includes log viewing with </a:t>
-            </a:r>
-            <a:r>
-              <a:rPr lang="en-US" i="1" dirty="0">
-                <a:hlinkClick r:id="rId2"/>
-              </a:rPr>
-              <a:t>Seq</a:t>
-            </a:r>
-            <a:endParaRPr lang="en-US" i="1" dirty="0"/>
-          </a:p>
-          <a:p>
-            <a:endParaRPr lang="en-US" dirty="0"/>
-          </a:p>
-        </p:txBody>
-      </p:sp>
-      <p:sp>
-        <p:nvSpPr>
-          <p:cNvPr id="4" name="Text Placeholder 3">
-            <a:extLst>
-              <a:ext uri="{FF2B5EF4-FFF2-40B4-BE49-F238E27FC236}">
-                <a16:creationId xmlns:a16="http://schemas.microsoft.com/office/drawing/2014/main" id="{1708EE3C-A981-42FC-9D4B-689B0EECE617}"/>
-              </a:ext>
-            </a:extLst>
-          </p:cNvPr>
-          <p:cNvSpPr>
-            <a:spLocks noGrp="1"/>
-          </p:cNvSpPr>
-          <p:nvPr>
-            <p:ph type="body" sz="quarter" idx="23"/>
-          </p:nvPr>
-        </p:nvSpPr>
-        <p:spPr/>
-        <p:txBody>
-          <a:bodyPr/>
-          <a:lstStyle/>
-          <a:p>
-            <a:endParaRPr lang="en-US"/>
-          </a:p>
-        </p:txBody>
-      </p:sp>
-    </p:spTree>
-    <p:extLst>
-      <p:ext uri="{BB962C8B-B14F-4D97-AF65-F5344CB8AC3E}">
-        <p14:creationId xmlns:p14="http://schemas.microsoft.com/office/powerpoint/2010/main" val="330773997"/>
-      </p:ext>
-    </p:extLst>
-  </p:cSld>
-  <p:clrMapOvr>
-    <a:masterClrMapping/>
-  </p:clrMapOvr>
-  <mc:AlternateContent xmlns:mc="http://schemas.openxmlformats.org/markup-compatibility/2006">
-    <mc:Choice xmlns:p14="http://schemas.microsoft.com/office/powerpoint/2010/main" Requires="p14">
-      <p:transition spd="med" p14:dur="700">
-        <p:fade/>
-      </p:transition>
-    </mc:Choice>
-    <mc:Fallback>
-      <p:transition spd="med">
-        <p:fade/>
-      </p:transition>
-    </mc:Fallback>
-  </mc:AlternateContent>
-</p:sld>
-</file>
-
-<file path=ppt/slides/slide3.xml><?xml version="1.0" encoding="utf-8"?>
-<p:sld xmlns:a="http://schemas.openxmlformats.org/drawingml/2006/main" xmlns:r="http://schemas.openxmlformats.org/officeDocument/2006/relationships" xmlns:p="http://schemas.openxmlformats.org/presentationml/2006/main">
-  <p:cSld>
-    <p:spTree>
-      <p:nvGrpSpPr>
-        <p:cNvPr id="1" name=""/>
-        <p:cNvGrpSpPr/>
-        <p:nvPr/>
-      </p:nvGrpSpPr>
-      <p:grpSpPr>
-        <a:xfrm>
-          <a:off x="0" y="0"/>
-          <a:ext cx="0" cy="0"/>
-          <a:chOff x="0" y="0"/>
-          <a:chExt cx="0" cy="0"/>
-        </a:xfrm>
-      </p:grpSpPr>
-      <p:sp>
-        <p:nvSpPr>
-          <p:cNvPr id="4" name="Title 3">
-            <a:extLst>
-              <a:ext uri="{FF2B5EF4-FFF2-40B4-BE49-F238E27FC236}">
-                <a16:creationId xmlns:a16="http://schemas.microsoft.com/office/drawing/2014/main" id="{817B7A26-5AA7-47AB-ABCB-4C5B3A34AF31}"/>
-              </a:ext>
-            </a:extLst>
-          </p:cNvPr>
-          <p:cNvSpPr>
-            <a:spLocks noGrp="1"/>
-          </p:cNvSpPr>
-          <p:nvPr>
-            <p:ph type="title"/>
-          </p:nvPr>
-        </p:nvSpPr>
-        <p:spPr/>
-        <p:txBody>
-          <a:bodyPr/>
-          <a:lstStyle/>
-          <a:p>
-            <a:r>
-              <a:rPr lang="en-US"/>
-              <a:t>How to Write Secure .NET Code</a:t>
-            </a:r>
-          </a:p>
-        </p:txBody>
-      </p:sp>
-      <p:sp>
-        <p:nvSpPr>
-          <p:cNvPr id="5" name="Content Placeholder 4">
-            <a:extLst>
-              <a:ext uri="{FF2B5EF4-FFF2-40B4-BE49-F238E27FC236}">
-                <a16:creationId xmlns:a16="http://schemas.microsoft.com/office/drawing/2014/main" id="{310E7E37-F318-4E9A-BC42-0FDAF2177929}"/>
-              </a:ext>
-            </a:extLst>
-          </p:cNvPr>
-          <p:cNvSpPr>
-            <a:spLocks noGrp="1"/>
-          </p:cNvSpPr>
-          <p:nvPr>
-            <p:ph sz="quarter" idx="12"/>
-          </p:nvPr>
-        </p:nvSpPr>
-        <p:spPr/>
-        <p:txBody>
-          <a:bodyPr/>
-          <a:lstStyle/>
-          <a:p>
-            <a:r>
-              <a:rPr lang="en-US" i="1" dirty="0"/>
-              <a:t>Don’t</a:t>
-            </a:r>
-            <a:r>
-              <a:rPr lang="en-US" dirty="0"/>
-              <a:t> be lazy. Think!</a:t>
-            </a:r>
-          </a:p>
-          <a:p>
-            <a:pPr lvl="1"/>
-            <a:r>
-              <a:rPr lang="en-US" i="1" dirty="0"/>
-              <a:t>Avoid </a:t>
-            </a:r>
-            <a:r>
-              <a:rPr lang="en-US" dirty="0"/>
-              <a:t>making stupid mistakes</a:t>
-            </a:r>
-          </a:p>
-          <a:p>
-            <a:r>
-              <a:rPr lang="en-US" i="1" dirty="0"/>
-              <a:t>Do</a:t>
-            </a:r>
-            <a:r>
-              <a:rPr lang="en-US" dirty="0"/>
-              <a:t> take responsibility</a:t>
-            </a:r>
-          </a:p>
-          <a:p>
-            <a:pPr lvl="1"/>
-            <a:r>
-              <a:rPr lang="en-US" i="1" dirty="0"/>
-              <a:t>Avoid</a:t>
-            </a:r>
-            <a:r>
-              <a:rPr lang="en-US" dirty="0"/>
-              <a:t> delegating security measures to others (</a:t>
-            </a:r>
-            <a:r>
-              <a:rPr lang="en-US" i="1" dirty="0" err="1"/>
-              <a:t>DevSecOps</a:t>
-            </a:r>
-            <a:r>
-              <a:rPr lang="en-US" dirty="0"/>
-              <a:t>, infrastructure is code)</a:t>
-            </a:r>
-          </a:p>
-          <a:p>
-            <a:r>
-              <a:rPr lang="en-US" i="1" dirty="0"/>
-              <a:t>Don’t</a:t>
-            </a:r>
-            <a:r>
-              <a:rPr lang="en-US" dirty="0"/>
-              <a:t> miss the big picture</a:t>
-            </a:r>
-          </a:p>
-          <a:p>
-            <a:pPr lvl="1"/>
-            <a:r>
-              <a:rPr lang="en-US" i="1" dirty="0"/>
-              <a:t>Avoid</a:t>
-            </a:r>
-            <a:r>
-              <a:rPr lang="en-US" dirty="0"/>
-              <a:t> restrictive policies that lead to an overall lower level of security</a:t>
-            </a:r>
-          </a:p>
-          <a:p>
-            <a:pPr lvl="1"/>
-            <a:r>
-              <a:rPr lang="en-US" dirty="0"/>
-              <a:t>E.g. security policies that force developers to run VS as administrators</a:t>
-            </a:r>
-          </a:p>
-          <a:p>
-            <a:pPr lvl="1"/>
-            <a:r>
-              <a:rPr lang="en-US" dirty="0"/>
-              <a:t>E.g. proxies that lead to plain-text passwords in text files</a:t>
-            </a:r>
-          </a:p>
-          <a:p>
-            <a:r>
-              <a:rPr lang="en-US" i="1" dirty="0"/>
-              <a:t>Do</a:t>
-            </a:r>
-            <a:r>
-              <a:rPr lang="en-US" dirty="0"/>
-              <a:t> handle PII with special care</a:t>
-            </a:r>
-          </a:p>
-          <a:p>
-            <a:pPr lvl="1"/>
-            <a:r>
-              <a:rPr lang="en-US" i="1" dirty="0"/>
-              <a:t>Consider</a:t>
-            </a:r>
-            <a:r>
-              <a:rPr lang="en-US" dirty="0"/>
-              <a:t> encryption whenever you store PII</a:t>
-            </a:r>
-          </a:p>
-        </p:txBody>
-      </p:sp>
-      <p:sp>
-        <p:nvSpPr>
-          <p:cNvPr id="6" name="Text Placeholder 5">
-            <a:extLst>
-              <a:ext uri="{FF2B5EF4-FFF2-40B4-BE49-F238E27FC236}">
-                <a16:creationId xmlns:a16="http://schemas.microsoft.com/office/drawing/2014/main" id="{5F85290E-E916-44AA-AA55-F4748D8D074A}"/>
-              </a:ext>
-            </a:extLst>
-          </p:cNvPr>
-          <p:cNvSpPr>
-            <a:spLocks noGrp="1"/>
-          </p:cNvSpPr>
-          <p:nvPr>
-            <p:ph type="body" sz="quarter" idx="23"/>
-          </p:nvPr>
-        </p:nvSpPr>
-        <p:spPr/>
-        <p:txBody>
-          <a:bodyPr/>
-          <a:lstStyle/>
-          <a:p>
-            <a:endParaRPr lang="en-US"/>
-          </a:p>
-        </p:txBody>
-      </p:sp>
-    </p:spTree>
-    <p:extLst>
-      <p:ext uri="{BB962C8B-B14F-4D97-AF65-F5344CB8AC3E}">
-        <p14:creationId xmlns:p14="http://schemas.microsoft.com/office/powerpoint/2010/main" val="4110098816"/>
-      </p:ext>
-    </p:extLst>
-  </p:cSld>
-  <p:clrMapOvr>
-    <a:masterClrMapping/>
-  </p:clrMapOvr>
-  <mc:AlternateContent xmlns:mc="http://schemas.openxmlformats.org/markup-compatibility/2006">
-    <mc:Choice xmlns:p14="http://schemas.microsoft.com/office/powerpoint/2010/main" Requires="p14">
-      <p:transition spd="med" p14:dur="700">
-        <p:fade/>
-      </p:transition>
-    </mc:Choice>
-    <mc:Fallback>
-      <p:transition spd="med">
-        <p:fade/>
-      </p:transition>
-    </mc:Fallback>
-  </mc:AlternateContent>
-</p:sld>
-</file>
-
-<file path=ppt/slides/slide30.xml><?xml version="1.0" encoding="utf-8"?>
-<p:sld xmlns:a="http://schemas.openxmlformats.org/drawingml/2006/main" xmlns:r="http://schemas.openxmlformats.org/officeDocument/2006/relationships" xmlns:p="http://schemas.openxmlformats.org/presentationml/2006/main">
-  <p:cSld>
-    <p:spTree>
-      <p:nvGrpSpPr>
-        <p:cNvPr id="1" name=""/>
-        <p:cNvGrpSpPr/>
-        <p:nvPr/>
-      </p:nvGrpSpPr>
-      <p:grpSpPr>
-        <a:xfrm>
-          <a:off x="0" y="0"/>
-          <a:ext cx="0" cy="0"/>
-          <a:chOff x="0" y="0"/>
-          <a:chExt cx="0" cy="0"/>
-        </a:xfrm>
-      </p:grpSpPr>
-      <p:sp>
-        <p:nvSpPr>
-          <p:cNvPr id="5" name="Title 4">
-            <a:extLst>
-              <a:ext uri="{FF2B5EF4-FFF2-40B4-BE49-F238E27FC236}">
-                <a16:creationId xmlns:a16="http://schemas.microsoft.com/office/drawing/2014/main" id="{E6CB8BBB-36C6-4D3D-A80F-A442C41A249A}"/>
-              </a:ext>
-            </a:extLst>
-          </p:cNvPr>
-          <p:cNvSpPr>
-            <a:spLocks noGrp="1"/>
-          </p:cNvSpPr>
-          <p:nvPr>
-            <p:ph type="title"/>
-          </p:nvPr>
-        </p:nvSpPr>
-        <p:spPr/>
-        <p:txBody>
-          <a:bodyPr/>
-          <a:lstStyle/>
-          <a:p>
-            <a:r>
-              <a:rPr lang="de-AT" sz="4800" dirty="0"/>
-              <a:t>Database Security</a:t>
-            </a:r>
-          </a:p>
-        </p:txBody>
-      </p:sp>
-      <p:sp>
-        <p:nvSpPr>
-          <p:cNvPr id="6" name="Text Placeholder 5">
-            <a:extLst>
-              <a:ext uri="{FF2B5EF4-FFF2-40B4-BE49-F238E27FC236}">
-                <a16:creationId xmlns:a16="http://schemas.microsoft.com/office/drawing/2014/main" id="{C16EAF77-8FDB-40B2-8D34-7D443ACF1E07}"/>
-              </a:ext>
-            </a:extLst>
-          </p:cNvPr>
-          <p:cNvSpPr>
-            <a:spLocks noGrp="1"/>
-          </p:cNvSpPr>
-          <p:nvPr>
-            <p:ph type="body" sz="quarter" idx="25"/>
-          </p:nvPr>
-        </p:nvSpPr>
-        <p:spPr/>
-        <p:txBody>
-          <a:bodyPr/>
-          <a:lstStyle/>
-          <a:p>
-            <a:r>
-              <a:rPr lang="de-AT" dirty="0" err="1">
-                <a:solidFill>
-                  <a:srgbClr val="FF0000"/>
-                </a:solidFill>
-              </a:rPr>
-              <a:t>Beware</a:t>
-            </a:r>
-            <a:r>
-              <a:rPr lang="de-AT" dirty="0">
-                <a:solidFill>
-                  <a:srgbClr val="FF0000"/>
-                </a:solidFill>
-              </a:rPr>
-              <a:t> </a:t>
-            </a:r>
-            <a:r>
-              <a:rPr lang="de-AT" dirty="0" err="1">
-                <a:solidFill>
-                  <a:srgbClr val="FF0000"/>
-                </a:solidFill>
-              </a:rPr>
-              <a:t>of</a:t>
-            </a:r>
-            <a:r>
-              <a:rPr lang="de-AT" dirty="0">
-                <a:solidFill>
-                  <a:srgbClr val="FF0000"/>
-                </a:solidFill>
-              </a:rPr>
-              <a:t> SQL </a:t>
-            </a:r>
-            <a:r>
-              <a:rPr lang="de-AT" dirty="0" err="1">
-                <a:solidFill>
-                  <a:srgbClr val="FF0000"/>
-                </a:solidFill>
-              </a:rPr>
-              <a:t>Injections</a:t>
-            </a:r>
-            <a:endParaRPr lang="de-AT" dirty="0">
-              <a:solidFill>
-                <a:srgbClr val="FF0000"/>
-              </a:solidFill>
-            </a:endParaRPr>
-          </a:p>
-        </p:txBody>
-      </p:sp>
-    </p:spTree>
-    <p:extLst>
-      <p:ext uri="{BB962C8B-B14F-4D97-AF65-F5344CB8AC3E}">
-        <p14:creationId xmlns:p14="http://schemas.microsoft.com/office/powerpoint/2010/main" val="2417253432"/>
-      </p:ext>
-    </p:extLst>
-  </p:cSld>
-  <p:clrMapOvr>
-    <a:masterClrMapping/>
-  </p:clrMapOvr>
-  <mc:AlternateContent xmlns:mc="http://schemas.openxmlformats.org/markup-compatibility/2006">
-    <mc:Choice xmlns:p14="http://schemas.microsoft.com/office/powerpoint/2010/main" Requires="p14">
-      <p:transition spd="med" p14:dur="700">
-        <p:fade/>
-      </p:transition>
-    </mc:Choice>
-    <mc:Fallback>
+    <mc:Fallback xmlns="">
       <p:transition spd="med">
         <p:fade/>
       </p:transition>
@@ -16513,10 +16958,10 @@
       </p:grpSpPr>
       <p:sp>
         <p:nvSpPr>
-          <p:cNvPr id="4" name="Title 3">
+          <p:cNvPr id="2" name="Title 1">
             <a:extLst>
               <a:ext uri="{FF2B5EF4-FFF2-40B4-BE49-F238E27FC236}">
-                <a16:creationId xmlns:a16="http://schemas.microsoft.com/office/drawing/2014/main" id="{EF56800B-51DD-48AC-A016-2AA4D9D06BDC}"/>
+                <a16:creationId xmlns:a16="http://schemas.microsoft.com/office/drawing/2014/main" id="{DC43BE43-AA5F-4AB3-804D-D138339C1537}"/>
               </a:ext>
             </a:extLst>
           </p:cNvPr>
@@ -16533,18 +16978,18 @@
           <a:lstStyle/>
           <a:p>
             <a:r>
-              <a:rPr lang="en-US"/>
-              <a:t>Guidelines</a:t>
-            </a:r>
-          </a:p>
-        </p:txBody>
-      </p:sp>
-      <p:sp>
-        <p:nvSpPr>
-          <p:cNvPr id="5" name="Content Placeholder 4">
+              <a:rPr lang="en-US" dirty="0"/>
+              <a:t>Example</a:t>
+            </a:r>
+          </a:p>
+        </p:txBody>
+      </p:sp>
+      <p:sp>
+        <p:nvSpPr>
+          <p:cNvPr id="3" name="Content Placeholder 2">
             <a:extLst>
               <a:ext uri="{FF2B5EF4-FFF2-40B4-BE49-F238E27FC236}">
-                <a16:creationId xmlns:a16="http://schemas.microsoft.com/office/drawing/2014/main" id="{8CB97ECF-548D-4CD9-868A-B4ADD0990CE0}"/>
+                <a16:creationId xmlns:a16="http://schemas.microsoft.com/office/drawing/2014/main" id="{3BA7ADBB-1149-4BD6-B023-D5CB1B702CFB}"/>
               </a:ext>
             </a:extLst>
           </p:cNvPr>
@@ -16561,113 +17006,50 @@
           <a:lstStyle/>
           <a:p>
             <a:r>
-              <a:rPr lang="en-US" i="1" dirty="0"/>
-              <a:t>Do</a:t>
-            </a:r>
-            <a:r>
-              <a:rPr lang="en-US" dirty="0"/>
-              <a:t> use parameterized SQL commands</a:t>
+              <a:rPr lang="en-US" dirty="0"/>
+              <a:t>13-LoggingSerilog</a:t>
             </a:r>
           </a:p>
           <a:p>
             <a:pPr lvl="1"/>
             <a:r>
               <a:rPr lang="en-US" dirty="0"/>
-              <a:t>Sample: </a:t>
-            </a:r>
-            <a:r>
-              <a:rPr lang="en-US" i="1" dirty="0"/>
-              <a:t>09.2-KeyVaultManagedIdentity</a:t>
-            </a:r>
-          </a:p>
-          <a:p>
-            <a:r>
-              <a:rPr lang="en-US" i="1" dirty="0"/>
-              <a:t>Avoid</a:t>
-            </a:r>
-            <a:r>
-              <a:rPr lang="en-US" dirty="0"/>
-              <a:t> concatenating SQL strings with user inputs</a:t>
-            </a:r>
-          </a:p>
-          <a:p>
-            <a:r>
-              <a:rPr lang="en-US" i="1" dirty="0"/>
-              <a:t>Do</a:t>
-            </a:r>
-            <a:r>
-              <a:rPr lang="en-US" dirty="0"/>
-              <a:t> check user input</a:t>
+              <a:t>Add logging with </a:t>
+            </a:r>
+            <a:r>
+              <a:rPr lang="en-US" i="1" dirty="0" err="1"/>
+              <a:t>Serilog</a:t>
+            </a:r>
+            <a:r>
+              <a:rPr lang="en-US" dirty="0"/>
+              <a:t> to ASP.NET Core app</a:t>
             </a:r>
           </a:p>
           <a:p>
             <a:pPr lvl="1"/>
             <a:r>
               <a:rPr lang="en-US" dirty="0"/>
-              <a:t>E.g. regular expressions</a:t>
-            </a:r>
-          </a:p>
-          <a:p>
-            <a:r>
-              <a:rPr lang="en-US" i="1" dirty="0"/>
-              <a:t>Do</a:t>
-            </a:r>
-            <a:r>
-              <a:rPr lang="en-US" dirty="0"/>
-              <a:t> apply the </a:t>
+              <a:t>Includes log viewing with </a:t>
             </a:r>
             <a:r>
               <a:rPr lang="en-US" i="1" dirty="0">
                 <a:hlinkClick r:id="rId2"/>
               </a:rPr>
-              <a:t>principle of least privilege</a:t>
-            </a:r>
-            <a:r>
-              <a:rPr lang="en-US" dirty="0"/>
-              <a:t> (</a:t>
-            </a:r>
-            <a:r>
-              <a:rPr lang="en-US" i="1" dirty="0" err="1"/>
-              <a:t>PoLP</a:t>
-            </a:r>
-            <a:r>
-              <a:rPr lang="en-US" dirty="0"/>
-              <a:t>)</a:t>
-            </a:r>
-          </a:p>
-          <a:p>
-            <a:r>
-              <a:rPr lang="en-US" i="1" dirty="0"/>
-              <a:t>Consider </a:t>
-            </a:r>
-            <a:r>
-              <a:rPr lang="en-US" dirty="0"/>
-              <a:t>using an OR-Mapper like </a:t>
-            </a:r>
-            <a:r>
-              <a:rPr lang="en-US" i="1" dirty="0"/>
-              <a:t>Entity Framework</a:t>
-            </a:r>
-          </a:p>
-          <a:p>
-            <a:pPr lvl="1"/>
-            <a:r>
-              <a:rPr lang="en-US" dirty="0"/>
-              <a:t>Sample: </a:t>
-            </a:r>
-            <a:r>
-              <a:rPr lang="en-US" i="1" dirty="0"/>
-              <a:t>14-EntityFramework</a:t>
-            </a:r>
-          </a:p>
-        </p:txBody>
-      </p:sp>
-      <p:sp>
-        <p:nvSpPr>
-          <p:cNvPr id="6" name="Text Placeholder 5">
+              <a:t>Seq</a:t>
+            </a:r>
+            <a:endParaRPr lang="en-US" i="1" dirty="0"/>
+          </a:p>
+          <a:p>
+            <a:endParaRPr lang="en-US" dirty="0"/>
+          </a:p>
+        </p:txBody>
+      </p:sp>
+      <p:sp>
+        <p:nvSpPr>
+          <p:cNvPr id="4" name="Text Placeholder 3">
             <a:extLst>
               <a:ext uri="{FF2B5EF4-FFF2-40B4-BE49-F238E27FC236}">
-                <a16:creationId xmlns:a16="http://schemas.microsoft.com/office/drawing/2014/main" id="{BDBA1D12-E1DF-4135-8585-A9C2F902D608}"/>
+                <a16:creationId xmlns:a16="http://schemas.microsoft.com/office/drawing/2014/main" id="{1708EE3C-A981-42FC-9D4B-689B0EECE617}"/>
               </a:ext>
             </a:extLst>
           </p:cNvPr>
@@ -16690,20 +17072,20 @@
     </p:spTree>
     <p:extLst>
       <p:ext uri="{BB962C8B-B14F-4D97-AF65-F5344CB8AC3E}">
-        <p14:creationId xmlns:p14="http://schemas.microsoft.com/office/powerpoint/2010/main" val="2668544537"/>
+        <p14:creationId xmlns:p14="http://schemas.microsoft.com/office/powerpoint/2010/main" val="330773997"/>
       </p:ext>
     </p:extLst>
   </p:cSld>
   <p:clrMapOvr>
     <a:masterClrMapping/>
   </p:clrMapOvr>
-  <mc:AlternateContent xmlns:mc="http://schemas.openxmlformats.org/markup-compatibility/2006">
-    <mc:Choice xmlns:p14="http://schemas.microsoft.com/office/powerpoint/2010/main" Requires="p14">
+  <mc:AlternateContent xmlns:mc="http://schemas.openxmlformats.org/markup-compatibility/2006" xmlns:p14="http://schemas.microsoft.com/office/powerpoint/2010/main">
+    <mc:Choice Requires="p14">
       <p:transition spd="med" p14:dur="700">
         <p:fade/>
       </p:transition>
     </mc:Choice>
-    <mc:Fallback>
+    <mc:Fallback xmlns="">
       <p:transition spd="med">
         <p:fade/>
       </p:transition>
@@ -16731,10 +17113,10 @@
       </p:grpSpPr>
       <p:sp>
         <p:nvSpPr>
-          <p:cNvPr id="2" name="Title 1">
+          <p:cNvPr id="5" name="Title 4">
             <a:extLst>
               <a:ext uri="{FF2B5EF4-FFF2-40B4-BE49-F238E27FC236}">
-                <a16:creationId xmlns:a16="http://schemas.microsoft.com/office/drawing/2014/main" id="{16D341AC-0941-46BE-9AA6-3E3DEDD88F8D}"/>
+                <a16:creationId xmlns:a16="http://schemas.microsoft.com/office/drawing/2014/main" id="{E6CB8BBB-36C6-4D3D-A80F-A442C41A249A}"/>
               </a:ext>
             </a:extLst>
           </p:cNvPr>
@@ -16751,18 +17133,18 @@
           <a:lstStyle/>
           <a:p>
             <a:r>
-              <a:rPr lang="en-US"/>
-              <a:t>Database Encryption</a:t>
-            </a:r>
-          </a:p>
-        </p:txBody>
-      </p:sp>
-      <p:sp>
-        <p:nvSpPr>
-          <p:cNvPr id="3" name="Content Placeholder 2">
+              <a:rPr lang="de-AT" sz="4800" dirty="0"/>
+              <a:t>Database Security</a:t>
+            </a:r>
+          </a:p>
+        </p:txBody>
+      </p:sp>
+      <p:sp>
+        <p:nvSpPr>
+          <p:cNvPr id="6" name="Text Placeholder 5">
             <a:extLst>
               <a:ext uri="{FF2B5EF4-FFF2-40B4-BE49-F238E27FC236}">
-                <a16:creationId xmlns:a16="http://schemas.microsoft.com/office/drawing/2014/main" id="{60515366-00CC-4822-B3EE-6E10D1062B95}"/>
+                <a16:creationId xmlns:a16="http://schemas.microsoft.com/office/drawing/2014/main" id="{C16EAF77-8FDB-40B2-8D34-7D443ACF1E07}"/>
               </a:ext>
             </a:extLst>
           </p:cNvPr>
@@ -16770,7 +17152,7 @@
             <a:spLocks noGrp="1"/>
           </p:cNvSpPr>
           <p:nvPr>
-            <p:ph sz="quarter" idx="12"/>
+            <p:ph type="body" sz="quarter" idx="25"/>
           </p:nvPr>
         </p:nvSpPr>
         <p:spPr/>
@@ -16779,142 +17161,70 @@
           <a:lstStyle/>
           <a:p>
             <a:r>
-              <a:rPr lang="en-US"/>
-              <a:t>Always Encrypted (</a:t>
-            </a:r>
-            <a:r>
-              <a:rPr lang="en-US">
-                <a:hlinkClick r:id="rId2"/>
+              <a:rPr lang="de-AT" dirty="0" err="1">
+                <a:solidFill>
+                  <a:srgbClr val="FF0000"/>
+                </a:solidFill>
               </a:rPr>
-              <a:t>docs</a:t>
-            </a:r>
-            <a:r>
-              <a:rPr lang="en-US"/>
-              <a:t>)</a:t>
-            </a:r>
-          </a:p>
-          <a:p>
-            <a:pPr lvl="1"/>
-            <a:r>
-              <a:rPr lang="en-US"/>
-              <a:t>Client encrypts sensitive data inside client applications</a:t>
-            </a:r>
-          </a:p>
-          <a:p>
-            <a:pPr lvl="1"/>
-            <a:r>
-              <a:rPr lang="en-US"/>
-              <a:t>Never reveals the encryption keys to the DB</a:t>
-            </a:r>
-          </a:p>
-          <a:p>
-            <a:r>
-              <a:rPr lang="en-US"/>
-              <a:t>Transparent Data Encryption (</a:t>
-            </a:r>
-            <a:r>
-              <a:rPr lang="en-US">
-                <a:hlinkClick r:id="rId3"/>
+              <a:t>Beware</a:t>
+            </a:r>
+            <a:r>
+              <a:rPr lang="de-AT" dirty="0">
+                <a:solidFill>
+                  <a:srgbClr val="FF0000"/>
+                </a:solidFill>
               </a:rPr>
-              <a:t>docs</a:t>
-            </a:r>
-            <a:r>
-              <a:rPr lang="en-US"/>
-              <a:t>)</a:t>
-            </a:r>
-          </a:p>
-          <a:p>
-            <a:pPr lvl="1"/>
-            <a:r>
-              <a:rPr lang="en-US"/>
-              <a:t>Real-time I/O encryption and decryption of the data and log files</a:t>
-            </a:r>
-          </a:p>
-          <a:p>
-            <a:pPr lvl="1"/>
-            <a:r>
-              <a:rPr lang="en-US"/>
-              <a:t>Make stolen physical storage media useless</a:t>
-            </a:r>
-          </a:p>
-          <a:p>
-            <a:r>
-              <a:rPr lang="en-US"/>
-              <a:t>Encrypted DB Connections (</a:t>
-            </a:r>
-            <a:r>
-              <a:rPr lang="en-US">
-                <a:hlinkClick r:id="rId4"/>
+              <a:t> </a:t>
+            </a:r>
+            <a:r>
+              <a:rPr lang="de-AT" dirty="0" err="1">
+                <a:solidFill>
+                  <a:srgbClr val="FF0000"/>
+                </a:solidFill>
               </a:rPr>
-              <a:t>docs</a:t>
-            </a:r>
-            <a:r>
-              <a:rPr lang="en-US"/>
-              <a:t>)</a:t>
-            </a:r>
-          </a:p>
-          <a:p>
-            <a:pPr lvl="1"/>
-            <a:r>
-              <a:rPr lang="en-US"/>
-              <a:t>Use certificate to encrypt DB connections</a:t>
-            </a:r>
-          </a:p>
-          <a:p>
-            <a:pPr lvl="1"/>
-            <a:r>
-              <a:rPr lang="en-US"/>
-              <a:t>Automatically done in </a:t>
-            </a:r>
-            <a:r>
-              <a:rPr lang="en-US" i="1"/>
-              <a:t>Azure SQL Database</a:t>
-            </a:r>
-          </a:p>
-        </p:txBody>
-      </p:sp>
-      <p:sp>
-        <p:nvSpPr>
-          <p:cNvPr id="4" name="Text Placeholder 3">
-            <a:extLst>
-              <a:ext uri="{FF2B5EF4-FFF2-40B4-BE49-F238E27FC236}">
-                <a16:creationId xmlns:a16="http://schemas.microsoft.com/office/drawing/2014/main" id="{7E99AB00-234F-4B13-9FA0-B922B3AE5706}"/>
-              </a:ext>
-            </a:extLst>
-          </p:cNvPr>
-          <p:cNvSpPr>
-            <a:spLocks noGrp="1"/>
-          </p:cNvSpPr>
-          <p:nvPr>
-            <p:ph type="body" sz="quarter" idx="23"/>
-          </p:nvPr>
-        </p:nvSpPr>
-        <p:spPr/>
-        <p:txBody>
-          <a:bodyPr/>
-          <a:lstStyle/>
-          <a:p>
-            <a:endParaRPr lang="en-US"/>
+              <a:t>of</a:t>
+            </a:r>
+            <a:r>
+              <a:rPr lang="de-AT" dirty="0">
+                <a:solidFill>
+                  <a:srgbClr val="FF0000"/>
+                </a:solidFill>
+              </a:rPr>
+              <a:t> SQL </a:t>
+            </a:r>
+            <a:r>
+              <a:rPr lang="de-AT" dirty="0" err="1">
+                <a:solidFill>
+                  <a:srgbClr val="FF0000"/>
+                </a:solidFill>
+              </a:rPr>
+              <a:t>Injections</a:t>
+            </a:r>
+            <a:endParaRPr lang="de-AT" dirty="0">
+              <a:solidFill>
+                <a:srgbClr val="FF0000"/>
+              </a:solidFill>
+            </a:endParaRPr>
           </a:p>
         </p:txBody>
       </p:sp>
     </p:spTree>
     <p:extLst>
       <p:ext uri="{BB962C8B-B14F-4D97-AF65-F5344CB8AC3E}">
-        <p14:creationId xmlns:p14="http://schemas.microsoft.com/office/powerpoint/2010/main" val="3088701966"/>
+        <p14:creationId xmlns:p14="http://schemas.microsoft.com/office/powerpoint/2010/main" val="2417253432"/>
       </p:ext>
     </p:extLst>
   </p:cSld>
   <p:clrMapOvr>
     <a:masterClrMapping/>
   </p:clrMapOvr>
-  <mc:AlternateContent xmlns:mc="http://schemas.openxmlformats.org/markup-compatibility/2006">
-    <mc:Choice xmlns:p14="http://schemas.microsoft.com/office/powerpoint/2010/main" Requires="p14">
+  <mc:AlternateContent xmlns:mc="http://schemas.openxmlformats.org/markup-compatibility/2006" xmlns:p14="http://schemas.microsoft.com/office/powerpoint/2010/main">
+    <mc:Choice Requires="p14">
       <p:transition spd="med" p14:dur="700">
         <p:fade/>
       </p:transition>
     </mc:Choice>
-    <mc:Fallback>
+    <mc:Fallback xmlns="">
       <p:transition spd="med">
         <p:fade/>
       </p:transition>
@@ -16942,10 +17252,10 @@
       </p:grpSpPr>
       <p:sp>
         <p:nvSpPr>
-          <p:cNvPr id="2" name="Title 1">
+          <p:cNvPr id="4" name="Title 3">
             <a:extLst>
               <a:ext uri="{FF2B5EF4-FFF2-40B4-BE49-F238E27FC236}">
-                <a16:creationId xmlns:a16="http://schemas.microsoft.com/office/drawing/2014/main" id="{16D341AC-0941-46BE-9AA6-3E3DEDD88F8D}"/>
+                <a16:creationId xmlns:a16="http://schemas.microsoft.com/office/drawing/2014/main" id="{EF56800B-51DD-48AC-A016-2AA4D9D06BDC}"/>
               </a:ext>
             </a:extLst>
           </p:cNvPr>
@@ -16963,17 +17273,17 @@
           <a:p>
             <a:r>
               <a:rPr lang="en-US"/>
-              <a:t>Data Protection</a:t>
-            </a:r>
-          </a:p>
-        </p:txBody>
-      </p:sp>
-      <p:sp>
-        <p:nvSpPr>
-          <p:cNvPr id="3" name="Content Placeholder 2">
+              <a:t>Guidelines</a:t>
+            </a:r>
+          </a:p>
+        </p:txBody>
+      </p:sp>
+      <p:sp>
+        <p:nvSpPr>
+          <p:cNvPr id="5" name="Content Placeholder 4">
             <a:extLst>
               <a:ext uri="{FF2B5EF4-FFF2-40B4-BE49-F238E27FC236}">
-                <a16:creationId xmlns:a16="http://schemas.microsoft.com/office/drawing/2014/main" id="{60515366-00CC-4822-B3EE-6E10D1062B95}"/>
+                <a16:creationId xmlns:a16="http://schemas.microsoft.com/office/drawing/2014/main" id="{8CB97ECF-548D-4CD9-868A-B4ADD0990CE0}"/>
               </a:ext>
             </a:extLst>
           </p:cNvPr>
@@ -16990,35 +17300,113 @@
           <a:lstStyle/>
           <a:p>
             <a:r>
-              <a:rPr lang="en-US"/>
-              <a:t>Dynamic Data Masking (</a:t>
-            </a:r>
-            <a:r>
-              <a:rPr lang="en-US">
+              <a:rPr lang="en-US" i="1" dirty="0"/>
+              <a:t>Do</a:t>
+            </a:r>
+            <a:r>
+              <a:rPr lang="en-US" dirty="0"/>
+              <a:t> use parameterized SQL commands</a:t>
+            </a:r>
+          </a:p>
+          <a:p>
+            <a:pPr lvl="1"/>
+            <a:r>
+              <a:rPr lang="en-US" dirty="0"/>
+              <a:t>Sample: </a:t>
+            </a:r>
+            <a:r>
+              <a:rPr lang="en-US" i="1" dirty="0"/>
+              <a:t>09.2-KeyVaultManagedIdentity</a:t>
+            </a:r>
+          </a:p>
+          <a:p>
+            <a:r>
+              <a:rPr lang="en-US" i="1" dirty="0"/>
+              <a:t>Avoid</a:t>
+            </a:r>
+            <a:r>
+              <a:rPr lang="en-US" dirty="0"/>
+              <a:t> concatenating SQL strings with user inputs</a:t>
+            </a:r>
+          </a:p>
+          <a:p>
+            <a:r>
+              <a:rPr lang="en-US" i="1" dirty="0"/>
+              <a:t>Do</a:t>
+            </a:r>
+            <a:r>
+              <a:rPr lang="en-US" dirty="0"/>
+              <a:t> check user input</a:t>
+            </a:r>
+          </a:p>
+          <a:p>
+            <a:pPr lvl="1"/>
+            <a:r>
+              <a:rPr lang="en-US" dirty="0"/>
+              <a:t>E.g. regular expressions</a:t>
+            </a:r>
+          </a:p>
+          <a:p>
+            <a:r>
+              <a:rPr lang="en-US" i="1" dirty="0"/>
+              <a:t>Do</a:t>
+            </a:r>
+            <a:r>
+              <a:rPr lang="en-US" dirty="0"/>
+              <a:t> apply the </a:t>
+            </a:r>
+            <a:r>
+              <a:rPr lang="en-US" i="1" dirty="0">
                 <a:hlinkClick r:id="rId2"/>
               </a:rPr>
-              <a:t>docs</a:t>
-            </a:r>
-            <a:r>
-              <a:rPr lang="en-US"/>
+              <a:t>principle of least privilege</a:t>
+            </a:r>
+            <a:r>
+              <a:rPr lang="en-US" dirty="0"/>
+              <a:t> (</a:t>
+            </a:r>
+            <a:r>
+              <a:rPr lang="en-US" i="1" dirty="0" err="1"/>
+              <a:t>PoLP</a:t>
+            </a:r>
+            <a:r>
+              <a:rPr lang="en-US" dirty="0"/>
               <a:t>)</a:t>
             </a:r>
           </a:p>
           <a:p>
+            <a:r>
+              <a:rPr lang="en-US" i="1" dirty="0"/>
+              <a:t>Consider </a:t>
+            </a:r>
+            <a:r>
+              <a:rPr lang="en-US" dirty="0"/>
+              <a:t>using an OR-Mapper like </a:t>
+            </a:r>
+            <a:r>
+              <a:rPr lang="en-US" i="1" dirty="0"/>
+              <a:t>Entity Framework</a:t>
+            </a:r>
+          </a:p>
+          <a:p>
             <a:pPr lvl="1"/>
             <a:r>
-              <a:rPr lang="en-US"/>
-              <a:t>Limits sensitive data exposure by masking it to non-privileged users</a:t>
-            </a:r>
-          </a:p>
-        </p:txBody>
-      </p:sp>
-      <p:sp>
-        <p:nvSpPr>
-          <p:cNvPr id="4" name="Text Placeholder 3">
+              <a:rPr lang="en-US" dirty="0"/>
+              <a:t>Sample: </a:t>
+            </a:r>
+            <a:r>
+              <a:rPr lang="en-US" i="1" dirty="0"/>
+              <a:t>14-EntityFramework</a:t>
+            </a:r>
+          </a:p>
+        </p:txBody>
+      </p:sp>
+      <p:sp>
+        <p:nvSpPr>
+          <p:cNvPr id="6" name="Text Placeholder 5">
             <a:extLst>
               <a:ext uri="{FF2B5EF4-FFF2-40B4-BE49-F238E27FC236}">
-                <a16:creationId xmlns:a16="http://schemas.microsoft.com/office/drawing/2014/main" id="{7E99AB00-234F-4B13-9FA0-B922B3AE5706}"/>
+                <a16:creationId xmlns:a16="http://schemas.microsoft.com/office/drawing/2014/main" id="{BDBA1D12-E1DF-4135-8585-A9C2F902D608}"/>
               </a:ext>
             </a:extLst>
           </p:cNvPr>
@@ -17041,20 +17429,20 @@
     </p:spTree>
     <p:extLst>
       <p:ext uri="{BB962C8B-B14F-4D97-AF65-F5344CB8AC3E}">
-        <p14:creationId xmlns:p14="http://schemas.microsoft.com/office/powerpoint/2010/main" val="4259697926"/>
+        <p14:creationId xmlns:p14="http://schemas.microsoft.com/office/powerpoint/2010/main" val="2668544537"/>
       </p:ext>
     </p:extLst>
   </p:cSld>
   <p:clrMapOvr>
     <a:masterClrMapping/>
   </p:clrMapOvr>
-  <mc:AlternateContent xmlns:mc="http://schemas.openxmlformats.org/markup-compatibility/2006">
-    <mc:Choice xmlns:p14="http://schemas.microsoft.com/office/powerpoint/2010/main" Requires="p14">
+  <mc:AlternateContent xmlns:mc="http://schemas.openxmlformats.org/markup-compatibility/2006" xmlns:p14="http://schemas.microsoft.com/office/powerpoint/2010/main">
+    <mc:Choice Requires="p14">
       <p:transition spd="med" p14:dur="700">
         <p:fade/>
       </p:transition>
     </mc:Choice>
-    <mc:Fallback>
+    <mc:Fallback xmlns="">
       <p:transition spd="med">
         <p:fade/>
       </p:transition>
@@ -17082,10 +17470,10 @@
       </p:grpSpPr>
       <p:sp>
         <p:nvSpPr>
-          <p:cNvPr id="5" name="Title 4">
+          <p:cNvPr id="2" name="Title 1">
             <a:extLst>
               <a:ext uri="{FF2B5EF4-FFF2-40B4-BE49-F238E27FC236}">
-                <a16:creationId xmlns:a16="http://schemas.microsoft.com/office/drawing/2014/main" id="{A46A5341-2F4F-4102-A453-96D7D4E0CB23}"/>
+                <a16:creationId xmlns:a16="http://schemas.microsoft.com/office/drawing/2014/main" id="{16D341AC-0941-46BE-9AA6-3E3DEDD88F8D}"/>
               </a:ext>
             </a:extLst>
           </p:cNvPr>
@@ -17102,18 +17490,18 @@
           <a:lstStyle/>
           <a:p>
             <a:r>
-              <a:rPr lang="de-AT" dirty="0"/>
-              <a:t>Roslyn Code Analyzer</a:t>
-            </a:r>
-          </a:p>
-        </p:txBody>
-      </p:sp>
-      <p:sp>
-        <p:nvSpPr>
-          <p:cNvPr id="6" name="Text Placeholder 5">
+              <a:rPr lang="en-US"/>
+              <a:t>Database Encryption</a:t>
+            </a:r>
+          </a:p>
+        </p:txBody>
+      </p:sp>
+      <p:sp>
+        <p:nvSpPr>
+          <p:cNvPr id="3" name="Content Placeholder 2">
             <a:extLst>
               <a:ext uri="{FF2B5EF4-FFF2-40B4-BE49-F238E27FC236}">
-                <a16:creationId xmlns:a16="http://schemas.microsoft.com/office/drawing/2014/main" id="{E4A7D14D-CE81-4A68-9E06-09B8060DDD62}"/>
+                <a16:creationId xmlns:a16="http://schemas.microsoft.com/office/drawing/2014/main" id="{60515366-00CC-4822-B3EE-6E10D1062B95}"/>
               </a:ext>
             </a:extLst>
           </p:cNvPr>
@@ -17121,7 +17509,7 @@
             <a:spLocks noGrp="1"/>
           </p:cNvSpPr>
           <p:nvPr>
-            <p:ph type="body" sz="quarter" idx="25"/>
+            <p:ph sz="quarter" idx="12"/>
           </p:nvPr>
         </p:nvSpPr>
         <p:spPr/>
@@ -17129,27 +17517,143 @@
           <a:bodyPr/>
           <a:lstStyle/>
           <a:p>
-            <a:endParaRPr lang="de-AT"/>
+            <a:r>
+              <a:rPr lang="en-US"/>
+              <a:t>Always Encrypted (</a:t>
+            </a:r>
+            <a:r>
+              <a:rPr lang="en-US">
+                <a:hlinkClick r:id="rId2"/>
+              </a:rPr>
+              <a:t>docs</a:t>
+            </a:r>
+            <a:r>
+              <a:rPr lang="en-US"/>
+              <a:t>)</a:t>
+            </a:r>
+          </a:p>
+          <a:p>
+            <a:pPr lvl="1"/>
+            <a:r>
+              <a:rPr lang="en-US"/>
+              <a:t>Client encrypts sensitive data inside client applications</a:t>
+            </a:r>
+          </a:p>
+          <a:p>
+            <a:pPr lvl="1"/>
+            <a:r>
+              <a:rPr lang="en-US"/>
+              <a:t>Never reveals the encryption keys to the DB</a:t>
+            </a:r>
+          </a:p>
+          <a:p>
+            <a:r>
+              <a:rPr lang="en-US"/>
+              <a:t>Transparent Data Encryption (</a:t>
+            </a:r>
+            <a:r>
+              <a:rPr lang="en-US">
+                <a:hlinkClick r:id="rId3"/>
+              </a:rPr>
+              <a:t>docs</a:t>
+            </a:r>
+            <a:r>
+              <a:rPr lang="en-US"/>
+              <a:t>)</a:t>
+            </a:r>
+          </a:p>
+          <a:p>
+            <a:pPr lvl="1"/>
+            <a:r>
+              <a:rPr lang="en-US"/>
+              <a:t>Real-time I/O encryption and decryption of the data and log files</a:t>
+            </a:r>
+          </a:p>
+          <a:p>
+            <a:pPr lvl="1"/>
+            <a:r>
+              <a:rPr lang="en-US"/>
+              <a:t>Make stolen physical storage media useless</a:t>
+            </a:r>
+          </a:p>
+          <a:p>
+            <a:r>
+              <a:rPr lang="en-US"/>
+              <a:t>Encrypted DB Connections (</a:t>
+            </a:r>
+            <a:r>
+              <a:rPr lang="en-US">
+                <a:hlinkClick r:id="rId4"/>
+              </a:rPr>
+              <a:t>docs</a:t>
+            </a:r>
+            <a:r>
+              <a:rPr lang="en-US"/>
+              <a:t>)</a:t>
+            </a:r>
+          </a:p>
+          <a:p>
+            <a:pPr lvl="1"/>
+            <a:r>
+              <a:rPr lang="en-US"/>
+              <a:t>Use certificate to encrypt DB connections</a:t>
+            </a:r>
+          </a:p>
+          <a:p>
+            <a:pPr lvl="1"/>
+            <a:r>
+              <a:rPr lang="en-US"/>
+              <a:t>Automatically done in </a:t>
+            </a:r>
+            <a:r>
+              <a:rPr lang="en-US" i="1"/>
+              <a:t>Azure SQL Database</a:t>
+            </a:r>
+          </a:p>
+        </p:txBody>
+      </p:sp>
+      <p:sp>
+        <p:nvSpPr>
+          <p:cNvPr id="4" name="Text Placeholder 3">
+            <a:extLst>
+              <a:ext uri="{FF2B5EF4-FFF2-40B4-BE49-F238E27FC236}">
+                <a16:creationId xmlns:a16="http://schemas.microsoft.com/office/drawing/2014/main" id="{7E99AB00-234F-4B13-9FA0-B922B3AE5706}"/>
+              </a:ext>
+            </a:extLst>
+          </p:cNvPr>
+          <p:cNvSpPr>
+            <a:spLocks noGrp="1"/>
+          </p:cNvSpPr>
+          <p:nvPr>
+            <p:ph type="body" sz="quarter" idx="23"/>
+          </p:nvPr>
+        </p:nvSpPr>
+        <p:spPr/>
+        <p:txBody>
+          <a:bodyPr/>
+          <a:lstStyle/>
+          <a:p>
+            <a:endParaRPr lang="en-US"/>
           </a:p>
         </p:txBody>
       </p:sp>
     </p:spTree>
     <p:extLst>
       <p:ext uri="{BB962C8B-B14F-4D97-AF65-F5344CB8AC3E}">
-        <p14:creationId xmlns:p14="http://schemas.microsoft.com/office/powerpoint/2010/main" val="2396592579"/>
+        <p14:creationId xmlns:p14="http://schemas.microsoft.com/office/powerpoint/2010/main" val="3088701966"/>
       </p:ext>
     </p:extLst>
   </p:cSld>
   <p:clrMapOvr>
     <a:masterClrMapping/>
   </p:clrMapOvr>
-  <mc:AlternateContent xmlns:mc="http://schemas.openxmlformats.org/markup-compatibility/2006">
-    <mc:Choice xmlns:p14="http://schemas.microsoft.com/office/powerpoint/2010/main" Requires="p14">
+  <mc:AlternateContent xmlns:mc="http://schemas.openxmlformats.org/markup-compatibility/2006" xmlns:p14="http://schemas.microsoft.com/office/powerpoint/2010/main">
+    <mc:Choice Requires="p14">
       <p:transition spd="med" p14:dur="700">
         <p:fade/>
       </p:transition>
     </mc:Choice>
-    <mc:Fallback>
+    <mc:Fallback xmlns="">
       <p:transition spd="med">
         <p:fade/>
       </p:transition>
@@ -17177,10 +17681,10 @@
       </p:grpSpPr>
       <p:sp>
         <p:nvSpPr>
-          <p:cNvPr id="4" name="Title 3">
+          <p:cNvPr id="2" name="Title 1">
             <a:extLst>
               <a:ext uri="{FF2B5EF4-FFF2-40B4-BE49-F238E27FC236}">
-                <a16:creationId xmlns:a16="http://schemas.microsoft.com/office/drawing/2014/main" id="{6DB64B3B-AC0B-432E-A2CF-CA03B406A2C2}"/>
+                <a16:creationId xmlns:a16="http://schemas.microsoft.com/office/drawing/2014/main" id="{16D341AC-0941-46BE-9AA6-3E3DEDD88F8D}"/>
               </a:ext>
             </a:extLst>
           </p:cNvPr>
@@ -17198,17 +17702,17 @@
           <a:p>
             <a:r>
               <a:rPr lang="en-US"/>
-              <a:t>Overview</a:t>
-            </a:r>
-          </a:p>
-        </p:txBody>
-      </p:sp>
-      <p:sp>
-        <p:nvSpPr>
-          <p:cNvPr id="5" name="Content Placeholder 4">
+              <a:t>Data Protection</a:t>
+            </a:r>
+          </a:p>
+        </p:txBody>
+      </p:sp>
+      <p:sp>
+        <p:nvSpPr>
+          <p:cNvPr id="3" name="Content Placeholder 2">
             <a:extLst>
               <a:ext uri="{FF2B5EF4-FFF2-40B4-BE49-F238E27FC236}">
-                <a16:creationId xmlns:a16="http://schemas.microsoft.com/office/drawing/2014/main" id="{5AC28F26-75E2-4F77-8515-3ED5976E9289}"/>
+                <a16:creationId xmlns:a16="http://schemas.microsoft.com/office/drawing/2014/main" id="{60515366-00CC-4822-B3EE-6E10D1062B95}"/>
               </a:ext>
             </a:extLst>
           </p:cNvPr>
@@ -17225,95 +17729,35 @@
           <a:lstStyle/>
           <a:p>
             <a:r>
-              <a:rPr lang="en-US" dirty="0"/>
-              <a:t>Analyzes code for style, quality and maintainability, design, and other issues</a:t>
-            </a:r>
-          </a:p>
-          <a:p>
-            <a:r>
-              <a:rPr lang="en-US" dirty="0"/>
-              <a:t>Built-in analyzers in VS</a:t>
-            </a:r>
-          </a:p>
-          <a:p>
-            <a:pPr lvl="1"/>
-            <a:r>
-              <a:rPr lang="en-US" dirty="0"/>
-              <a:t>Configure in options and </a:t>
-            </a:r>
-            <a:r>
-              <a:rPr lang="en-US" i="1" dirty="0"/>
-              <a:t>.</a:t>
-            </a:r>
-            <a:r>
-              <a:rPr lang="en-US" i="1" dirty="0" err="1"/>
-              <a:t>editorconfig</a:t>
-            </a:r>
-            <a:endParaRPr lang="en-US" dirty="0"/>
-          </a:p>
-          <a:p>
-            <a:r>
-              <a:rPr lang="en-US" dirty="0"/>
-              <a:t>Install additional analyzers with NuGet</a:t>
-            </a:r>
-          </a:p>
-          <a:p>
-            <a:pPr lvl="1"/>
-            <a:r>
-              <a:rPr lang="en-US" dirty="0"/>
-              <a:t>E.g. </a:t>
-            </a:r>
-            <a:r>
-              <a:rPr lang="en-US" i="1" dirty="0" err="1"/>
-              <a:t>FxCopAnalyzers</a:t>
-            </a:r>
-            <a:r>
-              <a:rPr lang="en-US" dirty="0"/>
-              <a:t> (</a:t>
-            </a:r>
-            <a:r>
-              <a:rPr lang="en-US" dirty="0">
+              <a:rPr lang="en-US"/>
+              <a:t>Dynamic Data Masking (</a:t>
+            </a:r>
+            <a:r>
+              <a:rPr lang="en-US">
                 <a:hlinkClick r:id="rId2"/>
               </a:rPr>
               <a:t>docs</a:t>
             </a:r>
             <a:r>
-              <a:rPr lang="en-US" dirty="0"/>
+              <a:rPr lang="en-US"/>
               <a:t>)</a:t>
             </a:r>
           </a:p>
           <a:p>
-            <a:r>
-              <a:rPr lang="en-US" dirty="0"/>
-              <a:t>Sample: </a:t>
-            </a:r>
-            <a:r>
-              <a:rPr lang="en-US" i="1" dirty="0"/>
-              <a:t>15-StaticCodeAnalysis</a:t>
-            </a:r>
-          </a:p>
-          <a:p>
             <a:pPr lvl="1"/>
             <a:r>
-              <a:rPr lang="en-US" dirty="0"/>
-              <a:t>Detection of SQL Injection with code analysis</a:t>
-            </a:r>
-          </a:p>
-          <a:p>
-            <a:pPr lvl="1"/>
-            <a:r>
-              <a:rPr lang="en-US" dirty="0"/>
-              <a:t>Suppression management</a:t>
-            </a:r>
-          </a:p>
-        </p:txBody>
-      </p:sp>
-      <p:sp>
-        <p:nvSpPr>
-          <p:cNvPr id="6" name="Text Placeholder 5">
+              <a:rPr lang="en-US"/>
+              <a:t>Limits sensitive data exposure by masking it to non-privileged users</a:t>
+            </a:r>
+          </a:p>
+        </p:txBody>
+      </p:sp>
+      <p:sp>
+        <p:nvSpPr>
+          <p:cNvPr id="4" name="Text Placeholder 3">
             <a:extLst>
               <a:ext uri="{FF2B5EF4-FFF2-40B4-BE49-F238E27FC236}">
-                <a16:creationId xmlns:a16="http://schemas.microsoft.com/office/drawing/2014/main" id="{D87EE51F-9B6C-44B5-9421-F390D31DB605}"/>
+                <a16:creationId xmlns:a16="http://schemas.microsoft.com/office/drawing/2014/main" id="{7E99AB00-234F-4B13-9FA0-B922B3AE5706}"/>
               </a:ext>
             </a:extLst>
           </p:cNvPr>
@@ -17329,16 +17773,6 @@
           <a:bodyPr/>
           <a:lstStyle/>
           <a:p>
-            <a:r>
-              <a:rPr lang="en-US"/>
-              <a:t>See also </a:t>
-            </a:r>
-            <a:r>
-              <a:rPr lang="en-US">
-                <a:hlinkClick r:id="rId3"/>
-              </a:rPr>
-              <a:t>https://docs.microsoft.com/en-us/visualstudio/code-quality/roslyn-analyzers-overview?view=vs-2019</a:t>
-            </a:r>
             <a:endParaRPr lang="en-US"/>
           </a:p>
         </p:txBody>
@@ -17346,20 +17780,20 @@
     </p:spTree>
     <p:extLst>
       <p:ext uri="{BB962C8B-B14F-4D97-AF65-F5344CB8AC3E}">
-        <p14:creationId xmlns:p14="http://schemas.microsoft.com/office/powerpoint/2010/main" val="1125906263"/>
+        <p14:creationId xmlns:p14="http://schemas.microsoft.com/office/powerpoint/2010/main" val="4259697926"/>
       </p:ext>
     </p:extLst>
   </p:cSld>
   <p:clrMapOvr>
     <a:masterClrMapping/>
   </p:clrMapOvr>
-  <mc:AlternateContent xmlns:mc="http://schemas.openxmlformats.org/markup-compatibility/2006">
-    <mc:Choice xmlns:p14="http://schemas.microsoft.com/office/powerpoint/2010/main" Requires="p14">
+  <mc:AlternateContent xmlns:mc="http://schemas.openxmlformats.org/markup-compatibility/2006" xmlns:p14="http://schemas.microsoft.com/office/powerpoint/2010/main">
+    <mc:Choice Requires="p14">
       <p:transition spd="med" p14:dur="700">
         <p:fade/>
       </p:transition>
     </mc:Choice>
-    <mc:Fallback>
+    <mc:Fallback xmlns="">
       <p:transition spd="med">
         <p:fade/>
       </p:transition>
@@ -17390,7 +17824,7 @@
           <p:cNvPr id="5" name="Title 4">
             <a:extLst>
               <a:ext uri="{FF2B5EF4-FFF2-40B4-BE49-F238E27FC236}">
-                <a16:creationId xmlns:a16="http://schemas.microsoft.com/office/drawing/2014/main" id="{5B0E2B9B-3CEE-45D9-93FD-B5E4487641C2}"/>
+                <a16:creationId xmlns:a16="http://schemas.microsoft.com/office/drawing/2014/main" id="{A46A5341-2F4F-4102-A453-96D7D4E0CB23}"/>
               </a:ext>
             </a:extLst>
           </p:cNvPr>
@@ -17408,7 +17842,7 @@
           <a:p>
             <a:r>
               <a:rPr lang="de-AT" dirty="0"/>
-              <a:t>Further Readings</a:t>
+              <a:t>Roslyn Code Analyzer</a:t>
             </a:r>
           </a:p>
         </p:txBody>
@@ -17418,7 +17852,7 @@
           <p:cNvPr id="6" name="Text Placeholder 5">
             <a:extLst>
               <a:ext uri="{FF2B5EF4-FFF2-40B4-BE49-F238E27FC236}">
-                <a16:creationId xmlns:a16="http://schemas.microsoft.com/office/drawing/2014/main" id="{B42D75CD-039E-445E-B809-510DD083C142}"/>
+                <a16:creationId xmlns:a16="http://schemas.microsoft.com/office/drawing/2014/main" id="{E4A7D14D-CE81-4A68-9E06-09B8060DDD62}"/>
               </a:ext>
             </a:extLst>
           </p:cNvPr>
@@ -17441,20 +17875,20 @@
     </p:spTree>
     <p:extLst>
       <p:ext uri="{BB962C8B-B14F-4D97-AF65-F5344CB8AC3E}">
-        <p14:creationId xmlns:p14="http://schemas.microsoft.com/office/powerpoint/2010/main" val="1596752289"/>
+        <p14:creationId xmlns:p14="http://schemas.microsoft.com/office/powerpoint/2010/main" val="2396592579"/>
       </p:ext>
     </p:extLst>
   </p:cSld>
   <p:clrMapOvr>
     <a:masterClrMapping/>
   </p:clrMapOvr>
-  <mc:AlternateContent xmlns:mc="http://schemas.openxmlformats.org/markup-compatibility/2006">
-    <mc:Choice xmlns:p14="http://schemas.microsoft.com/office/powerpoint/2010/main" Requires="p14">
+  <mc:AlternateContent xmlns:mc="http://schemas.openxmlformats.org/markup-compatibility/2006" xmlns:p14="http://schemas.microsoft.com/office/powerpoint/2010/main">
+    <mc:Choice Requires="p14">
       <p:transition spd="med" p14:dur="700">
         <p:fade/>
       </p:transition>
     </mc:Choice>
-    <mc:Fallback>
+    <mc:Fallback xmlns="">
       <p:transition spd="med">
         <p:fade/>
       </p:transition>
@@ -17485,7 +17919,7 @@
           <p:cNvPr id="4" name="Title 3">
             <a:extLst>
               <a:ext uri="{FF2B5EF4-FFF2-40B4-BE49-F238E27FC236}">
-                <a16:creationId xmlns:a16="http://schemas.microsoft.com/office/drawing/2014/main" id="{10B47517-2349-48AD-942A-4E9A9FDF1D1C}"/>
+                <a16:creationId xmlns:a16="http://schemas.microsoft.com/office/drawing/2014/main" id="{6DB64B3B-AC0B-432E-A2CF-CA03B406A2C2}"/>
               </a:ext>
             </a:extLst>
           </p:cNvPr>
@@ -17502,8 +17936,8 @@
           <a:lstStyle/>
           <a:p>
             <a:r>
-              <a:rPr lang="de-AT" dirty="0"/>
-              <a:t>Further Readings</a:t>
+              <a:rPr lang="en-US"/>
+              <a:t>Overview</a:t>
             </a:r>
           </a:p>
         </p:txBody>
@@ -17513,7 +17947,7 @@
           <p:cNvPr id="5" name="Content Placeholder 4">
             <a:extLst>
               <a:ext uri="{FF2B5EF4-FFF2-40B4-BE49-F238E27FC236}">
-                <a16:creationId xmlns:a16="http://schemas.microsoft.com/office/drawing/2014/main" id="{B629D99D-AA5E-4F68-BDBD-D56090F410FF}"/>
+                <a16:creationId xmlns:a16="http://schemas.microsoft.com/office/drawing/2014/main" id="{5AC28F26-75E2-4F77-8515-3ED5976E9289}"/>
               </a:ext>
             </a:extLst>
           </p:cNvPr>
@@ -17530,48 +17964,86 @@
           <a:lstStyle/>
           <a:p>
             <a:r>
+              <a:rPr lang="en-US" dirty="0"/>
+              <a:t>Analyzes code for style, quality and maintainability, design, and other issues</a:t>
+            </a:r>
+          </a:p>
+          <a:p>
+            <a:r>
+              <a:rPr lang="en-US" dirty="0"/>
+              <a:t>Built-in analyzers in VS</a:t>
+            </a:r>
+          </a:p>
+          <a:p>
+            <a:pPr lvl="1"/>
+            <a:r>
+              <a:rPr lang="en-US" dirty="0"/>
+              <a:t>Configure in options and </a:t>
+            </a:r>
+            <a:r>
+              <a:rPr lang="en-US" i="1" dirty="0"/>
+              <a:t>.</a:t>
+            </a:r>
+            <a:r>
+              <a:rPr lang="en-US" i="1" dirty="0" err="1"/>
+              <a:t>editorconfig</a:t>
+            </a:r>
+            <a:endParaRPr lang="en-US" dirty="0"/>
+          </a:p>
+          <a:p>
+            <a:r>
+              <a:rPr lang="en-US" dirty="0"/>
+              <a:t>Install additional analyzers with NuGet</a:t>
+            </a:r>
+          </a:p>
+          <a:p>
+            <a:pPr lvl="1"/>
+            <a:r>
+              <a:rPr lang="en-US" dirty="0"/>
+              <a:t>E.g. </a:t>
+            </a:r>
+            <a:r>
+              <a:rPr lang="en-US" i="1" dirty="0" err="1"/>
+              <a:t>FxCopAnalyzers</a:t>
+            </a:r>
+            <a:r>
+              <a:rPr lang="en-US" dirty="0"/>
+              <a:t> (</a:t>
+            </a:r>
+            <a:r>
               <a:rPr lang="en-US" dirty="0">
                 <a:hlinkClick r:id="rId2"/>
               </a:rPr>
-              <a:t>.NET Secure Coding Guidelines</a:t>
-            </a:r>
-            <a:endParaRPr lang="en-US" dirty="0"/>
-          </a:p>
-          <a:p>
-            <a:r>
-              <a:rPr lang="en-US" dirty="0">
-                <a:hlinkClick r:id="rId3"/>
-              </a:rPr>
-              <a:t>.NET Security Announcements</a:t>
-            </a:r>
-            <a:endParaRPr lang="en-US" dirty="0"/>
-          </a:p>
-          <a:p>
-            <a:r>
-              <a:rPr lang="en-US" dirty="0">
-                <a:hlinkClick r:id="rId4"/>
-              </a:rPr>
-              <a:t>ASP.NET Security Announcements</a:t>
-            </a:r>
-            <a:endParaRPr lang="en-US" dirty="0"/>
-          </a:p>
-          <a:p>
-            <a:r>
-              <a:rPr lang="en-US" dirty="0">
-                <a:hlinkClick r:id="rId5"/>
-              </a:rPr>
-              <a:t>OWASP Security Cheat Sheet for .NET</a:t>
-            </a:r>
-            <a:endParaRPr lang="en-US" dirty="0"/>
-          </a:p>
-          <a:p>
-            <a:r>
-              <a:rPr lang="en-US" dirty="0">
-                <a:hlinkClick r:id="rId6"/>
-              </a:rPr>
-              <a:t>SQL Server Security Guidelines</a:t>
-            </a:r>
-            <a:endParaRPr lang="de-AT" dirty="0"/>
+              <a:t>docs</a:t>
+            </a:r>
+            <a:r>
+              <a:rPr lang="en-US" dirty="0"/>
+              <a:t>)</a:t>
+            </a:r>
+          </a:p>
+          <a:p>
+            <a:r>
+              <a:rPr lang="en-US" dirty="0"/>
+              <a:t>Sample: </a:t>
+            </a:r>
+            <a:r>
+              <a:rPr lang="en-US" i="1" dirty="0"/>
+              <a:t>15-StaticCodeAnalysis</a:t>
+            </a:r>
+          </a:p>
+          <a:p>
+            <a:pPr lvl="1"/>
+            <a:r>
+              <a:rPr lang="en-US" dirty="0"/>
+              <a:t>Detection of SQL Injection with code analysis</a:t>
+            </a:r>
+          </a:p>
+          <a:p>
+            <a:pPr lvl="1"/>
+            <a:r>
+              <a:rPr lang="en-US" dirty="0"/>
+              <a:t>Suppression management</a:t>
+            </a:r>
           </a:p>
         </p:txBody>
       </p:sp>
@@ -17580,7 +18052,7 @@
           <p:cNvPr id="6" name="Text Placeholder 5">
             <a:extLst>
               <a:ext uri="{FF2B5EF4-FFF2-40B4-BE49-F238E27FC236}">
-                <a16:creationId xmlns:a16="http://schemas.microsoft.com/office/drawing/2014/main" id="{A9B4F753-70EE-4C1D-ABE0-0E1E23898BD2}"/>
+                <a16:creationId xmlns:a16="http://schemas.microsoft.com/office/drawing/2014/main" id="{D87EE51F-9B6C-44B5-9421-F390D31DB605}"/>
               </a:ext>
             </a:extLst>
           </p:cNvPr>
@@ -17596,27 +18068,37 @@
           <a:bodyPr/>
           <a:lstStyle/>
           <a:p>
-            <a:endParaRPr lang="de-AT"/>
+            <a:r>
+              <a:rPr lang="en-US"/>
+              <a:t>See also </a:t>
+            </a:r>
+            <a:r>
+              <a:rPr lang="en-US">
+                <a:hlinkClick r:id="rId3"/>
+              </a:rPr>
+              <a:t>https://docs.microsoft.com/en-us/visualstudio/code-quality/roslyn-analyzers-overview?view=vs-2019</a:t>
+            </a:r>
+            <a:endParaRPr lang="en-US"/>
           </a:p>
         </p:txBody>
       </p:sp>
     </p:spTree>
     <p:extLst>
       <p:ext uri="{BB962C8B-B14F-4D97-AF65-F5344CB8AC3E}">
-        <p14:creationId xmlns:p14="http://schemas.microsoft.com/office/powerpoint/2010/main" val="2857937245"/>
+        <p14:creationId xmlns:p14="http://schemas.microsoft.com/office/powerpoint/2010/main" val="1125906263"/>
       </p:ext>
     </p:extLst>
   </p:cSld>
   <p:clrMapOvr>
     <a:masterClrMapping/>
   </p:clrMapOvr>
-  <mc:AlternateContent xmlns:mc="http://schemas.openxmlformats.org/markup-compatibility/2006">
-    <mc:Choice xmlns:p14="http://schemas.microsoft.com/office/powerpoint/2010/main" Requires="p14">
+  <mc:AlternateContent xmlns:mc="http://schemas.openxmlformats.org/markup-compatibility/2006" xmlns:p14="http://schemas.microsoft.com/office/powerpoint/2010/main">
+    <mc:Choice Requires="p14">
       <p:transition spd="med" p14:dur="700">
         <p:fade/>
       </p:transition>
     </mc:Choice>
-    <mc:Fallback>
+    <mc:Fallback xmlns="">
       <p:transition spd="med">
         <p:fade/>
       </p:transition>
@@ -17644,63 +18126,46 @@
       </p:grpSpPr>
       <p:sp>
         <p:nvSpPr>
-          <p:cNvPr id="9" name="Text Placeholder 8"/>
+          <p:cNvPr id="5" name="Title 4">
+            <a:extLst>
+              <a:ext uri="{FF2B5EF4-FFF2-40B4-BE49-F238E27FC236}">
+                <a16:creationId xmlns:a16="http://schemas.microsoft.com/office/drawing/2014/main" id="{5B0E2B9B-3CEE-45D9-93FD-B5E4487641C2}"/>
+              </a:ext>
+            </a:extLst>
+          </p:cNvPr>
           <p:cNvSpPr>
             <a:spLocks noGrp="1"/>
           </p:cNvSpPr>
           <p:nvPr>
-            <p:ph type="body" sz="quarter" idx="24"/>
-          </p:nvPr>
-        </p:nvSpPr>
-        <p:spPr>
-          <a:xfrm>
-            <a:off x="1141413" y="339725"/>
-            <a:ext cx="7751762" cy="685800"/>
-          </a:xfrm>
-        </p:spPr>
+            <p:ph type="title"/>
+          </p:nvPr>
+        </p:nvSpPr>
+        <p:spPr/>
         <p:txBody>
           <a:bodyPr/>
           <a:lstStyle/>
           <a:p>
             <a:r>
-              <a:rPr lang="en-US" dirty="0"/>
-              <a:t>Workshop</a:t>
-            </a:r>
-          </a:p>
-        </p:txBody>
-      </p:sp>
-      <p:pic>
-        <p:nvPicPr>
-          <p:cNvPr id="24" name="Content Placeholder 23"/>
-          <p:cNvPicPr>
-            <a:picLocks noGrp="1" noChangeAspect="1"/>
-          </p:cNvPicPr>
-          <p:nvPr>
-            <p:ph sz="quarter" idx="20"/>
-          </p:nvPr>
-        </p:nvPicPr>
-        <p:blipFill>
-          <a:blip r:embed="rId2" cstate="print">
+              <a:rPr lang="de-AT" dirty="0"/>
+              <a:t>Further Readings</a:t>
+            </a:r>
+          </a:p>
+        </p:txBody>
+      </p:sp>
+      <p:sp>
+        <p:nvSpPr>
+          <p:cNvPr id="6" name="Text Placeholder 5">
             <a:extLst>
-              <a:ext uri="{28A0092B-C50C-407E-A947-70E740481C1C}">
-                <a14:useLocalDpi xmlns:a14="http://schemas.microsoft.com/office/drawing/2010/main" val="0"/>
+              <a:ext uri="{FF2B5EF4-FFF2-40B4-BE49-F238E27FC236}">
+                <a16:creationId xmlns:a16="http://schemas.microsoft.com/office/drawing/2014/main" id="{B42D75CD-039E-445E-B809-510DD083C142}"/>
               </a:ext>
             </a:extLst>
-          </a:blip>
-          <a:stretch>
-            <a:fillRect/>
-          </a:stretch>
-        </p:blipFill>
-        <p:spPr/>
-      </p:pic>
-      <p:sp>
-        <p:nvSpPr>
-          <p:cNvPr id="2" name="Title 1"/>
+          </p:cNvPr>
           <p:cNvSpPr>
             <a:spLocks noGrp="1"/>
           </p:cNvSpPr>
           <p:nvPr>
-            <p:ph type="title"/>
+            <p:ph type="body" sz="quarter" idx="25"/>
           </p:nvPr>
         </p:nvSpPr>
         <p:spPr/>
@@ -17708,178 +18173,221 @@
           <a:bodyPr/>
           <a:lstStyle/>
           <a:p>
-            <a:r>
-              <a:rPr lang="en-US" dirty="0"/>
-              <a:t>Q&amp;A</a:t>
-            </a:r>
-          </a:p>
-        </p:txBody>
-      </p:sp>
-      <p:sp>
-        <p:nvSpPr>
-          <p:cNvPr id="3" name="Text Placeholder 2"/>
-          <p:cNvSpPr>
-            <a:spLocks noGrp="1"/>
-          </p:cNvSpPr>
-          <p:nvPr>
-            <p:ph type="body" sz="quarter" idx="12"/>
-          </p:nvPr>
-        </p:nvSpPr>
-        <p:spPr/>
-        <p:txBody>
-          <a:bodyPr/>
-          <a:lstStyle/>
-          <a:p>
-            <a:r>
-              <a:rPr lang="en-US"/>
-              <a:t>Rainer Stropek</a:t>
-            </a:r>
-          </a:p>
-        </p:txBody>
-      </p:sp>
-      <p:sp>
-        <p:nvSpPr>
-          <p:cNvPr id="4" name="Text Placeholder 3"/>
-          <p:cNvSpPr>
-            <a:spLocks noGrp="1"/>
-          </p:cNvSpPr>
-          <p:nvPr>
-            <p:ph type="body" sz="quarter" idx="13"/>
-          </p:nvPr>
-        </p:nvSpPr>
-        <p:spPr/>
-        <p:txBody>
-          <a:bodyPr/>
-          <a:lstStyle/>
-          <a:p>
-            <a:r>
-              <a:rPr lang="en-US"/>
-              <a:t>software architects gmbh</a:t>
-            </a:r>
-          </a:p>
-        </p:txBody>
-      </p:sp>
-      <p:sp>
-        <p:nvSpPr>
-          <p:cNvPr id="18" name="Text Placeholder 17"/>
-          <p:cNvSpPr>
-            <a:spLocks noGrp="1"/>
-          </p:cNvSpPr>
-          <p:nvPr>
-            <p:ph type="body" sz="quarter" idx="15"/>
-          </p:nvPr>
-        </p:nvSpPr>
-        <p:spPr/>
-        <p:txBody>
-          <a:bodyPr/>
-          <a:lstStyle/>
-          <a:p>
-            <a:r>
-              <a:rPr lang="en-US"/>
-              <a:t>rainer@timecockpit.com</a:t>
-            </a:r>
-            <a:br>
-              <a:rPr lang="en-US"/>
-            </a:br>
-            <a:r>
-              <a:rPr lang="en-US"/>
-              <a:t>http://www.timecockpit.com</a:t>
-            </a:r>
-            <a:br>
-              <a:rPr lang="en-US"/>
-            </a:br>
-            <a:r>
-              <a:rPr lang="en-US"/>
-              <a:t>@rstropek</a:t>
-            </a:r>
-          </a:p>
-        </p:txBody>
-      </p:sp>
-      <p:sp>
-        <p:nvSpPr>
-          <p:cNvPr id="10" name="Text Placeholder 9"/>
-          <p:cNvSpPr>
-            <a:spLocks noGrp="1"/>
-          </p:cNvSpPr>
-          <p:nvPr>
-            <p:ph type="body" sz="quarter" idx="25"/>
-          </p:nvPr>
-        </p:nvSpPr>
-        <p:spPr>
-          <a:xfrm>
-            <a:off x="1144588" y="3135313"/>
-            <a:ext cx="3789362" cy="366712"/>
-          </a:xfrm>
-        </p:spPr>
-        <p:txBody>
-          <a:bodyPr/>
-          <a:lstStyle/>
-          <a:p>
-            <a:r>
-              <a:rPr lang="en-US" dirty="0"/>
-              <a:t>Thank your for coming!</a:t>
-            </a:r>
-          </a:p>
-        </p:txBody>
-      </p:sp>
-      <p:sp>
-        <p:nvSpPr>
-          <p:cNvPr id="22" name="Content Placeholder 21"/>
-          <p:cNvSpPr>
-            <a:spLocks noGrp="1"/>
-          </p:cNvSpPr>
-          <p:nvPr>
-            <p:ph sz="quarter" idx="26"/>
-          </p:nvPr>
-        </p:nvSpPr>
-        <p:spPr>
-          <a:xfrm>
-            <a:off x="5218113" y="2338388"/>
-            <a:ext cx="793750" cy="796925"/>
-          </a:xfrm>
-        </p:spPr>
-        <p:txBody>
-          <a:bodyPr/>
-          <a:lstStyle/>
-          <a:p>
-            <a:r>
-              <a:rPr lang="en-US"/>
-              <a:t>Mail</a:t>
-            </a:r>
-            <a:br>
-              <a:rPr lang="en-US"/>
-            </a:br>
-            <a:r>
-              <a:rPr lang="en-US"/>
-              <a:t>Web</a:t>
-            </a:r>
-            <a:br>
-              <a:rPr lang="en-US"/>
-            </a:br>
-            <a:r>
-              <a:rPr lang="en-US"/>
-              <a:t>Twitter</a:t>
-            </a:r>
+            <a:endParaRPr lang="de-AT"/>
           </a:p>
         </p:txBody>
       </p:sp>
     </p:spTree>
     <p:extLst>
       <p:ext uri="{BB962C8B-B14F-4D97-AF65-F5344CB8AC3E}">
-        <p14:creationId xmlns:p14="http://schemas.microsoft.com/office/powerpoint/2010/main" val="4088726371"/>
+        <p14:creationId xmlns:p14="http://schemas.microsoft.com/office/powerpoint/2010/main" val="1596752289"/>
       </p:ext>
     </p:extLst>
   </p:cSld>
   <p:clrMapOvr>
     <a:masterClrMapping/>
   </p:clrMapOvr>
-  <mc:AlternateContent xmlns:mc="http://schemas.openxmlformats.org/markup-compatibility/2006">
-    <mc:Choice xmlns:p14="http://schemas.microsoft.com/office/powerpoint/2010/main" Requires="p14">
+  <mc:AlternateContent xmlns:mc="http://schemas.openxmlformats.org/markup-compatibility/2006" xmlns:p14="http://schemas.microsoft.com/office/powerpoint/2010/main">
+    <mc:Choice Requires="p14">
       <p:transition spd="med" p14:dur="700">
         <p:fade/>
       </p:transition>
     </mc:Choice>
-    <mc:Fallback>
+    <mc:Fallback xmlns="">
+      <p:transition spd="med">
+        <p:fade/>
+      </p:transition>
+    </mc:Fallback>
+  </mc:AlternateContent>
+</p:sld>
+</file>
+
+<file path=ppt/slides/slide39.xml><?xml version="1.0" encoding="utf-8"?>
+<p:sld xmlns:a="http://schemas.openxmlformats.org/drawingml/2006/main" xmlns:r="http://schemas.openxmlformats.org/officeDocument/2006/relationships" xmlns:p="http://schemas.openxmlformats.org/presentationml/2006/main">
+  <p:cSld>
+    <p:spTree>
+      <p:nvGrpSpPr>
+        <p:cNvPr id="1" name=""/>
+        <p:cNvGrpSpPr/>
+        <p:nvPr/>
+      </p:nvGrpSpPr>
+      <p:grpSpPr>
+        <a:xfrm>
+          <a:off x="0" y="0"/>
+          <a:ext cx="0" cy="0"/>
+          <a:chOff x="0" y="0"/>
+          <a:chExt cx="0" cy="0"/>
+        </a:xfrm>
+      </p:grpSpPr>
+      <p:sp>
+        <p:nvSpPr>
+          <p:cNvPr id="4" name="Title 3">
+            <a:extLst>
+              <a:ext uri="{FF2B5EF4-FFF2-40B4-BE49-F238E27FC236}">
+                <a16:creationId xmlns:a16="http://schemas.microsoft.com/office/drawing/2014/main" id="{10B47517-2349-48AD-942A-4E9A9FDF1D1C}"/>
+              </a:ext>
+            </a:extLst>
+          </p:cNvPr>
+          <p:cNvSpPr>
+            <a:spLocks noGrp="1"/>
+          </p:cNvSpPr>
+          <p:nvPr>
+            <p:ph type="title"/>
+          </p:nvPr>
+        </p:nvSpPr>
+        <p:spPr/>
+        <p:txBody>
+          <a:bodyPr/>
+          <a:lstStyle/>
+          <a:p>
+            <a:r>
+              <a:rPr lang="de-AT" dirty="0"/>
+              <a:t>Further Readings</a:t>
+            </a:r>
+          </a:p>
+        </p:txBody>
+      </p:sp>
+      <p:sp>
+        <p:nvSpPr>
+          <p:cNvPr id="5" name="Content Placeholder 4">
+            <a:extLst>
+              <a:ext uri="{FF2B5EF4-FFF2-40B4-BE49-F238E27FC236}">
+                <a16:creationId xmlns:a16="http://schemas.microsoft.com/office/drawing/2014/main" id="{B629D99D-AA5E-4F68-BDBD-D56090F410FF}"/>
+              </a:ext>
+            </a:extLst>
+          </p:cNvPr>
+          <p:cNvSpPr>
+            <a:spLocks noGrp="1"/>
+          </p:cNvSpPr>
+          <p:nvPr>
+            <p:ph sz="quarter" idx="12"/>
+          </p:nvPr>
+        </p:nvSpPr>
+        <p:spPr/>
+        <p:txBody>
+          <a:bodyPr/>
+          <a:lstStyle/>
+          <a:p>
+            <a:r>
+              <a:rPr lang="en-US" dirty="0"/>
+              <a:t>.NET</a:t>
+            </a:r>
+            <a:endParaRPr lang="en-US" dirty="0">
+              <a:hlinkClick r:id="rId2"/>
+            </a:endParaRPr>
+          </a:p>
+          <a:p>
+            <a:pPr lvl="1"/>
+            <a:r>
+              <a:rPr lang="en-US" dirty="0">
+                <a:hlinkClick r:id="rId2"/>
+              </a:rPr>
+              <a:t>.NET Secure Coding Guidelines</a:t>
+            </a:r>
+            <a:endParaRPr lang="en-US" dirty="0"/>
+          </a:p>
+          <a:p>
+            <a:pPr lvl="1"/>
+            <a:r>
+              <a:rPr lang="en-US" dirty="0">
+                <a:hlinkClick r:id="rId3"/>
+              </a:rPr>
+              <a:t>.NET Security Announcements</a:t>
+            </a:r>
+            <a:endParaRPr lang="en-US" dirty="0"/>
+          </a:p>
+          <a:p>
+            <a:r>
+              <a:rPr lang="en-US" dirty="0"/>
+              <a:t>Web Development Security</a:t>
+            </a:r>
+            <a:endParaRPr lang="en-US" dirty="0">
+              <a:hlinkClick r:id="rId4"/>
+            </a:endParaRPr>
+          </a:p>
+          <a:p>
+            <a:pPr lvl="1"/>
+            <a:r>
+              <a:rPr lang="en-US" dirty="0">
+                <a:hlinkClick r:id="rId4"/>
+              </a:rPr>
+              <a:t>ASP.NET Security Announcements</a:t>
+            </a:r>
+            <a:endParaRPr lang="en-US" dirty="0"/>
+          </a:p>
+          <a:p>
+            <a:pPr lvl="1"/>
+            <a:r>
+              <a:rPr lang="en-US" dirty="0">
+                <a:hlinkClick r:id="rId5"/>
+              </a:rPr>
+              <a:t>OWASP Security Cheat Sheet for .NET</a:t>
+            </a:r>
+            <a:endParaRPr lang="en-US" dirty="0"/>
+          </a:p>
+          <a:p>
+            <a:r>
+              <a:rPr lang="en-US" dirty="0"/>
+              <a:t>Database Development</a:t>
+            </a:r>
+            <a:endParaRPr lang="en-US" dirty="0">
+              <a:hlinkClick r:id="rId6"/>
+            </a:endParaRPr>
+          </a:p>
+          <a:p>
+            <a:pPr lvl="1"/>
+            <a:r>
+              <a:rPr lang="en-US" dirty="0">
+                <a:hlinkClick r:id="rId6"/>
+              </a:rPr>
+              <a:t>SQL Server Security Guidelines</a:t>
+            </a:r>
+            <a:endParaRPr lang="de-AT" dirty="0"/>
+          </a:p>
+        </p:txBody>
+      </p:sp>
+      <p:sp>
+        <p:nvSpPr>
+          <p:cNvPr id="6" name="Text Placeholder 5">
+            <a:extLst>
+              <a:ext uri="{FF2B5EF4-FFF2-40B4-BE49-F238E27FC236}">
+                <a16:creationId xmlns:a16="http://schemas.microsoft.com/office/drawing/2014/main" id="{A9B4F753-70EE-4C1D-ABE0-0E1E23898BD2}"/>
+              </a:ext>
+            </a:extLst>
+          </p:cNvPr>
+          <p:cNvSpPr>
+            <a:spLocks noGrp="1"/>
+          </p:cNvSpPr>
+          <p:nvPr>
+            <p:ph type="body" sz="quarter" idx="23"/>
+          </p:nvPr>
+        </p:nvSpPr>
+        <p:spPr/>
+        <p:txBody>
+          <a:bodyPr/>
+          <a:lstStyle/>
+          <a:p>
+            <a:endParaRPr lang="de-AT"/>
+          </a:p>
+        </p:txBody>
+      </p:sp>
+    </p:spTree>
+    <p:extLst>
+      <p:ext uri="{BB962C8B-B14F-4D97-AF65-F5344CB8AC3E}">
+        <p14:creationId xmlns:p14="http://schemas.microsoft.com/office/powerpoint/2010/main" val="2857937245"/>
+      </p:ext>
+    </p:extLst>
+  </p:cSld>
+  <p:clrMapOvr>
+    <a:masterClrMapping/>
+  </p:clrMapOvr>
+  <mc:AlternateContent xmlns:mc="http://schemas.openxmlformats.org/markup-compatibility/2006" xmlns:p14="http://schemas.microsoft.com/office/powerpoint/2010/main">
+    <mc:Choice Requires="p14">
+      <p:transition spd="med" p14:dur="700">
+        <p:fade/>
+      </p:transition>
+    </mc:Choice>
+    <mc:Fallback xmlns="">
       <p:transition spd="med">
         <p:fade/>
       </p:transition>
@@ -17907,10 +18415,10 @@
       </p:grpSpPr>
       <p:sp>
         <p:nvSpPr>
-          <p:cNvPr id="4" name="Title 3">
+          <p:cNvPr id="2" name="Title 1">
             <a:extLst>
               <a:ext uri="{FF2B5EF4-FFF2-40B4-BE49-F238E27FC236}">
-                <a16:creationId xmlns:a16="http://schemas.microsoft.com/office/drawing/2014/main" id="{817B7A26-5AA7-47AB-ABCB-4C5B3A34AF31}"/>
+                <a16:creationId xmlns:a16="http://schemas.microsoft.com/office/drawing/2014/main" id="{F8FADD9F-D779-4FB6-A392-8DDB9F3A789C}"/>
               </a:ext>
             </a:extLst>
           </p:cNvPr>
@@ -17927,18 +18435,18 @@
           <a:lstStyle/>
           <a:p>
             <a:r>
-              <a:rPr lang="en-US"/>
-              <a:t>How to Write Secure .NET Code</a:t>
-            </a:r>
-          </a:p>
-        </p:txBody>
-      </p:sp>
-      <p:sp>
-        <p:nvSpPr>
-          <p:cNvPr id="5" name="Content Placeholder 4">
+              <a:rPr lang="de-AT" dirty="0"/>
+              <a:t>General Guidelines</a:t>
+            </a:r>
+          </a:p>
+        </p:txBody>
+      </p:sp>
+      <p:sp>
+        <p:nvSpPr>
+          <p:cNvPr id="3" name="Text Placeholder 2">
             <a:extLst>
               <a:ext uri="{FF2B5EF4-FFF2-40B4-BE49-F238E27FC236}">
-                <a16:creationId xmlns:a16="http://schemas.microsoft.com/office/drawing/2014/main" id="{310E7E37-F318-4E9A-BC42-0FDAF2177929}"/>
+                <a16:creationId xmlns:a16="http://schemas.microsoft.com/office/drawing/2014/main" id="{72858DEE-163D-402F-981D-E182F9F8632E}"/>
               </a:ext>
             </a:extLst>
           </p:cNvPr>
@@ -17946,7 +18454,7 @@
             <a:spLocks noGrp="1"/>
           </p:cNvSpPr>
           <p:nvPr>
-            <p:ph sz="quarter" idx="12"/>
+            <p:ph type="body" sz="quarter" idx="25"/>
           </p:nvPr>
         </p:nvSpPr>
         <p:spPr/>
@@ -17954,129 +18462,290 @@
           <a:bodyPr/>
           <a:lstStyle/>
           <a:p>
-            <a:r>
-              <a:rPr lang="en-US" i="1" dirty="0"/>
-              <a:t>Don’t</a:t>
-            </a:r>
-            <a:r>
-              <a:rPr lang="en-US" dirty="0"/>
-              <a:t> build executable code using string </a:t>
-            </a:r>
-            <a:r>
-              <a:rPr lang="en-US" dirty="0" err="1"/>
-              <a:t>concatination</a:t>
-            </a:r>
-            <a:endParaRPr lang="en-US" dirty="0"/>
-          </a:p>
-          <a:p>
-            <a:pPr lvl="1"/>
-            <a:r>
-              <a:rPr lang="en-US" dirty="0"/>
-              <a:t>HTML, JavaScript, SQL, etc.</a:t>
-            </a:r>
-          </a:p>
-          <a:p>
-            <a:r>
-              <a:rPr lang="en-US" i="1" dirty="0"/>
-              <a:t>Don’t</a:t>
-            </a:r>
-            <a:r>
-              <a:rPr lang="en-US" dirty="0"/>
-              <a:t> put secrets in unencrypted text files</a:t>
-            </a:r>
-          </a:p>
-          <a:p>
-            <a:pPr lvl="1"/>
-            <a:r>
-              <a:rPr lang="en-US" dirty="0"/>
-              <a:t>Always use password keepers (for humans and apps)</a:t>
-            </a:r>
-          </a:p>
-          <a:p>
-            <a:r>
-              <a:rPr lang="en-US" i="1" dirty="0"/>
-              <a:t>Do</a:t>
-            </a:r>
-            <a:r>
-              <a:rPr lang="en-US" dirty="0"/>
-              <a:t> setup CI/CD</a:t>
-            </a:r>
-          </a:p>
-          <a:p>
-            <a:pPr lvl="1"/>
-            <a:r>
-              <a:rPr lang="en-US" dirty="0"/>
-              <a:t>Make sure CI/CD servers can be trusted</a:t>
-            </a:r>
-          </a:p>
-          <a:p>
-            <a:pPr lvl="1"/>
-            <a:r>
-              <a:rPr lang="en-US" dirty="0"/>
-              <a:t>Containers: Automate rebuilding when base images change</a:t>
-            </a:r>
-          </a:p>
-          <a:p>
-            <a:r>
-              <a:rPr lang="en-US" i="1" dirty="0"/>
-              <a:t>Do</a:t>
-            </a:r>
-            <a:r>
-              <a:rPr lang="en-US" dirty="0"/>
-              <a:t> write automated tests</a:t>
-            </a:r>
-          </a:p>
-          <a:p>
-            <a:pPr lvl="1"/>
-            <a:r>
-              <a:rPr lang="en-US" dirty="0"/>
-              <a:t>Enables quick deployment of new versions and security patches</a:t>
-            </a:r>
-          </a:p>
-        </p:txBody>
-      </p:sp>
-      <p:sp>
-        <p:nvSpPr>
-          <p:cNvPr id="6" name="Text Placeholder 5">
-            <a:extLst>
-              <a:ext uri="{FF2B5EF4-FFF2-40B4-BE49-F238E27FC236}">
-                <a16:creationId xmlns:a16="http://schemas.microsoft.com/office/drawing/2014/main" id="{5F85290E-E916-44AA-AA55-F4748D8D074A}"/>
-              </a:ext>
-            </a:extLst>
-          </p:cNvPr>
-          <p:cNvSpPr>
-            <a:spLocks noGrp="1"/>
-          </p:cNvSpPr>
-          <p:nvPr>
-            <p:ph type="body" sz="quarter" idx="23"/>
-          </p:nvPr>
-        </p:nvSpPr>
-        <p:spPr/>
-        <p:txBody>
-          <a:bodyPr/>
-          <a:lstStyle/>
-          <a:p>
-            <a:endParaRPr lang="en-US"/>
+            <a:endParaRPr lang="de-AT" dirty="0"/>
           </a:p>
         </p:txBody>
       </p:sp>
     </p:spTree>
     <p:extLst>
       <p:ext uri="{BB962C8B-B14F-4D97-AF65-F5344CB8AC3E}">
-        <p14:creationId xmlns:p14="http://schemas.microsoft.com/office/powerpoint/2010/main" val="2052058656"/>
+        <p14:creationId xmlns:p14="http://schemas.microsoft.com/office/powerpoint/2010/main" val="3495780882"/>
       </p:ext>
     </p:extLst>
   </p:cSld>
   <p:clrMapOvr>
     <a:masterClrMapping/>
   </p:clrMapOvr>
-  <mc:AlternateContent xmlns:mc="http://schemas.openxmlformats.org/markup-compatibility/2006">
-    <mc:Choice xmlns:p14="http://schemas.microsoft.com/office/powerpoint/2010/main" Requires="p14">
+  <mc:AlternateContent xmlns:mc="http://schemas.openxmlformats.org/markup-compatibility/2006" xmlns:p14="http://schemas.microsoft.com/office/powerpoint/2010/main">
+    <mc:Choice Requires="p14">
       <p:transition spd="med" p14:dur="700">
         <p:fade/>
       </p:transition>
     </mc:Choice>
-    <mc:Fallback>
+    <mc:Fallback xmlns="">
+      <p:transition spd="med">
+        <p:fade/>
+      </p:transition>
+    </mc:Fallback>
+  </mc:AlternateContent>
+</p:sld>
+</file>
+
+<file path=ppt/slides/slide40.xml><?xml version="1.0" encoding="utf-8"?>
+<p:sld xmlns:a="http://schemas.openxmlformats.org/drawingml/2006/main" xmlns:r="http://schemas.openxmlformats.org/officeDocument/2006/relationships" xmlns:p="http://schemas.openxmlformats.org/presentationml/2006/main">
+  <p:cSld>
+    <p:spTree>
+      <p:nvGrpSpPr>
+        <p:cNvPr id="1" name=""/>
+        <p:cNvGrpSpPr/>
+        <p:nvPr/>
+      </p:nvGrpSpPr>
+      <p:grpSpPr>
+        <a:xfrm>
+          <a:off x="0" y="0"/>
+          <a:ext cx="0" cy="0"/>
+          <a:chOff x="0" y="0"/>
+          <a:chExt cx="0" cy="0"/>
+        </a:xfrm>
+      </p:grpSpPr>
+      <p:sp>
+        <p:nvSpPr>
+          <p:cNvPr id="9" name="Text Placeholder 8"/>
+          <p:cNvSpPr>
+            <a:spLocks noGrp="1"/>
+          </p:cNvSpPr>
+          <p:nvPr>
+            <p:ph type="body" sz="quarter" idx="24"/>
+          </p:nvPr>
+        </p:nvSpPr>
+        <p:spPr>
+          <a:xfrm>
+            <a:off x="1141413" y="339725"/>
+            <a:ext cx="7751762" cy="685800"/>
+          </a:xfrm>
+        </p:spPr>
+        <p:txBody>
+          <a:bodyPr/>
+          <a:lstStyle/>
+          <a:p>
+            <a:r>
+              <a:rPr lang="en-US" dirty="0"/>
+              <a:t>Workshop</a:t>
+            </a:r>
+          </a:p>
+        </p:txBody>
+      </p:sp>
+      <p:pic>
+        <p:nvPicPr>
+          <p:cNvPr id="24" name="Content Placeholder 23"/>
+          <p:cNvPicPr>
+            <a:picLocks noGrp="1" noChangeAspect="1"/>
+          </p:cNvPicPr>
+          <p:nvPr>
+            <p:ph sz="quarter" idx="20"/>
+          </p:nvPr>
+        </p:nvPicPr>
+        <p:blipFill>
+          <a:blip r:embed="rId2" cstate="print">
+            <a:extLst>
+              <a:ext uri="{28A0092B-C50C-407E-A947-70E740481C1C}">
+                <a14:useLocalDpi xmlns:a14="http://schemas.microsoft.com/office/drawing/2010/main" val="0"/>
+              </a:ext>
+            </a:extLst>
+          </a:blip>
+          <a:stretch>
+            <a:fillRect/>
+          </a:stretch>
+        </p:blipFill>
+        <p:spPr/>
+      </p:pic>
+      <p:sp>
+        <p:nvSpPr>
+          <p:cNvPr id="2" name="Title 1"/>
+          <p:cNvSpPr>
+            <a:spLocks noGrp="1"/>
+          </p:cNvSpPr>
+          <p:nvPr>
+            <p:ph type="title"/>
+          </p:nvPr>
+        </p:nvSpPr>
+        <p:spPr/>
+        <p:txBody>
+          <a:bodyPr/>
+          <a:lstStyle/>
+          <a:p>
+            <a:r>
+              <a:rPr lang="en-US" dirty="0"/>
+              <a:t>Q&amp;A</a:t>
+            </a:r>
+          </a:p>
+        </p:txBody>
+      </p:sp>
+      <p:sp>
+        <p:nvSpPr>
+          <p:cNvPr id="3" name="Text Placeholder 2"/>
+          <p:cNvSpPr>
+            <a:spLocks noGrp="1"/>
+          </p:cNvSpPr>
+          <p:nvPr>
+            <p:ph type="body" sz="quarter" idx="12"/>
+          </p:nvPr>
+        </p:nvSpPr>
+        <p:spPr/>
+        <p:txBody>
+          <a:bodyPr/>
+          <a:lstStyle/>
+          <a:p>
+            <a:r>
+              <a:rPr lang="en-US"/>
+              <a:t>Rainer Stropek</a:t>
+            </a:r>
+          </a:p>
+        </p:txBody>
+      </p:sp>
+      <p:sp>
+        <p:nvSpPr>
+          <p:cNvPr id="4" name="Text Placeholder 3"/>
+          <p:cNvSpPr>
+            <a:spLocks noGrp="1"/>
+          </p:cNvSpPr>
+          <p:nvPr>
+            <p:ph type="body" sz="quarter" idx="13"/>
+          </p:nvPr>
+        </p:nvSpPr>
+        <p:spPr/>
+        <p:txBody>
+          <a:bodyPr/>
+          <a:lstStyle/>
+          <a:p>
+            <a:r>
+              <a:rPr lang="en-US"/>
+              <a:t>software architects gmbh</a:t>
+            </a:r>
+          </a:p>
+        </p:txBody>
+      </p:sp>
+      <p:sp>
+        <p:nvSpPr>
+          <p:cNvPr id="18" name="Text Placeholder 17"/>
+          <p:cNvSpPr>
+            <a:spLocks noGrp="1"/>
+          </p:cNvSpPr>
+          <p:nvPr>
+            <p:ph type="body" sz="quarter" idx="15"/>
+          </p:nvPr>
+        </p:nvSpPr>
+        <p:spPr/>
+        <p:txBody>
+          <a:bodyPr/>
+          <a:lstStyle/>
+          <a:p>
+            <a:r>
+              <a:rPr lang="en-US"/>
+              <a:t>rainer@timecockpit.com</a:t>
+            </a:r>
+            <a:br>
+              <a:rPr lang="en-US"/>
+            </a:br>
+            <a:r>
+              <a:rPr lang="en-US"/>
+              <a:t>http://www.timecockpit.com</a:t>
+            </a:r>
+            <a:br>
+              <a:rPr lang="en-US"/>
+            </a:br>
+            <a:r>
+              <a:rPr lang="en-US"/>
+              <a:t>@rstropek</a:t>
+            </a:r>
+          </a:p>
+        </p:txBody>
+      </p:sp>
+      <p:sp>
+        <p:nvSpPr>
+          <p:cNvPr id="10" name="Text Placeholder 9"/>
+          <p:cNvSpPr>
+            <a:spLocks noGrp="1"/>
+          </p:cNvSpPr>
+          <p:nvPr>
+            <p:ph type="body" sz="quarter" idx="25"/>
+          </p:nvPr>
+        </p:nvSpPr>
+        <p:spPr>
+          <a:xfrm>
+            <a:off x="1144588" y="3135313"/>
+            <a:ext cx="3789362" cy="366712"/>
+          </a:xfrm>
+        </p:spPr>
+        <p:txBody>
+          <a:bodyPr/>
+          <a:lstStyle/>
+          <a:p>
+            <a:r>
+              <a:rPr lang="en-US" dirty="0"/>
+              <a:t>Thank your for coming!</a:t>
+            </a:r>
+          </a:p>
+        </p:txBody>
+      </p:sp>
+      <p:sp>
+        <p:nvSpPr>
+          <p:cNvPr id="22" name="Content Placeholder 21"/>
+          <p:cNvSpPr>
+            <a:spLocks noGrp="1"/>
+          </p:cNvSpPr>
+          <p:nvPr>
+            <p:ph sz="quarter" idx="26"/>
+          </p:nvPr>
+        </p:nvSpPr>
+        <p:spPr>
+          <a:xfrm>
+            <a:off x="5218113" y="2338388"/>
+            <a:ext cx="793750" cy="796925"/>
+          </a:xfrm>
+        </p:spPr>
+        <p:txBody>
+          <a:bodyPr/>
+          <a:lstStyle/>
+          <a:p>
+            <a:r>
+              <a:rPr lang="en-US"/>
+              <a:t>Mail</a:t>
+            </a:r>
+            <a:br>
+              <a:rPr lang="en-US"/>
+            </a:br>
+            <a:r>
+              <a:rPr lang="en-US"/>
+              <a:t>Web</a:t>
+            </a:r>
+            <a:br>
+              <a:rPr lang="en-US"/>
+            </a:br>
+            <a:r>
+              <a:rPr lang="en-US"/>
+              <a:t>Twitter</a:t>
+            </a:r>
+          </a:p>
+        </p:txBody>
+      </p:sp>
+    </p:spTree>
+    <p:extLst>
+      <p:ext uri="{BB962C8B-B14F-4D97-AF65-F5344CB8AC3E}">
+        <p14:creationId xmlns:p14="http://schemas.microsoft.com/office/powerpoint/2010/main" val="4088726371"/>
+      </p:ext>
+    </p:extLst>
+  </p:cSld>
+  <p:clrMapOvr>
+    <a:masterClrMapping/>
+  </p:clrMapOvr>
+  <mc:AlternateContent xmlns:mc="http://schemas.openxmlformats.org/markup-compatibility/2006" xmlns:p14="http://schemas.microsoft.com/office/powerpoint/2010/main">
+    <mc:Choice Requires="p14">
+      <p:transition spd="med" p14:dur="700">
+        <p:fade/>
+      </p:transition>
+    </mc:Choice>
+    <mc:Fallback xmlns="">
       <p:transition spd="med">
         <p:fade/>
       </p:transition>
@@ -18153,11 +18822,32 @@
           <a:p>
             <a:r>
               <a:rPr lang="en-US" i="1" dirty="0"/>
-              <a:t>Prefer</a:t>
-            </a:r>
-            <a:r>
-              <a:rPr lang="en-US" dirty="0"/>
-              <a:t> PaaS and/or Serverless</a:t>
+              <a:t>Don’t</a:t>
+            </a:r>
+            <a:r>
+              <a:rPr lang="en-US" dirty="0"/>
+              <a:t> be lazy. Think!</a:t>
+            </a:r>
+          </a:p>
+          <a:p>
+            <a:pPr lvl="1"/>
+            <a:r>
+              <a:rPr lang="en-US" i="1" dirty="0"/>
+              <a:t>Avoid </a:t>
+            </a:r>
+            <a:r>
+              <a:rPr lang="en-US" dirty="0"/>
+              <a:t>making stupid mistakes</a:t>
+            </a:r>
+          </a:p>
+          <a:p>
+            <a:r>
+              <a:rPr lang="en-US" i="1" dirty="0"/>
+              <a:t>Do</a:t>
+            </a:r>
+            <a:r>
+              <a:rPr lang="en-US" dirty="0"/>
+              <a:t> take responsibility</a:t>
             </a:r>
           </a:p>
           <a:p>
@@ -18168,14 +18858,15 @@
             </a:r>
             <a:r>
               <a:rPr lang="en-US" dirty="0"/>
-              <a:t> IaaS</a:t>
-            </a:r>
-          </a:p>
-          <a:p>
-            <a:pPr lvl="1"/>
-            <a:r>
-              <a:rPr lang="en-US" dirty="0"/>
-              <a:t>If IaaS cannot be avoided: Keep your system up to date (immutable infrastructure)</a:t>
+              <a:t> delegating security measures to others (</a:t>
+            </a:r>
+            <a:r>
+              <a:rPr lang="en-US" i="1" dirty="0" err="1"/>
+              <a:t>DevSecOps</a:t>
+            </a:r>
+            <a:r>
+              <a:rPr lang="en-US" dirty="0"/>
+              <a:t>, infrastructure is code)</a:t>
             </a:r>
           </a:p>
           <a:p>
@@ -18185,45 +18876,53 @@
             </a:r>
             <a:r>
               <a:rPr lang="en-US" dirty="0"/>
-              <a:t> invent your own encryption algorithms</a:t>
+              <a:t> miss the big picture</a:t>
             </a:r>
           </a:p>
           <a:p>
             <a:pPr lvl="1"/>
             <a:r>
-              <a:rPr lang="en-US" dirty="0"/>
-              <a:t>or write your own implementation of an existing one</a:t>
+              <a:rPr lang="en-US" i="1" dirty="0"/>
+              <a:t>Avoid</a:t>
+            </a:r>
+            <a:r>
+              <a:rPr lang="en-US" dirty="0"/>
+              <a:t> restrictive policies that lead to an overall lower level of security</a:t>
             </a:r>
           </a:p>
           <a:p>
             <a:pPr lvl="1"/>
             <a:r>
               <a:rPr lang="en-US" dirty="0"/>
-              <a:t>…unless it is your specific expertise</a:t>
+              <a:t>E.g. security policies that force developers to run VS as administrators</a:t>
+            </a:r>
+          </a:p>
+          <a:p>
+            <a:pPr lvl="1"/>
+            <a:r>
+              <a:rPr lang="en-US" dirty="0"/>
+              <a:t>E.g. proxies that lead to plain-text passwords in text files</a:t>
             </a:r>
           </a:p>
           <a:p>
             <a:r>
               <a:rPr lang="en-US" i="1" dirty="0"/>
-              <a:t>Don’t</a:t>
-            </a:r>
-            <a:r>
-              <a:rPr lang="en-US" dirty="0"/>
-              <a:t> invent your own security protocols</a:t>
+              <a:t>Do</a:t>
+            </a:r>
+            <a:r>
+              <a:rPr lang="en-US" dirty="0"/>
+              <a:t> handle PII with special care</a:t>
             </a:r>
           </a:p>
           <a:p>
             <a:pPr lvl="1"/>
             <a:r>
-              <a:rPr lang="en-US" dirty="0"/>
-              <a:t>or write your own implementation of an existing one</a:t>
-            </a:r>
-          </a:p>
-          <a:p>
-            <a:pPr lvl="1"/>
-            <a:r>
-              <a:rPr lang="en-US" dirty="0"/>
-              <a:t>…unless it is your specific expertise</a:t>
+              <a:rPr lang="en-US" i="1" dirty="0"/>
+              <a:t>Consider</a:t>
+            </a:r>
+            <a:r>
+              <a:rPr lang="en-US" dirty="0"/>
+              <a:t> encryption whenever you store PII</a:t>
             </a:r>
           </a:p>
         </p:txBody>
@@ -18256,20 +18955,20 @@
     </p:spTree>
     <p:extLst>
       <p:ext uri="{BB962C8B-B14F-4D97-AF65-F5344CB8AC3E}">
-        <p14:creationId xmlns:p14="http://schemas.microsoft.com/office/powerpoint/2010/main" val="853072540"/>
+        <p14:creationId xmlns:p14="http://schemas.microsoft.com/office/powerpoint/2010/main" val="4110098816"/>
       </p:ext>
     </p:extLst>
   </p:cSld>
   <p:clrMapOvr>
     <a:masterClrMapping/>
   </p:clrMapOvr>
-  <mc:AlternateContent xmlns:mc="http://schemas.openxmlformats.org/markup-compatibility/2006">
-    <mc:Choice xmlns:p14="http://schemas.microsoft.com/office/powerpoint/2010/main" Requires="p14">
+  <mc:AlternateContent xmlns:mc="http://schemas.openxmlformats.org/markup-compatibility/2006" xmlns:p14="http://schemas.microsoft.com/office/powerpoint/2010/main">
+    <mc:Choice Requires="p14">
       <p:transition spd="med" p14:dur="700">
         <p:fade/>
       </p:transition>
     </mc:Choice>
-    <mc:Fallback>
+    <mc:Fallback xmlns="">
       <p:transition spd="med">
         <p:fade/>
       </p:transition>
@@ -18346,40 +19045,40 @@
           <a:p>
             <a:r>
               <a:rPr lang="en-US" i="1" dirty="0"/>
-              <a:t>Do</a:t>
-            </a:r>
-            <a:r>
-              <a:rPr lang="en-US" dirty="0"/>
-              <a:t> add logging and telemetry collection</a:t>
-            </a:r>
+              <a:t>Don’t</a:t>
+            </a:r>
+            <a:r>
+              <a:rPr lang="en-US" dirty="0"/>
+              <a:t> build executable code using string </a:t>
+            </a:r>
+            <a:r>
+              <a:rPr lang="en-US" dirty="0" err="1"/>
+              <a:t>concatination</a:t>
+            </a:r>
+            <a:endParaRPr lang="en-US" dirty="0"/>
           </a:p>
           <a:p>
             <a:pPr lvl="1"/>
             <a:r>
+              <a:rPr lang="en-US" dirty="0"/>
+              <a:t>HTML, JavaScript, SQL, etc.</a:t>
+            </a:r>
+          </a:p>
+          <a:p>
+            <a:r>
               <a:rPr lang="en-US" i="1" dirty="0"/>
-              <a:t>Consider</a:t>
-            </a:r>
-            <a:r>
-              <a:rPr lang="en-US" dirty="0"/>
-              <a:t> using machine learning to detect suspicious user activities</a:t>
+              <a:t>Don’t</a:t>
+            </a:r>
+            <a:r>
+              <a:rPr lang="en-US" dirty="0"/>
+              <a:t> put secrets in unencrypted text files</a:t>
             </a:r>
           </a:p>
           <a:p>
             <a:pPr lvl="1"/>
             <a:r>
               <a:rPr lang="en-US" dirty="0"/>
-              <a:t>Be careful when adding PII to logs/telemetry (GDPR)</a:t>
-            </a:r>
-          </a:p>
-          <a:p>
-            <a:pPr lvl="1"/>
-            <a:r>
-              <a:rPr lang="en-US" i="1" dirty="0"/>
-              <a:t>Avoid</a:t>
-            </a:r>
-            <a:r>
-              <a:rPr lang="en-US" dirty="0"/>
-              <a:t> writing secrets to logs/telemetry</a:t>
+              <a:t>Always use password keepers (for humans and apps)</a:t>
             </a:r>
           </a:p>
           <a:p>
@@ -18389,27 +19088,39 @@
             </a:r>
             <a:r>
               <a:rPr lang="en-US" dirty="0"/>
-              <a:t> validate user input</a:t>
+              <a:t> setup CI/CD</a:t>
             </a:r>
           </a:p>
           <a:p>
             <a:pPr lvl="1"/>
             <a:r>
               <a:rPr lang="en-US" dirty="0"/>
-              <a:t>Client </a:t>
-            </a:r>
+              <a:t>Make sure CI/CD servers can be trusted</a:t>
+            </a:r>
+          </a:p>
+          <a:p>
+            <a:pPr lvl="1"/>
+            <a:r>
+              <a:rPr lang="en-US" dirty="0"/>
+              <a:t>Containers: Automate rebuilding when base images change</a:t>
+            </a:r>
+          </a:p>
+          <a:p>
             <a:r>
               <a:rPr lang="en-US" i="1" dirty="0"/>
-              <a:t>and</a:t>
-            </a:r>
-            <a:r>
-              <a:rPr lang="en-US" dirty="0"/>
-              <a:t> server</a:t>
+              <a:t>Do</a:t>
+            </a:r>
+            <a:r>
+              <a:rPr lang="en-US" dirty="0"/>
+              <a:t> write automated tests</a:t>
             </a:r>
           </a:p>
           <a:p>
             <a:pPr lvl="1"/>
-            <a:endParaRPr lang="en-US" dirty="0"/>
+            <a:r>
+              <a:rPr lang="en-US" dirty="0"/>
+              <a:t>Enables quick deployment of new versions and security patches</a:t>
+            </a:r>
           </a:p>
         </p:txBody>
       </p:sp>
@@ -18441,20 +19152,20 @@
     </p:spTree>
     <p:extLst>
       <p:ext uri="{BB962C8B-B14F-4D97-AF65-F5344CB8AC3E}">
-        <p14:creationId xmlns:p14="http://schemas.microsoft.com/office/powerpoint/2010/main" val="3901794154"/>
+        <p14:creationId xmlns:p14="http://schemas.microsoft.com/office/powerpoint/2010/main" val="2052058656"/>
       </p:ext>
     </p:extLst>
   </p:cSld>
   <p:clrMapOvr>
     <a:masterClrMapping/>
   </p:clrMapOvr>
-  <mc:AlternateContent xmlns:mc="http://schemas.openxmlformats.org/markup-compatibility/2006">
-    <mc:Choice xmlns:p14="http://schemas.microsoft.com/office/powerpoint/2010/main" Requires="p14">
+  <mc:AlternateContent xmlns:mc="http://schemas.openxmlformats.org/markup-compatibility/2006" xmlns:p14="http://schemas.microsoft.com/office/powerpoint/2010/main">
+    <mc:Choice Requires="p14">
       <p:transition spd="med" p14:dur="700">
         <p:fade/>
       </p:transition>
     </mc:Choice>
-    <mc:Fallback>
+    <mc:Fallback xmlns="">
       <p:transition spd="med">
         <p:fade/>
       </p:transition>
@@ -18482,10 +19193,10 @@
       </p:grpSpPr>
       <p:sp>
         <p:nvSpPr>
-          <p:cNvPr id="2" name="Title 1">
+          <p:cNvPr id="4" name="Title 3">
             <a:extLst>
               <a:ext uri="{FF2B5EF4-FFF2-40B4-BE49-F238E27FC236}">
-                <a16:creationId xmlns:a16="http://schemas.microsoft.com/office/drawing/2014/main" id="{F8FADD9F-D779-4FB6-A392-8DDB9F3A789C}"/>
+                <a16:creationId xmlns:a16="http://schemas.microsoft.com/office/drawing/2014/main" id="{817B7A26-5AA7-47AB-ABCB-4C5B3A34AF31}"/>
               </a:ext>
             </a:extLst>
           </p:cNvPr>
@@ -18502,19 +19213,18 @@
           <a:lstStyle/>
           <a:p>
             <a:r>
-              <a:rPr lang="de-AT" dirty="0" err="1"/>
-              <a:t>Cryptography</a:t>
-            </a:r>
-            <a:endParaRPr lang="de-AT" dirty="0"/>
-          </a:p>
-        </p:txBody>
-      </p:sp>
-      <p:sp>
-        <p:nvSpPr>
-          <p:cNvPr id="3" name="Text Placeholder 2">
+              <a:rPr lang="en-US"/>
+              <a:t>How to Write Secure .NET Code</a:t>
+            </a:r>
+          </a:p>
+        </p:txBody>
+      </p:sp>
+      <p:sp>
+        <p:nvSpPr>
+          <p:cNvPr id="5" name="Content Placeholder 4">
             <a:extLst>
               <a:ext uri="{FF2B5EF4-FFF2-40B4-BE49-F238E27FC236}">
-                <a16:creationId xmlns:a16="http://schemas.microsoft.com/office/drawing/2014/main" id="{72858DEE-163D-402F-981D-E182F9F8632E}"/>
+                <a16:creationId xmlns:a16="http://schemas.microsoft.com/office/drawing/2014/main" id="{310E7E37-F318-4E9A-BC42-0FDAF2177929}"/>
               </a:ext>
             </a:extLst>
           </p:cNvPr>
@@ -18522,7 +19232,7 @@
             <a:spLocks noGrp="1"/>
           </p:cNvSpPr>
           <p:nvPr>
-            <p:ph type="body" sz="quarter" idx="25"/>
+            <p:ph sz="quarter" idx="12"/>
           </p:nvPr>
         </p:nvSpPr>
         <p:spPr/>
@@ -18530,27 +19240,125 @@
           <a:bodyPr/>
           <a:lstStyle/>
           <a:p>
-            <a:endParaRPr lang="de-AT"/>
+            <a:r>
+              <a:rPr lang="en-US" i="1" dirty="0"/>
+              <a:t>Prefer</a:t>
+            </a:r>
+            <a:r>
+              <a:rPr lang="en-US" dirty="0"/>
+              <a:t> PaaS and/or Serverless</a:t>
+            </a:r>
+          </a:p>
+          <a:p>
+            <a:pPr lvl="1"/>
+            <a:r>
+              <a:rPr lang="en-US" i="1" dirty="0"/>
+              <a:t>Avoid</a:t>
+            </a:r>
+            <a:r>
+              <a:rPr lang="en-US" dirty="0"/>
+              <a:t> IaaS</a:t>
+            </a:r>
+          </a:p>
+          <a:p>
+            <a:pPr lvl="1"/>
+            <a:r>
+              <a:rPr lang="en-US" dirty="0"/>
+              <a:t>If IaaS cannot be avoided: Keep your system up to date (immutable infrastructure)</a:t>
+            </a:r>
+          </a:p>
+          <a:p>
+            <a:r>
+              <a:rPr lang="en-US" i="1" dirty="0"/>
+              <a:t>Don’t</a:t>
+            </a:r>
+            <a:r>
+              <a:rPr lang="en-US" dirty="0"/>
+              <a:t> invent your own encryption algorithms</a:t>
+            </a:r>
+          </a:p>
+          <a:p>
+            <a:pPr lvl="1"/>
+            <a:r>
+              <a:rPr lang="en-US" dirty="0"/>
+              <a:t>or write your own implementation of an existing one</a:t>
+            </a:r>
+          </a:p>
+          <a:p>
+            <a:pPr lvl="1"/>
+            <a:r>
+              <a:rPr lang="en-US" dirty="0"/>
+              <a:t>…unless it is your specific expertise</a:t>
+            </a:r>
+          </a:p>
+          <a:p>
+            <a:r>
+              <a:rPr lang="en-US" i="1" dirty="0"/>
+              <a:t>Don’t</a:t>
+            </a:r>
+            <a:r>
+              <a:rPr lang="en-US" dirty="0"/>
+              <a:t> invent your own security protocols</a:t>
+            </a:r>
+          </a:p>
+          <a:p>
+            <a:pPr lvl="1"/>
+            <a:r>
+              <a:rPr lang="en-US" dirty="0"/>
+              <a:t>or write your own implementation of an existing one</a:t>
+            </a:r>
+          </a:p>
+          <a:p>
+            <a:pPr lvl="1"/>
+            <a:r>
+              <a:rPr lang="en-US" dirty="0"/>
+              <a:t>…unless it is your specific expertise</a:t>
+            </a:r>
+          </a:p>
+        </p:txBody>
+      </p:sp>
+      <p:sp>
+        <p:nvSpPr>
+          <p:cNvPr id="6" name="Text Placeholder 5">
+            <a:extLst>
+              <a:ext uri="{FF2B5EF4-FFF2-40B4-BE49-F238E27FC236}">
+                <a16:creationId xmlns:a16="http://schemas.microsoft.com/office/drawing/2014/main" id="{5F85290E-E916-44AA-AA55-F4748D8D074A}"/>
+              </a:ext>
+            </a:extLst>
+          </p:cNvPr>
+          <p:cNvSpPr>
+            <a:spLocks noGrp="1"/>
+          </p:cNvSpPr>
+          <p:nvPr>
+            <p:ph type="body" sz="quarter" idx="23"/>
+          </p:nvPr>
+        </p:nvSpPr>
+        <p:spPr/>
+        <p:txBody>
+          <a:bodyPr/>
+          <a:lstStyle/>
+          <a:p>
+            <a:endParaRPr lang="en-US"/>
           </a:p>
         </p:txBody>
       </p:sp>
     </p:spTree>
     <p:extLst>
       <p:ext uri="{BB962C8B-B14F-4D97-AF65-F5344CB8AC3E}">
-        <p14:creationId xmlns:p14="http://schemas.microsoft.com/office/powerpoint/2010/main" val="2148398201"/>
+        <p14:creationId xmlns:p14="http://schemas.microsoft.com/office/powerpoint/2010/main" val="853072540"/>
       </p:ext>
     </p:extLst>
   </p:cSld>
   <p:clrMapOvr>
     <a:masterClrMapping/>
   </p:clrMapOvr>
-  <mc:AlternateContent xmlns:mc="http://schemas.openxmlformats.org/markup-compatibility/2006">
-    <mc:Choice xmlns:p14="http://schemas.microsoft.com/office/powerpoint/2010/main" Requires="p14">
+  <mc:AlternateContent xmlns:mc="http://schemas.openxmlformats.org/markup-compatibility/2006" xmlns:p14="http://schemas.microsoft.com/office/powerpoint/2010/main">
+    <mc:Choice Requires="p14">
       <p:transition spd="med" p14:dur="700">
         <p:fade/>
       </p:transition>
     </mc:Choice>
-    <mc:Fallback>
+    <mc:Fallback xmlns="">
       <p:transition spd="med">
         <p:fade/>
       </p:transition>
@@ -18581,7 +19389,7 @@
           <p:cNvPr id="4" name="Title 3">
             <a:extLst>
               <a:ext uri="{FF2B5EF4-FFF2-40B4-BE49-F238E27FC236}">
-                <a16:creationId xmlns:a16="http://schemas.microsoft.com/office/drawing/2014/main" id="{F7D06A31-CAA6-4A1D-95CF-6E7BDF91F333}"/>
+                <a16:creationId xmlns:a16="http://schemas.microsoft.com/office/drawing/2014/main" id="{817B7A26-5AA7-47AB-ABCB-4C5B3A34AF31}"/>
               </a:ext>
             </a:extLst>
           </p:cNvPr>
@@ -18599,7 +19407,7 @@
           <a:p>
             <a:r>
               <a:rPr lang="en-US"/>
-              <a:t>.NET Cryptography Model</a:t>
+              <a:t>How to Write Secure .NET Code</a:t>
             </a:r>
           </a:p>
         </p:txBody>
@@ -18609,7 +19417,7 @@
           <p:cNvPr id="5" name="Content Placeholder 4">
             <a:extLst>
               <a:ext uri="{FF2B5EF4-FFF2-40B4-BE49-F238E27FC236}">
-                <a16:creationId xmlns:a16="http://schemas.microsoft.com/office/drawing/2014/main" id="{54011BA5-17BD-489D-A00A-F2E3C59A411B}"/>
+                <a16:creationId xmlns:a16="http://schemas.microsoft.com/office/drawing/2014/main" id="{310E7E37-F318-4E9A-BC42-0FDAF2177929}"/>
               </a:ext>
             </a:extLst>
           </p:cNvPr>
@@ -18626,329 +19434,71 @@
           <a:lstStyle/>
           <a:p>
             <a:r>
-              <a:rPr lang="en-US" dirty="0"/>
-              <a:t>Derived class hierarchy</a:t>
+              <a:rPr lang="en-US" i="1" dirty="0"/>
+              <a:t>Do</a:t>
+            </a:r>
+            <a:r>
+              <a:rPr lang="en-US" dirty="0"/>
+              <a:t> add logging and telemetry collection</a:t>
             </a:r>
           </a:p>
           <a:p>
             <a:pPr lvl="1"/>
             <a:r>
-              <a:rPr lang="en-US" dirty="0"/>
-              <a:t>Basic </a:t>
-            </a:r>
-            <a:r>
-              <a:rPr lang="en-US" dirty="0">
-                <a:solidFill>
-                  <a:schemeClr val="accent2"/>
-                </a:solidFill>
-              </a:rPr>
-              <a:t>algorithm types</a:t>
-            </a:r>
-            <a:r>
-              <a:rPr lang="en-US" dirty="0"/>
-              <a:t> (e.g. </a:t>
-            </a:r>
-            <a:r>
-              <a:rPr lang="en-US" dirty="0" err="1">
-                <a:hlinkClick r:id="rId2"/>
-              </a:rPr>
-              <a:t>SymmetricAlgorithm</a:t>
-            </a:r>
-            <a:r>
-              <a:rPr lang="en-US" dirty="0"/>
-              <a:t>, </a:t>
-            </a:r>
-            <a:r>
-              <a:rPr lang="en-US" dirty="0" err="1">
-                <a:hlinkClick r:id="rId3"/>
-              </a:rPr>
-              <a:t>AsymmetricAlgorithm</a:t>
-            </a:r>
-            <a:r>
-              <a:rPr lang="en-US" dirty="0"/>
-              <a:t>, </a:t>
-            </a:r>
-            <a:r>
-              <a:rPr lang="en-US" dirty="0" err="1">
-                <a:hlinkClick r:id="rId4"/>
-              </a:rPr>
-              <a:t>HashAlgorithm</a:t>
-            </a:r>
-            <a:r>
-              <a:rPr lang="en-US" dirty="0"/>
-              <a:t>)</a:t>
-            </a:r>
-            <a:endParaRPr lang="en-US" u="sng" dirty="0"/>
+              <a:rPr lang="en-US" i="1" dirty="0"/>
+              <a:t>Consider</a:t>
+            </a:r>
+            <a:r>
+              <a:rPr lang="en-US" dirty="0"/>
+              <a:t> using machine learning to detect suspicious user activities</a:t>
+            </a:r>
           </a:p>
           <a:p>
             <a:pPr lvl="1"/>
             <a:r>
-              <a:rPr lang="en-US" dirty="0">
-                <a:solidFill>
-                  <a:schemeClr val="accent2"/>
-                </a:solidFill>
-              </a:rPr>
-              <a:t>Algorithm</a:t>
-            </a:r>
-            <a:r>
-              <a:rPr lang="en-US" dirty="0"/>
-              <a:t> classes (e.g.  </a:t>
-            </a:r>
-            <a:r>
-              <a:rPr lang="en-US" dirty="0" err="1">
-                <a:hlinkClick r:id="rId5"/>
-              </a:rPr>
-              <a:t>Aes</a:t>
-            </a:r>
-            <a:r>
-              <a:rPr lang="en-US" dirty="0"/>
-              <a:t>, </a:t>
-            </a:r>
-            <a:r>
-              <a:rPr lang="en-US" dirty="0">
-                <a:hlinkClick r:id="rId6"/>
-              </a:rPr>
-              <a:t>RC2</a:t>
-            </a:r>
-            <a:r>
-              <a:rPr lang="en-US" dirty="0"/>
-              <a:t>, </a:t>
-            </a:r>
-            <a:r>
-              <a:rPr lang="en-US" dirty="0" err="1">
-                <a:hlinkClick r:id="rId7"/>
-              </a:rPr>
-              <a:t>ECDiffieHellman</a:t>
-            </a:r>
-            <a:r>
-              <a:rPr lang="en-US" dirty="0"/>
-              <a:t>)</a:t>
+              <a:rPr lang="en-US" dirty="0"/>
+              <a:t>Be careful when adding PII to logs/telemetry (GDPR)</a:t>
             </a:r>
           </a:p>
           <a:p>
             <a:pPr lvl="1"/>
             <a:r>
-              <a:rPr lang="en-US" dirty="0"/>
-              <a:t>Algorithm </a:t>
-            </a:r>
-            <a:r>
-              <a:rPr lang="en-US" dirty="0">
-                <a:solidFill>
-                  <a:schemeClr val="accent2"/>
-                </a:solidFill>
-              </a:rPr>
-              <a:t>implementations</a:t>
-            </a:r>
-            <a:r>
-              <a:rPr lang="en-US" dirty="0"/>
-              <a:t> (e.g.  </a:t>
-            </a:r>
-            <a:r>
-              <a:rPr lang="en-US" dirty="0" err="1">
-                <a:hlinkClick r:id="rId8"/>
-              </a:rPr>
-              <a:t>AesManaged</a:t>
-            </a:r>
-            <a:r>
-              <a:rPr lang="en-US" dirty="0"/>
-              <a:t>, </a:t>
-            </a:r>
-            <a:r>
-              <a:rPr lang="en-US" dirty="0">
-                <a:hlinkClick r:id="rId9"/>
-              </a:rPr>
-              <a:t>RC2CryptoServiceProvider</a:t>
-            </a:r>
-            <a:r>
-              <a:rPr lang="en-US" dirty="0"/>
-              <a:t>)</a:t>
-            </a:r>
-          </a:p>
-          <a:p>
-            <a:r>
-              <a:rPr lang="en-US" dirty="0"/>
-              <a:t>Different implementations</a:t>
+              <a:rPr lang="en-US" i="1" dirty="0"/>
+              <a:t>Avoid</a:t>
+            </a:r>
+            <a:r>
+              <a:rPr lang="en-US" dirty="0"/>
+              <a:t> writing secrets to logs/telemetry</a:t>
+            </a:r>
+          </a:p>
+          <a:p>
+            <a:r>
+              <a:rPr lang="en-US" i="1" dirty="0"/>
+              <a:t>Do</a:t>
+            </a:r>
+            <a:r>
+              <a:rPr lang="en-US" dirty="0"/>
+              <a:t> validate user input</a:t>
             </a:r>
           </a:p>
           <a:p>
             <a:pPr lvl="1"/>
             <a:r>
               <a:rPr lang="en-US" dirty="0"/>
-              <a:t>E.g. </a:t>
-            </a:r>
-            <a:r>
-              <a:rPr lang="en-US" dirty="0" err="1">
-                <a:hlinkClick r:id="rId5"/>
-              </a:rPr>
-              <a:t>Aes</a:t>
-            </a:r>
-            <a:r>
-              <a:rPr lang="en-US" dirty="0"/>
-              <a:t> </a:t>
-            </a:r>
-            <a:r>
-              <a:rPr lang="en-US" dirty="0">
-                <a:sym typeface="Wingdings" panose="05000000000000000000" pitchFamily="2" charset="2"/>
-              </a:rPr>
-              <a:t> </a:t>
-            </a:r>
-            <a:r>
-              <a:rPr lang="en-US" dirty="0" err="1">
-                <a:sym typeface="Wingdings" panose="05000000000000000000" pitchFamily="2" charset="2"/>
-                <a:hlinkClick r:id="rId10"/>
-              </a:rPr>
-              <a:t>AesCng</a:t>
-            </a:r>
-            <a:r>
-              <a:rPr lang="en-US" dirty="0">
-                <a:sym typeface="Wingdings" panose="05000000000000000000" pitchFamily="2" charset="2"/>
-              </a:rPr>
-              <a:t>, </a:t>
-            </a:r>
-            <a:r>
-              <a:rPr lang="en-US" dirty="0" err="1">
-                <a:hlinkClick r:id="rId11"/>
-              </a:rPr>
-              <a:t>AesCryptoServiceProvider</a:t>
-            </a:r>
-            <a:r>
-              <a:rPr lang="en-US" dirty="0"/>
-              <a:t>, </a:t>
-            </a:r>
-            <a:r>
-              <a:rPr lang="en-US" dirty="0" err="1">
-                <a:hlinkClick r:id="rId8"/>
-              </a:rPr>
-              <a:t>AesManaged</a:t>
-            </a:r>
+              <a:t>Client </a:t>
+            </a:r>
+            <a:r>
+              <a:rPr lang="en-US" i="1" dirty="0"/>
+              <a:t>and</a:t>
+            </a:r>
+            <a:r>
+              <a:rPr lang="en-US" dirty="0"/>
+              <a:t> server</a:t>
+            </a:r>
+          </a:p>
+          <a:p>
+            <a:pPr lvl="1"/>
             <a:endParaRPr lang="en-US" dirty="0"/>
-          </a:p>
-          <a:p>
-            <a:pPr lvl="1"/>
-            <a:r>
-              <a:rPr lang="en-US" i="1" dirty="0" err="1"/>
-              <a:t>CryptoServiceProvider</a:t>
-            </a:r>
-            <a:r>
-              <a:rPr lang="en-US" dirty="0"/>
-              <a:t> </a:t>
-            </a:r>
-            <a:r>
-              <a:rPr lang="en-US" dirty="0">
-                <a:sym typeface="Wingdings" panose="05000000000000000000" pitchFamily="2" charset="2"/>
-              </a:rPr>
-              <a:t> wrapper around </a:t>
-            </a:r>
-            <a:r>
-              <a:rPr lang="en-US" i="1" dirty="0">
-                <a:sym typeface="Wingdings" panose="05000000000000000000" pitchFamily="2" charset="2"/>
-              </a:rPr>
-              <a:t>Windows Crypto API</a:t>
-            </a:r>
-            <a:r>
-              <a:rPr lang="en-US" dirty="0">
-                <a:sym typeface="Wingdings" panose="05000000000000000000" pitchFamily="2" charset="2"/>
-              </a:rPr>
-              <a:t> (</a:t>
-            </a:r>
-            <a:r>
-              <a:rPr lang="en-US" i="1" dirty="0">
-                <a:sym typeface="Wingdings" panose="05000000000000000000" pitchFamily="2" charset="2"/>
-              </a:rPr>
-              <a:t>CAPI</a:t>
-            </a:r>
-            <a:r>
-              <a:rPr lang="en-US" dirty="0">
-                <a:sym typeface="Wingdings" panose="05000000000000000000" pitchFamily="2" charset="2"/>
-              </a:rPr>
-              <a:t>); </a:t>
-            </a:r>
-            <a:r>
-              <a:rPr lang="en-US" dirty="0">
-                <a:solidFill>
-                  <a:schemeClr val="accent2"/>
-                </a:solidFill>
-                <a:sym typeface="Wingdings" panose="05000000000000000000" pitchFamily="2" charset="2"/>
-              </a:rPr>
-              <a:t>legacy</a:t>
-            </a:r>
-          </a:p>
-          <a:p>
-            <a:pPr lvl="1"/>
-            <a:r>
-              <a:rPr lang="en-US" i="1" dirty="0">
-                <a:sym typeface="Wingdings" panose="05000000000000000000" pitchFamily="2" charset="2"/>
-              </a:rPr>
-              <a:t>Managed</a:t>
-            </a:r>
-            <a:r>
-              <a:rPr lang="en-US" dirty="0">
-                <a:sym typeface="Wingdings" panose="05000000000000000000" pitchFamily="2" charset="2"/>
-              </a:rPr>
-              <a:t>  written entirely in managed Code; </a:t>
-            </a:r>
-            <a:r>
-              <a:rPr lang="en-US" dirty="0">
-                <a:solidFill>
-                  <a:schemeClr val="accent2"/>
-                </a:solidFill>
-                <a:sym typeface="Wingdings" panose="05000000000000000000" pitchFamily="2" charset="2"/>
-              </a:rPr>
-              <a:t>x-plat, slower, not certified</a:t>
-            </a:r>
-          </a:p>
-          <a:p>
-            <a:pPr lvl="1"/>
-            <a:r>
-              <a:rPr lang="en-US" i="1" dirty="0" err="1">
-                <a:sym typeface="Wingdings" panose="05000000000000000000" pitchFamily="2" charset="2"/>
-              </a:rPr>
-              <a:t>Cng</a:t>
-            </a:r>
-            <a:r>
-              <a:rPr lang="en-US" dirty="0">
-                <a:sym typeface="Wingdings" panose="05000000000000000000" pitchFamily="2" charset="2"/>
-              </a:rPr>
-              <a:t>  </a:t>
-            </a:r>
-            <a:r>
-              <a:rPr lang="en-US" i="1" dirty="0">
-                <a:sym typeface="Wingdings" panose="05000000000000000000" pitchFamily="2" charset="2"/>
-              </a:rPr>
-              <a:t>Cryptography Next Generation</a:t>
-            </a:r>
-            <a:r>
-              <a:rPr lang="en-US" dirty="0">
-                <a:sym typeface="Wingdings" panose="05000000000000000000" pitchFamily="2" charset="2"/>
-              </a:rPr>
-              <a:t> (</a:t>
-            </a:r>
-            <a:r>
-              <a:rPr lang="en-US" i="1" dirty="0">
-                <a:sym typeface="Wingdings" panose="05000000000000000000" pitchFamily="2" charset="2"/>
-              </a:rPr>
-              <a:t>CNG</a:t>
-            </a:r>
-            <a:r>
-              <a:rPr lang="en-US" dirty="0">
-                <a:sym typeface="Wingdings" panose="05000000000000000000" pitchFamily="2" charset="2"/>
-              </a:rPr>
-              <a:t>), Windows &gt;= Vista, </a:t>
-            </a:r>
-            <a:r>
-              <a:rPr lang="en-US" dirty="0">
-                <a:solidFill>
-                  <a:schemeClr val="accent2"/>
-                </a:solidFill>
-                <a:sym typeface="Wingdings" panose="05000000000000000000" pitchFamily="2" charset="2"/>
-              </a:rPr>
-              <a:t>actively developed</a:t>
-            </a:r>
-            <a:endParaRPr lang="en-US" dirty="0">
-              <a:solidFill>
-                <a:schemeClr val="accent2"/>
-              </a:solidFill>
-            </a:endParaRPr>
           </a:p>
         </p:txBody>
       </p:sp>
@@ -18957,7 +19507,7 @@
           <p:cNvPr id="6" name="Text Placeholder 5">
             <a:extLst>
               <a:ext uri="{FF2B5EF4-FFF2-40B4-BE49-F238E27FC236}">
-                <a16:creationId xmlns:a16="http://schemas.microsoft.com/office/drawing/2014/main" id="{C661C493-16AA-46FE-A46C-0721D75073F2}"/>
+                <a16:creationId xmlns:a16="http://schemas.microsoft.com/office/drawing/2014/main" id="{5F85290E-E916-44AA-AA55-F4748D8D074A}"/>
               </a:ext>
             </a:extLst>
           </p:cNvPr>
@@ -18973,67 +19523,27 @@
           <a:bodyPr/>
           <a:lstStyle/>
           <a:p>
-            <a:r>
-              <a:rPr lang="en-US" dirty="0"/>
-              <a:t>See also </a:t>
-            </a:r>
-            <a:r>
-              <a:rPr lang="de-AT" dirty="0">
-                <a:hlinkClick r:id="rId12"/>
-              </a:rPr>
-              <a:t>Recommended </a:t>
-            </a:r>
-            <a:r>
-              <a:rPr lang="de-AT" dirty="0" err="1">
-                <a:hlinkClick r:id="rId12"/>
-              </a:rPr>
-              <a:t>algorithms</a:t>
-            </a:r>
-            <a:r>
-              <a:rPr lang="de-AT" dirty="0">
-                <a:hlinkClick r:id="rId12"/>
-              </a:rPr>
-              <a:t> </a:t>
-            </a:r>
-            <a:r>
-              <a:rPr lang="de-AT" dirty="0" err="1">
-                <a:hlinkClick r:id="rId12"/>
-              </a:rPr>
-              <a:t>by</a:t>
-            </a:r>
-            <a:r>
-              <a:rPr lang="de-AT" dirty="0">
-                <a:hlinkClick r:id="rId12"/>
-              </a:rPr>
-              <a:t> </a:t>
-            </a:r>
-            <a:r>
-              <a:rPr lang="de-AT" dirty="0" err="1">
-                <a:hlinkClick r:id="rId12"/>
-              </a:rPr>
-              <a:t>application</a:t>
-            </a:r>
-            <a:endParaRPr lang="en-US" dirty="0"/>
+            <a:endParaRPr lang="en-US"/>
           </a:p>
         </p:txBody>
       </p:sp>
     </p:spTree>
     <p:extLst>
       <p:ext uri="{BB962C8B-B14F-4D97-AF65-F5344CB8AC3E}">
-        <p14:creationId xmlns:p14="http://schemas.microsoft.com/office/powerpoint/2010/main" val="2971256026"/>
+        <p14:creationId xmlns:p14="http://schemas.microsoft.com/office/powerpoint/2010/main" val="3901794154"/>
       </p:ext>
     </p:extLst>
   </p:cSld>
   <p:clrMapOvr>
     <a:masterClrMapping/>
   </p:clrMapOvr>
-  <mc:AlternateContent xmlns:mc="http://schemas.openxmlformats.org/markup-compatibility/2006">
-    <mc:Choice xmlns:p14="http://schemas.microsoft.com/office/powerpoint/2010/main" Requires="p14">
+  <mc:AlternateContent xmlns:mc="http://schemas.openxmlformats.org/markup-compatibility/2006" xmlns:p14="http://schemas.microsoft.com/office/powerpoint/2010/main">
+    <mc:Choice Requires="p14">
       <p:transition spd="med" p14:dur="700">
         <p:fade/>
       </p:transition>
     </mc:Choice>
-    <mc:Fallback>
+    <mc:Fallback xmlns="">
       <p:transition spd="med">
         <p:fade/>
       </p:transition>
@@ -19064,7 +19574,7 @@
           <p:cNvPr id="2" name="Title 1">
             <a:extLst>
               <a:ext uri="{FF2B5EF4-FFF2-40B4-BE49-F238E27FC236}">
-                <a16:creationId xmlns:a16="http://schemas.microsoft.com/office/drawing/2014/main" id="{044ED3A1-BB93-4D64-8C76-672C48B10F1A}"/>
+                <a16:creationId xmlns:a16="http://schemas.microsoft.com/office/drawing/2014/main" id="{F8FADD9F-D779-4FB6-A392-8DDB9F3A789C}"/>
               </a:ext>
             </a:extLst>
           </p:cNvPr>
@@ -19081,18 +19591,19 @@
           <a:lstStyle/>
           <a:p>
             <a:r>
-              <a:rPr lang="en-US"/>
-              <a:t>Stream Design</a:t>
-            </a:r>
-          </a:p>
-        </p:txBody>
-      </p:sp>
-      <p:sp>
-        <p:nvSpPr>
-          <p:cNvPr id="3" name="Content Placeholder 2">
+              <a:rPr lang="de-AT" dirty="0" err="1"/>
+              <a:t>Cryptography</a:t>
+            </a:r>
+            <a:endParaRPr lang="de-AT" dirty="0"/>
+          </a:p>
+        </p:txBody>
+      </p:sp>
+      <p:sp>
+        <p:nvSpPr>
+          <p:cNvPr id="3" name="Text Placeholder 2">
             <a:extLst>
               <a:ext uri="{FF2B5EF4-FFF2-40B4-BE49-F238E27FC236}">
-                <a16:creationId xmlns:a16="http://schemas.microsoft.com/office/drawing/2014/main" id="{AA0B7DB4-CD49-418C-A2CE-62711F6BF3BA}"/>
+                <a16:creationId xmlns:a16="http://schemas.microsoft.com/office/drawing/2014/main" id="{72858DEE-163D-402F-981D-E182F9F8632E}"/>
               </a:ext>
             </a:extLst>
           </p:cNvPr>
@@ -19100,7 +19611,7 @@
             <a:spLocks noGrp="1"/>
           </p:cNvSpPr>
           <p:nvPr>
-            <p:ph sz="quarter" idx="12"/>
+            <p:ph type="body" sz="quarter" idx="25"/>
           </p:nvPr>
         </p:nvSpPr>
         <p:spPr/>
@@ -19108,92 +19619,27 @@
           <a:bodyPr/>
           <a:lstStyle/>
           <a:p>
-            <a:r>
-              <a:rPr lang="en-US" dirty="0"/>
-              <a:t>For symmetric and hash algorithms</a:t>
-            </a:r>
-            <a:endParaRPr lang="en-US" u="sng" dirty="0">
-              <a:hlinkClick r:id="rId2"/>
-            </a:endParaRPr>
-          </a:p>
-          <a:p>
-            <a:r>
-              <a:rPr lang="en-US" dirty="0" err="1">
-                <a:hlinkClick r:id="rId2"/>
-              </a:rPr>
-              <a:t>CryptoStream</a:t>
-            </a:r>
-            <a:endParaRPr lang="en-US" dirty="0"/>
-          </a:p>
-          <a:p>
-            <a:pPr lvl="1"/>
-            <a:r>
-              <a:rPr lang="en-US" dirty="0"/>
-              <a:t>Derived from </a:t>
-            </a:r>
-            <a:r>
-              <a:rPr lang="en-US" i="1" dirty="0" err="1"/>
-              <a:t>System.IO.Stream</a:t>
-            </a:r>
-            <a:endParaRPr lang="en-US" i="1" dirty="0"/>
-          </a:p>
-          <a:p>
-            <a:r>
-              <a:rPr lang="en-US" dirty="0"/>
-              <a:t>Can be chained</a:t>
-            </a:r>
-          </a:p>
-          <a:p>
-            <a:pPr lvl="1"/>
-            <a:r>
-              <a:rPr lang="en-US" dirty="0"/>
-              <a:t>E.g. hash, followed by encryption</a:t>
-            </a:r>
-          </a:p>
-        </p:txBody>
-      </p:sp>
-      <p:sp>
-        <p:nvSpPr>
-          <p:cNvPr id="4" name="Text Placeholder 3">
-            <a:extLst>
-              <a:ext uri="{FF2B5EF4-FFF2-40B4-BE49-F238E27FC236}">
-                <a16:creationId xmlns:a16="http://schemas.microsoft.com/office/drawing/2014/main" id="{9319D972-6E9C-437E-880A-1A8D365AEBC0}"/>
-              </a:ext>
-            </a:extLst>
-          </p:cNvPr>
-          <p:cNvSpPr>
-            <a:spLocks noGrp="1"/>
-          </p:cNvSpPr>
-          <p:nvPr>
-            <p:ph type="body" sz="quarter" idx="23"/>
-          </p:nvPr>
-        </p:nvSpPr>
-        <p:spPr/>
-        <p:txBody>
-          <a:bodyPr/>
-          <a:lstStyle/>
-          <a:p>
-            <a:endParaRPr lang="en-US"/>
+            <a:endParaRPr lang="de-AT"/>
           </a:p>
         </p:txBody>
       </p:sp>
     </p:spTree>
     <p:extLst>
       <p:ext uri="{BB962C8B-B14F-4D97-AF65-F5344CB8AC3E}">
-        <p14:creationId xmlns:p14="http://schemas.microsoft.com/office/powerpoint/2010/main" val="3353125863"/>
+        <p14:creationId xmlns:p14="http://schemas.microsoft.com/office/powerpoint/2010/main" val="2148398201"/>
       </p:ext>
     </p:extLst>
   </p:cSld>
   <p:clrMapOvr>
     <a:masterClrMapping/>
   </p:clrMapOvr>
-  <mc:AlternateContent xmlns:mc="http://schemas.openxmlformats.org/markup-compatibility/2006">
-    <mc:Choice xmlns:p14="http://schemas.microsoft.com/office/powerpoint/2010/main" Requires="p14">
+  <mc:AlternateContent xmlns:mc="http://schemas.openxmlformats.org/markup-compatibility/2006" xmlns:p14="http://schemas.microsoft.com/office/powerpoint/2010/main">
+    <mc:Choice Requires="p14">
       <p:transition spd="med" p14:dur="700">
         <p:fade/>
       </p:transition>
     </mc:Choice>
-    <mc:Fallback>
+    <mc:Fallback xmlns="">
       <p:transition spd="med">
         <p:fade/>
       </p:transition>
@@ -19999,21 +20445,6 @@
 </file>
 
 <file path=customXml/item1.xml><?xml version="1.0" encoding="utf-8"?>
-<p:properties xmlns:p="http://schemas.microsoft.com/office/2006/metadata/properties" xmlns:xsi="http://www.w3.org/2001/XMLSchema-instance">
-  <documentManagement/>
-</p:properties>
-</file>
-
-<file path=customXml/item2.xml><?xml version="1.0" encoding="utf-8"?>
-<?mso-contentType ?>
-<FormTemplates xmlns="http://schemas.microsoft.com/sharepoint/v3/contenttype/forms">
-  <Display>DocumentLibraryForm</Display>
-  <Edit>DocumentLibraryForm</Edit>
-  <New>DocumentLibraryForm</New>
-</FormTemplates>
-</file>
-
-<file path=customXml/item3.xml><?xml version="1.0" encoding="utf-8"?>
 <ct:contentTypeSchema xmlns:ct="http://schemas.microsoft.com/office/2006/metadata/contentType" xmlns:ma="http://schemas.microsoft.com/office/2006/metadata/properties/metaAttributes" ct:_="" ma:_="" ma:contentTypeName="Document" ma:contentTypeID="0x0101006C90029AD581154692170791F90B0BA6" ma:contentTypeVersion="0" ma:contentTypeDescription="Create a new document." ma:contentTypeScope="" ma:versionID="453f2a28f59e13bb333d4563bd7e6ec5">
   <xsd:schema xmlns:xsd="http://www.w3.org/2001/XMLSchema" xmlns:p="http://schemas.microsoft.com/office/2006/metadata/properties" targetNamespace="http://schemas.microsoft.com/office/2006/metadata/properties" ma:root="true" ma:fieldsID="4aeb20c0e3442673af7ee10786458764">
     <xsd:element name="properties">
@@ -20062,16 +20493,32 @@
 </ct:contentTypeSchema>
 </file>
 
+<file path=customXml/item2.xml><?xml version="1.0" encoding="utf-8"?>
+<?mso-contentType ?>
+<FormTemplates xmlns="http://schemas.microsoft.com/sharepoint/v3/contenttype/forms">
+  <Display>DocumentLibraryForm</Display>
+  <Edit>DocumentLibraryForm</Edit>
+  <New>DocumentLibraryForm</New>
+</FormTemplates>
+</file>
+
+<file path=customXml/item3.xml><?xml version="1.0" encoding="utf-8"?>
+<p:properties xmlns:p="http://schemas.microsoft.com/office/2006/metadata/properties" xmlns:xsi="http://www.w3.org/2001/XMLSchema-instance">
+  <documentManagement/>
+</p:properties>
+</file>
+
 <file path=customXml/itemProps1.xml><?xml version="1.0" encoding="utf-8"?>
-<ds:datastoreItem xmlns:ds="http://schemas.openxmlformats.org/officeDocument/2006/customXml" ds:itemID="{03D43D4A-F5F8-47F6-A4EC-521F433C91BF}">
+<ds:datastoreItem xmlns:ds="http://schemas.openxmlformats.org/officeDocument/2006/customXml" ds:itemID="{14A11C81-3A20-458B-AC33-D8C9DB9BBB4A}">
   <ds:schemaRefs>
+    <ds:schemaRef ds:uri="http://schemas.microsoft.com/office/2006/metadata/contentType"/>
+    <ds:schemaRef ds:uri="http://schemas.microsoft.com/office/2006/metadata/properties/metaAttributes"/>
+    <ds:schemaRef ds:uri="http://www.w3.org/2001/XMLSchema"/>
     <ds:schemaRef ds:uri="http://schemas.microsoft.com/office/2006/metadata/properties"/>
+    <ds:schemaRef ds:uri="http://schemas.openxmlformats.org/package/2006/metadata/core-properties"/>
+    <ds:schemaRef ds:uri="http://purl.org/dc/elements/1.1/"/>
     <ds:schemaRef ds:uri="http://purl.org/dc/terms/"/>
-    <ds:schemaRef ds:uri="http://schemas.openxmlformats.org/package/2006/metadata/core-properties"/>
-    <ds:schemaRef ds:uri="http://schemas.microsoft.com/office/2006/documentManagement/types"/>
-    <ds:schemaRef ds:uri="http://purl.org/dc/elements/1.1/"/>
-    <ds:schemaRef ds:uri="http://www.w3.org/XML/1998/namespace"/>
-    <ds:schemaRef ds:uri="http://purl.org/dc/dcmitype/"/>
+    <ds:schemaRef ds:uri="http://schemas.microsoft.com/office/internal/2005/internalDocumentation"/>
   </ds:schemaRefs>
 </ds:datastoreItem>
 </file>
@@ -20085,16 +20532,15 @@
 </file>
 
 <file path=customXml/itemProps3.xml><?xml version="1.0" encoding="utf-8"?>
-<ds:datastoreItem xmlns:ds="http://schemas.openxmlformats.org/officeDocument/2006/customXml" ds:itemID="{14A11C81-3A20-458B-AC33-D8C9DB9BBB4A}">
+<ds:datastoreItem xmlns:ds="http://schemas.openxmlformats.org/officeDocument/2006/customXml" ds:itemID="{03D43D4A-F5F8-47F6-A4EC-521F433C91BF}">
   <ds:schemaRefs>
-    <ds:schemaRef ds:uri="http://schemas.microsoft.com/office/2006/metadata/contentType"/>
-    <ds:schemaRef ds:uri="http://schemas.microsoft.com/office/2006/metadata/properties/metaAttributes"/>
-    <ds:schemaRef ds:uri="http://www.w3.org/2001/XMLSchema"/>
+    <ds:schemaRef ds:uri="http://purl.org/dc/terms/"/>
+    <ds:schemaRef ds:uri="http://schemas.openxmlformats.org/package/2006/metadata/core-properties"/>
+    <ds:schemaRef ds:uri="http://purl.org/dc/dcmitype/"/>
+    <ds:schemaRef ds:uri="http://purl.org/dc/elements/1.1/"/>
     <ds:schemaRef ds:uri="http://schemas.microsoft.com/office/2006/metadata/properties"/>
-    <ds:schemaRef ds:uri="http://schemas.openxmlformats.org/package/2006/metadata/core-properties"/>
-    <ds:schemaRef ds:uri="http://purl.org/dc/elements/1.1/"/>
-    <ds:schemaRef ds:uri="http://purl.org/dc/terms/"/>
-    <ds:schemaRef ds:uri="http://schemas.microsoft.com/office/internal/2005/internalDocumentation"/>
+    <ds:schemaRef ds:uri="http://schemas.microsoft.com/office/2006/documentManagement/types"/>
+    <ds:schemaRef ds:uri="http://www.w3.org/XML/1998/namespace"/>
   </ds:schemaRefs>
 </ds:datastoreItem>
 </file>
--- a/Slides/Secure-Coding-Dot-Net.pptx
+++ b/Slides/Secure-Coding-Dot-Net.pptx
@@ -12749,36 +12749,38 @@
           <a:lstStyle/>
           <a:p>
             <a:r>
-              <a:rPr lang="en-US"/>
+              <a:rPr lang="en-US" dirty="0"/>
               <a:t>Pseudo-random numbers</a:t>
             </a:r>
           </a:p>
           <a:p>
             <a:pPr lvl="1"/>
             <a:r>
-              <a:rPr lang="en-US" i="1"/>
+              <a:rPr lang="en-US" i="1" dirty="0" err="1"/>
               <a:t>System.Random</a:t>
             </a:r>
+            <a:endParaRPr lang="en-US" i="1" dirty="0"/>
           </a:p>
           <a:p>
             <a:pPr lvl="1"/>
             <a:r>
-              <a:rPr lang="en-US"/>
+              <a:rPr lang="en-US" dirty="0"/>
               <a:t>Predictable</a:t>
             </a:r>
           </a:p>
           <a:p>
             <a:r>
-              <a:rPr lang="en-US"/>
+              <a:rPr lang="en-US" dirty="0"/>
               <a:t>Secure random numbers</a:t>
             </a:r>
           </a:p>
           <a:p>
             <a:pPr lvl="1"/>
             <a:r>
-              <a:rPr lang="en-US" i="1"/>
+              <a:rPr lang="en-US" i="1" dirty="0" err="1"/>
               <a:t>RNGCryptoServiceProvider</a:t>
             </a:r>
+            <a:endParaRPr lang="en-US" i="1" dirty="0"/>
           </a:p>
         </p:txBody>
       </p:sp>
@@ -14047,7 +14049,7 @@
           <a:lstStyle/>
           <a:p>
             <a:r>
-              <a:rPr lang="de-AT" dirty="0"/>
+              <a:rPr lang="en-US"/>
               <a:t>Environment Variables</a:t>
             </a:r>
           </a:p>
@@ -14075,408 +14077,98 @@
           <a:lstStyle/>
           <a:p>
             <a:r>
-              <a:rPr lang="de-AT" dirty="0"/>
-              <a:t>Add non-</a:t>
-            </a:r>
-            <a:r>
-              <a:rPr lang="de-AT" dirty="0" err="1"/>
-              <a:t>critical</a:t>
-            </a:r>
-            <a:r>
-              <a:rPr lang="de-AT" dirty="0"/>
-              <a:t> </a:t>
-            </a:r>
-            <a:r>
-              <a:rPr lang="de-AT" dirty="0" err="1"/>
-              <a:t>defaults</a:t>
-            </a:r>
-            <a:r>
-              <a:rPr lang="de-AT" dirty="0"/>
-              <a:t> </a:t>
-            </a:r>
-            <a:r>
-              <a:rPr lang="de-AT" dirty="0" err="1"/>
-              <a:t>to</a:t>
-            </a:r>
-            <a:r>
-              <a:rPr lang="de-AT" dirty="0"/>
-              <a:t> </a:t>
-            </a:r>
-            <a:r>
-              <a:rPr lang="de-AT" dirty="0" err="1"/>
-              <a:t>config</a:t>
-            </a:r>
-            <a:r>
-              <a:rPr lang="de-AT" dirty="0"/>
-              <a:t> </a:t>
-            </a:r>
-            <a:r>
-              <a:rPr lang="de-AT" dirty="0" err="1"/>
-              <a:t>files</a:t>
-            </a:r>
-            <a:r>
-              <a:rPr lang="de-AT" dirty="0"/>
-              <a:t> (e.g. </a:t>
-            </a:r>
-            <a:r>
-              <a:rPr lang="de-AT" i="1" dirty="0" err="1"/>
+              <a:rPr lang="en-US"/>
+              <a:t>Add non-critical defaults to config files (e.g. </a:t>
+            </a:r>
+            <a:r>
+              <a:rPr lang="en-US" i="1"/>
               <a:t>appsettings.json</a:t>
             </a:r>
             <a:r>
-              <a:rPr lang="de-AT" dirty="0"/>
+              <a:rPr lang="en-US"/>
               <a:t>)</a:t>
             </a:r>
           </a:p>
           <a:p>
             <a:pPr lvl="1"/>
             <a:r>
-              <a:rPr lang="de-AT" dirty="0"/>
-              <a:t>E.g. Connection </a:t>
-            </a:r>
-            <a:r>
-              <a:rPr lang="de-AT" dirty="0" err="1"/>
-              <a:t>string</a:t>
-            </a:r>
-            <a:r>
-              <a:rPr lang="de-AT" dirty="0"/>
-              <a:t> </a:t>
-            </a:r>
-            <a:r>
-              <a:rPr lang="de-AT" dirty="0" err="1"/>
-              <a:t>pointing</a:t>
-            </a:r>
-            <a:r>
-              <a:rPr lang="de-AT" dirty="0"/>
-              <a:t> </a:t>
-            </a:r>
-            <a:r>
-              <a:rPr lang="de-AT" dirty="0" err="1"/>
-              <a:t>to</a:t>
-            </a:r>
-            <a:r>
-              <a:rPr lang="de-AT" dirty="0"/>
-              <a:t> </a:t>
-            </a:r>
-            <a:r>
-              <a:rPr lang="de-AT" i="1" dirty="0" err="1"/>
+              <a:rPr lang="en-US"/>
+              <a:t>E.g. Connection string pointing to </a:t>
+            </a:r>
+            <a:r>
+              <a:rPr lang="en-US" i="1"/>
               <a:t>LocalDB</a:t>
             </a:r>
             <a:r>
-              <a:rPr lang="de-AT" dirty="0"/>
-              <a:t> </a:t>
-            </a:r>
-            <a:r>
-              <a:rPr lang="de-AT" dirty="0" err="1"/>
-              <a:t>with</a:t>
-            </a:r>
-            <a:r>
-              <a:rPr lang="de-AT" dirty="0"/>
-              <a:t> </a:t>
-            </a:r>
-            <a:r>
-              <a:rPr lang="de-AT" dirty="0" err="1"/>
-              <a:t>integrated</a:t>
-            </a:r>
-            <a:r>
-              <a:rPr lang="de-AT" dirty="0"/>
-              <a:t> </a:t>
-            </a:r>
-            <a:r>
-              <a:rPr lang="de-AT" dirty="0" err="1"/>
-              <a:t>security</a:t>
-            </a:r>
-            <a:endParaRPr lang="de-AT" dirty="0"/>
-          </a:p>
-          <a:p>
-            <a:r>
-              <a:rPr lang="de-AT" dirty="0" err="1"/>
-              <a:t>Override</a:t>
-            </a:r>
-            <a:r>
-              <a:rPr lang="de-AT" dirty="0"/>
-              <a:t> </a:t>
-            </a:r>
-            <a:r>
-              <a:rPr lang="de-AT" dirty="0" err="1"/>
-              <a:t>settings</a:t>
-            </a:r>
-            <a:r>
-              <a:rPr lang="de-AT" dirty="0"/>
-              <a:t> in </a:t>
-            </a:r>
-            <a:r>
-              <a:rPr lang="de-AT" dirty="0" err="1"/>
-              <a:t>production</a:t>
-            </a:r>
-            <a:r>
-              <a:rPr lang="de-AT" dirty="0"/>
-              <a:t> </a:t>
-            </a:r>
-            <a:r>
-              <a:rPr lang="de-AT" dirty="0" err="1"/>
-              <a:t>using</a:t>
-            </a:r>
-            <a:r>
-              <a:rPr lang="de-AT" dirty="0"/>
-              <a:t> </a:t>
-            </a:r>
-            <a:r>
-              <a:rPr lang="de-AT" dirty="0" err="1"/>
-              <a:t>environment</a:t>
-            </a:r>
-            <a:r>
-              <a:rPr lang="de-AT" dirty="0"/>
-              <a:t> variables</a:t>
+              <a:rPr lang="en-US"/>
+              <a:t> with integrated security</a:t>
+            </a:r>
+          </a:p>
+          <a:p>
+            <a:r>
+              <a:rPr lang="en-US"/>
+              <a:t>Override settings in production using environment variables</a:t>
             </a:r>
           </a:p>
           <a:p>
             <a:pPr lvl="1"/>
             <a:r>
-              <a:rPr lang="de-AT" dirty="0"/>
+              <a:rPr lang="en-US"/>
               <a:t>Works on Azure</a:t>
             </a:r>
           </a:p>
           <a:p>
             <a:pPr lvl="1"/>
             <a:r>
-              <a:rPr lang="de-AT" dirty="0"/>
-              <a:t>Works in </a:t>
-            </a:r>
-            <a:r>
-              <a:rPr lang="de-AT" dirty="0" err="1"/>
-              <a:t>containers</a:t>
-            </a:r>
-            <a:r>
-              <a:rPr lang="de-AT" dirty="0"/>
-              <a:t> (e.g. </a:t>
-            </a:r>
-            <a:r>
-              <a:rPr lang="de-AT" i="1" dirty="0" err="1">
+              <a:rPr lang="en-US"/>
+              <a:t>Works in containers (e.g. </a:t>
+            </a:r>
+            <a:r>
+              <a:rPr lang="en-US" i="1">
                 <a:hlinkClick r:id="rId2"/>
               </a:rPr>
-              <a:t>docker</a:t>
-            </a:r>
-            <a:r>
-              <a:rPr lang="de-AT" i="1" dirty="0">
-                <a:hlinkClick r:id="rId2"/>
-              </a:rPr>
-              <a:t> </a:t>
-            </a:r>
-            <a:r>
-              <a:rPr lang="de-AT" i="1" dirty="0" err="1">
-                <a:hlinkClick r:id="rId2"/>
-              </a:rPr>
-              <a:t>run</a:t>
-            </a:r>
-            <a:r>
-              <a:rPr lang="de-AT" i="1" dirty="0">
-                <a:hlinkClick r:id="rId2"/>
-              </a:rPr>
-              <a:t> -e</a:t>
-            </a:r>
-            <a:r>
-              <a:rPr lang="de-AT" dirty="0"/>
+              <a:t>docker run -e</a:t>
+            </a:r>
+            <a:r>
+              <a:rPr lang="en-US"/>
               <a:t>)</a:t>
             </a:r>
           </a:p>
           <a:p>
             <a:r>
-              <a:rPr lang="de-AT" dirty="0"/>
-              <a:t>Problem: Environment variables </a:t>
-            </a:r>
-            <a:r>
-              <a:rPr lang="de-AT" dirty="0" err="1"/>
-              <a:t>are</a:t>
-            </a:r>
-            <a:r>
-              <a:rPr lang="de-AT" dirty="0"/>
-              <a:t> not </a:t>
-            </a:r>
-            <a:r>
-              <a:rPr lang="de-AT" dirty="0" err="1"/>
-              <a:t>encrypted</a:t>
-            </a:r>
-            <a:endParaRPr lang="de-AT" dirty="0"/>
+              <a:rPr lang="en-US"/>
+              <a:t>Problem: Environment variables are not encrypted</a:t>
+            </a:r>
           </a:p>
           <a:p>
             <a:pPr lvl="1"/>
             <a:r>
-              <a:rPr lang="de-AT" dirty="0" err="1"/>
-              <a:t>If</a:t>
-            </a:r>
-            <a:r>
-              <a:rPr lang="de-AT" dirty="0"/>
-              <a:t> </a:t>
-            </a:r>
-            <a:r>
-              <a:rPr lang="de-AT" dirty="0" err="1"/>
-              <a:t>machine</a:t>
-            </a:r>
-            <a:r>
-              <a:rPr lang="de-AT" dirty="0"/>
-              <a:t> </a:t>
-            </a:r>
-            <a:r>
-              <a:rPr lang="de-AT" dirty="0" err="1"/>
-              <a:t>is</a:t>
-            </a:r>
-            <a:r>
-              <a:rPr lang="de-AT" dirty="0"/>
-              <a:t> </a:t>
-            </a:r>
-            <a:r>
-              <a:rPr lang="de-AT" dirty="0" err="1"/>
-              <a:t>compromised</a:t>
-            </a:r>
-            <a:r>
-              <a:rPr lang="de-AT" dirty="0"/>
-              <a:t>, </a:t>
-            </a:r>
-            <a:r>
-              <a:rPr lang="de-AT" dirty="0" err="1"/>
-              <a:t>environment</a:t>
-            </a:r>
-            <a:r>
-              <a:rPr lang="de-AT" dirty="0"/>
-              <a:t> variables </a:t>
-            </a:r>
-            <a:r>
-              <a:rPr lang="de-AT" dirty="0" err="1"/>
-              <a:t>can</a:t>
-            </a:r>
-            <a:r>
-              <a:rPr lang="de-AT" dirty="0"/>
-              <a:t> </a:t>
-            </a:r>
-            <a:r>
-              <a:rPr lang="de-AT" dirty="0" err="1"/>
-              <a:t>be</a:t>
-            </a:r>
-            <a:r>
-              <a:rPr lang="de-AT" dirty="0"/>
-              <a:t> </a:t>
-            </a:r>
-            <a:r>
-              <a:rPr lang="de-AT" dirty="0" err="1"/>
-              <a:t>accessed</a:t>
-            </a:r>
-            <a:endParaRPr lang="de-AT" dirty="0"/>
-          </a:p>
-          <a:p>
-            <a:r>
-              <a:rPr lang="de-AT" dirty="0"/>
-              <a:t>Solution: Store </a:t>
-            </a:r>
-            <a:r>
-              <a:rPr lang="de-AT" dirty="0" err="1"/>
-              <a:t>secrets</a:t>
-            </a:r>
-            <a:r>
-              <a:rPr lang="de-AT" dirty="0"/>
-              <a:t> in </a:t>
-            </a:r>
-            <a:r>
-              <a:rPr lang="de-AT" dirty="0" err="1"/>
-              <a:t>vaults</a:t>
-            </a:r>
-            <a:r>
-              <a:rPr lang="de-AT" dirty="0"/>
-              <a:t> like </a:t>
-            </a:r>
-            <a:r>
-              <a:rPr lang="de-AT" i="1" dirty="0"/>
+              <a:rPr lang="en-US"/>
+              <a:t>If machine is compromised, environment variables can be accessed</a:t>
+            </a:r>
+          </a:p>
+          <a:p>
+            <a:r>
+              <a:rPr lang="en-US"/>
+              <a:t>Solution: Store secrets in vaults like </a:t>
+            </a:r>
+            <a:r>
+              <a:rPr lang="en-US" i="1"/>
               <a:t>KeyVault</a:t>
             </a:r>
           </a:p>
           <a:p>
             <a:pPr lvl="1"/>
             <a:r>
-              <a:rPr lang="de-AT" dirty="0"/>
-              <a:t>Settings = </a:t>
-            </a:r>
-            <a:r>
-              <a:rPr lang="de-AT" dirty="0" err="1"/>
-              <a:t>environment</a:t>
-            </a:r>
-            <a:r>
-              <a:rPr lang="de-AT" dirty="0"/>
-              <a:t> variables </a:t>
-            </a:r>
-            <a:r>
-              <a:rPr lang="de-AT" dirty="0" err="1"/>
-              <a:t>only</a:t>
-            </a:r>
-            <a:r>
-              <a:rPr lang="de-AT" dirty="0"/>
-              <a:t> </a:t>
-            </a:r>
-            <a:r>
-              <a:rPr lang="de-AT" dirty="0" err="1"/>
-              <a:t>point</a:t>
-            </a:r>
-            <a:r>
-              <a:rPr lang="de-AT" dirty="0"/>
-              <a:t> </a:t>
-            </a:r>
-            <a:r>
-              <a:rPr lang="de-AT" dirty="0" err="1"/>
-              <a:t>to</a:t>
-            </a:r>
-            <a:r>
-              <a:rPr lang="de-AT" dirty="0"/>
-              <a:t> </a:t>
-            </a:r>
-            <a:r>
-              <a:rPr lang="de-AT" dirty="0" err="1"/>
-              <a:t>vault</a:t>
-            </a:r>
-            <a:endParaRPr lang="de-AT" dirty="0"/>
+              <a:rPr lang="en-US"/>
+              <a:t>Settings = environment variables only point to vault</a:t>
+            </a:r>
           </a:p>
           <a:p>
             <a:pPr lvl="1"/>
             <a:r>
-              <a:rPr lang="de-AT" dirty="0"/>
-              <a:t>Use </a:t>
-            </a:r>
-            <a:r>
-              <a:rPr lang="de-AT" dirty="0" err="1"/>
-              <a:t>integrated</a:t>
-            </a:r>
-            <a:r>
-              <a:rPr lang="de-AT" dirty="0"/>
-              <a:t> </a:t>
-            </a:r>
-            <a:r>
-              <a:rPr lang="de-AT" dirty="0" err="1"/>
-              <a:t>security</a:t>
-            </a:r>
-            <a:r>
-              <a:rPr lang="de-AT" dirty="0"/>
-              <a:t> </a:t>
-            </a:r>
-            <a:r>
-              <a:rPr lang="de-AT" dirty="0" err="1"/>
-              <a:t>of</a:t>
-            </a:r>
-            <a:r>
-              <a:rPr lang="de-AT" dirty="0"/>
-              <a:t> </a:t>
-            </a:r>
-            <a:r>
-              <a:rPr lang="de-AT" dirty="0" err="1"/>
-              <a:t>platform</a:t>
-            </a:r>
-            <a:r>
-              <a:rPr lang="de-AT" dirty="0"/>
-              <a:t> (e.g. Windows, Azure </a:t>
-            </a:r>
-            <a:r>
-              <a:rPr lang="de-AT" dirty="0" err="1"/>
-              <a:t>Managed</a:t>
-            </a:r>
-            <a:r>
-              <a:rPr lang="de-AT" dirty="0"/>
-              <a:t> Identity)</a:t>
+              <a:rPr lang="en-US"/>
+              <a:t>Use integrated security of platform (e.g. Windows, Azure Managed Identity)</a:t>
             </a:r>
           </a:p>
         </p:txBody>
@@ -14502,7 +14194,7 @@
           <a:bodyPr/>
           <a:lstStyle/>
           <a:p>
-            <a:endParaRPr lang="de-AT"/>
+            <a:endParaRPr lang="en-US"/>
           </a:p>
         </p:txBody>
       </p:sp>

--- a/Slides/Secure-Coding-Dot-Net.pptx
+++ b/Slides/Secure-Coding-Dot-Net.pptx
@@ -264,7 +264,7 @@
           <a:p>
             <a:fld id="{D3FDC4BA-F62C-46A2-87C1-2103180CFF88}" type="datetimeFigureOut">
               <a:rPr lang="de-AT" smtClean="0"/>
-              <a:t>25.06.2019</a:t>
+              <a:t>08.07.2019</a:t>
             </a:fld>
             <a:endParaRPr lang="de-AT"/>
           </a:p>
@@ -430,7 +430,7 @@
             <a:fld id="{3612A09C-9A01-4873-9E29-1DA9CA5B5B01}" type="datetimeFigureOut">
               <a:rPr lang="de-DE" smtClean="0"/>
               <a:pPr/>
-              <a:t>25.06.2019</a:t>
+              <a:t>08.07.2019</a:t>
             </a:fld>
             <a:endParaRPr lang="de-AT"/>
           </a:p>
@@ -14077,97 +14077,97 @@
           <a:lstStyle/>
           <a:p>
             <a:r>
-              <a:rPr lang="en-US"/>
+              <a:rPr lang="en-US" dirty="0"/>
               <a:t>Add non-critical defaults to config files (e.g. </a:t>
             </a:r>
             <a:r>
-              <a:rPr lang="en-US" i="1"/>
+              <a:rPr lang="en-US" i="1" dirty="0" err="1"/>
               <a:t>appsettings.json</a:t>
             </a:r>
             <a:r>
-              <a:rPr lang="en-US"/>
+              <a:rPr lang="en-US" dirty="0"/>
               <a:t>)</a:t>
             </a:r>
           </a:p>
           <a:p>
             <a:pPr lvl="1"/>
             <a:r>
-              <a:rPr lang="en-US"/>
+              <a:rPr lang="en-US" dirty="0"/>
               <a:t>E.g. Connection string pointing to </a:t>
             </a:r>
             <a:r>
-              <a:rPr lang="en-US" i="1"/>
+              <a:rPr lang="en-US" i="1" dirty="0" err="1"/>
               <a:t>LocalDB</a:t>
             </a:r>
             <a:r>
-              <a:rPr lang="en-US"/>
+              <a:rPr lang="en-US" dirty="0"/>
               <a:t> with integrated security</a:t>
             </a:r>
           </a:p>
           <a:p>
             <a:r>
-              <a:rPr lang="en-US"/>
+              <a:rPr lang="en-US" dirty="0"/>
               <a:t>Override settings in production using environment variables</a:t>
             </a:r>
           </a:p>
           <a:p>
             <a:pPr lvl="1"/>
             <a:r>
-              <a:rPr lang="en-US"/>
+              <a:rPr lang="en-US" dirty="0"/>
               <a:t>Works on Azure</a:t>
             </a:r>
           </a:p>
           <a:p>
             <a:pPr lvl="1"/>
             <a:r>
-              <a:rPr lang="en-US"/>
+              <a:rPr lang="en-US" dirty="0"/>
               <a:t>Works in containers (e.g. </a:t>
             </a:r>
             <a:r>
-              <a:rPr lang="en-US" i="1">
+              <a:rPr lang="en-US" i="1" dirty="0">
                 <a:hlinkClick r:id="rId2"/>
               </a:rPr>
               <a:t>docker run -e</a:t>
             </a:r>
             <a:r>
-              <a:rPr lang="en-US"/>
+              <a:rPr lang="en-US" dirty="0"/>
               <a:t>)</a:t>
             </a:r>
           </a:p>
           <a:p>
             <a:r>
-              <a:rPr lang="en-US"/>
+              <a:rPr lang="en-US" dirty="0"/>
               <a:t>Problem: Environment variables are not encrypted</a:t>
             </a:r>
           </a:p>
           <a:p>
             <a:pPr lvl="1"/>
             <a:r>
-              <a:rPr lang="en-US"/>
+              <a:rPr lang="en-US" dirty="0"/>
               <a:t>If machine is compromised, environment variables can be accessed</a:t>
             </a:r>
           </a:p>
           <a:p>
             <a:r>
-              <a:rPr lang="en-US"/>
+              <a:rPr lang="en-US" dirty="0"/>
               <a:t>Solution: Store secrets in vaults like </a:t>
             </a:r>
             <a:r>
-              <a:rPr lang="en-US" i="1"/>
+              <a:rPr lang="en-US" i="1" dirty="0"/>
               <a:t>KeyVault</a:t>
             </a:r>
           </a:p>
           <a:p>
             <a:pPr lvl="1"/>
             <a:r>
-              <a:rPr lang="en-US"/>
+              <a:rPr lang="en-US" dirty="0"/>
               <a:t>Settings = environment variables only point to vault</a:t>
             </a:r>
           </a:p>
           <a:p>
             <a:pPr lvl="1"/>
             <a:r>
-              <a:rPr lang="en-US"/>
+              <a:rPr lang="en-US" dirty="0"/>
               <a:t>Use integrated security of platform (e.g. Windows, Azure Managed Identity)</a:t>
             </a:r>
           </a:p>
@@ -19186,6 +19186,23 @@
             <a:r>
               <a:rPr lang="en-US" dirty="0"/>
               <a:t> server</a:t>
+            </a:r>
+          </a:p>
+          <a:p>
+            <a:r>
+              <a:rPr lang="en-US" i="1" dirty="0"/>
+              <a:t>Do </a:t>
+            </a:r>
+            <a:r>
+              <a:rPr lang="en-US" dirty="0"/>
+              <a:t>code reviews</a:t>
+            </a:r>
+          </a:p>
+          <a:p>
+            <a:pPr lvl="1"/>
+            <a:r>
+              <a:rPr lang="en-US" dirty="0"/>
+              <a:t>Ask experienced developers for help</a:t>
             </a:r>
           </a:p>
           <a:p>
@@ -20137,6 +20154,21 @@
 </file>
 
 <file path=customXml/item1.xml><?xml version="1.0" encoding="utf-8"?>
+<p:properties xmlns:p="http://schemas.microsoft.com/office/2006/metadata/properties" xmlns:xsi="http://www.w3.org/2001/XMLSchema-instance">
+  <documentManagement/>
+</p:properties>
+</file>
+
+<file path=customXml/item2.xml><?xml version="1.0" encoding="utf-8"?>
+<?mso-contentType ?>
+<FormTemplates xmlns="http://schemas.microsoft.com/sharepoint/v3/contenttype/forms">
+  <Display>DocumentLibraryForm</Display>
+  <Edit>DocumentLibraryForm</Edit>
+  <New>DocumentLibraryForm</New>
+</FormTemplates>
+</file>
+
+<file path=customXml/item3.xml><?xml version="1.0" encoding="utf-8"?>
 <ct:contentTypeSchema xmlns:ct="http://schemas.microsoft.com/office/2006/metadata/contentType" xmlns:ma="http://schemas.microsoft.com/office/2006/metadata/properties/metaAttributes" ct:_="" ma:_="" ma:contentTypeName="Document" ma:contentTypeID="0x0101006C90029AD581154692170791F90B0BA6" ma:contentTypeVersion="0" ma:contentTypeDescription="Create a new document." ma:contentTypeScope="" ma:versionID="453f2a28f59e13bb333d4563bd7e6ec5">
   <xsd:schema xmlns:xsd="http://www.w3.org/2001/XMLSchema" xmlns:p="http://schemas.microsoft.com/office/2006/metadata/properties" targetNamespace="http://schemas.microsoft.com/office/2006/metadata/properties" ma:root="true" ma:fieldsID="4aeb20c0e3442673af7ee10786458764">
     <xsd:element name="properties">
@@ -20185,32 +20217,16 @@
 </ct:contentTypeSchema>
 </file>
 
-<file path=customXml/item2.xml><?xml version="1.0" encoding="utf-8"?>
-<?mso-contentType ?>
-<FormTemplates xmlns="http://schemas.microsoft.com/sharepoint/v3/contenttype/forms">
-  <Display>DocumentLibraryForm</Display>
-  <Edit>DocumentLibraryForm</Edit>
-  <New>DocumentLibraryForm</New>
-</FormTemplates>
-</file>
-
-<file path=customXml/item3.xml><?xml version="1.0" encoding="utf-8"?>
-<p:properties xmlns:p="http://schemas.microsoft.com/office/2006/metadata/properties" xmlns:xsi="http://www.w3.org/2001/XMLSchema-instance">
-  <documentManagement/>
-</p:properties>
-</file>
-
 <file path=customXml/itemProps1.xml><?xml version="1.0" encoding="utf-8"?>
-<ds:datastoreItem xmlns:ds="http://schemas.openxmlformats.org/officeDocument/2006/customXml" ds:itemID="{14A11C81-3A20-458B-AC33-D8C9DB9BBB4A}">
+<ds:datastoreItem xmlns:ds="http://schemas.openxmlformats.org/officeDocument/2006/customXml" ds:itemID="{03D43D4A-F5F8-47F6-A4EC-521F433C91BF}">
   <ds:schemaRefs>
-    <ds:schemaRef ds:uri="http://schemas.microsoft.com/office/2006/metadata/contentType"/>
-    <ds:schemaRef ds:uri="http://schemas.microsoft.com/office/2006/metadata/properties/metaAttributes"/>
-    <ds:schemaRef ds:uri="http://www.w3.org/2001/XMLSchema"/>
+    <ds:schemaRef ds:uri="http://purl.org/dc/terms/"/>
+    <ds:schemaRef ds:uri="http://schemas.openxmlformats.org/package/2006/metadata/core-properties"/>
+    <ds:schemaRef ds:uri="http://purl.org/dc/dcmitype/"/>
+    <ds:schemaRef ds:uri="http://purl.org/dc/elements/1.1/"/>
     <ds:schemaRef ds:uri="http://schemas.microsoft.com/office/2006/metadata/properties"/>
-    <ds:schemaRef ds:uri="http://schemas.openxmlformats.org/package/2006/metadata/core-properties"/>
-    <ds:schemaRef ds:uri="http://purl.org/dc/elements/1.1/"/>
-    <ds:schemaRef ds:uri="http://purl.org/dc/terms/"/>
-    <ds:schemaRef ds:uri="http://schemas.microsoft.com/office/internal/2005/internalDocumentation"/>
+    <ds:schemaRef ds:uri="http://schemas.microsoft.com/office/2006/documentManagement/types"/>
+    <ds:schemaRef ds:uri="http://www.w3.org/XML/1998/namespace"/>
   </ds:schemaRefs>
 </ds:datastoreItem>
 </file>
@@ -20224,15 +20240,16 @@
 </file>
 
 <file path=customXml/itemProps3.xml><?xml version="1.0" encoding="utf-8"?>
-<ds:datastoreItem xmlns:ds="http://schemas.openxmlformats.org/officeDocument/2006/customXml" ds:itemID="{03D43D4A-F5F8-47F6-A4EC-521F433C91BF}">
+<ds:datastoreItem xmlns:ds="http://schemas.openxmlformats.org/officeDocument/2006/customXml" ds:itemID="{14A11C81-3A20-458B-AC33-D8C9DB9BBB4A}">
   <ds:schemaRefs>
+    <ds:schemaRef ds:uri="http://schemas.microsoft.com/office/2006/metadata/contentType"/>
+    <ds:schemaRef ds:uri="http://schemas.microsoft.com/office/2006/metadata/properties/metaAttributes"/>
+    <ds:schemaRef ds:uri="http://www.w3.org/2001/XMLSchema"/>
+    <ds:schemaRef ds:uri="http://schemas.microsoft.com/office/2006/metadata/properties"/>
+    <ds:schemaRef ds:uri="http://schemas.openxmlformats.org/package/2006/metadata/core-properties"/>
+    <ds:schemaRef ds:uri="http://purl.org/dc/elements/1.1/"/>
     <ds:schemaRef ds:uri="http://purl.org/dc/terms/"/>
-    <ds:schemaRef ds:uri="http://schemas.openxmlformats.org/package/2006/metadata/core-properties"/>
-    <ds:schemaRef ds:uri="http://purl.org/dc/dcmitype/"/>
-    <ds:schemaRef ds:uri="http://purl.org/dc/elements/1.1/"/>
-    <ds:schemaRef ds:uri="http://schemas.microsoft.com/office/2006/metadata/properties"/>
-    <ds:schemaRef ds:uri="http://schemas.microsoft.com/office/2006/documentManagement/types"/>
-    <ds:schemaRef ds:uri="http://www.w3.org/XML/1998/namespace"/>
+    <ds:schemaRef ds:uri="http://schemas.microsoft.com/office/internal/2005/internalDocumentation"/>
   </ds:schemaRefs>
 </ds:datastoreItem>
 </file>
--- a/Slides/Secure-Coding-Dot-Net.pptx
+++ b/Slides/Secure-Coding-Dot-Net.pptx
@@ -5,10 +5,10 @@
     <p:sldMasterId id="2147483648" r:id="rId4"/>
   </p:sldMasterIdLst>
   <p:notesMasterIdLst>
-    <p:notesMasterId r:id="rId45"/>
+    <p:notesMasterId r:id="rId50"/>
   </p:notesMasterIdLst>
   <p:handoutMasterIdLst>
-    <p:handoutMasterId r:id="rId46"/>
+    <p:handoutMasterId r:id="rId51"/>
   </p:handoutMasterIdLst>
   <p:sldIdLst>
     <p:sldId id="377" r:id="rId5"/>
@@ -21,36 +21,41 @@
     <p:sldId id="397" r:id="rId12"/>
     <p:sldId id="378" r:id="rId13"/>
     <p:sldId id="379" r:id="rId14"/>
-    <p:sldId id="380" r:id="rId15"/>
-    <p:sldId id="385" r:id="rId16"/>
-    <p:sldId id="383" r:id="rId17"/>
-    <p:sldId id="381" r:id="rId18"/>
-    <p:sldId id="384" r:id="rId19"/>
-    <p:sldId id="386" r:id="rId20"/>
-    <p:sldId id="387" r:id="rId21"/>
-    <p:sldId id="389" r:id="rId22"/>
-    <p:sldId id="394" r:id="rId23"/>
-    <p:sldId id="392" r:id="rId24"/>
-    <p:sldId id="393" r:id="rId25"/>
-    <p:sldId id="400" r:id="rId26"/>
-    <p:sldId id="398" r:id="rId27"/>
-    <p:sldId id="399" r:id="rId28"/>
-    <p:sldId id="401" r:id="rId29"/>
-    <p:sldId id="402" r:id="rId30"/>
-    <p:sldId id="403" r:id="rId31"/>
-    <p:sldId id="404" r:id="rId32"/>
-    <p:sldId id="405" r:id="rId33"/>
-    <p:sldId id="406" r:id="rId34"/>
-    <p:sldId id="407" r:id="rId35"/>
-    <p:sldId id="408" r:id="rId36"/>
-    <p:sldId id="409" r:id="rId37"/>
-    <p:sldId id="410" r:id="rId38"/>
-    <p:sldId id="411" r:id="rId39"/>
-    <p:sldId id="412" r:id="rId40"/>
-    <p:sldId id="413" r:id="rId41"/>
-    <p:sldId id="414" r:id="rId42"/>
-    <p:sldId id="415" r:id="rId43"/>
-    <p:sldId id="362" r:id="rId44"/>
+    <p:sldId id="418" r:id="rId15"/>
+    <p:sldId id="419" r:id="rId16"/>
+    <p:sldId id="380" r:id="rId17"/>
+    <p:sldId id="385" r:id="rId18"/>
+    <p:sldId id="383" r:id="rId19"/>
+    <p:sldId id="381" r:id="rId20"/>
+    <p:sldId id="384" r:id="rId21"/>
+    <p:sldId id="403" r:id="rId22"/>
+    <p:sldId id="422" r:id="rId23"/>
+    <p:sldId id="421" r:id="rId24"/>
+    <p:sldId id="386" r:id="rId25"/>
+    <p:sldId id="387" r:id="rId26"/>
+    <p:sldId id="389" r:id="rId27"/>
+    <p:sldId id="394" r:id="rId28"/>
+    <p:sldId id="392" r:id="rId29"/>
+    <p:sldId id="393" r:id="rId30"/>
+    <p:sldId id="400" r:id="rId31"/>
+    <p:sldId id="398" r:id="rId32"/>
+    <p:sldId id="399" r:id="rId33"/>
+    <p:sldId id="401" r:id="rId34"/>
+    <p:sldId id="402" r:id="rId35"/>
+    <p:sldId id="420" r:id="rId36"/>
+    <p:sldId id="404" r:id="rId37"/>
+    <p:sldId id="405" r:id="rId38"/>
+    <p:sldId id="406" r:id="rId39"/>
+    <p:sldId id="407" r:id="rId40"/>
+    <p:sldId id="408" r:id="rId41"/>
+    <p:sldId id="409" r:id="rId42"/>
+    <p:sldId id="410" r:id="rId43"/>
+    <p:sldId id="411" r:id="rId44"/>
+    <p:sldId id="412" r:id="rId45"/>
+    <p:sldId id="413" r:id="rId46"/>
+    <p:sldId id="414" r:id="rId47"/>
+    <p:sldId id="415" r:id="rId48"/>
+    <p:sldId id="362" r:id="rId49"/>
   </p:sldIdLst>
   <p:sldSz cx="9144000" cy="5143500" type="screen16x9"/>
   <p:notesSz cx="6858000" cy="9144000"/>
@@ -264,7 +269,7 @@
           <a:p>
             <a:fld id="{D3FDC4BA-F62C-46A2-87C1-2103180CFF88}" type="datetimeFigureOut">
               <a:rPr lang="de-AT" smtClean="0"/>
-              <a:t>08.07.2019</a:t>
+              <a:t>23.04.2023</a:t>
             </a:fld>
             <a:endParaRPr lang="de-AT"/>
           </a:p>
@@ -430,7 +435,7 @@
             <a:fld id="{3612A09C-9A01-4873-9E29-1DA9CA5B5B01}" type="datetimeFigureOut">
               <a:rPr lang="de-DE" smtClean="0"/>
               <a:pPr/>
-              <a:t>08.07.2019</a:t>
+              <a:t>23.04.2023</a:t>
             </a:fld>
             <a:endParaRPr lang="de-AT"/>
           </a:p>
@@ -11973,7 +11978,7 @@
           <a:p>
             <a:r>
               <a:rPr lang="de-AT" dirty="0"/>
-              <a:t>in .NET and .NET Core</a:t>
+              <a:t>in .NET</a:t>
             </a:r>
             <a:endParaRPr lang="en-US" dirty="0"/>
           </a:p>
@@ -12424,11 +12429,52 @@
               </a:rPr>
               <a:t>actively developed</a:t>
             </a:r>
+          </a:p>
+          <a:p>
+            <a:r>
+              <a:rPr lang="en-US" dirty="0">
+                <a:sym typeface="Wingdings" panose="05000000000000000000" pitchFamily="2" charset="2"/>
+              </a:rPr>
+              <a:t>Use </a:t>
+            </a:r>
+            <a:r>
+              <a:rPr lang="en-US" i="1" dirty="0">
+                <a:sym typeface="Wingdings" panose="05000000000000000000" pitchFamily="2" charset="2"/>
+              </a:rPr>
+              <a:t>Create</a:t>
+            </a:r>
+            <a:r>
+              <a:rPr lang="en-US" dirty="0">
+                <a:sym typeface="Wingdings" panose="05000000000000000000" pitchFamily="2" charset="2"/>
+              </a:rPr>
+              <a:t> method of base algorithm to create default </a:t>
+            </a:r>
+            <a:r>
+              <a:rPr lang="en-US" dirty="0" err="1">
+                <a:sym typeface="Wingdings" panose="05000000000000000000" pitchFamily="2" charset="2"/>
+              </a:rPr>
+              <a:t>impl</a:t>
+            </a:r>
             <a:endParaRPr lang="en-US" dirty="0">
-              <a:solidFill>
-                <a:schemeClr val="accent2"/>
-              </a:solidFill>
+              <a:sym typeface="Wingdings" panose="05000000000000000000" pitchFamily="2" charset="2"/>
             </a:endParaRPr>
+          </a:p>
+          <a:p>
+            <a:pPr lvl="1"/>
+            <a:r>
+              <a:rPr lang="en-US" dirty="0">
+                <a:sym typeface="Wingdings" panose="05000000000000000000" pitchFamily="2" charset="2"/>
+              </a:rPr>
+              <a:t>E.g. </a:t>
+            </a:r>
+            <a:r>
+              <a:rPr lang="en-US" dirty="0" err="1">
+                <a:sym typeface="Wingdings" panose="05000000000000000000" pitchFamily="2" charset="2"/>
+                <a:hlinkClick r:id="rId12"/>
+              </a:rPr>
+              <a:t>Aes.Create</a:t>
+            </a:r>
+            <a:endParaRPr lang="en-US" dirty="0"/>
           </a:p>
         </p:txBody>
       </p:sp>
@@ -12459,37 +12505,37 @@
             </a:r>
             <a:r>
               <a:rPr lang="de-AT" dirty="0">
-                <a:hlinkClick r:id="rId12"/>
+                <a:hlinkClick r:id="rId13"/>
               </a:rPr>
               <a:t>Recommended </a:t>
             </a:r>
             <a:r>
               <a:rPr lang="de-AT" dirty="0" err="1">
-                <a:hlinkClick r:id="rId12"/>
+                <a:hlinkClick r:id="rId13"/>
               </a:rPr>
               <a:t>algorithms</a:t>
             </a:r>
             <a:r>
               <a:rPr lang="de-AT" dirty="0">
-                <a:hlinkClick r:id="rId12"/>
+                <a:hlinkClick r:id="rId13"/>
               </a:rPr>
               <a:t> </a:t>
             </a:r>
             <a:r>
               <a:rPr lang="de-AT" dirty="0" err="1">
-                <a:hlinkClick r:id="rId12"/>
+                <a:hlinkClick r:id="rId13"/>
               </a:rPr>
               <a:t>by</a:t>
             </a:r>
             <a:r>
               <a:rPr lang="de-AT" dirty="0">
-                <a:hlinkClick r:id="rId12"/>
+                <a:hlinkClick r:id="rId13"/>
               </a:rPr>
               <a:t> </a:t>
             </a:r>
             <a:r>
               <a:rPr lang="de-AT" dirty="0" err="1">
-                <a:hlinkClick r:id="rId12"/>
+                <a:hlinkClick r:id="rId13"/>
               </a:rPr>
               <a:t>application</a:t>
             </a:r>
@@ -12544,7 +12590,7 @@
           <p:cNvPr id="2" name="Title 1">
             <a:extLst>
               <a:ext uri="{FF2B5EF4-FFF2-40B4-BE49-F238E27FC236}">
-                <a16:creationId xmlns:a16="http://schemas.microsoft.com/office/drawing/2014/main" id="{044ED3A1-BB93-4D64-8C76-672C48B10F1A}"/>
+                <a16:creationId xmlns:a16="http://schemas.microsoft.com/office/drawing/2014/main" id="{47D6968C-B869-2CEF-F43D-A6D0F18CB0CA}"/>
               </a:ext>
             </a:extLst>
           </p:cNvPr>
@@ -12561,9 +12607,10 @@
           <a:lstStyle/>
           <a:p>
             <a:r>
-              <a:rPr lang="en-US"/>
-              <a:t>Stream Design</a:t>
-            </a:r>
+              <a:rPr lang="en-US" dirty="0"/>
+              <a:t>Advanced Encryption Standard</a:t>
+            </a:r>
+            <a:endParaRPr lang="en-AT" dirty="0"/>
           </a:p>
         </p:txBody>
       </p:sp>
@@ -12572,7 +12619,7 @@
           <p:cNvPr id="3" name="Content Placeholder 2">
             <a:extLst>
               <a:ext uri="{FF2B5EF4-FFF2-40B4-BE49-F238E27FC236}">
-                <a16:creationId xmlns:a16="http://schemas.microsoft.com/office/drawing/2014/main" id="{AA0B7DB4-CD49-418C-A2CE-62711F6BF3BA}"/>
+                <a16:creationId xmlns:a16="http://schemas.microsoft.com/office/drawing/2014/main" id="{96308B47-F5F2-CC92-A59F-D9D91E65BC64}"/>
               </a:ext>
             </a:extLst>
           </p:cNvPr>
@@ -12590,45 +12637,82 @@
           <a:p>
             <a:r>
               <a:rPr lang="en-US" dirty="0"/>
-              <a:t>For symmetric and hash algorithms</a:t>
-            </a:r>
-            <a:endParaRPr lang="en-US" u="sng" dirty="0">
-              <a:hlinkClick r:id="rId2"/>
-            </a:endParaRPr>
-          </a:p>
-          <a:p>
-            <a:r>
-              <a:rPr lang="en-US" dirty="0" err="1">
+              <a:t>AES</a:t>
+            </a:r>
+          </a:p>
+          <a:p>
+            <a:pPr lvl="1"/>
+            <a:r>
+              <a:rPr lang="en-US" dirty="0"/>
+              <a:t>AES is based on the Rijndael algorithm (</a:t>
+            </a:r>
+            <a:r>
+              <a:rPr lang="en-US" dirty="0">
                 <a:hlinkClick r:id="rId2"/>
               </a:rPr>
-              <a:t>CryptoStream</a:t>
-            </a:r>
+              <a:t>Rijndael</a:t>
+            </a:r>
+            <a:r>
+              <a:rPr lang="en-US" dirty="0"/>
+              <a:t> class, obsolete)</a:t>
+            </a:r>
+          </a:p>
+          <a:p>
+            <a:pPr lvl="1"/>
+            <a:r>
+              <a:rPr lang="en-US" dirty="0"/>
+              <a:t>Prefer AES over DES (</a:t>
+            </a:r>
+            <a:r>
+              <a:rPr lang="en-US" dirty="0">
+                <a:hlinkClick r:id="rId3"/>
+              </a:rPr>
+              <a:t>DES</a:t>
+            </a:r>
+            <a:r>
+              <a:rPr lang="en-US" dirty="0"/>
+              <a:t> or </a:t>
+            </a:r>
+            <a:r>
+              <a:rPr lang="en-US" dirty="0" err="1">
+                <a:hlinkClick r:id="rId4"/>
+              </a:rPr>
+              <a:t>TripleDES</a:t>
+            </a:r>
+            <a:r>
+              <a:rPr lang="en-US" dirty="0"/>
+              <a:t> class) or RC2 (</a:t>
+            </a:r>
+            <a:r>
+              <a:rPr lang="en-US" dirty="0">
+                <a:hlinkClick r:id="rId5"/>
+              </a:rPr>
+              <a:t>RC2</a:t>
+            </a:r>
+            <a:r>
+              <a:rPr lang="en-US" dirty="0"/>
+              <a:t> class)</a:t>
+            </a:r>
+          </a:p>
+          <a:p>
+            <a:r>
+              <a:rPr lang="en-US" dirty="0"/>
+              <a:t>Block cipher</a:t>
+            </a:r>
+          </a:p>
+          <a:p>
+            <a:pPr lvl="1"/>
+            <a:r>
+              <a:rPr lang="en-US" dirty="0"/>
+              <a:t>AES operates on fixed-size data blocks (128 bits) using a secret key that can be 128, 192, or 256 bits in length</a:t>
+            </a:r>
+          </a:p>
+          <a:p>
+            <a:pPr lvl="1"/>
             <a:endParaRPr lang="en-US" dirty="0"/>
           </a:p>
           <a:p>
-            <a:pPr lvl="1"/>
-            <a:r>
-              <a:rPr lang="en-US" dirty="0"/>
-              <a:t>Derived from </a:t>
-            </a:r>
-            <a:r>
-              <a:rPr lang="en-US" i="1" dirty="0" err="1"/>
-              <a:t>System.IO.Stream</a:t>
-            </a:r>
-            <a:endParaRPr lang="en-US" i="1" dirty="0"/>
-          </a:p>
-          <a:p>
-            <a:r>
-              <a:rPr lang="en-US" dirty="0"/>
-              <a:t>Can be chained</a:t>
-            </a:r>
-          </a:p>
-          <a:p>
-            <a:pPr lvl="1"/>
-            <a:r>
-              <a:rPr lang="en-US" dirty="0"/>
-              <a:t>E.g. hash, followed by encryption</a:t>
-            </a:r>
+            <a:endParaRPr lang="en-US" dirty="0"/>
           </a:p>
         </p:txBody>
       </p:sp>
@@ -12637,7 +12721,7 @@
           <p:cNvPr id="4" name="Text Placeholder 3">
             <a:extLst>
               <a:ext uri="{FF2B5EF4-FFF2-40B4-BE49-F238E27FC236}">
-                <a16:creationId xmlns:a16="http://schemas.microsoft.com/office/drawing/2014/main" id="{9319D972-6E9C-437E-880A-1A8D365AEBC0}"/>
+                <a16:creationId xmlns:a16="http://schemas.microsoft.com/office/drawing/2014/main" id="{F96B1A69-4511-AD0E-6AFF-5EB2A115CF0C}"/>
               </a:ext>
             </a:extLst>
           </p:cNvPr>
@@ -12653,32 +12737,23 @@
           <a:bodyPr/>
           <a:lstStyle/>
           <a:p>
-            <a:endParaRPr lang="en-US"/>
+            <a:endParaRPr lang="en-AT"/>
           </a:p>
         </p:txBody>
       </p:sp>
     </p:spTree>
     <p:extLst>
       <p:ext uri="{BB962C8B-B14F-4D97-AF65-F5344CB8AC3E}">
-        <p14:creationId xmlns:p14="http://schemas.microsoft.com/office/powerpoint/2010/main" val="3353125863"/>
+        <p14:creationId xmlns:p14="http://schemas.microsoft.com/office/powerpoint/2010/main" val="3720858809"/>
       </p:ext>
     </p:extLst>
   </p:cSld>
   <p:clrMapOvr>
     <a:masterClrMapping/>
   </p:clrMapOvr>
-  <mc:AlternateContent xmlns:mc="http://schemas.openxmlformats.org/markup-compatibility/2006" xmlns:p14="http://schemas.microsoft.com/office/powerpoint/2010/main">
-    <mc:Choice Requires="p14">
-      <p:transition spd="med" p14:dur="700">
-        <p:fade/>
-      </p:transition>
-    </mc:Choice>
-    <mc:Fallback xmlns="">
-      <p:transition spd="med">
-        <p:fade/>
-      </p:transition>
-    </mc:Fallback>
-  </mc:AlternateContent>
+  <p:transition spd="slow">
+    <p:push/>
+  </p:transition>
 </p:sld>
 </file>
 
@@ -12704,7 +12779,7 @@
           <p:cNvPr id="2" name="Title 1">
             <a:extLst>
               <a:ext uri="{FF2B5EF4-FFF2-40B4-BE49-F238E27FC236}">
-                <a16:creationId xmlns:a16="http://schemas.microsoft.com/office/drawing/2014/main" id="{420B3033-DFBD-48DA-B34E-75003EC3BCE6}"/>
+                <a16:creationId xmlns:a16="http://schemas.microsoft.com/office/drawing/2014/main" id="{47D6968C-B869-2CEF-F43D-A6D0F18CB0CA}"/>
               </a:ext>
             </a:extLst>
           </p:cNvPr>
@@ -12721,9 +12796,10 @@
           <a:lstStyle/>
           <a:p>
             <a:r>
-              <a:rPr lang="en-US"/>
-              <a:t>Random Numbers</a:t>
-            </a:r>
+              <a:rPr lang="en-US" dirty="0"/>
+              <a:t>RSA, ECC</a:t>
+            </a:r>
+            <a:endParaRPr lang="en-AT" dirty="0"/>
           </a:p>
         </p:txBody>
       </p:sp>
@@ -12732,7 +12808,7 @@
           <p:cNvPr id="3" name="Content Placeholder 2">
             <a:extLst>
               <a:ext uri="{FF2B5EF4-FFF2-40B4-BE49-F238E27FC236}">
-                <a16:creationId xmlns:a16="http://schemas.microsoft.com/office/drawing/2014/main" id="{612B6AA0-7262-4D3E-836C-09EBD0B56B93}"/>
+                <a16:creationId xmlns:a16="http://schemas.microsoft.com/office/drawing/2014/main" id="{96308B47-F5F2-CC92-A59F-D9D91E65BC64}"/>
               </a:ext>
             </a:extLst>
           </p:cNvPr>
@@ -12750,37 +12826,55 @@
           <a:p>
             <a:r>
               <a:rPr lang="en-US" dirty="0"/>
-              <a:t>Pseudo-random numbers</a:t>
+              <a:t>Asymmetric Cryptography Algorithms</a:t>
+            </a:r>
+          </a:p>
+          <a:p>
+            <a:r>
+              <a:rPr lang="en-US" dirty="0"/>
+              <a:t>ECC</a:t>
             </a:r>
           </a:p>
           <a:p>
             <a:pPr lvl="1"/>
             <a:r>
-              <a:rPr lang="en-US" i="1" dirty="0" err="1"/>
-              <a:t>System.Random</a:t>
-            </a:r>
-            <a:endParaRPr lang="en-US" i="1" dirty="0"/>
+              <a:rPr lang="en-US" dirty="0"/>
+              <a:t>Smaller key sizes</a:t>
+            </a:r>
           </a:p>
           <a:p>
             <a:pPr lvl="1"/>
             <a:r>
               <a:rPr lang="en-US" dirty="0"/>
-              <a:t>Predictable</a:t>
-            </a:r>
-          </a:p>
-          <a:p>
-            <a:r>
-              <a:rPr lang="en-US" dirty="0"/>
-              <a:t>Secure random numbers</a:t>
+              <a:t>Faster computation and lower power consumption</a:t>
+            </a:r>
+          </a:p>
+          <a:p>
+            <a:r>
+              <a:rPr lang="en-US" dirty="0"/>
+              <a:t>RSA</a:t>
             </a:r>
           </a:p>
           <a:p>
             <a:pPr lvl="1"/>
             <a:r>
-              <a:rPr lang="en-US" i="1" dirty="0" err="1"/>
-              <a:t>RNGCryptoServiceProvider</a:t>
-            </a:r>
-            <a:endParaRPr lang="en-US" i="1" dirty="0"/>
+              <a:rPr lang="en-US" dirty="0"/>
+              <a:t>Widely used, mature</a:t>
+            </a:r>
+          </a:p>
+          <a:p>
+            <a:pPr lvl="1"/>
+            <a:r>
+              <a:rPr lang="en-US" dirty="0"/>
+              <a:t>Conceptually simpler and easier to understand</a:t>
+            </a:r>
+          </a:p>
+          <a:p>
+            <a:pPr lvl="1"/>
+            <a:endParaRPr lang="en-US" dirty="0"/>
+          </a:p>
+          <a:p>
+            <a:endParaRPr lang="en-US" dirty="0"/>
           </a:p>
         </p:txBody>
       </p:sp>
@@ -12789,7 +12883,7 @@
           <p:cNvPr id="4" name="Text Placeholder 3">
             <a:extLst>
               <a:ext uri="{FF2B5EF4-FFF2-40B4-BE49-F238E27FC236}">
-                <a16:creationId xmlns:a16="http://schemas.microsoft.com/office/drawing/2014/main" id="{2F55BBF1-8FB8-4863-8B14-CE0BEFFAF2D6}"/>
+                <a16:creationId xmlns:a16="http://schemas.microsoft.com/office/drawing/2014/main" id="{F96B1A69-4511-AD0E-6AFF-5EB2A115CF0C}"/>
               </a:ext>
             </a:extLst>
           </p:cNvPr>
@@ -12805,42 +12899,23 @@
           <a:bodyPr/>
           <a:lstStyle/>
           <a:p>
-            <a:r>
-              <a:rPr lang="en-US"/>
-              <a:t>See also </a:t>
-            </a:r>
-            <a:r>
-              <a:rPr lang="en-US">
-                <a:hlinkClick r:id="rId2"/>
-              </a:rPr>
-              <a:t>https://lowleveldesign.org/2018/08/15/randomness-in-net/</a:t>
-            </a:r>
-            <a:endParaRPr lang="en-US"/>
+            <a:endParaRPr lang="en-AT"/>
           </a:p>
         </p:txBody>
       </p:sp>
     </p:spTree>
     <p:extLst>
       <p:ext uri="{BB962C8B-B14F-4D97-AF65-F5344CB8AC3E}">
-        <p14:creationId xmlns:p14="http://schemas.microsoft.com/office/powerpoint/2010/main" val="2383227100"/>
+        <p14:creationId xmlns:p14="http://schemas.microsoft.com/office/powerpoint/2010/main" val="1405536392"/>
       </p:ext>
     </p:extLst>
   </p:cSld>
   <p:clrMapOvr>
     <a:masterClrMapping/>
   </p:clrMapOvr>
-  <mc:AlternateContent xmlns:mc="http://schemas.openxmlformats.org/markup-compatibility/2006" xmlns:p14="http://schemas.microsoft.com/office/powerpoint/2010/main">
-    <mc:Choice Requires="p14">
-      <p:transition spd="med" p14:dur="700">
-        <p:fade/>
-      </p:transition>
-    </mc:Choice>
-    <mc:Fallback xmlns="">
-      <p:transition spd="med">
-        <p:fade/>
-      </p:transition>
-    </mc:Fallback>
-  </mc:AlternateContent>
+  <p:transition spd="slow">
+    <p:push/>
+  </p:transition>
 </p:sld>
 </file>
 
@@ -12866,7 +12941,7 @@
           <p:cNvPr id="2" name="Title 1">
             <a:extLst>
               <a:ext uri="{FF2B5EF4-FFF2-40B4-BE49-F238E27FC236}">
-                <a16:creationId xmlns:a16="http://schemas.microsoft.com/office/drawing/2014/main" id="{FDCA5176-74BF-4D0C-AC1E-AD64ADD2C686}"/>
+                <a16:creationId xmlns:a16="http://schemas.microsoft.com/office/drawing/2014/main" id="{044ED3A1-BB93-4D64-8C76-672C48B10F1A}"/>
               </a:ext>
             </a:extLst>
           </p:cNvPr>
@@ -12884,7 +12959,7 @@
           <a:p>
             <a:r>
               <a:rPr lang="en-US"/>
-              <a:t>bcrypt.net</a:t>
+              <a:t>Stream Design</a:t>
             </a:r>
           </a:p>
         </p:txBody>
@@ -12894,7 +12969,7 @@
           <p:cNvPr id="3" name="Content Placeholder 2">
             <a:extLst>
               <a:ext uri="{FF2B5EF4-FFF2-40B4-BE49-F238E27FC236}">
-                <a16:creationId xmlns:a16="http://schemas.microsoft.com/office/drawing/2014/main" id="{C9EC6411-B607-40FF-9D56-8B7F02BAFF0B}"/>
+                <a16:creationId xmlns:a16="http://schemas.microsoft.com/office/drawing/2014/main" id="{AA0B7DB4-CD49-418C-A2CE-62711F6BF3BA}"/>
               </a:ext>
             </a:extLst>
           </p:cNvPr>
@@ -12911,63 +12986,45 @@
           <a:lstStyle/>
           <a:p>
             <a:r>
-              <a:rPr lang="en-US">
+              <a:rPr lang="en-US" dirty="0"/>
+              <a:t>For symmetric and hash algorithms</a:t>
+            </a:r>
+            <a:endParaRPr lang="en-US" u="sng" dirty="0">
+              <a:hlinkClick r:id="rId2"/>
+            </a:endParaRPr>
+          </a:p>
+          <a:p>
+            <a:r>
+              <a:rPr lang="en-US" dirty="0" err="1">
                 <a:hlinkClick r:id="rId2"/>
               </a:rPr>
-              <a:t>https://github.com/BcryptNet/bcrypt.net</a:t>
-            </a:r>
-            <a:endParaRPr lang="en-US"/>
+              <a:t>CryptoStream</a:t>
+            </a:r>
+            <a:endParaRPr lang="en-US" dirty="0"/>
           </a:p>
           <a:p>
             <a:pPr lvl="1"/>
             <a:r>
-              <a:rPr lang="en-US"/>
-              <a:t>NuGet: </a:t>
-            </a:r>
-            <a:r>
-              <a:rPr lang="en-US" i="1"/>
-              <a:t>BCrypt.Net-Next</a:t>
-            </a:r>
-          </a:p>
-          <a:p>
-            <a:r>
-              <a:rPr lang="en-US"/>
-              <a:t>Port of </a:t>
-            </a:r>
-            <a:r>
-              <a:rPr lang="en-US" i="1"/>
-              <a:t>jBCrypt</a:t>
-            </a:r>
-            <a:r>
-              <a:rPr lang="en-US"/>
-              <a:t> to C#</a:t>
+              <a:rPr lang="en-US" dirty="0"/>
+              <a:t>Derived from </a:t>
+            </a:r>
+            <a:r>
+              <a:rPr lang="en-US" i="1" dirty="0" err="1"/>
+              <a:t>System.IO.Stream</a:t>
+            </a:r>
+            <a:endParaRPr lang="en-US" i="1" dirty="0"/>
+          </a:p>
+          <a:p>
+            <a:r>
+              <a:rPr lang="en-US" dirty="0"/>
+              <a:t>Can be chained</a:t>
             </a:r>
           </a:p>
           <a:p>
             <a:pPr lvl="1"/>
             <a:r>
-              <a:rPr lang="en-US"/>
-              <a:t>Used to safely store passwords</a:t>
-            </a:r>
-          </a:p>
-          <a:p>
-            <a:r>
-              <a:rPr lang="en-US"/>
-              <a:t>Hashing of passwords with configurable hash complexity</a:t>
-            </a:r>
-          </a:p>
-          <a:p>
-            <a:pPr lvl="1"/>
-            <a:r>
-              <a:rPr lang="en-US"/>
-              <a:t>Compute power necessary for hashing can be set („work factor“)</a:t>
-            </a:r>
-          </a:p>
-          <a:p>
-            <a:pPr lvl="1"/>
-            <a:r>
-              <a:rPr lang="en-US"/>
-              <a:t>Backward/forward compatible because complexity part of resultant hash</a:t>
+              <a:rPr lang="en-US" dirty="0"/>
+              <a:t>E.g. hash, followed by encryption</a:t>
             </a:r>
           </a:p>
         </p:txBody>
@@ -12977,7 +13034,7 @@
           <p:cNvPr id="4" name="Text Placeholder 3">
             <a:extLst>
               <a:ext uri="{FF2B5EF4-FFF2-40B4-BE49-F238E27FC236}">
-                <a16:creationId xmlns:a16="http://schemas.microsoft.com/office/drawing/2014/main" id="{BEB509E2-1834-430D-8807-974A525128EE}"/>
+                <a16:creationId xmlns:a16="http://schemas.microsoft.com/office/drawing/2014/main" id="{9319D972-6E9C-437E-880A-1A8D365AEBC0}"/>
               </a:ext>
             </a:extLst>
           </p:cNvPr>
@@ -13000,7 +13057,7 @@
     </p:spTree>
     <p:extLst>
       <p:ext uri="{BB962C8B-B14F-4D97-AF65-F5344CB8AC3E}">
-        <p14:creationId xmlns:p14="http://schemas.microsoft.com/office/powerpoint/2010/main" val="789896913"/>
+        <p14:creationId xmlns:p14="http://schemas.microsoft.com/office/powerpoint/2010/main" val="3353125863"/>
       </p:ext>
     </p:extLst>
   </p:cSld>
@@ -13044,7 +13101,7 @@
           <p:cNvPr id="2" name="Title 1">
             <a:extLst>
               <a:ext uri="{FF2B5EF4-FFF2-40B4-BE49-F238E27FC236}">
-                <a16:creationId xmlns:a16="http://schemas.microsoft.com/office/drawing/2014/main" id="{2572AE16-A283-4B2F-B9A5-A97D08773560}"/>
+                <a16:creationId xmlns:a16="http://schemas.microsoft.com/office/drawing/2014/main" id="{420B3033-DFBD-48DA-B34E-75003EC3BCE6}"/>
               </a:ext>
             </a:extLst>
           </p:cNvPr>
@@ -13062,7 +13119,7 @@
           <a:p>
             <a:r>
               <a:rPr lang="en-US"/>
-              <a:t>Examples</a:t>
+              <a:t>Random Numbers</a:t>
             </a:r>
           </a:p>
         </p:txBody>
@@ -13072,7 +13129,7 @@
           <p:cNvPr id="3" name="Content Placeholder 2">
             <a:extLst>
               <a:ext uri="{FF2B5EF4-FFF2-40B4-BE49-F238E27FC236}">
-                <a16:creationId xmlns:a16="http://schemas.microsoft.com/office/drawing/2014/main" id="{189993DB-6F02-4D83-9680-D34AEF0E7BB5}"/>
+                <a16:creationId xmlns:a16="http://schemas.microsoft.com/office/drawing/2014/main" id="{612B6AA0-7262-4D3E-836C-09EBD0B56B93}"/>
               </a:ext>
             </a:extLst>
           </p:cNvPr>
@@ -13090,59 +13147,37 @@
           <a:p>
             <a:r>
               <a:rPr lang="en-US" dirty="0"/>
-              <a:t>01-Symmetric-Encryption</a:t>
+              <a:t>Pseudo-random numbers</a:t>
             </a:r>
           </a:p>
           <a:p>
             <a:pPr lvl="1"/>
             <a:r>
-              <a:rPr lang="en-US" dirty="0"/>
-              <a:t>Encrypt/decrypt data using AES</a:t>
-            </a:r>
-          </a:p>
-          <a:p>
-            <a:r>
-              <a:rPr lang="en-US" dirty="0"/>
-              <a:t>02-Asymmetric-Encryption</a:t>
-            </a:r>
+              <a:rPr lang="en-US" i="1" dirty="0" err="1"/>
+              <a:t>System.Random</a:t>
+            </a:r>
+            <a:endParaRPr lang="en-US" i="1" dirty="0"/>
           </a:p>
           <a:p>
             <a:pPr lvl="1"/>
             <a:r>
               <a:rPr lang="en-US" dirty="0"/>
-              <a:t>Transfer secret message using RSA and AES</a:t>
-            </a:r>
-          </a:p>
-          <a:p>
-            <a:r>
-              <a:rPr lang="en-US" dirty="0"/>
-              <a:t>03-Hashing</a:t>
+              <a:t>Predictable</a:t>
+            </a:r>
+          </a:p>
+          <a:p>
+            <a:r>
+              <a:rPr lang="en-US" dirty="0"/>
+              <a:t>Secure random numbers</a:t>
             </a:r>
           </a:p>
           <a:p>
             <a:pPr lvl="1"/>
             <a:r>
-              <a:rPr lang="en-US" dirty="0"/>
-              <a:t>Compare two files using their SHA512 hash values</a:t>
-            </a:r>
-          </a:p>
-          <a:p>
-            <a:r>
-              <a:rPr lang="en-US" dirty="0"/>
-              <a:t>04-Signing</a:t>
-            </a:r>
-          </a:p>
-          <a:p>
-            <a:pPr lvl="1"/>
-            <a:r>
-              <a:rPr lang="en-US" dirty="0"/>
-              <a:t>Create a signed hash value </a:t>
-            </a:r>
-            <a:r>
-              <a:rPr lang="en-US"/>
-              <a:t>and verify it</a:t>
-            </a:r>
-            <a:endParaRPr lang="en-US" dirty="0"/>
+              <a:rPr lang="en-US" i="1" dirty="0" err="1"/>
+              <a:t>RNGCryptoServiceProvider</a:t>
+            </a:r>
+            <a:endParaRPr lang="en-US" i="1" dirty="0"/>
           </a:p>
         </p:txBody>
       </p:sp>
@@ -13151,7 +13186,7 @@
           <p:cNvPr id="4" name="Text Placeholder 3">
             <a:extLst>
               <a:ext uri="{FF2B5EF4-FFF2-40B4-BE49-F238E27FC236}">
-                <a16:creationId xmlns:a16="http://schemas.microsoft.com/office/drawing/2014/main" id="{0B3F959B-5A8B-4040-981A-0EBAC93AE572}"/>
+                <a16:creationId xmlns:a16="http://schemas.microsoft.com/office/drawing/2014/main" id="{2F55BBF1-8FB8-4863-8B14-CE0BEFFAF2D6}"/>
               </a:ext>
             </a:extLst>
           </p:cNvPr>
@@ -13167,6 +13202,16 @@
           <a:bodyPr/>
           <a:lstStyle/>
           <a:p>
+            <a:r>
+              <a:rPr lang="en-US"/>
+              <a:t>See also </a:t>
+            </a:r>
+            <a:r>
+              <a:rPr lang="en-US">
+                <a:hlinkClick r:id="rId2"/>
+              </a:rPr>
+              <a:t>https://lowleveldesign.org/2018/08/15/randomness-in-net/</a:t>
+            </a:r>
             <a:endParaRPr lang="en-US"/>
           </a:p>
         </p:txBody>
@@ -13174,7 +13219,7 @@
     </p:spTree>
     <p:extLst>
       <p:ext uri="{BB962C8B-B14F-4D97-AF65-F5344CB8AC3E}">
-        <p14:creationId xmlns:p14="http://schemas.microsoft.com/office/powerpoint/2010/main" val="1911820321"/>
+        <p14:creationId xmlns:p14="http://schemas.microsoft.com/office/powerpoint/2010/main" val="2383227100"/>
       </p:ext>
     </p:extLst>
   </p:cSld>
@@ -13218,7 +13263,7 @@
           <p:cNvPr id="2" name="Title 1">
             <a:extLst>
               <a:ext uri="{FF2B5EF4-FFF2-40B4-BE49-F238E27FC236}">
-                <a16:creationId xmlns:a16="http://schemas.microsoft.com/office/drawing/2014/main" id="{2572AE16-A283-4B2F-B9A5-A97D08773560}"/>
+                <a16:creationId xmlns:a16="http://schemas.microsoft.com/office/drawing/2014/main" id="{FDCA5176-74BF-4D0C-AC1E-AD64ADD2C686}"/>
               </a:ext>
             </a:extLst>
           </p:cNvPr>
@@ -13236,7 +13281,7 @@
           <a:p>
             <a:r>
               <a:rPr lang="en-US"/>
-              <a:t>Examples</a:t>
+              <a:t>bcrypt.net</a:t>
             </a:r>
           </a:p>
         </p:txBody>
@@ -13246,7 +13291,7 @@
           <p:cNvPr id="3" name="Content Placeholder 2">
             <a:extLst>
               <a:ext uri="{FF2B5EF4-FFF2-40B4-BE49-F238E27FC236}">
-                <a16:creationId xmlns:a16="http://schemas.microsoft.com/office/drawing/2014/main" id="{189993DB-6F02-4D83-9680-D34AEF0E7BB5}"/>
+                <a16:creationId xmlns:a16="http://schemas.microsoft.com/office/drawing/2014/main" id="{C9EC6411-B607-40FF-9D56-8B7F02BAFF0B}"/>
               </a:ext>
             </a:extLst>
           </p:cNvPr>
@@ -13263,39 +13308,64 @@
           <a:lstStyle/>
           <a:p>
             <a:r>
-              <a:rPr lang="en-US" dirty="0"/>
-              <a:t>05-RandomNumbers</a:t>
-            </a:r>
+              <a:rPr lang="en-US">
+                <a:hlinkClick r:id="rId2"/>
+              </a:rPr>
+              <a:t>https://github.com/BcryptNet/bcrypt.net</a:t>
+            </a:r>
+            <a:endParaRPr lang="en-US"/>
           </a:p>
           <a:p>
             <a:pPr lvl="1"/>
             <a:r>
-              <a:rPr lang="en-US" dirty="0"/>
-              <a:t>Generating strong random numbers with </a:t>
-            </a:r>
-            <a:r>
-              <a:rPr lang="en-US" i="1" dirty="0" err="1"/>
-              <a:t>RNGCryptoServiceProvider</a:t>
-            </a:r>
-            <a:endParaRPr lang="en-US" i="1" dirty="0"/>
-          </a:p>
-          <a:p>
-            <a:r>
-              <a:rPr lang="en-US" dirty="0"/>
-              <a:t>06-BCrypt</a:t>
+              <a:rPr lang="en-US"/>
+              <a:t>NuGet: </a:t>
+            </a:r>
+            <a:r>
+              <a:rPr lang="en-US" i="1"/>
+              <a:t>BCrypt.Net-Next</a:t>
+            </a:r>
+          </a:p>
+          <a:p>
+            <a:r>
+              <a:rPr lang="en-US"/>
+              <a:t>Port of </a:t>
+            </a:r>
+            <a:r>
+              <a:rPr lang="en-US" i="1"/>
+              <a:t>jBCrypt</a:t>
+            </a:r>
+            <a:r>
+              <a:rPr lang="en-US"/>
+              <a:t> to C#</a:t>
             </a:r>
           </a:p>
           <a:p>
             <a:pPr lvl="1"/>
             <a:r>
-              <a:rPr lang="en-US" dirty="0"/>
-              <a:t>Hash passwords with </a:t>
-            </a:r>
-            <a:r>
-              <a:rPr lang="en-US" i="1" dirty="0" err="1"/>
-              <a:t>BCrypt</a:t>
-            </a:r>
-            <a:endParaRPr lang="en-US" i="1" dirty="0"/>
+              <a:rPr lang="en-US"/>
+              <a:t>Used to safely store passwords</a:t>
+            </a:r>
+          </a:p>
+          <a:p>
+            <a:r>
+              <a:rPr lang="en-US"/>
+              <a:t>Hashing of passwords with configurable hash complexity</a:t>
+            </a:r>
+          </a:p>
+          <a:p>
+            <a:pPr lvl="1"/>
+            <a:r>
+              <a:rPr lang="en-US"/>
+              <a:t>Compute power necessary for hashing can be set („work factor“)</a:t>
+            </a:r>
+          </a:p>
+          <a:p>
+            <a:pPr lvl="1"/>
+            <a:r>
+              <a:rPr lang="en-US"/>
+              <a:t>Backward/forward compatible because complexity part of resultant hash</a:t>
+            </a:r>
           </a:p>
         </p:txBody>
       </p:sp>
@@ -13304,7 +13374,7 @@
           <p:cNvPr id="4" name="Text Placeholder 3">
             <a:extLst>
               <a:ext uri="{FF2B5EF4-FFF2-40B4-BE49-F238E27FC236}">
-                <a16:creationId xmlns:a16="http://schemas.microsoft.com/office/drawing/2014/main" id="{0B3F959B-5A8B-4040-981A-0EBAC93AE572}"/>
+                <a16:creationId xmlns:a16="http://schemas.microsoft.com/office/drawing/2014/main" id="{BEB509E2-1834-430D-8807-974A525128EE}"/>
               </a:ext>
             </a:extLst>
           </p:cNvPr>
@@ -13327,7 +13397,7 @@
     </p:spTree>
     <p:extLst>
       <p:ext uri="{BB962C8B-B14F-4D97-AF65-F5344CB8AC3E}">
-        <p14:creationId xmlns:p14="http://schemas.microsoft.com/office/powerpoint/2010/main" val="1295082866"/>
+        <p14:creationId xmlns:p14="http://schemas.microsoft.com/office/powerpoint/2010/main" val="789896913"/>
       </p:ext>
     </p:extLst>
   </p:cSld>
@@ -13371,7 +13441,7 @@
           <p:cNvPr id="2" name="Title 1">
             <a:extLst>
               <a:ext uri="{FF2B5EF4-FFF2-40B4-BE49-F238E27FC236}">
-                <a16:creationId xmlns:a16="http://schemas.microsoft.com/office/drawing/2014/main" id="{F8FADD9F-D779-4FB6-A392-8DDB9F3A789C}"/>
+                <a16:creationId xmlns:a16="http://schemas.microsoft.com/office/drawing/2014/main" id="{2572AE16-A283-4B2F-B9A5-A97D08773560}"/>
               </a:ext>
             </a:extLst>
           </p:cNvPr>
@@ -13388,22 +13458,18 @@
           <a:lstStyle/>
           <a:p>
             <a:r>
-              <a:rPr lang="de-AT" dirty="0" err="1"/>
-              <a:t>Protecting</a:t>
-            </a:r>
-            <a:r>
-              <a:rPr lang="de-AT" dirty="0"/>
-              <a:t> Secrets</a:t>
-            </a:r>
-          </a:p>
-        </p:txBody>
-      </p:sp>
-      <p:sp>
-        <p:nvSpPr>
-          <p:cNvPr id="3" name="Text Placeholder 2">
+              <a:rPr lang="en-US"/>
+              <a:t>Examples</a:t>
+            </a:r>
+          </a:p>
+        </p:txBody>
+      </p:sp>
+      <p:sp>
+        <p:nvSpPr>
+          <p:cNvPr id="3" name="Content Placeholder 2">
             <a:extLst>
               <a:ext uri="{FF2B5EF4-FFF2-40B4-BE49-F238E27FC236}">
-                <a16:creationId xmlns:a16="http://schemas.microsoft.com/office/drawing/2014/main" id="{72858DEE-163D-402F-981D-E182F9F8632E}"/>
+                <a16:creationId xmlns:a16="http://schemas.microsoft.com/office/drawing/2014/main" id="{189993DB-6F02-4D83-9680-D34AEF0E7BB5}"/>
               </a:ext>
             </a:extLst>
           </p:cNvPr>
@@ -13411,7 +13477,7 @@
             <a:spLocks noGrp="1"/>
           </p:cNvSpPr>
           <p:nvPr>
-            <p:ph type="body" sz="quarter" idx="25"/>
+            <p:ph sz="quarter" idx="12"/>
           </p:nvPr>
         </p:nvSpPr>
         <p:spPr/>
@@ -13421,16 +13487,91 @@
           <a:p>
             <a:r>
               <a:rPr lang="en-US" dirty="0"/>
-              <a:t>How to protect connection information</a:t>
-            </a:r>
-            <a:endParaRPr lang="de-AT" dirty="0"/>
+              <a:t>01-Symmetric-Encryption</a:t>
+            </a:r>
+          </a:p>
+          <a:p>
+            <a:pPr lvl="1"/>
+            <a:r>
+              <a:rPr lang="en-US" dirty="0"/>
+              <a:t>Encrypt/decrypt data using AES</a:t>
+            </a:r>
+          </a:p>
+          <a:p>
+            <a:r>
+              <a:rPr lang="en-US" dirty="0"/>
+              <a:t>02-Asymmetric-Encryption</a:t>
+            </a:r>
+          </a:p>
+          <a:p>
+            <a:pPr lvl="1"/>
+            <a:r>
+              <a:rPr lang="en-US" dirty="0"/>
+              <a:t>Transfer secret message using RSA and AES</a:t>
+            </a:r>
+          </a:p>
+          <a:p>
+            <a:r>
+              <a:rPr lang="en-US" dirty="0"/>
+              <a:t>03-Hashing</a:t>
+            </a:r>
+          </a:p>
+          <a:p>
+            <a:pPr lvl="1"/>
+            <a:r>
+              <a:rPr lang="en-US" dirty="0"/>
+              <a:t>Compare two files using their SHA512 hash values</a:t>
+            </a:r>
+          </a:p>
+          <a:p>
+            <a:r>
+              <a:rPr lang="en-US" dirty="0"/>
+              <a:t>04-Signing</a:t>
+            </a:r>
+          </a:p>
+          <a:p>
+            <a:pPr lvl="1"/>
+            <a:r>
+              <a:rPr lang="en-US" dirty="0"/>
+              <a:t>Create a signed hash value </a:t>
+            </a:r>
+            <a:r>
+              <a:rPr lang="en-US"/>
+              <a:t>and verify it</a:t>
+            </a:r>
+            <a:endParaRPr lang="en-US" dirty="0"/>
+          </a:p>
+        </p:txBody>
+      </p:sp>
+      <p:sp>
+        <p:nvSpPr>
+          <p:cNvPr id="4" name="Text Placeholder 3">
+            <a:extLst>
+              <a:ext uri="{FF2B5EF4-FFF2-40B4-BE49-F238E27FC236}">
+                <a16:creationId xmlns:a16="http://schemas.microsoft.com/office/drawing/2014/main" id="{0B3F959B-5A8B-4040-981A-0EBAC93AE572}"/>
+              </a:ext>
+            </a:extLst>
+          </p:cNvPr>
+          <p:cNvSpPr>
+            <a:spLocks noGrp="1"/>
+          </p:cNvSpPr>
+          <p:nvPr>
+            <p:ph type="body" sz="quarter" idx="23"/>
+          </p:nvPr>
+        </p:nvSpPr>
+        <p:spPr/>
+        <p:txBody>
+          <a:bodyPr/>
+          <a:lstStyle/>
+          <a:p>
+            <a:endParaRPr lang="en-US"/>
           </a:p>
         </p:txBody>
       </p:sp>
     </p:spTree>
     <p:extLst>
       <p:ext uri="{BB962C8B-B14F-4D97-AF65-F5344CB8AC3E}">
-        <p14:creationId xmlns:p14="http://schemas.microsoft.com/office/powerpoint/2010/main" val="2423346125"/>
+        <p14:creationId xmlns:p14="http://schemas.microsoft.com/office/powerpoint/2010/main" val="1911820321"/>
       </p:ext>
     </p:extLst>
   </p:cSld>
@@ -13471,10 +13612,10 @@
       </p:grpSpPr>
       <p:sp>
         <p:nvSpPr>
-          <p:cNvPr id="4" name="Title 3">
+          <p:cNvPr id="2" name="Title 1">
             <a:extLst>
               <a:ext uri="{FF2B5EF4-FFF2-40B4-BE49-F238E27FC236}">
-                <a16:creationId xmlns:a16="http://schemas.microsoft.com/office/drawing/2014/main" id="{BDD3605E-FD53-466F-BE4A-2E05F5F4F85D}"/>
+                <a16:creationId xmlns:a16="http://schemas.microsoft.com/office/drawing/2014/main" id="{2572AE16-A283-4B2F-B9A5-A97D08773560}"/>
               </a:ext>
             </a:extLst>
           </p:cNvPr>
@@ -13492,17 +13633,17 @@
           <a:p>
             <a:r>
               <a:rPr lang="en-US"/>
-              <a:t>General Guidelines</a:t>
-            </a:r>
-          </a:p>
-        </p:txBody>
-      </p:sp>
-      <p:sp>
-        <p:nvSpPr>
-          <p:cNvPr id="5" name="Content Placeholder 4">
+              <a:t>Examples</a:t>
+            </a:r>
+          </a:p>
+        </p:txBody>
+      </p:sp>
+      <p:sp>
+        <p:nvSpPr>
+          <p:cNvPr id="3" name="Content Placeholder 2">
             <a:extLst>
               <a:ext uri="{FF2B5EF4-FFF2-40B4-BE49-F238E27FC236}">
-                <a16:creationId xmlns:a16="http://schemas.microsoft.com/office/drawing/2014/main" id="{01F131BF-9B34-48AC-BA46-B6209F9C8653}"/>
+                <a16:creationId xmlns:a16="http://schemas.microsoft.com/office/drawing/2014/main" id="{189993DB-6F02-4D83-9680-D34AEF0E7BB5}"/>
               </a:ext>
             </a:extLst>
           </p:cNvPr>
@@ -13520,153 +13661,64 @@
           <a:p>
             <a:r>
               <a:rPr lang="en-US" dirty="0"/>
-              <a:t>Prefer not storing secrets at all</a:t>
+              <a:t>05-RandomNumbers</a:t>
             </a:r>
           </a:p>
           <a:p>
             <a:pPr lvl="1"/>
             <a:r>
               <a:rPr lang="en-US" dirty="0"/>
-              <a:t>Windows Authentication</a:t>
+              <a:t>Generating strong random numbers with </a:t>
+            </a:r>
+            <a:r>
+              <a:rPr lang="en-US" i="1" dirty="0" err="1"/>
+              <a:t>RNGCryptoServiceProvider</a:t>
+            </a:r>
+            <a:endParaRPr lang="en-US" i="1" dirty="0"/>
+          </a:p>
+          <a:p>
+            <a:r>
+              <a:rPr lang="en-US" dirty="0"/>
+              <a:t>06-BCrypt</a:t>
             </a:r>
           </a:p>
           <a:p>
             <a:pPr lvl="1"/>
             <a:r>
               <a:rPr lang="en-US" dirty="0"/>
-              <a:t>Azure: Use AAD authentication with SQL (</a:t>
-            </a:r>
-            <a:r>
-              <a:rPr lang="en-US" dirty="0">
-                <a:hlinkClick r:id="rId2"/>
-              </a:rPr>
-              <a:t>docs</a:t>
-            </a:r>
-            <a:r>
-              <a:rPr lang="en-US" dirty="0"/>
-              <a:t>)</a:t>
+              <a:t>Hash passwords with </a:t>
+            </a:r>
+            <a:r>
+              <a:rPr lang="en-US" i="1" dirty="0" err="1"/>
+              <a:t>BCrypt</a:t>
+            </a:r>
+            <a:endParaRPr lang="en-US" i="1" dirty="0"/>
+          </a:p>
+          <a:p>
+            <a:r>
+              <a:rPr lang="en-US" dirty="0"/>
+              <a:t>07-Data Protection API (DPAPI)</a:t>
             </a:r>
           </a:p>
           <a:p>
             <a:pPr lvl="1"/>
             <a:r>
               <a:rPr lang="en-US" dirty="0"/>
-              <a:t>Azure Managed Identities (</a:t>
-            </a:r>
-            <a:r>
-              <a:rPr lang="en-US" dirty="0">
-                <a:hlinkClick r:id="rId3"/>
-              </a:rPr>
-              <a:t>docs</a:t>
-            </a:r>
-            <a:r>
-              <a:rPr lang="en-US" dirty="0"/>
-              <a:t>)</a:t>
-            </a:r>
-          </a:p>
-          <a:p>
-            <a:r>
-              <a:rPr lang="en-US" dirty="0"/>
-              <a:t>Use </a:t>
-            </a:r>
-            <a:r>
-              <a:rPr lang="en-US" dirty="0">
-                <a:hlinkClick r:id="rId4"/>
-              </a:rPr>
-              <a:t>Connection String Builders</a:t>
-            </a:r>
-            <a:r>
-              <a:rPr lang="en-US" dirty="0"/>
-              <a:t> instead of string </a:t>
-            </a:r>
-            <a:r>
-              <a:rPr lang="en-US" dirty="0" err="1"/>
-              <a:t>concat</a:t>
-            </a:r>
+              <a:t>⚠️ Windows only!</a:t>
+            </a:r>
+          </a:p>
+          <a:p>
+            <a:pPr lvl="1"/>
             <a:endParaRPr lang="en-US" dirty="0"/>
           </a:p>
-          <a:p>
-            <a:pPr lvl="1"/>
-            <a:r>
-              <a:rPr lang="en-US" dirty="0"/>
-              <a:t>Sample: </a:t>
-            </a:r>
-            <a:r>
-              <a:rPr lang="en-US" i="1" dirty="0"/>
-              <a:t>07-ConnectionStringBuilders</a:t>
-            </a:r>
-            <a:endParaRPr lang="en-US" dirty="0"/>
-          </a:p>
-          <a:p>
-            <a:pPr lvl="1"/>
-            <a:r>
-              <a:rPr lang="en-US" u="sng" dirty="0"/>
-              <a:t>Don’t</a:t>
-            </a:r>
-            <a:r>
-              <a:rPr lang="en-US" dirty="0"/>
-              <a:t> set </a:t>
-            </a:r>
-            <a:r>
-              <a:rPr lang="en-US" i="1" dirty="0"/>
-              <a:t>Persist Security Info=True</a:t>
-            </a:r>
-            <a:r>
-              <a:rPr lang="en-US" dirty="0"/>
-              <a:t> (default is False) to prevent security-sensitive information to be obtained from a connection</a:t>
-            </a:r>
-          </a:p>
-          <a:p>
-            <a:r>
-              <a:rPr lang="en-US" i="1" dirty="0"/>
-              <a:t>private/protected/internal</a:t>
-            </a:r>
-            <a:r>
-              <a:rPr lang="en-US" dirty="0"/>
-              <a:t> is </a:t>
-            </a:r>
-            <a:r>
-              <a:rPr lang="en-US" u="sng" dirty="0"/>
-              <a:t>no</a:t>
-            </a:r>
-            <a:r>
-              <a:rPr lang="en-US" dirty="0"/>
-              <a:t> protection</a:t>
-            </a:r>
-          </a:p>
-          <a:p>
-            <a:pPr lvl="1"/>
-            <a:r>
-              <a:rPr lang="en-US" dirty="0"/>
-              <a:t>See also </a:t>
-            </a:r>
-            <a:r>
-              <a:rPr lang="en-US" i="1" dirty="0" err="1"/>
-              <a:t>BindingFlags.NonPublic</a:t>
-            </a:r>
-            <a:r>
-              <a:rPr lang="en-US" dirty="0"/>
-              <a:t> (</a:t>
-            </a:r>
-            <a:r>
-              <a:rPr lang="en-US" dirty="0">
-                <a:hlinkClick r:id="rId5"/>
-              </a:rPr>
-              <a:t>docs</a:t>
-            </a:r>
-            <a:r>
-              <a:rPr lang="en-US" dirty="0"/>
-              <a:t>)</a:t>
-            </a:r>
-          </a:p>
-        </p:txBody>
-      </p:sp>
-      <p:sp>
-        <p:nvSpPr>
-          <p:cNvPr id="6" name="Text Placeholder 5">
+        </p:txBody>
+      </p:sp>
+      <p:sp>
+        <p:nvSpPr>
+          <p:cNvPr id="4" name="Text Placeholder 3">
             <a:extLst>
               <a:ext uri="{FF2B5EF4-FFF2-40B4-BE49-F238E27FC236}">
-                <a16:creationId xmlns:a16="http://schemas.microsoft.com/office/drawing/2014/main" id="{45CC3CD2-13B7-49F0-BF5F-46A2C11C7A6E}"/>
+                <a16:creationId xmlns:a16="http://schemas.microsoft.com/office/drawing/2014/main" id="{0B3F959B-5A8B-4040-981A-0EBAC93AE572}"/>
               </a:ext>
             </a:extLst>
           </p:cNvPr>
@@ -13682,24 +13734,14 @@
           <a:bodyPr/>
           <a:lstStyle/>
           <a:p>
-            <a:r>
-              <a:rPr lang="en-US" dirty="0"/>
-              <a:t>See also </a:t>
-            </a:r>
-            <a:r>
-              <a:rPr lang="en-US" dirty="0">
-                <a:hlinkClick r:id="rId6"/>
-              </a:rPr>
-              <a:t>https://docs.microsoft.com/en-us/dotnet/framework/data/adonet/protecting-connection-information</a:t>
-            </a:r>
-            <a:endParaRPr lang="en-US" dirty="0"/>
+            <a:endParaRPr lang="en-US"/>
           </a:p>
         </p:txBody>
       </p:sp>
     </p:spTree>
     <p:extLst>
       <p:ext uri="{BB962C8B-B14F-4D97-AF65-F5344CB8AC3E}">
-        <p14:creationId xmlns:p14="http://schemas.microsoft.com/office/powerpoint/2010/main" val="287044570"/>
+        <p14:creationId xmlns:p14="http://schemas.microsoft.com/office/powerpoint/2010/main" val="1295082866"/>
       </p:ext>
     </p:extLst>
   </p:cSld>
@@ -13740,10 +13782,10 @@
       </p:grpSpPr>
       <p:sp>
         <p:nvSpPr>
-          <p:cNvPr id="4" name="Title 3">
+          <p:cNvPr id="5" name="Title 4">
             <a:extLst>
               <a:ext uri="{FF2B5EF4-FFF2-40B4-BE49-F238E27FC236}">
-                <a16:creationId xmlns:a16="http://schemas.microsoft.com/office/drawing/2014/main" id="{BDD3605E-FD53-466F-BE4A-2E05F5F4F85D}"/>
+                <a16:creationId xmlns:a16="http://schemas.microsoft.com/office/drawing/2014/main" id="{E6CB8BBB-36C6-4D3D-A80F-A442C41A249A}"/>
               </a:ext>
             </a:extLst>
           </p:cNvPr>
@@ -13760,18 +13802,18 @@
           <a:lstStyle/>
           <a:p>
             <a:r>
-              <a:rPr lang="en-US"/>
-              <a:t>General Guidelines</a:t>
-            </a:r>
-          </a:p>
-        </p:txBody>
-      </p:sp>
-      <p:sp>
-        <p:nvSpPr>
-          <p:cNvPr id="5" name="Content Placeholder 4">
+              <a:rPr lang="de-AT" sz="4800" dirty="0"/>
+              <a:t>RBAC</a:t>
+            </a:r>
+          </a:p>
+        </p:txBody>
+      </p:sp>
+      <p:sp>
+        <p:nvSpPr>
+          <p:cNvPr id="6" name="Text Placeholder 5">
             <a:extLst>
               <a:ext uri="{FF2B5EF4-FFF2-40B4-BE49-F238E27FC236}">
-                <a16:creationId xmlns:a16="http://schemas.microsoft.com/office/drawing/2014/main" id="{01F131BF-9B34-48AC-BA46-B6209F9C8653}"/>
+                <a16:creationId xmlns:a16="http://schemas.microsoft.com/office/drawing/2014/main" id="{C16EAF77-8FDB-40B2-8D34-7D443ACF1E07}"/>
               </a:ext>
             </a:extLst>
           </p:cNvPr>
@@ -13779,7 +13821,7 @@
             <a:spLocks noGrp="1"/>
           </p:cNvSpPr>
           <p:nvPr>
-            <p:ph sz="quarter" idx="12"/>
+            <p:ph type="body" sz="quarter" idx="25"/>
           </p:nvPr>
         </p:nvSpPr>
         <p:spPr/>
@@ -13788,207 +13830,20 @@
           <a:lstStyle/>
           <a:p>
             <a:r>
-              <a:rPr lang="en-US" dirty="0"/>
-              <a:t>Recap .NET Core config system</a:t>
-            </a:r>
-          </a:p>
-          <a:p>
-            <a:pPr lvl="1"/>
-            <a:r>
-              <a:rPr lang="en-US" i="1" dirty="0"/>
-              <a:t>08-RecapNetCoreConfig</a:t>
-            </a:r>
-          </a:p>
-          <a:p>
-            <a:r>
-              <a:rPr lang="en-US" dirty="0"/>
-              <a:t>Encrypt configuration files</a:t>
-            </a:r>
-          </a:p>
-          <a:p>
-            <a:pPr lvl="1"/>
-            <a:r>
-              <a:rPr lang="en-US" dirty="0"/>
-              <a:t>ASP.NET: Use </a:t>
-            </a:r>
-            <a:r>
-              <a:rPr lang="en-US" i="1" dirty="0" err="1"/>
-              <a:t>aspnet_regiis</a:t>
-            </a:r>
-            <a:r>
-              <a:rPr lang="en-US" dirty="0"/>
-              <a:t> tool (</a:t>
-            </a:r>
-            <a:r>
-              <a:rPr lang="en-US" dirty="0">
-                <a:hlinkClick r:id="rId2"/>
-              </a:rPr>
-              <a:t>docs</a:t>
-            </a:r>
-            <a:r>
-              <a:rPr lang="en-US" dirty="0"/>
-              <a:t>)</a:t>
-            </a:r>
-          </a:p>
-          <a:p>
-            <a:r>
-              <a:rPr lang="en-US" dirty="0"/>
-              <a:t>ASP.NET Core </a:t>
-            </a:r>
-            <a:r>
-              <a:rPr lang="en-US" i="1" dirty="0"/>
-              <a:t>Secret Manager</a:t>
-            </a:r>
-            <a:r>
-              <a:rPr lang="en-US" dirty="0"/>
-              <a:t> tool (</a:t>
-            </a:r>
-            <a:r>
-              <a:rPr lang="en-US" dirty="0">
-                <a:hlinkClick r:id="rId3"/>
-              </a:rPr>
-              <a:t>docs</a:t>
-            </a:r>
-            <a:r>
-              <a:rPr lang="en-US" dirty="0"/>
-              <a:t>)</a:t>
-            </a:r>
-          </a:p>
-          <a:p>
-            <a:pPr lvl="1"/>
-            <a:r>
-              <a:rPr lang="en-US" dirty="0"/>
-              <a:t>Stores secrets separated from application code</a:t>
-            </a:r>
-          </a:p>
-          <a:p>
-            <a:pPr lvl="1"/>
-            <a:r>
-              <a:rPr lang="en-US" dirty="0"/>
-              <a:t>ASP.NET Core: </a:t>
-            </a:r>
-            <a:r>
-              <a:rPr lang="en-US" i="1" dirty="0"/>
-              <a:t>09.1-SecretManager</a:t>
-            </a:r>
-          </a:p>
-          <a:p>
-            <a:pPr lvl="1"/>
-            <a:r>
-              <a:rPr lang="de-AT" i="1" dirty="0" err="1"/>
-              <a:t>dotnet</a:t>
-            </a:r>
-            <a:r>
-              <a:rPr lang="de-AT" i="1" dirty="0"/>
-              <a:t> user-</a:t>
-            </a:r>
-            <a:r>
-              <a:rPr lang="de-AT" i="1" dirty="0" err="1"/>
-              <a:t>secrets</a:t>
-            </a:r>
-            <a:r>
-              <a:rPr lang="de-AT" i="1" dirty="0"/>
-              <a:t> </a:t>
-            </a:r>
-            <a:r>
-              <a:rPr lang="de-AT" i="1" dirty="0" err="1"/>
-              <a:t>set</a:t>
-            </a:r>
-            <a:r>
-              <a:rPr lang="de-AT" i="1" dirty="0"/>
-              <a:t> "ping" "</a:t>
-            </a:r>
-            <a:r>
-              <a:rPr lang="de-AT" i="1" dirty="0" err="1"/>
-              <a:t>pong</a:t>
-            </a:r>
-            <a:r>
-              <a:rPr lang="de-AT" i="1" dirty="0"/>
-              <a:t>"</a:t>
-            </a:r>
-            <a:br>
+              <a:rPr lang="de-AT" dirty="0" err="1"/>
+              <a:t>Role-based</a:t>
+            </a:r>
+            <a:r>
               <a:rPr lang="de-AT" dirty="0"/>
-            </a:br>
-            <a:r>
-              <a:rPr lang="de-AT" dirty="0"/>
-              <a:t>   </a:t>
-            </a:r>
-            <a:r>
-              <a:rPr lang="de-AT" dirty="0">
-                <a:sym typeface="Wingdings" panose="05000000000000000000" pitchFamily="2" charset="2"/>
-              </a:rPr>
-              <a:t> Show </a:t>
-            </a:r>
-            <a:r>
-              <a:rPr lang="de-AT" dirty="0" err="1">
-                <a:sym typeface="Wingdings" panose="05000000000000000000" pitchFamily="2" charset="2"/>
-              </a:rPr>
-              <a:t>secrets</a:t>
-            </a:r>
-            <a:r>
-              <a:rPr lang="de-AT" dirty="0">
-                <a:sym typeface="Wingdings" panose="05000000000000000000" pitchFamily="2" charset="2"/>
-              </a:rPr>
-              <a:t> in </a:t>
-            </a:r>
-            <a:r>
-              <a:rPr lang="en-US" i="1" dirty="0"/>
-              <a:t>%APPDATA%\Microsoft\</a:t>
-            </a:r>
-            <a:r>
-              <a:rPr lang="en-US" i="1" dirty="0" err="1"/>
-              <a:t>UserSecrets</a:t>
-            </a:r>
-            <a:r>
-              <a:rPr lang="en-US" i="1" dirty="0"/>
-              <a:t>\...</a:t>
-            </a:r>
-          </a:p>
-          <a:p>
-            <a:pPr lvl="1"/>
-            <a:endParaRPr lang="en-US" dirty="0"/>
-          </a:p>
-        </p:txBody>
-      </p:sp>
-      <p:sp>
-        <p:nvSpPr>
-          <p:cNvPr id="6" name="Text Placeholder 5">
-            <a:extLst>
-              <a:ext uri="{FF2B5EF4-FFF2-40B4-BE49-F238E27FC236}">
-                <a16:creationId xmlns:a16="http://schemas.microsoft.com/office/drawing/2014/main" id="{45CC3CD2-13B7-49F0-BF5F-46A2C11C7A6E}"/>
-              </a:ext>
-            </a:extLst>
-          </p:cNvPr>
-          <p:cNvSpPr>
-            <a:spLocks noGrp="1"/>
-          </p:cNvSpPr>
-          <p:nvPr>
-            <p:ph type="body" sz="quarter" idx="23"/>
-          </p:nvPr>
-        </p:nvSpPr>
-        <p:spPr/>
-        <p:txBody>
-          <a:bodyPr/>
-          <a:lstStyle/>
-          <a:p>
-            <a:r>
-              <a:rPr lang="en-US" dirty="0"/>
-              <a:t>See also </a:t>
-            </a:r>
-            <a:r>
-              <a:rPr lang="en-US" dirty="0">
-                <a:hlinkClick r:id="rId4"/>
-              </a:rPr>
-              <a:t>https://docs.microsoft.com/en-us/dotnet/framework/data/adonet/protecting-connection-information</a:t>
-            </a:r>
-            <a:endParaRPr lang="en-US" dirty="0"/>
+              <a:t> Access Control</a:t>
+            </a:r>
           </a:p>
         </p:txBody>
       </p:sp>
     </p:spTree>
     <p:extLst>
       <p:ext uri="{BB962C8B-B14F-4D97-AF65-F5344CB8AC3E}">
-        <p14:creationId xmlns:p14="http://schemas.microsoft.com/office/powerpoint/2010/main" val="2774263431"/>
+        <p14:creationId xmlns:p14="http://schemas.microsoft.com/office/powerpoint/2010/main" val="1403403978"/>
       </p:ext>
     </p:extLst>
   </p:cSld>
@@ -14029,10 +13884,10 @@
       </p:grpSpPr>
       <p:sp>
         <p:nvSpPr>
-          <p:cNvPr id="2" name="Title 1">
+          <p:cNvPr id="4" name="Title 3">
             <a:extLst>
               <a:ext uri="{FF2B5EF4-FFF2-40B4-BE49-F238E27FC236}">
-                <a16:creationId xmlns:a16="http://schemas.microsoft.com/office/drawing/2014/main" id="{70775652-A8EC-4FAC-A38B-CDC92D034423}"/>
+                <a16:creationId xmlns:a16="http://schemas.microsoft.com/office/drawing/2014/main" id="{E118390F-DEC3-DB35-8E13-7AA1D83A700C}"/>
               </a:ext>
             </a:extLst>
           </p:cNvPr>
@@ -14049,18 +13904,19 @@
           <a:lstStyle/>
           <a:p>
             <a:r>
-              <a:rPr lang="en-US"/>
-              <a:t>Environment Variables</a:t>
-            </a:r>
-          </a:p>
-        </p:txBody>
-      </p:sp>
-      <p:sp>
-        <p:nvSpPr>
-          <p:cNvPr id="3" name="Content Placeholder 2">
+              <a:rPr lang="en-US" dirty="0"/>
+              <a:t>Authorization in ASP.NET Core</a:t>
+            </a:r>
+            <a:endParaRPr lang="en-AT" dirty="0"/>
+          </a:p>
+        </p:txBody>
+      </p:sp>
+      <p:sp>
+        <p:nvSpPr>
+          <p:cNvPr id="5" name="Content Placeholder 4">
             <a:extLst>
               <a:ext uri="{FF2B5EF4-FFF2-40B4-BE49-F238E27FC236}">
-                <a16:creationId xmlns:a16="http://schemas.microsoft.com/office/drawing/2014/main" id="{E0CF94F3-E172-411D-801A-CF40C7B1E837}"/>
+                <a16:creationId xmlns:a16="http://schemas.microsoft.com/office/drawing/2014/main" id="{D2FFBE29-62C4-32A9-86D3-262AEC68195A}"/>
               </a:ext>
             </a:extLst>
           </p:cNvPr>
@@ -14077,108 +13933,62 @@
           <a:lstStyle/>
           <a:p>
             <a:r>
-              <a:rPr lang="en-US" dirty="0"/>
-              <a:t>Add non-critical defaults to config files (e.g. </a:t>
-            </a:r>
-            <a:r>
-              <a:rPr lang="en-US" i="1" dirty="0" err="1"/>
-              <a:t>appsettings.json</a:t>
-            </a:r>
-            <a:r>
-              <a:rPr lang="en-US" dirty="0"/>
-              <a:t>)</a:t>
-            </a:r>
-          </a:p>
-          <a:p>
-            <a:pPr lvl="1"/>
-            <a:r>
-              <a:rPr lang="en-US" dirty="0"/>
-              <a:t>E.g. Connection string pointing to </a:t>
-            </a:r>
-            <a:r>
-              <a:rPr lang="en-US" i="1" dirty="0" err="1"/>
-              <a:t>LocalDB</a:t>
-            </a:r>
-            <a:r>
-              <a:rPr lang="en-US" dirty="0"/>
-              <a:t> with integrated security</a:t>
-            </a:r>
-          </a:p>
-          <a:p>
-            <a:r>
-              <a:rPr lang="en-US" dirty="0"/>
-              <a:t>Override settings in production using environment variables</a:t>
-            </a:r>
-          </a:p>
-          <a:p>
-            <a:pPr lvl="1"/>
-            <a:r>
-              <a:rPr lang="en-US" dirty="0"/>
-              <a:t>Works on Azure</a:t>
-            </a:r>
-          </a:p>
-          <a:p>
-            <a:pPr lvl="1"/>
-            <a:r>
-              <a:rPr lang="en-US" dirty="0"/>
-              <a:t>Works in containers (e.g. </a:t>
-            </a:r>
-            <a:r>
-              <a:rPr lang="en-US" i="1" dirty="0">
+              <a:rPr lang="en-US" dirty="0">
                 <a:hlinkClick r:id="rId2"/>
               </a:rPr>
-              <a:t>docker run -e</a:t>
-            </a:r>
-            <a:r>
-              <a:rPr lang="en-US" dirty="0"/>
-              <a:t>)</a:t>
-            </a:r>
-          </a:p>
-          <a:p>
-            <a:r>
-              <a:rPr lang="en-US" dirty="0"/>
-              <a:t>Problem: Environment variables are not encrypted</a:t>
+              <a:t>https://learn.microsoft.com/en-us/aspnet/core/security/authorization/introduction</a:t>
+            </a:r>
+            <a:endParaRPr lang="en-US" dirty="0"/>
+          </a:p>
+          <a:p>
+            <a:r>
+              <a:rPr lang="en-US" dirty="0"/>
+              <a:t>Supports different authorization types</a:t>
             </a:r>
           </a:p>
           <a:p>
             <a:pPr lvl="1"/>
             <a:r>
               <a:rPr lang="en-US" dirty="0"/>
-              <a:t>If machine is compromised, environment variables can be accessed</a:t>
-            </a:r>
-          </a:p>
-          <a:p>
-            <a:r>
-              <a:rPr lang="en-US" dirty="0"/>
-              <a:t>Solution: Store secrets in vaults like </a:t>
-            </a:r>
-            <a:r>
-              <a:rPr lang="en-US" i="1" dirty="0"/>
-              <a:t>KeyVault</a:t>
+              <a:t>Simple</a:t>
             </a:r>
           </a:p>
           <a:p>
             <a:pPr lvl="1"/>
             <a:r>
               <a:rPr lang="en-US" dirty="0"/>
-              <a:t>Settings = environment variables only point to vault</a:t>
+              <a:t>Role-based</a:t>
             </a:r>
           </a:p>
           <a:p>
             <a:pPr lvl="1"/>
             <a:r>
               <a:rPr lang="en-US" dirty="0"/>
-              <a:t>Use integrated security of platform (e.g. Windows, Azure Managed Identity)</a:t>
-            </a:r>
-          </a:p>
-        </p:txBody>
-      </p:sp>
-      <p:sp>
-        <p:nvSpPr>
-          <p:cNvPr id="4" name="Text Placeholder 3">
+              <a:t>Claims-based</a:t>
+            </a:r>
+          </a:p>
+          <a:p>
+            <a:pPr lvl="1"/>
+            <a:r>
+              <a:rPr lang="en-US" dirty="0"/>
+              <a:t>Policy-based</a:t>
+            </a:r>
+          </a:p>
+          <a:p>
+            <a:r>
+              <a:rPr lang="en-US" dirty="0"/>
+              <a:t>Highly extensible</a:t>
+            </a:r>
+            <a:endParaRPr lang="en-AT" dirty="0"/>
+          </a:p>
+        </p:txBody>
+      </p:sp>
+      <p:sp>
+        <p:nvSpPr>
+          <p:cNvPr id="6" name="Text Placeholder 5">
             <a:extLst>
               <a:ext uri="{FF2B5EF4-FFF2-40B4-BE49-F238E27FC236}">
-                <a16:creationId xmlns:a16="http://schemas.microsoft.com/office/drawing/2014/main" id="{3FEA31CA-FD17-4CAE-88C4-4917D5E88B28}"/>
+                <a16:creationId xmlns:a16="http://schemas.microsoft.com/office/drawing/2014/main" id="{185A1D32-5F70-CC92-6BCA-2831BA48AFF0}"/>
               </a:ext>
             </a:extLst>
           </p:cNvPr>
@@ -14194,32 +14004,23 @@
           <a:bodyPr/>
           <a:lstStyle/>
           <a:p>
-            <a:endParaRPr lang="en-US"/>
+            <a:endParaRPr lang="en-AT"/>
           </a:p>
         </p:txBody>
       </p:sp>
     </p:spTree>
     <p:extLst>
       <p:ext uri="{BB962C8B-B14F-4D97-AF65-F5344CB8AC3E}">
-        <p14:creationId xmlns:p14="http://schemas.microsoft.com/office/powerpoint/2010/main" val="3344891485"/>
+        <p14:creationId xmlns:p14="http://schemas.microsoft.com/office/powerpoint/2010/main" val="2103724685"/>
       </p:ext>
     </p:extLst>
   </p:cSld>
   <p:clrMapOvr>
     <a:masterClrMapping/>
   </p:clrMapOvr>
-  <mc:AlternateContent xmlns:mc="http://schemas.openxmlformats.org/markup-compatibility/2006" xmlns:p14="http://schemas.microsoft.com/office/powerpoint/2010/main">
-    <mc:Choice Requires="p14">
-      <p:transition spd="med" p14:dur="700">
-        <p:fade/>
-      </p:transition>
-    </mc:Choice>
-    <mc:Fallback xmlns="">
-      <p:transition spd="med">
-        <p:fade/>
-      </p:transition>
-    </mc:Fallback>
-  </mc:AlternateContent>
+  <p:transition spd="slow">
+    <p:push/>
+  </p:transition>
 </p:sld>
 </file>
 
@@ -14464,123 +14265,10 @@
       </p:grpSpPr>
       <p:sp>
         <p:nvSpPr>
-          <p:cNvPr id="2" name="Title 1">
-            <a:extLst>
-              <a:ext uri="{FF2B5EF4-FFF2-40B4-BE49-F238E27FC236}">
-                <a16:creationId xmlns:a16="http://schemas.microsoft.com/office/drawing/2014/main" id="{DE5C6A00-2349-4081-8885-95806CB4E6A1}"/>
-              </a:ext>
-            </a:extLst>
-          </p:cNvPr>
-          <p:cNvSpPr>
-            <a:spLocks noGrp="1"/>
-          </p:cNvSpPr>
-          <p:nvPr>
-            <p:ph type="title"/>
-          </p:nvPr>
-        </p:nvSpPr>
-        <p:spPr/>
-        <p:txBody>
-          <a:bodyPr/>
-          <a:lstStyle/>
-          <a:p>
-            <a:r>
-              <a:rPr lang="en-US"/>
-              <a:t>Azure Managed Identity</a:t>
-            </a:r>
-          </a:p>
-        </p:txBody>
-      </p:sp>
-      <p:sp>
-        <p:nvSpPr>
-          <p:cNvPr id="3" name="Content Placeholder 2">
-            <a:extLst>
-              <a:ext uri="{FF2B5EF4-FFF2-40B4-BE49-F238E27FC236}">
-                <a16:creationId xmlns:a16="http://schemas.microsoft.com/office/drawing/2014/main" id="{A40CBCAC-290F-42CF-AF44-72322D6C858A}"/>
-              </a:ext>
-            </a:extLst>
-          </p:cNvPr>
-          <p:cNvSpPr>
-            <a:spLocks noGrp="1"/>
-          </p:cNvSpPr>
-          <p:nvPr>
-            <p:ph sz="quarter" idx="12"/>
-          </p:nvPr>
-        </p:nvSpPr>
-        <p:spPr/>
-        <p:txBody>
-          <a:bodyPr/>
-          <a:lstStyle/>
-          <a:p>
-            <a:r>
-              <a:rPr lang="en-US" dirty="0"/>
-              <a:t>Automatically managed identities for services in Azure</a:t>
-            </a:r>
-          </a:p>
-          <a:p>
-            <a:pPr lvl="1"/>
-            <a:r>
-              <a:rPr lang="en-US" dirty="0"/>
-              <a:t>Backed by Azure AD</a:t>
-            </a:r>
-          </a:p>
-          <a:p>
-            <a:pPr lvl="1"/>
-            <a:r>
-              <a:rPr lang="en-US" dirty="0"/>
-              <a:t>Goal: No credentials on developer workstations or in source control</a:t>
-            </a:r>
-          </a:p>
-          <a:p>
-            <a:r>
-              <a:rPr lang="en-US" dirty="0"/>
-              <a:t>Two types: System- or user-assigned</a:t>
-            </a:r>
-          </a:p>
-          <a:p>
-            <a:pPr lvl="1"/>
-            <a:r>
-              <a:rPr lang="en-US" dirty="0"/>
-              <a:t>More or less control over service principal creation</a:t>
-            </a:r>
-          </a:p>
-          <a:p>
-            <a:r>
-              <a:rPr lang="en-US" dirty="0"/>
-              <a:t>Supported by more and more Azure PaaS/Serverless services</a:t>
-            </a:r>
-          </a:p>
-          <a:p>
-            <a:pPr lvl="1"/>
-            <a:r>
-              <a:rPr lang="en-US" dirty="0">
-                <a:hlinkClick r:id="rId2"/>
-              </a:rPr>
-              <a:t>Docs</a:t>
-            </a:r>
-            <a:endParaRPr lang="en-US" dirty="0"/>
-          </a:p>
-          <a:p>
-            <a:pPr lvl="1"/>
-            <a:r>
-              <a:rPr lang="en-US" dirty="0"/>
-              <a:t>Here: Focus on </a:t>
-            </a:r>
-            <a:r>
-              <a:rPr lang="en-US" dirty="0">
-                <a:hlinkClick r:id="rId3"/>
-              </a:rPr>
-              <a:t>KeyVault</a:t>
-            </a:r>
-            <a:endParaRPr lang="en-US" dirty="0"/>
-          </a:p>
-        </p:txBody>
-      </p:sp>
-      <p:sp>
-        <p:nvSpPr>
           <p:cNvPr id="4" name="Text Placeholder 3">
             <a:extLst>
               <a:ext uri="{FF2B5EF4-FFF2-40B4-BE49-F238E27FC236}">
-                <a16:creationId xmlns:a16="http://schemas.microsoft.com/office/drawing/2014/main" id="{4756455E-82F7-4F41-9AA2-F214DAA65B12}"/>
+                <a16:creationId xmlns:a16="http://schemas.microsoft.com/office/drawing/2014/main" id="{39EA8244-FA1C-879E-BDE7-5694C5AB100D}"/>
               </a:ext>
             </a:extLst>
           </p:cNvPr>
@@ -14596,42 +14284,1951 @@
           <a:bodyPr/>
           <a:lstStyle/>
           <a:p>
-            <a:r>
-              <a:rPr lang="en-US"/>
-              <a:t>See also </a:t>
-            </a:r>
-            <a:r>
-              <a:rPr lang="en-US">
-                <a:hlinkClick r:id="rId4"/>
-              </a:rPr>
-              <a:t>https://docs.microsoft.com/en-us/azure/active-directory/managed-identities-azure-resources/overview</a:t>
-            </a:r>
-            <a:endParaRPr lang="en-US"/>
-          </a:p>
-        </p:txBody>
-      </p:sp>
+            <a:endParaRPr lang="en-AT"/>
+          </a:p>
+        </p:txBody>
+      </p:sp>
+      <p:sp>
+        <p:nvSpPr>
+          <p:cNvPr id="5" name="Rectangle 4">
+            <a:extLst>
+              <a:ext uri="{FF2B5EF4-FFF2-40B4-BE49-F238E27FC236}">
+                <a16:creationId xmlns:a16="http://schemas.microsoft.com/office/drawing/2014/main" id="{7AC9ADDF-27C9-E06A-89D7-F2DE9714D8A3}"/>
+              </a:ext>
+            </a:extLst>
+          </p:cNvPr>
+          <p:cNvSpPr/>
+          <p:nvPr/>
+        </p:nvSpPr>
+        <p:spPr>
+          <a:xfrm>
+            <a:off x="1918289" y="1870382"/>
+            <a:ext cx="1152128" cy="648072"/>
+          </a:xfrm>
+          <a:prstGeom prst="rect">
+            <a:avLst/>
+          </a:prstGeom>
+        </p:spPr>
+        <p:style>
+          <a:lnRef idx="2">
+            <a:schemeClr val="dk1"/>
+          </a:lnRef>
+          <a:fillRef idx="1">
+            <a:schemeClr val="lt1"/>
+          </a:fillRef>
+          <a:effectRef idx="0">
+            <a:schemeClr val="dk1"/>
+          </a:effectRef>
+          <a:fontRef idx="minor">
+            <a:schemeClr val="dk1"/>
+          </a:fontRef>
+        </p:style>
+        <p:txBody>
+          <a:bodyPr rtlCol="0" anchor="ctr"/>
+          <a:lstStyle/>
+          <a:p>
+            <a:pPr algn="ctr"/>
+            <a:r>
+              <a:rPr lang="en-US" dirty="0"/>
+              <a:t>User</a:t>
+            </a:r>
+            <a:endParaRPr lang="en-AT" dirty="0"/>
+          </a:p>
+        </p:txBody>
+      </p:sp>
+      <p:sp>
+        <p:nvSpPr>
+          <p:cNvPr id="6" name="Rectangle 5">
+            <a:extLst>
+              <a:ext uri="{FF2B5EF4-FFF2-40B4-BE49-F238E27FC236}">
+                <a16:creationId xmlns:a16="http://schemas.microsoft.com/office/drawing/2014/main" id="{56D5C771-C05F-6666-3563-85AEB3A88E64}"/>
+              </a:ext>
+            </a:extLst>
+          </p:cNvPr>
+          <p:cNvSpPr/>
+          <p:nvPr/>
+        </p:nvSpPr>
+        <p:spPr>
+          <a:xfrm>
+            <a:off x="1918289" y="918400"/>
+            <a:ext cx="1152128" cy="648072"/>
+          </a:xfrm>
+          <a:prstGeom prst="rect">
+            <a:avLst/>
+          </a:prstGeom>
+        </p:spPr>
+        <p:style>
+          <a:lnRef idx="2">
+            <a:schemeClr val="dk1"/>
+          </a:lnRef>
+          <a:fillRef idx="1">
+            <a:schemeClr val="lt1"/>
+          </a:fillRef>
+          <a:effectRef idx="0">
+            <a:schemeClr val="dk1"/>
+          </a:effectRef>
+          <a:fontRef idx="minor">
+            <a:schemeClr val="dk1"/>
+          </a:fontRef>
+        </p:style>
+        <p:txBody>
+          <a:bodyPr rtlCol="0" anchor="ctr"/>
+          <a:lstStyle/>
+          <a:p>
+            <a:pPr algn="ctr"/>
+            <a:r>
+              <a:rPr lang="en-US" dirty="0"/>
+              <a:t>Group</a:t>
+            </a:r>
+            <a:endParaRPr lang="en-AT" dirty="0"/>
+          </a:p>
+        </p:txBody>
+      </p:sp>
+      <p:cxnSp>
+        <p:nvCxnSpPr>
+          <p:cNvPr id="8" name="Straight Connector 7">
+            <a:extLst>
+              <a:ext uri="{FF2B5EF4-FFF2-40B4-BE49-F238E27FC236}">
+                <a16:creationId xmlns:a16="http://schemas.microsoft.com/office/drawing/2014/main" id="{6F7F097E-42B1-F1D1-9817-C8401BDD952F}"/>
+              </a:ext>
+            </a:extLst>
+          </p:cNvPr>
+          <p:cNvCxnSpPr>
+            <a:cxnSpLocks/>
+            <a:stCxn id="5" idx="0"/>
+            <a:endCxn id="6" idx="2"/>
+          </p:cNvCxnSpPr>
+          <p:nvPr/>
+        </p:nvCxnSpPr>
+        <p:spPr>
+          <a:xfrm flipV="1">
+            <a:off x="2494353" y="1566472"/>
+            <a:ext cx="0" cy="303910"/>
+          </a:xfrm>
+          <a:prstGeom prst="line">
+            <a:avLst/>
+          </a:prstGeom>
+          <a:ln w="19050">
+            <a:headEnd type="oval"/>
+            <a:tailEnd type="oval"/>
+          </a:ln>
+        </p:spPr>
+        <p:style>
+          <a:lnRef idx="1">
+            <a:schemeClr val="dk1"/>
+          </a:lnRef>
+          <a:fillRef idx="0">
+            <a:schemeClr val="dk1"/>
+          </a:fillRef>
+          <a:effectRef idx="0">
+            <a:schemeClr val="dk1"/>
+          </a:effectRef>
+          <a:fontRef idx="minor">
+            <a:schemeClr val="tx1"/>
+          </a:fontRef>
+        </p:style>
+      </p:cxnSp>
+      <p:cxnSp>
+        <p:nvCxnSpPr>
+          <p:cNvPr id="12" name="Straight Connector 11">
+            <a:extLst>
+              <a:ext uri="{FF2B5EF4-FFF2-40B4-BE49-F238E27FC236}">
+                <a16:creationId xmlns:a16="http://schemas.microsoft.com/office/drawing/2014/main" id="{95F0A288-5342-739A-2BFC-089905181F09}"/>
+              </a:ext>
+            </a:extLst>
+          </p:cNvPr>
+          <p:cNvCxnSpPr>
+            <a:cxnSpLocks/>
+          </p:cNvCxnSpPr>
+          <p:nvPr/>
+        </p:nvCxnSpPr>
+        <p:spPr>
+          <a:xfrm flipV="1">
+            <a:off x="1778465" y="637242"/>
+            <a:ext cx="0" cy="439654"/>
+          </a:xfrm>
+          <a:prstGeom prst="line">
+            <a:avLst/>
+          </a:prstGeom>
+          <a:ln w="19050">
+            <a:headEnd type="none"/>
+          </a:ln>
+        </p:spPr>
+        <p:style>
+          <a:lnRef idx="1">
+            <a:schemeClr val="dk1"/>
+          </a:lnRef>
+          <a:fillRef idx="0">
+            <a:schemeClr val="dk1"/>
+          </a:fillRef>
+          <a:effectRef idx="0">
+            <a:schemeClr val="dk1"/>
+          </a:effectRef>
+          <a:fontRef idx="minor">
+            <a:schemeClr val="tx1"/>
+          </a:fontRef>
+        </p:style>
+      </p:cxnSp>
+      <p:cxnSp>
+        <p:nvCxnSpPr>
+          <p:cNvPr id="13" name="Straight Connector 12">
+            <a:extLst>
+              <a:ext uri="{FF2B5EF4-FFF2-40B4-BE49-F238E27FC236}">
+                <a16:creationId xmlns:a16="http://schemas.microsoft.com/office/drawing/2014/main" id="{276DAF37-AC79-D054-B156-83B7F4A1CE3C}"/>
+              </a:ext>
+            </a:extLst>
+          </p:cNvPr>
+          <p:cNvCxnSpPr>
+            <a:cxnSpLocks/>
+          </p:cNvCxnSpPr>
+          <p:nvPr/>
+        </p:nvCxnSpPr>
+        <p:spPr>
+          <a:xfrm flipH="1">
+            <a:off x="1778465" y="637242"/>
+            <a:ext cx="427856" cy="0"/>
+          </a:xfrm>
+          <a:prstGeom prst="line">
+            <a:avLst/>
+          </a:prstGeom>
+          <a:ln w="19050">
+            <a:headEnd type="none"/>
+          </a:ln>
+        </p:spPr>
+        <p:style>
+          <a:lnRef idx="1">
+            <a:schemeClr val="dk1"/>
+          </a:lnRef>
+          <a:fillRef idx="0">
+            <a:schemeClr val="dk1"/>
+          </a:fillRef>
+          <a:effectRef idx="0">
+            <a:schemeClr val="dk1"/>
+          </a:effectRef>
+          <a:fontRef idx="minor">
+            <a:schemeClr val="tx1"/>
+          </a:fontRef>
+        </p:style>
+      </p:cxnSp>
+      <p:cxnSp>
+        <p:nvCxnSpPr>
+          <p:cNvPr id="16" name="Straight Connector 15">
+            <a:extLst>
+              <a:ext uri="{FF2B5EF4-FFF2-40B4-BE49-F238E27FC236}">
+                <a16:creationId xmlns:a16="http://schemas.microsoft.com/office/drawing/2014/main" id="{678C54A2-79EE-A7F0-AEEA-58AB7EDFEFC2}"/>
+              </a:ext>
+            </a:extLst>
+          </p:cNvPr>
+          <p:cNvCxnSpPr>
+            <a:cxnSpLocks/>
+          </p:cNvCxnSpPr>
+          <p:nvPr/>
+        </p:nvCxnSpPr>
+        <p:spPr>
+          <a:xfrm flipH="1">
+            <a:off x="1778465" y="1076896"/>
+            <a:ext cx="139824" cy="0"/>
+          </a:xfrm>
+          <a:prstGeom prst="line">
+            <a:avLst/>
+          </a:prstGeom>
+          <a:ln w="19050">
+            <a:headEnd type="oval"/>
+            <a:tailEnd type="none"/>
+          </a:ln>
+        </p:spPr>
+        <p:style>
+          <a:lnRef idx="1">
+            <a:schemeClr val="dk1"/>
+          </a:lnRef>
+          <a:fillRef idx="0">
+            <a:schemeClr val="dk1"/>
+          </a:fillRef>
+          <a:effectRef idx="0">
+            <a:schemeClr val="dk1"/>
+          </a:effectRef>
+          <a:fontRef idx="minor">
+            <a:schemeClr val="tx1"/>
+          </a:fontRef>
+        </p:style>
+      </p:cxnSp>
+      <p:cxnSp>
+        <p:nvCxnSpPr>
+          <p:cNvPr id="18" name="Straight Connector 17">
+            <a:extLst>
+              <a:ext uri="{FF2B5EF4-FFF2-40B4-BE49-F238E27FC236}">
+                <a16:creationId xmlns:a16="http://schemas.microsoft.com/office/drawing/2014/main" id="{E0E581B6-ECFC-7F6B-AC30-7C2D06546DAE}"/>
+              </a:ext>
+            </a:extLst>
+          </p:cNvPr>
+          <p:cNvCxnSpPr>
+            <a:cxnSpLocks/>
+          </p:cNvCxnSpPr>
+          <p:nvPr/>
+        </p:nvCxnSpPr>
+        <p:spPr>
+          <a:xfrm flipV="1">
+            <a:off x="2206321" y="637242"/>
+            <a:ext cx="0" cy="281158"/>
+          </a:xfrm>
+          <a:prstGeom prst="line">
+            <a:avLst/>
+          </a:prstGeom>
+          <a:ln w="19050">
+            <a:headEnd type="oval"/>
+          </a:ln>
+        </p:spPr>
+        <p:style>
+          <a:lnRef idx="1">
+            <a:schemeClr val="dk1"/>
+          </a:lnRef>
+          <a:fillRef idx="0">
+            <a:schemeClr val="dk1"/>
+          </a:fillRef>
+          <a:effectRef idx="0">
+            <a:schemeClr val="dk1"/>
+          </a:effectRef>
+          <a:fontRef idx="minor">
+            <a:schemeClr val="tx1"/>
+          </a:fontRef>
+        </p:style>
+      </p:cxnSp>
+      <p:sp>
+        <p:nvSpPr>
+          <p:cNvPr id="24" name="Rectangle 23">
+            <a:extLst>
+              <a:ext uri="{FF2B5EF4-FFF2-40B4-BE49-F238E27FC236}">
+                <a16:creationId xmlns:a16="http://schemas.microsoft.com/office/drawing/2014/main" id="{05A32C15-1902-70F3-A67A-5876FD3731F9}"/>
+              </a:ext>
+            </a:extLst>
+          </p:cNvPr>
+          <p:cNvSpPr/>
+          <p:nvPr/>
+        </p:nvSpPr>
+        <p:spPr>
+          <a:xfrm>
+            <a:off x="3419872" y="2859782"/>
+            <a:ext cx="1440159" cy="648072"/>
+          </a:xfrm>
+          <a:prstGeom prst="rect">
+            <a:avLst/>
+          </a:prstGeom>
+        </p:spPr>
+        <p:style>
+          <a:lnRef idx="2">
+            <a:schemeClr val="dk1"/>
+          </a:lnRef>
+          <a:fillRef idx="1">
+            <a:schemeClr val="lt1"/>
+          </a:fillRef>
+          <a:effectRef idx="0">
+            <a:schemeClr val="dk1"/>
+          </a:effectRef>
+          <a:fontRef idx="minor">
+            <a:schemeClr val="dk1"/>
+          </a:fontRef>
+        </p:style>
+        <p:txBody>
+          <a:bodyPr rtlCol="0" anchor="ctr"/>
+          <a:lstStyle/>
+          <a:p>
+            <a:pPr algn="ctr"/>
+            <a:r>
+              <a:rPr lang="en-US" dirty="0"/>
+              <a:t>Entity</a:t>
+            </a:r>
+            <a:endParaRPr lang="en-AT" dirty="0"/>
+          </a:p>
+        </p:txBody>
+      </p:sp>
+      <p:sp>
+        <p:nvSpPr>
+          <p:cNvPr id="25" name="Rectangle 24">
+            <a:extLst>
+              <a:ext uri="{FF2B5EF4-FFF2-40B4-BE49-F238E27FC236}">
+                <a16:creationId xmlns:a16="http://schemas.microsoft.com/office/drawing/2014/main" id="{F5D33097-3E03-5549-4CCC-E8BD513FF9DC}"/>
+              </a:ext>
+            </a:extLst>
+          </p:cNvPr>
+          <p:cNvSpPr/>
+          <p:nvPr/>
+        </p:nvSpPr>
+        <p:spPr>
+          <a:xfrm>
+            <a:off x="6418791" y="1870382"/>
+            <a:ext cx="1440159" cy="648072"/>
+          </a:xfrm>
+          <a:prstGeom prst="rect">
+            <a:avLst/>
+          </a:prstGeom>
+        </p:spPr>
+        <p:style>
+          <a:lnRef idx="2">
+            <a:schemeClr val="dk1"/>
+          </a:lnRef>
+          <a:fillRef idx="1">
+            <a:schemeClr val="lt1"/>
+          </a:fillRef>
+          <a:effectRef idx="0">
+            <a:schemeClr val="dk1"/>
+          </a:effectRef>
+          <a:fontRef idx="minor">
+            <a:schemeClr val="dk1"/>
+          </a:fontRef>
+        </p:style>
+        <p:txBody>
+          <a:bodyPr rtlCol="0" anchor="ctr"/>
+          <a:lstStyle/>
+          <a:p>
+            <a:pPr algn="ctr"/>
+            <a:r>
+              <a:rPr lang="en-US" dirty="0"/>
+              <a:t>Permission</a:t>
+            </a:r>
+            <a:endParaRPr lang="en-AT" dirty="0"/>
+          </a:p>
+        </p:txBody>
+      </p:sp>
+      <p:sp>
+        <p:nvSpPr>
+          <p:cNvPr id="26" name="Rectangle 25">
+            <a:extLst>
+              <a:ext uri="{FF2B5EF4-FFF2-40B4-BE49-F238E27FC236}">
+                <a16:creationId xmlns:a16="http://schemas.microsoft.com/office/drawing/2014/main" id="{D18C9B05-807C-4C3F-C573-9BF7FF0CB4FA}"/>
+              </a:ext>
+            </a:extLst>
+          </p:cNvPr>
+          <p:cNvSpPr/>
+          <p:nvPr/>
+        </p:nvSpPr>
+        <p:spPr>
+          <a:xfrm>
+            <a:off x="6418791" y="2859782"/>
+            <a:ext cx="1440159" cy="648072"/>
+          </a:xfrm>
+          <a:prstGeom prst="rect">
+            <a:avLst/>
+          </a:prstGeom>
+        </p:spPr>
+        <p:style>
+          <a:lnRef idx="2">
+            <a:schemeClr val="dk1"/>
+          </a:lnRef>
+          <a:fillRef idx="1">
+            <a:schemeClr val="lt1"/>
+          </a:fillRef>
+          <a:effectRef idx="0">
+            <a:schemeClr val="dk1"/>
+          </a:effectRef>
+          <a:fontRef idx="minor">
+            <a:schemeClr val="dk1"/>
+          </a:fontRef>
+        </p:style>
+        <p:txBody>
+          <a:bodyPr rtlCol="0" anchor="ctr"/>
+          <a:lstStyle/>
+          <a:p>
+            <a:pPr algn="ctr"/>
+            <a:r>
+              <a:rPr lang="en-US" dirty="0" err="1"/>
+              <a:t>EntityType</a:t>
+            </a:r>
+            <a:endParaRPr lang="en-AT" dirty="0"/>
+          </a:p>
+        </p:txBody>
+      </p:sp>
+      <p:cxnSp>
+        <p:nvCxnSpPr>
+          <p:cNvPr id="27" name="Straight Connector 26">
+            <a:extLst>
+              <a:ext uri="{FF2B5EF4-FFF2-40B4-BE49-F238E27FC236}">
+                <a16:creationId xmlns:a16="http://schemas.microsoft.com/office/drawing/2014/main" id="{5915CD19-AC92-26CF-6C4B-9FB8A8B11040}"/>
+              </a:ext>
+            </a:extLst>
+          </p:cNvPr>
+          <p:cNvCxnSpPr>
+            <a:cxnSpLocks/>
+            <a:stCxn id="25" idx="2"/>
+            <a:endCxn id="26" idx="0"/>
+          </p:cNvCxnSpPr>
+          <p:nvPr/>
+        </p:nvCxnSpPr>
+        <p:spPr>
+          <a:xfrm>
+            <a:off x="7138871" y="2518454"/>
+            <a:ext cx="0" cy="341328"/>
+          </a:xfrm>
+          <a:prstGeom prst="line">
+            <a:avLst/>
+          </a:prstGeom>
+          <a:ln w="19050">
+            <a:headEnd type="oval"/>
+          </a:ln>
+        </p:spPr>
+        <p:style>
+          <a:lnRef idx="1">
+            <a:schemeClr val="dk1"/>
+          </a:lnRef>
+          <a:fillRef idx="0">
+            <a:schemeClr val="dk1"/>
+          </a:fillRef>
+          <a:effectRef idx="0">
+            <a:schemeClr val="dk1"/>
+          </a:effectRef>
+          <a:fontRef idx="minor">
+            <a:schemeClr val="tx1"/>
+          </a:fontRef>
+        </p:style>
+      </p:cxnSp>
+      <p:sp>
+        <p:nvSpPr>
+          <p:cNvPr id="33" name="Rectangle 32">
+            <a:extLst>
+              <a:ext uri="{FF2B5EF4-FFF2-40B4-BE49-F238E27FC236}">
+                <a16:creationId xmlns:a16="http://schemas.microsoft.com/office/drawing/2014/main" id="{AE81F4CF-9418-6402-66DC-ACF13DB05C70}"/>
+              </a:ext>
+            </a:extLst>
+          </p:cNvPr>
+          <p:cNvSpPr/>
+          <p:nvPr/>
+        </p:nvSpPr>
+        <p:spPr>
+          <a:xfrm>
+            <a:off x="5184068" y="1870382"/>
+            <a:ext cx="910686" cy="648072"/>
+          </a:xfrm>
+          <a:prstGeom prst="rect">
+            <a:avLst/>
+          </a:prstGeom>
+        </p:spPr>
+        <p:style>
+          <a:lnRef idx="2">
+            <a:schemeClr val="dk1"/>
+          </a:lnRef>
+          <a:fillRef idx="1">
+            <a:schemeClr val="lt1"/>
+          </a:fillRef>
+          <a:effectRef idx="0">
+            <a:schemeClr val="dk1"/>
+          </a:effectRef>
+          <a:fontRef idx="minor">
+            <a:schemeClr val="dk1"/>
+          </a:fontRef>
+        </p:style>
+        <p:txBody>
+          <a:bodyPr rtlCol="0" anchor="ctr"/>
+          <a:lstStyle/>
+          <a:p>
+            <a:pPr algn="ctr"/>
+            <a:r>
+              <a:rPr lang="en-US" dirty="0"/>
+              <a:t>Role</a:t>
+            </a:r>
+            <a:endParaRPr lang="en-AT" dirty="0"/>
+          </a:p>
+        </p:txBody>
+      </p:sp>
+      <p:cxnSp>
+        <p:nvCxnSpPr>
+          <p:cNvPr id="34" name="Straight Connector 33">
+            <a:extLst>
+              <a:ext uri="{FF2B5EF4-FFF2-40B4-BE49-F238E27FC236}">
+                <a16:creationId xmlns:a16="http://schemas.microsoft.com/office/drawing/2014/main" id="{9F28E0DA-7037-9BB6-895B-1750E2B23861}"/>
+              </a:ext>
+            </a:extLst>
+          </p:cNvPr>
+          <p:cNvCxnSpPr>
+            <a:cxnSpLocks/>
+            <a:stCxn id="25" idx="1"/>
+            <a:endCxn id="33" idx="3"/>
+          </p:cNvCxnSpPr>
+          <p:nvPr/>
+        </p:nvCxnSpPr>
+        <p:spPr>
+          <a:xfrm flipH="1">
+            <a:off x="6094754" y="2194418"/>
+            <a:ext cx="324037" cy="0"/>
+          </a:xfrm>
+          <a:prstGeom prst="line">
+            <a:avLst/>
+          </a:prstGeom>
+          <a:ln w="19050">
+            <a:headEnd type="oval"/>
+          </a:ln>
+        </p:spPr>
+        <p:style>
+          <a:lnRef idx="1">
+            <a:schemeClr val="dk1"/>
+          </a:lnRef>
+          <a:fillRef idx="0">
+            <a:schemeClr val="dk1"/>
+          </a:fillRef>
+          <a:effectRef idx="0">
+            <a:schemeClr val="dk1"/>
+          </a:effectRef>
+          <a:fontRef idx="minor">
+            <a:schemeClr val="tx1"/>
+          </a:fontRef>
+        </p:style>
+      </p:cxnSp>
+      <p:cxnSp>
+        <p:nvCxnSpPr>
+          <p:cNvPr id="37" name="Straight Connector 36">
+            <a:extLst>
+              <a:ext uri="{FF2B5EF4-FFF2-40B4-BE49-F238E27FC236}">
+                <a16:creationId xmlns:a16="http://schemas.microsoft.com/office/drawing/2014/main" id="{DBED43F4-6023-0042-589A-51849D8DFC1C}"/>
+              </a:ext>
+            </a:extLst>
+          </p:cNvPr>
+          <p:cNvCxnSpPr>
+            <a:cxnSpLocks/>
+            <a:stCxn id="24" idx="3"/>
+            <a:endCxn id="26" idx="1"/>
+          </p:cNvCxnSpPr>
+          <p:nvPr/>
+        </p:nvCxnSpPr>
+        <p:spPr>
+          <a:xfrm>
+            <a:off x="4860031" y="3183818"/>
+            <a:ext cx="1558760" cy="0"/>
+          </a:xfrm>
+          <a:prstGeom prst="line">
+            <a:avLst/>
+          </a:prstGeom>
+          <a:ln w="19050">
+            <a:headEnd type="oval"/>
+          </a:ln>
+        </p:spPr>
+        <p:style>
+          <a:lnRef idx="1">
+            <a:schemeClr val="dk1"/>
+          </a:lnRef>
+          <a:fillRef idx="0">
+            <a:schemeClr val="dk1"/>
+          </a:fillRef>
+          <a:effectRef idx="0">
+            <a:schemeClr val="dk1"/>
+          </a:effectRef>
+          <a:fontRef idx="minor">
+            <a:schemeClr val="tx1"/>
+          </a:fontRef>
+        </p:style>
+      </p:cxnSp>
+      <p:sp>
+        <p:nvSpPr>
+          <p:cNvPr id="42" name="Rectangle 41">
+            <a:extLst>
+              <a:ext uri="{FF2B5EF4-FFF2-40B4-BE49-F238E27FC236}">
+                <a16:creationId xmlns:a16="http://schemas.microsoft.com/office/drawing/2014/main" id="{3A66E42C-8194-F00B-43FB-84B5D04BD007}"/>
+              </a:ext>
+            </a:extLst>
+          </p:cNvPr>
+          <p:cNvSpPr/>
+          <p:nvPr/>
+        </p:nvSpPr>
+        <p:spPr>
+          <a:xfrm>
+            <a:off x="3419872" y="1871732"/>
+            <a:ext cx="1440159" cy="648072"/>
+          </a:xfrm>
+          <a:prstGeom prst="rect">
+            <a:avLst/>
+          </a:prstGeom>
+        </p:spPr>
+        <p:style>
+          <a:lnRef idx="2">
+            <a:schemeClr val="dk1"/>
+          </a:lnRef>
+          <a:fillRef idx="1">
+            <a:schemeClr val="lt1"/>
+          </a:fillRef>
+          <a:effectRef idx="0">
+            <a:schemeClr val="dk1"/>
+          </a:effectRef>
+          <a:fontRef idx="minor">
+            <a:schemeClr val="dk1"/>
+          </a:fontRef>
+        </p:style>
+        <p:txBody>
+          <a:bodyPr rtlCol="0" anchor="ctr"/>
+          <a:lstStyle/>
+          <a:p>
+            <a:pPr algn="ctr"/>
+            <a:r>
+              <a:rPr lang="en-US" dirty="0"/>
+              <a:t>Role</a:t>
+            </a:r>
+            <a:br>
+              <a:rPr lang="en-US" dirty="0"/>
+            </a:br>
+            <a:r>
+              <a:rPr lang="en-US" dirty="0"/>
+              <a:t>Assignment</a:t>
+            </a:r>
+            <a:endParaRPr lang="en-AT" dirty="0"/>
+          </a:p>
+        </p:txBody>
+      </p:sp>
+      <p:cxnSp>
+        <p:nvCxnSpPr>
+          <p:cNvPr id="43" name="Straight Connector 42">
+            <a:extLst>
+              <a:ext uri="{FF2B5EF4-FFF2-40B4-BE49-F238E27FC236}">
+                <a16:creationId xmlns:a16="http://schemas.microsoft.com/office/drawing/2014/main" id="{CCE50929-394A-3634-6773-14AEDBDE8AB6}"/>
+              </a:ext>
+            </a:extLst>
+          </p:cNvPr>
+          <p:cNvCxnSpPr>
+            <a:cxnSpLocks/>
+            <a:stCxn id="42" idx="3"/>
+            <a:endCxn id="33" idx="1"/>
+          </p:cNvCxnSpPr>
+          <p:nvPr/>
+        </p:nvCxnSpPr>
+        <p:spPr>
+          <a:xfrm flipV="1">
+            <a:off x="4860031" y="2194418"/>
+            <a:ext cx="324037" cy="1350"/>
+          </a:xfrm>
+          <a:prstGeom prst="line">
+            <a:avLst/>
+          </a:prstGeom>
+          <a:ln w="19050">
+            <a:headEnd type="oval"/>
+          </a:ln>
+        </p:spPr>
+        <p:style>
+          <a:lnRef idx="1">
+            <a:schemeClr val="dk1"/>
+          </a:lnRef>
+          <a:fillRef idx="0">
+            <a:schemeClr val="dk1"/>
+          </a:fillRef>
+          <a:effectRef idx="0">
+            <a:schemeClr val="dk1"/>
+          </a:effectRef>
+          <a:fontRef idx="minor">
+            <a:schemeClr val="tx1"/>
+          </a:fontRef>
+        </p:style>
+      </p:cxnSp>
+      <p:cxnSp>
+        <p:nvCxnSpPr>
+          <p:cNvPr id="46" name="Straight Connector 45">
+            <a:extLst>
+              <a:ext uri="{FF2B5EF4-FFF2-40B4-BE49-F238E27FC236}">
+                <a16:creationId xmlns:a16="http://schemas.microsoft.com/office/drawing/2014/main" id="{D259F223-1A93-3C41-0622-79495C329B34}"/>
+              </a:ext>
+            </a:extLst>
+          </p:cNvPr>
+          <p:cNvCxnSpPr>
+            <a:cxnSpLocks/>
+            <a:stCxn id="42" idx="1"/>
+            <a:endCxn id="5" idx="3"/>
+          </p:cNvCxnSpPr>
+          <p:nvPr/>
+        </p:nvCxnSpPr>
+        <p:spPr>
+          <a:xfrm flipH="1" flipV="1">
+            <a:off x="3070417" y="2194418"/>
+            <a:ext cx="349455" cy="1350"/>
+          </a:xfrm>
+          <a:prstGeom prst="line">
+            <a:avLst/>
+          </a:prstGeom>
+          <a:ln w="19050">
+            <a:headEnd type="oval"/>
+          </a:ln>
+        </p:spPr>
+        <p:style>
+          <a:lnRef idx="1">
+            <a:schemeClr val="dk1"/>
+          </a:lnRef>
+          <a:fillRef idx="0">
+            <a:schemeClr val="dk1"/>
+          </a:fillRef>
+          <a:effectRef idx="0">
+            <a:schemeClr val="dk1"/>
+          </a:effectRef>
+          <a:fontRef idx="minor">
+            <a:schemeClr val="tx1"/>
+          </a:fontRef>
+        </p:style>
+      </p:cxnSp>
+      <p:cxnSp>
+        <p:nvCxnSpPr>
+          <p:cNvPr id="57" name="Straight Connector 56">
+            <a:extLst>
+              <a:ext uri="{FF2B5EF4-FFF2-40B4-BE49-F238E27FC236}">
+                <a16:creationId xmlns:a16="http://schemas.microsoft.com/office/drawing/2014/main" id="{19F5596B-AAC9-A06A-4A2C-9E80B85ACFC7}"/>
+              </a:ext>
+            </a:extLst>
+          </p:cNvPr>
+          <p:cNvCxnSpPr>
+            <a:cxnSpLocks/>
+            <a:stCxn id="42" idx="2"/>
+            <a:endCxn id="24" idx="0"/>
+          </p:cNvCxnSpPr>
+          <p:nvPr/>
+        </p:nvCxnSpPr>
+        <p:spPr>
+          <a:xfrm>
+            <a:off x="4139952" y="2519804"/>
+            <a:ext cx="0" cy="339978"/>
+          </a:xfrm>
+          <a:prstGeom prst="line">
+            <a:avLst/>
+          </a:prstGeom>
+          <a:ln w="19050">
+            <a:headEnd type="oval"/>
+          </a:ln>
+        </p:spPr>
+        <p:style>
+          <a:lnRef idx="1">
+            <a:schemeClr val="dk1"/>
+          </a:lnRef>
+          <a:fillRef idx="0">
+            <a:schemeClr val="dk1"/>
+          </a:fillRef>
+          <a:effectRef idx="0">
+            <a:schemeClr val="dk1"/>
+          </a:effectRef>
+          <a:fontRef idx="minor">
+            <a:schemeClr val="tx1"/>
+          </a:fontRef>
+        </p:style>
+      </p:cxnSp>
+      <p:cxnSp>
+        <p:nvCxnSpPr>
+          <p:cNvPr id="66" name="Straight Connector 65">
+            <a:extLst>
+              <a:ext uri="{FF2B5EF4-FFF2-40B4-BE49-F238E27FC236}">
+                <a16:creationId xmlns:a16="http://schemas.microsoft.com/office/drawing/2014/main" id="{3E9E4607-11EA-A0C2-EF36-B3C80FBD835C}"/>
+              </a:ext>
+            </a:extLst>
+          </p:cNvPr>
+          <p:cNvCxnSpPr>
+            <a:cxnSpLocks/>
+            <a:endCxn id="6" idx="3"/>
+          </p:cNvCxnSpPr>
+          <p:nvPr/>
+        </p:nvCxnSpPr>
+        <p:spPr>
+          <a:xfrm flipH="1">
+            <a:off x="3070417" y="1242436"/>
+            <a:ext cx="1069535" cy="0"/>
+          </a:xfrm>
+          <a:prstGeom prst="line">
+            <a:avLst/>
+          </a:prstGeom>
+          <a:ln w="19050">
+            <a:headEnd type="none"/>
+          </a:ln>
+        </p:spPr>
+        <p:style>
+          <a:lnRef idx="1">
+            <a:schemeClr val="dk1"/>
+          </a:lnRef>
+          <a:fillRef idx="0">
+            <a:schemeClr val="dk1"/>
+          </a:fillRef>
+          <a:effectRef idx="0">
+            <a:schemeClr val="dk1"/>
+          </a:effectRef>
+          <a:fontRef idx="minor">
+            <a:schemeClr val="tx1"/>
+          </a:fontRef>
+        </p:style>
+      </p:cxnSp>
+      <p:cxnSp>
+        <p:nvCxnSpPr>
+          <p:cNvPr id="69" name="Straight Connector 68">
+            <a:extLst>
+              <a:ext uri="{FF2B5EF4-FFF2-40B4-BE49-F238E27FC236}">
+                <a16:creationId xmlns:a16="http://schemas.microsoft.com/office/drawing/2014/main" id="{87ED003D-02FC-1879-BE3B-29D4BDFBFB23}"/>
+              </a:ext>
+            </a:extLst>
+          </p:cNvPr>
+          <p:cNvCxnSpPr>
+            <a:cxnSpLocks/>
+            <a:stCxn id="42" idx="0"/>
+          </p:cNvCxnSpPr>
+          <p:nvPr/>
+        </p:nvCxnSpPr>
+        <p:spPr>
+          <a:xfrm flipV="1">
+            <a:off x="4139952" y="1242436"/>
+            <a:ext cx="0" cy="629296"/>
+          </a:xfrm>
+          <a:prstGeom prst="line">
+            <a:avLst/>
+          </a:prstGeom>
+          <a:ln w="19050">
+            <a:headEnd type="oval"/>
+          </a:ln>
+        </p:spPr>
+        <p:style>
+          <a:lnRef idx="1">
+            <a:schemeClr val="dk1"/>
+          </a:lnRef>
+          <a:fillRef idx="0">
+            <a:schemeClr val="dk1"/>
+          </a:fillRef>
+          <a:effectRef idx="0">
+            <a:schemeClr val="dk1"/>
+          </a:effectRef>
+          <a:fontRef idx="minor">
+            <a:schemeClr val="tx1"/>
+          </a:fontRef>
+        </p:style>
+      </p:cxnSp>
+      <p:sp>
+        <p:nvSpPr>
+          <p:cNvPr id="77" name="Rectangle 76">
+            <a:extLst>
+              <a:ext uri="{FF2B5EF4-FFF2-40B4-BE49-F238E27FC236}">
+                <a16:creationId xmlns:a16="http://schemas.microsoft.com/office/drawing/2014/main" id="{6D316306-1155-FF22-7494-C71627857580}"/>
+              </a:ext>
+            </a:extLst>
+          </p:cNvPr>
+          <p:cNvSpPr/>
+          <p:nvPr/>
+        </p:nvSpPr>
+        <p:spPr>
+          <a:xfrm>
+            <a:off x="1918289" y="2837438"/>
+            <a:ext cx="1152128" cy="648072"/>
+          </a:xfrm>
+          <a:prstGeom prst="rect">
+            <a:avLst/>
+          </a:prstGeom>
+        </p:spPr>
+        <p:style>
+          <a:lnRef idx="2">
+            <a:schemeClr val="dk1"/>
+          </a:lnRef>
+          <a:fillRef idx="1">
+            <a:schemeClr val="lt1"/>
+          </a:fillRef>
+          <a:effectRef idx="0">
+            <a:schemeClr val="dk1"/>
+          </a:effectRef>
+          <a:fontRef idx="minor">
+            <a:schemeClr val="dk1"/>
+          </a:fontRef>
+        </p:style>
+        <p:txBody>
+          <a:bodyPr rtlCol="0" anchor="ctr"/>
+          <a:lstStyle/>
+          <a:p>
+            <a:pPr algn="ctr"/>
+            <a:r>
+              <a:rPr lang="en-US" dirty="0"/>
+              <a:t>Auth</a:t>
+            </a:r>
+            <a:br>
+              <a:rPr lang="en-US" dirty="0"/>
+            </a:br>
+            <a:r>
+              <a:rPr lang="en-US" dirty="0"/>
+              <a:t>Types</a:t>
+            </a:r>
+            <a:endParaRPr lang="en-AT" dirty="0"/>
+          </a:p>
+        </p:txBody>
+      </p:sp>
+      <p:cxnSp>
+        <p:nvCxnSpPr>
+          <p:cNvPr id="78" name="Straight Connector 77">
+            <a:extLst>
+              <a:ext uri="{FF2B5EF4-FFF2-40B4-BE49-F238E27FC236}">
+                <a16:creationId xmlns:a16="http://schemas.microsoft.com/office/drawing/2014/main" id="{4B6EBC23-447B-DE63-5AA8-BAA06004379C}"/>
+              </a:ext>
+            </a:extLst>
+          </p:cNvPr>
+          <p:cNvCxnSpPr>
+            <a:cxnSpLocks/>
+            <a:stCxn id="77" idx="0"/>
+            <a:endCxn id="5" idx="2"/>
+          </p:cNvCxnSpPr>
+          <p:nvPr/>
+        </p:nvCxnSpPr>
+        <p:spPr>
+          <a:xfrm flipV="1">
+            <a:off x="2494353" y="2518454"/>
+            <a:ext cx="0" cy="318984"/>
+          </a:xfrm>
+          <a:prstGeom prst="line">
+            <a:avLst/>
+          </a:prstGeom>
+          <a:ln w="19050">
+            <a:headEnd type="oval"/>
+          </a:ln>
+        </p:spPr>
+        <p:style>
+          <a:lnRef idx="1">
+            <a:schemeClr val="dk1"/>
+          </a:lnRef>
+          <a:fillRef idx="0">
+            <a:schemeClr val="dk1"/>
+          </a:fillRef>
+          <a:effectRef idx="0">
+            <a:schemeClr val="dk1"/>
+          </a:effectRef>
+          <a:fontRef idx="minor">
+            <a:schemeClr val="tx1"/>
+          </a:fontRef>
+        </p:style>
+      </p:cxnSp>
     </p:spTree>
     <p:extLst>
       <p:ext uri="{BB962C8B-B14F-4D97-AF65-F5344CB8AC3E}">
-        <p14:creationId xmlns:p14="http://schemas.microsoft.com/office/powerpoint/2010/main" val="1073376354"/>
+        <p14:creationId xmlns:p14="http://schemas.microsoft.com/office/powerpoint/2010/main" val="3283080350"/>
       </p:ext>
     </p:extLst>
   </p:cSld>
   <p:clrMapOvr>
     <a:masterClrMapping/>
   </p:clrMapOvr>
-  <mc:AlternateContent xmlns:mc="http://schemas.openxmlformats.org/markup-compatibility/2006" xmlns:p14="http://schemas.microsoft.com/office/powerpoint/2010/main">
-    <mc:Choice Requires="p14">
-      <p:transition spd="med" p14:dur="700">
-        <p:fade/>
-      </p:transition>
-    </mc:Choice>
-    <mc:Fallback xmlns="">
-      <p:transition spd="med">
-        <p:fade/>
-      </p:transition>
-    </mc:Fallback>
-  </mc:AlternateContent>
+  <p:transition spd="slow">
+    <p:push/>
+  </p:transition>
+  <p:timing>
+    <p:tnLst>
+      <p:par>
+        <p:cTn id="1" dur="indefinite" restart="never" nodeType="tmRoot">
+          <p:childTnLst>
+            <p:seq concurrent="1" nextAc="seek">
+              <p:cTn id="2" dur="indefinite" nodeType="mainSeq">
+                <p:childTnLst>
+                  <p:par>
+                    <p:cTn id="3" fill="hold">
+                      <p:stCondLst>
+                        <p:cond delay="indefinite"/>
+                      </p:stCondLst>
+                      <p:childTnLst>
+                        <p:par>
+                          <p:cTn id="4" fill="hold">
+                            <p:stCondLst>
+                              <p:cond delay="0"/>
+                            </p:stCondLst>
+                            <p:childTnLst>
+                              <p:par>
+                                <p:cTn id="5" presetID="10" presetClass="entr" presetSubtype="0" fill="hold" grpId="0" nodeType="clickEffect">
+                                  <p:stCondLst>
+                                    <p:cond delay="0"/>
+                                  </p:stCondLst>
+                                  <p:childTnLst>
+                                    <p:set>
+                                      <p:cBhvr>
+                                        <p:cTn id="6" dur="1" fill="hold">
+                                          <p:stCondLst>
+                                            <p:cond delay="0"/>
+                                          </p:stCondLst>
+                                        </p:cTn>
+                                        <p:tgtEl>
+                                          <p:spTgt spid="5"/>
+                                        </p:tgtEl>
+                                        <p:attrNameLst>
+                                          <p:attrName>style.visibility</p:attrName>
+                                        </p:attrNameLst>
+                                      </p:cBhvr>
+                                      <p:to>
+                                        <p:strVal val="visible"/>
+                                      </p:to>
+                                    </p:set>
+                                    <p:animEffect transition="in" filter="fade">
+                                      <p:cBhvr>
+                                        <p:cTn id="7" dur="500"/>
+                                        <p:tgtEl>
+                                          <p:spTgt spid="5"/>
+                                        </p:tgtEl>
+                                      </p:cBhvr>
+                                    </p:animEffect>
+                                  </p:childTnLst>
+                                </p:cTn>
+                              </p:par>
+                            </p:childTnLst>
+                          </p:cTn>
+                        </p:par>
+                      </p:childTnLst>
+                    </p:cTn>
+                  </p:par>
+                  <p:par>
+                    <p:cTn id="8" fill="hold">
+                      <p:stCondLst>
+                        <p:cond delay="indefinite"/>
+                      </p:stCondLst>
+                      <p:childTnLst>
+                        <p:par>
+                          <p:cTn id="9" fill="hold">
+                            <p:stCondLst>
+                              <p:cond delay="0"/>
+                            </p:stCondLst>
+                            <p:childTnLst>
+                              <p:par>
+                                <p:cTn id="10" presetID="10" presetClass="entr" presetSubtype="0" fill="hold" grpId="0" nodeType="clickEffect">
+                                  <p:stCondLst>
+                                    <p:cond delay="0"/>
+                                  </p:stCondLst>
+                                  <p:childTnLst>
+                                    <p:set>
+                                      <p:cBhvr>
+                                        <p:cTn id="11" dur="1" fill="hold">
+                                          <p:stCondLst>
+                                            <p:cond delay="0"/>
+                                          </p:stCondLst>
+                                        </p:cTn>
+                                        <p:tgtEl>
+                                          <p:spTgt spid="77"/>
+                                        </p:tgtEl>
+                                        <p:attrNameLst>
+                                          <p:attrName>style.visibility</p:attrName>
+                                        </p:attrNameLst>
+                                      </p:cBhvr>
+                                      <p:to>
+                                        <p:strVal val="visible"/>
+                                      </p:to>
+                                    </p:set>
+                                    <p:animEffect transition="in" filter="fade">
+                                      <p:cBhvr>
+                                        <p:cTn id="12" dur="500"/>
+                                        <p:tgtEl>
+                                          <p:spTgt spid="77"/>
+                                        </p:tgtEl>
+                                      </p:cBhvr>
+                                    </p:animEffect>
+                                  </p:childTnLst>
+                                </p:cTn>
+                              </p:par>
+                              <p:par>
+                                <p:cTn id="13" presetID="10" presetClass="entr" presetSubtype="0" fill="hold" nodeType="withEffect">
+                                  <p:stCondLst>
+                                    <p:cond delay="0"/>
+                                  </p:stCondLst>
+                                  <p:childTnLst>
+                                    <p:set>
+                                      <p:cBhvr>
+                                        <p:cTn id="14" dur="1" fill="hold">
+                                          <p:stCondLst>
+                                            <p:cond delay="0"/>
+                                          </p:stCondLst>
+                                        </p:cTn>
+                                        <p:tgtEl>
+                                          <p:spTgt spid="78"/>
+                                        </p:tgtEl>
+                                        <p:attrNameLst>
+                                          <p:attrName>style.visibility</p:attrName>
+                                        </p:attrNameLst>
+                                      </p:cBhvr>
+                                      <p:to>
+                                        <p:strVal val="visible"/>
+                                      </p:to>
+                                    </p:set>
+                                    <p:animEffect transition="in" filter="fade">
+                                      <p:cBhvr>
+                                        <p:cTn id="15" dur="500"/>
+                                        <p:tgtEl>
+                                          <p:spTgt spid="78"/>
+                                        </p:tgtEl>
+                                      </p:cBhvr>
+                                    </p:animEffect>
+                                  </p:childTnLst>
+                                </p:cTn>
+                              </p:par>
+                            </p:childTnLst>
+                          </p:cTn>
+                        </p:par>
+                      </p:childTnLst>
+                    </p:cTn>
+                  </p:par>
+                  <p:par>
+                    <p:cTn id="16" fill="hold">
+                      <p:stCondLst>
+                        <p:cond delay="indefinite"/>
+                      </p:stCondLst>
+                      <p:childTnLst>
+                        <p:par>
+                          <p:cTn id="17" fill="hold">
+                            <p:stCondLst>
+                              <p:cond delay="0"/>
+                            </p:stCondLst>
+                            <p:childTnLst>
+                              <p:par>
+                                <p:cTn id="18" presetID="10" presetClass="entr" presetSubtype="0" fill="hold" grpId="0" nodeType="clickEffect">
+                                  <p:stCondLst>
+                                    <p:cond delay="0"/>
+                                  </p:stCondLst>
+                                  <p:childTnLst>
+                                    <p:set>
+                                      <p:cBhvr>
+                                        <p:cTn id="19" dur="1" fill="hold">
+                                          <p:stCondLst>
+                                            <p:cond delay="0"/>
+                                          </p:stCondLst>
+                                        </p:cTn>
+                                        <p:tgtEl>
+                                          <p:spTgt spid="6"/>
+                                        </p:tgtEl>
+                                        <p:attrNameLst>
+                                          <p:attrName>style.visibility</p:attrName>
+                                        </p:attrNameLst>
+                                      </p:cBhvr>
+                                      <p:to>
+                                        <p:strVal val="visible"/>
+                                      </p:to>
+                                    </p:set>
+                                    <p:animEffect transition="in" filter="fade">
+                                      <p:cBhvr>
+                                        <p:cTn id="20" dur="500"/>
+                                        <p:tgtEl>
+                                          <p:spTgt spid="6"/>
+                                        </p:tgtEl>
+                                      </p:cBhvr>
+                                    </p:animEffect>
+                                  </p:childTnLst>
+                                </p:cTn>
+                              </p:par>
+                              <p:par>
+                                <p:cTn id="21" presetID="10" presetClass="entr" presetSubtype="0" fill="hold" nodeType="withEffect">
+                                  <p:stCondLst>
+                                    <p:cond delay="0"/>
+                                  </p:stCondLst>
+                                  <p:childTnLst>
+                                    <p:set>
+                                      <p:cBhvr>
+                                        <p:cTn id="22" dur="1" fill="hold">
+                                          <p:stCondLst>
+                                            <p:cond delay="0"/>
+                                          </p:stCondLst>
+                                        </p:cTn>
+                                        <p:tgtEl>
+                                          <p:spTgt spid="8"/>
+                                        </p:tgtEl>
+                                        <p:attrNameLst>
+                                          <p:attrName>style.visibility</p:attrName>
+                                        </p:attrNameLst>
+                                      </p:cBhvr>
+                                      <p:to>
+                                        <p:strVal val="visible"/>
+                                      </p:to>
+                                    </p:set>
+                                    <p:animEffect transition="in" filter="fade">
+                                      <p:cBhvr>
+                                        <p:cTn id="23" dur="500"/>
+                                        <p:tgtEl>
+                                          <p:spTgt spid="8"/>
+                                        </p:tgtEl>
+                                      </p:cBhvr>
+                                    </p:animEffect>
+                                  </p:childTnLst>
+                                </p:cTn>
+                              </p:par>
+                              <p:par>
+                                <p:cTn id="24" presetID="10" presetClass="entr" presetSubtype="0" fill="hold" nodeType="withEffect">
+                                  <p:stCondLst>
+                                    <p:cond delay="0"/>
+                                  </p:stCondLst>
+                                  <p:childTnLst>
+                                    <p:set>
+                                      <p:cBhvr>
+                                        <p:cTn id="25" dur="1" fill="hold">
+                                          <p:stCondLst>
+                                            <p:cond delay="0"/>
+                                          </p:stCondLst>
+                                        </p:cTn>
+                                        <p:tgtEl>
+                                          <p:spTgt spid="12"/>
+                                        </p:tgtEl>
+                                        <p:attrNameLst>
+                                          <p:attrName>style.visibility</p:attrName>
+                                        </p:attrNameLst>
+                                      </p:cBhvr>
+                                      <p:to>
+                                        <p:strVal val="visible"/>
+                                      </p:to>
+                                    </p:set>
+                                    <p:animEffect transition="in" filter="fade">
+                                      <p:cBhvr>
+                                        <p:cTn id="26" dur="500"/>
+                                        <p:tgtEl>
+                                          <p:spTgt spid="12"/>
+                                        </p:tgtEl>
+                                      </p:cBhvr>
+                                    </p:animEffect>
+                                  </p:childTnLst>
+                                </p:cTn>
+                              </p:par>
+                              <p:par>
+                                <p:cTn id="27" presetID="10" presetClass="entr" presetSubtype="0" fill="hold" nodeType="withEffect">
+                                  <p:stCondLst>
+                                    <p:cond delay="0"/>
+                                  </p:stCondLst>
+                                  <p:childTnLst>
+                                    <p:set>
+                                      <p:cBhvr>
+                                        <p:cTn id="28" dur="1" fill="hold">
+                                          <p:stCondLst>
+                                            <p:cond delay="0"/>
+                                          </p:stCondLst>
+                                        </p:cTn>
+                                        <p:tgtEl>
+                                          <p:spTgt spid="13"/>
+                                        </p:tgtEl>
+                                        <p:attrNameLst>
+                                          <p:attrName>style.visibility</p:attrName>
+                                        </p:attrNameLst>
+                                      </p:cBhvr>
+                                      <p:to>
+                                        <p:strVal val="visible"/>
+                                      </p:to>
+                                    </p:set>
+                                    <p:animEffect transition="in" filter="fade">
+                                      <p:cBhvr>
+                                        <p:cTn id="29" dur="500"/>
+                                        <p:tgtEl>
+                                          <p:spTgt spid="13"/>
+                                        </p:tgtEl>
+                                      </p:cBhvr>
+                                    </p:animEffect>
+                                  </p:childTnLst>
+                                </p:cTn>
+                              </p:par>
+                              <p:par>
+                                <p:cTn id="30" presetID="10" presetClass="entr" presetSubtype="0" fill="hold" nodeType="withEffect">
+                                  <p:stCondLst>
+                                    <p:cond delay="0"/>
+                                  </p:stCondLst>
+                                  <p:childTnLst>
+                                    <p:set>
+                                      <p:cBhvr>
+                                        <p:cTn id="31" dur="1" fill="hold">
+                                          <p:stCondLst>
+                                            <p:cond delay="0"/>
+                                          </p:stCondLst>
+                                        </p:cTn>
+                                        <p:tgtEl>
+                                          <p:spTgt spid="16"/>
+                                        </p:tgtEl>
+                                        <p:attrNameLst>
+                                          <p:attrName>style.visibility</p:attrName>
+                                        </p:attrNameLst>
+                                      </p:cBhvr>
+                                      <p:to>
+                                        <p:strVal val="visible"/>
+                                      </p:to>
+                                    </p:set>
+                                    <p:animEffect transition="in" filter="fade">
+                                      <p:cBhvr>
+                                        <p:cTn id="32" dur="500"/>
+                                        <p:tgtEl>
+                                          <p:spTgt spid="16"/>
+                                        </p:tgtEl>
+                                      </p:cBhvr>
+                                    </p:animEffect>
+                                  </p:childTnLst>
+                                </p:cTn>
+                              </p:par>
+                              <p:par>
+                                <p:cTn id="33" presetID="10" presetClass="entr" presetSubtype="0" fill="hold" nodeType="withEffect">
+                                  <p:stCondLst>
+                                    <p:cond delay="0"/>
+                                  </p:stCondLst>
+                                  <p:childTnLst>
+                                    <p:set>
+                                      <p:cBhvr>
+                                        <p:cTn id="34" dur="1" fill="hold">
+                                          <p:stCondLst>
+                                            <p:cond delay="0"/>
+                                          </p:stCondLst>
+                                        </p:cTn>
+                                        <p:tgtEl>
+                                          <p:spTgt spid="18"/>
+                                        </p:tgtEl>
+                                        <p:attrNameLst>
+                                          <p:attrName>style.visibility</p:attrName>
+                                        </p:attrNameLst>
+                                      </p:cBhvr>
+                                      <p:to>
+                                        <p:strVal val="visible"/>
+                                      </p:to>
+                                    </p:set>
+                                    <p:animEffect transition="in" filter="fade">
+                                      <p:cBhvr>
+                                        <p:cTn id="35" dur="500"/>
+                                        <p:tgtEl>
+                                          <p:spTgt spid="18"/>
+                                        </p:tgtEl>
+                                      </p:cBhvr>
+                                    </p:animEffect>
+                                  </p:childTnLst>
+                                </p:cTn>
+                              </p:par>
+                            </p:childTnLst>
+                          </p:cTn>
+                        </p:par>
+                      </p:childTnLst>
+                    </p:cTn>
+                  </p:par>
+                  <p:par>
+                    <p:cTn id="36" fill="hold">
+                      <p:stCondLst>
+                        <p:cond delay="indefinite"/>
+                      </p:stCondLst>
+                      <p:childTnLst>
+                        <p:par>
+                          <p:cTn id="37" fill="hold">
+                            <p:stCondLst>
+                              <p:cond delay="0"/>
+                            </p:stCondLst>
+                            <p:childTnLst>
+                              <p:par>
+                                <p:cTn id="38" presetID="10" presetClass="entr" presetSubtype="0" fill="hold" grpId="0" nodeType="clickEffect">
+                                  <p:stCondLst>
+                                    <p:cond delay="0"/>
+                                  </p:stCondLst>
+                                  <p:childTnLst>
+                                    <p:set>
+                                      <p:cBhvr>
+                                        <p:cTn id="39" dur="1" fill="hold">
+                                          <p:stCondLst>
+                                            <p:cond delay="0"/>
+                                          </p:stCondLst>
+                                        </p:cTn>
+                                        <p:tgtEl>
+                                          <p:spTgt spid="26"/>
+                                        </p:tgtEl>
+                                        <p:attrNameLst>
+                                          <p:attrName>style.visibility</p:attrName>
+                                        </p:attrNameLst>
+                                      </p:cBhvr>
+                                      <p:to>
+                                        <p:strVal val="visible"/>
+                                      </p:to>
+                                    </p:set>
+                                    <p:animEffect transition="in" filter="fade">
+                                      <p:cBhvr>
+                                        <p:cTn id="40" dur="500"/>
+                                        <p:tgtEl>
+                                          <p:spTgt spid="26"/>
+                                        </p:tgtEl>
+                                      </p:cBhvr>
+                                    </p:animEffect>
+                                  </p:childTnLst>
+                                </p:cTn>
+                              </p:par>
+                              <p:par>
+                                <p:cTn id="41" presetID="10" presetClass="entr" presetSubtype="0" fill="hold" grpId="0" nodeType="withEffect">
+                                  <p:stCondLst>
+                                    <p:cond delay="0"/>
+                                  </p:stCondLst>
+                                  <p:childTnLst>
+                                    <p:set>
+                                      <p:cBhvr>
+                                        <p:cTn id="42" dur="1" fill="hold">
+                                          <p:stCondLst>
+                                            <p:cond delay="0"/>
+                                          </p:stCondLst>
+                                        </p:cTn>
+                                        <p:tgtEl>
+                                          <p:spTgt spid="24"/>
+                                        </p:tgtEl>
+                                        <p:attrNameLst>
+                                          <p:attrName>style.visibility</p:attrName>
+                                        </p:attrNameLst>
+                                      </p:cBhvr>
+                                      <p:to>
+                                        <p:strVal val="visible"/>
+                                      </p:to>
+                                    </p:set>
+                                    <p:animEffect transition="in" filter="fade">
+                                      <p:cBhvr>
+                                        <p:cTn id="43" dur="500"/>
+                                        <p:tgtEl>
+                                          <p:spTgt spid="24"/>
+                                        </p:tgtEl>
+                                      </p:cBhvr>
+                                    </p:animEffect>
+                                  </p:childTnLst>
+                                </p:cTn>
+                              </p:par>
+                              <p:par>
+                                <p:cTn id="44" presetID="10" presetClass="entr" presetSubtype="0" fill="hold" nodeType="withEffect">
+                                  <p:stCondLst>
+                                    <p:cond delay="0"/>
+                                  </p:stCondLst>
+                                  <p:childTnLst>
+                                    <p:set>
+                                      <p:cBhvr>
+                                        <p:cTn id="45" dur="1" fill="hold">
+                                          <p:stCondLst>
+                                            <p:cond delay="0"/>
+                                          </p:stCondLst>
+                                        </p:cTn>
+                                        <p:tgtEl>
+                                          <p:spTgt spid="37"/>
+                                        </p:tgtEl>
+                                        <p:attrNameLst>
+                                          <p:attrName>style.visibility</p:attrName>
+                                        </p:attrNameLst>
+                                      </p:cBhvr>
+                                      <p:to>
+                                        <p:strVal val="visible"/>
+                                      </p:to>
+                                    </p:set>
+                                    <p:animEffect transition="in" filter="fade">
+                                      <p:cBhvr>
+                                        <p:cTn id="46" dur="500"/>
+                                        <p:tgtEl>
+                                          <p:spTgt spid="37"/>
+                                        </p:tgtEl>
+                                      </p:cBhvr>
+                                    </p:animEffect>
+                                  </p:childTnLst>
+                                </p:cTn>
+                              </p:par>
+                            </p:childTnLst>
+                          </p:cTn>
+                        </p:par>
+                      </p:childTnLst>
+                    </p:cTn>
+                  </p:par>
+                  <p:par>
+                    <p:cTn id="47" fill="hold">
+                      <p:stCondLst>
+                        <p:cond delay="indefinite"/>
+                      </p:stCondLst>
+                      <p:childTnLst>
+                        <p:par>
+                          <p:cTn id="48" fill="hold">
+                            <p:stCondLst>
+                              <p:cond delay="0"/>
+                            </p:stCondLst>
+                            <p:childTnLst>
+                              <p:par>
+                                <p:cTn id="49" presetID="10" presetClass="entr" presetSubtype="0" fill="hold" grpId="0" nodeType="clickEffect">
+                                  <p:stCondLst>
+                                    <p:cond delay="0"/>
+                                  </p:stCondLst>
+                                  <p:childTnLst>
+                                    <p:set>
+                                      <p:cBhvr>
+                                        <p:cTn id="50" dur="1" fill="hold">
+                                          <p:stCondLst>
+                                            <p:cond delay="0"/>
+                                          </p:stCondLst>
+                                        </p:cTn>
+                                        <p:tgtEl>
+                                          <p:spTgt spid="25"/>
+                                        </p:tgtEl>
+                                        <p:attrNameLst>
+                                          <p:attrName>style.visibility</p:attrName>
+                                        </p:attrNameLst>
+                                      </p:cBhvr>
+                                      <p:to>
+                                        <p:strVal val="visible"/>
+                                      </p:to>
+                                    </p:set>
+                                    <p:animEffect transition="in" filter="fade">
+                                      <p:cBhvr>
+                                        <p:cTn id="51" dur="500"/>
+                                        <p:tgtEl>
+                                          <p:spTgt spid="25"/>
+                                        </p:tgtEl>
+                                      </p:cBhvr>
+                                    </p:animEffect>
+                                  </p:childTnLst>
+                                </p:cTn>
+                              </p:par>
+                              <p:par>
+                                <p:cTn id="52" presetID="10" presetClass="entr" presetSubtype="0" fill="hold" nodeType="withEffect">
+                                  <p:stCondLst>
+                                    <p:cond delay="0"/>
+                                  </p:stCondLst>
+                                  <p:childTnLst>
+                                    <p:set>
+                                      <p:cBhvr>
+                                        <p:cTn id="53" dur="1" fill="hold">
+                                          <p:stCondLst>
+                                            <p:cond delay="0"/>
+                                          </p:stCondLst>
+                                        </p:cTn>
+                                        <p:tgtEl>
+                                          <p:spTgt spid="27"/>
+                                        </p:tgtEl>
+                                        <p:attrNameLst>
+                                          <p:attrName>style.visibility</p:attrName>
+                                        </p:attrNameLst>
+                                      </p:cBhvr>
+                                      <p:to>
+                                        <p:strVal val="visible"/>
+                                      </p:to>
+                                    </p:set>
+                                    <p:animEffect transition="in" filter="fade">
+                                      <p:cBhvr>
+                                        <p:cTn id="54" dur="500"/>
+                                        <p:tgtEl>
+                                          <p:spTgt spid="27"/>
+                                        </p:tgtEl>
+                                      </p:cBhvr>
+                                    </p:animEffect>
+                                  </p:childTnLst>
+                                </p:cTn>
+                              </p:par>
+                            </p:childTnLst>
+                          </p:cTn>
+                        </p:par>
+                      </p:childTnLst>
+                    </p:cTn>
+                  </p:par>
+                  <p:par>
+                    <p:cTn id="55" fill="hold">
+                      <p:stCondLst>
+                        <p:cond delay="indefinite"/>
+                      </p:stCondLst>
+                      <p:childTnLst>
+                        <p:par>
+                          <p:cTn id="56" fill="hold">
+                            <p:stCondLst>
+                              <p:cond delay="0"/>
+                            </p:stCondLst>
+                            <p:childTnLst>
+                              <p:par>
+                                <p:cTn id="57" presetID="10" presetClass="entr" presetSubtype="0" fill="hold" grpId="0" nodeType="clickEffect">
+                                  <p:stCondLst>
+                                    <p:cond delay="0"/>
+                                  </p:stCondLst>
+                                  <p:childTnLst>
+                                    <p:set>
+                                      <p:cBhvr>
+                                        <p:cTn id="58" dur="1" fill="hold">
+                                          <p:stCondLst>
+                                            <p:cond delay="0"/>
+                                          </p:stCondLst>
+                                        </p:cTn>
+                                        <p:tgtEl>
+                                          <p:spTgt spid="33"/>
+                                        </p:tgtEl>
+                                        <p:attrNameLst>
+                                          <p:attrName>style.visibility</p:attrName>
+                                        </p:attrNameLst>
+                                      </p:cBhvr>
+                                      <p:to>
+                                        <p:strVal val="visible"/>
+                                      </p:to>
+                                    </p:set>
+                                    <p:animEffect transition="in" filter="fade">
+                                      <p:cBhvr>
+                                        <p:cTn id="59" dur="500"/>
+                                        <p:tgtEl>
+                                          <p:spTgt spid="33"/>
+                                        </p:tgtEl>
+                                      </p:cBhvr>
+                                    </p:animEffect>
+                                  </p:childTnLst>
+                                </p:cTn>
+                              </p:par>
+                              <p:par>
+                                <p:cTn id="60" presetID="10" presetClass="entr" presetSubtype="0" fill="hold" nodeType="withEffect">
+                                  <p:stCondLst>
+                                    <p:cond delay="0"/>
+                                  </p:stCondLst>
+                                  <p:childTnLst>
+                                    <p:set>
+                                      <p:cBhvr>
+                                        <p:cTn id="61" dur="1" fill="hold">
+                                          <p:stCondLst>
+                                            <p:cond delay="0"/>
+                                          </p:stCondLst>
+                                        </p:cTn>
+                                        <p:tgtEl>
+                                          <p:spTgt spid="34"/>
+                                        </p:tgtEl>
+                                        <p:attrNameLst>
+                                          <p:attrName>style.visibility</p:attrName>
+                                        </p:attrNameLst>
+                                      </p:cBhvr>
+                                      <p:to>
+                                        <p:strVal val="visible"/>
+                                      </p:to>
+                                    </p:set>
+                                    <p:animEffect transition="in" filter="fade">
+                                      <p:cBhvr>
+                                        <p:cTn id="62" dur="500"/>
+                                        <p:tgtEl>
+                                          <p:spTgt spid="34"/>
+                                        </p:tgtEl>
+                                      </p:cBhvr>
+                                    </p:animEffect>
+                                  </p:childTnLst>
+                                </p:cTn>
+                              </p:par>
+                            </p:childTnLst>
+                          </p:cTn>
+                        </p:par>
+                      </p:childTnLst>
+                    </p:cTn>
+                  </p:par>
+                  <p:par>
+                    <p:cTn id="63" fill="hold">
+                      <p:stCondLst>
+                        <p:cond delay="indefinite"/>
+                      </p:stCondLst>
+                      <p:childTnLst>
+                        <p:par>
+                          <p:cTn id="64" fill="hold">
+                            <p:stCondLst>
+                              <p:cond delay="0"/>
+                            </p:stCondLst>
+                            <p:childTnLst>
+                              <p:par>
+                                <p:cTn id="65" presetID="10" presetClass="entr" presetSubtype="0" fill="hold" grpId="0" nodeType="clickEffect">
+                                  <p:stCondLst>
+                                    <p:cond delay="0"/>
+                                  </p:stCondLst>
+                                  <p:childTnLst>
+                                    <p:set>
+                                      <p:cBhvr>
+                                        <p:cTn id="66" dur="1" fill="hold">
+                                          <p:stCondLst>
+                                            <p:cond delay="0"/>
+                                          </p:stCondLst>
+                                        </p:cTn>
+                                        <p:tgtEl>
+                                          <p:spTgt spid="42"/>
+                                        </p:tgtEl>
+                                        <p:attrNameLst>
+                                          <p:attrName>style.visibility</p:attrName>
+                                        </p:attrNameLst>
+                                      </p:cBhvr>
+                                      <p:to>
+                                        <p:strVal val="visible"/>
+                                      </p:to>
+                                    </p:set>
+                                    <p:animEffect transition="in" filter="fade">
+                                      <p:cBhvr>
+                                        <p:cTn id="67" dur="500"/>
+                                        <p:tgtEl>
+                                          <p:spTgt spid="42"/>
+                                        </p:tgtEl>
+                                      </p:cBhvr>
+                                    </p:animEffect>
+                                  </p:childTnLst>
+                                </p:cTn>
+                              </p:par>
+                              <p:par>
+                                <p:cTn id="68" presetID="10" presetClass="entr" presetSubtype="0" fill="hold" nodeType="withEffect">
+                                  <p:stCondLst>
+                                    <p:cond delay="0"/>
+                                  </p:stCondLst>
+                                  <p:childTnLst>
+                                    <p:set>
+                                      <p:cBhvr>
+                                        <p:cTn id="69" dur="1" fill="hold">
+                                          <p:stCondLst>
+                                            <p:cond delay="0"/>
+                                          </p:stCondLst>
+                                        </p:cTn>
+                                        <p:tgtEl>
+                                          <p:spTgt spid="43"/>
+                                        </p:tgtEl>
+                                        <p:attrNameLst>
+                                          <p:attrName>style.visibility</p:attrName>
+                                        </p:attrNameLst>
+                                      </p:cBhvr>
+                                      <p:to>
+                                        <p:strVal val="visible"/>
+                                      </p:to>
+                                    </p:set>
+                                    <p:animEffect transition="in" filter="fade">
+                                      <p:cBhvr>
+                                        <p:cTn id="70" dur="500"/>
+                                        <p:tgtEl>
+                                          <p:spTgt spid="43"/>
+                                        </p:tgtEl>
+                                      </p:cBhvr>
+                                    </p:animEffect>
+                                  </p:childTnLst>
+                                </p:cTn>
+                              </p:par>
+                              <p:par>
+                                <p:cTn id="71" presetID="10" presetClass="entr" presetSubtype="0" fill="hold" nodeType="withEffect">
+                                  <p:stCondLst>
+                                    <p:cond delay="0"/>
+                                  </p:stCondLst>
+                                  <p:childTnLst>
+                                    <p:set>
+                                      <p:cBhvr>
+                                        <p:cTn id="72" dur="1" fill="hold">
+                                          <p:stCondLst>
+                                            <p:cond delay="0"/>
+                                          </p:stCondLst>
+                                        </p:cTn>
+                                        <p:tgtEl>
+                                          <p:spTgt spid="46"/>
+                                        </p:tgtEl>
+                                        <p:attrNameLst>
+                                          <p:attrName>style.visibility</p:attrName>
+                                        </p:attrNameLst>
+                                      </p:cBhvr>
+                                      <p:to>
+                                        <p:strVal val="visible"/>
+                                      </p:to>
+                                    </p:set>
+                                    <p:animEffect transition="in" filter="fade">
+                                      <p:cBhvr>
+                                        <p:cTn id="73" dur="500"/>
+                                        <p:tgtEl>
+                                          <p:spTgt spid="46"/>
+                                        </p:tgtEl>
+                                      </p:cBhvr>
+                                    </p:animEffect>
+                                  </p:childTnLst>
+                                </p:cTn>
+                              </p:par>
+                              <p:par>
+                                <p:cTn id="74" presetID="10" presetClass="entr" presetSubtype="0" fill="hold" nodeType="withEffect">
+                                  <p:stCondLst>
+                                    <p:cond delay="0"/>
+                                  </p:stCondLst>
+                                  <p:childTnLst>
+                                    <p:set>
+                                      <p:cBhvr>
+                                        <p:cTn id="75" dur="1" fill="hold">
+                                          <p:stCondLst>
+                                            <p:cond delay="0"/>
+                                          </p:stCondLst>
+                                        </p:cTn>
+                                        <p:tgtEl>
+                                          <p:spTgt spid="57"/>
+                                        </p:tgtEl>
+                                        <p:attrNameLst>
+                                          <p:attrName>style.visibility</p:attrName>
+                                        </p:attrNameLst>
+                                      </p:cBhvr>
+                                      <p:to>
+                                        <p:strVal val="visible"/>
+                                      </p:to>
+                                    </p:set>
+                                    <p:animEffect transition="in" filter="fade">
+                                      <p:cBhvr>
+                                        <p:cTn id="76" dur="500"/>
+                                        <p:tgtEl>
+                                          <p:spTgt spid="57"/>
+                                        </p:tgtEl>
+                                      </p:cBhvr>
+                                    </p:animEffect>
+                                  </p:childTnLst>
+                                </p:cTn>
+                              </p:par>
+                              <p:par>
+                                <p:cTn id="77" presetID="10" presetClass="entr" presetSubtype="0" fill="hold" nodeType="withEffect">
+                                  <p:stCondLst>
+                                    <p:cond delay="0"/>
+                                  </p:stCondLst>
+                                  <p:childTnLst>
+                                    <p:set>
+                                      <p:cBhvr>
+                                        <p:cTn id="78" dur="1" fill="hold">
+                                          <p:stCondLst>
+                                            <p:cond delay="0"/>
+                                          </p:stCondLst>
+                                        </p:cTn>
+                                        <p:tgtEl>
+                                          <p:spTgt spid="66"/>
+                                        </p:tgtEl>
+                                        <p:attrNameLst>
+                                          <p:attrName>style.visibility</p:attrName>
+                                        </p:attrNameLst>
+                                      </p:cBhvr>
+                                      <p:to>
+                                        <p:strVal val="visible"/>
+                                      </p:to>
+                                    </p:set>
+                                    <p:animEffect transition="in" filter="fade">
+                                      <p:cBhvr>
+                                        <p:cTn id="79" dur="500"/>
+                                        <p:tgtEl>
+                                          <p:spTgt spid="66"/>
+                                        </p:tgtEl>
+                                      </p:cBhvr>
+                                    </p:animEffect>
+                                  </p:childTnLst>
+                                </p:cTn>
+                              </p:par>
+                              <p:par>
+                                <p:cTn id="80" presetID="10" presetClass="entr" presetSubtype="0" fill="hold" nodeType="withEffect">
+                                  <p:stCondLst>
+                                    <p:cond delay="0"/>
+                                  </p:stCondLst>
+                                  <p:childTnLst>
+                                    <p:set>
+                                      <p:cBhvr>
+                                        <p:cTn id="81" dur="1" fill="hold">
+                                          <p:stCondLst>
+                                            <p:cond delay="0"/>
+                                          </p:stCondLst>
+                                        </p:cTn>
+                                        <p:tgtEl>
+                                          <p:spTgt spid="69"/>
+                                        </p:tgtEl>
+                                        <p:attrNameLst>
+                                          <p:attrName>style.visibility</p:attrName>
+                                        </p:attrNameLst>
+                                      </p:cBhvr>
+                                      <p:to>
+                                        <p:strVal val="visible"/>
+                                      </p:to>
+                                    </p:set>
+                                    <p:animEffect transition="in" filter="fade">
+                                      <p:cBhvr>
+                                        <p:cTn id="82" dur="500"/>
+                                        <p:tgtEl>
+                                          <p:spTgt spid="69"/>
+                                        </p:tgtEl>
+                                      </p:cBhvr>
+                                    </p:animEffect>
+                                  </p:childTnLst>
+                                </p:cTn>
+                              </p:par>
+                            </p:childTnLst>
+                          </p:cTn>
+                        </p:par>
+                      </p:childTnLst>
+                    </p:cTn>
+                  </p:par>
+                </p:childTnLst>
+              </p:cTn>
+              <p:prevCondLst>
+                <p:cond evt="onPrev" delay="0">
+                  <p:tgtEl>
+                    <p:sldTgt/>
+                  </p:tgtEl>
+                </p:cond>
+              </p:prevCondLst>
+              <p:nextCondLst>
+                <p:cond evt="onNext" delay="0">
+                  <p:tgtEl>
+                    <p:sldTgt/>
+                  </p:tgtEl>
+                </p:cond>
+              </p:nextCondLst>
+            </p:seq>
+          </p:childTnLst>
+        </p:cTn>
+      </p:par>
+    </p:tnLst>
+    <p:bldLst>
+      <p:bldP spid="5" grpId="0" animBg="1"/>
+      <p:bldP spid="6" grpId="0" animBg="1"/>
+      <p:bldP spid="24" grpId="0" animBg="1"/>
+      <p:bldP spid="25" grpId="0" animBg="1"/>
+      <p:bldP spid="26" grpId="0" animBg="1"/>
+      <p:bldP spid="33" grpId="0" animBg="1"/>
+      <p:bldP spid="42" grpId="0" animBg="1"/>
+      <p:bldP spid="77" grpId="0" animBg="1"/>
+    </p:bldLst>
+  </p:timing>
 </p:sld>
 </file>
 
@@ -14657,7 +16254,7 @@
           <p:cNvPr id="2" name="Title 1">
             <a:extLst>
               <a:ext uri="{FF2B5EF4-FFF2-40B4-BE49-F238E27FC236}">
-                <a16:creationId xmlns:a16="http://schemas.microsoft.com/office/drawing/2014/main" id="{DE5C6A00-2349-4081-8885-95806CB4E6A1}"/>
+                <a16:creationId xmlns:a16="http://schemas.microsoft.com/office/drawing/2014/main" id="{F8FADD9F-D779-4FB6-A392-8DDB9F3A789C}"/>
               </a:ext>
             </a:extLst>
           </p:cNvPr>
@@ -14674,18 +16271,22 @@
           <a:lstStyle/>
           <a:p>
             <a:r>
-              <a:rPr lang="en-US" dirty="0"/>
-              <a:t>KeyVault</a:t>
-            </a:r>
-          </a:p>
-        </p:txBody>
-      </p:sp>
-      <p:sp>
-        <p:nvSpPr>
-          <p:cNvPr id="3" name="Content Placeholder 2">
+              <a:rPr lang="de-AT" dirty="0" err="1"/>
+              <a:t>Protecting</a:t>
+            </a:r>
+            <a:r>
+              <a:rPr lang="de-AT" dirty="0"/>
+              <a:t> Secrets</a:t>
+            </a:r>
+          </a:p>
+        </p:txBody>
+      </p:sp>
+      <p:sp>
+        <p:nvSpPr>
+          <p:cNvPr id="3" name="Text Placeholder 2">
             <a:extLst>
               <a:ext uri="{FF2B5EF4-FFF2-40B4-BE49-F238E27FC236}">
-                <a16:creationId xmlns:a16="http://schemas.microsoft.com/office/drawing/2014/main" id="{A40CBCAC-290F-42CF-AF44-72322D6C858A}"/>
+                <a16:creationId xmlns:a16="http://schemas.microsoft.com/office/drawing/2014/main" id="{72858DEE-163D-402F-981D-E182F9F8632E}"/>
               </a:ext>
             </a:extLst>
           </p:cNvPr>
@@ -14693,7 +16294,7 @@
             <a:spLocks noGrp="1"/>
           </p:cNvSpPr>
           <p:nvPr>
-            <p:ph sz="quarter" idx="12"/>
+            <p:ph type="body" sz="quarter" idx="25"/>
           </p:nvPr>
         </p:nvSpPr>
         <p:spPr/>
@@ -14703,132 +16304,16 @@
           <a:p>
             <a:r>
               <a:rPr lang="en-US" dirty="0"/>
-              <a:t>Keep secrets, encryption keys, and certs in Azure</a:t>
-            </a:r>
-          </a:p>
-          <a:p>
-            <a:pPr lvl="1"/>
-            <a:r>
-              <a:rPr lang="en-US" dirty="0"/>
-              <a:t>Can be protected by certified HSMs</a:t>
-            </a:r>
-          </a:p>
-          <a:p>
-            <a:r>
-              <a:rPr lang="en-US" dirty="0"/>
-              <a:t>Monitor access and use</a:t>
-            </a:r>
-          </a:p>
-          <a:p>
-            <a:r>
-              <a:rPr lang="en-US" dirty="0"/>
-              <a:t>Integrated in various Azure services</a:t>
-            </a:r>
-          </a:p>
-          <a:p>
-            <a:pPr lvl="1"/>
-            <a:r>
-              <a:rPr lang="en-US" dirty="0"/>
-              <a:t>E.g. SSL certs for App Service (</a:t>
-            </a:r>
-            <a:r>
-              <a:rPr lang="en-US" dirty="0">
-                <a:hlinkClick r:id="rId2"/>
-              </a:rPr>
-              <a:t>docs</a:t>
-            </a:r>
-            <a:r>
-              <a:rPr lang="en-US" dirty="0"/>
-              <a:t>)</a:t>
-            </a:r>
-          </a:p>
-          <a:p>
-            <a:pPr lvl="1"/>
-            <a:r>
-              <a:rPr lang="en-US" dirty="0"/>
-              <a:t>E.g. </a:t>
-            </a:r>
-            <a:r>
-              <a:rPr lang="en-US" i="1" dirty="0"/>
-              <a:t>Always Encrypted</a:t>
-            </a:r>
-            <a:r>
-              <a:rPr lang="en-US" dirty="0"/>
-              <a:t> in SQL (</a:t>
-            </a:r>
-            <a:r>
-              <a:rPr lang="en-US" dirty="0">
-                <a:hlinkClick r:id="rId3"/>
-              </a:rPr>
-              <a:t>docs</a:t>
-            </a:r>
-            <a:r>
-              <a:rPr lang="en-US" dirty="0"/>
-              <a:t>)</a:t>
-            </a:r>
-          </a:p>
-          <a:p>
-            <a:r>
-              <a:rPr lang="en-US" dirty="0"/>
-              <a:t>Access to KeyVault can be protected by </a:t>
-            </a:r>
-            <a:r>
-              <a:rPr lang="en-US" i="1" dirty="0"/>
-              <a:t>Managed Identity</a:t>
-            </a:r>
-          </a:p>
-          <a:p>
-            <a:pPr lvl="1"/>
-            <a:r>
-              <a:rPr lang="en-US" dirty="0"/>
-              <a:t>Sample: </a:t>
-            </a:r>
-            <a:r>
-              <a:rPr lang="en-US" i="1" dirty="0"/>
-              <a:t>09.2-KeyVaultManagedIdentity</a:t>
-            </a:r>
-          </a:p>
-        </p:txBody>
-      </p:sp>
-      <p:sp>
-        <p:nvSpPr>
-          <p:cNvPr id="4" name="Text Placeholder 3">
-            <a:extLst>
-              <a:ext uri="{FF2B5EF4-FFF2-40B4-BE49-F238E27FC236}">
-                <a16:creationId xmlns:a16="http://schemas.microsoft.com/office/drawing/2014/main" id="{4756455E-82F7-4F41-9AA2-F214DAA65B12}"/>
-              </a:ext>
-            </a:extLst>
-          </p:cNvPr>
-          <p:cNvSpPr>
-            <a:spLocks noGrp="1"/>
-          </p:cNvSpPr>
-          <p:nvPr>
-            <p:ph type="body" sz="quarter" idx="23"/>
-          </p:nvPr>
-        </p:nvSpPr>
-        <p:spPr/>
-        <p:txBody>
-          <a:bodyPr/>
-          <a:lstStyle/>
-          <a:p>
-            <a:r>
-              <a:rPr lang="en-US" dirty="0"/>
-              <a:t>See also </a:t>
-            </a:r>
-            <a:r>
-              <a:rPr lang="de-AT" dirty="0">
-                <a:hlinkClick r:id="rId4"/>
-              </a:rPr>
-              <a:t>https://docs.microsoft.com/en-us/azure/key-vault/key-vault-overview</a:t>
-            </a:r>
-            <a:endParaRPr lang="en-US" dirty="0"/>
+              <a:t>How to protect connection information</a:t>
+            </a:r>
+            <a:endParaRPr lang="de-AT" dirty="0"/>
           </a:p>
         </p:txBody>
       </p:sp>
     </p:spTree>
     <p:extLst>
       <p:ext uri="{BB962C8B-B14F-4D97-AF65-F5344CB8AC3E}">
-        <p14:creationId xmlns:p14="http://schemas.microsoft.com/office/powerpoint/2010/main" val="67618888"/>
+        <p14:creationId xmlns:p14="http://schemas.microsoft.com/office/powerpoint/2010/main" val="2423346125"/>
       </p:ext>
     </p:extLst>
   </p:cSld>
@@ -14869,10 +16354,10 @@
       </p:grpSpPr>
       <p:sp>
         <p:nvSpPr>
-          <p:cNvPr id="2" name="Title 1">
+          <p:cNvPr id="4" name="Title 3">
             <a:extLst>
               <a:ext uri="{FF2B5EF4-FFF2-40B4-BE49-F238E27FC236}">
-                <a16:creationId xmlns:a16="http://schemas.microsoft.com/office/drawing/2014/main" id="{DE5C6A00-2349-4081-8885-95806CB4E6A1}"/>
+                <a16:creationId xmlns:a16="http://schemas.microsoft.com/office/drawing/2014/main" id="{BDD3605E-FD53-466F-BE4A-2E05F5F4F85D}"/>
               </a:ext>
             </a:extLst>
           </p:cNvPr>
@@ -14889,18 +16374,18 @@
           <a:lstStyle/>
           <a:p>
             <a:r>
-              <a:rPr lang="en-US" dirty="0"/>
-              <a:t>KeyVault</a:t>
-            </a:r>
-          </a:p>
-        </p:txBody>
-      </p:sp>
-      <p:sp>
-        <p:nvSpPr>
-          <p:cNvPr id="3" name="Content Placeholder 2">
+              <a:rPr lang="en-US"/>
+              <a:t>General Guidelines</a:t>
+            </a:r>
+          </a:p>
+        </p:txBody>
+      </p:sp>
+      <p:sp>
+        <p:nvSpPr>
+          <p:cNvPr id="5" name="Content Placeholder 4">
             <a:extLst>
               <a:ext uri="{FF2B5EF4-FFF2-40B4-BE49-F238E27FC236}">
-                <a16:creationId xmlns:a16="http://schemas.microsoft.com/office/drawing/2014/main" id="{A40CBCAC-290F-42CF-AF44-72322D6C858A}"/>
+                <a16:creationId xmlns:a16="http://schemas.microsoft.com/office/drawing/2014/main" id="{01F131BF-9B34-48AC-BA46-B6209F9C8653}"/>
               </a:ext>
             </a:extLst>
           </p:cNvPr>
@@ -14918,49 +16403,153 @@
           <a:p>
             <a:r>
               <a:rPr lang="en-US" dirty="0"/>
-              <a:t>KeyVault configuration provider</a:t>
+              <a:t>Prefer not storing secrets at all</a:t>
             </a:r>
           </a:p>
           <a:p>
             <a:pPr lvl="1"/>
             <a:r>
               <a:rPr lang="en-US" dirty="0"/>
-              <a:t>Merge secrets from KeyVault to configuration settings</a:t>
-            </a:r>
-          </a:p>
-          <a:p>
+              <a:t>Windows Authentication</a:t>
+            </a:r>
+          </a:p>
+          <a:p>
+            <a:pPr lvl="1"/>
+            <a:r>
+              <a:rPr lang="en-US" dirty="0"/>
+              <a:t>Azure: Use AAD authentication with SQL (</a:t>
+            </a:r>
+            <a:r>
+              <a:rPr lang="en-US" dirty="0">
+                <a:hlinkClick r:id="rId2"/>
+              </a:rPr>
+              <a:t>docs</a:t>
+            </a:r>
+            <a:r>
+              <a:rPr lang="en-US" dirty="0"/>
+              <a:t>)</a:t>
+            </a:r>
+          </a:p>
+          <a:p>
+            <a:pPr lvl="1"/>
+            <a:r>
+              <a:rPr lang="en-US" dirty="0"/>
+              <a:t>Azure Managed Identities (</a:t>
+            </a:r>
+            <a:r>
+              <a:rPr lang="en-US" dirty="0">
+                <a:hlinkClick r:id="rId3"/>
+              </a:rPr>
+              <a:t>docs</a:t>
+            </a:r>
+            <a:r>
+              <a:rPr lang="en-US" dirty="0"/>
+              <a:t>)</a:t>
+            </a:r>
+          </a:p>
+          <a:p>
+            <a:r>
+              <a:rPr lang="en-US" dirty="0"/>
+              <a:t>Use </a:t>
+            </a:r>
+            <a:r>
+              <a:rPr lang="en-US" dirty="0">
+                <a:hlinkClick r:id="rId4"/>
+              </a:rPr>
+              <a:t>Connection String Builders</a:t>
+            </a:r>
+            <a:r>
+              <a:rPr lang="en-US" dirty="0"/>
+              <a:t> instead of string </a:t>
+            </a:r>
+            <a:r>
+              <a:rPr lang="en-US" dirty="0" err="1"/>
+              <a:t>concat</a:t>
+            </a:r>
+            <a:endParaRPr lang="en-US" dirty="0"/>
+          </a:p>
+          <a:p>
+            <a:pPr lvl="1"/>
             <a:r>
               <a:rPr lang="en-US" dirty="0"/>
               <a:t>Sample: </a:t>
             </a:r>
             <a:r>
               <a:rPr lang="en-US" i="1" dirty="0"/>
-              <a:t>09.3-KeyVaultConfigurationProvider</a:t>
-            </a:r>
+              <a:t>07-ConnectionStringBuilders</a:t>
+            </a:r>
+            <a:endParaRPr lang="en-US" dirty="0"/>
           </a:p>
           <a:p>
             <a:pPr lvl="1"/>
             <a:r>
-              <a:rPr lang="en-US" dirty="0"/>
-              <a:t>Adjust KeyVault name in </a:t>
+              <a:rPr lang="en-US" u="sng" dirty="0"/>
+              <a:t>Don’t</a:t>
+            </a:r>
+            <a:r>
+              <a:rPr lang="en-US" dirty="0"/>
+              <a:t> set </a:t>
+            </a:r>
+            <a:r>
+              <a:rPr lang="en-US" i="1" dirty="0"/>
+              <a:t>Persist Security Info=True</a:t>
+            </a:r>
+            <a:r>
+              <a:rPr lang="en-US" dirty="0"/>
+              <a:t> (default is False) to prevent security-sensitive information to be obtained from a connection</a:t>
+            </a:r>
+          </a:p>
+          <a:p>
+            <a:r>
+              <a:rPr lang="en-US" i="1" dirty="0"/>
+              <a:t>private/protected/internal</a:t>
+            </a:r>
+            <a:r>
+              <a:rPr lang="en-US" dirty="0"/>
+              <a:t> is </a:t>
+            </a:r>
+            <a:r>
+              <a:rPr lang="en-US" u="sng" dirty="0"/>
+              <a:t>no</a:t>
+            </a:r>
+            <a:r>
+              <a:rPr lang="en-US" dirty="0"/>
+              <a:t> protection</a:t>
+            </a:r>
+          </a:p>
+          <a:p>
+            <a:pPr lvl="1"/>
+            <a:r>
+              <a:rPr lang="en-US" dirty="0"/>
+              <a:t>See also </a:t>
             </a:r>
             <a:r>
               <a:rPr lang="en-US" i="1" dirty="0" err="1"/>
-              <a:t>appsettings.json</a:t>
-            </a:r>
-            <a:r>
-              <a:rPr lang="en-US" dirty="0"/>
-              <a:t> if necessary</a:t>
-            </a:r>
-          </a:p>
-        </p:txBody>
-      </p:sp>
-      <p:sp>
-        <p:nvSpPr>
-          <p:cNvPr id="4" name="Text Placeholder 3">
+              <a:t>BindingFlags.NonPublic</a:t>
+            </a:r>
+            <a:r>
+              <a:rPr lang="en-US" dirty="0"/>
+              <a:t> (</a:t>
+            </a:r>
+            <a:r>
+              <a:rPr lang="en-US" dirty="0">
+                <a:hlinkClick r:id="rId5"/>
+              </a:rPr>
+              <a:t>docs</a:t>
+            </a:r>
+            <a:r>
+              <a:rPr lang="en-US" dirty="0"/>
+              <a:t>)</a:t>
+            </a:r>
+          </a:p>
+        </p:txBody>
+      </p:sp>
+      <p:sp>
+        <p:nvSpPr>
+          <p:cNvPr id="6" name="Text Placeholder 5">
             <a:extLst>
               <a:ext uri="{FF2B5EF4-FFF2-40B4-BE49-F238E27FC236}">
-                <a16:creationId xmlns:a16="http://schemas.microsoft.com/office/drawing/2014/main" id="{4756455E-82F7-4F41-9AA2-F214DAA65B12}"/>
+                <a16:creationId xmlns:a16="http://schemas.microsoft.com/office/drawing/2014/main" id="{45CC3CD2-13B7-49F0-BF5F-46A2C11C7A6E}"/>
               </a:ext>
             </a:extLst>
           </p:cNvPr>
@@ -14977,14 +16566,14 @@
           <a:lstStyle/>
           <a:p>
             <a:r>
-              <a:rPr lang="de-AT" dirty="0"/>
+              <a:rPr lang="en-US" dirty="0"/>
               <a:t>See also </a:t>
             </a:r>
             <a:r>
-              <a:rPr lang="de-AT" dirty="0">
-                <a:hlinkClick r:id="rId2"/>
+              <a:rPr lang="en-US" dirty="0">
+                <a:hlinkClick r:id="rId6"/>
               </a:rPr>
-              <a:t>https://docs.microsoft.com/en-us/aspnet/core/security/key-vault-configuration?view=aspnetcore-2.2</a:t>
+              <a:t>https://docs.microsoft.com/en-us/dotnet/framework/data/adonet/protecting-connection-information</a:t>
             </a:r>
             <a:endParaRPr lang="en-US" dirty="0"/>
           </a:p>
@@ -14993,7 +16582,7 @@
     </p:spTree>
     <p:extLst>
       <p:ext uri="{BB962C8B-B14F-4D97-AF65-F5344CB8AC3E}">
-        <p14:creationId xmlns:p14="http://schemas.microsoft.com/office/powerpoint/2010/main" val="4024738936"/>
+        <p14:creationId xmlns:p14="http://schemas.microsoft.com/office/powerpoint/2010/main" val="287044570"/>
       </p:ext>
     </p:extLst>
   </p:cSld>
@@ -15034,10 +16623,10 @@
       </p:grpSpPr>
       <p:sp>
         <p:nvSpPr>
-          <p:cNvPr id="5" name="Title 4">
+          <p:cNvPr id="4" name="Title 3">
             <a:extLst>
               <a:ext uri="{FF2B5EF4-FFF2-40B4-BE49-F238E27FC236}">
-                <a16:creationId xmlns:a16="http://schemas.microsoft.com/office/drawing/2014/main" id="{E6CB8BBB-36C6-4D3D-A80F-A442C41A249A}"/>
+                <a16:creationId xmlns:a16="http://schemas.microsoft.com/office/drawing/2014/main" id="{BDD3605E-FD53-466F-BE4A-2E05F5F4F85D}"/>
               </a:ext>
             </a:extLst>
           </p:cNvPr>
@@ -15054,26 +16643,18 @@
           <a:lstStyle/>
           <a:p>
             <a:r>
-              <a:rPr lang="de-AT" sz="4800" dirty="0"/>
-              <a:t>Data </a:t>
-            </a:r>
-            <a:r>
-              <a:rPr lang="de-AT" sz="4800" dirty="0" err="1"/>
-              <a:t>Protection</a:t>
-            </a:r>
-            <a:r>
-              <a:rPr lang="de-AT" sz="4800" dirty="0"/>
-              <a:t> API</a:t>
-            </a:r>
-          </a:p>
-        </p:txBody>
-      </p:sp>
-      <p:sp>
-        <p:nvSpPr>
-          <p:cNvPr id="6" name="Text Placeholder 5">
+              <a:rPr lang="en-US"/>
+              <a:t>General Guidelines</a:t>
+            </a:r>
+          </a:p>
+        </p:txBody>
+      </p:sp>
+      <p:sp>
+        <p:nvSpPr>
+          <p:cNvPr id="5" name="Content Placeholder 4">
             <a:extLst>
               <a:ext uri="{FF2B5EF4-FFF2-40B4-BE49-F238E27FC236}">
-                <a16:creationId xmlns:a16="http://schemas.microsoft.com/office/drawing/2014/main" id="{C16EAF77-8FDB-40B2-8D34-7D443ACF1E07}"/>
+                <a16:creationId xmlns:a16="http://schemas.microsoft.com/office/drawing/2014/main" id="{01F131BF-9B34-48AC-BA46-B6209F9C8653}"/>
               </a:ext>
             </a:extLst>
           </p:cNvPr>
@@ -15081,7 +16662,7 @@
             <a:spLocks noGrp="1"/>
           </p:cNvSpPr>
           <p:nvPr>
-            <p:ph type="body" sz="quarter" idx="25"/>
+            <p:ph sz="quarter" idx="12"/>
           </p:nvPr>
         </p:nvSpPr>
         <p:spPr/>
@@ -15090,20 +16671,207 @@
           <a:lstStyle/>
           <a:p>
             <a:r>
-              <a:rPr lang="de-AT" dirty="0" err="1"/>
-              <a:t>of</a:t>
-            </a:r>
-            <a:r>
+              <a:rPr lang="en-US" dirty="0"/>
+              <a:t>Recap .NET Core config system</a:t>
+            </a:r>
+          </a:p>
+          <a:p>
+            <a:pPr lvl="1"/>
+            <a:r>
+              <a:rPr lang="en-US" i="1" dirty="0"/>
+              <a:t>08-RecapNetCoreConfig</a:t>
+            </a:r>
+          </a:p>
+          <a:p>
+            <a:r>
+              <a:rPr lang="en-US" dirty="0"/>
+              <a:t>Encrypt configuration files</a:t>
+            </a:r>
+          </a:p>
+          <a:p>
+            <a:pPr lvl="1"/>
+            <a:r>
+              <a:rPr lang="en-US" dirty="0"/>
+              <a:t>ASP.NET: Use </a:t>
+            </a:r>
+            <a:r>
+              <a:rPr lang="en-US" i="1" dirty="0" err="1"/>
+              <a:t>aspnet_regiis</a:t>
+            </a:r>
+            <a:r>
+              <a:rPr lang="en-US" dirty="0"/>
+              <a:t> tool (</a:t>
+            </a:r>
+            <a:r>
+              <a:rPr lang="en-US" dirty="0">
+                <a:hlinkClick r:id="rId2"/>
+              </a:rPr>
+              <a:t>docs</a:t>
+            </a:r>
+            <a:r>
+              <a:rPr lang="en-US" dirty="0"/>
+              <a:t>)</a:t>
+            </a:r>
+          </a:p>
+          <a:p>
+            <a:r>
+              <a:rPr lang="en-US" dirty="0"/>
+              <a:t>ASP.NET Core </a:t>
+            </a:r>
+            <a:r>
+              <a:rPr lang="en-US" i="1" dirty="0"/>
+              <a:t>Secret Manager</a:t>
+            </a:r>
+            <a:r>
+              <a:rPr lang="en-US" dirty="0"/>
+              <a:t> tool (</a:t>
+            </a:r>
+            <a:r>
+              <a:rPr lang="en-US" dirty="0">
+                <a:hlinkClick r:id="rId3"/>
+              </a:rPr>
+              <a:t>docs</a:t>
+            </a:r>
+            <a:r>
+              <a:rPr lang="en-US" dirty="0"/>
+              <a:t>)</a:t>
+            </a:r>
+          </a:p>
+          <a:p>
+            <a:pPr lvl="1"/>
+            <a:r>
+              <a:rPr lang="en-US" dirty="0"/>
+              <a:t>Stores secrets separated from application code</a:t>
+            </a:r>
+          </a:p>
+          <a:p>
+            <a:pPr lvl="1"/>
+            <a:r>
+              <a:rPr lang="en-US" dirty="0"/>
+              <a:t>ASP.NET Core: </a:t>
+            </a:r>
+            <a:r>
+              <a:rPr lang="en-US" i="1" dirty="0"/>
+              <a:t>09.1-SecretManager</a:t>
+            </a:r>
+          </a:p>
+          <a:p>
+            <a:pPr lvl="1"/>
+            <a:r>
+              <a:rPr lang="de-AT" i="1" dirty="0" err="1"/>
+              <a:t>dotnet</a:t>
+            </a:r>
+            <a:r>
+              <a:rPr lang="de-AT" i="1" dirty="0"/>
+              <a:t> user-</a:t>
+            </a:r>
+            <a:r>
+              <a:rPr lang="de-AT" i="1" dirty="0" err="1"/>
+              <a:t>secrets</a:t>
+            </a:r>
+            <a:r>
+              <a:rPr lang="de-AT" i="1" dirty="0"/>
+              <a:t> </a:t>
+            </a:r>
+            <a:r>
+              <a:rPr lang="de-AT" i="1" dirty="0" err="1"/>
+              <a:t>set</a:t>
+            </a:r>
+            <a:r>
+              <a:rPr lang="de-AT" i="1" dirty="0"/>
+              <a:t> "ping" "</a:t>
+            </a:r>
+            <a:r>
+              <a:rPr lang="de-AT" i="1" dirty="0" err="1"/>
+              <a:t>pong</a:t>
+            </a:r>
+            <a:r>
+              <a:rPr lang="de-AT" i="1" dirty="0"/>
+              <a:t>"</a:t>
+            </a:r>
+            <a:br>
               <a:rPr lang="de-AT" dirty="0"/>
-              <a:t> ASP.NET Core</a:t>
-            </a:r>
+            </a:br>
+            <a:r>
+              <a:rPr lang="de-AT" dirty="0"/>
+              <a:t>   </a:t>
+            </a:r>
+            <a:r>
+              <a:rPr lang="de-AT" dirty="0">
+                <a:sym typeface="Wingdings" panose="05000000000000000000" pitchFamily="2" charset="2"/>
+              </a:rPr>
+              <a:t> Show </a:t>
+            </a:r>
+            <a:r>
+              <a:rPr lang="de-AT" dirty="0" err="1">
+                <a:sym typeface="Wingdings" panose="05000000000000000000" pitchFamily="2" charset="2"/>
+              </a:rPr>
+              <a:t>secrets</a:t>
+            </a:r>
+            <a:r>
+              <a:rPr lang="de-AT" dirty="0">
+                <a:sym typeface="Wingdings" panose="05000000000000000000" pitchFamily="2" charset="2"/>
+              </a:rPr>
+              <a:t> in </a:t>
+            </a:r>
+            <a:r>
+              <a:rPr lang="en-US" i="1" dirty="0"/>
+              <a:t>%APPDATA%\Microsoft\</a:t>
+            </a:r>
+            <a:r>
+              <a:rPr lang="en-US" i="1" dirty="0" err="1"/>
+              <a:t>UserSecrets</a:t>
+            </a:r>
+            <a:r>
+              <a:rPr lang="en-US" i="1" dirty="0"/>
+              <a:t>\...</a:t>
+            </a:r>
+          </a:p>
+          <a:p>
+            <a:pPr lvl="1"/>
+            <a:endParaRPr lang="en-US" dirty="0"/>
+          </a:p>
+        </p:txBody>
+      </p:sp>
+      <p:sp>
+        <p:nvSpPr>
+          <p:cNvPr id="6" name="Text Placeholder 5">
+            <a:extLst>
+              <a:ext uri="{FF2B5EF4-FFF2-40B4-BE49-F238E27FC236}">
+                <a16:creationId xmlns:a16="http://schemas.microsoft.com/office/drawing/2014/main" id="{45CC3CD2-13B7-49F0-BF5F-46A2C11C7A6E}"/>
+              </a:ext>
+            </a:extLst>
+          </p:cNvPr>
+          <p:cNvSpPr>
+            <a:spLocks noGrp="1"/>
+          </p:cNvSpPr>
+          <p:nvPr>
+            <p:ph type="body" sz="quarter" idx="23"/>
+          </p:nvPr>
+        </p:nvSpPr>
+        <p:spPr/>
+        <p:txBody>
+          <a:bodyPr/>
+          <a:lstStyle/>
+          <a:p>
+            <a:r>
+              <a:rPr lang="en-US" dirty="0"/>
+              <a:t>See also </a:t>
+            </a:r>
+            <a:r>
+              <a:rPr lang="en-US" dirty="0">
+                <a:hlinkClick r:id="rId4"/>
+              </a:rPr>
+              <a:t>https://docs.microsoft.com/en-us/dotnet/framework/data/adonet/protecting-connection-information</a:t>
+            </a:r>
+            <a:endParaRPr lang="en-US" dirty="0"/>
           </a:p>
         </p:txBody>
       </p:sp>
     </p:spTree>
     <p:extLst>
       <p:ext uri="{BB962C8B-B14F-4D97-AF65-F5344CB8AC3E}">
-        <p14:creationId xmlns:p14="http://schemas.microsoft.com/office/powerpoint/2010/main" val="774912320"/>
+        <p14:creationId xmlns:p14="http://schemas.microsoft.com/office/powerpoint/2010/main" val="2774263431"/>
       </p:ext>
     </p:extLst>
   </p:cSld>
@@ -15144,10 +16912,10 @@
       </p:grpSpPr>
       <p:sp>
         <p:nvSpPr>
-          <p:cNvPr id="4" name="Title 3">
+          <p:cNvPr id="2" name="Title 1">
             <a:extLst>
               <a:ext uri="{FF2B5EF4-FFF2-40B4-BE49-F238E27FC236}">
-                <a16:creationId xmlns:a16="http://schemas.microsoft.com/office/drawing/2014/main" id="{E45A17F4-BBC8-4417-9454-F9651D1F3B58}"/>
+                <a16:creationId xmlns:a16="http://schemas.microsoft.com/office/drawing/2014/main" id="{70775652-A8EC-4FAC-A38B-CDC92D034423}"/>
               </a:ext>
             </a:extLst>
           </p:cNvPr>
@@ -15164,18 +16932,18 @@
           <a:lstStyle/>
           <a:p>
             <a:r>
-              <a:rPr lang="en-US" dirty="0"/>
-              <a:t>Overview</a:t>
-            </a:r>
-          </a:p>
-        </p:txBody>
-      </p:sp>
-      <p:sp>
-        <p:nvSpPr>
-          <p:cNvPr id="5" name="Content Placeholder 4">
+              <a:rPr lang="en-US"/>
+              <a:t>Environment Variables</a:t>
+            </a:r>
+          </a:p>
+        </p:txBody>
+      </p:sp>
+      <p:sp>
+        <p:nvSpPr>
+          <p:cNvPr id="3" name="Content Placeholder 2">
             <a:extLst>
               <a:ext uri="{FF2B5EF4-FFF2-40B4-BE49-F238E27FC236}">
-                <a16:creationId xmlns:a16="http://schemas.microsoft.com/office/drawing/2014/main" id="{AB8B7F4E-C9EB-44E9-871C-02E427822FFA}"/>
+                <a16:creationId xmlns:a16="http://schemas.microsoft.com/office/drawing/2014/main" id="{E0CF94F3-E172-411D-801A-CF40C7B1E837}"/>
               </a:ext>
             </a:extLst>
           </p:cNvPr>
@@ -15193,64 +16961,56 @@
           <a:p>
             <a:r>
               <a:rPr lang="en-US" dirty="0"/>
-              <a:t>How to round-trip trusted state via an untrusted client?</a:t>
+              <a:t>Add non-critical defaults to config files (e.g. </a:t>
+            </a:r>
+            <a:r>
+              <a:rPr lang="en-US" i="1" dirty="0" err="1"/>
+              <a:t>appsettings.json</a:t>
+            </a:r>
+            <a:r>
+              <a:rPr lang="en-US" dirty="0"/>
+              <a:t>)</a:t>
             </a:r>
           </a:p>
           <a:p>
             <a:pPr lvl="1"/>
             <a:r>
               <a:rPr lang="en-US" dirty="0"/>
-              <a:t>E.g. Tokens</a:t>
-            </a:r>
-          </a:p>
-          <a:p>
-            <a:r>
-              <a:rPr lang="en-US" dirty="0"/>
-              <a:t>ASP.NET Core: </a:t>
-            </a:r>
-            <a:r>
-              <a:rPr lang="en-US" i="1" dirty="0"/>
-              <a:t>Data Protection API</a:t>
+              <a:t>E.g. Connection string pointing to </a:t>
+            </a:r>
+            <a:r>
+              <a:rPr lang="en-US" i="1" dirty="0" err="1"/>
+              <a:t>LocalDB</a:t>
+            </a:r>
+            <a:r>
+              <a:rPr lang="en-US" dirty="0"/>
+              <a:t> with integrated security</a:t>
+            </a:r>
+          </a:p>
+          <a:p>
+            <a:r>
+              <a:rPr lang="en-US" dirty="0"/>
+              <a:t>Override settings in production using environment variables</a:t>
             </a:r>
           </a:p>
           <a:p>
             <a:pPr lvl="1"/>
             <a:r>
               <a:rPr lang="en-US" dirty="0"/>
-              <a:t>Symmetric encryption</a:t>
+              <a:t>Works on Azure</a:t>
             </a:r>
           </a:p>
           <a:p>
             <a:pPr lvl="1"/>
             <a:r>
               <a:rPr lang="en-US" dirty="0"/>
-              <a:t>In ASP.NET 4.x: </a:t>
-            </a:r>
-            <a:r>
-              <a:rPr lang="en-US" i="1" dirty="0" err="1"/>
-              <a:t>machineKey</a:t>
-            </a:r>
-            <a:r>
-              <a:rPr lang="en-US" i="1" dirty="0"/>
-              <a:t> </a:t>
-            </a:r>
-            <a:r>
-              <a:rPr lang="en-US" dirty="0"/>
-              <a:t>Element in </a:t>
-            </a:r>
-            <a:r>
-              <a:rPr lang="en-US" i="1" dirty="0" err="1"/>
-              <a:t>web.config</a:t>
-            </a:r>
-            <a:r>
-              <a:rPr lang="en-US" dirty="0"/>
-              <a:t> (</a:t>
-            </a:r>
-            <a:r>
-              <a:rPr lang="en-US" dirty="0">
+              <a:t>Works in containers (e.g. </a:t>
+            </a:r>
+            <a:r>
+              <a:rPr lang="en-US" i="1" dirty="0">
                 <a:hlinkClick r:id="rId2"/>
               </a:rPr>
-              <a:t>docs</a:t>
+              <a:t>docker run -e</a:t>
             </a:r>
             <a:r>
               <a:rPr lang="en-US" dirty="0"/>
@@ -15258,73 +17018,50 @@
             </a:r>
           </a:p>
           <a:p>
+            <a:r>
+              <a:rPr lang="en-US" dirty="0"/>
+              <a:t>Problem: Environment variables are not encrypted</a:t>
+            </a:r>
+          </a:p>
+          <a:p>
             <a:pPr lvl="1"/>
             <a:r>
               <a:rPr lang="en-US" dirty="0"/>
-              <a:t>Can also be used as a replacement for </a:t>
-            </a:r>
-            <a:r>
-              <a:rPr lang="en-US" i="1" dirty="0" err="1"/>
-              <a:t>machineKey</a:t>
-            </a:r>
-            <a:r>
-              <a:rPr lang="en-US" dirty="0"/>
-              <a:t> (</a:t>
-            </a:r>
-            <a:r>
-              <a:rPr lang="en-US" dirty="0">
-                <a:hlinkClick r:id="rId3"/>
-              </a:rPr>
-              <a:t>docs</a:t>
-            </a:r>
-            <a:r>
-              <a:rPr lang="en-US" dirty="0"/>
-              <a:t>)</a:t>
-            </a:r>
-          </a:p>
-          <a:p>
-            <a:r>
-              <a:rPr lang="en-US" dirty="0"/>
-              <a:t>Functionality</a:t>
+              <a:t>If machine is compromised, environment variables can be accessed</a:t>
+            </a:r>
+          </a:p>
+          <a:p>
+            <a:r>
+              <a:rPr lang="en-US" dirty="0"/>
+              <a:t>Solution: Store secrets in vaults like </a:t>
+            </a:r>
+            <a:r>
+              <a:rPr lang="en-US" i="1" dirty="0"/>
+              <a:t>KeyVault</a:t>
             </a:r>
           </a:p>
           <a:p>
             <a:pPr lvl="1"/>
             <a:r>
               <a:rPr lang="en-US" dirty="0"/>
-              <a:t>Protect/unprotect strings (e.g. secrets)</a:t>
+              <a:t>Settings = environment variables only point to vault</a:t>
             </a:r>
           </a:p>
           <a:p>
             <a:pPr lvl="1"/>
             <a:r>
               <a:rPr lang="en-US" dirty="0"/>
-              <a:t>Hash passwords (consider using </a:t>
-            </a:r>
-            <a:r>
-              <a:rPr lang="en-US" i="1" dirty="0" err="1"/>
-              <a:t>BCrypt</a:t>
-            </a:r>
-            <a:r>
-              <a:rPr lang="en-US" dirty="0"/>
-              <a:t> instead)</a:t>
-            </a:r>
-          </a:p>
-          <a:p>
-            <a:pPr lvl="1"/>
-            <a:r>
-              <a:rPr lang="en-US" dirty="0"/>
-              <a:t>Algorithms and key management can be configured to specific needs</a:t>
-            </a:r>
-          </a:p>
-        </p:txBody>
-      </p:sp>
-      <p:sp>
-        <p:nvSpPr>
-          <p:cNvPr id="6" name="Text Placeholder 5">
+              <a:t>Use integrated security of platform (e.g. Windows, Azure Managed Identity)</a:t>
+            </a:r>
+          </a:p>
+        </p:txBody>
+      </p:sp>
+      <p:sp>
+        <p:nvSpPr>
+          <p:cNvPr id="4" name="Text Placeholder 3">
             <a:extLst>
               <a:ext uri="{FF2B5EF4-FFF2-40B4-BE49-F238E27FC236}">
-                <a16:creationId xmlns:a16="http://schemas.microsoft.com/office/drawing/2014/main" id="{E38A10DE-3489-492F-8FD6-552FCAE61FF1}"/>
+                <a16:creationId xmlns:a16="http://schemas.microsoft.com/office/drawing/2014/main" id="{3FEA31CA-FD17-4CAE-88C4-4917D5E88B28}"/>
               </a:ext>
             </a:extLst>
           </p:cNvPr>
@@ -15340,24 +17077,14 @@
           <a:bodyPr/>
           <a:lstStyle/>
           <a:p>
-            <a:r>
-              <a:rPr lang="en-US" dirty="0"/>
-              <a:t>See also </a:t>
-            </a:r>
-            <a:r>
-              <a:rPr lang="de-AT" dirty="0">
-                <a:hlinkClick r:id="rId4"/>
-              </a:rPr>
-              <a:t>https://docs.microsoft.com/en-us/aspnet/core/security/data-protection/introduction?view=aspnetcore-2.2</a:t>
-            </a:r>
-            <a:endParaRPr lang="en-US" dirty="0"/>
+            <a:endParaRPr lang="en-US"/>
           </a:p>
         </p:txBody>
       </p:sp>
     </p:spTree>
     <p:extLst>
       <p:ext uri="{BB962C8B-B14F-4D97-AF65-F5344CB8AC3E}">
-        <p14:creationId xmlns:p14="http://schemas.microsoft.com/office/powerpoint/2010/main" val="253990076"/>
+        <p14:creationId xmlns:p14="http://schemas.microsoft.com/office/powerpoint/2010/main" val="3344891485"/>
       </p:ext>
     </p:extLst>
   </p:cSld>
@@ -15401,7 +17128,7 @@
           <p:cNvPr id="2" name="Title 1">
             <a:extLst>
               <a:ext uri="{FF2B5EF4-FFF2-40B4-BE49-F238E27FC236}">
-                <a16:creationId xmlns:a16="http://schemas.microsoft.com/office/drawing/2014/main" id="{DC43BE43-AA5F-4AB3-804D-D138339C1537}"/>
+                <a16:creationId xmlns:a16="http://schemas.microsoft.com/office/drawing/2014/main" id="{DE5C6A00-2349-4081-8885-95806CB4E6A1}"/>
               </a:ext>
             </a:extLst>
           </p:cNvPr>
@@ -15419,7 +17146,7 @@
           <a:p>
             <a:r>
               <a:rPr lang="en-US"/>
-              <a:t>Examples</a:t>
+              <a:t>Azure Managed Identity</a:t>
             </a:r>
           </a:p>
         </p:txBody>
@@ -15429,7 +17156,7 @@
           <p:cNvPr id="3" name="Content Placeholder 2">
             <a:extLst>
               <a:ext uri="{FF2B5EF4-FFF2-40B4-BE49-F238E27FC236}">
-                <a16:creationId xmlns:a16="http://schemas.microsoft.com/office/drawing/2014/main" id="{3BA7ADBB-1149-4BD6-B023-D5CB1B702CFB}"/>
+                <a16:creationId xmlns:a16="http://schemas.microsoft.com/office/drawing/2014/main" id="{A40CBCAC-290F-42CF-AF44-72322D6C858A}"/>
               </a:ext>
             </a:extLst>
           </p:cNvPr>
@@ -15446,34 +17173,66 @@
           <a:lstStyle/>
           <a:p>
             <a:r>
-              <a:rPr lang="en-US"/>
-              <a:t>10-NetCoreDataProtection</a:t>
+              <a:rPr lang="en-US" dirty="0"/>
+              <a:t>Automatically managed identities for services in Azure</a:t>
             </a:r>
           </a:p>
           <a:p>
             <a:pPr lvl="1"/>
             <a:r>
-              <a:rPr lang="en-US"/>
-              <a:t>Use ASP.NET Core Data Protection API to protect/unprotect strings</a:t>
-            </a:r>
-            <a:endParaRPr lang="en-US" i="1"/>
-          </a:p>
-          <a:p>
-            <a:r>
-              <a:rPr lang="en-US"/>
-              <a:t>11-DataProtectionPasswordHash</a:t>
+              <a:rPr lang="en-US" dirty="0"/>
+              <a:t>Backed by Azure AD</a:t>
             </a:r>
           </a:p>
           <a:p>
             <a:pPr lvl="1"/>
             <a:r>
-              <a:rPr lang="en-US"/>
-              <a:t>Calculate password hashes with ASP.NET Core Data Protection API</a:t>
-            </a:r>
-            <a:endParaRPr lang="en-US" i="1"/>
-          </a:p>
-          <a:p>
-            <a:endParaRPr lang="en-US"/>
+              <a:rPr lang="en-US" dirty="0"/>
+              <a:t>Goal: No credentials on developer workstations or in source control</a:t>
+            </a:r>
+          </a:p>
+          <a:p>
+            <a:r>
+              <a:rPr lang="en-US" dirty="0"/>
+              <a:t>Two types: System- or user-assigned</a:t>
+            </a:r>
+          </a:p>
+          <a:p>
+            <a:pPr lvl="1"/>
+            <a:r>
+              <a:rPr lang="en-US" dirty="0"/>
+              <a:t>More or less control over service principal creation</a:t>
+            </a:r>
+          </a:p>
+          <a:p>
+            <a:r>
+              <a:rPr lang="en-US" dirty="0"/>
+              <a:t>Supported by more and more Azure PaaS/Serverless services</a:t>
+            </a:r>
+          </a:p>
+          <a:p>
+            <a:pPr lvl="1"/>
+            <a:r>
+              <a:rPr lang="en-US" dirty="0">
+                <a:hlinkClick r:id="rId2"/>
+              </a:rPr>
+              <a:t>Docs</a:t>
+            </a:r>
+            <a:endParaRPr lang="en-US" dirty="0"/>
+          </a:p>
+          <a:p>
+            <a:pPr lvl="1"/>
+            <a:r>
+              <a:rPr lang="en-US" dirty="0"/>
+              <a:t>Here: Focus on </a:t>
+            </a:r>
+            <a:r>
+              <a:rPr lang="en-US" dirty="0">
+                <a:hlinkClick r:id="rId3"/>
+              </a:rPr>
+              <a:t>KeyVault</a:t>
+            </a:r>
+            <a:endParaRPr lang="en-US" dirty="0"/>
           </a:p>
         </p:txBody>
       </p:sp>
@@ -15482,7 +17241,7 @@
           <p:cNvPr id="4" name="Text Placeholder 3">
             <a:extLst>
               <a:ext uri="{FF2B5EF4-FFF2-40B4-BE49-F238E27FC236}">
-                <a16:creationId xmlns:a16="http://schemas.microsoft.com/office/drawing/2014/main" id="{1708EE3C-A981-42FC-9D4B-689B0EECE617}"/>
+                <a16:creationId xmlns:a16="http://schemas.microsoft.com/office/drawing/2014/main" id="{4756455E-82F7-4F41-9AA2-F214DAA65B12}"/>
               </a:ext>
             </a:extLst>
           </p:cNvPr>
@@ -15498,6 +17257,16 @@
           <a:bodyPr/>
           <a:lstStyle/>
           <a:p>
+            <a:r>
+              <a:rPr lang="en-US"/>
+              <a:t>See also </a:t>
+            </a:r>
+            <a:r>
+              <a:rPr lang="en-US">
+                <a:hlinkClick r:id="rId4"/>
+              </a:rPr>
+              <a:t>https://docs.microsoft.com/en-us/azure/active-directory/managed-identities-azure-resources/overview</a:t>
+            </a:r>
             <a:endParaRPr lang="en-US"/>
           </a:p>
         </p:txBody>
@@ -15505,7 +17274,7 @@
     </p:spTree>
     <p:extLst>
       <p:ext uri="{BB962C8B-B14F-4D97-AF65-F5344CB8AC3E}">
-        <p14:creationId xmlns:p14="http://schemas.microsoft.com/office/powerpoint/2010/main" val="3908887177"/>
+        <p14:creationId xmlns:p14="http://schemas.microsoft.com/office/powerpoint/2010/main" val="1073376354"/>
       </p:ext>
     </p:extLst>
   </p:cSld>
@@ -15549,7 +17318,7 @@
           <p:cNvPr id="2" name="Title 1">
             <a:extLst>
               <a:ext uri="{FF2B5EF4-FFF2-40B4-BE49-F238E27FC236}">
-                <a16:creationId xmlns:a16="http://schemas.microsoft.com/office/drawing/2014/main" id="{4838ACCF-AD64-4CE8-B017-73CA040F8804}"/>
+                <a16:creationId xmlns:a16="http://schemas.microsoft.com/office/drawing/2014/main" id="{DE5C6A00-2349-4081-8885-95806CB4E6A1}"/>
               </a:ext>
             </a:extLst>
           </p:cNvPr>
@@ -15566,8 +17335,8 @@
           <a:lstStyle/>
           <a:p>
             <a:r>
-              <a:rPr lang="en-US"/>
-              <a:t>Configuration</a:t>
+              <a:rPr lang="en-US" dirty="0"/>
+              <a:t>KeyVault</a:t>
             </a:r>
           </a:p>
         </p:txBody>
@@ -15577,7 +17346,7 @@
           <p:cNvPr id="3" name="Content Placeholder 2">
             <a:extLst>
               <a:ext uri="{FF2B5EF4-FFF2-40B4-BE49-F238E27FC236}">
-                <a16:creationId xmlns:a16="http://schemas.microsoft.com/office/drawing/2014/main" id="{584E68A9-1DD8-4C10-B0AB-75AE53067472}"/>
+                <a16:creationId xmlns:a16="http://schemas.microsoft.com/office/drawing/2014/main" id="{A40CBCAC-290F-42CF-AF44-72322D6C858A}"/>
               </a:ext>
             </a:extLst>
           </p:cNvPr>
@@ -15594,60 +17363,91 @@
           <a:lstStyle/>
           <a:p>
             <a:r>
-              <a:rPr lang="en-US"/>
-              <a:t>Meaningful defaults for single-server deployments</a:t>
-            </a:r>
-          </a:p>
-          <a:p>
-            <a:r>
-              <a:rPr lang="en-US"/>
-              <a:t>Key persistance</a:t>
+              <a:rPr lang="en-US" dirty="0"/>
+              <a:t>Keep secrets, encryption keys, and certs in Azure</a:t>
             </a:r>
           </a:p>
           <a:p>
             <a:pPr lvl="1"/>
             <a:r>
-              <a:rPr lang="en-US"/>
-              <a:t>Azure Blob Storage</a:t>
+              <a:rPr lang="en-US" dirty="0"/>
+              <a:t>Can be protected by certified HSMs</a:t>
+            </a:r>
+          </a:p>
+          <a:p>
+            <a:r>
+              <a:rPr lang="en-US" dirty="0"/>
+              <a:t>Monitor access and use</a:t>
+            </a:r>
+          </a:p>
+          <a:p>
+            <a:r>
+              <a:rPr lang="en-US" dirty="0"/>
+              <a:t>Integrated in various Azure services</a:t>
             </a:r>
           </a:p>
           <a:p>
             <a:pPr lvl="1"/>
             <a:r>
-              <a:rPr lang="en-US"/>
-              <a:t>Manual settings for file system (e.g. UNC path, </a:t>
-            </a:r>
-            <a:r>
-              <a:rPr lang="en-US" i="1"/>
-              <a:t>Azure Files</a:t>
-            </a:r>
-            <a:r>
-              <a:rPr lang="en-US"/>
+              <a:rPr lang="en-US" dirty="0"/>
+              <a:t>E.g. SSL certs for App Service (</a:t>
+            </a:r>
+            <a:r>
+              <a:rPr lang="en-US" dirty="0">
+                <a:hlinkClick r:id="rId2"/>
+              </a:rPr>
+              <a:t>docs</a:t>
+            </a:r>
+            <a:r>
+              <a:rPr lang="en-US" dirty="0"/>
               <a:t>)</a:t>
             </a:r>
           </a:p>
           <a:p>
-            <a:r>
-              <a:rPr lang="en-US"/>
-              <a:t>Key protection</a:t>
-            </a:r>
-          </a:p>
-          <a:p>
             <a:pPr lvl="1"/>
             <a:r>
-              <a:rPr lang="en-US"/>
-              <a:t>Protect using KeyVault keys</a:t>
+              <a:rPr lang="en-US" dirty="0"/>
+              <a:t>E.g. </a:t>
+            </a:r>
+            <a:r>
+              <a:rPr lang="en-US" i="1" dirty="0"/>
+              <a:t>Always Encrypted</a:t>
+            </a:r>
+            <a:r>
+              <a:rPr lang="en-US" dirty="0"/>
+              <a:t> in SQL (</a:t>
+            </a:r>
+            <a:r>
+              <a:rPr lang="en-US" dirty="0">
+                <a:hlinkClick r:id="rId3"/>
+              </a:rPr>
+              <a:t>docs</a:t>
+            </a:r>
+            <a:r>
+              <a:rPr lang="en-US" dirty="0"/>
+              <a:t>)</a:t>
+            </a:r>
+          </a:p>
+          <a:p>
+            <a:r>
+              <a:rPr lang="en-US" dirty="0"/>
+              <a:t>Access to KeyVault can be protected by </a:t>
+            </a:r>
+            <a:r>
+              <a:rPr lang="en-US" i="1" dirty="0"/>
+              <a:t>Managed Identity</a:t>
             </a:r>
           </a:p>
           <a:p>
             <a:pPr lvl="1"/>
             <a:r>
-              <a:rPr lang="en-US"/>
-              <a:t>Certificate</a:t>
-            </a:r>
-          </a:p>
-          <a:p>
-            <a:endParaRPr lang="en-US"/>
+              <a:rPr lang="en-US" dirty="0"/>
+              <a:t>Sample: </a:t>
+            </a:r>
+            <a:r>
+              <a:rPr lang="en-US" i="1" dirty="0"/>
+              <a:t>09.2-KeyVaultManagedIdentity</a:t>
+            </a:r>
           </a:p>
         </p:txBody>
       </p:sp>
@@ -15656,7 +17456,7 @@
           <p:cNvPr id="4" name="Text Placeholder 3">
             <a:extLst>
               <a:ext uri="{FF2B5EF4-FFF2-40B4-BE49-F238E27FC236}">
-                <a16:creationId xmlns:a16="http://schemas.microsoft.com/office/drawing/2014/main" id="{53CC38FD-3B37-4216-89FF-7FE2FF02E320}"/>
+                <a16:creationId xmlns:a16="http://schemas.microsoft.com/office/drawing/2014/main" id="{4756455E-82F7-4F41-9AA2-F214DAA65B12}"/>
               </a:ext>
             </a:extLst>
           </p:cNvPr>
@@ -15674,13 +17474,13 @@
           <a:p>
             <a:r>
               <a:rPr lang="en-US" dirty="0"/>
-              <a:t>For details see </a:t>
+              <a:t>See also </a:t>
             </a:r>
             <a:r>
               <a:rPr lang="de-AT" dirty="0">
-                <a:hlinkClick r:id="rId2"/>
+                <a:hlinkClick r:id="rId4"/>
               </a:rPr>
-              <a:t>https://docs.microsoft.com/en-us/aspnet/core/security/data-protection/configuration/overview?view=aspnetcore-2.2</a:t>
+              <a:t>https://docs.microsoft.com/en-us/azure/key-vault/key-vault-overview</a:t>
             </a:r>
             <a:endParaRPr lang="en-US" dirty="0"/>
           </a:p>
@@ -15689,7 +17489,7 @@
     </p:spTree>
     <p:extLst>
       <p:ext uri="{BB962C8B-B14F-4D97-AF65-F5344CB8AC3E}">
-        <p14:creationId xmlns:p14="http://schemas.microsoft.com/office/powerpoint/2010/main" val="3120191146"/>
+        <p14:creationId xmlns:p14="http://schemas.microsoft.com/office/powerpoint/2010/main" val="67618888"/>
       </p:ext>
     </p:extLst>
   </p:cSld>
@@ -15730,10 +17530,10 @@
       </p:grpSpPr>
       <p:sp>
         <p:nvSpPr>
-          <p:cNvPr id="5" name="Title 4">
+          <p:cNvPr id="2" name="Title 1">
             <a:extLst>
               <a:ext uri="{FF2B5EF4-FFF2-40B4-BE49-F238E27FC236}">
-                <a16:creationId xmlns:a16="http://schemas.microsoft.com/office/drawing/2014/main" id="{E6CB8BBB-36C6-4D3D-A80F-A442C41A249A}"/>
+                <a16:creationId xmlns:a16="http://schemas.microsoft.com/office/drawing/2014/main" id="{DE5C6A00-2349-4081-8885-95806CB4E6A1}"/>
               </a:ext>
             </a:extLst>
           </p:cNvPr>
@@ -15750,27 +17550,18 @@
           <a:lstStyle/>
           <a:p>
             <a:r>
-              <a:rPr lang="de-AT" sz="4800" dirty="0" err="1"/>
-              <a:t>Exceptions</a:t>
-            </a:r>
-            <a:r>
-              <a:rPr lang="de-AT" sz="4800" dirty="0"/>
-              <a:t> and </a:t>
-            </a:r>
-            <a:r>
-              <a:rPr lang="de-AT" sz="4800" dirty="0" err="1"/>
-              <a:t>Logging</a:t>
-            </a:r>
-            <a:endParaRPr lang="de-AT" sz="4800" dirty="0"/>
-          </a:p>
-        </p:txBody>
-      </p:sp>
-      <p:sp>
-        <p:nvSpPr>
-          <p:cNvPr id="6" name="Text Placeholder 5">
+              <a:rPr lang="en-US" dirty="0"/>
+              <a:t>KeyVault</a:t>
+            </a:r>
+          </a:p>
+        </p:txBody>
+      </p:sp>
+      <p:sp>
+        <p:nvSpPr>
+          <p:cNvPr id="3" name="Content Placeholder 2">
             <a:extLst>
               <a:ext uri="{FF2B5EF4-FFF2-40B4-BE49-F238E27FC236}">
-                <a16:creationId xmlns:a16="http://schemas.microsoft.com/office/drawing/2014/main" id="{C16EAF77-8FDB-40B2-8D34-7D443ACF1E07}"/>
+                <a16:creationId xmlns:a16="http://schemas.microsoft.com/office/drawing/2014/main" id="{A40CBCAC-290F-42CF-AF44-72322D6C858A}"/>
               </a:ext>
             </a:extLst>
           </p:cNvPr>
@@ -15778,7 +17569,7 @@
             <a:spLocks noGrp="1"/>
           </p:cNvSpPr>
           <p:nvPr>
-            <p:ph type="body" sz="quarter" idx="25"/>
+            <p:ph sz="quarter" idx="12"/>
           </p:nvPr>
         </p:nvSpPr>
         <p:spPr/>
@@ -15786,14 +17577,84 @@
           <a:bodyPr/>
           <a:lstStyle/>
           <a:p>
-            <a:endParaRPr lang="de-AT" dirty="0"/>
+            <a:r>
+              <a:rPr lang="en-US" dirty="0"/>
+              <a:t>KeyVault configuration provider</a:t>
+            </a:r>
+          </a:p>
+          <a:p>
+            <a:pPr lvl="1"/>
+            <a:r>
+              <a:rPr lang="en-US" dirty="0"/>
+              <a:t>Merge secrets from KeyVault to configuration settings</a:t>
+            </a:r>
+          </a:p>
+          <a:p>
+            <a:r>
+              <a:rPr lang="en-US" dirty="0"/>
+              <a:t>Sample: </a:t>
+            </a:r>
+            <a:r>
+              <a:rPr lang="en-US" i="1" dirty="0"/>
+              <a:t>09.3-KeyVaultConfigurationProvider</a:t>
+            </a:r>
+          </a:p>
+          <a:p>
+            <a:pPr lvl="1"/>
+            <a:r>
+              <a:rPr lang="en-US" dirty="0"/>
+              <a:t>Adjust KeyVault name in </a:t>
+            </a:r>
+            <a:r>
+              <a:rPr lang="en-US" i="1" dirty="0" err="1"/>
+              <a:t>appsettings.json</a:t>
+            </a:r>
+            <a:r>
+              <a:rPr lang="en-US" dirty="0"/>
+              <a:t> if necessary</a:t>
+            </a:r>
+          </a:p>
+        </p:txBody>
+      </p:sp>
+      <p:sp>
+        <p:nvSpPr>
+          <p:cNvPr id="4" name="Text Placeholder 3">
+            <a:extLst>
+              <a:ext uri="{FF2B5EF4-FFF2-40B4-BE49-F238E27FC236}">
+                <a16:creationId xmlns:a16="http://schemas.microsoft.com/office/drawing/2014/main" id="{4756455E-82F7-4F41-9AA2-F214DAA65B12}"/>
+              </a:ext>
+            </a:extLst>
+          </p:cNvPr>
+          <p:cNvSpPr>
+            <a:spLocks noGrp="1"/>
+          </p:cNvSpPr>
+          <p:nvPr>
+            <p:ph type="body" sz="quarter" idx="23"/>
+          </p:nvPr>
+        </p:nvSpPr>
+        <p:spPr/>
+        <p:txBody>
+          <a:bodyPr/>
+          <a:lstStyle/>
+          <a:p>
+            <a:r>
+              <a:rPr lang="de-AT" dirty="0"/>
+              <a:t>See also </a:t>
+            </a:r>
+            <a:r>
+              <a:rPr lang="de-AT" dirty="0">
+                <a:hlinkClick r:id="rId2"/>
+              </a:rPr>
+              <a:t>https://docs.microsoft.com/en-us/aspnet/core/security/key-vault-configuration?view=aspnetcore-2.2</a:t>
+            </a:r>
+            <a:endParaRPr lang="en-US" dirty="0"/>
           </a:p>
         </p:txBody>
       </p:sp>
     </p:spTree>
     <p:extLst>
       <p:ext uri="{BB962C8B-B14F-4D97-AF65-F5344CB8AC3E}">
-        <p14:creationId xmlns:p14="http://schemas.microsoft.com/office/powerpoint/2010/main" val="194262547"/>
+        <p14:creationId xmlns:p14="http://schemas.microsoft.com/office/powerpoint/2010/main" val="4024738936"/>
       </p:ext>
     </p:extLst>
   </p:cSld>
@@ -15834,10 +17695,10 @@
       </p:grpSpPr>
       <p:sp>
         <p:nvSpPr>
-          <p:cNvPr id="4" name="Title 3">
+          <p:cNvPr id="5" name="Title 4">
             <a:extLst>
               <a:ext uri="{FF2B5EF4-FFF2-40B4-BE49-F238E27FC236}">
-                <a16:creationId xmlns:a16="http://schemas.microsoft.com/office/drawing/2014/main" id="{CC30764E-7D30-405A-B151-8180C0A19DA0}"/>
+                <a16:creationId xmlns:a16="http://schemas.microsoft.com/office/drawing/2014/main" id="{E6CB8BBB-36C6-4D3D-A80F-A442C41A249A}"/>
               </a:ext>
             </a:extLst>
           </p:cNvPr>
@@ -15854,18 +17715,26 @@
           <a:lstStyle/>
           <a:p>
             <a:r>
-              <a:rPr lang="en-US"/>
-              <a:t>Exceptions</a:t>
-            </a:r>
-          </a:p>
-        </p:txBody>
-      </p:sp>
-      <p:sp>
-        <p:nvSpPr>
-          <p:cNvPr id="5" name="Content Placeholder 4">
+              <a:rPr lang="de-AT" sz="4800" dirty="0"/>
+              <a:t>Data </a:t>
+            </a:r>
+            <a:r>
+              <a:rPr lang="de-AT" sz="4800" dirty="0" err="1"/>
+              <a:t>Protection</a:t>
+            </a:r>
+            <a:r>
+              <a:rPr lang="de-AT" sz="4800" dirty="0"/>
+              <a:t> API</a:t>
+            </a:r>
+          </a:p>
+        </p:txBody>
+      </p:sp>
+      <p:sp>
+        <p:nvSpPr>
+          <p:cNvPr id="6" name="Text Placeholder 5">
             <a:extLst>
               <a:ext uri="{FF2B5EF4-FFF2-40B4-BE49-F238E27FC236}">
-                <a16:creationId xmlns:a16="http://schemas.microsoft.com/office/drawing/2014/main" id="{60A4ECF4-5E93-4A6B-97ED-5950F2CD244D}"/>
+                <a16:creationId xmlns:a16="http://schemas.microsoft.com/office/drawing/2014/main" id="{C16EAF77-8FDB-40B2-8D34-7D443ACF1E07}"/>
               </a:ext>
             </a:extLst>
           </p:cNvPr>
@@ -15873,7 +17742,7 @@
             <a:spLocks noGrp="1"/>
           </p:cNvSpPr>
           <p:nvPr>
-            <p:ph sz="quarter" idx="12"/>
+            <p:ph type="body" sz="quarter" idx="25"/>
           </p:nvPr>
         </p:nvSpPr>
         <p:spPr/>
@@ -15882,122 +17751,20 @@
           <a:lstStyle/>
           <a:p>
             <a:r>
-              <a:rPr lang="en-US" dirty="0"/>
-              <a:t>New in C# 6: </a:t>
-            </a:r>
-            <a:r>
-              <a:rPr lang="en-US" i="1" dirty="0"/>
-              <a:t>Exception filtering</a:t>
-            </a:r>
-          </a:p>
-          <a:p>
-            <a:pPr lvl="1"/>
-            <a:r>
-              <a:rPr lang="en-US" dirty="0"/>
-              <a:t>Note: Filter runs before </a:t>
-            </a:r>
-            <a:r>
-              <a:rPr lang="en-US" i="1" dirty="0"/>
-              <a:t>finally</a:t>
-            </a:r>
-          </a:p>
-          <a:p>
-            <a:r>
-              <a:rPr lang="en-US" dirty="0"/>
-              <a:t>Example: </a:t>
-            </a:r>
-            <a:r>
-              <a:rPr lang="en-US" i="1" dirty="0"/>
-              <a:t>12-ExceptionFilters</a:t>
-            </a:r>
-          </a:p>
-          <a:p>
-            <a:pPr lvl="1"/>
-            <a:r>
-              <a:rPr lang="en-US" dirty="0"/>
-              <a:t>Demonstrates order of execution in exceptions with filters</a:t>
-            </a:r>
-          </a:p>
-          <a:p>
-            <a:r>
-              <a:rPr lang="en-US" dirty="0"/>
-              <a:t>Recap: </a:t>
-            </a:r>
-            <a:r>
-              <a:rPr lang="en-US" i="1" dirty="0" err="1"/>
-              <a:t>IDisposable</a:t>
-            </a:r>
-            <a:r>
-              <a:rPr lang="en-US" dirty="0"/>
-              <a:t>, </a:t>
-            </a:r>
-            <a:r>
-              <a:rPr lang="en-US" i="1" dirty="0"/>
-              <a:t>using</a:t>
-            </a:r>
-            <a:r>
-              <a:rPr lang="en-US" dirty="0"/>
-              <a:t> statement</a:t>
-            </a:r>
-          </a:p>
-          <a:p>
-            <a:pPr lvl="1"/>
-            <a:r>
-              <a:rPr lang="en-US" dirty="0"/>
-              <a:t>Necessary?</a:t>
-            </a:r>
-          </a:p>
-          <a:p>
-            <a:pPr lvl="1"/>
-            <a:r>
-              <a:rPr lang="en-US" dirty="0">
-                <a:hlinkClick r:id="rId2"/>
-              </a:rPr>
-              <a:t>Docs</a:t>
-            </a:r>
-            <a:endParaRPr lang="en-US" dirty="0"/>
-          </a:p>
-        </p:txBody>
-      </p:sp>
-      <p:sp>
-        <p:nvSpPr>
-          <p:cNvPr id="6" name="Text Placeholder 5">
-            <a:extLst>
-              <a:ext uri="{FF2B5EF4-FFF2-40B4-BE49-F238E27FC236}">
-                <a16:creationId xmlns:a16="http://schemas.microsoft.com/office/drawing/2014/main" id="{08110289-67C9-4EF7-8ECA-3704B7FE1CDA}"/>
-              </a:ext>
-            </a:extLst>
-          </p:cNvPr>
-          <p:cNvSpPr>
-            <a:spLocks noGrp="1"/>
-          </p:cNvSpPr>
-          <p:nvPr>
-            <p:ph type="body" sz="quarter" idx="23"/>
-          </p:nvPr>
-        </p:nvSpPr>
-        <p:spPr/>
-        <p:txBody>
-          <a:bodyPr/>
-          <a:lstStyle/>
-          <a:p>
-            <a:r>
-              <a:rPr lang="en-US"/>
-              <a:t>See also </a:t>
-            </a:r>
-            <a:r>
-              <a:rPr lang="en-US">
-                <a:hlinkClick r:id="rId3"/>
-              </a:rPr>
-              <a:t>https://docs.microsoft.com/en-us/dotnet/csharp/language-reference/keywords/try-catch</a:t>
-            </a:r>
-            <a:endParaRPr lang="en-US"/>
+              <a:rPr lang="de-AT" dirty="0" err="1"/>
+              <a:t>of</a:t>
+            </a:r>
+            <a:r>
+              <a:rPr lang="de-AT" dirty="0"/>
+              <a:t> ASP.NET Core</a:t>
+            </a:r>
           </a:p>
         </p:txBody>
       </p:sp>
     </p:spTree>
     <p:extLst>
       <p:ext uri="{BB962C8B-B14F-4D97-AF65-F5344CB8AC3E}">
-        <p14:creationId xmlns:p14="http://schemas.microsoft.com/office/powerpoint/2010/main" val="2931813448"/>
+        <p14:creationId xmlns:p14="http://schemas.microsoft.com/office/powerpoint/2010/main" val="774912320"/>
       </p:ext>
     </p:extLst>
   </p:cSld>
@@ -16038,10 +17805,10 @@
       </p:grpSpPr>
       <p:sp>
         <p:nvSpPr>
-          <p:cNvPr id="2" name="Title 1">
+          <p:cNvPr id="4" name="Title 3">
             <a:extLst>
               <a:ext uri="{FF2B5EF4-FFF2-40B4-BE49-F238E27FC236}">
-                <a16:creationId xmlns:a16="http://schemas.microsoft.com/office/drawing/2014/main" id="{60F6B274-4738-4A69-8AC9-AA6B9AA1F3DA}"/>
+                <a16:creationId xmlns:a16="http://schemas.microsoft.com/office/drawing/2014/main" id="{E45A17F4-BBC8-4417-9454-F9651D1F3B58}"/>
               </a:ext>
             </a:extLst>
           </p:cNvPr>
@@ -16058,18 +17825,18 @@
           <a:lstStyle/>
           <a:p>
             <a:r>
-              <a:rPr lang="en-US"/>
-              <a:t>Logging – What?</a:t>
-            </a:r>
-          </a:p>
-        </p:txBody>
-      </p:sp>
-      <p:sp>
-        <p:nvSpPr>
-          <p:cNvPr id="3" name="Content Placeholder 2">
+              <a:rPr lang="en-US" dirty="0"/>
+              <a:t>Overview</a:t>
+            </a:r>
+          </a:p>
+        </p:txBody>
+      </p:sp>
+      <p:sp>
+        <p:nvSpPr>
+          <p:cNvPr id="5" name="Content Placeholder 4">
             <a:extLst>
               <a:ext uri="{FF2B5EF4-FFF2-40B4-BE49-F238E27FC236}">
-                <a16:creationId xmlns:a16="http://schemas.microsoft.com/office/drawing/2014/main" id="{316FA64F-ED5E-4091-82EA-4EEF5681D449}"/>
+                <a16:creationId xmlns:a16="http://schemas.microsoft.com/office/drawing/2014/main" id="{AB8B7F4E-C9EB-44E9-871C-02E427822FFA}"/>
               </a:ext>
             </a:extLst>
           </p:cNvPr>
@@ -16087,63 +17854,138 @@
           <a:p>
             <a:r>
               <a:rPr lang="en-US" dirty="0"/>
-              <a:t>Client requests and server responses</a:t>
+              <a:t>How to round-trip trusted state via an untrusted client?</a:t>
             </a:r>
           </a:p>
           <a:p>
             <a:pPr lvl="1"/>
             <a:r>
               <a:rPr lang="en-US" dirty="0"/>
-              <a:t>Helpful in reconstructing sequences of events</a:t>
-            </a:r>
-          </a:p>
-          <a:p>
-            <a:r>
-              <a:rPr lang="en-US" dirty="0"/>
-              <a:t>Account information</a:t>
+              <a:t>E.g. Tokens</a:t>
+            </a:r>
+          </a:p>
+          <a:p>
+            <a:r>
+              <a:rPr lang="en-US" dirty="0"/>
+              <a:t>ASP.NET Core: </a:t>
+            </a:r>
+            <a:r>
+              <a:rPr lang="en-US" i="1" dirty="0"/>
+              <a:t>Data Protection API</a:t>
             </a:r>
           </a:p>
           <a:p>
             <a:pPr lvl="1"/>
             <a:r>
               <a:rPr lang="en-US" dirty="0"/>
-              <a:t>E.g. successful and failed authentication attempts, account changes, use of privileges</a:t>
-            </a:r>
-          </a:p>
-          <a:p>
-            <a:r>
-              <a:rPr lang="en-US" dirty="0"/>
-              <a:t>Usage information</a:t>
+              <a:t>Symmetric encryption</a:t>
             </a:r>
           </a:p>
           <a:p>
             <a:pPr lvl="1"/>
             <a:r>
               <a:rPr lang="en-US" dirty="0"/>
-              <a:t>E.g. number of transactions occurring in a certain period, size of transactions</a:t>
-            </a:r>
-          </a:p>
-          <a:p>
-            <a:r>
-              <a:rPr lang="en-US" dirty="0"/>
-              <a:t>Significant operational actions</a:t>
+              <a:t>In ASP.NET 4.x: </a:t>
+            </a:r>
+            <a:r>
+              <a:rPr lang="en-US" i="1" dirty="0" err="1"/>
+              <a:t>machineKey</a:t>
+            </a:r>
+            <a:r>
+              <a:rPr lang="en-US" i="1" dirty="0"/>
+              <a:t> </a:t>
+            </a:r>
+            <a:r>
+              <a:rPr lang="en-US" dirty="0"/>
+              <a:t>Element in </a:t>
+            </a:r>
+            <a:r>
+              <a:rPr lang="en-US" i="1" dirty="0" err="1"/>
+              <a:t>web.config</a:t>
+            </a:r>
+            <a:r>
+              <a:rPr lang="en-US" dirty="0"/>
+              <a:t> (</a:t>
+            </a:r>
+            <a:r>
+              <a:rPr lang="en-US" dirty="0">
+                <a:hlinkClick r:id="rId2"/>
+              </a:rPr>
+              <a:t>docs</a:t>
+            </a:r>
+            <a:r>
+              <a:rPr lang="en-US" dirty="0"/>
+              <a:t>)</a:t>
             </a:r>
           </a:p>
           <a:p>
             <a:pPr lvl="1"/>
             <a:r>
               <a:rPr lang="en-US" dirty="0"/>
-              <a:t>E.g. application startup and shutdown, application failures (exceptions), major application configuration changes</a:t>
-            </a:r>
-          </a:p>
-        </p:txBody>
-      </p:sp>
-      <p:sp>
-        <p:nvSpPr>
-          <p:cNvPr id="4" name="Text Placeholder 3">
+              <a:t>Can also be used as a replacement for </a:t>
+            </a:r>
+            <a:r>
+              <a:rPr lang="en-US" i="1" dirty="0" err="1"/>
+              <a:t>machineKey</a:t>
+            </a:r>
+            <a:r>
+              <a:rPr lang="en-US" dirty="0"/>
+              <a:t> (</a:t>
+            </a:r>
+            <a:r>
+              <a:rPr lang="en-US" dirty="0">
+                <a:hlinkClick r:id="rId3"/>
+              </a:rPr>
+              <a:t>docs</a:t>
+            </a:r>
+            <a:r>
+              <a:rPr lang="en-US" dirty="0"/>
+              <a:t>)</a:t>
+            </a:r>
+          </a:p>
+          <a:p>
+            <a:r>
+              <a:rPr lang="en-US" dirty="0"/>
+              <a:t>Functionality</a:t>
+            </a:r>
+          </a:p>
+          <a:p>
+            <a:pPr lvl="1"/>
+            <a:r>
+              <a:rPr lang="en-US" dirty="0"/>
+              <a:t>Protect/unprotect strings (e.g. secrets)</a:t>
+            </a:r>
+          </a:p>
+          <a:p>
+            <a:pPr lvl="1"/>
+            <a:r>
+              <a:rPr lang="en-US" dirty="0"/>
+              <a:t>Hash passwords (consider using </a:t>
+            </a:r>
+            <a:r>
+              <a:rPr lang="en-US" i="1" dirty="0" err="1"/>
+              <a:t>BCrypt</a:t>
+            </a:r>
+            <a:r>
+              <a:rPr lang="en-US" dirty="0"/>
+              <a:t> instead)</a:t>
+            </a:r>
+          </a:p>
+          <a:p>
+            <a:pPr lvl="1"/>
+            <a:r>
+              <a:rPr lang="en-US" dirty="0"/>
+              <a:t>Algorithms and key management can be configured to specific needs</a:t>
+            </a:r>
+          </a:p>
+        </p:txBody>
+      </p:sp>
+      <p:sp>
+        <p:nvSpPr>
+          <p:cNvPr id="6" name="Text Placeholder 5">
             <a:extLst>
               <a:ext uri="{FF2B5EF4-FFF2-40B4-BE49-F238E27FC236}">
-                <a16:creationId xmlns:a16="http://schemas.microsoft.com/office/drawing/2014/main" id="{C94B54A6-3A3E-4808-95B1-41CCB0992B95}"/>
+                <a16:creationId xmlns:a16="http://schemas.microsoft.com/office/drawing/2014/main" id="{E38A10DE-3489-492F-8FD6-552FCAE61FF1}"/>
               </a:ext>
             </a:extLst>
           </p:cNvPr>
@@ -16165,9 +18007,9 @@
             </a:r>
             <a:r>
               <a:rPr lang="de-AT" dirty="0">
-                <a:hlinkClick r:id="rId2"/>
+                <a:hlinkClick r:id="rId4"/>
               </a:rPr>
-              <a:t>https://nvlpubs.nist.gov/nistpubs/Legacy/SP/nistspecialpublication800-92.pdf</a:t>
+              <a:t>https://docs.microsoft.com/en-us/aspnet/core/security/data-protection/introduction?view=aspnetcore-2.2</a:t>
             </a:r>
             <a:endParaRPr lang="en-US" dirty="0"/>
           </a:p>
@@ -16176,7 +18018,7 @@
     </p:spTree>
     <p:extLst>
       <p:ext uri="{BB962C8B-B14F-4D97-AF65-F5344CB8AC3E}">
-        <p14:creationId xmlns:p14="http://schemas.microsoft.com/office/powerpoint/2010/main" val="3782848410"/>
+        <p14:creationId xmlns:p14="http://schemas.microsoft.com/office/powerpoint/2010/main" val="253990076"/>
       </p:ext>
     </p:extLst>
   </p:cSld>
@@ -16389,6 +18231,825 @@
 </file>
 
 <file path=ppt/slides/slide30.xml><?xml version="1.0" encoding="utf-8"?>
+<p:sld xmlns:a="http://schemas.openxmlformats.org/drawingml/2006/main" xmlns:r="http://schemas.openxmlformats.org/officeDocument/2006/relationships" xmlns:p="http://schemas.openxmlformats.org/presentationml/2006/main">
+  <p:cSld>
+    <p:spTree>
+      <p:nvGrpSpPr>
+        <p:cNvPr id="1" name=""/>
+        <p:cNvGrpSpPr/>
+        <p:nvPr/>
+      </p:nvGrpSpPr>
+      <p:grpSpPr>
+        <a:xfrm>
+          <a:off x="0" y="0"/>
+          <a:ext cx="0" cy="0"/>
+          <a:chOff x="0" y="0"/>
+          <a:chExt cx="0" cy="0"/>
+        </a:xfrm>
+      </p:grpSpPr>
+      <p:sp>
+        <p:nvSpPr>
+          <p:cNvPr id="2" name="Title 1">
+            <a:extLst>
+              <a:ext uri="{FF2B5EF4-FFF2-40B4-BE49-F238E27FC236}">
+                <a16:creationId xmlns:a16="http://schemas.microsoft.com/office/drawing/2014/main" id="{DC43BE43-AA5F-4AB3-804D-D138339C1537}"/>
+              </a:ext>
+            </a:extLst>
+          </p:cNvPr>
+          <p:cNvSpPr>
+            <a:spLocks noGrp="1"/>
+          </p:cNvSpPr>
+          <p:nvPr>
+            <p:ph type="title"/>
+          </p:nvPr>
+        </p:nvSpPr>
+        <p:spPr/>
+        <p:txBody>
+          <a:bodyPr/>
+          <a:lstStyle/>
+          <a:p>
+            <a:r>
+              <a:rPr lang="en-US"/>
+              <a:t>Examples</a:t>
+            </a:r>
+          </a:p>
+        </p:txBody>
+      </p:sp>
+      <p:sp>
+        <p:nvSpPr>
+          <p:cNvPr id="3" name="Content Placeholder 2">
+            <a:extLst>
+              <a:ext uri="{FF2B5EF4-FFF2-40B4-BE49-F238E27FC236}">
+                <a16:creationId xmlns:a16="http://schemas.microsoft.com/office/drawing/2014/main" id="{3BA7ADBB-1149-4BD6-B023-D5CB1B702CFB}"/>
+              </a:ext>
+            </a:extLst>
+          </p:cNvPr>
+          <p:cNvSpPr>
+            <a:spLocks noGrp="1"/>
+          </p:cNvSpPr>
+          <p:nvPr>
+            <p:ph sz="quarter" idx="12"/>
+          </p:nvPr>
+        </p:nvSpPr>
+        <p:spPr/>
+        <p:txBody>
+          <a:bodyPr/>
+          <a:lstStyle/>
+          <a:p>
+            <a:r>
+              <a:rPr lang="en-US"/>
+              <a:t>10-NetCoreDataProtection</a:t>
+            </a:r>
+          </a:p>
+          <a:p>
+            <a:pPr lvl="1"/>
+            <a:r>
+              <a:rPr lang="en-US"/>
+              <a:t>Use ASP.NET Core Data Protection API to protect/unprotect strings</a:t>
+            </a:r>
+            <a:endParaRPr lang="en-US" i="1"/>
+          </a:p>
+          <a:p>
+            <a:r>
+              <a:rPr lang="en-US"/>
+              <a:t>11-DataProtectionPasswordHash</a:t>
+            </a:r>
+          </a:p>
+          <a:p>
+            <a:pPr lvl="1"/>
+            <a:r>
+              <a:rPr lang="en-US"/>
+              <a:t>Calculate password hashes with ASP.NET Core Data Protection API</a:t>
+            </a:r>
+            <a:endParaRPr lang="en-US" i="1"/>
+          </a:p>
+          <a:p>
+            <a:endParaRPr lang="en-US"/>
+          </a:p>
+        </p:txBody>
+      </p:sp>
+      <p:sp>
+        <p:nvSpPr>
+          <p:cNvPr id="4" name="Text Placeholder 3">
+            <a:extLst>
+              <a:ext uri="{FF2B5EF4-FFF2-40B4-BE49-F238E27FC236}">
+                <a16:creationId xmlns:a16="http://schemas.microsoft.com/office/drawing/2014/main" id="{1708EE3C-A981-42FC-9D4B-689B0EECE617}"/>
+              </a:ext>
+            </a:extLst>
+          </p:cNvPr>
+          <p:cNvSpPr>
+            <a:spLocks noGrp="1"/>
+          </p:cNvSpPr>
+          <p:nvPr>
+            <p:ph type="body" sz="quarter" idx="23"/>
+          </p:nvPr>
+        </p:nvSpPr>
+        <p:spPr/>
+        <p:txBody>
+          <a:bodyPr/>
+          <a:lstStyle/>
+          <a:p>
+            <a:endParaRPr lang="en-US"/>
+          </a:p>
+        </p:txBody>
+      </p:sp>
+    </p:spTree>
+    <p:extLst>
+      <p:ext uri="{BB962C8B-B14F-4D97-AF65-F5344CB8AC3E}">
+        <p14:creationId xmlns:p14="http://schemas.microsoft.com/office/powerpoint/2010/main" val="3908887177"/>
+      </p:ext>
+    </p:extLst>
+  </p:cSld>
+  <p:clrMapOvr>
+    <a:masterClrMapping/>
+  </p:clrMapOvr>
+  <mc:AlternateContent xmlns:mc="http://schemas.openxmlformats.org/markup-compatibility/2006" xmlns:p14="http://schemas.microsoft.com/office/powerpoint/2010/main">
+    <mc:Choice Requires="p14">
+      <p:transition spd="med" p14:dur="700">
+        <p:fade/>
+      </p:transition>
+    </mc:Choice>
+    <mc:Fallback xmlns="">
+      <p:transition spd="med">
+        <p:fade/>
+      </p:transition>
+    </mc:Fallback>
+  </mc:AlternateContent>
+</p:sld>
+</file>
+
+<file path=ppt/slides/slide31.xml><?xml version="1.0" encoding="utf-8"?>
+<p:sld xmlns:a="http://schemas.openxmlformats.org/drawingml/2006/main" xmlns:r="http://schemas.openxmlformats.org/officeDocument/2006/relationships" xmlns:p="http://schemas.openxmlformats.org/presentationml/2006/main">
+  <p:cSld>
+    <p:spTree>
+      <p:nvGrpSpPr>
+        <p:cNvPr id="1" name=""/>
+        <p:cNvGrpSpPr/>
+        <p:nvPr/>
+      </p:nvGrpSpPr>
+      <p:grpSpPr>
+        <a:xfrm>
+          <a:off x="0" y="0"/>
+          <a:ext cx="0" cy="0"/>
+          <a:chOff x="0" y="0"/>
+          <a:chExt cx="0" cy="0"/>
+        </a:xfrm>
+      </p:grpSpPr>
+      <p:sp>
+        <p:nvSpPr>
+          <p:cNvPr id="2" name="Title 1">
+            <a:extLst>
+              <a:ext uri="{FF2B5EF4-FFF2-40B4-BE49-F238E27FC236}">
+                <a16:creationId xmlns:a16="http://schemas.microsoft.com/office/drawing/2014/main" id="{4838ACCF-AD64-4CE8-B017-73CA040F8804}"/>
+              </a:ext>
+            </a:extLst>
+          </p:cNvPr>
+          <p:cNvSpPr>
+            <a:spLocks noGrp="1"/>
+          </p:cNvSpPr>
+          <p:nvPr>
+            <p:ph type="title"/>
+          </p:nvPr>
+        </p:nvSpPr>
+        <p:spPr/>
+        <p:txBody>
+          <a:bodyPr/>
+          <a:lstStyle/>
+          <a:p>
+            <a:r>
+              <a:rPr lang="en-US"/>
+              <a:t>Configuration</a:t>
+            </a:r>
+          </a:p>
+        </p:txBody>
+      </p:sp>
+      <p:sp>
+        <p:nvSpPr>
+          <p:cNvPr id="3" name="Content Placeholder 2">
+            <a:extLst>
+              <a:ext uri="{FF2B5EF4-FFF2-40B4-BE49-F238E27FC236}">
+                <a16:creationId xmlns:a16="http://schemas.microsoft.com/office/drawing/2014/main" id="{584E68A9-1DD8-4C10-B0AB-75AE53067472}"/>
+              </a:ext>
+            </a:extLst>
+          </p:cNvPr>
+          <p:cNvSpPr>
+            <a:spLocks noGrp="1"/>
+          </p:cNvSpPr>
+          <p:nvPr>
+            <p:ph sz="quarter" idx="12"/>
+          </p:nvPr>
+        </p:nvSpPr>
+        <p:spPr/>
+        <p:txBody>
+          <a:bodyPr/>
+          <a:lstStyle/>
+          <a:p>
+            <a:r>
+              <a:rPr lang="en-US"/>
+              <a:t>Meaningful defaults for single-server deployments</a:t>
+            </a:r>
+          </a:p>
+          <a:p>
+            <a:r>
+              <a:rPr lang="en-US"/>
+              <a:t>Key persistance</a:t>
+            </a:r>
+          </a:p>
+          <a:p>
+            <a:pPr lvl="1"/>
+            <a:r>
+              <a:rPr lang="en-US"/>
+              <a:t>Azure Blob Storage</a:t>
+            </a:r>
+          </a:p>
+          <a:p>
+            <a:pPr lvl="1"/>
+            <a:r>
+              <a:rPr lang="en-US"/>
+              <a:t>Manual settings for file system (e.g. UNC path, </a:t>
+            </a:r>
+            <a:r>
+              <a:rPr lang="en-US" i="1"/>
+              <a:t>Azure Files</a:t>
+            </a:r>
+            <a:r>
+              <a:rPr lang="en-US"/>
+              <a:t>)</a:t>
+            </a:r>
+          </a:p>
+          <a:p>
+            <a:r>
+              <a:rPr lang="en-US"/>
+              <a:t>Key protection</a:t>
+            </a:r>
+          </a:p>
+          <a:p>
+            <a:pPr lvl="1"/>
+            <a:r>
+              <a:rPr lang="en-US"/>
+              <a:t>Protect using KeyVault keys</a:t>
+            </a:r>
+          </a:p>
+          <a:p>
+            <a:pPr lvl="1"/>
+            <a:r>
+              <a:rPr lang="en-US"/>
+              <a:t>Certificate</a:t>
+            </a:r>
+          </a:p>
+          <a:p>
+            <a:endParaRPr lang="en-US"/>
+          </a:p>
+        </p:txBody>
+      </p:sp>
+      <p:sp>
+        <p:nvSpPr>
+          <p:cNvPr id="4" name="Text Placeholder 3">
+            <a:extLst>
+              <a:ext uri="{FF2B5EF4-FFF2-40B4-BE49-F238E27FC236}">
+                <a16:creationId xmlns:a16="http://schemas.microsoft.com/office/drawing/2014/main" id="{53CC38FD-3B37-4216-89FF-7FE2FF02E320}"/>
+              </a:ext>
+            </a:extLst>
+          </p:cNvPr>
+          <p:cNvSpPr>
+            <a:spLocks noGrp="1"/>
+          </p:cNvSpPr>
+          <p:nvPr>
+            <p:ph type="body" sz="quarter" idx="23"/>
+          </p:nvPr>
+        </p:nvSpPr>
+        <p:spPr/>
+        <p:txBody>
+          <a:bodyPr/>
+          <a:lstStyle/>
+          <a:p>
+            <a:r>
+              <a:rPr lang="en-US" dirty="0"/>
+              <a:t>For details see </a:t>
+            </a:r>
+            <a:r>
+              <a:rPr lang="de-AT" dirty="0">
+                <a:hlinkClick r:id="rId2"/>
+              </a:rPr>
+              <a:t>https://docs.microsoft.com/en-us/aspnet/core/security/data-protection/configuration/overview?view=aspnetcore-2.2</a:t>
+            </a:r>
+            <a:endParaRPr lang="en-US" dirty="0"/>
+          </a:p>
+        </p:txBody>
+      </p:sp>
+    </p:spTree>
+    <p:extLst>
+      <p:ext uri="{BB962C8B-B14F-4D97-AF65-F5344CB8AC3E}">
+        <p14:creationId xmlns:p14="http://schemas.microsoft.com/office/powerpoint/2010/main" val="3120191146"/>
+      </p:ext>
+    </p:extLst>
+  </p:cSld>
+  <p:clrMapOvr>
+    <a:masterClrMapping/>
+  </p:clrMapOvr>
+  <mc:AlternateContent xmlns:mc="http://schemas.openxmlformats.org/markup-compatibility/2006" xmlns:p14="http://schemas.microsoft.com/office/powerpoint/2010/main">
+    <mc:Choice Requires="p14">
+      <p:transition spd="med" p14:dur="700">
+        <p:fade/>
+      </p:transition>
+    </mc:Choice>
+    <mc:Fallback xmlns="">
+      <p:transition spd="med">
+        <p:fade/>
+      </p:transition>
+    </mc:Fallback>
+  </mc:AlternateContent>
+</p:sld>
+</file>
+
+<file path=ppt/slides/slide32.xml><?xml version="1.0" encoding="utf-8"?>
+<p:sld xmlns:a="http://schemas.openxmlformats.org/drawingml/2006/main" xmlns:r="http://schemas.openxmlformats.org/officeDocument/2006/relationships" xmlns:p="http://schemas.openxmlformats.org/presentationml/2006/main">
+  <p:cSld>
+    <p:spTree>
+      <p:nvGrpSpPr>
+        <p:cNvPr id="1" name=""/>
+        <p:cNvGrpSpPr/>
+        <p:nvPr/>
+      </p:nvGrpSpPr>
+      <p:grpSpPr>
+        <a:xfrm>
+          <a:off x="0" y="0"/>
+          <a:ext cx="0" cy="0"/>
+          <a:chOff x="0" y="0"/>
+          <a:chExt cx="0" cy="0"/>
+        </a:xfrm>
+      </p:grpSpPr>
+      <p:sp>
+        <p:nvSpPr>
+          <p:cNvPr id="5" name="Title 4">
+            <a:extLst>
+              <a:ext uri="{FF2B5EF4-FFF2-40B4-BE49-F238E27FC236}">
+                <a16:creationId xmlns:a16="http://schemas.microsoft.com/office/drawing/2014/main" id="{E6CB8BBB-36C6-4D3D-A80F-A442C41A249A}"/>
+              </a:ext>
+            </a:extLst>
+          </p:cNvPr>
+          <p:cNvSpPr>
+            <a:spLocks noGrp="1"/>
+          </p:cNvSpPr>
+          <p:nvPr>
+            <p:ph type="title"/>
+          </p:nvPr>
+        </p:nvSpPr>
+        <p:spPr/>
+        <p:txBody>
+          <a:bodyPr/>
+          <a:lstStyle/>
+          <a:p>
+            <a:r>
+              <a:rPr lang="de-AT" sz="4800" dirty="0" err="1"/>
+              <a:t>Exceptions</a:t>
+            </a:r>
+            <a:r>
+              <a:rPr lang="de-AT" sz="4800" dirty="0"/>
+              <a:t> and </a:t>
+            </a:r>
+            <a:r>
+              <a:rPr lang="de-AT" sz="4800" dirty="0" err="1"/>
+              <a:t>Logging</a:t>
+            </a:r>
+            <a:endParaRPr lang="de-AT" sz="4800" dirty="0"/>
+          </a:p>
+        </p:txBody>
+      </p:sp>
+      <p:sp>
+        <p:nvSpPr>
+          <p:cNvPr id="6" name="Text Placeholder 5">
+            <a:extLst>
+              <a:ext uri="{FF2B5EF4-FFF2-40B4-BE49-F238E27FC236}">
+                <a16:creationId xmlns:a16="http://schemas.microsoft.com/office/drawing/2014/main" id="{C16EAF77-8FDB-40B2-8D34-7D443ACF1E07}"/>
+              </a:ext>
+            </a:extLst>
+          </p:cNvPr>
+          <p:cNvSpPr>
+            <a:spLocks noGrp="1"/>
+          </p:cNvSpPr>
+          <p:nvPr>
+            <p:ph type="body" sz="quarter" idx="25"/>
+          </p:nvPr>
+        </p:nvSpPr>
+        <p:spPr/>
+        <p:txBody>
+          <a:bodyPr/>
+          <a:lstStyle/>
+          <a:p>
+            <a:endParaRPr lang="de-AT" dirty="0"/>
+          </a:p>
+        </p:txBody>
+      </p:sp>
+    </p:spTree>
+    <p:extLst>
+      <p:ext uri="{BB962C8B-B14F-4D97-AF65-F5344CB8AC3E}">
+        <p14:creationId xmlns:p14="http://schemas.microsoft.com/office/powerpoint/2010/main" val="723269301"/>
+      </p:ext>
+    </p:extLst>
+  </p:cSld>
+  <p:clrMapOvr>
+    <a:masterClrMapping/>
+  </p:clrMapOvr>
+  <mc:AlternateContent xmlns:mc="http://schemas.openxmlformats.org/markup-compatibility/2006">
+    <mc:Choice xmlns:p14="http://schemas.microsoft.com/office/powerpoint/2010/main" Requires="p14">
+      <p:transition spd="med" p14:dur="700">
+        <p:fade/>
+      </p:transition>
+    </mc:Choice>
+    <mc:Fallback>
+      <p:transition spd="med">
+        <p:fade/>
+      </p:transition>
+    </mc:Fallback>
+  </mc:AlternateContent>
+</p:sld>
+</file>
+
+<file path=ppt/slides/slide33.xml><?xml version="1.0" encoding="utf-8"?>
+<p:sld xmlns:a="http://schemas.openxmlformats.org/drawingml/2006/main" xmlns:r="http://schemas.openxmlformats.org/officeDocument/2006/relationships" xmlns:p="http://schemas.openxmlformats.org/presentationml/2006/main">
+  <p:cSld>
+    <p:spTree>
+      <p:nvGrpSpPr>
+        <p:cNvPr id="1" name=""/>
+        <p:cNvGrpSpPr/>
+        <p:nvPr/>
+      </p:nvGrpSpPr>
+      <p:grpSpPr>
+        <a:xfrm>
+          <a:off x="0" y="0"/>
+          <a:ext cx="0" cy="0"/>
+          <a:chOff x="0" y="0"/>
+          <a:chExt cx="0" cy="0"/>
+        </a:xfrm>
+      </p:grpSpPr>
+      <p:sp>
+        <p:nvSpPr>
+          <p:cNvPr id="4" name="Title 3">
+            <a:extLst>
+              <a:ext uri="{FF2B5EF4-FFF2-40B4-BE49-F238E27FC236}">
+                <a16:creationId xmlns:a16="http://schemas.microsoft.com/office/drawing/2014/main" id="{CC30764E-7D30-405A-B151-8180C0A19DA0}"/>
+              </a:ext>
+            </a:extLst>
+          </p:cNvPr>
+          <p:cNvSpPr>
+            <a:spLocks noGrp="1"/>
+          </p:cNvSpPr>
+          <p:nvPr>
+            <p:ph type="title"/>
+          </p:nvPr>
+        </p:nvSpPr>
+        <p:spPr/>
+        <p:txBody>
+          <a:bodyPr/>
+          <a:lstStyle/>
+          <a:p>
+            <a:r>
+              <a:rPr lang="en-US"/>
+              <a:t>Exceptions</a:t>
+            </a:r>
+          </a:p>
+        </p:txBody>
+      </p:sp>
+      <p:sp>
+        <p:nvSpPr>
+          <p:cNvPr id="5" name="Content Placeholder 4">
+            <a:extLst>
+              <a:ext uri="{FF2B5EF4-FFF2-40B4-BE49-F238E27FC236}">
+                <a16:creationId xmlns:a16="http://schemas.microsoft.com/office/drawing/2014/main" id="{60A4ECF4-5E93-4A6B-97ED-5950F2CD244D}"/>
+              </a:ext>
+            </a:extLst>
+          </p:cNvPr>
+          <p:cNvSpPr>
+            <a:spLocks noGrp="1"/>
+          </p:cNvSpPr>
+          <p:nvPr>
+            <p:ph sz="quarter" idx="12"/>
+          </p:nvPr>
+        </p:nvSpPr>
+        <p:spPr/>
+        <p:txBody>
+          <a:bodyPr/>
+          <a:lstStyle/>
+          <a:p>
+            <a:r>
+              <a:rPr lang="en-US" dirty="0"/>
+              <a:t>New in C# 6: </a:t>
+            </a:r>
+            <a:r>
+              <a:rPr lang="en-US" i="1" dirty="0"/>
+              <a:t>Exception filtering</a:t>
+            </a:r>
+          </a:p>
+          <a:p>
+            <a:pPr lvl="1"/>
+            <a:r>
+              <a:rPr lang="en-US" dirty="0"/>
+              <a:t>Note: Filter runs before </a:t>
+            </a:r>
+            <a:r>
+              <a:rPr lang="en-US" i="1" dirty="0"/>
+              <a:t>finally</a:t>
+            </a:r>
+          </a:p>
+          <a:p>
+            <a:r>
+              <a:rPr lang="en-US" dirty="0"/>
+              <a:t>Example: </a:t>
+            </a:r>
+            <a:r>
+              <a:rPr lang="en-US" i="1" dirty="0"/>
+              <a:t>12-ExceptionFilters</a:t>
+            </a:r>
+          </a:p>
+          <a:p>
+            <a:pPr lvl="1"/>
+            <a:r>
+              <a:rPr lang="en-US" dirty="0"/>
+              <a:t>Demonstrates order of execution in exceptions with filters</a:t>
+            </a:r>
+          </a:p>
+          <a:p>
+            <a:r>
+              <a:rPr lang="en-US" dirty="0"/>
+              <a:t>Recap: </a:t>
+            </a:r>
+            <a:r>
+              <a:rPr lang="en-US" i="1" dirty="0" err="1"/>
+              <a:t>IDisposable</a:t>
+            </a:r>
+            <a:r>
+              <a:rPr lang="en-US" dirty="0"/>
+              <a:t>, </a:t>
+            </a:r>
+            <a:r>
+              <a:rPr lang="en-US" i="1" dirty="0"/>
+              <a:t>using</a:t>
+            </a:r>
+            <a:r>
+              <a:rPr lang="en-US" dirty="0"/>
+              <a:t> statement</a:t>
+            </a:r>
+          </a:p>
+          <a:p>
+            <a:pPr lvl="1"/>
+            <a:r>
+              <a:rPr lang="en-US" dirty="0"/>
+              <a:t>Necessary?</a:t>
+            </a:r>
+          </a:p>
+          <a:p>
+            <a:pPr lvl="1"/>
+            <a:r>
+              <a:rPr lang="en-US" dirty="0">
+                <a:hlinkClick r:id="rId2"/>
+              </a:rPr>
+              <a:t>Docs</a:t>
+            </a:r>
+            <a:endParaRPr lang="en-US" dirty="0"/>
+          </a:p>
+        </p:txBody>
+      </p:sp>
+      <p:sp>
+        <p:nvSpPr>
+          <p:cNvPr id="6" name="Text Placeholder 5">
+            <a:extLst>
+              <a:ext uri="{FF2B5EF4-FFF2-40B4-BE49-F238E27FC236}">
+                <a16:creationId xmlns:a16="http://schemas.microsoft.com/office/drawing/2014/main" id="{08110289-67C9-4EF7-8ECA-3704B7FE1CDA}"/>
+              </a:ext>
+            </a:extLst>
+          </p:cNvPr>
+          <p:cNvSpPr>
+            <a:spLocks noGrp="1"/>
+          </p:cNvSpPr>
+          <p:nvPr>
+            <p:ph type="body" sz="quarter" idx="23"/>
+          </p:nvPr>
+        </p:nvSpPr>
+        <p:spPr/>
+        <p:txBody>
+          <a:bodyPr/>
+          <a:lstStyle/>
+          <a:p>
+            <a:r>
+              <a:rPr lang="en-US"/>
+              <a:t>See also </a:t>
+            </a:r>
+            <a:r>
+              <a:rPr lang="en-US">
+                <a:hlinkClick r:id="rId3"/>
+              </a:rPr>
+              <a:t>https://docs.microsoft.com/en-us/dotnet/csharp/language-reference/keywords/try-catch</a:t>
+            </a:r>
+            <a:endParaRPr lang="en-US"/>
+          </a:p>
+        </p:txBody>
+      </p:sp>
+    </p:spTree>
+    <p:extLst>
+      <p:ext uri="{BB962C8B-B14F-4D97-AF65-F5344CB8AC3E}">
+        <p14:creationId xmlns:p14="http://schemas.microsoft.com/office/powerpoint/2010/main" val="2931813448"/>
+      </p:ext>
+    </p:extLst>
+  </p:cSld>
+  <p:clrMapOvr>
+    <a:masterClrMapping/>
+  </p:clrMapOvr>
+  <mc:AlternateContent xmlns:mc="http://schemas.openxmlformats.org/markup-compatibility/2006" xmlns:p14="http://schemas.microsoft.com/office/powerpoint/2010/main">
+    <mc:Choice Requires="p14">
+      <p:transition spd="med" p14:dur="700">
+        <p:fade/>
+      </p:transition>
+    </mc:Choice>
+    <mc:Fallback xmlns="">
+      <p:transition spd="med">
+        <p:fade/>
+      </p:transition>
+    </mc:Fallback>
+  </mc:AlternateContent>
+</p:sld>
+</file>
+
+<file path=ppt/slides/slide34.xml><?xml version="1.0" encoding="utf-8"?>
+<p:sld xmlns:a="http://schemas.openxmlformats.org/drawingml/2006/main" xmlns:r="http://schemas.openxmlformats.org/officeDocument/2006/relationships" xmlns:p="http://schemas.openxmlformats.org/presentationml/2006/main">
+  <p:cSld>
+    <p:spTree>
+      <p:nvGrpSpPr>
+        <p:cNvPr id="1" name=""/>
+        <p:cNvGrpSpPr/>
+        <p:nvPr/>
+      </p:nvGrpSpPr>
+      <p:grpSpPr>
+        <a:xfrm>
+          <a:off x="0" y="0"/>
+          <a:ext cx="0" cy="0"/>
+          <a:chOff x="0" y="0"/>
+          <a:chExt cx="0" cy="0"/>
+        </a:xfrm>
+      </p:grpSpPr>
+      <p:sp>
+        <p:nvSpPr>
+          <p:cNvPr id="2" name="Title 1">
+            <a:extLst>
+              <a:ext uri="{FF2B5EF4-FFF2-40B4-BE49-F238E27FC236}">
+                <a16:creationId xmlns:a16="http://schemas.microsoft.com/office/drawing/2014/main" id="{60F6B274-4738-4A69-8AC9-AA6B9AA1F3DA}"/>
+              </a:ext>
+            </a:extLst>
+          </p:cNvPr>
+          <p:cNvSpPr>
+            <a:spLocks noGrp="1"/>
+          </p:cNvSpPr>
+          <p:nvPr>
+            <p:ph type="title"/>
+          </p:nvPr>
+        </p:nvSpPr>
+        <p:spPr/>
+        <p:txBody>
+          <a:bodyPr/>
+          <a:lstStyle/>
+          <a:p>
+            <a:r>
+              <a:rPr lang="en-US"/>
+              <a:t>Logging – What?</a:t>
+            </a:r>
+          </a:p>
+        </p:txBody>
+      </p:sp>
+      <p:sp>
+        <p:nvSpPr>
+          <p:cNvPr id="3" name="Content Placeholder 2">
+            <a:extLst>
+              <a:ext uri="{FF2B5EF4-FFF2-40B4-BE49-F238E27FC236}">
+                <a16:creationId xmlns:a16="http://schemas.microsoft.com/office/drawing/2014/main" id="{316FA64F-ED5E-4091-82EA-4EEF5681D449}"/>
+              </a:ext>
+            </a:extLst>
+          </p:cNvPr>
+          <p:cNvSpPr>
+            <a:spLocks noGrp="1"/>
+          </p:cNvSpPr>
+          <p:nvPr>
+            <p:ph sz="quarter" idx="12"/>
+          </p:nvPr>
+        </p:nvSpPr>
+        <p:spPr/>
+        <p:txBody>
+          <a:bodyPr/>
+          <a:lstStyle/>
+          <a:p>
+            <a:r>
+              <a:rPr lang="en-US" dirty="0"/>
+              <a:t>Client requests and server responses</a:t>
+            </a:r>
+          </a:p>
+          <a:p>
+            <a:pPr lvl="1"/>
+            <a:r>
+              <a:rPr lang="en-US" dirty="0"/>
+              <a:t>Helpful in reconstructing sequences of events</a:t>
+            </a:r>
+          </a:p>
+          <a:p>
+            <a:r>
+              <a:rPr lang="en-US" dirty="0"/>
+              <a:t>Account information</a:t>
+            </a:r>
+          </a:p>
+          <a:p>
+            <a:pPr lvl="1"/>
+            <a:r>
+              <a:rPr lang="en-US" dirty="0"/>
+              <a:t>E.g. successful and failed authentication attempts, account changes, use of privileges</a:t>
+            </a:r>
+          </a:p>
+          <a:p>
+            <a:r>
+              <a:rPr lang="en-US" dirty="0"/>
+              <a:t>Usage information</a:t>
+            </a:r>
+          </a:p>
+          <a:p>
+            <a:pPr lvl="1"/>
+            <a:r>
+              <a:rPr lang="en-US" dirty="0"/>
+              <a:t>E.g. number of transactions occurring in a certain period, size of transactions</a:t>
+            </a:r>
+          </a:p>
+          <a:p>
+            <a:r>
+              <a:rPr lang="en-US" dirty="0"/>
+              <a:t>Significant operational actions</a:t>
+            </a:r>
+          </a:p>
+          <a:p>
+            <a:pPr lvl="1"/>
+            <a:r>
+              <a:rPr lang="en-US" dirty="0"/>
+              <a:t>E.g. application startup and shutdown, application failures (exceptions), major application configuration changes</a:t>
+            </a:r>
+          </a:p>
+        </p:txBody>
+      </p:sp>
+      <p:sp>
+        <p:nvSpPr>
+          <p:cNvPr id="4" name="Text Placeholder 3">
+            <a:extLst>
+              <a:ext uri="{FF2B5EF4-FFF2-40B4-BE49-F238E27FC236}">
+                <a16:creationId xmlns:a16="http://schemas.microsoft.com/office/drawing/2014/main" id="{C94B54A6-3A3E-4808-95B1-41CCB0992B95}"/>
+              </a:ext>
+            </a:extLst>
+          </p:cNvPr>
+          <p:cNvSpPr>
+            <a:spLocks noGrp="1"/>
+          </p:cNvSpPr>
+          <p:nvPr>
+            <p:ph type="body" sz="quarter" idx="23"/>
+          </p:nvPr>
+        </p:nvSpPr>
+        <p:spPr/>
+        <p:txBody>
+          <a:bodyPr/>
+          <a:lstStyle/>
+          <a:p>
+            <a:r>
+              <a:rPr lang="en-US" dirty="0"/>
+              <a:t>See also </a:t>
+            </a:r>
+            <a:r>
+              <a:rPr lang="de-AT" dirty="0">
+                <a:hlinkClick r:id="rId2"/>
+              </a:rPr>
+              <a:t>https://nvlpubs.nist.gov/nistpubs/Legacy/SP/nistspecialpublication800-92.pdf</a:t>
+            </a:r>
+            <a:endParaRPr lang="en-US" dirty="0"/>
+          </a:p>
+        </p:txBody>
+      </p:sp>
+    </p:spTree>
+    <p:extLst>
+      <p:ext uri="{BB962C8B-B14F-4D97-AF65-F5344CB8AC3E}">
+        <p14:creationId xmlns:p14="http://schemas.microsoft.com/office/powerpoint/2010/main" val="3782848410"/>
+      </p:ext>
+    </p:extLst>
+  </p:cSld>
+  <p:clrMapOvr>
+    <a:masterClrMapping/>
+  </p:clrMapOvr>
+  <mc:AlternateContent xmlns:mc="http://schemas.openxmlformats.org/markup-compatibility/2006" xmlns:p14="http://schemas.microsoft.com/office/powerpoint/2010/main">
+    <mc:Choice Requires="p14">
+      <p:transition spd="med" p14:dur="700">
+        <p:fade/>
+      </p:transition>
+    </mc:Choice>
+    <mc:Fallback xmlns="">
+      <p:transition spd="med">
+        <p:fade/>
+      </p:transition>
+    </mc:Fallback>
+  </mc:AlternateContent>
+</p:sld>
+</file>
+
+<file path=ppt/slides/slide35.xml><?xml version="1.0" encoding="utf-8"?>
 <p:sld xmlns:a="http://schemas.openxmlformats.org/drawingml/2006/main" xmlns:r="http://schemas.openxmlformats.org/officeDocument/2006/relationships" xmlns:p="http://schemas.openxmlformats.org/presentationml/2006/main">
   <p:cSld>
     <p:spTree>
@@ -16631,869 +19292,6 @@
 </p:sld>
 </file>
 
-<file path=ppt/slides/slide31.xml><?xml version="1.0" encoding="utf-8"?>
-<p:sld xmlns:a="http://schemas.openxmlformats.org/drawingml/2006/main" xmlns:r="http://schemas.openxmlformats.org/officeDocument/2006/relationships" xmlns:p="http://schemas.openxmlformats.org/presentationml/2006/main">
-  <p:cSld>
-    <p:spTree>
-      <p:nvGrpSpPr>
-        <p:cNvPr id="1" name=""/>
-        <p:cNvGrpSpPr/>
-        <p:nvPr/>
-      </p:nvGrpSpPr>
-      <p:grpSpPr>
-        <a:xfrm>
-          <a:off x="0" y="0"/>
-          <a:ext cx="0" cy="0"/>
-          <a:chOff x="0" y="0"/>
-          <a:chExt cx="0" cy="0"/>
-        </a:xfrm>
-      </p:grpSpPr>
-      <p:sp>
-        <p:nvSpPr>
-          <p:cNvPr id="2" name="Title 1">
-            <a:extLst>
-              <a:ext uri="{FF2B5EF4-FFF2-40B4-BE49-F238E27FC236}">
-                <a16:creationId xmlns:a16="http://schemas.microsoft.com/office/drawing/2014/main" id="{DC43BE43-AA5F-4AB3-804D-D138339C1537}"/>
-              </a:ext>
-            </a:extLst>
-          </p:cNvPr>
-          <p:cNvSpPr>
-            <a:spLocks noGrp="1"/>
-          </p:cNvSpPr>
-          <p:nvPr>
-            <p:ph type="title"/>
-          </p:nvPr>
-        </p:nvSpPr>
-        <p:spPr/>
-        <p:txBody>
-          <a:bodyPr/>
-          <a:lstStyle/>
-          <a:p>
-            <a:r>
-              <a:rPr lang="en-US" dirty="0"/>
-              <a:t>Example</a:t>
-            </a:r>
-          </a:p>
-        </p:txBody>
-      </p:sp>
-      <p:sp>
-        <p:nvSpPr>
-          <p:cNvPr id="3" name="Content Placeholder 2">
-            <a:extLst>
-              <a:ext uri="{FF2B5EF4-FFF2-40B4-BE49-F238E27FC236}">
-                <a16:creationId xmlns:a16="http://schemas.microsoft.com/office/drawing/2014/main" id="{3BA7ADBB-1149-4BD6-B023-D5CB1B702CFB}"/>
-              </a:ext>
-            </a:extLst>
-          </p:cNvPr>
-          <p:cNvSpPr>
-            <a:spLocks noGrp="1"/>
-          </p:cNvSpPr>
-          <p:nvPr>
-            <p:ph sz="quarter" idx="12"/>
-          </p:nvPr>
-        </p:nvSpPr>
-        <p:spPr/>
-        <p:txBody>
-          <a:bodyPr/>
-          <a:lstStyle/>
-          <a:p>
-            <a:r>
-              <a:rPr lang="en-US" dirty="0"/>
-              <a:t>13-LoggingSerilog</a:t>
-            </a:r>
-          </a:p>
-          <a:p>
-            <a:pPr lvl="1"/>
-            <a:r>
-              <a:rPr lang="en-US" dirty="0"/>
-              <a:t>Add logging with </a:t>
-            </a:r>
-            <a:r>
-              <a:rPr lang="en-US" i="1" dirty="0" err="1"/>
-              <a:t>Serilog</a:t>
-            </a:r>
-            <a:r>
-              <a:rPr lang="en-US" dirty="0"/>
-              <a:t> to ASP.NET Core app</a:t>
-            </a:r>
-          </a:p>
-          <a:p>
-            <a:pPr lvl="1"/>
-            <a:r>
-              <a:rPr lang="en-US" dirty="0"/>
-              <a:t>Includes log viewing with </a:t>
-            </a:r>
-            <a:r>
-              <a:rPr lang="en-US" i="1" dirty="0">
-                <a:hlinkClick r:id="rId2"/>
-              </a:rPr>
-              <a:t>Seq</a:t>
-            </a:r>
-            <a:endParaRPr lang="en-US" i="1" dirty="0"/>
-          </a:p>
-          <a:p>
-            <a:endParaRPr lang="en-US" dirty="0"/>
-          </a:p>
-        </p:txBody>
-      </p:sp>
-      <p:sp>
-        <p:nvSpPr>
-          <p:cNvPr id="4" name="Text Placeholder 3">
-            <a:extLst>
-              <a:ext uri="{FF2B5EF4-FFF2-40B4-BE49-F238E27FC236}">
-                <a16:creationId xmlns:a16="http://schemas.microsoft.com/office/drawing/2014/main" id="{1708EE3C-A981-42FC-9D4B-689B0EECE617}"/>
-              </a:ext>
-            </a:extLst>
-          </p:cNvPr>
-          <p:cNvSpPr>
-            <a:spLocks noGrp="1"/>
-          </p:cNvSpPr>
-          <p:nvPr>
-            <p:ph type="body" sz="quarter" idx="23"/>
-          </p:nvPr>
-        </p:nvSpPr>
-        <p:spPr/>
-        <p:txBody>
-          <a:bodyPr/>
-          <a:lstStyle/>
-          <a:p>
-            <a:endParaRPr lang="en-US"/>
-          </a:p>
-        </p:txBody>
-      </p:sp>
-    </p:spTree>
-    <p:extLst>
-      <p:ext uri="{BB962C8B-B14F-4D97-AF65-F5344CB8AC3E}">
-        <p14:creationId xmlns:p14="http://schemas.microsoft.com/office/powerpoint/2010/main" val="330773997"/>
-      </p:ext>
-    </p:extLst>
-  </p:cSld>
-  <p:clrMapOvr>
-    <a:masterClrMapping/>
-  </p:clrMapOvr>
-  <mc:AlternateContent xmlns:mc="http://schemas.openxmlformats.org/markup-compatibility/2006" xmlns:p14="http://schemas.microsoft.com/office/powerpoint/2010/main">
-    <mc:Choice Requires="p14">
-      <p:transition spd="med" p14:dur="700">
-        <p:fade/>
-      </p:transition>
-    </mc:Choice>
-    <mc:Fallback xmlns="">
-      <p:transition spd="med">
-        <p:fade/>
-      </p:transition>
-    </mc:Fallback>
-  </mc:AlternateContent>
-</p:sld>
-</file>
-
-<file path=ppt/slides/slide32.xml><?xml version="1.0" encoding="utf-8"?>
-<p:sld xmlns:a="http://schemas.openxmlformats.org/drawingml/2006/main" xmlns:r="http://schemas.openxmlformats.org/officeDocument/2006/relationships" xmlns:p="http://schemas.openxmlformats.org/presentationml/2006/main">
-  <p:cSld>
-    <p:spTree>
-      <p:nvGrpSpPr>
-        <p:cNvPr id="1" name=""/>
-        <p:cNvGrpSpPr/>
-        <p:nvPr/>
-      </p:nvGrpSpPr>
-      <p:grpSpPr>
-        <a:xfrm>
-          <a:off x="0" y="0"/>
-          <a:ext cx="0" cy="0"/>
-          <a:chOff x="0" y="0"/>
-          <a:chExt cx="0" cy="0"/>
-        </a:xfrm>
-      </p:grpSpPr>
-      <p:sp>
-        <p:nvSpPr>
-          <p:cNvPr id="5" name="Title 4">
-            <a:extLst>
-              <a:ext uri="{FF2B5EF4-FFF2-40B4-BE49-F238E27FC236}">
-                <a16:creationId xmlns:a16="http://schemas.microsoft.com/office/drawing/2014/main" id="{E6CB8BBB-36C6-4D3D-A80F-A442C41A249A}"/>
-              </a:ext>
-            </a:extLst>
-          </p:cNvPr>
-          <p:cNvSpPr>
-            <a:spLocks noGrp="1"/>
-          </p:cNvSpPr>
-          <p:nvPr>
-            <p:ph type="title"/>
-          </p:nvPr>
-        </p:nvSpPr>
-        <p:spPr/>
-        <p:txBody>
-          <a:bodyPr/>
-          <a:lstStyle/>
-          <a:p>
-            <a:r>
-              <a:rPr lang="de-AT" sz="4800" dirty="0"/>
-              <a:t>Database Security</a:t>
-            </a:r>
-          </a:p>
-        </p:txBody>
-      </p:sp>
-      <p:sp>
-        <p:nvSpPr>
-          <p:cNvPr id="6" name="Text Placeholder 5">
-            <a:extLst>
-              <a:ext uri="{FF2B5EF4-FFF2-40B4-BE49-F238E27FC236}">
-                <a16:creationId xmlns:a16="http://schemas.microsoft.com/office/drawing/2014/main" id="{C16EAF77-8FDB-40B2-8D34-7D443ACF1E07}"/>
-              </a:ext>
-            </a:extLst>
-          </p:cNvPr>
-          <p:cNvSpPr>
-            <a:spLocks noGrp="1"/>
-          </p:cNvSpPr>
-          <p:nvPr>
-            <p:ph type="body" sz="quarter" idx="25"/>
-          </p:nvPr>
-        </p:nvSpPr>
-        <p:spPr/>
-        <p:txBody>
-          <a:bodyPr/>
-          <a:lstStyle/>
-          <a:p>
-            <a:r>
-              <a:rPr lang="de-AT" dirty="0" err="1">
-                <a:solidFill>
-                  <a:srgbClr val="FF0000"/>
-                </a:solidFill>
-              </a:rPr>
-              <a:t>Beware</a:t>
-            </a:r>
-            <a:r>
-              <a:rPr lang="de-AT" dirty="0">
-                <a:solidFill>
-                  <a:srgbClr val="FF0000"/>
-                </a:solidFill>
-              </a:rPr>
-              <a:t> </a:t>
-            </a:r>
-            <a:r>
-              <a:rPr lang="de-AT" dirty="0" err="1">
-                <a:solidFill>
-                  <a:srgbClr val="FF0000"/>
-                </a:solidFill>
-              </a:rPr>
-              <a:t>of</a:t>
-            </a:r>
-            <a:r>
-              <a:rPr lang="de-AT" dirty="0">
-                <a:solidFill>
-                  <a:srgbClr val="FF0000"/>
-                </a:solidFill>
-              </a:rPr>
-              <a:t> SQL </a:t>
-            </a:r>
-            <a:r>
-              <a:rPr lang="de-AT" dirty="0" err="1">
-                <a:solidFill>
-                  <a:srgbClr val="FF0000"/>
-                </a:solidFill>
-              </a:rPr>
-              <a:t>Injections</a:t>
-            </a:r>
-            <a:endParaRPr lang="de-AT" dirty="0">
-              <a:solidFill>
-                <a:srgbClr val="FF0000"/>
-              </a:solidFill>
-            </a:endParaRPr>
-          </a:p>
-        </p:txBody>
-      </p:sp>
-    </p:spTree>
-    <p:extLst>
-      <p:ext uri="{BB962C8B-B14F-4D97-AF65-F5344CB8AC3E}">
-        <p14:creationId xmlns:p14="http://schemas.microsoft.com/office/powerpoint/2010/main" val="2417253432"/>
-      </p:ext>
-    </p:extLst>
-  </p:cSld>
-  <p:clrMapOvr>
-    <a:masterClrMapping/>
-  </p:clrMapOvr>
-  <mc:AlternateContent xmlns:mc="http://schemas.openxmlformats.org/markup-compatibility/2006" xmlns:p14="http://schemas.microsoft.com/office/powerpoint/2010/main">
-    <mc:Choice Requires="p14">
-      <p:transition spd="med" p14:dur="700">
-        <p:fade/>
-      </p:transition>
-    </mc:Choice>
-    <mc:Fallback xmlns="">
-      <p:transition spd="med">
-        <p:fade/>
-      </p:transition>
-    </mc:Fallback>
-  </mc:AlternateContent>
-</p:sld>
-</file>
-
-<file path=ppt/slides/slide33.xml><?xml version="1.0" encoding="utf-8"?>
-<p:sld xmlns:a="http://schemas.openxmlformats.org/drawingml/2006/main" xmlns:r="http://schemas.openxmlformats.org/officeDocument/2006/relationships" xmlns:p="http://schemas.openxmlformats.org/presentationml/2006/main">
-  <p:cSld>
-    <p:spTree>
-      <p:nvGrpSpPr>
-        <p:cNvPr id="1" name=""/>
-        <p:cNvGrpSpPr/>
-        <p:nvPr/>
-      </p:nvGrpSpPr>
-      <p:grpSpPr>
-        <a:xfrm>
-          <a:off x="0" y="0"/>
-          <a:ext cx="0" cy="0"/>
-          <a:chOff x="0" y="0"/>
-          <a:chExt cx="0" cy="0"/>
-        </a:xfrm>
-      </p:grpSpPr>
-      <p:sp>
-        <p:nvSpPr>
-          <p:cNvPr id="4" name="Title 3">
-            <a:extLst>
-              <a:ext uri="{FF2B5EF4-FFF2-40B4-BE49-F238E27FC236}">
-                <a16:creationId xmlns:a16="http://schemas.microsoft.com/office/drawing/2014/main" id="{EF56800B-51DD-48AC-A016-2AA4D9D06BDC}"/>
-              </a:ext>
-            </a:extLst>
-          </p:cNvPr>
-          <p:cNvSpPr>
-            <a:spLocks noGrp="1"/>
-          </p:cNvSpPr>
-          <p:nvPr>
-            <p:ph type="title"/>
-          </p:nvPr>
-        </p:nvSpPr>
-        <p:spPr/>
-        <p:txBody>
-          <a:bodyPr/>
-          <a:lstStyle/>
-          <a:p>
-            <a:r>
-              <a:rPr lang="en-US"/>
-              <a:t>Guidelines</a:t>
-            </a:r>
-          </a:p>
-        </p:txBody>
-      </p:sp>
-      <p:sp>
-        <p:nvSpPr>
-          <p:cNvPr id="5" name="Content Placeholder 4">
-            <a:extLst>
-              <a:ext uri="{FF2B5EF4-FFF2-40B4-BE49-F238E27FC236}">
-                <a16:creationId xmlns:a16="http://schemas.microsoft.com/office/drawing/2014/main" id="{8CB97ECF-548D-4CD9-868A-B4ADD0990CE0}"/>
-              </a:ext>
-            </a:extLst>
-          </p:cNvPr>
-          <p:cNvSpPr>
-            <a:spLocks noGrp="1"/>
-          </p:cNvSpPr>
-          <p:nvPr>
-            <p:ph sz="quarter" idx="12"/>
-          </p:nvPr>
-        </p:nvSpPr>
-        <p:spPr/>
-        <p:txBody>
-          <a:bodyPr/>
-          <a:lstStyle/>
-          <a:p>
-            <a:r>
-              <a:rPr lang="en-US" i="1" dirty="0"/>
-              <a:t>Do</a:t>
-            </a:r>
-            <a:r>
-              <a:rPr lang="en-US" dirty="0"/>
-              <a:t> use parameterized SQL commands</a:t>
-            </a:r>
-          </a:p>
-          <a:p>
-            <a:pPr lvl="1"/>
-            <a:r>
-              <a:rPr lang="en-US" dirty="0"/>
-              <a:t>Sample: </a:t>
-            </a:r>
-            <a:r>
-              <a:rPr lang="en-US" i="1" dirty="0"/>
-              <a:t>09.2-KeyVaultManagedIdentity</a:t>
-            </a:r>
-          </a:p>
-          <a:p>
-            <a:r>
-              <a:rPr lang="en-US" i="1" dirty="0"/>
-              <a:t>Avoid</a:t>
-            </a:r>
-            <a:r>
-              <a:rPr lang="en-US" dirty="0"/>
-              <a:t> concatenating SQL strings with user inputs</a:t>
-            </a:r>
-          </a:p>
-          <a:p>
-            <a:r>
-              <a:rPr lang="en-US" i="1" dirty="0"/>
-              <a:t>Do</a:t>
-            </a:r>
-            <a:r>
-              <a:rPr lang="en-US" dirty="0"/>
-              <a:t> check user input</a:t>
-            </a:r>
-          </a:p>
-          <a:p>
-            <a:pPr lvl="1"/>
-            <a:r>
-              <a:rPr lang="en-US" dirty="0"/>
-              <a:t>E.g. regular expressions</a:t>
-            </a:r>
-          </a:p>
-          <a:p>
-            <a:r>
-              <a:rPr lang="en-US" i="1" dirty="0"/>
-              <a:t>Do</a:t>
-            </a:r>
-            <a:r>
-              <a:rPr lang="en-US" dirty="0"/>
-              <a:t> apply the </a:t>
-            </a:r>
-            <a:r>
-              <a:rPr lang="en-US" i="1" dirty="0">
-                <a:hlinkClick r:id="rId2"/>
-              </a:rPr>
-              <a:t>principle of least privilege</a:t>
-            </a:r>
-            <a:r>
-              <a:rPr lang="en-US" dirty="0"/>
-              <a:t> (</a:t>
-            </a:r>
-            <a:r>
-              <a:rPr lang="en-US" i="1" dirty="0" err="1"/>
-              <a:t>PoLP</a:t>
-            </a:r>
-            <a:r>
-              <a:rPr lang="en-US" dirty="0"/>
-              <a:t>)</a:t>
-            </a:r>
-          </a:p>
-          <a:p>
-            <a:r>
-              <a:rPr lang="en-US" i="1" dirty="0"/>
-              <a:t>Consider </a:t>
-            </a:r>
-            <a:r>
-              <a:rPr lang="en-US" dirty="0"/>
-              <a:t>using an OR-Mapper like </a:t>
-            </a:r>
-            <a:r>
-              <a:rPr lang="en-US" i="1" dirty="0"/>
-              <a:t>Entity Framework</a:t>
-            </a:r>
-          </a:p>
-          <a:p>
-            <a:pPr lvl="1"/>
-            <a:r>
-              <a:rPr lang="en-US" dirty="0"/>
-              <a:t>Sample: </a:t>
-            </a:r>
-            <a:r>
-              <a:rPr lang="en-US" i="1" dirty="0"/>
-              <a:t>14-EntityFramework</a:t>
-            </a:r>
-          </a:p>
-        </p:txBody>
-      </p:sp>
-      <p:sp>
-        <p:nvSpPr>
-          <p:cNvPr id="6" name="Text Placeholder 5">
-            <a:extLst>
-              <a:ext uri="{FF2B5EF4-FFF2-40B4-BE49-F238E27FC236}">
-                <a16:creationId xmlns:a16="http://schemas.microsoft.com/office/drawing/2014/main" id="{BDBA1D12-E1DF-4135-8585-A9C2F902D608}"/>
-              </a:ext>
-            </a:extLst>
-          </p:cNvPr>
-          <p:cNvSpPr>
-            <a:spLocks noGrp="1"/>
-          </p:cNvSpPr>
-          <p:nvPr>
-            <p:ph type="body" sz="quarter" idx="23"/>
-          </p:nvPr>
-        </p:nvSpPr>
-        <p:spPr/>
-        <p:txBody>
-          <a:bodyPr/>
-          <a:lstStyle/>
-          <a:p>
-            <a:endParaRPr lang="en-US"/>
-          </a:p>
-        </p:txBody>
-      </p:sp>
-    </p:spTree>
-    <p:extLst>
-      <p:ext uri="{BB962C8B-B14F-4D97-AF65-F5344CB8AC3E}">
-        <p14:creationId xmlns:p14="http://schemas.microsoft.com/office/powerpoint/2010/main" val="2668544537"/>
-      </p:ext>
-    </p:extLst>
-  </p:cSld>
-  <p:clrMapOvr>
-    <a:masterClrMapping/>
-  </p:clrMapOvr>
-  <mc:AlternateContent xmlns:mc="http://schemas.openxmlformats.org/markup-compatibility/2006" xmlns:p14="http://schemas.microsoft.com/office/powerpoint/2010/main">
-    <mc:Choice Requires="p14">
-      <p:transition spd="med" p14:dur="700">
-        <p:fade/>
-      </p:transition>
-    </mc:Choice>
-    <mc:Fallback xmlns="">
-      <p:transition spd="med">
-        <p:fade/>
-      </p:transition>
-    </mc:Fallback>
-  </mc:AlternateContent>
-</p:sld>
-</file>
-
-<file path=ppt/slides/slide34.xml><?xml version="1.0" encoding="utf-8"?>
-<p:sld xmlns:a="http://schemas.openxmlformats.org/drawingml/2006/main" xmlns:r="http://schemas.openxmlformats.org/officeDocument/2006/relationships" xmlns:p="http://schemas.openxmlformats.org/presentationml/2006/main">
-  <p:cSld>
-    <p:spTree>
-      <p:nvGrpSpPr>
-        <p:cNvPr id="1" name=""/>
-        <p:cNvGrpSpPr/>
-        <p:nvPr/>
-      </p:nvGrpSpPr>
-      <p:grpSpPr>
-        <a:xfrm>
-          <a:off x="0" y="0"/>
-          <a:ext cx="0" cy="0"/>
-          <a:chOff x="0" y="0"/>
-          <a:chExt cx="0" cy="0"/>
-        </a:xfrm>
-      </p:grpSpPr>
-      <p:sp>
-        <p:nvSpPr>
-          <p:cNvPr id="2" name="Title 1">
-            <a:extLst>
-              <a:ext uri="{FF2B5EF4-FFF2-40B4-BE49-F238E27FC236}">
-                <a16:creationId xmlns:a16="http://schemas.microsoft.com/office/drawing/2014/main" id="{16D341AC-0941-46BE-9AA6-3E3DEDD88F8D}"/>
-              </a:ext>
-            </a:extLst>
-          </p:cNvPr>
-          <p:cNvSpPr>
-            <a:spLocks noGrp="1"/>
-          </p:cNvSpPr>
-          <p:nvPr>
-            <p:ph type="title"/>
-          </p:nvPr>
-        </p:nvSpPr>
-        <p:spPr/>
-        <p:txBody>
-          <a:bodyPr/>
-          <a:lstStyle/>
-          <a:p>
-            <a:r>
-              <a:rPr lang="en-US"/>
-              <a:t>Database Encryption</a:t>
-            </a:r>
-          </a:p>
-        </p:txBody>
-      </p:sp>
-      <p:sp>
-        <p:nvSpPr>
-          <p:cNvPr id="3" name="Content Placeholder 2">
-            <a:extLst>
-              <a:ext uri="{FF2B5EF4-FFF2-40B4-BE49-F238E27FC236}">
-                <a16:creationId xmlns:a16="http://schemas.microsoft.com/office/drawing/2014/main" id="{60515366-00CC-4822-B3EE-6E10D1062B95}"/>
-              </a:ext>
-            </a:extLst>
-          </p:cNvPr>
-          <p:cNvSpPr>
-            <a:spLocks noGrp="1"/>
-          </p:cNvSpPr>
-          <p:nvPr>
-            <p:ph sz="quarter" idx="12"/>
-          </p:nvPr>
-        </p:nvSpPr>
-        <p:spPr/>
-        <p:txBody>
-          <a:bodyPr/>
-          <a:lstStyle/>
-          <a:p>
-            <a:r>
-              <a:rPr lang="en-US"/>
-              <a:t>Always Encrypted (</a:t>
-            </a:r>
-            <a:r>
-              <a:rPr lang="en-US">
-                <a:hlinkClick r:id="rId2"/>
-              </a:rPr>
-              <a:t>docs</a:t>
-            </a:r>
-            <a:r>
-              <a:rPr lang="en-US"/>
-              <a:t>)</a:t>
-            </a:r>
-          </a:p>
-          <a:p>
-            <a:pPr lvl="1"/>
-            <a:r>
-              <a:rPr lang="en-US"/>
-              <a:t>Client encrypts sensitive data inside client applications</a:t>
-            </a:r>
-          </a:p>
-          <a:p>
-            <a:pPr lvl="1"/>
-            <a:r>
-              <a:rPr lang="en-US"/>
-              <a:t>Never reveals the encryption keys to the DB</a:t>
-            </a:r>
-          </a:p>
-          <a:p>
-            <a:r>
-              <a:rPr lang="en-US"/>
-              <a:t>Transparent Data Encryption (</a:t>
-            </a:r>
-            <a:r>
-              <a:rPr lang="en-US">
-                <a:hlinkClick r:id="rId3"/>
-              </a:rPr>
-              <a:t>docs</a:t>
-            </a:r>
-            <a:r>
-              <a:rPr lang="en-US"/>
-              <a:t>)</a:t>
-            </a:r>
-          </a:p>
-          <a:p>
-            <a:pPr lvl="1"/>
-            <a:r>
-              <a:rPr lang="en-US"/>
-              <a:t>Real-time I/O encryption and decryption of the data and log files</a:t>
-            </a:r>
-          </a:p>
-          <a:p>
-            <a:pPr lvl="1"/>
-            <a:r>
-              <a:rPr lang="en-US"/>
-              <a:t>Make stolen physical storage media useless</a:t>
-            </a:r>
-          </a:p>
-          <a:p>
-            <a:r>
-              <a:rPr lang="en-US"/>
-              <a:t>Encrypted DB Connections (</a:t>
-            </a:r>
-            <a:r>
-              <a:rPr lang="en-US">
-                <a:hlinkClick r:id="rId4"/>
-              </a:rPr>
-              <a:t>docs</a:t>
-            </a:r>
-            <a:r>
-              <a:rPr lang="en-US"/>
-              <a:t>)</a:t>
-            </a:r>
-          </a:p>
-          <a:p>
-            <a:pPr lvl="1"/>
-            <a:r>
-              <a:rPr lang="en-US"/>
-              <a:t>Use certificate to encrypt DB connections</a:t>
-            </a:r>
-          </a:p>
-          <a:p>
-            <a:pPr lvl="1"/>
-            <a:r>
-              <a:rPr lang="en-US"/>
-              <a:t>Automatically done in </a:t>
-            </a:r>
-            <a:r>
-              <a:rPr lang="en-US" i="1"/>
-              <a:t>Azure SQL Database</a:t>
-            </a:r>
-          </a:p>
-        </p:txBody>
-      </p:sp>
-      <p:sp>
-        <p:nvSpPr>
-          <p:cNvPr id="4" name="Text Placeholder 3">
-            <a:extLst>
-              <a:ext uri="{FF2B5EF4-FFF2-40B4-BE49-F238E27FC236}">
-                <a16:creationId xmlns:a16="http://schemas.microsoft.com/office/drawing/2014/main" id="{7E99AB00-234F-4B13-9FA0-B922B3AE5706}"/>
-              </a:ext>
-            </a:extLst>
-          </p:cNvPr>
-          <p:cNvSpPr>
-            <a:spLocks noGrp="1"/>
-          </p:cNvSpPr>
-          <p:nvPr>
-            <p:ph type="body" sz="quarter" idx="23"/>
-          </p:nvPr>
-        </p:nvSpPr>
-        <p:spPr/>
-        <p:txBody>
-          <a:bodyPr/>
-          <a:lstStyle/>
-          <a:p>
-            <a:endParaRPr lang="en-US"/>
-          </a:p>
-        </p:txBody>
-      </p:sp>
-    </p:spTree>
-    <p:extLst>
-      <p:ext uri="{BB962C8B-B14F-4D97-AF65-F5344CB8AC3E}">
-        <p14:creationId xmlns:p14="http://schemas.microsoft.com/office/powerpoint/2010/main" val="3088701966"/>
-      </p:ext>
-    </p:extLst>
-  </p:cSld>
-  <p:clrMapOvr>
-    <a:masterClrMapping/>
-  </p:clrMapOvr>
-  <mc:AlternateContent xmlns:mc="http://schemas.openxmlformats.org/markup-compatibility/2006" xmlns:p14="http://schemas.microsoft.com/office/powerpoint/2010/main">
-    <mc:Choice Requires="p14">
-      <p:transition spd="med" p14:dur="700">
-        <p:fade/>
-      </p:transition>
-    </mc:Choice>
-    <mc:Fallback xmlns="">
-      <p:transition spd="med">
-        <p:fade/>
-      </p:transition>
-    </mc:Fallback>
-  </mc:AlternateContent>
-</p:sld>
-</file>
-
-<file path=ppt/slides/slide35.xml><?xml version="1.0" encoding="utf-8"?>
-<p:sld xmlns:a="http://schemas.openxmlformats.org/drawingml/2006/main" xmlns:r="http://schemas.openxmlformats.org/officeDocument/2006/relationships" xmlns:p="http://schemas.openxmlformats.org/presentationml/2006/main">
-  <p:cSld>
-    <p:spTree>
-      <p:nvGrpSpPr>
-        <p:cNvPr id="1" name=""/>
-        <p:cNvGrpSpPr/>
-        <p:nvPr/>
-      </p:nvGrpSpPr>
-      <p:grpSpPr>
-        <a:xfrm>
-          <a:off x="0" y="0"/>
-          <a:ext cx="0" cy="0"/>
-          <a:chOff x="0" y="0"/>
-          <a:chExt cx="0" cy="0"/>
-        </a:xfrm>
-      </p:grpSpPr>
-      <p:sp>
-        <p:nvSpPr>
-          <p:cNvPr id="2" name="Title 1">
-            <a:extLst>
-              <a:ext uri="{FF2B5EF4-FFF2-40B4-BE49-F238E27FC236}">
-                <a16:creationId xmlns:a16="http://schemas.microsoft.com/office/drawing/2014/main" id="{16D341AC-0941-46BE-9AA6-3E3DEDD88F8D}"/>
-              </a:ext>
-            </a:extLst>
-          </p:cNvPr>
-          <p:cNvSpPr>
-            <a:spLocks noGrp="1"/>
-          </p:cNvSpPr>
-          <p:nvPr>
-            <p:ph type="title"/>
-          </p:nvPr>
-        </p:nvSpPr>
-        <p:spPr/>
-        <p:txBody>
-          <a:bodyPr/>
-          <a:lstStyle/>
-          <a:p>
-            <a:r>
-              <a:rPr lang="en-US"/>
-              <a:t>Data Protection</a:t>
-            </a:r>
-          </a:p>
-        </p:txBody>
-      </p:sp>
-      <p:sp>
-        <p:nvSpPr>
-          <p:cNvPr id="3" name="Content Placeholder 2">
-            <a:extLst>
-              <a:ext uri="{FF2B5EF4-FFF2-40B4-BE49-F238E27FC236}">
-                <a16:creationId xmlns:a16="http://schemas.microsoft.com/office/drawing/2014/main" id="{60515366-00CC-4822-B3EE-6E10D1062B95}"/>
-              </a:ext>
-            </a:extLst>
-          </p:cNvPr>
-          <p:cNvSpPr>
-            <a:spLocks noGrp="1"/>
-          </p:cNvSpPr>
-          <p:nvPr>
-            <p:ph sz="quarter" idx="12"/>
-          </p:nvPr>
-        </p:nvSpPr>
-        <p:spPr/>
-        <p:txBody>
-          <a:bodyPr/>
-          <a:lstStyle/>
-          <a:p>
-            <a:r>
-              <a:rPr lang="en-US"/>
-              <a:t>Dynamic Data Masking (</a:t>
-            </a:r>
-            <a:r>
-              <a:rPr lang="en-US">
-                <a:hlinkClick r:id="rId2"/>
-              </a:rPr>
-              <a:t>docs</a:t>
-            </a:r>
-            <a:r>
-              <a:rPr lang="en-US"/>
-              <a:t>)</a:t>
-            </a:r>
-          </a:p>
-          <a:p>
-            <a:pPr lvl="1"/>
-            <a:r>
-              <a:rPr lang="en-US"/>
-              <a:t>Limits sensitive data exposure by masking it to non-privileged users</a:t>
-            </a:r>
-          </a:p>
-        </p:txBody>
-      </p:sp>
-      <p:sp>
-        <p:nvSpPr>
-          <p:cNvPr id="4" name="Text Placeholder 3">
-            <a:extLst>
-              <a:ext uri="{FF2B5EF4-FFF2-40B4-BE49-F238E27FC236}">
-                <a16:creationId xmlns:a16="http://schemas.microsoft.com/office/drawing/2014/main" id="{7E99AB00-234F-4B13-9FA0-B922B3AE5706}"/>
-              </a:ext>
-            </a:extLst>
-          </p:cNvPr>
-          <p:cNvSpPr>
-            <a:spLocks noGrp="1"/>
-          </p:cNvSpPr>
-          <p:nvPr>
-            <p:ph type="body" sz="quarter" idx="23"/>
-          </p:nvPr>
-        </p:nvSpPr>
-        <p:spPr/>
-        <p:txBody>
-          <a:bodyPr/>
-          <a:lstStyle/>
-          <a:p>
-            <a:endParaRPr lang="en-US"/>
-          </a:p>
-        </p:txBody>
-      </p:sp>
-    </p:spTree>
-    <p:extLst>
-      <p:ext uri="{BB962C8B-B14F-4D97-AF65-F5344CB8AC3E}">
-        <p14:creationId xmlns:p14="http://schemas.microsoft.com/office/powerpoint/2010/main" val="4259697926"/>
-      </p:ext>
-    </p:extLst>
-  </p:cSld>
-  <p:clrMapOvr>
-    <a:masterClrMapping/>
-  </p:clrMapOvr>
-  <mc:AlternateContent xmlns:mc="http://schemas.openxmlformats.org/markup-compatibility/2006" xmlns:p14="http://schemas.microsoft.com/office/powerpoint/2010/main">
-    <mc:Choice Requires="p14">
-      <p:transition spd="med" p14:dur="700">
-        <p:fade/>
-      </p:transition>
-    </mc:Choice>
-    <mc:Fallback xmlns="">
-      <p:transition spd="med">
-        <p:fade/>
-      </p:transition>
-    </mc:Fallback>
-  </mc:AlternateContent>
-</p:sld>
-</file>
-
 <file path=ppt/slides/slide36.xml><?xml version="1.0" encoding="utf-8"?>
 <p:sld xmlns:a="http://schemas.openxmlformats.org/drawingml/2006/main" xmlns:r="http://schemas.openxmlformats.org/officeDocument/2006/relationships" xmlns:p="http://schemas.openxmlformats.org/presentationml/2006/main">
   <p:cSld>
@@ -17513,10 +19311,10 @@
       </p:grpSpPr>
       <p:sp>
         <p:nvSpPr>
-          <p:cNvPr id="5" name="Title 4">
+          <p:cNvPr id="2" name="Title 1">
             <a:extLst>
               <a:ext uri="{FF2B5EF4-FFF2-40B4-BE49-F238E27FC236}">
-                <a16:creationId xmlns:a16="http://schemas.microsoft.com/office/drawing/2014/main" id="{A46A5341-2F4F-4102-A453-96D7D4E0CB23}"/>
+                <a16:creationId xmlns:a16="http://schemas.microsoft.com/office/drawing/2014/main" id="{DC43BE43-AA5F-4AB3-804D-D138339C1537}"/>
               </a:ext>
             </a:extLst>
           </p:cNvPr>
@@ -17533,18 +19331,18 @@
           <a:lstStyle/>
           <a:p>
             <a:r>
-              <a:rPr lang="de-AT" dirty="0"/>
-              <a:t>Roslyn Code Analyzer</a:t>
-            </a:r>
-          </a:p>
-        </p:txBody>
-      </p:sp>
-      <p:sp>
-        <p:nvSpPr>
-          <p:cNvPr id="6" name="Text Placeholder 5">
+              <a:rPr lang="en-US" dirty="0"/>
+              <a:t>Example</a:t>
+            </a:r>
+          </a:p>
+        </p:txBody>
+      </p:sp>
+      <p:sp>
+        <p:nvSpPr>
+          <p:cNvPr id="3" name="Content Placeholder 2">
             <a:extLst>
               <a:ext uri="{FF2B5EF4-FFF2-40B4-BE49-F238E27FC236}">
-                <a16:creationId xmlns:a16="http://schemas.microsoft.com/office/drawing/2014/main" id="{E4A7D14D-CE81-4A68-9E06-09B8060DDD62}"/>
+                <a16:creationId xmlns:a16="http://schemas.microsoft.com/office/drawing/2014/main" id="{3BA7ADBB-1149-4BD6-B023-D5CB1B702CFB}"/>
               </a:ext>
             </a:extLst>
           </p:cNvPr>
@@ -17552,7 +19350,7 @@
             <a:spLocks noGrp="1"/>
           </p:cNvSpPr>
           <p:nvPr>
-            <p:ph type="body" sz="quarter" idx="25"/>
+            <p:ph sz="quarter" idx="12"/>
           </p:nvPr>
         </p:nvSpPr>
         <p:spPr/>
@@ -17560,14 +19358,74 @@
           <a:bodyPr/>
           <a:lstStyle/>
           <a:p>
-            <a:endParaRPr lang="de-AT"/>
+            <a:r>
+              <a:rPr lang="en-US" dirty="0"/>
+              <a:t>13-LoggingSerilog</a:t>
+            </a:r>
+          </a:p>
+          <a:p>
+            <a:pPr lvl="1"/>
+            <a:r>
+              <a:rPr lang="en-US" dirty="0"/>
+              <a:t>Add logging with </a:t>
+            </a:r>
+            <a:r>
+              <a:rPr lang="en-US" i="1" dirty="0" err="1"/>
+              <a:t>Serilog</a:t>
+            </a:r>
+            <a:r>
+              <a:rPr lang="en-US" dirty="0"/>
+              <a:t> to ASP.NET Core app</a:t>
+            </a:r>
+          </a:p>
+          <a:p>
+            <a:pPr lvl="1"/>
+            <a:r>
+              <a:rPr lang="en-US" dirty="0"/>
+              <a:t>Includes log viewing with </a:t>
+            </a:r>
+            <a:r>
+              <a:rPr lang="en-US" i="1" dirty="0">
+                <a:hlinkClick r:id="rId2"/>
+              </a:rPr>
+              <a:t>Seq</a:t>
+            </a:r>
+            <a:endParaRPr lang="en-US" i="1" dirty="0"/>
+          </a:p>
+          <a:p>
+            <a:endParaRPr lang="en-US" dirty="0"/>
+          </a:p>
+        </p:txBody>
+      </p:sp>
+      <p:sp>
+        <p:nvSpPr>
+          <p:cNvPr id="4" name="Text Placeholder 3">
+            <a:extLst>
+              <a:ext uri="{FF2B5EF4-FFF2-40B4-BE49-F238E27FC236}">
+                <a16:creationId xmlns:a16="http://schemas.microsoft.com/office/drawing/2014/main" id="{1708EE3C-A981-42FC-9D4B-689B0EECE617}"/>
+              </a:ext>
+            </a:extLst>
+          </p:cNvPr>
+          <p:cNvSpPr>
+            <a:spLocks noGrp="1"/>
+          </p:cNvSpPr>
+          <p:nvPr>
+            <p:ph type="body" sz="quarter" idx="23"/>
+          </p:nvPr>
+        </p:nvSpPr>
+        <p:spPr/>
+        <p:txBody>
+          <a:bodyPr/>
+          <a:lstStyle/>
+          <a:p>
+            <a:endParaRPr lang="en-US"/>
           </a:p>
         </p:txBody>
       </p:sp>
     </p:spTree>
     <p:extLst>
       <p:ext uri="{BB962C8B-B14F-4D97-AF65-F5344CB8AC3E}">
-        <p14:creationId xmlns:p14="http://schemas.microsoft.com/office/powerpoint/2010/main" val="2396592579"/>
+        <p14:creationId xmlns:p14="http://schemas.microsoft.com/office/powerpoint/2010/main" val="330773997"/>
       </p:ext>
     </p:extLst>
   </p:cSld>
@@ -17608,10 +19466,10 @@
       </p:grpSpPr>
       <p:sp>
         <p:nvSpPr>
-          <p:cNvPr id="4" name="Title 3">
+          <p:cNvPr id="5" name="Title 4">
             <a:extLst>
               <a:ext uri="{FF2B5EF4-FFF2-40B4-BE49-F238E27FC236}">
-                <a16:creationId xmlns:a16="http://schemas.microsoft.com/office/drawing/2014/main" id="{6DB64B3B-AC0B-432E-A2CF-CA03B406A2C2}"/>
+                <a16:creationId xmlns:a16="http://schemas.microsoft.com/office/drawing/2014/main" id="{E6CB8BBB-36C6-4D3D-A80F-A442C41A249A}"/>
               </a:ext>
             </a:extLst>
           </p:cNvPr>
@@ -17628,18 +19486,18 @@
           <a:lstStyle/>
           <a:p>
             <a:r>
-              <a:rPr lang="en-US"/>
-              <a:t>Overview</a:t>
-            </a:r>
-          </a:p>
-        </p:txBody>
-      </p:sp>
-      <p:sp>
-        <p:nvSpPr>
-          <p:cNvPr id="5" name="Content Placeholder 4">
+              <a:rPr lang="de-AT" sz="4800" dirty="0"/>
+              <a:t>Database Security</a:t>
+            </a:r>
+          </a:p>
+        </p:txBody>
+      </p:sp>
+      <p:sp>
+        <p:nvSpPr>
+          <p:cNvPr id="6" name="Text Placeholder 5">
             <a:extLst>
               <a:ext uri="{FF2B5EF4-FFF2-40B4-BE49-F238E27FC236}">
-                <a16:creationId xmlns:a16="http://schemas.microsoft.com/office/drawing/2014/main" id="{5AC28F26-75E2-4F77-8515-3ED5976E9289}"/>
+                <a16:creationId xmlns:a16="http://schemas.microsoft.com/office/drawing/2014/main" id="{C16EAF77-8FDB-40B2-8D34-7D443ACF1E07}"/>
               </a:ext>
             </a:extLst>
           </p:cNvPr>
@@ -17647,7 +19505,7 @@
             <a:spLocks noGrp="1"/>
           </p:cNvSpPr>
           <p:nvPr>
-            <p:ph sz="quarter" idx="12"/>
+            <p:ph type="body" sz="quarter" idx="25"/>
           </p:nvPr>
         </p:nvSpPr>
         <p:spPr/>
@@ -17656,128 +19514,57 @@
           <a:lstStyle/>
           <a:p>
             <a:r>
-              <a:rPr lang="en-US" dirty="0"/>
-              <a:t>Analyzes code for style, quality and maintainability, design, and other issues</a:t>
-            </a:r>
-          </a:p>
-          <a:p>
-            <a:r>
-              <a:rPr lang="en-US" dirty="0"/>
-              <a:t>Built-in analyzers in VS</a:t>
-            </a:r>
-          </a:p>
-          <a:p>
-            <a:pPr lvl="1"/>
-            <a:r>
-              <a:rPr lang="en-US" dirty="0"/>
-              <a:t>Configure in options and </a:t>
-            </a:r>
-            <a:r>
-              <a:rPr lang="en-US" i="1" dirty="0"/>
-              <a:t>.</a:t>
-            </a:r>
-            <a:r>
-              <a:rPr lang="en-US" i="1" dirty="0" err="1"/>
-              <a:t>editorconfig</a:t>
-            </a:r>
-            <a:endParaRPr lang="en-US" dirty="0"/>
-          </a:p>
-          <a:p>
-            <a:r>
-              <a:rPr lang="en-US" dirty="0"/>
-              <a:t>Install additional analyzers with NuGet</a:t>
-            </a:r>
-          </a:p>
-          <a:p>
-            <a:pPr lvl="1"/>
-            <a:r>
-              <a:rPr lang="en-US" dirty="0"/>
-              <a:t>E.g. </a:t>
-            </a:r>
-            <a:r>
-              <a:rPr lang="en-US" i="1" dirty="0" err="1"/>
-              <a:t>FxCopAnalyzers</a:t>
-            </a:r>
-            <a:r>
-              <a:rPr lang="en-US" dirty="0"/>
-              <a:t> (</a:t>
-            </a:r>
-            <a:r>
-              <a:rPr lang="en-US" dirty="0">
-                <a:hlinkClick r:id="rId2"/>
+              <a:rPr lang="de-AT" dirty="0" err="1">
+                <a:solidFill>
+                  <a:srgbClr val="FF0000"/>
+                </a:solidFill>
               </a:rPr>
-              <a:t>docs</a:t>
-            </a:r>
-            <a:r>
-              <a:rPr lang="en-US" dirty="0"/>
-              <a:t>)</a:t>
-            </a:r>
-          </a:p>
-          <a:p>
-            <a:r>
-              <a:rPr lang="en-US" dirty="0"/>
-              <a:t>Sample: </a:t>
-            </a:r>
-            <a:r>
-              <a:rPr lang="en-US" i="1" dirty="0"/>
-              <a:t>15-StaticCodeAnalysis</a:t>
-            </a:r>
-          </a:p>
-          <a:p>
-            <a:pPr lvl="1"/>
-            <a:r>
-              <a:rPr lang="en-US" dirty="0"/>
-              <a:t>Detection of SQL Injection with code analysis</a:t>
-            </a:r>
-          </a:p>
-          <a:p>
-            <a:pPr lvl="1"/>
-            <a:r>
-              <a:rPr lang="en-US" dirty="0"/>
-              <a:t>Suppression management</a:t>
-            </a:r>
-          </a:p>
-        </p:txBody>
-      </p:sp>
-      <p:sp>
-        <p:nvSpPr>
-          <p:cNvPr id="6" name="Text Placeholder 5">
-            <a:extLst>
-              <a:ext uri="{FF2B5EF4-FFF2-40B4-BE49-F238E27FC236}">
-                <a16:creationId xmlns:a16="http://schemas.microsoft.com/office/drawing/2014/main" id="{D87EE51F-9B6C-44B5-9421-F390D31DB605}"/>
-              </a:ext>
-            </a:extLst>
-          </p:cNvPr>
-          <p:cNvSpPr>
-            <a:spLocks noGrp="1"/>
-          </p:cNvSpPr>
-          <p:nvPr>
-            <p:ph type="body" sz="quarter" idx="23"/>
-          </p:nvPr>
-        </p:nvSpPr>
-        <p:spPr/>
-        <p:txBody>
-          <a:bodyPr/>
-          <a:lstStyle/>
-          <a:p>
-            <a:r>
-              <a:rPr lang="en-US"/>
-              <a:t>See also </a:t>
-            </a:r>
-            <a:r>
-              <a:rPr lang="en-US">
-                <a:hlinkClick r:id="rId3"/>
+              <a:t>Beware</a:t>
+            </a:r>
+            <a:r>
+              <a:rPr lang="de-AT" dirty="0">
+                <a:solidFill>
+                  <a:srgbClr val="FF0000"/>
+                </a:solidFill>
               </a:rPr>
-              <a:t>https://docs.microsoft.com/en-us/visualstudio/code-quality/roslyn-analyzers-overview?view=vs-2019</a:t>
-            </a:r>
-            <a:endParaRPr lang="en-US"/>
+              <a:t> </a:t>
+            </a:r>
+            <a:r>
+              <a:rPr lang="de-AT" dirty="0" err="1">
+                <a:solidFill>
+                  <a:srgbClr val="FF0000"/>
+                </a:solidFill>
+              </a:rPr>
+              <a:t>of</a:t>
+            </a:r>
+            <a:r>
+              <a:rPr lang="de-AT" dirty="0">
+                <a:solidFill>
+                  <a:srgbClr val="FF0000"/>
+                </a:solidFill>
+              </a:rPr>
+              <a:t> SQL </a:t>
+            </a:r>
+            <a:r>
+              <a:rPr lang="de-AT" dirty="0" err="1">
+                <a:solidFill>
+                  <a:srgbClr val="FF0000"/>
+                </a:solidFill>
+              </a:rPr>
+              <a:t>Injections</a:t>
+            </a:r>
+            <a:endParaRPr lang="de-AT" dirty="0">
+              <a:solidFill>
+                <a:srgbClr val="FF0000"/>
+              </a:solidFill>
+            </a:endParaRPr>
           </a:p>
         </p:txBody>
       </p:sp>
     </p:spTree>
     <p:extLst>
       <p:ext uri="{BB962C8B-B14F-4D97-AF65-F5344CB8AC3E}">
-        <p14:creationId xmlns:p14="http://schemas.microsoft.com/office/powerpoint/2010/main" val="1125906263"/>
+        <p14:creationId xmlns:p14="http://schemas.microsoft.com/office/powerpoint/2010/main" val="2417253432"/>
       </p:ext>
     </p:extLst>
   </p:cSld>
@@ -17818,10 +19605,10 @@
       </p:grpSpPr>
       <p:sp>
         <p:nvSpPr>
-          <p:cNvPr id="5" name="Title 4">
+          <p:cNvPr id="4" name="Title 3">
             <a:extLst>
               <a:ext uri="{FF2B5EF4-FFF2-40B4-BE49-F238E27FC236}">
-                <a16:creationId xmlns:a16="http://schemas.microsoft.com/office/drawing/2014/main" id="{5B0E2B9B-3CEE-45D9-93FD-B5E4487641C2}"/>
+                <a16:creationId xmlns:a16="http://schemas.microsoft.com/office/drawing/2014/main" id="{EF56800B-51DD-48AC-A016-2AA4D9D06BDC}"/>
               </a:ext>
             </a:extLst>
           </p:cNvPr>
@@ -17838,18 +19625,18 @@
           <a:lstStyle/>
           <a:p>
             <a:r>
-              <a:rPr lang="de-AT" dirty="0"/>
-              <a:t>Further Readings</a:t>
-            </a:r>
-          </a:p>
-        </p:txBody>
-      </p:sp>
-      <p:sp>
-        <p:nvSpPr>
-          <p:cNvPr id="6" name="Text Placeholder 5">
+              <a:rPr lang="en-US"/>
+              <a:t>Guidelines</a:t>
+            </a:r>
+          </a:p>
+        </p:txBody>
+      </p:sp>
+      <p:sp>
+        <p:nvSpPr>
+          <p:cNvPr id="5" name="Content Placeholder 4">
             <a:extLst>
               <a:ext uri="{FF2B5EF4-FFF2-40B4-BE49-F238E27FC236}">
-                <a16:creationId xmlns:a16="http://schemas.microsoft.com/office/drawing/2014/main" id="{B42D75CD-039E-445E-B809-510DD083C142}"/>
+                <a16:creationId xmlns:a16="http://schemas.microsoft.com/office/drawing/2014/main" id="{8CB97ECF-548D-4CD9-868A-B4ADD0990CE0}"/>
               </a:ext>
             </a:extLst>
           </p:cNvPr>
@@ -17857,7 +19644,7 @@
             <a:spLocks noGrp="1"/>
           </p:cNvSpPr>
           <p:nvPr>
-            <p:ph type="body" sz="quarter" idx="25"/>
+            <p:ph sz="quarter" idx="12"/>
           </p:nvPr>
         </p:nvSpPr>
         <p:spPr/>
@@ -17865,14 +19652,137 @@
           <a:bodyPr/>
           <a:lstStyle/>
           <a:p>
-            <a:endParaRPr lang="de-AT"/>
+            <a:r>
+              <a:rPr lang="en-US" i="1" dirty="0"/>
+              <a:t>Do</a:t>
+            </a:r>
+            <a:r>
+              <a:rPr lang="en-US" dirty="0"/>
+              <a:t> use parameterized SQL commands</a:t>
+            </a:r>
+          </a:p>
+          <a:p>
+            <a:pPr lvl="1"/>
+            <a:r>
+              <a:rPr lang="en-US" dirty="0"/>
+              <a:t>Sample: </a:t>
+            </a:r>
+            <a:r>
+              <a:rPr lang="en-US" i="1" dirty="0"/>
+              <a:t>09.2-KeyVaultManagedIdentity</a:t>
+            </a:r>
+          </a:p>
+          <a:p>
+            <a:r>
+              <a:rPr lang="en-US" i="1" dirty="0"/>
+              <a:t>Avoid</a:t>
+            </a:r>
+            <a:r>
+              <a:rPr lang="en-US" dirty="0"/>
+              <a:t> concatenating SQL strings with user inputs</a:t>
+            </a:r>
+          </a:p>
+          <a:p>
+            <a:r>
+              <a:rPr lang="en-US" i="1" dirty="0"/>
+              <a:t>Do</a:t>
+            </a:r>
+            <a:r>
+              <a:rPr lang="en-US" dirty="0"/>
+              <a:t> check user input</a:t>
+            </a:r>
+          </a:p>
+          <a:p>
+            <a:pPr lvl="1"/>
+            <a:r>
+              <a:rPr lang="en-US" dirty="0"/>
+              <a:t>E.g. regular expressions</a:t>
+            </a:r>
+          </a:p>
+          <a:p>
+            <a:r>
+              <a:rPr lang="en-US" i="1" dirty="0"/>
+              <a:t>Do</a:t>
+            </a:r>
+            <a:r>
+              <a:rPr lang="en-US" dirty="0"/>
+              <a:t> apply the </a:t>
+            </a:r>
+            <a:r>
+              <a:rPr lang="en-US" i="1" dirty="0">
+                <a:hlinkClick r:id="rId2"/>
+              </a:rPr>
+              <a:t>principle of least privilege</a:t>
+            </a:r>
+            <a:r>
+              <a:rPr lang="en-US" dirty="0"/>
+              <a:t> (</a:t>
+            </a:r>
+            <a:r>
+              <a:rPr lang="en-US" i="1" dirty="0" err="1"/>
+              <a:t>PoLP</a:t>
+            </a:r>
+            <a:r>
+              <a:rPr lang="en-US" dirty="0"/>
+              <a:t>)</a:t>
+            </a:r>
+          </a:p>
+          <a:p>
+            <a:r>
+              <a:rPr lang="en-US" i="1" dirty="0"/>
+              <a:t>Consider </a:t>
+            </a:r>
+            <a:r>
+              <a:rPr lang="en-US" dirty="0"/>
+              <a:t>using an OR-Mapper like </a:t>
+            </a:r>
+            <a:r>
+              <a:rPr lang="en-US" i="1" dirty="0"/>
+              <a:t>Entity Framework</a:t>
+            </a:r>
+          </a:p>
+          <a:p>
+            <a:pPr lvl="1"/>
+            <a:r>
+              <a:rPr lang="en-US" dirty="0"/>
+              <a:t>Sample: </a:t>
+            </a:r>
+            <a:r>
+              <a:rPr lang="en-US" i="1" dirty="0"/>
+              <a:t>14-EntityFramework</a:t>
+            </a:r>
+          </a:p>
+        </p:txBody>
+      </p:sp>
+      <p:sp>
+        <p:nvSpPr>
+          <p:cNvPr id="6" name="Text Placeholder 5">
+            <a:extLst>
+              <a:ext uri="{FF2B5EF4-FFF2-40B4-BE49-F238E27FC236}">
+                <a16:creationId xmlns:a16="http://schemas.microsoft.com/office/drawing/2014/main" id="{BDBA1D12-E1DF-4135-8585-A9C2F902D608}"/>
+              </a:ext>
+            </a:extLst>
+          </p:cNvPr>
+          <p:cNvSpPr>
+            <a:spLocks noGrp="1"/>
+          </p:cNvSpPr>
+          <p:nvPr>
+            <p:ph type="body" sz="quarter" idx="23"/>
+          </p:nvPr>
+        </p:nvSpPr>
+        <p:spPr/>
+        <p:txBody>
+          <a:bodyPr/>
+          <a:lstStyle/>
+          <a:p>
+            <a:endParaRPr lang="en-US"/>
           </a:p>
         </p:txBody>
       </p:sp>
     </p:spTree>
     <p:extLst>
       <p:ext uri="{BB962C8B-B14F-4D97-AF65-F5344CB8AC3E}">
-        <p14:creationId xmlns:p14="http://schemas.microsoft.com/office/powerpoint/2010/main" val="1596752289"/>
+        <p14:creationId xmlns:p14="http://schemas.microsoft.com/office/powerpoint/2010/main" val="2668544537"/>
       </p:ext>
     </p:extLst>
   </p:cSld>
@@ -17913,10 +19823,10 @@
       </p:grpSpPr>
       <p:sp>
         <p:nvSpPr>
-          <p:cNvPr id="4" name="Title 3">
+          <p:cNvPr id="2" name="Title 1">
             <a:extLst>
               <a:ext uri="{FF2B5EF4-FFF2-40B4-BE49-F238E27FC236}">
-                <a16:creationId xmlns:a16="http://schemas.microsoft.com/office/drawing/2014/main" id="{10B47517-2349-48AD-942A-4E9A9FDF1D1C}"/>
+                <a16:creationId xmlns:a16="http://schemas.microsoft.com/office/drawing/2014/main" id="{16D341AC-0941-46BE-9AA6-3E3DEDD88F8D}"/>
               </a:ext>
             </a:extLst>
           </p:cNvPr>
@@ -17933,18 +19843,18 @@
           <a:lstStyle/>
           <a:p>
             <a:r>
-              <a:rPr lang="de-AT" dirty="0"/>
-              <a:t>Further Readings</a:t>
-            </a:r>
-          </a:p>
-        </p:txBody>
-      </p:sp>
-      <p:sp>
-        <p:nvSpPr>
-          <p:cNvPr id="5" name="Content Placeholder 4">
+              <a:rPr lang="en-US"/>
+              <a:t>Database Encryption</a:t>
+            </a:r>
+          </a:p>
+        </p:txBody>
+      </p:sp>
+      <p:sp>
+        <p:nvSpPr>
+          <p:cNvPr id="3" name="Content Placeholder 2">
             <a:extLst>
               <a:ext uri="{FF2B5EF4-FFF2-40B4-BE49-F238E27FC236}">
-                <a16:creationId xmlns:a16="http://schemas.microsoft.com/office/drawing/2014/main" id="{B629D99D-AA5E-4F68-BDBD-D56090F410FF}"/>
+                <a16:creationId xmlns:a16="http://schemas.microsoft.com/office/drawing/2014/main" id="{60515366-00CC-4822-B3EE-6E10D1062B95}"/>
               </a:ext>
             </a:extLst>
           </p:cNvPr>
@@ -17961,89 +19871,106 @@
           <a:lstStyle/>
           <a:p>
             <a:r>
-              <a:rPr lang="en-US" dirty="0"/>
-              <a:t>.NET</a:t>
-            </a:r>
-            <a:endParaRPr lang="en-US" dirty="0">
-              <a:hlinkClick r:id="rId2"/>
-            </a:endParaRPr>
-          </a:p>
-          <a:p>
-            <a:pPr lvl="1"/>
-            <a:r>
-              <a:rPr lang="en-US" dirty="0">
+              <a:rPr lang="en-US"/>
+              <a:t>Always Encrypted (</a:t>
+            </a:r>
+            <a:r>
+              <a:rPr lang="en-US">
                 <a:hlinkClick r:id="rId2"/>
               </a:rPr>
-              <a:t>.NET Secure Coding Guidelines</a:t>
-            </a:r>
-            <a:endParaRPr lang="en-US" dirty="0"/>
+              <a:t>docs</a:t>
+            </a:r>
+            <a:r>
+              <a:rPr lang="en-US"/>
+              <a:t>)</a:t>
+            </a:r>
           </a:p>
           <a:p>
             <a:pPr lvl="1"/>
             <a:r>
-              <a:rPr lang="en-US" dirty="0">
+              <a:rPr lang="en-US"/>
+              <a:t>Client encrypts sensitive data inside client applications</a:t>
+            </a:r>
+          </a:p>
+          <a:p>
+            <a:pPr lvl="1"/>
+            <a:r>
+              <a:rPr lang="en-US"/>
+              <a:t>Never reveals the encryption keys to the DB</a:t>
+            </a:r>
+          </a:p>
+          <a:p>
+            <a:r>
+              <a:rPr lang="en-US"/>
+              <a:t>Transparent Data Encryption (</a:t>
+            </a:r>
+            <a:r>
+              <a:rPr lang="en-US">
                 <a:hlinkClick r:id="rId3"/>
               </a:rPr>
-              <a:t>.NET Security Announcements</a:t>
-            </a:r>
-            <a:endParaRPr lang="en-US" dirty="0"/>
-          </a:p>
-          <a:p>
-            <a:r>
-              <a:rPr lang="en-US" dirty="0"/>
-              <a:t>Web Development Security</a:t>
-            </a:r>
-            <a:endParaRPr lang="en-US" dirty="0">
-              <a:hlinkClick r:id="rId4"/>
-            </a:endParaRPr>
+              <a:t>docs</a:t>
+            </a:r>
+            <a:r>
+              <a:rPr lang="en-US"/>
+              <a:t>)</a:t>
+            </a:r>
           </a:p>
           <a:p>
             <a:pPr lvl="1"/>
             <a:r>
-              <a:rPr lang="en-US" dirty="0">
+              <a:rPr lang="en-US"/>
+              <a:t>Real-time I/O encryption and decryption of the data and log files</a:t>
+            </a:r>
+          </a:p>
+          <a:p>
+            <a:pPr lvl="1"/>
+            <a:r>
+              <a:rPr lang="en-US"/>
+              <a:t>Make stolen physical storage media useless</a:t>
+            </a:r>
+          </a:p>
+          <a:p>
+            <a:r>
+              <a:rPr lang="en-US"/>
+              <a:t>Encrypted DB Connections (</a:t>
+            </a:r>
+            <a:r>
+              <a:rPr lang="en-US">
                 <a:hlinkClick r:id="rId4"/>
               </a:rPr>
-              <a:t>ASP.NET Security Announcements</a:t>
-            </a:r>
-            <a:endParaRPr lang="en-US" dirty="0"/>
+              <a:t>docs</a:t>
+            </a:r>
+            <a:r>
+              <a:rPr lang="en-US"/>
+              <a:t>)</a:t>
+            </a:r>
           </a:p>
           <a:p>
             <a:pPr lvl="1"/>
             <a:r>
-              <a:rPr lang="en-US" dirty="0">
-                <a:hlinkClick r:id="rId5"/>
-              </a:rPr>
-              <a:t>OWASP Security Cheat Sheet for .NET</a:t>
-            </a:r>
-            <a:endParaRPr lang="en-US" dirty="0"/>
-          </a:p>
-          <a:p>
-            <a:r>
-              <a:rPr lang="en-US" dirty="0"/>
-              <a:t>Database Development</a:t>
-            </a:r>
-            <a:endParaRPr lang="en-US" dirty="0">
-              <a:hlinkClick r:id="rId6"/>
-            </a:endParaRPr>
+              <a:rPr lang="en-US"/>
+              <a:t>Use certificate to encrypt DB connections</a:t>
+            </a:r>
           </a:p>
           <a:p>
             <a:pPr lvl="1"/>
             <a:r>
-              <a:rPr lang="en-US" dirty="0">
-                <a:hlinkClick r:id="rId6"/>
-              </a:rPr>
-              <a:t>SQL Server Security Guidelines</a:t>
-            </a:r>
-            <a:endParaRPr lang="de-AT" dirty="0"/>
-          </a:p>
-        </p:txBody>
-      </p:sp>
-      <p:sp>
-        <p:nvSpPr>
-          <p:cNvPr id="6" name="Text Placeholder 5">
+              <a:rPr lang="en-US"/>
+              <a:t>Automatically done in </a:t>
+            </a:r>
+            <a:r>
+              <a:rPr lang="en-US" i="1"/>
+              <a:t>Azure SQL Database</a:t>
+            </a:r>
+          </a:p>
+        </p:txBody>
+      </p:sp>
+      <p:sp>
+        <p:nvSpPr>
+          <p:cNvPr id="4" name="Text Placeholder 3">
             <a:extLst>
               <a:ext uri="{FF2B5EF4-FFF2-40B4-BE49-F238E27FC236}">
-                <a16:creationId xmlns:a16="http://schemas.microsoft.com/office/drawing/2014/main" id="{A9B4F753-70EE-4C1D-ABE0-0E1E23898BD2}"/>
+                <a16:creationId xmlns:a16="http://schemas.microsoft.com/office/drawing/2014/main" id="{7E99AB00-234F-4B13-9FA0-B922B3AE5706}"/>
               </a:ext>
             </a:extLst>
           </p:cNvPr>
@@ -18059,14 +19986,14 @@
           <a:bodyPr/>
           <a:lstStyle/>
           <a:p>
-            <a:endParaRPr lang="de-AT"/>
+            <a:endParaRPr lang="en-US"/>
           </a:p>
         </p:txBody>
       </p:sp>
     </p:spTree>
     <p:extLst>
       <p:ext uri="{BB962C8B-B14F-4D97-AF65-F5344CB8AC3E}">
-        <p14:creationId xmlns:p14="http://schemas.microsoft.com/office/powerpoint/2010/main" val="2857937245"/>
+        <p14:creationId xmlns:p14="http://schemas.microsoft.com/office/powerpoint/2010/main" val="3088701966"/>
       </p:ext>
     </p:extLst>
   </p:cSld>
@@ -18184,6 +20111,740 @@
 </file>
 
 <file path=ppt/slides/slide40.xml><?xml version="1.0" encoding="utf-8"?>
+<p:sld xmlns:a="http://schemas.openxmlformats.org/drawingml/2006/main" xmlns:r="http://schemas.openxmlformats.org/officeDocument/2006/relationships" xmlns:p="http://schemas.openxmlformats.org/presentationml/2006/main">
+  <p:cSld>
+    <p:spTree>
+      <p:nvGrpSpPr>
+        <p:cNvPr id="1" name=""/>
+        <p:cNvGrpSpPr/>
+        <p:nvPr/>
+      </p:nvGrpSpPr>
+      <p:grpSpPr>
+        <a:xfrm>
+          <a:off x="0" y="0"/>
+          <a:ext cx="0" cy="0"/>
+          <a:chOff x="0" y="0"/>
+          <a:chExt cx="0" cy="0"/>
+        </a:xfrm>
+      </p:grpSpPr>
+      <p:sp>
+        <p:nvSpPr>
+          <p:cNvPr id="2" name="Title 1">
+            <a:extLst>
+              <a:ext uri="{FF2B5EF4-FFF2-40B4-BE49-F238E27FC236}">
+                <a16:creationId xmlns:a16="http://schemas.microsoft.com/office/drawing/2014/main" id="{16D341AC-0941-46BE-9AA6-3E3DEDD88F8D}"/>
+              </a:ext>
+            </a:extLst>
+          </p:cNvPr>
+          <p:cNvSpPr>
+            <a:spLocks noGrp="1"/>
+          </p:cNvSpPr>
+          <p:nvPr>
+            <p:ph type="title"/>
+          </p:nvPr>
+        </p:nvSpPr>
+        <p:spPr/>
+        <p:txBody>
+          <a:bodyPr/>
+          <a:lstStyle/>
+          <a:p>
+            <a:r>
+              <a:rPr lang="en-US"/>
+              <a:t>Data Protection</a:t>
+            </a:r>
+          </a:p>
+        </p:txBody>
+      </p:sp>
+      <p:sp>
+        <p:nvSpPr>
+          <p:cNvPr id="3" name="Content Placeholder 2">
+            <a:extLst>
+              <a:ext uri="{FF2B5EF4-FFF2-40B4-BE49-F238E27FC236}">
+                <a16:creationId xmlns:a16="http://schemas.microsoft.com/office/drawing/2014/main" id="{60515366-00CC-4822-B3EE-6E10D1062B95}"/>
+              </a:ext>
+            </a:extLst>
+          </p:cNvPr>
+          <p:cNvSpPr>
+            <a:spLocks noGrp="1"/>
+          </p:cNvSpPr>
+          <p:nvPr>
+            <p:ph sz="quarter" idx="12"/>
+          </p:nvPr>
+        </p:nvSpPr>
+        <p:spPr/>
+        <p:txBody>
+          <a:bodyPr/>
+          <a:lstStyle/>
+          <a:p>
+            <a:r>
+              <a:rPr lang="en-US"/>
+              <a:t>Dynamic Data Masking (</a:t>
+            </a:r>
+            <a:r>
+              <a:rPr lang="en-US">
+                <a:hlinkClick r:id="rId2"/>
+              </a:rPr>
+              <a:t>docs</a:t>
+            </a:r>
+            <a:r>
+              <a:rPr lang="en-US"/>
+              <a:t>)</a:t>
+            </a:r>
+          </a:p>
+          <a:p>
+            <a:pPr lvl="1"/>
+            <a:r>
+              <a:rPr lang="en-US"/>
+              <a:t>Limits sensitive data exposure by masking it to non-privileged users</a:t>
+            </a:r>
+          </a:p>
+        </p:txBody>
+      </p:sp>
+      <p:sp>
+        <p:nvSpPr>
+          <p:cNvPr id="4" name="Text Placeholder 3">
+            <a:extLst>
+              <a:ext uri="{FF2B5EF4-FFF2-40B4-BE49-F238E27FC236}">
+                <a16:creationId xmlns:a16="http://schemas.microsoft.com/office/drawing/2014/main" id="{7E99AB00-234F-4B13-9FA0-B922B3AE5706}"/>
+              </a:ext>
+            </a:extLst>
+          </p:cNvPr>
+          <p:cNvSpPr>
+            <a:spLocks noGrp="1"/>
+          </p:cNvSpPr>
+          <p:nvPr>
+            <p:ph type="body" sz="quarter" idx="23"/>
+          </p:nvPr>
+        </p:nvSpPr>
+        <p:spPr/>
+        <p:txBody>
+          <a:bodyPr/>
+          <a:lstStyle/>
+          <a:p>
+            <a:endParaRPr lang="en-US"/>
+          </a:p>
+        </p:txBody>
+      </p:sp>
+    </p:spTree>
+    <p:extLst>
+      <p:ext uri="{BB962C8B-B14F-4D97-AF65-F5344CB8AC3E}">
+        <p14:creationId xmlns:p14="http://schemas.microsoft.com/office/powerpoint/2010/main" val="4259697926"/>
+      </p:ext>
+    </p:extLst>
+  </p:cSld>
+  <p:clrMapOvr>
+    <a:masterClrMapping/>
+  </p:clrMapOvr>
+  <mc:AlternateContent xmlns:mc="http://schemas.openxmlformats.org/markup-compatibility/2006" xmlns:p14="http://schemas.microsoft.com/office/powerpoint/2010/main">
+    <mc:Choice Requires="p14">
+      <p:transition spd="med" p14:dur="700">
+        <p:fade/>
+      </p:transition>
+    </mc:Choice>
+    <mc:Fallback xmlns="">
+      <p:transition spd="med">
+        <p:fade/>
+      </p:transition>
+    </mc:Fallback>
+  </mc:AlternateContent>
+</p:sld>
+</file>
+
+<file path=ppt/slides/slide41.xml><?xml version="1.0" encoding="utf-8"?>
+<p:sld xmlns:a="http://schemas.openxmlformats.org/drawingml/2006/main" xmlns:r="http://schemas.openxmlformats.org/officeDocument/2006/relationships" xmlns:p="http://schemas.openxmlformats.org/presentationml/2006/main">
+  <p:cSld>
+    <p:spTree>
+      <p:nvGrpSpPr>
+        <p:cNvPr id="1" name=""/>
+        <p:cNvGrpSpPr/>
+        <p:nvPr/>
+      </p:nvGrpSpPr>
+      <p:grpSpPr>
+        <a:xfrm>
+          <a:off x="0" y="0"/>
+          <a:ext cx="0" cy="0"/>
+          <a:chOff x="0" y="0"/>
+          <a:chExt cx="0" cy="0"/>
+        </a:xfrm>
+      </p:grpSpPr>
+      <p:sp>
+        <p:nvSpPr>
+          <p:cNvPr id="5" name="Title 4">
+            <a:extLst>
+              <a:ext uri="{FF2B5EF4-FFF2-40B4-BE49-F238E27FC236}">
+                <a16:creationId xmlns:a16="http://schemas.microsoft.com/office/drawing/2014/main" id="{A46A5341-2F4F-4102-A453-96D7D4E0CB23}"/>
+              </a:ext>
+            </a:extLst>
+          </p:cNvPr>
+          <p:cNvSpPr>
+            <a:spLocks noGrp="1"/>
+          </p:cNvSpPr>
+          <p:nvPr>
+            <p:ph type="title"/>
+          </p:nvPr>
+        </p:nvSpPr>
+        <p:spPr/>
+        <p:txBody>
+          <a:bodyPr/>
+          <a:lstStyle/>
+          <a:p>
+            <a:r>
+              <a:rPr lang="de-AT" dirty="0"/>
+              <a:t>Roslyn Code Analyzer</a:t>
+            </a:r>
+          </a:p>
+        </p:txBody>
+      </p:sp>
+      <p:sp>
+        <p:nvSpPr>
+          <p:cNvPr id="6" name="Text Placeholder 5">
+            <a:extLst>
+              <a:ext uri="{FF2B5EF4-FFF2-40B4-BE49-F238E27FC236}">
+                <a16:creationId xmlns:a16="http://schemas.microsoft.com/office/drawing/2014/main" id="{E4A7D14D-CE81-4A68-9E06-09B8060DDD62}"/>
+              </a:ext>
+            </a:extLst>
+          </p:cNvPr>
+          <p:cNvSpPr>
+            <a:spLocks noGrp="1"/>
+          </p:cNvSpPr>
+          <p:nvPr>
+            <p:ph type="body" sz="quarter" idx="25"/>
+          </p:nvPr>
+        </p:nvSpPr>
+        <p:spPr/>
+        <p:txBody>
+          <a:bodyPr/>
+          <a:lstStyle/>
+          <a:p>
+            <a:endParaRPr lang="de-AT"/>
+          </a:p>
+        </p:txBody>
+      </p:sp>
+    </p:spTree>
+    <p:extLst>
+      <p:ext uri="{BB962C8B-B14F-4D97-AF65-F5344CB8AC3E}">
+        <p14:creationId xmlns:p14="http://schemas.microsoft.com/office/powerpoint/2010/main" val="2396592579"/>
+      </p:ext>
+    </p:extLst>
+  </p:cSld>
+  <p:clrMapOvr>
+    <a:masterClrMapping/>
+  </p:clrMapOvr>
+  <mc:AlternateContent xmlns:mc="http://schemas.openxmlformats.org/markup-compatibility/2006" xmlns:p14="http://schemas.microsoft.com/office/powerpoint/2010/main">
+    <mc:Choice Requires="p14">
+      <p:transition spd="med" p14:dur="700">
+        <p:fade/>
+      </p:transition>
+    </mc:Choice>
+    <mc:Fallback xmlns="">
+      <p:transition spd="med">
+        <p:fade/>
+      </p:transition>
+    </mc:Fallback>
+  </mc:AlternateContent>
+</p:sld>
+</file>
+
+<file path=ppt/slides/slide42.xml><?xml version="1.0" encoding="utf-8"?>
+<p:sld xmlns:a="http://schemas.openxmlformats.org/drawingml/2006/main" xmlns:r="http://schemas.openxmlformats.org/officeDocument/2006/relationships" xmlns:p="http://schemas.openxmlformats.org/presentationml/2006/main">
+  <p:cSld>
+    <p:spTree>
+      <p:nvGrpSpPr>
+        <p:cNvPr id="1" name=""/>
+        <p:cNvGrpSpPr/>
+        <p:nvPr/>
+      </p:nvGrpSpPr>
+      <p:grpSpPr>
+        <a:xfrm>
+          <a:off x="0" y="0"/>
+          <a:ext cx="0" cy="0"/>
+          <a:chOff x="0" y="0"/>
+          <a:chExt cx="0" cy="0"/>
+        </a:xfrm>
+      </p:grpSpPr>
+      <p:sp>
+        <p:nvSpPr>
+          <p:cNvPr id="4" name="Title 3">
+            <a:extLst>
+              <a:ext uri="{FF2B5EF4-FFF2-40B4-BE49-F238E27FC236}">
+                <a16:creationId xmlns:a16="http://schemas.microsoft.com/office/drawing/2014/main" id="{6DB64B3B-AC0B-432E-A2CF-CA03B406A2C2}"/>
+              </a:ext>
+            </a:extLst>
+          </p:cNvPr>
+          <p:cNvSpPr>
+            <a:spLocks noGrp="1"/>
+          </p:cNvSpPr>
+          <p:nvPr>
+            <p:ph type="title"/>
+          </p:nvPr>
+        </p:nvSpPr>
+        <p:spPr/>
+        <p:txBody>
+          <a:bodyPr/>
+          <a:lstStyle/>
+          <a:p>
+            <a:r>
+              <a:rPr lang="en-US"/>
+              <a:t>Overview</a:t>
+            </a:r>
+          </a:p>
+        </p:txBody>
+      </p:sp>
+      <p:sp>
+        <p:nvSpPr>
+          <p:cNvPr id="5" name="Content Placeholder 4">
+            <a:extLst>
+              <a:ext uri="{FF2B5EF4-FFF2-40B4-BE49-F238E27FC236}">
+                <a16:creationId xmlns:a16="http://schemas.microsoft.com/office/drawing/2014/main" id="{5AC28F26-75E2-4F77-8515-3ED5976E9289}"/>
+              </a:ext>
+            </a:extLst>
+          </p:cNvPr>
+          <p:cNvSpPr>
+            <a:spLocks noGrp="1"/>
+          </p:cNvSpPr>
+          <p:nvPr>
+            <p:ph sz="quarter" idx="12"/>
+          </p:nvPr>
+        </p:nvSpPr>
+        <p:spPr/>
+        <p:txBody>
+          <a:bodyPr/>
+          <a:lstStyle/>
+          <a:p>
+            <a:r>
+              <a:rPr lang="en-US" dirty="0"/>
+              <a:t>Analyzes code for style, quality and maintainability, design, and other issues</a:t>
+            </a:r>
+          </a:p>
+          <a:p>
+            <a:r>
+              <a:rPr lang="en-US" dirty="0"/>
+              <a:t>Built-in analyzers in VS</a:t>
+            </a:r>
+          </a:p>
+          <a:p>
+            <a:pPr lvl="1"/>
+            <a:r>
+              <a:rPr lang="en-US" dirty="0"/>
+              <a:t>Configure in options and </a:t>
+            </a:r>
+            <a:r>
+              <a:rPr lang="en-US" i="1" dirty="0"/>
+              <a:t>.</a:t>
+            </a:r>
+            <a:r>
+              <a:rPr lang="en-US" i="1" dirty="0" err="1"/>
+              <a:t>editorconfig</a:t>
+            </a:r>
+            <a:endParaRPr lang="en-US" dirty="0"/>
+          </a:p>
+          <a:p>
+            <a:r>
+              <a:rPr lang="en-US" dirty="0"/>
+              <a:t>Install additional analyzers with NuGet</a:t>
+            </a:r>
+          </a:p>
+          <a:p>
+            <a:pPr lvl="1"/>
+            <a:r>
+              <a:rPr lang="en-US" dirty="0"/>
+              <a:t>E.g. </a:t>
+            </a:r>
+            <a:r>
+              <a:rPr lang="en-US" i="1" dirty="0" err="1"/>
+              <a:t>FxCopAnalyzers</a:t>
+            </a:r>
+            <a:r>
+              <a:rPr lang="en-US" dirty="0"/>
+              <a:t> (</a:t>
+            </a:r>
+            <a:r>
+              <a:rPr lang="en-US" dirty="0">
+                <a:hlinkClick r:id="rId2"/>
+              </a:rPr>
+              <a:t>docs</a:t>
+            </a:r>
+            <a:r>
+              <a:rPr lang="en-US" dirty="0"/>
+              <a:t>)</a:t>
+            </a:r>
+          </a:p>
+          <a:p>
+            <a:r>
+              <a:rPr lang="en-US" dirty="0"/>
+              <a:t>Sample: </a:t>
+            </a:r>
+            <a:r>
+              <a:rPr lang="en-US" i="1" dirty="0"/>
+              <a:t>15-StaticCodeAnalysis</a:t>
+            </a:r>
+          </a:p>
+          <a:p>
+            <a:pPr lvl="1"/>
+            <a:r>
+              <a:rPr lang="en-US" dirty="0"/>
+              <a:t>Detection of SQL Injection with code analysis</a:t>
+            </a:r>
+          </a:p>
+          <a:p>
+            <a:pPr lvl="1"/>
+            <a:r>
+              <a:rPr lang="en-US" dirty="0"/>
+              <a:t>Suppression management</a:t>
+            </a:r>
+          </a:p>
+        </p:txBody>
+      </p:sp>
+      <p:sp>
+        <p:nvSpPr>
+          <p:cNvPr id="6" name="Text Placeholder 5">
+            <a:extLst>
+              <a:ext uri="{FF2B5EF4-FFF2-40B4-BE49-F238E27FC236}">
+                <a16:creationId xmlns:a16="http://schemas.microsoft.com/office/drawing/2014/main" id="{D87EE51F-9B6C-44B5-9421-F390D31DB605}"/>
+              </a:ext>
+            </a:extLst>
+          </p:cNvPr>
+          <p:cNvSpPr>
+            <a:spLocks noGrp="1"/>
+          </p:cNvSpPr>
+          <p:nvPr>
+            <p:ph type="body" sz="quarter" idx="23"/>
+          </p:nvPr>
+        </p:nvSpPr>
+        <p:spPr/>
+        <p:txBody>
+          <a:bodyPr/>
+          <a:lstStyle/>
+          <a:p>
+            <a:r>
+              <a:rPr lang="en-US"/>
+              <a:t>See also </a:t>
+            </a:r>
+            <a:r>
+              <a:rPr lang="en-US">
+                <a:hlinkClick r:id="rId3"/>
+              </a:rPr>
+              <a:t>https://docs.microsoft.com/en-us/visualstudio/code-quality/roslyn-analyzers-overview?view=vs-2019</a:t>
+            </a:r>
+            <a:endParaRPr lang="en-US"/>
+          </a:p>
+        </p:txBody>
+      </p:sp>
+    </p:spTree>
+    <p:extLst>
+      <p:ext uri="{BB962C8B-B14F-4D97-AF65-F5344CB8AC3E}">
+        <p14:creationId xmlns:p14="http://schemas.microsoft.com/office/powerpoint/2010/main" val="1125906263"/>
+      </p:ext>
+    </p:extLst>
+  </p:cSld>
+  <p:clrMapOvr>
+    <a:masterClrMapping/>
+  </p:clrMapOvr>
+  <mc:AlternateContent xmlns:mc="http://schemas.openxmlformats.org/markup-compatibility/2006" xmlns:p14="http://schemas.microsoft.com/office/powerpoint/2010/main">
+    <mc:Choice Requires="p14">
+      <p:transition spd="med" p14:dur="700">
+        <p:fade/>
+      </p:transition>
+    </mc:Choice>
+    <mc:Fallback xmlns="">
+      <p:transition spd="med">
+        <p:fade/>
+      </p:transition>
+    </mc:Fallback>
+  </mc:AlternateContent>
+</p:sld>
+</file>
+
+<file path=ppt/slides/slide43.xml><?xml version="1.0" encoding="utf-8"?>
+<p:sld xmlns:a="http://schemas.openxmlformats.org/drawingml/2006/main" xmlns:r="http://schemas.openxmlformats.org/officeDocument/2006/relationships" xmlns:p="http://schemas.openxmlformats.org/presentationml/2006/main">
+  <p:cSld>
+    <p:spTree>
+      <p:nvGrpSpPr>
+        <p:cNvPr id="1" name=""/>
+        <p:cNvGrpSpPr/>
+        <p:nvPr/>
+      </p:nvGrpSpPr>
+      <p:grpSpPr>
+        <a:xfrm>
+          <a:off x="0" y="0"/>
+          <a:ext cx="0" cy="0"/>
+          <a:chOff x="0" y="0"/>
+          <a:chExt cx="0" cy="0"/>
+        </a:xfrm>
+      </p:grpSpPr>
+      <p:sp>
+        <p:nvSpPr>
+          <p:cNvPr id="5" name="Title 4">
+            <a:extLst>
+              <a:ext uri="{FF2B5EF4-FFF2-40B4-BE49-F238E27FC236}">
+                <a16:creationId xmlns:a16="http://schemas.microsoft.com/office/drawing/2014/main" id="{5B0E2B9B-3CEE-45D9-93FD-B5E4487641C2}"/>
+              </a:ext>
+            </a:extLst>
+          </p:cNvPr>
+          <p:cNvSpPr>
+            <a:spLocks noGrp="1"/>
+          </p:cNvSpPr>
+          <p:nvPr>
+            <p:ph type="title"/>
+          </p:nvPr>
+        </p:nvSpPr>
+        <p:spPr/>
+        <p:txBody>
+          <a:bodyPr/>
+          <a:lstStyle/>
+          <a:p>
+            <a:r>
+              <a:rPr lang="de-AT" dirty="0"/>
+              <a:t>Further Readings</a:t>
+            </a:r>
+          </a:p>
+        </p:txBody>
+      </p:sp>
+      <p:sp>
+        <p:nvSpPr>
+          <p:cNvPr id="6" name="Text Placeholder 5">
+            <a:extLst>
+              <a:ext uri="{FF2B5EF4-FFF2-40B4-BE49-F238E27FC236}">
+                <a16:creationId xmlns:a16="http://schemas.microsoft.com/office/drawing/2014/main" id="{B42D75CD-039E-445E-B809-510DD083C142}"/>
+              </a:ext>
+            </a:extLst>
+          </p:cNvPr>
+          <p:cNvSpPr>
+            <a:spLocks noGrp="1"/>
+          </p:cNvSpPr>
+          <p:nvPr>
+            <p:ph type="body" sz="quarter" idx="25"/>
+          </p:nvPr>
+        </p:nvSpPr>
+        <p:spPr/>
+        <p:txBody>
+          <a:bodyPr/>
+          <a:lstStyle/>
+          <a:p>
+            <a:endParaRPr lang="de-AT"/>
+          </a:p>
+        </p:txBody>
+      </p:sp>
+    </p:spTree>
+    <p:extLst>
+      <p:ext uri="{BB962C8B-B14F-4D97-AF65-F5344CB8AC3E}">
+        <p14:creationId xmlns:p14="http://schemas.microsoft.com/office/powerpoint/2010/main" val="1596752289"/>
+      </p:ext>
+    </p:extLst>
+  </p:cSld>
+  <p:clrMapOvr>
+    <a:masterClrMapping/>
+  </p:clrMapOvr>
+  <mc:AlternateContent xmlns:mc="http://schemas.openxmlformats.org/markup-compatibility/2006" xmlns:p14="http://schemas.microsoft.com/office/powerpoint/2010/main">
+    <mc:Choice Requires="p14">
+      <p:transition spd="med" p14:dur="700">
+        <p:fade/>
+      </p:transition>
+    </mc:Choice>
+    <mc:Fallback xmlns="">
+      <p:transition spd="med">
+        <p:fade/>
+      </p:transition>
+    </mc:Fallback>
+  </mc:AlternateContent>
+</p:sld>
+</file>
+
+<file path=ppt/slides/slide44.xml><?xml version="1.0" encoding="utf-8"?>
+<p:sld xmlns:a="http://schemas.openxmlformats.org/drawingml/2006/main" xmlns:r="http://schemas.openxmlformats.org/officeDocument/2006/relationships" xmlns:p="http://schemas.openxmlformats.org/presentationml/2006/main">
+  <p:cSld>
+    <p:spTree>
+      <p:nvGrpSpPr>
+        <p:cNvPr id="1" name=""/>
+        <p:cNvGrpSpPr/>
+        <p:nvPr/>
+      </p:nvGrpSpPr>
+      <p:grpSpPr>
+        <a:xfrm>
+          <a:off x="0" y="0"/>
+          <a:ext cx="0" cy="0"/>
+          <a:chOff x="0" y="0"/>
+          <a:chExt cx="0" cy="0"/>
+        </a:xfrm>
+      </p:grpSpPr>
+      <p:sp>
+        <p:nvSpPr>
+          <p:cNvPr id="4" name="Title 3">
+            <a:extLst>
+              <a:ext uri="{FF2B5EF4-FFF2-40B4-BE49-F238E27FC236}">
+                <a16:creationId xmlns:a16="http://schemas.microsoft.com/office/drawing/2014/main" id="{10B47517-2349-48AD-942A-4E9A9FDF1D1C}"/>
+              </a:ext>
+            </a:extLst>
+          </p:cNvPr>
+          <p:cNvSpPr>
+            <a:spLocks noGrp="1"/>
+          </p:cNvSpPr>
+          <p:nvPr>
+            <p:ph type="title"/>
+          </p:nvPr>
+        </p:nvSpPr>
+        <p:spPr/>
+        <p:txBody>
+          <a:bodyPr/>
+          <a:lstStyle/>
+          <a:p>
+            <a:r>
+              <a:rPr lang="de-AT" dirty="0"/>
+              <a:t>Further Readings</a:t>
+            </a:r>
+          </a:p>
+        </p:txBody>
+      </p:sp>
+      <p:sp>
+        <p:nvSpPr>
+          <p:cNvPr id="5" name="Content Placeholder 4">
+            <a:extLst>
+              <a:ext uri="{FF2B5EF4-FFF2-40B4-BE49-F238E27FC236}">
+                <a16:creationId xmlns:a16="http://schemas.microsoft.com/office/drawing/2014/main" id="{B629D99D-AA5E-4F68-BDBD-D56090F410FF}"/>
+              </a:ext>
+            </a:extLst>
+          </p:cNvPr>
+          <p:cNvSpPr>
+            <a:spLocks noGrp="1"/>
+          </p:cNvSpPr>
+          <p:nvPr>
+            <p:ph sz="quarter" idx="12"/>
+          </p:nvPr>
+        </p:nvSpPr>
+        <p:spPr/>
+        <p:txBody>
+          <a:bodyPr/>
+          <a:lstStyle/>
+          <a:p>
+            <a:r>
+              <a:rPr lang="en-US" dirty="0"/>
+              <a:t>.NET</a:t>
+            </a:r>
+            <a:endParaRPr lang="en-US" dirty="0">
+              <a:hlinkClick r:id="rId2"/>
+            </a:endParaRPr>
+          </a:p>
+          <a:p>
+            <a:pPr lvl="1"/>
+            <a:r>
+              <a:rPr lang="en-US" dirty="0">
+                <a:hlinkClick r:id="rId2"/>
+              </a:rPr>
+              <a:t>.NET Secure Coding Guidelines</a:t>
+            </a:r>
+            <a:endParaRPr lang="en-US" dirty="0"/>
+          </a:p>
+          <a:p>
+            <a:pPr lvl="1"/>
+            <a:r>
+              <a:rPr lang="en-US" dirty="0">
+                <a:hlinkClick r:id="rId3"/>
+              </a:rPr>
+              <a:t>.NET Security Announcements</a:t>
+            </a:r>
+            <a:endParaRPr lang="en-US" dirty="0"/>
+          </a:p>
+          <a:p>
+            <a:r>
+              <a:rPr lang="en-US" dirty="0"/>
+              <a:t>Web Development Security</a:t>
+            </a:r>
+            <a:endParaRPr lang="en-US" dirty="0">
+              <a:hlinkClick r:id="rId4"/>
+            </a:endParaRPr>
+          </a:p>
+          <a:p>
+            <a:pPr lvl="1"/>
+            <a:r>
+              <a:rPr lang="en-US" dirty="0">
+                <a:hlinkClick r:id="rId4"/>
+              </a:rPr>
+              <a:t>ASP.NET Security Announcements</a:t>
+            </a:r>
+            <a:endParaRPr lang="en-US" dirty="0"/>
+          </a:p>
+          <a:p>
+            <a:pPr lvl="1"/>
+            <a:r>
+              <a:rPr lang="en-US" dirty="0">
+                <a:hlinkClick r:id="rId5"/>
+              </a:rPr>
+              <a:t>OWASP Security Cheat Sheet for .NET</a:t>
+            </a:r>
+            <a:endParaRPr lang="en-US" dirty="0"/>
+          </a:p>
+          <a:p>
+            <a:r>
+              <a:rPr lang="en-US" dirty="0"/>
+              <a:t>Database Development</a:t>
+            </a:r>
+            <a:endParaRPr lang="en-US" dirty="0">
+              <a:hlinkClick r:id="rId6"/>
+            </a:endParaRPr>
+          </a:p>
+          <a:p>
+            <a:pPr lvl="1"/>
+            <a:r>
+              <a:rPr lang="en-US" dirty="0">
+                <a:hlinkClick r:id="rId6"/>
+              </a:rPr>
+              <a:t>SQL Server Security Guidelines</a:t>
+            </a:r>
+            <a:endParaRPr lang="de-AT" dirty="0"/>
+          </a:p>
+        </p:txBody>
+      </p:sp>
+      <p:sp>
+        <p:nvSpPr>
+          <p:cNvPr id="6" name="Text Placeholder 5">
+            <a:extLst>
+              <a:ext uri="{FF2B5EF4-FFF2-40B4-BE49-F238E27FC236}">
+                <a16:creationId xmlns:a16="http://schemas.microsoft.com/office/drawing/2014/main" id="{A9B4F753-70EE-4C1D-ABE0-0E1E23898BD2}"/>
+              </a:ext>
+            </a:extLst>
+          </p:cNvPr>
+          <p:cNvSpPr>
+            <a:spLocks noGrp="1"/>
+          </p:cNvSpPr>
+          <p:nvPr>
+            <p:ph type="body" sz="quarter" idx="23"/>
+          </p:nvPr>
+        </p:nvSpPr>
+        <p:spPr/>
+        <p:txBody>
+          <a:bodyPr/>
+          <a:lstStyle/>
+          <a:p>
+            <a:endParaRPr lang="de-AT"/>
+          </a:p>
+        </p:txBody>
+      </p:sp>
+    </p:spTree>
+    <p:extLst>
+      <p:ext uri="{BB962C8B-B14F-4D97-AF65-F5344CB8AC3E}">
+        <p14:creationId xmlns:p14="http://schemas.microsoft.com/office/powerpoint/2010/main" val="2857937245"/>
+      </p:ext>
+    </p:extLst>
+  </p:cSld>
+  <p:clrMapOvr>
+    <a:masterClrMapping/>
+  </p:clrMapOvr>
+  <mc:AlternateContent xmlns:mc="http://schemas.openxmlformats.org/markup-compatibility/2006" xmlns:p14="http://schemas.microsoft.com/office/powerpoint/2010/main">
+    <mc:Choice Requires="p14">
+      <p:transition spd="med" p14:dur="700">
+        <p:fade/>
+      </p:transition>
+    </mc:Choice>
+    <mc:Fallback xmlns="">
+      <p:transition spd="med">
+        <p:fade/>
+      </p:transition>
+    </mc:Fallback>
+  </mc:AlternateContent>
+</p:sld>
+</file>
+
+<file path=ppt/slides/slide45.xml><?xml version="1.0" encoding="utf-8"?>
 <p:sld xmlns:a="http://schemas.openxmlformats.org/drawingml/2006/main" xmlns:r="http://schemas.openxmlformats.org/officeDocument/2006/relationships" xmlns:p="http://schemas.openxmlformats.org/presentationml/2006/main">
   <p:cSld>
     <p:spTree>
@@ -20154,12 +22815,6 @@
 </file>
 
 <file path=customXml/item1.xml><?xml version="1.0" encoding="utf-8"?>
-<p:properties xmlns:p="http://schemas.microsoft.com/office/2006/metadata/properties" xmlns:xsi="http://www.w3.org/2001/XMLSchema-instance">
-  <documentManagement/>
-</p:properties>
-</file>
-
-<file path=customXml/item2.xml><?xml version="1.0" encoding="utf-8"?>
 <?mso-contentType ?>
 <FormTemplates xmlns="http://schemas.microsoft.com/sharepoint/v3/contenttype/forms">
   <Display>DocumentLibraryForm</Display>
@@ -20168,7 +22823,7 @@
 </FormTemplates>
 </file>
 
-<file path=customXml/item3.xml><?xml version="1.0" encoding="utf-8"?>
+<file path=customXml/item2.xml><?xml version="1.0" encoding="utf-8"?>
 <ct:contentTypeSchema xmlns:ct="http://schemas.microsoft.com/office/2006/metadata/contentType" xmlns:ma="http://schemas.microsoft.com/office/2006/metadata/properties/metaAttributes" ct:_="" ma:_="" ma:contentTypeName="Document" ma:contentTypeID="0x0101006C90029AD581154692170791F90B0BA6" ma:contentTypeVersion="0" ma:contentTypeDescription="Create a new document." ma:contentTypeScope="" ma:versionID="453f2a28f59e13bb333d4563bd7e6ec5">
   <xsd:schema xmlns:xsd="http://www.w3.org/2001/XMLSchema" xmlns:p="http://schemas.microsoft.com/office/2006/metadata/properties" targetNamespace="http://schemas.microsoft.com/office/2006/metadata/properties" ma:root="true" ma:fieldsID="4aeb20c0e3442673af7ee10786458764">
     <xsd:element name="properties">
@@ -20217,21 +22872,13 @@
 </ct:contentTypeSchema>
 </file>
 
-<file path=customXml/itemProps1.xml><?xml version="1.0" encoding="utf-8"?>
-<ds:datastoreItem xmlns:ds="http://schemas.openxmlformats.org/officeDocument/2006/customXml" ds:itemID="{03D43D4A-F5F8-47F6-A4EC-521F433C91BF}">
-  <ds:schemaRefs>
-    <ds:schemaRef ds:uri="http://purl.org/dc/terms/"/>
-    <ds:schemaRef ds:uri="http://schemas.openxmlformats.org/package/2006/metadata/core-properties"/>
-    <ds:schemaRef ds:uri="http://purl.org/dc/dcmitype/"/>
-    <ds:schemaRef ds:uri="http://purl.org/dc/elements/1.1/"/>
-    <ds:schemaRef ds:uri="http://schemas.microsoft.com/office/2006/metadata/properties"/>
-    <ds:schemaRef ds:uri="http://schemas.microsoft.com/office/2006/documentManagement/types"/>
-    <ds:schemaRef ds:uri="http://www.w3.org/XML/1998/namespace"/>
-  </ds:schemaRefs>
-</ds:datastoreItem>
+<file path=customXml/item3.xml><?xml version="1.0" encoding="utf-8"?>
+<p:properties xmlns:p="http://schemas.microsoft.com/office/2006/metadata/properties" xmlns:xsi="http://www.w3.org/2001/XMLSchema-instance">
+  <documentManagement/>
+</p:properties>
 </file>
 
-<file path=customXml/itemProps2.xml><?xml version="1.0" encoding="utf-8"?>
+<file path=customXml/itemProps1.xml><?xml version="1.0" encoding="utf-8"?>
 <ds:datastoreItem xmlns:ds="http://schemas.openxmlformats.org/officeDocument/2006/customXml" ds:itemID="{B978F6DD-25A2-48DB-A93B-386E9DA01ECA}">
   <ds:schemaRefs>
     <ds:schemaRef ds:uri="http://schemas.microsoft.com/sharepoint/v3/contenttype/forms"/>
@@ -20239,7 +22886,7 @@
 </ds:datastoreItem>
 </file>
 
-<file path=customXml/itemProps3.xml><?xml version="1.0" encoding="utf-8"?>
+<file path=customXml/itemProps2.xml><?xml version="1.0" encoding="utf-8"?>
 <ds:datastoreItem xmlns:ds="http://schemas.openxmlformats.org/officeDocument/2006/customXml" ds:itemID="{14A11C81-3A20-458B-AC33-D8C9DB9BBB4A}">
   <ds:schemaRefs>
     <ds:schemaRef ds:uri="http://schemas.microsoft.com/office/2006/metadata/contentType"/>
@@ -20252,4 +22899,18 @@
     <ds:schemaRef ds:uri="http://schemas.microsoft.com/office/internal/2005/internalDocumentation"/>
   </ds:schemaRefs>
 </ds:datastoreItem>
+</file>
+
+<file path=customXml/itemProps3.xml><?xml version="1.0" encoding="utf-8"?>
+<ds:datastoreItem xmlns:ds="http://schemas.openxmlformats.org/officeDocument/2006/customXml" ds:itemID="{03D43D4A-F5F8-47F6-A4EC-521F433C91BF}">
+  <ds:schemaRefs>
+    <ds:schemaRef ds:uri="http://purl.org/dc/terms/"/>
+    <ds:schemaRef ds:uri="http://schemas.openxmlformats.org/package/2006/metadata/core-properties"/>
+    <ds:schemaRef ds:uri="http://purl.org/dc/dcmitype/"/>
+    <ds:schemaRef ds:uri="http://purl.org/dc/elements/1.1/"/>
+    <ds:schemaRef ds:uri="http://schemas.microsoft.com/office/2006/metadata/properties"/>
+    <ds:schemaRef ds:uri="http://schemas.microsoft.com/office/2006/documentManagement/types"/>
+    <ds:schemaRef ds:uri="http://www.w3.org/XML/1998/namespace"/>
+  </ds:schemaRefs>
+</ds:datastoreItem>
 </file>